--- a/ppt/Universal Style transfer via Feature Transform.pptx
+++ b/ppt/Universal Style transfer via Feature Transform.pptx
@@ -12,6 +12,9 @@
     <p:sldId id="260" r:id="rId6"/>
     <p:sldId id="261" r:id="rId7"/>
     <p:sldId id="262" r:id="rId8"/>
+    <p:sldId id="263" r:id="rId9"/>
+    <p:sldId id="264" r:id="rId10"/>
+    <p:sldId id="265" r:id="rId11"/>
   </p:sldIdLst>
   <p:sldSz cx="9144000" cy="6858000" type="screen4x3"/>
   <p:notesSz cx="6858000" cy="9144000"/>
@@ -738,6 +741,7 @@
           <a:p>
             <a:fld id="{E6E985E8-094D-432C-AD96-489E57D7E58F}" type="datetimeFigureOut">
               <a:rPr lang="en-US" smtClean="0"/>
+              <a:pPr/>
               <a:t>2/21/2019</a:t>
             </a:fld>
             <a:endParaRPr lang="en-US"/>
@@ -800,6 +804,7 @@
           <a:p>
             <a:fld id="{E86AF095-0F4D-43CB-877E-2483F419D1E8}" type="slidenum">
               <a:rPr lang="en-US" smtClean="0"/>
+              <a:pPr/>
               <a:t>‹#›</a:t>
             </a:fld>
             <a:endParaRPr lang="en-US"/>
@@ -934,6 +939,7 @@
           <a:p>
             <a:fld id="{E6E985E8-094D-432C-AD96-489E57D7E58F}" type="datetimeFigureOut">
               <a:rPr lang="en-US" smtClean="0"/>
+              <a:pPr/>
               <a:t>2/21/2019</a:t>
             </a:fld>
             <a:endParaRPr lang="en-US"/>
@@ -980,6 +986,7 @@
           <a:p>
             <a:fld id="{E86AF095-0F4D-43CB-877E-2483F419D1E8}" type="slidenum">
               <a:rPr lang="en-US" smtClean="0"/>
+              <a:pPr/>
               <a:t>‹#›</a:t>
             </a:fld>
             <a:endParaRPr lang="en-US"/>
@@ -1119,6 +1126,7 @@
           <a:p>
             <a:fld id="{E6E985E8-094D-432C-AD96-489E57D7E58F}" type="datetimeFigureOut">
               <a:rPr lang="en-US" smtClean="0"/>
+              <a:pPr/>
               <a:t>2/21/2019</a:t>
             </a:fld>
             <a:endParaRPr lang="en-US"/>
@@ -1165,6 +1173,7 @@
           <a:p>
             <a:fld id="{E86AF095-0F4D-43CB-877E-2483F419D1E8}" type="slidenum">
               <a:rPr lang="en-US" smtClean="0"/>
+              <a:pPr/>
               <a:t>‹#›</a:t>
             </a:fld>
             <a:endParaRPr lang="en-US"/>
@@ -1269,6 +1278,7 @@
           <a:p>
             <a:fld id="{E6E985E8-094D-432C-AD96-489E57D7E58F}" type="datetimeFigureOut">
               <a:rPr lang="en-US" smtClean="0"/>
+              <a:pPr/>
               <a:t>2/21/2019</a:t>
             </a:fld>
             <a:endParaRPr lang="en-US"/>
@@ -1315,6 +1325,7 @@
           <a:p>
             <a:fld id="{E86AF095-0F4D-43CB-877E-2483F419D1E8}" type="slidenum">
               <a:rPr lang="en-US" smtClean="0"/>
+              <a:pPr/>
               <a:t>‹#›</a:t>
             </a:fld>
             <a:endParaRPr lang="en-US"/>
@@ -1524,6 +1535,7 @@
           <a:p>
             <a:fld id="{E6E985E8-094D-432C-AD96-489E57D7E58F}" type="datetimeFigureOut">
               <a:rPr lang="en-US" smtClean="0"/>
+              <a:pPr/>
               <a:t>2/21/2019</a:t>
             </a:fld>
             <a:endParaRPr lang="en-US"/>
@@ -1570,6 +1582,7 @@
           <a:p>
             <a:fld id="{E86AF095-0F4D-43CB-877E-2483F419D1E8}" type="slidenum">
               <a:rPr lang="en-US" smtClean="0"/>
+              <a:pPr/>
               <a:t>‹#›</a:t>
             </a:fld>
             <a:endParaRPr lang="en-US"/>
@@ -1933,6 +1946,7 @@
           <a:p>
             <a:fld id="{E6E985E8-094D-432C-AD96-489E57D7E58F}" type="datetimeFigureOut">
               <a:rPr lang="en-US" smtClean="0"/>
+              <a:pPr/>
               <a:t>2/21/2019</a:t>
             </a:fld>
             <a:endParaRPr lang="en-US"/>
@@ -1979,6 +1993,7 @@
           <a:p>
             <a:fld id="{E86AF095-0F4D-43CB-877E-2483F419D1E8}" type="slidenum">
               <a:rPr lang="en-US" smtClean="0"/>
+              <a:pPr/>
               <a:t>‹#›</a:t>
             </a:fld>
             <a:endParaRPr lang="en-US"/>
@@ -2379,6 +2394,7 @@
           <a:p>
             <a:fld id="{E6E985E8-094D-432C-AD96-489E57D7E58F}" type="datetimeFigureOut">
               <a:rPr lang="en-US" smtClean="0"/>
+              <a:pPr/>
               <a:t>2/21/2019</a:t>
             </a:fld>
             <a:endParaRPr lang="en-US"/>
@@ -2425,6 +2441,7 @@
           <a:p>
             <a:fld id="{E86AF095-0F4D-43CB-877E-2483F419D1E8}" type="slidenum">
               <a:rPr lang="en-US" smtClean="0"/>
+              <a:pPr/>
               <a:t>‹#›</a:t>
             </a:fld>
             <a:endParaRPr lang="en-US"/>
@@ -2480,6 +2497,7 @@
           <a:p>
             <a:fld id="{E6E985E8-094D-432C-AD96-489E57D7E58F}" type="datetimeFigureOut">
               <a:rPr lang="en-US" smtClean="0"/>
+              <a:pPr/>
               <a:t>2/21/2019</a:t>
             </a:fld>
             <a:endParaRPr lang="en-US"/>
@@ -2526,6 +2544,7 @@
           <a:p>
             <a:fld id="{E86AF095-0F4D-43CB-877E-2483F419D1E8}" type="slidenum">
               <a:rPr lang="en-US" smtClean="0"/>
+              <a:pPr/>
               <a:t>‹#›</a:t>
             </a:fld>
             <a:endParaRPr lang="en-US"/>
@@ -2601,6 +2620,7 @@
           <a:p>
             <a:fld id="{E6E985E8-094D-432C-AD96-489E57D7E58F}" type="datetimeFigureOut">
               <a:rPr lang="en-US" smtClean="0"/>
+              <a:pPr/>
               <a:t>2/21/2019</a:t>
             </a:fld>
             <a:endParaRPr lang="en-US"/>
@@ -2647,6 +2667,7 @@
           <a:p>
             <a:fld id="{E86AF095-0F4D-43CB-877E-2483F419D1E8}" type="slidenum">
               <a:rPr lang="en-US" smtClean="0"/>
+              <a:pPr/>
               <a:t>‹#›</a:t>
             </a:fld>
             <a:endParaRPr lang="en-US"/>
@@ -2875,6 +2896,7 @@
           <a:p>
             <a:fld id="{E6E985E8-094D-432C-AD96-489E57D7E58F}" type="datetimeFigureOut">
               <a:rPr lang="en-US" smtClean="0"/>
+              <a:pPr/>
               <a:t>2/21/2019</a:t>
             </a:fld>
             <a:endParaRPr lang="en-US"/>
@@ -2921,6 +2943,7 @@
           <a:p>
             <a:fld id="{E86AF095-0F4D-43CB-877E-2483F419D1E8}" type="slidenum">
               <a:rPr lang="en-US" smtClean="0"/>
+              <a:pPr/>
               <a:t>‹#›</a:t>
             </a:fld>
             <a:endParaRPr lang="en-US"/>
@@ -3080,6 +3103,7 @@
           <a:p>
             <a:fld id="{E6E985E8-094D-432C-AD96-489E57D7E58F}" type="datetimeFigureOut">
               <a:rPr lang="en-US" smtClean="0"/>
+              <a:pPr/>
               <a:t>2/21/2019</a:t>
             </a:fld>
             <a:endParaRPr lang="en-US"/>
@@ -3145,6 +3169,7 @@
           <a:p>
             <a:fld id="{E86AF095-0F4D-43CB-877E-2483F419D1E8}" type="slidenum">
               <a:rPr lang="en-US" smtClean="0"/>
+              <a:pPr/>
               <a:t>‹#›</a:t>
             </a:fld>
             <a:endParaRPr lang="en-US"/>
@@ -4189,6 +4214,7 @@
           <a:p>
             <a:fld id="{E6E985E8-094D-432C-AD96-489E57D7E58F}" type="datetimeFigureOut">
               <a:rPr lang="en-US" smtClean="0"/>
+              <a:pPr/>
               <a:t>2/21/2019</a:t>
             </a:fld>
             <a:endParaRPr lang="en-US"/>
@@ -4265,6 +4291,7 @@
           <a:p>
             <a:fld id="{E86AF095-0F4D-43CB-877E-2483F419D1E8}" type="slidenum">
               <a:rPr lang="en-US" smtClean="0"/>
+              <a:pPr/>
               <a:t>‹#›</a:t>
             </a:fld>
             <a:endParaRPr lang="en-US"/>
@@ -4872,6 +4899,112 @@
 </p:sld>
 </file>
 
+<file path=ppt/slides/slide10.xml><?xml version="1.0" encoding="utf-8"?>
+<p:sld xmlns:a="http://schemas.openxmlformats.org/drawingml/2006/main" xmlns:r="http://schemas.openxmlformats.org/officeDocument/2006/relationships" xmlns:p="http://schemas.openxmlformats.org/presentationml/2006/main">
+  <p:cSld>
+    <p:spTree>
+      <p:nvGrpSpPr>
+        <p:cNvPr id="1" name=""/>
+        <p:cNvGrpSpPr/>
+        <p:nvPr/>
+      </p:nvGrpSpPr>
+      <p:grpSpPr>
+        <a:xfrm>
+          <a:off x="0" y="0"/>
+          <a:ext cx="0" cy="0"/>
+          <a:chOff x="0" y="0"/>
+          <a:chExt cx="0" cy="0"/>
+        </a:xfrm>
+      </p:grpSpPr>
+      <p:sp>
+        <p:nvSpPr>
+          <p:cNvPr id="3" name="Title 2"/>
+          <p:cNvSpPr>
+            <a:spLocks noGrp="1"/>
+          </p:cNvSpPr>
+          <p:nvPr>
+            <p:ph type="title"/>
+          </p:nvPr>
+        </p:nvSpPr>
+        <p:spPr/>
+        <p:txBody>
+          <a:bodyPr/>
+          <a:lstStyle/>
+          <a:p>
+            <a:r>
+              <a:rPr lang="en-US" dirty="0" smtClean="0"/>
+              <a:t>Level Merge</a:t>
+            </a:r>
+            <a:endParaRPr lang="en-US" dirty="0"/>
+          </a:p>
+        </p:txBody>
+      </p:sp>
+      <p:pic>
+        <p:nvPicPr>
+          <p:cNvPr id="4098" name="Picture 2"/>
+          <p:cNvPicPr>
+            <a:picLocks noChangeAspect="1" noChangeArrowheads="1"/>
+          </p:cNvPicPr>
+          <p:nvPr/>
+        </p:nvPicPr>
+        <p:blipFill>
+          <a:blip r:embed="rId2" cstate="print"/>
+          <a:srcRect/>
+          <a:stretch>
+            <a:fillRect/>
+          </a:stretch>
+        </p:blipFill>
+        <p:spPr bwMode="auto">
+          <a:xfrm>
+            <a:off x="2362200" y="1219200"/>
+            <a:ext cx="4349010" cy="4724400"/>
+          </a:xfrm>
+          <a:prstGeom prst="rect">
+            <a:avLst/>
+          </a:prstGeom>
+          <a:noFill/>
+          <a:ln w="9525">
+            <a:noFill/>
+            <a:miter lim="800000"/>
+            <a:headEnd/>
+            <a:tailEnd/>
+          </a:ln>
+        </p:spPr>
+      </p:pic>
+      <p:pic>
+        <p:nvPicPr>
+          <p:cNvPr id="4099" name="Picture 3" descr="C:\Users\carmi\Documents\universal_style_transfer\Report\Figures\merge\merge_bridge_starry_st2_3.jpg"/>
+          <p:cNvPicPr>
+            <a:picLocks noChangeAspect="1" noChangeArrowheads="1"/>
+          </p:cNvPicPr>
+          <p:nvPr/>
+        </p:nvPicPr>
+        <p:blipFill>
+          <a:blip r:embed="rId3" cstate="print"/>
+          <a:srcRect/>
+          <a:stretch>
+            <a:fillRect/>
+          </a:stretch>
+        </p:blipFill>
+        <p:spPr bwMode="auto">
+          <a:xfrm>
+            <a:off x="6400800" y="4191000"/>
+            <a:ext cx="2286000" cy="2286000"/>
+          </a:xfrm>
+          <a:prstGeom prst="rect">
+            <a:avLst/>
+          </a:prstGeom>
+          <a:noFill/>
+        </p:spPr>
+      </p:pic>
+    </p:spTree>
+  </p:cSld>
+  <p:clrMapOvr>
+    <a:masterClrMapping/>
+  </p:clrMapOvr>
+</p:sld>
+</file>
+
 <file path=ppt/slides/slide2.xml><?xml version="1.0" encoding="utf-8"?>
 <p:sld xmlns:a="http://schemas.openxmlformats.org/drawingml/2006/main" xmlns:r="http://schemas.openxmlformats.org/officeDocument/2006/relationships" xmlns:p="http://schemas.openxmlformats.org/presentationml/2006/main">
   <p:cSld>
@@ -5058,15 +5191,7 @@
             <a:pPr algn="ctr"/>
             <a:r>
               <a:rPr lang="en-US" dirty="0" smtClean="0"/>
-              <a:t>Feature Transform Using </a:t>
-            </a:r>
-            <a:r>
-              <a:rPr lang="en-US" dirty="0" smtClean="0"/>
-              <a:t>VGG-19 </a:t>
-            </a:r>
-            <a:r>
-              <a:rPr lang="en-US" dirty="0" smtClean="0"/>
-              <a:t>Encoder-Decoder</a:t>
+              <a:t>Feature Transform Using VGG-19 Encoder-Decoder</a:t>
             </a:r>
             <a:br>
               <a:rPr lang="en-US" dirty="0" smtClean="0"/>
@@ -6424,7 +6549,7 @@
       </p:sp>
       <p:pic>
         <p:nvPicPr>
-          <p:cNvPr id="4" name="Picture 5" descr="C:\Users\carmi\Documents\universal_style_transfer\ppt\brick.jpg"/>
+          <p:cNvPr id="31747" name="Picture 3"/>
           <p:cNvPicPr>
             <a:picLocks noChangeAspect="1" noChangeArrowheads="1"/>
           </p:cNvPicPr>
@@ -6438,60 +6563,8 @@
           </a:stretch>
         </p:blipFill>
         <p:spPr bwMode="auto">
-          <a:xfrm flipH="1">
-            <a:off x="705842" y="1716242"/>
-            <a:ext cx="1732558" cy="1712758"/>
-          </a:xfrm>
-          <a:prstGeom prst="rect">
-            <a:avLst/>
-          </a:prstGeom>
-          <a:noFill/>
-        </p:spPr>
-      </p:pic>
-      <p:pic>
-        <p:nvPicPr>
-          <p:cNvPr id="5" name="Picture 7" descr="C:\Users\carmi\Documents\universal_style_transfer\ppt\graffiti_sq.jpg"/>
-          <p:cNvPicPr>
-            <a:picLocks noChangeAspect="1" noChangeArrowheads="1"/>
-          </p:cNvPicPr>
-          <p:nvPr/>
-        </p:nvPicPr>
-        <p:blipFill>
-          <a:blip r:embed="rId3" cstate="print"/>
-          <a:srcRect/>
-          <a:stretch>
-            <a:fillRect/>
-          </a:stretch>
-        </p:blipFill>
-        <p:spPr bwMode="auto">
-          <a:xfrm>
-            <a:off x="685800" y="3733800"/>
-            <a:ext cx="1729996" cy="1654780"/>
-          </a:xfrm>
-          <a:prstGeom prst="rect">
-            <a:avLst/>
-          </a:prstGeom>
-          <a:noFill/>
-        </p:spPr>
-      </p:pic>
-      <p:pic>
-        <p:nvPicPr>
-          <p:cNvPr id="31747" name="Picture 3"/>
-          <p:cNvPicPr>
-            <a:picLocks noChangeAspect="1" noChangeArrowheads="1"/>
-          </p:cNvPicPr>
-          <p:nvPr/>
-        </p:nvPicPr>
-        <p:blipFill>
-          <a:blip r:embed="rId4" cstate="print"/>
-          <a:srcRect/>
-          <a:stretch>
-            <a:fillRect/>
-          </a:stretch>
-        </p:blipFill>
-        <p:spPr bwMode="auto">
-          <a:xfrm>
-            <a:off x="2871597" y="1828800"/>
+          <a:xfrm>
+            <a:off x="1905000" y="1066800"/>
             <a:ext cx="1200532" cy="3505200"/>
           </a:xfrm>
           <a:prstGeom prst="rect">
@@ -6514,7 +6587,7 @@
         </p:nvCxnSpPr>
         <p:spPr>
           <a:xfrm>
-            <a:off x="2514600" y="2514600"/>
+            <a:off x="1524000" y="1752600"/>
             <a:ext cx="381000" cy="0"/>
           </a:xfrm>
           <a:prstGeom prst="straightConnector1">
@@ -6547,7 +6620,7 @@
         </p:nvCxnSpPr>
         <p:spPr>
           <a:xfrm>
-            <a:off x="2514600" y="4572000"/>
+            <a:off x="1524000" y="3733800"/>
             <a:ext cx="381000" cy="0"/>
           </a:xfrm>
           <a:prstGeom prst="straightConnector1">
@@ -6574,7 +6647,59 @@
       </p:cxnSp>
       <p:pic>
         <p:nvPicPr>
-          <p:cNvPr id="31749" name="Picture 5"/>
+          <p:cNvPr id="1028" name="Picture 4" descr="C:\Users\carmi\Documents\universal_style_transfer\Report\Figures\starry_sq.jpg"/>
+          <p:cNvPicPr>
+            <a:picLocks noChangeAspect="1" noChangeArrowheads="1"/>
+          </p:cNvPicPr>
+          <p:nvPr/>
+        </p:nvPicPr>
+        <p:blipFill>
+          <a:blip r:embed="rId3" cstate="print"/>
+          <a:srcRect/>
+          <a:stretch>
+            <a:fillRect/>
+          </a:stretch>
+        </p:blipFill>
+        <p:spPr bwMode="auto">
+          <a:xfrm>
+            <a:off x="228600" y="1219200"/>
+            <a:ext cx="1371600" cy="1371600"/>
+          </a:xfrm>
+          <a:prstGeom prst="rect">
+            <a:avLst/>
+          </a:prstGeom>
+          <a:noFill/>
+        </p:spPr>
+      </p:pic>
+      <p:pic>
+        <p:nvPicPr>
+          <p:cNvPr id="1029" name="Picture 5" descr="C:\Users\carmi\Documents\universal_style_transfer\Report\Figures\st2_sq.jpg"/>
+          <p:cNvPicPr>
+            <a:picLocks noChangeAspect="1" noChangeArrowheads="1"/>
+          </p:cNvPicPr>
+          <p:nvPr/>
+        </p:nvPicPr>
+        <p:blipFill>
+          <a:blip r:embed="rId4" cstate="print"/>
+          <a:srcRect/>
+          <a:stretch>
+            <a:fillRect/>
+          </a:stretch>
+        </p:blipFill>
+        <p:spPr bwMode="auto">
+          <a:xfrm>
+            <a:off x="228598" y="2971800"/>
+            <a:ext cx="1371602" cy="1371602"/>
+          </a:xfrm>
+          <a:prstGeom prst="rect">
+            <a:avLst/>
+          </a:prstGeom>
+          <a:noFill/>
+        </p:spPr>
+      </p:pic>
+      <p:pic>
+        <p:nvPicPr>
+          <p:cNvPr id="1030" name="Picture 6" descr="C:\Users\carmi\Documents\universal_style_transfer\Report\Figures\bridge_sq.jpg"/>
           <p:cNvPicPr>
             <a:picLocks noChangeAspect="1" noChangeArrowheads="1"/>
           </p:cNvPicPr>
@@ -6589,8 +6714,34 @@
         </p:blipFill>
         <p:spPr bwMode="auto">
           <a:xfrm>
-            <a:off x="4419600" y="1828800"/>
-            <a:ext cx="3778898" cy="3200400"/>
+            <a:off x="228600" y="4572000"/>
+            <a:ext cx="1371600" cy="1371600"/>
+          </a:xfrm>
+          <a:prstGeom prst="rect">
+            <a:avLst/>
+          </a:prstGeom>
+          <a:noFill/>
+        </p:spPr>
+      </p:pic>
+      <p:pic>
+        <p:nvPicPr>
+          <p:cNvPr id="1031" name="Picture 7"/>
+          <p:cNvPicPr>
+            <a:picLocks noChangeAspect="1" noChangeArrowheads="1"/>
+          </p:cNvPicPr>
+          <p:nvPr/>
+        </p:nvPicPr>
+        <p:blipFill>
+          <a:blip r:embed="rId6" cstate="print"/>
+          <a:srcRect/>
+          <a:stretch>
+            <a:fillRect/>
+          </a:stretch>
+        </p:blipFill>
+        <p:spPr bwMode="auto">
+          <a:xfrm>
+            <a:off x="1867874" y="4572000"/>
+            <a:ext cx="1256326" cy="1676400"/>
           </a:xfrm>
           <a:prstGeom prst="rect">
             <a:avLst/>
@@ -6604,45 +6755,112 @@
           </a:ln>
         </p:spPr>
       </p:pic>
-      <p:sp>
-        <p:nvSpPr>
-          <p:cNvPr id="33" name="TextBox 32"/>
-          <p:cNvSpPr txBox="1"/>
-          <p:nvPr/>
-        </p:nvSpPr>
-        <p:spPr>
-          <a:xfrm>
-            <a:off x="5105400" y="1600200"/>
-            <a:ext cx="2688557" cy="369332"/>
+      <p:cxnSp>
+        <p:nvCxnSpPr>
+          <p:cNvPr id="23" name="Straight Arrow Connector 22"/>
+          <p:cNvCxnSpPr/>
+          <p:nvPr/>
+        </p:nvCxnSpPr>
+        <p:spPr>
+          <a:xfrm>
+            <a:off x="1524000" y="5334000"/>
+            <a:ext cx="381000" cy="0"/>
+          </a:xfrm>
+          <a:prstGeom prst="straightConnector1">
+            <a:avLst/>
+          </a:prstGeom>
+          <a:ln>
+            <a:tailEnd type="arrow"/>
+          </a:ln>
+        </p:spPr>
+        <p:style>
+          <a:lnRef idx="3">
+            <a:schemeClr val="dk1"/>
+          </a:lnRef>
+          <a:fillRef idx="0">
+            <a:schemeClr val="dk1"/>
+          </a:fillRef>
+          <a:effectRef idx="2">
+            <a:schemeClr val="dk1"/>
+          </a:effectRef>
+          <a:fontRef idx="minor">
+            <a:schemeClr val="tx1"/>
+          </a:fontRef>
+        </p:style>
+      </p:cxnSp>
+      <p:pic>
+        <p:nvPicPr>
+          <p:cNvPr id="1033" name="Picture 9"/>
+          <p:cNvPicPr>
+            <a:picLocks noChangeAspect="1" noChangeArrowheads="1"/>
+          </p:cNvPicPr>
+          <p:nvPr/>
+        </p:nvPicPr>
+        <p:blipFill>
+          <a:blip r:embed="rId7" cstate="print"/>
+          <a:srcRect/>
+          <a:stretch>
+            <a:fillRect/>
+          </a:stretch>
+        </p:blipFill>
+        <p:spPr bwMode="auto">
+          <a:xfrm>
+            <a:off x="3505200" y="4724400"/>
+            <a:ext cx="1447800" cy="1260670"/>
           </a:xfrm>
           <a:prstGeom prst="rect">
             <a:avLst/>
           </a:prstGeom>
           <a:noFill/>
-        </p:spPr>
-        <p:txBody>
-          <a:bodyPr wrap="none" rtlCol="0">
-            <a:spAutoFit/>
-          </a:bodyPr>
-          <a:lstStyle/>
-          <a:p>
-            <a:r>
-              <a:rPr lang="en-US" b="1" dirty="0" smtClean="0"/>
-              <a:t>Deep feature channels</a:t>
-            </a:r>
-            <a:endParaRPr lang="en-US" b="1" dirty="0"/>
-          </a:p>
-        </p:txBody>
-      </p:sp>
-      <p:sp>
-        <p:nvSpPr>
-          <p:cNvPr id="34" name="Right Arrow 33"/>
+          <a:ln w="9525">
+            <a:noFill/>
+            <a:miter lim="800000"/>
+            <a:headEnd/>
+            <a:tailEnd/>
+          </a:ln>
+        </p:spPr>
+      </p:pic>
+      <p:pic>
+        <p:nvPicPr>
+          <p:cNvPr id="1034" name="Picture 10"/>
+          <p:cNvPicPr>
+            <a:picLocks noChangeAspect="1" noChangeArrowheads="1"/>
+          </p:cNvPicPr>
+          <p:nvPr/>
+        </p:nvPicPr>
+        <p:blipFill>
+          <a:blip r:embed="rId8" cstate="print"/>
+          <a:srcRect/>
+          <a:stretch>
+            <a:fillRect/>
+          </a:stretch>
+        </p:blipFill>
+        <p:spPr bwMode="auto">
+          <a:xfrm>
+            <a:off x="5257800" y="3505200"/>
+            <a:ext cx="828674" cy="992074"/>
+          </a:xfrm>
+          <a:prstGeom prst="rect">
+            <a:avLst/>
+          </a:prstGeom>
+          <a:noFill/>
+          <a:ln w="9525">
+            <a:noFill/>
+            <a:miter lim="800000"/>
+            <a:headEnd/>
+            <a:tailEnd/>
+          </a:ln>
+        </p:spPr>
+      </p:pic>
+      <p:sp>
+        <p:nvSpPr>
+          <p:cNvPr id="28" name="Right Arrow 27"/>
           <p:cNvSpPr/>
           <p:nvPr/>
         </p:nvSpPr>
         <p:spPr>
           <a:xfrm>
-            <a:off x="4114800" y="2438400"/>
+            <a:off x="3048000" y="5257800"/>
             <a:ext cx="381000" cy="228600"/>
           </a:xfrm>
           <a:prstGeom prst="rightArrow">
@@ -6676,13 +6894,13 @@
       </p:sp>
       <p:sp>
         <p:nvSpPr>
-          <p:cNvPr id="35" name="Right Arrow 34"/>
+          <p:cNvPr id="24" name="Right Arrow 23"/>
           <p:cNvSpPr/>
           <p:nvPr/>
         </p:nvSpPr>
         <p:spPr>
-          <a:xfrm>
-            <a:off x="4114800" y="4343400"/>
+          <a:xfrm rot="5400000">
+            <a:off x="5486400" y="3352800"/>
             <a:ext cx="381000" cy="228600"/>
           </a:xfrm>
           <a:prstGeom prst="rightArrow">
@@ -6714,16 +6932,80 @@
           </a:p>
         </p:txBody>
       </p:sp>
-      <p:sp>
-        <p:nvSpPr>
-          <p:cNvPr id="37" name="Right Arrow 36"/>
+      <p:pic>
+        <p:nvPicPr>
+          <p:cNvPr id="1035" name="Picture 11"/>
+          <p:cNvPicPr>
+            <a:picLocks noChangeAspect="1" noChangeArrowheads="1"/>
+          </p:cNvPicPr>
+          <p:nvPr/>
+        </p:nvPicPr>
+        <p:blipFill>
+          <a:blip r:embed="rId9" cstate="print"/>
+          <a:srcRect/>
+          <a:stretch>
+            <a:fillRect/>
+          </a:stretch>
+        </p:blipFill>
+        <p:spPr bwMode="auto">
+          <a:xfrm>
+            <a:off x="6477000" y="3276600"/>
+            <a:ext cx="759130" cy="1514474"/>
+          </a:xfrm>
+          <a:prstGeom prst="rect">
+            <a:avLst/>
+          </a:prstGeom>
+          <a:noFill/>
+          <a:ln w="9525">
+            <a:noFill/>
+            <a:miter lim="800000"/>
+            <a:headEnd/>
+            <a:tailEnd/>
+          </a:ln>
+        </p:spPr>
+      </p:pic>
+      <p:pic>
+        <p:nvPicPr>
+          <p:cNvPr id="1036" name="Picture 12"/>
+          <p:cNvPicPr>
+            <a:picLocks noChangeAspect="1" noChangeArrowheads="1"/>
+          </p:cNvPicPr>
+          <p:nvPr/>
+        </p:nvPicPr>
+        <p:blipFill>
+          <a:blip r:embed="rId10" cstate="print"/>
+          <a:srcRect/>
+          <a:stretch>
+            <a:fillRect/>
+          </a:stretch>
+        </p:blipFill>
+        <p:spPr bwMode="auto">
+          <a:xfrm>
+            <a:off x="3352800" y="1295400"/>
+            <a:ext cx="1571625" cy="1343025"/>
+          </a:xfrm>
+          <a:prstGeom prst="rect">
+            <a:avLst/>
+          </a:prstGeom>
+          <a:noFill/>
+          <a:ln w="9525">
+            <a:noFill/>
+            <a:miter lim="800000"/>
+            <a:headEnd/>
+            <a:tailEnd/>
+          </a:ln>
+        </p:spPr>
+      </p:pic>
+      <p:sp>
+        <p:nvSpPr>
+          <p:cNvPr id="34" name="Right Arrow 33"/>
           <p:cNvSpPr/>
           <p:nvPr/>
         </p:nvSpPr>
         <p:spPr>
           <a:xfrm>
-            <a:off x="6019800" y="3352800"/>
-            <a:ext cx="381000" cy="152400"/>
+            <a:off x="3124200" y="1828800"/>
+            <a:ext cx="381000" cy="228600"/>
           </a:xfrm>
           <a:prstGeom prst="rightArrow">
             <a:avLst/>
@@ -6751,6 +7033,2663 @@
           <a:p>
             <a:pPr algn="ctr"/>
             <a:endParaRPr lang="en-US"/>
+          </a:p>
+        </p:txBody>
+      </p:sp>
+      <p:pic>
+        <p:nvPicPr>
+          <p:cNvPr id="1037" name="Picture 13"/>
+          <p:cNvPicPr>
+            <a:picLocks noChangeAspect="1" noChangeArrowheads="1"/>
+          </p:cNvPicPr>
+          <p:nvPr/>
+        </p:nvPicPr>
+        <p:blipFill>
+          <a:blip r:embed="rId11" cstate="print"/>
+          <a:srcRect/>
+          <a:stretch>
+            <a:fillRect/>
+          </a:stretch>
+        </p:blipFill>
+        <p:spPr bwMode="auto">
+          <a:xfrm>
+            <a:off x="3505200" y="3124200"/>
+            <a:ext cx="1476375" cy="1419225"/>
+          </a:xfrm>
+          <a:prstGeom prst="rect">
+            <a:avLst/>
+          </a:prstGeom>
+          <a:noFill/>
+          <a:ln w="9525">
+            <a:noFill/>
+            <a:miter lim="800000"/>
+            <a:headEnd/>
+            <a:tailEnd/>
+          </a:ln>
+        </p:spPr>
+      </p:pic>
+      <p:sp>
+        <p:nvSpPr>
+          <p:cNvPr id="35" name="Right Arrow 34"/>
+          <p:cNvSpPr/>
+          <p:nvPr/>
+        </p:nvSpPr>
+        <p:spPr>
+          <a:xfrm>
+            <a:off x="3124200" y="3733800"/>
+            <a:ext cx="381000" cy="228600"/>
+          </a:xfrm>
+          <a:prstGeom prst="rightArrow">
+            <a:avLst/>
+          </a:prstGeom>
+        </p:spPr>
+        <p:style>
+          <a:lnRef idx="2">
+            <a:schemeClr val="accent1">
+              <a:shade val="50000"/>
+            </a:schemeClr>
+          </a:lnRef>
+          <a:fillRef idx="1">
+            <a:schemeClr val="accent1"/>
+          </a:fillRef>
+          <a:effectRef idx="0">
+            <a:schemeClr val="accent1"/>
+          </a:effectRef>
+          <a:fontRef idx="minor">
+            <a:schemeClr val="lt1"/>
+          </a:fontRef>
+        </p:style>
+        <p:txBody>
+          <a:bodyPr rtlCol="0" anchor="ctr"/>
+          <a:lstStyle/>
+          <a:p>
+            <a:pPr algn="ctr"/>
+            <a:endParaRPr lang="en-US"/>
+          </a:p>
+        </p:txBody>
+      </p:sp>
+      <p:pic>
+        <p:nvPicPr>
+          <p:cNvPr id="1038" name="Picture 14"/>
+          <p:cNvPicPr>
+            <a:picLocks noChangeAspect="1" noChangeArrowheads="1"/>
+          </p:cNvPicPr>
+          <p:nvPr/>
+        </p:nvPicPr>
+        <p:blipFill>
+          <a:blip r:embed="rId12" cstate="print"/>
+          <a:srcRect/>
+          <a:stretch>
+            <a:fillRect/>
+          </a:stretch>
+        </p:blipFill>
+        <p:spPr bwMode="auto">
+          <a:xfrm>
+            <a:off x="5029200" y="2057400"/>
+            <a:ext cx="1447800" cy="1304925"/>
+          </a:xfrm>
+          <a:prstGeom prst="rect">
+            <a:avLst/>
+          </a:prstGeom>
+          <a:noFill/>
+          <a:ln w="9525">
+            <a:noFill/>
+            <a:miter lim="800000"/>
+            <a:headEnd/>
+            <a:tailEnd/>
+          </a:ln>
+        </p:spPr>
+      </p:pic>
+      <p:sp>
+        <p:nvSpPr>
+          <p:cNvPr id="58" name="Right Arrow 57"/>
+          <p:cNvSpPr/>
+          <p:nvPr/>
+        </p:nvSpPr>
+        <p:spPr>
+          <a:xfrm>
+            <a:off x="4572000" y="2819400"/>
+            <a:ext cx="381000" cy="228600"/>
+          </a:xfrm>
+          <a:prstGeom prst="rightArrow">
+            <a:avLst/>
+          </a:prstGeom>
+        </p:spPr>
+        <p:style>
+          <a:lnRef idx="2">
+            <a:schemeClr val="accent1">
+              <a:shade val="50000"/>
+            </a:schemeClr>
+          </a:lnRef>
+          <a:fillRef idx="1">
+            <a:schemeClr val="accent1"/>
+          </a:fillRef>
+          <a:effectRef idx="0">
+            <a:schemeClr val="accent1"/>
+          </a:effectRef>
+          <a:fontRef idx="minor">
+            <a:schemeClr val="lt1"/>
+          </a:fontRef>
+        </p:style>
+        <p:txBody>
+          <a:bodyPr rtlCol="0" anchor="ctr"/>
+          <a:lstStyle/>
+          <a:p>
+            <a:pPr algn="ctr"/>
+            <a:endParaRPr lang="en-US"/>
+          </a:p>
+        </p:txBody>
+      </p:sp>
+      <p:sp>
+        <p:nvSpPr>
+          <p:cNvPr id="59" name="Bent-Up Arrow 58"/>
+          <p:cNvSpPr/>
+          <p:nvPr/>
+        </p:nvSpPr>
+        <p:spPr>
+          <a:xfrm>
+            <a:off x="4953000" y="4419600"/>
+            <a:ext cx="914400" cy="914400"/>
+          </a:xfrm>
+          <a:prstGeom prst="bentUpArrow">
+            <a:avLst>
+              <a:gd name="adj1" fmla="val 15000"/>
+              <a:gd name="adj2" fmla="val 20000"/>
+              <a:gd name="adj3" fmla="val 22500"/>
+            </a:avLst>
+          </a:prstGeom>
+        </p:spPr>
+        <p:style>
+          <a:lnRef idx="2">
+            <a:schemeClr val="accent1">
+              <a:shade val="50000"/>
+            </a:schemeClr>
+          </a:lnRef>
+          <a:fillRef idx="1">
+            <a:schemeClr val="accent1"/>
+          </a:fillRef>
+          <a:effectRef idx="0">
+            <a:schemeClr val="accent1"/>
+          </a:effectRef>
+          <a:fontRef idx="minor">
+            <a:schemeClr val="lt1"/>
+          </a:fontRef>
+        </p:style>
+        <p:txBody>
+          <a:bodyPr rtlCol="0" anchor="ctr"/>
+          <a:lstStyle/>
+          <a:p>
+            <a:pPr algn="ctr"/>
+            <a:endParaRPr lang="en-US"/>
+          </a:p>
+        </p:txBody>
+      </p:sp>
+      <p:sp>
+        <p:nvSpPr>
+          <p:cNvPr id="61" name="Right Arrow 60"/>
+          <p:cNvSpPr/>
+          <p:nvPr/>
+        </p:nvSpPr>
+        <p:spPr>
+          <a:xfrm>
+            <a:off x="6096000" y="3886200"/>
+            <a:ext cx="304800" cy="228600"/>
+          </a:xfrm>
+          <a:prstGeom prst="rightArrow">
+            <a:avLst/>
+          </a:prstGeom>
+        </p:spPr>
+        <p:style>
+          <a:lnRef idx="2">
+            <a:schemeClr val="accent1">
+              <a:shade val="50000"/>
+            </a:schemeClr>
+          </a:lnRef>
+          <a:fillRef idx="1">
+            <a:schemeClr val="accent1"/>
+          </a:fillRef>
+          <a:effectRef idx="0">
+            <a:schemeClr val="accent1"/>
+          </a:effectRef>
+          <a:fontRef idx="minor">
+            <a:schemeClr val="lt1"/>
+          </a:fontRef>
+        </p:style>
+        <p:txBody>
+          <a:bodyPr rtlCol="0" anchor="ctr"/>
+          <a:lstStyle/>
+          <a:p>
+            <a:pPr algn="ctr"/>
+            <a:endParaRPr lang="en-US"/>
+          </a:p>
+        </p:txBody>
+      </p:sp>
+      <p:sp>
+        <p:nvSpPr>
+          <p:cNvPr id="33" name="TextBox 32"/>
+          <p:cNvSpPr txBox="1"/>
+          <p:nvPr/>
+        </p:nvSpPr>
+        <p:spPr>
+          <a:xfrm>
+            <a:off x="2971800" y="6096000"/>
+            <a:ext cx="2688557" cy="369332"/>
+          </a:xfrm>
+          <a:prstGeom prst="rect">
+            <a:avLst/>
+          </a:prstGeom>
+          <a:noFill/>
+        </p:spPr>
+        <p:txBody>
+          <a:bodyPr wrap="none" rtlCol="0">
+            <a:spAutoFit/>
+          </a:bodyPr>
+          <a:lstStyle/>
+          <a:p>
+            <a:r>
+              <a:rPr lang="en-US" b="1" dirty="0" smtClean="0"/>
+              <a:t>Deep feature channels</a:t>
+            </a:r>
+            <a:endParaRPr lang="en-US" b="1" dirty="0"/>
+          </a:p>
+        </p:txBody>
+      </p:sp>
+      <p:pic>
+        <p:nvPicPr>
+          <p:cNvPr id="1026" name="Picture 2" descr="C:\Users\carmi\Documents\universal_style_transfer\Report\Figures\merge\merge_bridge_starry_st2_2.jpg"/>
+          <p:cNvPicPr>
+            <a:picLocks noChangeAspect="1" noChangeArrowheads="1"/>
+          </p:cNvPicPr>
+          <p:nvPr/>
+        </p:nvPicPr>
+        <p:blipFill>
+          <a:blip r:embed="rId13" cstate="print"/>
+          <a:srcRect/>
+          <a:stretch>
+            <a:fillRect/>
+          </a:stretch>
+        </p:blipFill>
+        <p:spPr bwMode="auto">
+          <a:xfrm>
+            <a:off x="6629400" y="4654062"/>
+            <a:ext cx="2133600" cy="1969476"/>
+          </a:xfrm>
+          <a:prstGeom prst="rect">
+            <a:avLst/>
+          </a:prstGeom>
+          <a:noFill/>
+        </p:spPr>
+      </p:pic>
+      <p:sp>
+        <p:nvSpPr>
+          <p:cNvPr id="63" name="Bent-Up Arrow 62"/>
+          <p:cNvSpPr/>
+          <p:nvPr/>
+        </p:nvSpPr>
+        <p:spPr>
+          <a:xfrm flipV="1">
+            <a:off x="7239000" y="3886200"/>
+            <a:ext cx="838200" cy="762000"/>
+          </a:xfrm>
+          <a:prstGeom prst="bentUpArrow">
+            <a:avLst>
+              <a:gd name="adj1" fmla="val 25000"/>
+              <a:gd name="adj2" fmla="val 23182"/>
+              <a:gd name="adj3" fmla="val 26818"/>
+            </a:avLst>
+          </a:prstGeom>
+        </p:spPr>
+        <p:style>
+          <a:lnRef idx="2">
+            <a:schemeClr val="accent1">
+              <a:shade val="50000"/>
+            </a:schemeClr>
+          </a:lnRef>
+          <a:fillRef idx="1">
+            <a:schemeClr val="accent1"/>
+          </a:fillRef>
+          <a:effectRef idx="0">
+            <a:schemeClr val="accent1"/>
+          </a:effectRef>
+          <a:fontRef idx="minor">
+            <a:schemeClr val="lt1"/>
+          </a:fontRef>
+        </p:style>
+        <p:txBody>
+          <a:bodyPr rtlCol="0" anchor="ctr"/>
+          <a:lstStyle/>
+          <a:p>
+            <a:pPr algn="ctr"/>
+            <a:endParaRPr lang="en-US"/>
+          </a:p>
+        </p:txBody>
+      </p:sp>
+      <p:cxnSp>
+        <p:nvCxnSpPr>
+          <p:cNvPr id="65" name="Straight Arrow Connector 64"/>
+          <p:cNvCxnSpPr/>
+          <p:nvPr/>
+        </p:nvCxnSpPr>
+        <p:spPr>
+          <a:xfrm>
+            <a:off x="2514600" y="4267200"/>
+            <a:ext cx="0" cy="609600"/>
+          </a:xfrm>
+          <a:prstGeom prst="straightConnector1">
+            <a:avLst/>
+          </a:prstGeom>
+          <a:ln>
+            <a:solidFill>
+              <a:schemeClr val="tx1"/>
+            </a:solidFill>
+            <a:headEnd type="arrow"/>
+            <a:tailEnd type="arrow"/>
+          </a:ln>
+          <a:effectLst>
+            <a:outerShdw blurRad="50800" dist="38100" dir="13500000" algn="br" rotWithShape="0">
+              <a:prstClr val="black">
+                <a:alpha val="40000"/>
+              </a:prstClr>
+            </a:outerShdw>
+          </a:effectLst>
+        </p:spPr>
+        <p:style>
+          <a:lnRef idx="1">
+            <a:schemeClr val="accent6"/>
+          </a:lnRef>
+          <a:fillRef idx="0">
+            <a:schemeClr val="accent6"/>
+          </a:fillRef>
+          <a:effectRef idx="0">
+            <a:schemeClr val="accent6"/>
+          </a:effectRef>
+          <a:fontRef idx="minor">
+            <a:schemeClr val="tx1"/>
+          </a:fontRef>
+        </p:style>
+      </p:cxnSp>
+      <p:pic>
+        <p:nvPicPr>
+          <p:cNvPr id="1039" name="Picture 15"/>
+          <p:cNvPicPr>
+            <a:picLocks noChangeAspect="1" noChangeArrowheads="1"/>
+          </p:cNvPicPr>
+          <p:nvPr/>
+        </p:nvPicPr>
+        <p:blipFill>
+          <a:blip r:embed="rId14" cstate="print"/>
+          <a:srcRect/>
+          <a:stretch>
+            <a:fillRect/>
+          </a:stretch>
+        </p:blipFill>
+        <p:spPr bwMode="auto">
+          <a:xfrm>
+            <a:off x="2590800" y="4474308"/>
+            <a:ext cx="533400" cy="250092"/>
+          </a:xfrm>
+          <a:prstGeom prst="rect">
+            <a:avLst/>
+          </a:prstGeom>
+          <a:noFill/>
+          <a:ln w="9525">
+            <a:noFill/>
+            <a:miter lim="800000"/>
+            <a:headEnd/>
+            <a:tailEnd/>
+          </a:ln>
+        </p:spPr>
+      </p:pic>
+    </p:spTree>
+  </p:cSld>
+  <p:clrMapOvr>
+    <a:masterClrMapping/>
+  </p:clrMapOvr>
+  <p:timing>
+    <p:tnLst>
+      <p:par>
+        <p:cTn id="1" dur="indefinite" restart="never" nodeType="tmRoot"/>
+      </p:par>
+    </p:tnLst>
+  </p:timing>
+</p:sld>
+</file>
+
+<file path=ppt/slides/slide8.xml><?xml version="1.0" encoding="utf-8"?>
+<p:sld xmlns:a="http://schemas.openxmlformats.org/drawingml/2006/main" xmlns:r="http://schemas.openxmlformats.org/officeDocument/2006/relationships" xmlns:p="http://schemas.openxmlformats.org/presentationml/2006/main">
+  <p:cSld>
+    <p:spTree>
+      <p:nvGrpSpPr>
+        <p:cNvPr id="1" name=""/>
+        <p:cNvGrpSpPr/>
+        <p:nvPr/>
+      </p:nvGrpSpPr>
+      <p:grpSpPr>
+        <a:xfrm>
+          <a:off x="0" y="0"/>
+          <a:ext cx="0" cy="0"/>
+          <a:chOff x="0" y="0"/>
+          <a:chExt cx="0" cy="0"/>
+        </a:xfrm>
+      </p:grpSpPr>
+      <p:sp>
+        <p:nvSpPr>
+          <p:cNvPr id="3" name="Title 2"/>
+          <p:cNvSpPr>
+            <a:spLocks noGrp="1"/>
+          </p:cNvSpPr>
+          <p:nvPr>
+            <p:ph type="title"/>
+          </p:nvPr>
+        </p:nvSpPr>
+        <p:spPr/>
+        <p:txBody>
+          <a:bodyPr/>
+          <a:lstStyle/>
+          <a:p>
+            <a:r>
+              <a:rPr lang="en-US" dirty="0" smtClean="0"/>
+              <a:t>Original </a:t>
+            </a:r>
+            <a:r>
+              <a:rPr lang="en-US" dirty="0" smtClean="0"/>
+              <a:t>Merge</a:t>
+            </a:r>
+            <a:endParaRPr lang="en-US" dirty="0"/>
+          </a:p>
+        </p:txBody>
+      </p:sp>
+      <p:pic>
+        <p:nvPicPr>
+          <p:cNvPr id="4" name="Picture 4" descr="C:\Users\carmi\Documents\universal_style_transfer\Report\Figures\starry_sq.jpg"/>
+          <p:cNvPicPr>
+            <a:picLocks noChangeAspect="1" noChangeArrowheads="1"/>
+          </p:cNvPicPr>
+          <p:nvPr/>
+        </p:nvPicPr>
+        <p:blipFill>
+          <a:blip r:embed="rId2" cstate="print"/>
+          <a:srcRect/>
+          <a:stretch>
+            <a:fillRect/>
+          </a:stretch>
+        </p:blipFill>
+        <p:spPr bwMode="auto">
+          <a:xfrm>
+            <a:off x="228600" y="1219200"/>
+            <a:ext cx="1371600" cy="1371600"/>
+          </a:xfrm>
+          <a:prstGeom prst="rect">
+            <a:avLst/>
+          </a:prstGeom>
+          <a:noFill/>
+        </p:spPr>
+      </p:pic>
+      <p:pic>
+        <p:nvPicPr>
+          <p:cNvPr id="5" name="Picture 5" descr="C:\Users\carmi\Documents\universal_style_transfer\Report\Figures\st2_sq.jpg"/>
+          <p:cNvPicPr>
+            <a:picLocks noChangeAspect="1" noChangeArrowheads="1"/>
+          </p:cNvPicPr>
+          <p:nvPr/>
+        </p:nvPicPr>
+        <p:blipFill>
+          <a:blip r:embed="rId3" cstate="print"/>
+          <a:srcRect/>
+          <a:stretch>
+            <a:fillRect/>
+          </a:stretch>
+        </p:blipFill>
+        <p:spPr bwMode="auto">
+          <a:xfrm>
+            <a:off x="228598" y="2895598"/>
+            <a:ext cx="1371602" cy="1371602"/>
+          </a:xfrm>
+          <a:prstGeom prst="rect">
+            <a:avLst/>
+          </a:prstGeom>
+          <a:noFill/>
+        </p:spPr>
+      </p:pic>
+      <p:pic>
+        <p:nvPicPr>
+          <p:cNvPr id="6" name="Picture 6" descr="C:\Users\carmi\Documents\universal_style_transfer\Report\Figures\bridge_sq.jpg"/>
+          <p:cNvPicPr>
+            <a:picLocks noChangeAspect="1" noChangeArrowheads="1"/>
+          </p:cNvPicPr>
+          <p:nvPr/>
+        </p:nvPicPr>
+        <p:blipFill>
+          <a:blip r:embed="rId4" cstate="print"/>
+          <a:srcRect/>
+          <a:stretch>
+            <a:fillRect/>
+          </a:stretch>
+        </p:blipFill>
+        <p:spPr bwMode="auto">
+          <a:xfrm>
+            <a:off x="228600" y="4495800"/>
+            <a:ext cx="1371600" cy="1371600"/>
+          </a:xfrm>
+          <a:prstGeom prst="rect">
+            <a:avLst/>
+          </a:prstGeom>
+          <a:noFill/>
+        </p:spPr>
+      </p:pic>
+      <p:pic>
+        <p:nvPicPr>
+          <p:cNvPr id="7" name="Picture 3"/>
+          <p:cNvPicPr>
+            <a:picLocks noChangeAspect="1" noChangeArrowheads="1"/>
+          </p:cNvPicPr>
+          <p:nvPr/>
+        </p:nvPicPr>
+        <p:blipFill>
+          <a:blip r:embed="rId5" cstate="print"/>
+          <a:srcRect/>
+          <a:stretch>
+            <a:fillRect/>
+          </a:stretch>
+        </p:blipFill>
+        <p:spPr bwMode="auto">
+          <a:xfrm>
+            <a:off x="1905000" y="1066800"/>
+            <a:ext cx="1200532" cy="3505200"/>
+          </a:xfrm>
+          <a:prstGeom prst="rect">
+            <a:avLst/>
+          </a:prstGeom>
+          <a:noFill/>
+          <a:ln w="9525">
+            <a:noFill/>
+            <a:miter lim="800000"/>
+            <a:headEnd/>
+            <a:tailEnd/>
+          </a:ln>
+        </p:spPr>
+      </p:pic>
+      <p:cxnSp>
+        <p:nvCxnSpPr>
+          <p:cNvPr id="8" name="Straight Arrow Connector 7"/>
+          <p:cNvCxnSpPr/>
+          <p:nvPr/>
+        </p:nvCxnSpPr>
+        <p:spPr>
+          <a:xfrm>
+            <a:off x="1524000" y="1752600"/>
+            <a:ext cx="381000" cy="0"/>
+          </a:xfrm>
+          <a:prstGeom prst="straightConnector1">
+            <a:avLst/>
+          </a:prstGeom>
+          <a:ln>
+            <a:tailEnd type="arrow"/>
+          </a:ln>
+        </p:spPr>
+        <p:style>
+          <a:lnRef idx="3">
+            <a:schemeClr val="dk1"/>
+          </a:lnRef>
+          <a:fillRef idx="0">
+            <a:schemeClr val="dk1"/>
+          </a:fillRef>
+          <a:effectRef idx="2">
+            <a:schemeClr val="dk1"/>
+          </a:effectRef>
+          <a:fontRef idx="minor">
+            <a:schemeClr val="tx1"/>
+          </a:fontRef>
+        </p:style>
+      </p:cxnSp>
+      <p:cxnSp>
+        <p:nvCxnSpPr>
+          <p:cNvPr id="9" name="Straight Arrow Connector 8"/>
+          <p:cNvCxnSpPr/>
+          <p:nvPr/>
+        </p:nvCxnSpPr>
+        <p:spPr>
+          <a:xfrm>
+            <a:off x="1524000" y="3733800"/>
+            <a:ext cx="381000" cy="0"/>
+          </a:xfrm>
+          <a:prstGeom prst="straightConnector1">
+            <a:avLst/>
+          </a:prstGeom>
+          <a:ln>
+            <a:tailEnd type="arrow"/>
+          </a:ln>
+        </p:spPr>
+        <p:style>
+          <a:lnRef idx="3">
+            <a:schemeClr val="dk1"/>
+          </a:lnRef>
+          <a:fillRef idx="0">
+            <a:schemeClr val="dk1"/>
+          </a:fillRef>
+          <a:effectRef idx="2">
+            <a:schemeClr val="dk1"/>
+          </a:effectRef>
+          <a:fontRef idx="minor">
+            <a:schemeClr val="tx1"/>
+          </a:fontRef>
+        </p:style>
+      </p:cxnSp>
+      <p:pic>
+        <p:nvPicPr>
+          <p:cNvPr id="10" name="Picture 4" descr="C:\Users\carmi\Documents\universal_style_transfer\Report\Figures\starry_sq.jpg"/>
+          <p:cNvPicPr>
+            <a:picLocks noChangeAspect="1" noChangeArrowheads="1"/>
+          </p:cNvPicPr>
+          <p:nvPr/>
+        </p:nvPicPr>
+        <p:blipFill>
+          <a:blip r:embed="rId2" cstate="print"/>
+          <a:srcRect/>
+          <a:stretch>
+            <a:fillRect/>
+          </a:stretch>
+        </p:blipFill>
+        <p:spPr bwMode="auto">
+          <a:xfrm>
+            <a:off x="228600" y="1219200"/>
+            <a:ext cx="1371600" cy="1371600"/>
+          </a:xfrm>
+          <a:prstGeom prst="rect">
+            <a:avLst/>
+          </a:prstGeom>
+          <a:noFill/>
+        </p:spPr>
+      </p:pic>
+      <p:pic>
+        <p:nvPicPr>
+          <p:cNvPr id="11" name="Picture 5" descr="C:\Users\carmi\Documents\universal_style_transfer\Report\Figures\st2_sq.jpg"/>
+          <p:cNvPicPr>
+            <a:picLocks noChangeAspect="1" noChangeArrowheads="1"/>
+          </p:cNvPicPr>
+          <p:nvPr/>
+        </p:nvPicPr>
+        <p:blipFill>
+          <a:blip r:embed="rId3" cstate="print"/>
+          <a:srcRect/>
+          <a:stretch>
+            <a:fillRect/>
+          </a:stretch>
+        </p:blipFill>
+        <p:spPr bwMode="auto">
+          <a:xfrm>
+            <a:off x="228598" y="2971800"/>
+            <a:ext cx="1371602" cy="1371602"/>
+          </a:xfrm>
+          <a:prstGeom prst="rect">
+            <a:avLst/>
+          </a:prstGeom>
+          <a:noFill/>
+        </p:spPr>
+      </p:pic>
+      <p:pic>
+        <p:nvPicPr>
+          <p:cNvPr id="12" name="Picture 6" descr="C:\Users\carmi\Documents\universal_style_transfer\Report\Figures\bridge_sq.jpg"/>
+          <p:cNvPicPr>
+            <a:picLocks noChangeAspect="1" noChangeArrowheads="1"/>
+          </p:cNvPicPr>
+          <p:nvPr/>
+        </p:nvPicPr>
+        <p:blipFill>
+          <a:blip r:embed="rId4" cstate="print"/>
+          <a:srcRect/>
+          <a:stretch>
+            <a:fillRect/>
+          </a:stretch>
+        </p:blipFill>
+        <p:spPr bwMode="auto">
+          <a:xfrm>
+            <a:off x="228600" y="4572000"/>
+            <a:ext cx="1371600" cy="1371600"/>
+          </a:xfrm>
+          <a:prstGeom prst="rect">
+            <a:avLst/>
+          </a:prstGeom>
+          <a:noFill/>
+        </p:spPr>
+      </p:pic>
+      <p:pic>
+        <p:nvPicPr>
+          <p:cNvPr id="13" name="Picture 7"/>
+          <p:cNvPicPr>
+            <a:picLocks noChangeAspect="1" noChangeArrowheads="1"/>
+          </p:cNvPicPr>
+          <p:nvPr/>
+        </p:nvPicPr>
+        <p:blipFill>
+          <a:blip r:embed="rId6" cstate="print"/>
+          <a:srcRect/>
+          <a:stretch>
+            <a:fillRect/>
+          </a:stretch>
+        </p:blipFill>
+        <p:spPr bwMode="auto">
+          <a:xfrm>
+            <a:off x="1867874" y="4572000"/>
+            <a:ext cx="1256326" cy="1676400"/>
+          </a:xfrm>
+          <a:prstGeom prst="rect">
+            <a:avLst/>
+          </a:prstGeom>
+          <a:noFill/>
+          <a:ln w="9525">
+            <a:noFill/>
+            <a:miter lim="800000"/>
+            <a:headEnd/>
+            <a:tailEnd/>
+          </a:ln>
+        </p:spPr>
+      </p:pic>
+      <p:cxnSp>
+        <p:nvCxnSpPr>
+          <p:cNvPr id="14" name="Straight Arrow Connector 13"/>
+          <p:cNvCxnSpPr/>
+          <p:nvPr/>
+        </p:nvCxnSpPr>
+        <p:spPr>
+          <a:xfrm>
+            <a:off x="1524000" y="5334000"/>
+            <a:ext cx="381000" cy="0"/>
+          </a:xfrm>
+          <a:prstGeom prst="straightConnector1">
+            <a:avLst/>
+          </a:prstGeom>
+          <a:ln>
+            <a:tailEnd type="arrow"/>
+          </a:ln>
+        </p:spPr>
+        <p:style>
+          <a:lnRef idx="3">
+            <a:schemeClr val="dk1"/>
+          </a:lnRef>
+          <a:fillRef idx="0">
+            <a:schemeClr val="dk1"/>
+          </a:fillRef>
+          <a:effectRef idx="2">
+            <a:schemeClr val="dk1"/>
+          </a:effectRef>
+          <a:fontRef idx="minor">
+            <a:schemeClr val="tx1"/>
+          </a:fontRef>
+        </p:style>
+      </p:cxnSp>
+      <p:sp>
+        <p:nvSpPr>
+          <p:cNvPr id="15" name="Right Arrow 14"/>
+          <p:cNvSpPr/>
+          <p:nvPr/>
+        </p:nvSpPr>
+        <p:spPr>
+          <a:xfrm>
+            <a:off x="3124200" y="5257800"/>
+            <a:ext cx="381000" cy="228600"/>
+          </a:xfrm>
+          <a:prstGeom prst="rightArrow">
+            <a:avLst/>
+          </a:prstGeom>
+        </p:spPr>
+        <p:style>
+          <a:lnRef idx="2">
+            <a:schemeClr val="accent1">
+              <a:shade val="50000"/>
+            </a:schemeClr>
+          </a:lnRef>
+          <a:fillRef idx="1">
+            <a:schemeClr val="accent1"/>
+          </a:fillRef>
+          <a:effectRef idx="0">
+            <a:schemeClr val="accent1"/>
+          </a:effectRef>
+          <a:fontRef idx="minor">
+            <a:schemeClr val="lt1"/>
+          </a:fontRef>
+        </p:style>
+        <p:txBody>
+          <a:bodyPr rtlCol="0" anchor="ctr"/>
+          <a:lstStyle/>
+          <a:p>
+            <a:pPr algn="ctr"/>
+            <a:endParaRPr lang="en-US"/>
+          </a:p>
+        </p:txBody>
+      </p:sp>
+      <p:sp>
+        <p:nvSpPr>
+          <p:cNvPr id="16" name="Right Arrow 15"/>
+          <p:cNvSpPr/>
+          <p:nvPr/>
+        </p:nvSpPr>
+        <p:spPr>
+          <a:xfrm>
+            <a:off x="3124200" y="1676400"/>
+            <a:ext cx="381000" cy="228600"/>
+          </a:xfrm>
+          <a:prstGeom prst="rightArrow">
+            <a:avLst/>
+          </a:prstGeom>
+        </p:spPr>
+        <p:style>
+          <a:lnRef idx="2">
+            <a:schemeClr val="accent1">
+              <a:shade val="50000"/>
+            </a:schemeClr>
+          </a:lnRef>
+          <a:fillRef idx="1">
+            <a:schemeClr val="accent1"/>
+          </a:fillRef>
+          <a:effectRef idx="0">
+            <a:schemeClr val="accent1"/>
+          </a:effectRef>
+          <a:fontRef idx="minor">
+            <a:schemeClr val="lt1"/>
+          </a:fontRef>
+        </p:style>
+        <p:txBody>
+          <a:bodyPr rtlCol="0" anchor="ctr"/>
+          <a:lstStyle/>
+          <a:p>
+            <a:pPr algn="ctr"/>
+            <a:endParaRPr lang="en-US"/>
+          </a:p>
+        </p:txBody>
+      </p:sp>
+      <p:sp>
+        <p:nvSpPr>
+          <p:cNvPr id="17" name="Right Arrow 16"/>
+          <p:cNvSpPr/>
+          <p:nvPr/>
+        </p:nvSpPr>
+        <p:spPr>
+          <a:xfrm>
+            <a:off x="3124200" y="3733800"/>
+            <a:ext cx="381000" cy="228600"/>
+          </a:xfrm>
+          <a:prstGeom prst="rightArrow">
+            <a:avLst/>
+          </a:prstGeom>
+        </p:spPr>
+        <p:style>
+          <a:lnRef idx="2">
+            <a:schemeClr val="accent1">
+              <a:shade val="50000"/>
+            </a:schemeClr>
+          </a:lnRef>
+          <a:fillRef idx="1">
+            <a:schemeClr val="accent1"/>
+          </a:fillRef>
+          <a:effectRef idx="0">
+            <a:schemeClr val="accent1"/>
+          </a:effectRef>
+          <a:fontRef idx="minor">
+            <a:schemeClr val="lt1"/>
+          </a:fontRef>
+        </p:style>
+        <p:txBody>
+          <a:bodyPr rtlCol="0" anchor="ctr"/>
+          <a:lstStyle/>
+          <a:p>
+            <a:pPr algn="ctr"/>
+            <a:endParaRPr lang="en-US"/>
+          </a:p>
+        </p:txBody>
+      </p:sp>
+      <p:pic>
+        <p:nvPicPr>
+          <p:cNvPr id="18" name="Picture 15"/>
+          <p:cNvPicPr>
+            <a:picLocks noChangeAspect="1" noChangeArrowheads="1"/>
+          </p:cNvPicPr>
+          <p:nvPr/>
+        </p:nvPicPr>
+        <p:blipFill>
+          <a:blip r:embed="rId7" cstate="print"/>
+          <a:srcRect/>
+          <a:stretch>
+            <a:fillRect/>
+          </a:stretch>
+        </p:blipFill>
+        <p:spPr bwMode="auto">
+          <a:xfrm>
+            <a:off x="2590800" y="4474308"/>
+            <a:ext cx="533400" cy="250092"/>
+          </a:xfrm>
+          <a:prstGeom prst="rect">
+            <a:avLst/>
+          </a:prstGeom>
+          <a:noFill/>
+          <a:ln w="9525">
+            <a:noFill/>
+            <a:miter lim="800000"/>
+            <a:headEnd/>
+            <a:tailEnd/>
+          </a:ln>
+        </p:spPr>
+      </p:pic>
+      <p:cxnSp>
+        <p:nvCxnSpPr>
+          <p:cNvPr id="19" name="Straight Arrow Connector 18"/>
+          <p:cNvCxnSpPr/>
+          <p:nvPr/>
+        </p:nvCxnSpPr>
+        <p:spPr>
+          <a:xfrm>
+            <a:off x="2514600" y="4267200"/>
+            <a:ext cx="0" cy="609600"/>
+          </a:xfrm>
+          <a:prstGeom prst="straightConnector1">
+            <a:avLst/>
+          </a:prstGeom>
+          <a:ln>
+            <a:solidFill>
+              <a:schemeClr val="tx1"/>
+            </a:solidFill>
+            <a:headEnd type="arrow"/>
+            <a:tailEnd type="arrow"/>
+          </a:ln>
+          <a:effectLst>
+            <a:outerShdw blurRad="50800" dist="38100" dir="13500000" algn="br" rotWithShape="0">
+              <a:prstClr val="black">
+                <a:alpha val="40000"/>
+              </a:prstClr>
+            </a:outerShdw>
+          </a:effectLst>
+        </p:spPr>
+        <p:style>
+          <a:lnRef idx="1">
+            <a:schemeClr val="accent6"/>
+          </a:lnRef>
+          <a:fillRef idx="0">
+            <a:schemeClr val="accent6"/>
+          </a:fillRef>
+          <a:effectRef idx="0">
+            <a:schemeClr val="accent6"/>
+          </a:effectRef>
+          <a:fontRef idx="minor">
+            <a:schemeClr val="tx1"/>
+          </a:fontRef>
+        </p:style>
+      </p:cxnSp>
+      <p:pic>
+        <p:nvPicPr>
+          <p:cNvPr id="20" name="Picture 9"/>
+          <p:cNvPicPr>
+            <a:picLocks noChangeAspect="1" noChangeArrowheads="1"/>
+          </p:cNvPicPr>
+          <p:nvPr/>
+        </p:nvPicPr>
+        <p:blipFill>
+          <a:blip r:embed="rId8" cstate="print"/>
+          <a:srcRect/>
+          <a:stretch>
+            <a:fillRect/>
+          </a:stretch>
+        </p:blipFill>
+        <p:spPr bwMode="auto">
+          <a:xfrm>
+            <a:off x="3657600" y="4876800"/>
+            <a:ext cx="1447800" cy="1260670"/>
+          </a:xfrm>
+          <a:prstGeom prst="rect">
+            <a:avLst/>
+          </a:prstGeom>
+          <a:noFill/>
+          <a:ln w="9525">
+            <a:noFill/>
+            <a:miter lim="800000"/>
+            <a:headEnd/>
+            <a:tailEnd/>
+          </a:ln>
+        </p:spPr>
+      </p:pic>
+      <p:pic>
+        <p:nvPicPr>
+          <p:cNvPr id="21" name="Picture 10"/>
+          <p:cNvPicPr>
+            <a:picLocks noChangeAspect="1" noChangeArrowheads="1"/>
+          </p:cNvPicPr>
+          <p:nvPr/>
+        </p:nvPicPr>
+        <p:blipFill>
+          <a:blip r:embed="rId9" cstate="print"/>
+          <a:srcRect/>
+          <a:stretch>
+            <a:fillRect/>
+          </a:stretch>
+        </p:blipFill>
+        <p:spPr bwMode="auto">
+          <a:xfrm>
+            <a:off x="5867400" y="2438400"/>
+            <a:ext cx="828674" cy="992074"/>
+          </a:xfrm>
+          <a:prstGeom prst="rect">
+            <a:avLst/>
+          </a:prstGeom>
+          <a:noFill/>
+          <a:ln w="9525">
+            <a:noFill/>
+            <a:miter lim="800000"/>
+            <a:headEnd/>
+            <a:tailEnd/>
+          </a:ln>
+        </p:spPr>
+      </p:pic>
+      <p:pic>
+        <p:nvPicPr>
+          <p:cNvPr id="23" name="Picture 12"/>
+          <p:cNvPicPr>
+            <a:picLocks noChangeAspect="1" noChangeArrowheads="1"/>
+          </p:cNvPicPr>
+          <p:nvPr/>
+        </p:nvPicPr>
+        <p:blipFill>
+          <a:blip r:embed="rId10" cstate="print"/>
+          <a:srcRect/>
+          <a:stretch>
+            <a:fillRect/>
+          </a:stretch>
+        </p:blipFill>
+        <p:spPr bwMode="auto">
+          <a:xfrm>
+            <a:off x="3533775" y="1295400"/>
+            <a:ext cx="1571625" cy="1343025"/>
+          </a:xfrm>
+          <a:prstGeom prst="rect">
+            <a:avLst/>
+          </a:prstGeom>
+          <a:noFill/>
+          <a:ln w="9525">
+            <a:noFill/>
+            <a:miter lim="800000"/>
+            <a:headEnd/>
+            <a:tailEnd/>
+          </a:ln>
+        </p:spPr>
+      </p:pic>
+      <p:pic>
+        <p:nvPicPr>
+          <p:cNvPr id="25" name="Picture 13"/>
+          <p:cNvPicPr>
+            <a:picLocks noChangeAspect="1" noChangeArrowheads="1"/>
+          </p:cNvPicPr>
+          <p:nvPr/>
+        </p:nvPicPr>
+        <p:blipFill>
+          <a:blip r:embed="rId11" cstate="print"/>
+          <a:srcRect/>
+          <a:stretch>
+            <a:fillRect/>
+          </a:stretch>
+        </p:blipFill>
+        <p:spPr bwMode="auto">
+          <a:xfrm>
+            <a:off x="3657600" y="3124200"/>
+            <a:ext cx="1476375" cy="1419225"/>
+          </a:xfrm>
+          <a:prstGeom prst="rect">
+            <a:avLst/>
+          </a:prstGeom>
+          <a:noFill/>
+          <a:ln w="9525">
+            <a:noFill/>
+            <a:miter lim="800000"/>
+            <a:headEnd/>
+            <a:tailEnd/>
+          </a:ln>
+        </p:spPr>
+      </p:pic>
+      <p:sp>
+        <p:nvSpPr>
+          <p:cNvPr id="27" name="TextBox 26"/>
+          <p:cNvSpPr txBox="1"/>
+          <p:nvPr/>
+        </p:nvSpPr>
+        <p:spPr>
+          <a:xfrm>
+            <a:off x="3124200" y="6172200"/>
+            <a:ext cx="2688557" cy="369332"/>
+          </a:xfrm>
+          <a:prstGeom prst="rect">
+            <a:avLst/>
+          </a:prstGeom>
+          <a:noFill/>
+        </p:spPr>
+        <p:txBody>
+          <a:bodyPr wrap="none" rtlCol="0">
+            <a:spAutoFit/>
+          </a:bodyPr>
+          <a:lstStyle/>
+          <a:p>
+            <a:r>
+              <a:rPr lang="en-US" b="1" dirty="0" smtClean="0"/>
+              <a:t>Deep feature channels</a:t>
+            </a:r>
+            <a:endParaRPr lang="en-US" b="1" dirty="0"/>
+          </a:p>
+        </p:txBody>
+      </p:sp>
+      <p:pic>
+        <p:nvPicPr>
+          <p:cNvPr id="28" name="Picture 10"/>
+          <p:cNvPicPr>
+            <a:picLocks noChangeAspect="1" noChangeArrowheads="1"/>
+          </p:cNvPicPr>
+          <p:nvPr/>
+        </p:nvPicPr>
+        <p:blipFill>
+          <a:blip r:embed="rId9" cstate="print"/>
+          <a:srcRect/>
+          <a:stretch>
+            <a:fillRect/>
+          </a:stretch>
+        </p:blipFill>
+        <p:spPr bwMode="auto">
+          <a:xfrm>
+            <a:off x="5876926" y="4267200"/>
+            <a:ext cx="828674" cy="992074"/>
+          </a:xfrm>
+          <a:prstGeom prst="rect">
+            <a:avLst/>
+          </a:prstGeom>
+          <a:noFill/>
+          <a:ln w="9525">
+            <a:noFill/>
+            <a:miter lim="800000"/>
+            <a:headEnd/>
+            <a:tailEnd/>
+          </a:ln>
+        </p:spPr>
+      </p:pic>
+      <p:sp>
+        <p:nvSpPr>
+          <p:cNvPr id="29" name="Bent Arrow 28"/>
+          <p:cNvSpPr/>
+          <p:nvPr/>
+        </p:nvSpPr>
+        <p:spPr>
+          <a:xfrm rot="16200000" flipV="1">
+            <a:off x="5486400" y="4724400"/>
+            <a:ext cx="457200" cy="1219200"/>
+          </a:xfrm>
+          <a:prstGeom prst="bentArrow">
+            <a:avLst/>
+          </a:prstGeom>
+        </p:spPr>
+        <p:style>
+          <a:lnRef idx="2">
+            <a:schemeClr val="accent1">
+              <a:shade val="50000"/>
+            </a:schemeClr>
+          </a:lnRef>
+          <a:fillRef idx="1">
+            <a:schemeClr val="accent1"/>
+          </a:fillRef>
+          <a:effectRef idx="0">
+            <a:schemeClr val="accent1"/>
+          </a:effectRef>
+          <a:fontRef idx="minor">
+            <a:schemeClr val="lt1"/>
+          </a:fontRef>
+        </p:style>
+        <p:txBody>
+          <a:bodyPr rtlCol="0" anchor="ctr"/>
+          <a:lstStyle/>
+          <a:p>
+            <a:pPr algn="ctr"/>
+            <a:endParaRPr lang="en-US">
+              <a:solidFill>
+                <a:schemeClr val="tx1"/>
+              </a:solidFill>
+            </a:endParaRPr>
+          </a:p>
+        </p:txBody>
+      </p:sp>
+      <p:sp>
+        <p:nvSpPr>
+          <p:cNvPr id="31" name="Bent Arrow 30"/>
+          <p:cNvSpPr/>
+          <p:nvPr/>
+        </p:nvSpPr>
+        <p:spPr>
+          <a:xfrm rot="16200000" flipH="1" flipV="1">
+            <a:off x="5524500" y="3543300"/>
+            <a:ext cx="381000" cy="1219200"/>
+          </a:xfrm>
+          <a:prstGeom prst="bentArrow">
+            <a:avLst/>
+          </a:prstGeom>
+        </p:spPr>
+        <p:style>
+          <a:lnRef idx="2">
+            <a:schemeClr val="accent1">
+              <a:shade val="50000"/>
+            </a:schemeClr>
+          </a:lnRef>
+          <a:fillRef idx="1">
+            <a:schemeClr val="accent1"/>
+          </a:fillRef>
+          <a:effectRef idx="0">
+            <a:schemeClr val="accent1"/>
+          </a:effectRef>
+          <a:fontRef idx="minor">
+            <a:schemeClr val="lt1"/>
+          </a:fontRef>
+        </p:style>
+        <p:txBody>
+          <a:bodyPr rtlCol="0" anchor="ctr"/>
+          <a:lstStyle/>
+          <a:p>
+            <a:pPr algn="ctr"/>
+            <a:endParaRPr lang="en-US">
+              <a:solidFill>
+                <a:schemeClr val="tx1"/>
+              </a:solidFill>
+            </a:endParaRPr>
+          </a:p>
+        </p:txBody>
+      </p:sp>
+      <p:sp>
+        <p:nvSpPr>
+          <p:cNvPr id="32" name="Bent Arrow 31"/>
+          <p:cNvSpPr/>
+          <p:nvPr/>
+        </p:nvSpPr>
+        <p:spPr>
+          <a:xfrm rot="16200000" flipV="1">
+            <a:off x="5486400" y="2971800"/>
+            <a:ext cx="457200" cy="1219200"/>
+          </a:xfrm>
+          <a:prstGeom prst="bentArrow">
+            <a:avLst/>
+          </a:prstGeom>
+        </p:spPr>
+        <p:style>
+          <a:lnRef idx="2">
+            <a:schemeClr val="accent1">
+              <a:shade val="50000"/>
+            </a:schemeClr>
+          </a:lnRef>
+          <a:fillRef idx="1">
+            <a:schemeClr val="accent1"/>
+          </a:fillRef>
+          <a:effectRef idx="0">
+            <a:schemeClr val="accent1"/>
+          </a:effectRef>
+          <a:fontRef idx="minor">
+            <a:schemeClr val="lt1"/>
+          </a:fontRef>
+        </p:style>
+        <p:txBody>
+          <a:bodyPr rtlCol="0" anchor="ctr"/>
+          <a:lstStyle/>
+          <a:p>
+            <a:pPr algn="ctr"/>
+            <a:endParaRPr lang="en-US">
+              <a:solidFill>
+                <a:schemeClr val="tx1"/>
+              </a:solidFill>
+            </a:endParaRPr>
+          </a:p>
+        </p:txBody>
+      </p:sp>
+      <p:sp>
+        <p:nvSpPr>
+          <p:cNvPr id="33" name="Bent Arrow 32"/>
+          <p:cNvSpPr/>
+          <p:nvPr/>
+        </p:nvSpPr>
+        <p:spPr>
+          <a:xfrm rot="16200000" flipH="1" flipV="1">
+            <a:off x="5524500" y="1714500"/>
+            <a:ext cx="381000" cy="1219200"/>
+          </a:xfrm>
+          <a:prstGeom prst="bentArrow">
+            <a:avLst/>
+          </a:prstGeom>
+        </p:spPr>
+        <p:style>
+          <a:lnRef idx="2">
+            <a:schemeClr val="accent1">
+              <a:shade val="50000"/>
+            </a:schemeClr>
+          </a:lnRef>
+          <a:fillRef idx="1">
+            <a:schemeClr val="accent1"/>
+          </a:fillRef>
+          <a:effectRef idx="0">
+            <a:schemeClr val="accent1"/>
+          </a:effectRef>
+          <a:fontRef idx="minor">
+            <a:schemeClr val="lt1"/>
+          </a:fontRef>
+        </p:style>
+        <p:txBody>
+          <a:bodyPr rtlCol="0" anchor="ctr"/>
+          <a:lstStyle/>
+          <a:p>
+            <a:pPr algn="ctr"/>
+            <a:endParaRPr lang="en-US">
+              <a:solidFill>
+                <a:schemeClr val="tx1"/>
+              </a:solidFill>
+            </a:endParaRPr>
+          </a:p>
+        </p:txBody>
+      </p:sp>
+      <p:pic>
+        <p:nvPicPr>
+          <p:cNvPr id="37" name="Picture 11"/>
+          <p:cNvPicPr>
+            <a:picLocks noChangeAspect="1" noChangeArrowheads="1"/>
+          </p:cNvPicPr>
+          <p:nvPr/>
+        </p:nvPicPr>
+        <p:blipFill>
+          <a:blip r:embed="rId12" cstate="print"/>
+          <a:srcRect/>
+          <a:stretch>
+            <a:fillRect/>
+          </a:stretch>
+        </p:blipFill>
+        <p:spPr bwMode="auto">
+          <a:xfrm>
+            <a:off x="7924800" y="3200400"/>
+            <a:ext cx="759130" cy="1514474"/>
+          </a:xfrm>
+          <a:prstGeom prst="rect">
+            <a:avLst/>
+          </a:prstGeom>
+          <a:noFill/>
+          <a:ln w="9525">
+            <a:noFill/>
+            <a:miter lim="800000"/>
+            <a:headEnd/>
+            <a:tailEnd/>
+          </a:ln>
+        </p:spPr>
+      </p:pic>
+      <p:sp>
+        <p:nvSpPr>
+          <p:cNvPr id="42" name="Bent-Up Arrow 41"/>
+          <p:cNvSpPr/>
+          <p:nvPr/>
+        </p:nvSpPr>
+        <p:spPr>
+          <a:xfrm>
+            <a:off x="6705600" y="4191000"/>
+            <a:ext cx="304800" cy="533400"/>
+          </a:xfrm>
+          <a:prstGeom prst="bentUpArrow">
+            <a:avLst/>
+          </a:prstGeom>
+        </p:spPr>
+        <p:style>
+          <a:lnRef idx="2">
+            <a:schemeClr val="accent1">
+              <a:shade val="50000"/>
+            </a:schemeClr>
+          </a:lnRef>
+          <a:fillRef idx="1">
+            <a:schemeClr val="accent1"/>
+          </a:fillRef>
+          <a:effectRef idx="0">
+            <a:schemeClr val="accent1"/>
+          </a:effectRef>
+          <a:fontRef idx="minor">
+            <a:schemeClr val="lt1"/>
+          </a:fontRef>
+        </p:style>
+        <p:txBody>
+          <a:bodyPr rtlCol="0" anchor="ctr"/>
+          <a:lstStyle/>
+          <a:p>
+            <a:pPr algn="ctr"/>
+            <a:endParaRPr lang="en-US"/>
+          </a:p>
+        </p:txBody>
+      </p:sp>
+      <p:sp>
+        <p:nvSpPr>
+          <p:cNvPr id="43" name="Bent-Up Arrow 42"/>
+          <p:cNvSpPr/>
+          <p:nvPr/>
+        </p:nvSpPr>
+        <p:spPr>
+          <a:xfrm flipV="1">
+            <a:off x="6705600" y="2895600"/>
+            <a:ext cx="304800" cy="533400"/>
+          </a:xfrm>
+          <a:prstGeom prst="bentUpArrow">
+            <a:avLst/>
+          </a:prstGeom>
+        </p:spPr>
+        <p:style>
+          <a:lnRef idx="2">
+            <a:schemeClr val="accent1">
+              <a:shade val="50000"/>
+            </a:schemeClr>
+          </a:lnRef>
+          <a:fillRef idx="1">
+            <a:schemeClr val="accent1"/>
+          </a:fillRef>
+          <a:effectRef idx="0">
+            <a:schemeClr val="accent1"/>
+          </a:effectRef>
+          <a:fontRef idx="minor">
+            <a:schemeClr val="lt1"/>
+          </a:fontRef>
+        </p:style>
+        <p:txBody>
+          <a:bodyPr rtlCol="0" anchor="ctr"/>
+          <a:lstStyle/>
+          <a:p>
+            <a:pPr algn="ctr"/>
+            <a:endParaRPr lang="en-US"/>
+          </a:p>
+        </p:txBody>
+      </p:sp>
+      <p:pic>
+        <p:nvPicPr>
+          <p:cNvPr id="2051" name="Picture 3"/>
+          <p:cNvPicPr>
+            <a:picLocks noChangeAspect="1" noChangeArrowheads="1"/>
+          </p:cNvPicPr>
+          <p:nvPr/>
+        </p:nvPicPr>
+        <p:blipFill>
+          <a:blip r:embed="rId13" cstate="print"/>
+          <a:srcRect/>
+          <a:stretch>
+            <a:fillRect/>
+          </a:stretch>
+        </p:blipFill>
+        <p:spPr bwMode="auto">
+          <a:xfrm>
+            <a:off x="6400800" y="3581400"/>
+            <a:ext cx="1219200" cy="590550"/>
+          </a:xfrm>
+          <a:prstGeom prst="rect">
+            <a:avLst/>
+          </a:prstGeom>
+          <a:noFill/>
+          <a:ln w="9525">
+            <a:noFill/>
+            <a:miter lim="800000"/>
+            <a:headEnd/>
+            <a:tailEnd/>
+          </a:ln>
+        </p:spPr>
+      </p:pic>
+      <p:sp>
+        <p:nvSpPr>
+          <p:cNvPr id="45" name="Right Arrow 44"/>
+          <p:cNvSpPr/>
+          <p:nvPr/>
+        </p:nvSpPr>
+        <p:spPr>
+          <a:xfrm>
+            <a:off x="7620000" y="3733800"/>
+            <a:ext cx="304800" cy="228600"/>
+          </a:xfrm>
+          <a:prstGeom prst="rightArrow">
+            <a:avLst/>
+          </a:prstGeom>
+        </p:spPr>
+        <p:style>
+          <a:lnRef idx="2">
+            <a:schemeClr val="accent1">
+              <a:shade val="50000"/>
+            </a:schemeClr>
+          </a:lnRef>
+          <a:fillRef idx="1">
+            <a:schemeClr val="accent1"/>
+          </a:fillRef>
+          <a:effectRef idx="0">
+            <a:schemeClr val="accent1"/>
+          </a:effectRef>
+          <a:fontRef idx="minor">
+            <a:schemeClr val="lt1"/>
+          </a:fontRef>
+        </p:style>
+        <p:txBody>
+          <a:bodyPr rtlCol="0" anchor="ctr"/>
+          <a:lstStyle/>
+          <a:p>
+            <a:pPr algn="ctr"/>
+            <a:endParaRPr lang="en-US"/>
+          </a:p>
+        </p:txBody>
+      </p:sp>
+      <p:pic>
+        <p:nvPicPr>
+          <p:cNvPr id="2052" name="Picture 4" descr="C:\Users\carmi\Documents\universal_style_transfer\Report\Figures\merge\merge_bridge_starry_st2_1.jpg"/>
+          <p:cNvPicPr>
+            <a:picLocks noChangeAspect="1" noChangeArrowheads="1"/>
+          </p:cNvPicPr>
+          <p:nvPr/>
+        </p:nvPicPr>
+        <p:blipFill>
+          <a:blip r:embed="rId14" cstate="print"/>
+          <a:srcRect/>
+          <a:stretch>
+            <a:fillRect/>
+          </a:stretch>
+        </p:blipFill>
+        <p:spPr bwMode="auto">
+          <a:xfrm>
+            <a:off x="6858000" y="533400"/>
+            <a:ext cx="2133600" cy="2133600"/>
+          </a:xfrm>
+          <a:prstGeom prst="rect">
+            <a:avLst/>
+          </a:prstGeom>
+          <a:noFill/>
+        </p:spPr>
+      </p:pic>
+      <p:sp>
+        <p:nvSpPr>
+          <p:cNvPr id="51" name="Right Arrow 50"/>
+          <p:cNvSpPr/>
+          <p:nvPr/>
+        </p:nvSpPr>
+        <p:spPr>
+          <a:xfrm rot="16200000">
+            <a:off x="8077200" y="2971800"/>
+            <a:ext cx="381000" cy="228600"/>
+          </a:xfrm>
+          <a:prstGeom prst="rightArrow">
+            <a:avLst/>
+          </a:prstGeom>
+        </p:spPr>
+        <p:style>
+          <a:lnRef idx="2">
+            <a:schemeClr val="accent1">
+              <a:shade val="50000"/>
+            </a:schemeClr>
+          </a:lnRef>
+          <a:fillRef idx="1">
+            <a:schemeClr val="accent1"/>
+          </a:fillRef>
+          <a:effectRef idx="0">
+            <a:schemeClr val="accent1"/>
+          </a:effectRef>
+          <a:fontRef idx="minor">
+            <a:schemeClr val="lt1"/>
+          </a:fontRef>
+        </p:style>
+        <p:txBody>
+          <a:bodyPr rtlCol="0" anchor="ctr"/>
+          <a:lstStyle/>
+          <a:p>
+            <a:pPr algn="ctr"/>
+            <a:endParaRPr lang="en-US"/>
+          </a:p>
+        </p:txBody>
+      </p:sp>
+    </p:spTree>
+  </p:cSld>
+  <p:clrMapOvr>
+    <a:masterClrMapping/>
+  </p:clrMapOvr>
+</p:sld>
+</file>
+
+<file path=ppt/slides/slide9.xml><?xml version="1.0" encoding="utf-8"?>
+<p:sld xmlns:a="http://schemas.openxmlformats.org/drawingml/2006/main" xmlns:r="http://schemas.openxmlformats.org/officeDocument/2006/relationships" xmlns:p="http://schemas.openxmlformats.org/presentationml/2006/main">
+  <p:cSld>
+    <p:spTree>
+      <p:nvGrpSpPr>
+        <p:cNvPr id="1" name=""/>
+        <p:cNvGrpSpPr/>
+        <p:nvPr/>
+      </p:nvGrpSpPr>
+      <p:grpSpPr>
+        <a:xfrm>
+          <a:off x="0" y="0"/>
+          <a:ext cx="0" cy="0"/>
+          <a:chOff x="0" y="0"/>
+          <a:chExt cx="0" cy="0"/>
+        </a:xfrm>
+      </p:grpSpPr>
+      <p:pic>
+        <p:nvPicPr>
+          <p:cNvPr id="66" name="Picture 7"/>
+          <p:cNvPicPr>
+            <a:picLocks noChangeAspect="1" noChangeArrowheads="1"/>
+          </p:cNvPicPr>
+          <p:nvPr/>
+        </p:nvPicPr>
+        <p:blipFill>
+          <a:blip r:embed="rId2" cstate="print"/>
+          <a:srcRect/>
+          <a:stretch>
+            <a:fillRect/>
+          </a:stretch>
+        </p:blipFill>
+        <p:spPr bwMode="auto">
+          <a:xfrm>
+            <a:off x="1867874" y="4572000"/>
+            <a:ext cx="1256326" cy="1676400"/>
+          </a:xfrm>
+          <a:prstGeom prst="rect">
+            <a:avLst/>
+          </a:prstGeom>
+          <a:noFill/>
+          <a:ln w="9525">
+            <a:noFill/>
+            <a:miter lim="800000"/>
+            <a:headEnd/>
+            <a:tailEnd/>
+          </a:ln>
+        </p:spPr>
+      </p:pic>
+      <p:sp>
+        <p:nvSpPr>
+          <p:cNvPr id="3" name="Title 2"/>
+          <p:cNvSpPr>
+            <a:spLocks noGrp="1"/>
+          </p:cNvSpPr>
+          <p:nvPr>
+            <p:ph type="title"/>
+          </p:nvPr>
+        </p:nvSpPr>
+        <p:spPr/>
+        <p:txBody>
+          <a:bodyPr/>
+          <a:lstStyle/>
+          <a:p>
+            <a:r>
+              <a:rPr lang="en-US" dirty="0" smtClean="0"/>
+              <a:t>Interpolation Merge</a:t>
+            </a:r>
+            <a:endParaRPr lang="en-US" dirty="0"/>
+          </a:p>
+        </p:txBody>
+      </p:sp>
+      <p:pic>
+        <p:nvPicPr>
+          <p:cNvPr id="34" name="Picture 4" descr="C:\Users\carmi\Documents\universal_style_transfer\Report\Figures\starry_sq.jpg"/>
+          <p:cNvPicPr>
+            <a:picLocks noChangeAspect="1" noChangeArrowheads="1"/>
+          </p:cNvPicPr>
+          <p:nvPr/>
+        </p:nvPicPr>
+        <p:blipFill>
+          <a:blip r:embed="rId3" cstate="print"/>
+          <a:srcRect/>
+          <a:stretch>
+            <a:fillRect/>
+          </a:stretch>
+        </p:blipFill>
+        <p:spPr bwMode="auto">
+          <a:xfrm>
+            <a:off x="228600" y="1219200"/>
+            <a:ext cx="1371600" cy="1371600"/>
+          </a:xfrm>
+          <a:prstGeom prst="rect">
+            <a:avLst/>
+          </a:prstGeom>
+          <a:noFill/>
+        </p:spPr>
+      </p:pic>
+      <p:pic>
+        <p:nvPicPr>
+          <p:cNvPr id="35" name="Picture 5" descr="C:\Users\carmi\Documents\universal_style_transfer\Report\Figures\st2_sq.jpg"/>
+          <p:cNvPicPr>
+            <a:picLocks noChangeAspect="1" noChangeArrowheads="1"/>
+          </p:cNvPicPr>
+          <p:nvPr/>
+        </p:nvPicPr>
+        <p:blipFill>
+          <a:blip r:embed="rId4" cstate="print"/>
+          <a:srcRect/>
+          <a:stretch>
+            <a:fillRect/>
+          </a:stretch>
+        </p:blipFill>
+        <p:spPr bwMode="auto">
+          <a:xfrm>
+            <a:off x="228598" y="2895598"/>
+            <a:ext cx="1371602" cy="1371602"/>
+          </a:xfrm>
+          <a:prstGeom prst="rect">
+            <a:avLst/>
+          </a:prstGeom>
+          <a:noFill/>
+        </p:spPr>
+      </p:pic>
+      <p:pic>
+        <p:nvPicPr>
+          <p:cNvPr id="36" name="Picture 6" descr="C:\Users\carmi\Documents\universal_style_transfer\Report\Figures\bridge_sq.jpg"/>
+          <p:cNvPicPr>
+            <a:picLocks noChangeAspect="1" noChangeArrowheads="1"/>
+          </p:cNvPicPr>
+          <p:nvPr/>
+        </p:nvPicPr>
+        <p:blipFill>
+          <a:blip r:embed="rId5" cstate="print"/>
+          <a:srcRect/>
+          <a:stretch>
+            <a:fillRect/>
+          </a:stretch>
+        </p:blipFill>
+        <p:spPr bwMode="auto">
+          <a:xfrm>
+            <a:off x="228600" y="4495800"/>
+            <a:ext cx="1371600" cy="1371600"/>
+          </a:xfrm>
+          <a:prstGeom prst="rect">
+            <a:avLst/>
+          </a:prstGeom>
+          <a:noFill/>
+        </p:spPr>
+      </p:pic>
+      <p:pic>
+        <p:nvPicPr>
+          <p:cNvPr id="37" name="Picture 3"/>
+          <p:cNvPicPr>
+            <a:picLocks noChangeAspect="1" noChangeArrowheads="1"/>
+          </p:cNvPicPr>
+          <p:nvPr/>
+        </p:nvPicPr>
+        <p:blipFill>
+          <a:blip r:embed="rId6" cstate="print"/>
+          <a:srcRect/>
+          <a:stretch>
+            <a:fillRect/>
+          </a:stretch>
+        </p:blipFill>
+        <p:spPr bwMode="auto">
+          <a:xfrm>
+            <a:off x="1905000" y="1066800"/>
+            <a:ext cx="1200532" cy="3505200"/>
+          </a:xfrm>
+          <a:prstGeom prst="rect">
+            <a:avLst/>
+          </a:prstGeom>
+          <a:noFill/>
+          <a:ln w="9525">
+            <a:noFill/>
+            <a:miter lim="800000"/>
+            <a:headEnd/>
+            <a:tailEnd/>
+          </a:ln>
+        </p:spPr>
+      </p:pic>
+      <p:cxnSp>
+        <p:nvCxnSpPr>
+          <p:cNvPr id="38" name="Straight Arrow Connector 37"/>
+          <p:cNvCxnSpPr/>
+          <p:nvPr/>
+        </p:nvCxnSpPr>
+        <p:spPr>
+          <a:xfrm>
+            <a:off x="1524000" y="1752600"/>
+            <a:ext cx="381000" cy="0"/>
+          </a:xfrm>
+          <a:prstGeom prst="straightConnector1">
+            <a:avLst/>
+          </a:prstGeom>
+          <a:ln>
+            <a:tailEnd type="arrow"/>
+          </a:ln>
+        </p:spPr>
+        <p:style>
+          <a:lnRef idx="3">
+            <a:schemeClr val="dk1"/>
+          </a:lnRef>
+          <a:fillRef idx="0">
+            <a:schemeClr val="dk1"/>
+          </a:fillRef>
+          <a:effectRef idx="2">
+            <a:schemeClr val="dk1"/>
+          </a:effectRef>
+          <a:fontRef idx="minor">
+            <a:schemeClr val="tx1"/>
+          </a:fontRef>
+        </p:style>
+      </p:cxnSp>
+      <p:cxnSp>
+        <p:nvCxnSpPr>
+          <p:cNvPr id="39" name="Straight Arrow Connector 38"/>
+          <p:cNvCxnSpPr/>
+          <p:nvPr/>
+        </p:nvCxnSpPr>
+        <p:spPr>
+          <a:xfrm>
+            <a:off x="1524000" y="3733800"/>
+            <a:ext cx="381000" cy="0"/>
+          </a:xfrm>
+          <a:prstGeom prst="straightConnector1">
+            <a:avLst/>
+          </a:prstGeom>
+          <a:ln>
+            <a:tailEnd type="arrow"/>
+          </a:ln>
+        </p:spPr>
+        <p:style>
+          <a:lnRef idx="3">
+            <a:schemeClr val="dk1"/>
+          </a:lnRef>
+          <a:fillRef idx="0">
+            <a:schemeClr val="dk1"/>
+          </a:fillRef>
+          <a:effectRef idx="2">
+            <a:schemeClr val="dk1"/>
+          </a:effectRef>
+          <a:fontRef idx="minor">
+            <a:schemeClr val="tx1"/>
+          </a:fontRef>
+        </p:style>
+      </p:cxnSp>
+      <p:pic>
+        <p:nvPicPr>
+          <p:cNvPr id="40" name="Picture 4" descr="C:\Users\carmi\Documents\universal_style_transfer\Report\Figures\starry_sq.jpg"/>
+          <p:cNvPicPr>
+            <a:picLocks noChangeAspect="1" noChangeArrowheads="1"/>
+          </p:cNvPicPr>
+          <p:nvPr/>
+        </p:nvPicPr>
+        <p:blipFill>
+          <a:blip r:embed="rId3" cstate="print"/>
+          <a:srcRect/>
+          <a:stretch>
+            <a:fillRect/>
+          </a:stretch>
+        </p:blipFill>
+        <p:spPr bwMode="auto">
+          <a:xfrm>
+            <a:off x="228600" y="1219200"/>
+            <a:ext cx="1371600" cy="1371600"/>
+          </a:xfrm>
+          <a:prstGeom prst="rect">
+            <a:avLst/>
+          </a:prstGeom>
+          <a:noFill/>
+        </p:spPr>
+      </p:pic>
+      <p:pic>
+        <p:nvPicPr>
+          <p:cNvPr id="41" name="Picture 5" descr="C:\Users\carmi\Documents\universal_style_transfer\Report\Figures\st2_sq.jpg"/>
+          <p:cNvPicPr>
+            <a:picLocks noChangeAspect="1" noChangeArrowheads="1"/>
+          </p:cNvPicPr>
+          <p:nvPr/>
+        </p:nvPicPr>
+        <p:blipFill>
+          <a:blip r:embed="rId4" cstate="print"/>
+          <a:srcRect/>
+          <a:stretch>
+            <a:fillRect/>
+          </a:stretch>
+        </p:blipFill>
+        <p:spPr bwMode="auto">
+          <a:xfrm>
+            <a:off x="228598" y="2971800"/>
+            <a:ext cx="1371602" cy="1371602"/>
+          </a:xfrm>
+          <a:prstGeom prst="rect">
+            <a:avLst/>
+          </a:prstGeom>
+          <a:noFill/>
+        </p:spPr>
+      </p:pic>
+      <p:pic>
+        <p:nvPicPr>
+          <p:cNvPr id="42" name="Picture 6" descr="C:\Users\carmi\Documents\universal_style_transfer\Report\Figures\bridge_sq.jpg"/>
+          <p:cNvPicPr>
+            <a:picLocks noChangeAspect="1" noChangeArrowheads="1"/>
+          </p:cNvPicPr>
+          <p:nvPr/>
+        </p:nvPicPr>
+        <p:blipFill>
+          <a:blip r:embed="rId5" cstate="print"/>
+          <a:srcRect/>
+          <a:stretch>
+            <a:fillRect/>
+          </a:stretch>
+        </p:blipFill>
+        <p:spPr bwMode="auto">
+          <a:xfrm>
+            <a:off x="228600" y="4572000"/>
+            <a:ext cx="1371600" cy="1371600"/>
+          </a:xfrm>
+          <a:prstGeom prst="rect">
+            <a:avLst/>
+          </a:prstGeom>
+          <a:noFill/>
+        </p:spPr>
+      </p:pic>
+      <p:cxnSp>
+        <p:nvCxnSpPr>
+          <p:cNvPr id="43" name="Straight Arrow Connector 42"/>
+          <p:cNvCxnSpPr/>
+          <p:nvPr/>
+        </p:nvCxnSpPr>
+        <p:spPr>
+          <a:xfrm>
+            <a:off x="1524000" y="5334000"/>
+            <a:ext cx="381000" cy="0"/>
+          </a:xfrm>
+          <a:prstGeom prst="straightConnector1">
+            <a:avLst/>
+          </a:prstGeom>
+          <a:ln>
+            <a:tailEnd type="arrow"/>
+          </a:ln>
+        </p:spPr>
+        <p:style>
+          <a:lnRef idx="3">
+            <a:schemeClr val="dk1"/>
+          </a:lnRef>
+          <a:fillRef idx="0">
+            <a:schemeClr val="dk1"/>
+          </a:fillRef>
+          <a:effectRef idx="2">
+            <a:schemeClr val="dk1"/>
+          </a:effectRef>
+          <a:fontRef idx="minor">
+            <a:schemeClr val="tx1"/>
+          </a:fontRef>
+        </p:style>
+      </p:cxnSp>
+      <p:sp>
+        <p:nvSpPr>
+          <p:cNvPr id="44" name="Right Arrow 43"/>
+          <p:cNvSpPr/>
+          <p:nvPr/>
+        </p:nvSpPr>
+        <p:spPr>
+          <a:xfrm>
+            <a:off x="3124200" y="5257800"/>
+            <a:ext cx="381000" cy="228600"/>
+          </a:xfrm>
+          <a:prstGeom prst="rightArrow">
+            <a:avLst/>
+          </a:prstGeom>
+        </p:spPr>
+        <p:style>
+          <a:lnRef idx="2">
+            <a:schemeClr val="accent1">
+              <a:shade val="50000"/>
+            </a:schemeClr>
+          </a:lnRef>
+          <a:fillRef idx="1">
+            <a:schemeClr val="accent1"/>
+          </a:fillRef>
+          <a:effectRef idx="0">
+            <a:schemeClr val="accent1"/>
+          </a:effectRef>
+          <a:fontRef idx="minor">
+            <a:schemeClr val="lt1"/>
+          </a:fontRef>
+        </p:style>
+        <p:txBody>
+          <a:bodyPr rtlCol="0" anchor="ctr"/>
+          <a:lstStyle/>
+          <a:p>
+            <a:pPr algn="ctr"/>
+            <a:endParaRPr lang="en-US"/>
+          </a:p>
+        </p:txBody>
+      </p:sp>
+      <p:sp>
+        <p:nvSpPr>
+          <p:cNvPr id="45" name="Right Arrow 44"/>
+          <p:cNvSpPr/>
+          <p:nvPr/>
+        </p:nvSpPr>
+        <p:spPr>
+          <a:xfrm>
+            <a:off x="3124200" y="1676400"/>
+            <a:ext cx="381000" cy="228600"/>
+          </a:xfrm>
+          <a:prstGeom prst="rightArrow">
+            <a:avLst/>
+          </a:prstGeom>
+        </p:spPr>
+        <p:style>
+          <a:lnRef idx="2">
+            <a:schemeClr val="accent1">
+              <a:shade val="50000"/>
+            </a:schemeClr>
+          </a:lnRef>
+          <a:fillRef idx="1">
+            <a:schemeClr val="accent1"/>
+          </a:fillRef>
+          <a:effectRef idx="0">
+            <a:schemeClr val="accent1"/>
+          </a:effectRef>
+          <a:fontRef idx="minor">
+            <a:schemeClr val="lt1"/>
+          </a:fontRef>
+        </p:style>
+        <p:txBody>
+          <a:bodyPr rtlCol="0" anchor="ctr"/>
+          <a:lstStyle/>
+          <a:p>
+            <a:pPr algn="ctr"/>
+            <a:endParaRPr lang="en-US"/>
+          </a:p>
+        </p:txBody>
+      </p:sp>
+      <p:sp>
+        <p:nvSpPr>
+          <p:cNvPr id="46" name="Right Arrow 45"/>
+          <p:cNvSpPr/>
+          <p:nvPr/>
+        </p:nvSpPr>
+        <p:spPr>
+          <a:xfrm>
+            <a:off x="3124200" y="3733800"/>
+            <a:ext cx="381000" cy="228600"/>
+          </a:xfrm>
+          <a:prstGeom prst="rightArrow">
+            <a:avLst/>
+          </a:prstGeom>
+        </p:spPr>
+        <p:style>
+          <a:lnRef idx="2">
+            <a:schemeClr val="accent1">
+              <a:shade val="50000"/>
+            </a:schemeClr>
+          </a:lnRef>
+          <a:fillRef idx="1">
+            <a:schemeClr val="accent1"/>
+          </a:fillRef>
+          <a:effectRef idx="0">
+            <a:schemeClr val="accent1"/>
+          </a:effectRef>
+          <a:fontRef idx="minor">
+            <a:schemeClr val="lt1"/>
+          </a:fontRef>
+        </p:style>
+        <p:txBody>
+          <a:bodyPr rtlCol="0" anchor="ctr"/>
+          <a:lstStyle/>
+          <a:p>
+            <a:pPr algn="ctr"/>
+            <a:endParaRPr lang="en-US"/>
+          </a:p>
+        </p:txBody>
+      </p:sp>
+      <p:pic>
+        <p:nvPicPr>
+          <p:cNvPr id="47" name="Picture 15"/>
+          <p:cNvPicPr>
+            <a:picLocks noChangeAspect="1" noChangeArrowheads="1"/>
+          </p:cNvPicPr>
+          <p:nvPr/>
+        </p:nvPicPr>
+        <p:blipFill>
+          <a:blip r:embed="rId7" cstate="print"/>
+          <a:srcRect/>
+          <a:stretch>
+            <a:fillRect/>
+          </a:stretch>
+        </p:blipFill>
+        <p:spPr bwMode="auto">
+          <a:xfrm>
+            <a:off x="2590800" y="4474308"/>
+            <a:ext cx="533400" cy="250092"/>
+          </a:xfrm>
+          <a:prstGeom prst="rect">
+            <a:avLst/>
+          </a:prstGeom>
+          <a:noFill/>
+          <a:ln w="9525">
+            <a:noFill/>
+            <a:miter lim="800000"/>
+            <a:headEnd/>
+            <a:tailEnd/>
+          </a:ln>
+        </p:spPr>
+      </p:pic>
+      <p:cxnSp>
+        <p:nvCxnSpPr>
+          <p:cNvPr id="48" name="Straight Arrow Connector 47"/>
+          <p:cNvCxnSpPr/>
+          <p:nvPr/>
+        </p:nvCxnSpPr>
+        <p:spPr>
+          <a:xfrm>
+            <a:off x="2514600" y="4267200"/>
+            <a:ext cx="0" cy="609600"/>
+          </a:xfrm>
+          <a:prstGeom prst="straightConnector1">
+            <a:avLst/>
+          </a:prstGeom>
+          <a:ln>
+            <a:solidFill>
+              <a:schemeClr val="tx1"/>
+            </a:solidFill>
+            <a:headEnd type="arrow"/>
+            <a:tailEnd type="arrow"/>
+          </a:ln>
+          <a:effectLst>
+            <a:outerShdw blurRad="50800" dist="38100" dir="13500000" algn="br" rotWithShape="0">
+              <a:prstClr val="black">
+                <a:alpha val="40000"/>
+              </a:prstClr>
+            </a:outerShdw>
+          </a:effectLst>
+        </p:spPr>
+        <p:style>
+          <a:lnRef idx="1">
+            <a:schemeClr val="accent6"/>
+          </a:lnRef>
+          <a:fillRef idx="0">
+            <a:schemeClr val="accent6"/>
+          </a:fillRef>
+          <a:effectRef idx="0">
+            <a:schemeClr val="accent6"/>
+          </a:effectRef>
+          <a:fontRef idx="minor">
+            <a:schemeClr val="tx1"/>
+          </a:fontRef>
+        </p:style>
+      </p:cxnSp>
+      <p:pic>
+        <p:nvPicPr>
+          <p:cNvPr id="49" name="Picture 9"/>
+          <p:cNvPicPr>
+            <a:picLocks noChangeAspect="1" noChangeArrowheads="1"/>
+          </p:cNvPicPr>
+          <p:nvPr/>
+        </p:nvPicPr>
+        <p:blipFill>
+          <a:blip r:embed="rId8" cstate="print"/>
+          <a:srcRect/>
+          <a:stretch>
+            <a:fillRect/>
+          </a:stretch>
+        </p:blipFill>
+        <p:spPr bwMode="auto">
+          <a:xfrm>
+            <a:off x="3657600" y="4876800"/>
+            <a:ext cx="1447800" cy="1260670"/>
+          </a:xfrm>
+          <a:prstGeom prst="rect">
+            <a:avLst/>
+          </a:prstGeom>
+          <a:noFill/>
+          <a:ln w="9525">
+            <a:noFill/>
+            <a:miter lim="800000"/>
+            <a:headEnd/>
+            <a:tailEnd/>
+          </a:ln>
+        </p:spPr>
+      </p:pic>
+      <p:pic>
+        <p:nvPicPr>
+          <p:cNvPr id="51" name="Picture 12"/>
+          <p:cNvPicPr>
+            <a:picLocks noChangeAspect="1" noChangeArrowheads="1"/>
+          </p:cNvPicPr>
+          <p:nvPr/>
+        </p:nvPicPr>
+        <p:blipFill>
+          <a:blip r:embed="rId9" cstate="print"/>
+          <a:srcRect/>
+          <a:stretch>
+            <a:fillRect/>
+          </a:stretch>
+        </p:blipFill>
+        <p:spPr bwMode="auto">
+          <a:xfrm>
+            <a:off x="3533775" y="1295400"/>
+            <a:ext cx="1571625" cy="1343025"/>
+          </a:xfrm>
+          <a:prstGeom prst="rect">
+            <a:avLst/>
+          </a:prstGeom>
+          <a:noFill/>
+          <a:ln w="9525">
+            <a:noFill/>
+            <a:miter lim="800000"/>
+            <a:headEnd/>
+            <a:tailEnd/>
+          </a:ln>
+        </p:spPr>
+      </p:pic>
+      <p:pic>
+        <p:nvPicPr>
+          <p:cNvPr id="52" name="Picture 13"/>
+          <p:cNvPicPr>
+            <a:picLocks noChangeAspect="1" noChangeArrowheads="1"/>
+          </p:cNvPicPr>
+          <p:nvPr/>
+        </p:nvPicPr>
+        <p:blipFill>
+          <a:blip r:embed="rId10" cstate="print"/>
+          <a:srcRect/>
+          <a:stretch>
+            <a:fillRect/>
+          </a:stretch>
+        </p:blipFill>
+        <p:spPr bwMode="auto">
+          <a:xfrm>
+            <a:off x="3657600" y="3124200"/>
+            <a:ext cx="1476375" cy="1419225"/>
+          </a:xfrm>
+          <a:prstGeom prst="rect">
+            <a:avLst/>
+          </a:prstGeom>
+          <a:noFill/>
+          <a:ln w="9525">
+            <a:noFill/>
+            <a:miter lim="800000"/>
+            <a:headEnd/>
+            <a:tailEnd/>
+          </a:ln>
+        </p:spPr>
+      </p:pic>
+      <p:pic>
+        <p:nvPicPr>
+          <p:cNvPr id="53" name="Picture 10"/>
+          <p:cNvPicPr>
+            <a:picLocks noChangeAspect="1" noChangeArrowheads="1"/>
+          </p:cNvPicPr>
+          <p:nvPr/>
+        </p:nvPicPr>
+        <p:blipFill>
+          <a:blip r:embed="rId11" cstate="print"/>
+          <a:srcRect/>
+          <a:stretch>
+            <a:fillRect/>
+          </a:stretch>
+        </p:blipFill>
+        <p:spPr bwMode="auto">
+          <a:xfrm>
+            <a:off x="6705600" y="3962400"/>
+            <a:ext cx="828674" cy="992074"/>
+          </a:xfrm>
+          <a:prstGeom prst="rect">
+            <a:avLst/>
+          </a:prstGeom>
+          <a:noFill/>
+          <a:ln w="9525">
+            <a:noFill/>
+            <a:miter lim="800000"/>
+            <a:headEnd/>
+            <a:tailEnd/>
+          </a:ln>
+        </p:spPr>
+      </p:pic>
+      <p:sp>
+        <p:nvSpPr>
+          <p:cNvPr id="54" name="Bent Arrow 53"/>
+          <p:cNvSpPr/>
+          <p:nvPr/>
+        </p:nvSpPr>
+        <p:spPr>
+          <a:xfrm rot="16200000" flipV="1">
+            <a:off x="5867400" y="4191000"/>
+            <a:ext cx="457200" cy="2133600"/>
+          </a:xfrm>
+          <a:prstGeom prst="bentArrow">
+            <a:avLst/>
+          </a:prstGeom>
+        </p:spPr>
+        <p:style>
+          <a:lnRef idx="2">
+            <a:schemeClr val="accent1">
+              <a:shade val="50000"/>
+            </a:schemeClr>
+          </a:lnRef>
+          <a:fillRef idx="1">
+            <a:schemeClr val="accent1"/>
+          </a:fillRef>
+          <a:effectRef idx="0">
+            <a:schemeClr val="accent1"/>
+          </a:effectRef>
+          <a:fontRef idx="minor">
+            <a:schemeClr val="lt1"/>
+          </a:fontRef>
+        </p:style>
+        <p:txBody>
+          <a:bodyPr rtlCol="0" anchor="ctr"/>
+          <a:lstStyle/>
+          <a:p>
+            <a:pPr algn="ctr"/>
+            <a:endParaRPr lang="en-US">
+              <a:solidFill>
+                <a:schemeClr val="tx1"/>
+              </a:solidFill>
+            </a:endParaRPr>
+          </a:p>
+        </p:txBody>
+      </p:sp>
+      <p:sp>
+        <p:nvSpPr>
+          <p:cNvPr id="56" name="Bent Arrow 55"/>
+          <p:cNvSpPr/>
+          <p:nvPr/>
+        </p:nvSpPr>
+        <p:spPr>
+          <a:xfrm rot="16200000" flipV="1">
+            <a:off x="5486400" y="2971800"/>
+            <a:ext cx="457200" cy="1219200"/>
+          </a:xfrm>
+          <a:prstGeom prst="bentArrow">
+            <a:avLst/>
+          </a:prstGeom>
+        </p:spPr>
+        <p:style>
+          <a:lnRef idx="2">
+            <a:schemeClr val="accent1">
+              <a:shade val="50000"/>
+            </a:schemeClr>
+          </a:lnRef>
+          <a:fillRef idx="1">
+            <a:schemeClr val="accent1"/>
+          </a:fillRef>
+          <a:effectRef idx="0">
+            <a:schemeClr val="accent1"/>
+          </a:effectRef>
+          <a:fontRef idx="minor">
+            <a:schemeClr val="lt1"/>
+          </a:fontRef>
+        </p:style>
+        <p:txBody>
+          <a:bodyPr rtlCol="0" anchor="ctr"/>
+          <a:lstStyle/>
+          <a:p>
+            <a:pPr algn="ctr"/>
+            <a:endParaRPr lang="en-US">
+              <a:solidFill>
+                <a:schemeClr val="tx1"/>
+              </a:solidFill>
+            </a:endParaRPr>
+          </a:p>
+        </p:txBody>
+      </p:sp>
+      <p:sp>
+        <p:nvSpPr>
+          <p:cNvPr id="57" name="Bent Arrow 56"/>
+          <p:cNvSpPr/>
+          <p:nvPr/>
+        </p:nvSpPr>
+        <p:spPr>
+          <a:xfrm rot="16200000" flipH="1" flipV="1">
+            <a:off x="5524500" y="1714500"/>
+            <a:ext cx="381000" cy="1219200"/>
+          </a:xfrm>
+          <a:prstGeom prst="bentArrow">
+            <a:avLst/>
+          </a:prstGeom>
+        </p:spPr>
+        <p:style>
+          <a:lnRef idx="2">
+            <a:schemeClr val="accent1">
+              <a:shade val="50000"/>
+            </a:schemeClr>
+          </a:lnRef>
+          <a:fillRef idx="1">
+            <a:schemeClr val="accent1"/>
+          </a:fillRef>
+          <a:effectRef idx="0">
+            <a:schemeClr val="accent1"/>
+          </a:effectRef>
+          <a:fontRef idx="minor">
+            <a:schemeClr val="lt1"/>
+          </a:fontRef>
+        </p:style>
+        <p:txBody>
+          <a:bodyPr rtlCol="0" anchor="ctr"/>
+          <a:lstStyle/>
+          <a:p>
+            <a:pPr algn="ctr"/>
+            <a:endParaRPr lang="en-US">
+              <a:solidFill>
+                <a:schemeClr val="tx1"/>
+              </a:solidFill>
+            </a:endParaRPr>
+          </a:p>
+        </p:txBody>
+      </p:sp>
+      <p:pic>
+        <p:nvPicPr>
+          <p:cNvPr id="58" name="Picture 11"/>
+          <p:cNvPicPr>
+            <a:picLocks noChangeAspect="1" noChangeArrowheads="1"/>
+          </p:cNvPicPr>
+          <p:nvPr/>
+        </p:nvPicPr>
+        <p:blipFill>
+          <a:blip r:embed="rId12" cstate="print"/>
+          <a:srcRect/>
+          <a:stretch>
+            <a:fillRect/>
+          </a:stretch>
+        </p:blipFill>
+        <p:spPr bwMode="auto">
+          <a:xfrm>
+            <a:off x="7924800" y="3733800"/>
+            <a:ext cx="759130" cy="1514474"/>
+          </a:xfrm>
+          <a:prstGeom prst="rect">
+            <a:avLst/>
+          </a:prstGeom>
+          <a:noFill/>
+          <a:ln w="9525">
+            <a:noFill/>
+            <a:miter lim="800000"/>
+            <a:headEnd/>
+            <a:tailEnd/>
+          </a:ln>
+        </p:spPr>
+      </p:pic>
+      <p:sp>
+        <p:nvSpPr>
+          <p:cNvPr id="60" name="Bent-Up Arrow 59"/>
+          <p:cNvSpPr/>
+          <p:nvPr/>
+        </p:nvSpPr>
+        <p:spPr>
+          <a:xfrm flipV="1">
+            <a:off x="6858000" y="2895600"/>
+            <a:ext cx="304800" cy="990600"/>
+          </a:xfrm>
+          <a:prstGeom prst="bentUpArrow">
+            <a:avLst/>
+          </a:prstGeom>
+        </p:spPr>
+        <p:style>
+          <a:lnRef idx="2">
+            <a:schemeClr val="accent1">
+              <a:shade val="50000"/>
+            </a:schemeClr>
+          </a:lnRef>
+          <a:fillRef idx="1">
+            <a:schemeClr val="accent1"/>
+          </a:fillRef>
+          <a:effectRef idx="0">
+            <a:schemeClr val="accent1"/>
+          </a:effectRef>
+          <a:fontRef idx="minor">
+            <a:schemeClr val="lt1"/>
+          </a:fontRef>
+        </p:style>
+        <p:txBody>
+          <a:bodyPr rtlCol="0" anchor="ctr"/>
+          <a:lstStyle/>
+          <a:p>
+            <a:pPr algn="ctr"/>
+            <a:endParaRPr lang="en-US"/>
+          </a:p>
+        </p:txBody>
+      </p:sp>
+      <p:sp>
+        <p:nvSpPr>
+          <p:cNvPr id="62" name="Right Arrow 61"/>
+          <p:cNvSpPr/>
+          <p:nvPr/>
+        </p:nvSpPr>
+        <p:spPr>
+          <a:xfrm>
+            <a:off x="7543800" y="4343400"/>
+            <a:ext cx="304800" cy="228600"/>
+          </a:xfrm>
+          <a:prstGeom prst="rightArrow">
+            <a:avLst/>
+          </a:prstGeom>
+        </p:spPr>
+        <p:style>
+          <a:lnRef idx="2">
+            <a:schemeClr val="accent1">
+              <a:shade val="50000"/>
+            </a:schemeClr>
+          </a:lnRef>
+          <a:fillRef idx="1">
+            <a:schemeClr val="accent1"/>
+          </a:fillRef>
+          <a:effectRef idx="0">
+            <a:schemeClr val="accent1"/>
+          </a:effectRef>
+          <a:fontRef idx="minor">
+            <a:schemeClr val="lt1"/>
+          </a:fontRef>
+        </p:style>
+        <p:txBody>
+          <a:bodyPr rtlCol="0" anchor="ctr"/>
+          <a:lstStyle/>
+          <a:p>
+            <a:pPr algn="ctr"/>
+            <a:endParaRPr lang="en-US"/>
+          </a:p>
+        </p:txBody>
+      </p:sp>
+      <p:sp>
+        <p:nvSpPr>
+          <p:cNvPr id="63" name="Right Arrow 62"/>
+          <p:cNvSpPr/>
+          <p:nvPr/>
+        </p:nvSpPr>
+        <p:spPr>
+          <a:xfrm rot="16200000">
+            <a:off x="8077200" y="3352800"/>
+            <a:ext cx="381000" cy="228600"/>
+          </a:xfrm>
+          <a:prstGeom prst="rightArrow">
+            <a:avLst/>
+          </a:prstGeom>
+        </p:spPr>
+        <p:style>
+          <a:lnRef idx="2">
+            <a:schemeClr val="accent1">
+              <a:shade val="50000"/>
+            </a:schemeClr>
+          </a:lnRef>
+          <a:fillRef idx="1">
+            <a:schemeClr val="accent1"/>
+          </a:fillRef>
+          <a:effectRef idx="0">
+            <a:schemeClr val="accent1"/>
+          </a:effectRef>
+          <a:fontRef idx="minor">
+            <a:schemeClr val="lt1"/>
+          </a:fontRef>
+        </p:style>
+        <p:txBody>
+          <a:bodyPr rtlCol="0" anchor="ctr"/>
+          <a:lstStyle/>
+          <a:p>
+            <a:pPr algn="ctr"/>
+            <a:endParaRPr lang="en-US"/>
+          </a:p>
+        </p:txBody>
+      </p:sp>
+      <p:pic>
+        <p:nvPicPr>
+          <p:cNvPr id="3074" name="Picture 2"/>
+          <p:cNvPicPr>
+            <a:picLocks noChangeAspect="1" noChangeArrowheads="1"/>
+          </p:cNvPicPr>
+          <p:nvPr/>
+        </p:nvPicPr>
+        <p:blipFill>
+          <a:blip r:embed="rId13" cstate="print"/>
+          <a:srcRect/>
+          <a:stretch>
+            <a:fillRect/>
+          </a:stretch>
+        </p:blipFill>
+        <p:spPr bwMode="auto">
+          <a:xfrm>
+            <a:off x="5334000" y="2667000"/>
+            <a:ext cx="1533524" cy="495300"/>
+          </a:xfrm>
+          <a:prstGeom prst="rect">
+            <a:avLst/>
+          </a:prstGeom>
+          <a:noFill/>
+          <a:ln w="9525">
+            <a:noFill/>
+            <a:miter lim="800000"/>
+            <a:headEnd/>
+            <a:tailEnd/>
+          </a:ln>
+        </p:spPr>
+      </p:pic>
+      <p:pic>
+        <p:nvPicPr>
+          <p:cNvPr id="3075" name="Picture 3" descr="C:\Users\carmi\Documents\universal_style_transfer\Report\Figures\merge\merge_bridge_starry_st2_4.jpg"/>
+          <p:cNvPicPr>
+            <a:picLocks noChangeAspect="1" noChangeArrowheads="1"/>
+          </p:cNvPicPr>
+          <p:nvPr/>
+        </p:nvPicPr>
+        <p:blipFill>
+          <a:blip r:embed="rId14" cstate="print"/>
+          <a:srcRect/>
+          <a:stretch>
+            <a:fillRect/>
+          </a:stretch>
+        </p:blipFill>
+        <p:spPr bwMode="auto">
+          <a:xfrm>
+            <a:off x="6858000" y="533400"/>
+            <a:ext cx="2133600" cy="2133600"/>
+          </a:xfrm>
+          <a:prstGeom prst="rect">
+            <a:avLst/>
+          </a:prstGeom>
+          <a:noFill/>
+        </p:spPr>
+      </p:pic>
+      <p:sp>
+        <p:nvSpPr>
+          <p:cNvPr id="67" name="TextBox 66"/>
+          <p:cNvSpPr txBox="1"/>
+          <p:nvPr/>
+        </p:nvSpPr>
+        <p:spPr>
+          <a:xfrm>
+            <a:off x="3124200" y="6172200"/>
+            <a:ext cx="2688557" cy="369332"/>
+          </a:xfrm>
+          <a:prstGeom prst="rect">
+            <a:avLst/>
+          </a:prstGeom>
+          <a:noFill/>
+        </p:spPr>
+        <p:txBody>
+          <a:bodyPr wrap="none" rtlCol="0">
+            <a:spAutoFit/>
+          </a:bodyPr>
+          <a:lstStyle/>
+          <a:p>
+            <a:r>
+              <a:rPr lang="en-US" b="1" dirty="0" smtClean="0"/>
+              <a:t>Deep feature channels</a:t>
+            </a:r>
+            <a:endParaRPr lang="en-US" b="1" dirty="0"/>
           </a:p>
         </p:txBody>
       </p:sp>

--- a/ppt/Universal Style transfer via Feature Transform.pptx
+++ b/ppt/Universal Style transfer via Feature Transform.pptx
@@ -6,15 +6,17 @@
   </p:sldMasterIdLst>
   <p:sldIdLst>
     <p:sldId id="256" r:id="rId2"/>
-    <p:sldId id="258" r:id="rId3"/>
-    <p:sldId id="259" r:id="rId4"/>
-    <p:sldId id="257" r:id="rId5"/>
-    <p:sldId id="260" r:id="rId6"/>
-    <p:sldId id="261" r:id="rId7"/>
-    <p:sldId id="262" r:id="rId8"/>
+    <p:sldId id="269" r:id="rId3"/>
+    <p:sldId id="258" r:id="rId4"/>
+    <p:sldId id="259" r:id="rId5"/>
+    <p:sldId id="257" r:id="rId6"/>
+    <p:sldId id="260" r:id="rId7"/>
+    <p:sldId id="261" r:id="rId8"/>
     <p:sldId id="263" r:id="rId9"/>
-    <p:sldId id="264" r:id="rId10"/>
-    <p:sldId id="265" r:id="rId11"/>
+    <p:sldId id="266" r:id="rId10"/>
+    <p:sldId id="264" r:id="rId11"/>
+    <p:sldId id="265" r:id="rId12"/>
+    <p:sldId id="267" r:id="rId13"/>
   </p:sldIdLst>
   <p:sldSz cx="9144000" cy="6858000" type="screen4x3"/>
   <p:notesSz cx="6858000" cy="9144000"/>
@@ -742,7 +744,7 @@
             <a:fld id="{E6E985E8-094D-432C-AD96-489E57D7E58F}" type="datetimeFigureOut">
               <a:rPr lang="en-US" smtClean="0"/>
               <a:pPr/>
-              <a:t>2/21/2019</a:t>
+              <a:t>22-Feb-19</a:t>
             </a:fld>
             <a:endParaRPr lang="en-US"/>
           </a:p>
@@ -940,7 +942,7 @@
             <a:fld id="{E6E985E8-094D-432C-AD96-489E57D7E58F}" type="datetimeFigureOut">
               <a:rPr lang="en-US" smtClean="0"/>
               <a:pPr/>
-              <a:t>2/21/2019</a:t>
+              <a:t>22-Feb-19</a:t>
             </a:fld>
             <a:endParaRPr lang="en-US"/>
           </a:p>
@@ -1127,7 +1129,7 @@
             <a:fld id="{E6E985E8-094D-432C-AD96-489E57D7E58F}" type="datetimeFigureOut">
               <a:rPr lang="en-US" smtClean="0"/>
               <a:pPr/>
-              <a:t>2/21/2019</a:t>
+              <a:t>22-Feb-19</a:t>
             </a:fld>
             <a:endParaRPr lang="en-US"/>
           </a:p>
@@ -1279,7 +1281,7 @@
             <a:fld id="{E6E985E8-094D-432C-AD96-489E57D7E58F}" type="datetimeFigureOut">
               <a:rPr lang="en-US" smtClean="0"/>
               <a:pPr/>
-              <a:t>2/21/2019</a:t>
+              <a:t>22-Feb-19</a:t>
             </a:fld>
             <a:endParaRPr lang="en-US"/>
           </a:p>
@@ -1536,7 +1538,7 @@
             <a:fld id="{E6E985E8-094D-432C-AD96-489E57D7E58F}" type="datetimeFigureOut">
               <a:rPr lang="en-US" smtClean="0"/>
               <a:pPr/>
-              <a:t>2/21/2019</a:t>
+              <a:t>22-Feb-19</a:t>
             </a:fld>
             <a:endParaRPr lang="en-US"/>
           </a:p>
@@ -1947,7 +1949,7 @@
             <a:fld id="{E6E985E8-094D-432C-AD96-489E57D7E58F}" type="datetimeFigureOut">
               <a:rPr lang="en-US" smtClean="0"/>
               <a:pPr/>
-              <a:t>2/21/2019</a:t>
+              <a:t>22-Feb-19</a:t>
             </a:fld>
             <a:endParaRPr lang="en-US"/>
           </a:p>
@@ -2395,7 +2397,7 @@
             <a:fld id="{E6E985E8-094D-432C-AD96-489E57D7E58F}" type="datetimeFigureOut">
               <a:rPr lang="en-US" smtClean="0"/>
               <a:pPr/>
-              <a:t>2/21/2019</a:t>
+              <a:t>22-Feb-19</a:t>
             </a:fld>
             <a:endParaRPr lang="en-US"/>
           </a:p>
@@ -2498,7 +2500,7 @@
             <a:fld id="{E6E985E8-094D-432C-AD96-489E57D7E58F}" type="datetimeFigureOut">
               <a:rPr lang="en-US" smtClean="0"/>
               <a:pPr/>
-              <a:t>2/21/2019</a:t>
+              <a:t>22-Feb-19</a:t>
             </a:fld>
             <a:endParaRPr lang="en-US"/>
           </a:p>
@@ -2621,7 +2623,7 @@
             <a:fld id="{E6E985E8-094D-432C-AD96-489E57D7E58F}" type="datetimeFigureOut">
               <a:rPr lang="en-US" smtClean="0"/>
               <a:pPr/>
-              <a:t>2/21/2019</a:t>
+              <a:t>22-Feb-19</a:t>
             </a:fld>
             <a:endParaRPr lang="en-US"/>
           </a:p>
@@ -2897,7 +2899,7 @@
             <a:fld id="{E6E985E8-094D-432C-AD96-489E57D7E58F}" type="datetimeFigureOut">
               <a:rPr lang="en-US" smtClean="0"/>
               <a:pPr/>
-              <a:t>2/21/2019</a:t>
+              <a:t>22-Feb-19</a:t>
             </a:fld>
             <a:endParaRPr lang="en-US"/>
           </a:p>
@@ -3104,7 +3106,7 @@
             <a:fld id="{E6E985E8-094D-432C-AD96-489E57D7E58F}" type="datetimeFigureOut">
               <a:rPr lang="en-US" smtClean="0"/>
               <a:pPr/>
-              <a:t>2/21/2019</a:t>
+              <a:t>22-Feb-19</a:t>
             </a:fld>
             <a:endParaRPr lang="en-US"/>
           </a:p>
@@ -4215,7 +4217,7 @@
             <a:fld id="{E6E985E8-094D-432C-AD96-489E57D7E58F}" type="datetimeFigureOut">
               <a:rPr lang="en-US" smtClean="0"/>
               <a:pPr/>
-              <a:t>2/21/2019</a:t>
+              <a:t>22-Feb-19</a:t>
             </a:fld>
             <a:endParaRPr lang="en-US"/>
           </a:p>
@@ -4916,32 +4918,9 @@
           <a:chExt cx="0" cy="0"/>
         </a:xfrm>
       </p:grpSpPr>
-      <p:sp>
-        <p:nvSpPr>
-          <p:cNvPr id="3" name="Title 2"/>
-          <p:cNvSpPr>
-            <a:spLocks noGrp="1"/>
-          </p:cNvSpPr>
-          <p:nvPr>
-            <p:ph type="title"/>
-          </p:nvPr>
-        </p:nvSpPr>
-        <p:spPr/>
-        <p:txBody>
-          <a:bodyPr/>
-          <a:lstStyle/>
-          <a:p>
-            <a:r>
-              <a:rPr lang="en-US" dirty="0" smtClean="0"/>
-              <a:t>Level Merge</a:t>
-            </a:r>
-            <a:endParaRPr lang="en-US" dirty="0"/>
-          </a:p>
-        </p:txBody>
-      </p:sp>
       <p:pic>
         <p:nvPicPr>
-          <p:cNvPr id="4098" name="Picture 2"/>
+          <p:cNvPr id="66" name="Picture 7"/>
           <p:cNvPicPr>
             <a:picLocks noChangeAspect="1" noChangeArrowheads="1"/>
           </p:cNvPicPr>
@@ -4956,8 +4935,8 @@
         </p:blipFill>
         <p:spPr bwMode="auto">
           <a:xfrm>
-            <a:off x="2362200" y="1219200"/>
-            <a:ext cx="4349010" cy="4724400"/>
+            <a:off x="1867874" y="4572000"/>
+            <a:ext cx="1256326" cy="1676400"/>
           </a:xfrm>
           <a:prstGeom prst="rect">
             <a:avLst/>
@@ -4971,9 +4950,32 @@
           </a:ln>
         </p:spPr>
       </p:pic>
+      <p:sp>
+        <p:nvSpPr>
+          <p:cNvPr id="3" name="Title 2"/>
+          <p:cNvSpPr>
+            <a:spLocks noGrp="1"/>
+          </p:cNvSpPr>
+          <p:nvPr>
+            <p:ph type="title"/>
+          </p:nvPr>
+        </p:nvSpPr>
+        <p:spPr/>
+        <p:txBody>
+          <a:bodyPr/>
+          <a:lstStyle/>
+          <a:p>
+            <a:r>
+              <a:rPr lang="en-US" dirty="0" smtClean="0"/>
+              <a:t>Interpolation Merge</a:t>
+            </a:r>
+            <a:endParaRPr lang="en-US" dirty="0"/>
+          </a:p>
+        </p:txBody>
+      </p:sp>
       <p:pic>
         <p:nvPicPr>
-          <p:cNvPr id="4099" name="Picture 3" descr="C:\Users\carmi\Documents\universal_style_transfer\Report\Figures\merge\merge_bridge_starry_st2_3.jpg"/>
+          <p:cNvPr id="34" name="Picture 4" descr="C:\Users\carmi\Documents\universal_style_transfer\Report\Figures\starry_sq.jpg"/>
           <p:cNvPicPr>
             <a:picLocks noChangeAspect="1" noChangeArrowheads="1"/>
           </p:cNvPicPr>
@@ -4988,6 +4990,1049 @@
         </p:blipFill>
         <p:spPr bwMode="auto">
           <a:xfrm>
+            <a:off x="228600" y="1219200"/>
+            <a:ext cx="1371600" cy="1371600"/>
+          </a:xfrm>
+          <a:prstGeom prst="rect">
+            <a:avLst/>
+          </a:prstGeom>
+          <a:noFill/>
+        </p:spPr>
+      </p:pic>
+      <p:pic>
+        <p:nvPicPr>
+          <p:cNvPr id="35" name="Picture 5" descr="C:\Users\carmi\Documents\universal_style_transfer\Report\Figures\st2_sq.jpg"/>
+          <p:cNvPicPr>
+            <a:picLocks noChangeAspect="1" noChangeArrowheads="1"/>
+          </p:cNvPicPr>
+          <p:nvPr/>
+        </p:nvPicPr>
+        <p:blipFill>
+          <a:blip r:embed="rId4" cstate="print"/>
+          <a:srcRect/>
+          <a:stretch>
+            <a:fillRect/>
+          </a:stretch>
+        </p:blipFill>
+        <p:spPr bwMode="auto">
+          <a:xfrm>
+            <a:off x="228598" y="2895598"/>
+            <a:ext cx="1371602" cy="1371602"/>
+          </a:xfrm>
+          <a:prstGeom prst="rect">
+            <a:avLst/>
+          </a:prstGeom>
+          <a:noFill/>
+        </p:spPr>
+      </p:pic>
+      <p:pic>
+        <p:nvPicPr>
+          <p:cNvPr id="36" name="Picture 6" descr="C:\Users\carmi\Documents\universal_style_transfer\Report\Figures\bridge_sq.jpg"/>
+          <p:cNvPicPr>
+            <a:picLocks noChangeAspect="1" noChangeArrowheads="1"/>
+          </p:cNvPicPr>
+          <p:nvPr/>
+        </p:nvPicPr>
+        <p:blipFill>
+          <a:blip r:embed="rId5" cstate="print"/>
+          <a:srcRect/>
+          <a:stretch>
+            <a:fillRect/>
+          </a:stretch>
+        </p:blipFill>
+        <p:spPr bwMode="auto">
+          <a:xfrm>
+            <a:off x="228600" y="4495800"/>
+            <a:ext cx="1371600" cy="1371600"/>
+          </a:xfrm>
+          <a:prstGeom prst="rect">
+            <a:avLst/>
+          </a:prstGeom>
+          <a:noFill/>
+        </p:spPr>
+      </p:pic>
+      <p:pic>
+        <p:nvPicPr>
+          <p:cNvPr id="37" name="Picture 3"/>
+          <p:cNvPicPr>
+            <a:picLocks noChangeAspect="1" noChangeArrowheads="1"/>
+          </p:cNvPicPr>
+          <p:nvPr/>
+        </p:nvPicPr>
+        <p:blipFill>
+          <a:blip r:embed="rId6" cstate="print"/>
+          <a:srcRect/>
+          <a:stretch>
+            <a:fillRect/>
+          </a:stretch>
+        </p:blipFill>
+        <p:spPr bwMode="auto">
+          <a:xfrm>
+            <a:off x="1905000" y="1066800"/>
+            <a:ext cx="1200532" cy="3505200"/>
+          </a:xfrm>
+          <a:prstGeom prst="rect">
+            <a:avLst/>
+          </a:prstGeom>
+          <a:noFill/>
+          <a:ln w="9525">
+            <a:noFill/>
+            <a:miter lim="800000"/>
+            <a:headEnd/>
+            <a:tailEnd/>
+          </a:ln>
+        </p:spPr>
+      </p:pic>
+      <p:cxnSp>
+        <p:nvCxnSpPr>
+          <p:cNvPr id="38" name="Straight Arrow Connector 37"/>
+          <p:cNvCxnSpPr/>
+          <p:nvPr/>
+        </p:nvCxnSpPr>
+        <p:spPr>
+          <a:xfrm>
+            <a:off x="1524000" y="1752600"/>
+            <a:ext cx="381000" cy="0"/>
+          </a:xfrm>
+          <a:prstGeom prst="straightConnector1">
+            <a:avLst/>
+          </a:prstGeom>
+          <a:ln>
+            <a:tailEnd type="arrow"/>
+          </a:ln>
+        </p:spPr>
+        <p:style>
+          <a:lnRef idx="3">
+            <a:schemeClr val="dk1"/>
+          </a:lnRef>
+          <a:fillRef idx="0">
+            <a:schemeClr val="dk1"/>
+          </a:fillRef>
+          <a:effectRef idx="2">
+            <a:schemeClr val="dk1"/>
+          </a:effectRef>
+          <a:fontRef idx="minor">
+            <a:schemeClr val="tx1"/>
+          </a:fontRef>
+        </p:style>
+      </p:cxnSp>
+      <p:cxnSp>
+        <p:nvCxnSpPr>
+          <p:cNvPr id="39" name="Straight Arrow Connector 38"/>
+          <p:cNvCxnSpPr/>
+          <p:nvPr/>
+        </p:nvCxnSpPr>
+        <p:spPr>
+          <a:xfrm>
+            <a:off x="1524000" y="3733800"/>
+            <a:ext cx="381000" cy="0"/>
+          </a:xfrm>
+          <a:prstGeom prst="straightConnector1">
+            <a:avLst/>
+          </a:prstGeom>
+          <a:ln>
+            <a:tailEnd type="arrow"/>
+          </a:ln>
+        </p:spPr>
+        <p:style>
+          <a:lnRef idx="3">
+            <a:schemeClr val="dk1"/>
+          </a:lnRef>
+          <a:fillRef idx="0">
+            <a:schemeClr val="dk1"/>
+          </a:fillRef>
+          <a:effectRef idx="2">
+            <a:schemeClr val="dk1"/>
+          </a:effectRef>
+          <a:fontRef idx="minor">
+            <a:schemeClr val="tx1"/>
+          </a:fontRef>
+        </p:style>
+      </p:cxnSp>
+      <p:pic>
+        <p:nvPicPr>
+          <p:cNvPr id="40" name="Picture 4" descr="C:\Users\carmi\Documents\universal_style_transfer\Report\Figures\starry_sq.jpg"/>
+          <p:cNvPicPr>
+            <a:picLocks noChangeAspect="1" noChangeArrowheads="1"/>
+          </p:cNvPicPr>
+          <p:nvPr/>
+        </p:nvPicPr>
+        <p:blipFill>
+          <a:blip r:embed="rId3" cstate="print"/>
+          <a:srcRect/>
+          <a:stretch>
+            <a:fillRect/>
+          </a:stretch>
+        </p:blipFill>
+        <p:spPr bwMode="auto">
+          <a:xfrm>
+            <a:off x="228600" y="1219200"/>
+            <a:ext cx="1371600" cy="1371600"/>
+          </a:xfrm>
+          <a:prstGeom prst="rect">
+            <a:avLst/>
+          </a:prstGeom>
+          <a:noFill/>
+        </p:spPr>
+      </p:pic>
+      <p:pic>
+        <p:nvPicPr>
+          <p:cNvPr id="41" name="Picture 5" descr="C:\Users\carmi\Documents\universal_style_transfer\Report\Figures\st2_sq.jpg"/>
+          <p:cNvPicPr>
+            <a:picLocks noChangeAspect="1" noChangeArrowheads="1"/>
+          </p:cNvPicPr>
+          <p:nvPr/>
+        </p:nvPicPr>
+        <p:blipFill>
+          <a:blip r:embed="rId4" cstate="print"/>
+          <a:srcRect/>
+          <a:stretch>
+            <a:fillRect/>
+          </a:stretch>
+        </p:blipFill>
+        <p:spPr bwMode="auto">
+          <a:xfrm>
+            <a:off x="228598" y="2971800"/>
+            <a:ext cx="1371602" cy="1371602"/>
+          </a:xfrm>
+          <a:prstGeom prst="rect">
+            <a:avLst/>
+          </a:prstGeom>
+          <a:noFill/>
+        </p:spPr>
+      </p:pic>
+      <p:pic>
+        <p:nvPicPr>
+          <p:cNvPr id="42" name="Picture 6" descr="C:\Users\carmi\Documents\universal_style_transfer\Report\Figures\bridge_sq.jpg"/>
+          <p:cNvPicPr>
+            <a:picLocks noChangeAspect="1" noChangeArrowheads="1"/>
+          </p:cNvPicPr>
+          <p:nvPr/>
+        </p:nvPicPr>
+        <p:blipFill>
+          <a:blip r:embed="rId5" cstate="print"/>
+          <a:srcRect/>
+          <a:stretch>
+            <a:fillRect/>
+          </a:stretch>
+        </p:blipFill>
+        <p:spPr bwMode="auto">
+          <a:xfrm>
+            <a:off x="228600" y="4572000"/>
+            <a:ext cx="1371600" cy="1371600"/>
+          </a:xfrm>
+          <a:prstGeom prst="rect">
+            <a:avLst/>
+          </a:prstGeom>
+          <a:noFill/>
+        </p:spPr>
+      </p:pic>
+      <p:cxnSp>
+        <p:nvCxnSpPr>
+          <p:cNvPr id="43" name="Straight Arrow Connector 42"/>
+          <p:cNvCxnSpPr/>
+          <p:nvPr/>
+        </p:nvCxnSpPr>
+        <p:spPr>
+          <a:xfrm>
+            <a:off x="1524000" y="5334000"/>
+            <a:ext cx="381000" cy="0"/>
+          </a:xfrm>
+          <a:prstGeom prst="straightConnector1">
+            <a:avLst/>
+          </a:prstGeom>
+          <a:ln>
+            <a:tailEnd type="arrow"/>
+          </a:ln>
+        </p:spPr>
+        <p:style>
+          <a:lnRef idx="3">
+            <a:schemeClr val="dk1"/>
+          </a:lnRef>
+          <a:fillRef idx="0">
+            <a:schemeClr val="dk1"/>
+          </a:fillRef>
+          <a:effectRef idx="2">
+            <a:schemeClr val="dk1"/>
+          </a:effectRef>
+          <a:fontRef idx="minor">
+            <a:schemeClr val="tx1"/>
+          </a:fontRef>
+        </p:style>
+      </p:cxnSp>
+      <p:sp>
+        <p:nvSpPr>
+          <p:cNvPr id="44" name="Right Arrow 43"/>
+          <p:cNvSpPr/>
+          <p:nvPr/>
+        </p:nvSpPr>
+        <p:spPr>
+          <a:xfrm>
+            <a:off x="3124200" y="5257800"/>
+            <a:ext cx="381000" cy="228600"/>
+          </a:xfrm>
+          <a:prstGeom prst="rightArrow">
+            <a:avLst/>
+          </a:prstGeom>
+        </p:spPr>
+        <p:style>
+          <a:lnRef idx="2">
+            <a:schemeClr val="accent1">
+              <a:shade val="50000"/>
+            </a:schemeClr>
+          </a:lnRef>
+          <a:fillRef idx="1">
+            <a:schemeClr val="accent1"/>
+          </a:fillRef>
+          <a:effectRef idx="0">
+            <a:schemeClr val="accent1"/>
+          </a:effectRef>
+          <a:fontRef idx="minor">
+            <a:schemeClr val="lt1"/>
+          </a:fontRef>
+        </p:style>
+        <p:txBody>
+          <a:bodyPr rtlCol="0" anchor="ctr"/>
+          <a:lstStyle/>
+          <a:p>
+            <a:pPr algn="ctr"/>
+            <a:endParaRPr lang="en-US"/>
+          </a:p>
+        </p:txBody>
+      </p:sp>
+      <p:sp>
+        <p:nvSpPr>
+          <p:cNvPr id="45" name="Right Arrow 44"/>
+          <p:cNvSpPr/>
+          <p:nvPr/>
+        </p:nvSpPr>
+        <p:spPr>
+          <a:xfrm>
+            <a:off x="3124200" y="1676400"/>
+            <a:ext cx="381000" cy="228600"/>
+          </a:xfrm>
+          <a:prstGeom prst="rightArrow">
+            <a:avLst/>
+          </a:prstGeom>
+        </p:spPr>
+        <p:style>
+          <a:lnRef idx="2">
+            <a:schemeClr val="accent1">
+              <a:shade val="50000"/>
+            </a:schemeClr>
+          </a:lnRef>
+          <a:fillRef idx="1">
+            <a:schemeClr val="accent1"/>
+          </a:fillRef>
+          <a:effectRef idx="0">
+            <a:schemeClr val="accent1"/>
+          </a:effectRef>
+          <a:fontRef idx="minor">
+            <a:schemeClr val="lt1"/>
+          </a:fontRef>
+        </p:style>
+        <p:txBody>
+          <a:bodyPr rtlCol="0" anchor="ctr"/>
+          <a:lstStyle/>
+          <a:p>
+            <a:pPr algn="ctr"/>
+            <a:endParaRPr lang="en-US"/>
+          </a:p>
+        </p:txBody>
+      </p:sp>
+      <p:sp>
+        <p:nvSpPr>
+          <p:cNvPr id="46" name="Right Arrow 45"/>
+          <p:cNvSpPr/>
+          <p:nvPr/>
+        </p:nvSpPr>
+        <p:spPr>
+          <a:xfrm>
+            <a:off x="3124200" y="3733800"/>
+            <a:ext cx="381000" cy="228600"/>
+          </a:xfrm>
+          <a:prstGeom prst="rightArrow">
+            <a:avLst/>
+          </a:prstGeom>
+        </p:spPr>
+        <p:style>
+          <a:lnRef idx="2">
+            <a:schemeClr val="accent1">
+              <a:shade val="50000"/>
+            </a:schemeClr>
+          </a:lnRef>
+          <a:fillRef idx="1">
+            <a:schemeClr val="accent1"/>
+          </a:fillRef>
+          <a:effectRef idx="0">
+            <a:schemeClr val="accent1"/>
+          </a:effectRef>
+          <a:fontRef idx="minor">
+            <a:schemeClr val="lt1"/>
+          </a:fontRef>
+        </p:style>
+        <p:txBody>
+          <a:bodyPr rtlCol="0" anchor="ctr"/>
+          <a:lstStyle/>
+          <a:p>
+            <a:pPr algn="ctr"/>
+            <a:endParaRPr lang="en-US"/>
+          </a:p>
+        </p:txBody>
+      </p:sp>
+      <p:pic>
+        <p:nvPicPr>
+          <p:cNvPr id="47" name="Picture 15"/>
+          <p:cNvPicPr>
+            <a:picLocks noChangeAspect="1" noChangeArrowheads="1"/>
+          </p:cNvPicPr>
+          <p:nvPr/>
+        </p:nvPicPr>
+        <p:blipFill>
+          <a:blip r:embed="rId7" cstate="print"/>
+          <a:srcRect/>
+          <a:stretch>
+            <a:fillRect/>
+          </a:stretch>
+        </p:blipFill>
+        <p:spPr bwMode="auto">
+          <a:xfrm>
+            <a:off x="2590800" y="4474308"/>
+            <a:ext cx="533400" cy="250092"/>
+          </a:xfrm>
+          <a:prstGeom prst="rect">
+            <a:avLst/>
+          </a:prstGeom>
+          <a:noFill/>
+          <a:ln w="9525">
+            <a:noFill/>
+            <a:miter lim="800000"/>
+            <a:headEnd/>
+            <a:tailEnd/>
+          </a:ln>
+        </p:spPr>
+      </p:pic>
+      <p:cxnSp>
+        <p:nvCxnSpPr>
+          <p:cNvPr id="48" name="Straight Arrow Connector 47"/>
+          <p:cNvCxnSpPr/>
+          <p:nvPr/>
+        </p:nvCxnSpPr>
+        <p:spPr>
+          <a:xfrm>
+            <a:off x="2514600" y="4267200"/>
+            <a:ext cx="0" cy="609600"/>
+          </a:xfrm>
+          <a:prstGeom prst="straightConnector1">
+            <a:avLst/>
+          </a:prstGeom>
+          <a:ln>
+            <a:solidFill>
+              <a:schemeClr val="tx1"/>
+            </a:solidFill>
+            <a:headEnd type="arrow"/>
+            <a:tailEnd type="arrow"/>
+          </a:ln>
+          <a:effectLst>
+            <a:outerShdw blurRad="50800" dist="38100" dir="13500000" algn="br" rotWithShape="0">
+              <a:prstClr val="black">
+                <a:alpha val="40000"/>
+              </a:prstClr>
+            </a:outerShdw>
+          </a:effectLst>
+        </p:spPr>
+        <p:style>
+          <a:lnRef idx="1">
+            <a:schemeClr val="accent6"/>
+          </a:lnRef>
+          <a:fillRef idx="0">
+            <a:schemeClr val="accent6"/>
+          </a:fillRef>
+          <a:effectRef idx="0">
+            <a:schemeClr val="accent6"/>
+          </a:effectRef>
+          <a:fontRef idx="minor">
+            <a:schemeClr val="tx1"/>
+          </a:fontRef>
+        </p:style>
+      </p:cxnSp>
+      <p:pic>
+        <p:nvPicPr>
+          <p:cNvPr id="49" name="Picture 9"/>
+          <p:cNvPicPr>
+            <a:picLocks noChangeAspect="1" noChangeArrowheads="1"/>
+          </p:cNvPicPr>
+          <p:nvPr/>
+        </p:nvPicPr>
+        <p:blipFill>
+          <a:blip r:embed="rId8" cstate="print"/>
+          <a:srcRect/>
+          <a:stretch>
+            <a:fillRect/>
+          </a:stretch>
+        </p:blipFill>
+        <p:spPr bwMode="auto">
+          <a:xfrm>
+            <a:off x="3657600" y="4876800"/>
+            <a:ext cx="1447800" cy="1260670"/>
+          </a:xfrm>
+          <a:prstGeom prst="rect">
+            <a:avLst/>
+          </a:prstGeom>
+          <a:noFill/>
+          <a:ln w="9525">
+            <a:noFill/>
+            <a:miter lim="800000"/>
+            <a:headEnd/>
+            <a:tailEnd/>
+          </a:ln>
+        </p:spPr>
+      </p:pic>
+      <p:pic>
+        <p:nvPicPr>
+          <p:cNvPr id="51" name="Picture 12"/>
+          <p:cNvPicPr>
+            <a:picLocks noChangeAspect="1" noChangeArrowheads="1"/>
+          </p:cNvPicPr>
+          <p:nvPr/>
+        </p:nvPicPr>
+        <p:blipFill>
+          <a:blip r:embed="rId9" cstate="print"/>
+          <a:srcRect/>
+          <a:stretch>
+            <a:fillRect/>
+          </a:stretch>
+        </p:blipFill>
+        <p:spPr bwMode="auto">
+          <a:xfrm>
+            <a:off x="3533775" y="1295400"/>
+            <a:ext cx="1571625" cy="1343025"/>
+          </a:xfrm>
+          <a:prstGeom prst="rect">
+            <a:avLst/>
+          </a:prstGeom>
+          <a:noFill/>
+          <a:ln w="9525">
+            <a:noFill/>
+            <a:miter lim="800000"/>
+            <a:headEnd/>
+            <a:tailEnd/>
+          </a:ln>
+        </p:spPr>
+      </p:pic>
+      <p:pic>
+        <p:nvPicPr>
+          <p:cNvPr id="52" name="Picture 13"/>
+          <p:cNvPicPr>
+            <a:picLocks noChangeAspect="1" noChangeArrowheads="1"/>
+          </p:cNvPicPr>
+          <p:nvPr/>
+        </p:nvPicPr>
+        <p:blipFill>
+          <a:blip r:embed="rId10" cstate="print"/>
+          <a:srcRect/>
+          <a:stretch>
+            <a:fillRect/>
+          </a:stretch>
+        </p:blipFill>
+        <p:spPr bwMode="auto">
+          <a:xfrm>
+            <a:off x="3657600" y="3124200"/>
+            <a:ext cx="1476375" cy="1419225"/>
+          </a:xfrm>
+          <a:prstGeom prst="rect">
+            <a:avLst/>
+          </a:prstGeom>
+          <a:noFill/>
+          <a:ln w="9525">
+            <a:noFill/>
+            <a:miter lim="800000"/>
+            <a:headEnd/>
+            <a:tailEnd/>
+          </a:ln>
+        </p:spPr>
+      </p:pic>
+      <p:pic>
+        <p:nvPicPr>
+          <p:cNvPr id="53" name="Picture 10"/>
+          <p:cNvPicPr>
+            <a:picLocks noChangeAspect="1" noChangeArrowheads="1"/>
+          </p:cNvPicPr>
+          <p:nvPr/>
+        </p:nvPicPr>
+        <p:blipFill>
+          <a:blip r:embed="rId11" cstate="print"/>
+          <a:srcRect/>
+          <a:stretch>
+            <a:fillRect/>
+          </a:stretch>
+        </p:blipFill>
+        <p:spPr bwMode="auto">
+          <a:xfrm>
+            <a:off x="6705600" y="3962400"/>
+            <a:ext cx="828674" cy="992074"/>
+          </a:xfrm>
+          <a:prstGeom prst="rect">
+            <a:avLst/>
+          </a:prstGeom>
+          <a:noFill/>
+          <a:ln w="9525">
+            <a:noFill/>
+            <a:miter lim="800000"/>
+            <a:headEnd/>
+            <a:tailEnd/>
+          </a:ln>
+        </p:spPr>
+      </p:pic>
+      <p:sp>
+        <p:nvSpPr>
+          <p:cNvPr id="54" name="Bent Arrow 53"/>
+          <p:cNvSpPr/>
+          <p:nvPr/>
+        </p:nvSpPr>
+        <p:spPr>
+          <a:xfrm rot="16200000" flipV="1">
+            <a:off x="5829300" y="4076700"/>
+            <a:ext cx="609600" cy="2209800"/>
+          </a:xfrm>
+          <a:prstGeom prst="bentArrow">
+            <a:avLst>
+              <a:gd name="adj1" fmla="val 13750"/>
+              <a:gd name="adj2" fmla="val 20000"/>
+              <a:gd name="adj3" fmla="val 25000"/>
+              <a:gd name="adj4" fmla="val 43750"/>
+            </a:avLst>
+          </a:prstGeom>
+        </p:spPr>
+        <p:style>
+          <a:lnRef idx="2">
+            <a:schemeClr val="accent1">
+              <a:shade val="50000"/>
+            </a:schemeClr>
+          </a:lnRef>
+          <a:fillRef idx="1">
+            <a:schemeClr val="accent1"/>
+          </a:fillRef>
+          <a:effectRef idx="0">
+            <a:schemeClr val="accent1"/>
+          </a:effectRef>
+          <a:fontRef idx="minor">
+            <a:schemeClr val="lt1"/>
+          </a:fontRef>
+        </p:style>
+        <p:txBody>
+          <a:bodyPr rtlCol="0" anchor="ctr"/>
+          <a:lstStyle/>
+          <a:p>
+            <a:pPr algn="ctr"/>
+            <a:endParaRPr lang="en-US">
+              <a:solidFill>
+                <a:schemeClr val="tx1"/>
+              </a:solidFill>
+            </a:endParaRPr>
+          </a:p>
+        </p:txBody>
+      </p:sp>
+      <p:sp>
+        <p:nvSpPr>
+          <p:cNvPr id="56" name="Bent Arrow 55"/>
+          <p:cNvSpPr/>
+          <p:nvPr/>
+        </p:nvSpPr>
+        <p:spPr>
+          <a:xfrm rot="16200000" flipV="1">
+            <a:off x="5486400" y="2971800"/>
+            <a:ext cx="457200" cy="1219200"/>
+          </a:xfrm>
+          <a:prstGeom prst="bentArrow">
+            <a:avLst/>
+          </a:prstGeom>
+        </p:spPr>
+        <p:style>
+          <a:lnRef idx="2">
+            <a:schemeClr val="accent1">
+              <a:shade val="50000"/>
+            </a:schemeClr>
+          </a:lnRef>
+          <a:fillRef idx="1">
+            <a:schemeClr val="accent1"/>
+          </a:fillRef>
+          <a:effectRef idx="0">
+            <a:schemeClr val="accent1"/>
+          </a:effectRef>
+          <a:fontRef idx="minor">
+            <a:schemeClr val="lt1"/>
+          </a:fontRef>
+        </p:style>
+        <p:txBody>
+          <a:bodyPr rtlCol="0" anchor="ctr"/>
+          <a:lstStyle/>
+          <a:p>
+            <a:pPr algn="ctr"/>
+            <a:endParaRPr lang="en-US">
+              <a:solidFill>
+                <a:schemeClr val="tx1"/>
+              </a:solidFill>
+            </a:endParaRPr>
+          </a:p>
+        </p:txBody>
+      </p:sp>
+      <p:sp>
+        <p:nvSpPr>
+          <p:cNvPr id="57" name="Bent Arrow 56"/>
+          <p:cNvSpPr/>
+          <p:nvPr/>
+        </p:nvSpPr>
+        <p:spPr>
+          <a:xfrm rot="16200000" flipH="1" flipV="1">
+            <a:off x="5524500" y="1714500"/>
+            <a:ext cx="381000" cy="1219200"/>
+          </a:xfrm>
+          <a:prstGeom prst="bentArrow">
+            <a:avLst/>
+          </a:prstGeom>
+        </p:spPr>
+        <p:style>
+          <a:lnRef idx="2">
+            <a:schemeClr val="accent1">
+              <a:shade val="50000"/>
+            </a:schemeClr>
+          </a:lnRef>
+          <a:fillRef idx="1">
+            <a:schemeClr val="accent1"/>
+          </a:fillRef>
+          <a:effectRef idx="0">
+            <a:schemeClr val="accent1"/>
+          </a:effectRef>
+          <a:fontRef idx="minor">
+            <a:schemeClr val="lt1"/>
+          </a:fontRef>
+        </p:style>
+        <p:txBody>
+          <a:bodyPr rtlCol="0" anchor="ctr"/>
+          <a:lstStyle/>
+          <a:p>
+            <a:pPr algn="ctr"/>
+            <a:endParaRPr lang="en-US">
+              <a:solidFill>
+                <a:schemeClr val="tx1"/>
+              </a:solidFill>
+            </a:endParaRPr>
+          </a:p>
+        </p:txBody>
+      </p:sp>
+      <p:pic>
+        <p:nvPicPr>
+          <p:cNvPr id="58" name="Picture 11"/>
+          <p:cNvPicPr>
+            <a:picLocks noChangeAspect="1" noChangeArrowheads="1"/>
+          </p:cNvPicPr>
+          <p:nvPr/>
+        </p:nvPicPr>
+        <p:blipFill>
+          <a:blip r:embed="rId12" cstate="print"/>
+          <a:srcRect/>
+          <a:stretch>
+            <a:fillRect/>
+          </a:stretch>
+        </p:blipFill>
+        <p:spPr bwMode="auto">
+          <a:xfrm>
+            <a:off x="7924800" y="3733800"/>
+            <a:ext cx="759130" cy="1514474"/>
+          </a:xfrm>
+          <a:prstGeom prst="rect">
+            <a:avLst/>
+          </a:prstGeom>
+          <a:noFill/>
+          <a:ln w="9525">
+            <a:noFill/>
+            <a:miter lim="800000"/>
+            <a:headEnd/>
+            <a:tailEnd/>
+          </a:ln>
+        </p:spPr>
+      </p:pic>
+      <p:sp>
+        <p:nvSpPr>
+          <p:cNvPr id="60" name="Bent-Up Arrow 59"/>
+          <p:cNvSpPr/>
+          <p:nvPr/>
+        </p:nvSpPr>
+        <p:spPr>
+          <a:xfrm flipV="1">
+            <a:off x="6858000" y="2895600"/>
+            <a:ext cx="304800" cy="990600"/>
+          </a:xfrm>
+          <a:prstGeom prst="bentUpArrow">
+            <a:avLst/>
+          </a:prstGeom>
+        </p:spPr>
+        <p:style>
+          <a:lnRef idx="2">
+            <a:schemeClr val="accent1">
+              <a:shade val="50000"/>
+            </a:schemeClr>
+          </a:lnRef>
+          <a:fillRef idx="1">
+            <a:schemeClr val="accent1"/>
+          </a:fillRef>
+          <a:effectRef idx="0">
+            <a:schemeClr val="accent1"/>
+          </a:effectRef>
+          <a:fontRef idx="minor">
+            <a:schemeClr val="lt1"/>
+          </a:fontRef>
+        </p:style>
+        <p:txBody>
+          <a:bodyPr rtlCol="0" anchor="ctr"/>
+          <a:lstStyle/>
+          <a:p>
+            <a:pPr algn="ctr"/>
+            <a:endParaRPr lang="en-US"/>
+          </a:p>
+        </p:txBody>
+      </p:sp>
+      <p:sp>
+        <p:nvSpPr>
+          <p:cNvPr id="62" name="Right Arrow 61"/>
+          <p:cNvSpPr/>
+          <p:nvPr/>
+        </p:nvSpPr>
+        <p:spPr>
+          <a:xfrm>
+            <a:off x="7543800" y="4343400"/>
+            <a:ext cx="304800" cy="228600"/>
+          </a:xfrm>
+          <a:prstGeom prst="rightArrow">
+            <a:avLst/>
+          </a:prstGeom>
+        </p:spPr>
+        <p:style>
+          <a:lnRef idx="2">
+            <a:schemeClr val="accent1">
+              <a:shade val="50000"/>
+            </a:schemeClr>
+          </a:lnRef>
+          <a:fillRef idx="1">
+            <a:schemeClr val="accent1"/>
+          </a:fillRef>
+          <a:effectRef idx="0">
+            <a:schemeClr val="accent1"/>
+          </a:effectRef>
+          <a:fontRef idx="minor">
+            <a:schemeClr val="lt1"/>
+          </a:fontRef>
+        </p:style>
+        <p:txBody>
+          <a:bodyPr rtlCol="0" anchor="ctr"/>
+          <a:lstStyle/>
+          <a:p>
+            <a:pPr algn="ctr"/>
+            <a:endParaRPr lang="en-US"/>
+          </a:p>
+        </p:txBody>
+      </p:sp>
+      <p:sp>
+        <p:nvSpPr>
+          <p:cNvPr id="63" name="Right Arrow 62"/>
+          <p:cNvSpPr/>
+          <p:nvPr/>
+        </p:nvSpPr>
+        <p:spPr>
+          <a:xfrm rot="16200000">
+            <a:off x="8077200" y="3352800"/>
+            <a:ext cx="381000" cy="228600"/>
+          </a:xfrm>
+          <a:prstGeom prst="rightArrow">
+            <a:avLst/>
+          </a:prstGeom>
+        </p:spPr>
+        <p:style>
+          <a:lnRef idx="2">
+            <a:schemeClr val="accent1">
+              <a:shade val="50000"/>
+            </a:schemeClr>
+          </a:lnRef>
+          <a:fillRef idx="1">
+            <a:schemeClr val="accent1"/>
+          </a:fillRef>
+          <a:effectRef idx="0">
+            <a:schemeClr val="accent1"/>
+          </a:effectRef>
+          <a:fontRef idx="minor">
+            <a:schemeClr val="lt1"/>
+          </a:fontRef>
+        </p:style>
+        <p:txBody>
+          <a:bodyPr rtlCol="0" anchor="ctr"/>
+          <a:lstStyle/>
+          <a:p>
+            <a:pPr algn="ctr"/>
+            <a:endParaRPr lang="en-US"/>
+          </a:p>
+        </p:txBody>
+      </p:sp>
+      <p:pic>
+        <p:nvPicPr>
+          <p:cNvPr id="3074" name="Picture 2"/>
+          <p:cNvPicPr>
+            <a:picLocks noChangeAspect="1" noChangeArrowheads="1"/>
+          </p:cNvPicPr>
+          <p:nvPr/>
+        </p:nvPicPr>
+        <p:blipFill>
+          <a:blip r:embed="rId13" cstate="print"/>
+          <a:srcRect/>
+          <a:stretch>
+            <a:fillRect/>
+          </a:stretch>
+        </p:blipFill>
+        <p:spPr bwMode="auto">
+          <a:xfrm>
+            <a:off x="5334000" y="2667000"/>
+            <a:ext cx="1533524" cy="495300"/>
+          </a:xfrm>
+          <a:prstGeom prst="rect">
+            <a:avLst/>
+          </a:prstGeom>
+          <a:noFill/>
+          <a:ln w="9525">
+            <a:noFill/>
+            <a:miter lim="800000"/>
+            <a:headEnd/>
+            <a:tailEnd/>
+          </a:ln>
+        </p:spPr>
+      </p:pic>
+      <p:pic>
+        <p:nvPicPr>
+          <p:cNvPr id="3075" name="Picture 3" descr="C:\Users\carmi\Documents\universal_style_transfer\Report\Figures\merge\merge_bridge_starry_st2_4.jpg"/>
+          <p:cNvPicPr>
+            <a:picLocks noChangeAspect="1" noChangeArrowheads="1"/>
+          </p:cNvPicPr>
+          <p:nvPr/>
+        </p:nvPicPr>
+        <p:blipFill>
+          <a:blip r:embed="rId14" cstate="print"/>
+          <a:srcRect/>
+          <a:stretch>
+            <a:fillRect/>
+          </a:stretch>
+        </p:blipFill>
+        <p:spPr bwMode="auto">
+          <a:xfrm>
+            <a:off x="6858000" y="533400"/>
+            <a:ext cx="2133600" cy="2133600"/>
+          </a:xfrm>
+          <a:prstGeom prst="rect">
+            <a:avLst/>
+          </a:prstGeom>
+          <a:noFill/>
+        </p:spPr>
+      </p:pic>
+      <p:sp>
+        <p:nvSpPr>
+          <p:cNvPr id="67" name="TextBox 66"/>
+          <p:cNvSpPr txBox="1"/>
+          <p:nvPr/>
+        </p:nvSpPr>
+        <p:spPr>
+          <a:xfrm>
+            <a:off x="3124200" y="6172200"/>
+            <a:ext cx="2688557" cy="369332"/>
+          </a:xfrm>
+          <a:prstGeom prst="rect">
+            <a:avLst/>
+          </a:prstGeom>
+          <a:noFill/>
+        </p:spPr>
+        <p:txBody>
+          <a:bodyPr wrap="none" rtlCol="0">
+            <a:spAutoFit/>
+          </a:bodyPr>
+          <a:lstStyle/>
+          <a:p>
+            <a:r>
+              <a:rPr lang="en-US" b="1" dirty="0" smtClean="0"/>
+              <a:t>Deep feature channels</a:t>
+            </a:r>
+            <a:endParaRPr lang="en-US" b="1" dirty="0"/>
+          </a:p>
+        </p:txBody>
+      </p:sp>
+    </p:spTree>
+  </p:cSld>
+  <p:clrMapOvr>
+    <a:masterClrMapping/>
+  </p:clrMapOvr>
+  <p:timing>
+    <p:tnLst>
+      <p:par>
+        <p:cTn id="1" dur="indefinite" restart="never" nodeType="tmRoot"/>
+      </p:par>
+    </p:tnLst>
+  </p:timing>
+</p:sld>
+</file>
+
+<file path=ppt/slides/slide11.xml><?xml version="1.0" encoding="utf-8"?>
+<p:sld xmlns:a="http://schemas.openxmlformats.org/drawingml/2006/main" xmlns:r="http://schemas.openxmlformats.org/officeDocument/2006/relationships" xmlns:p="http://schemas.openxmlformats.org/presentationml/2006/main">
+  <p:cSld>
+    <p:spTree>
+      <p:nvGrpSpPr>
+        <p:cNvPr id="1" name=""/>
+        <p:cNvGrpSpPr/>
+        <p:nvPr/>
+      </p:nvGrpSpPr>
+      <p:grpSpPr>
+        <a:xfrm>
+          <a:off x="0" y="0"/>
+          <a:ext cx="0" cy="0"/>
+          <a:chOff x="0" y="0"/>
+          <a:chExt cx="0" cy="0"/>
+        </a:xfrm>
+      </p:grpSpPr>
+      <p:sp>
+        <p:nvSpPr>
+          <p:cNvPr id="3" name="Title 2"/>
+          <p:cNvSpPr>
+            <a:spLocks noGrp="1"/>
+          </p:cNvSpPr>
+          <p:nvPr>
+            <p:ph type="title"/>
+          </p:nvPr>
+        </p:nvSpPr>
+        <p:spPr/>
+        <p:txBody>
+          <a:bodyPr/>
+          <a:lstStyle/>
+          <a:p>
+            <a:r>
+              <a:rPr lang="en-US" dirty="0" smtClean="0"/>
+              <a:t>Level Merge</a:t>
+            </a:r>
+            <a:endParaRPr lang="en-US" dirty="0"/>
+          </a:p>
+        </p:txBody>
+      </p:sp>
+      <p:pic>
+        <p:nvPicPr>
+          <p:cNvPr id="4099" name="Picture 3" descr="C:\Users\carmi\Documents\universal_style_transfer\Report\Figures\merge\merge_bridge_starry_st2_3.jpg"/>
+          <p:cNvPicPr>
+            <a:picLocks noChangeAspect="1" noChangeArrowheads="1"/>
+          </p:cNvPicPr>
+          <p:nvPr/>
+        </p:nvPicPr>
+        <p:blipFill>
+          <a:blip r:embed="rId2" cstate="print"/>
+          <a:srcRect/>
+          <a:stretch>
+            <a:fillRect/>
+          </a:stretch>
+        </p:blipFill>
+        <p:spPr bwMode="auto">
+          <a:xfrm>
             <a:off x="6400800" y="4191000"/>
             <a:ext cx="2286000" cy="2286000"/>
           </a:xfrm>
@@ -4995,6 +6040,47 @@
             <a:avLst/>
           </a:prstGeom>
           <a:noFill/>
+        </p:spPr>
+      </p:pic>
+      <p:pic>
+        <p:nvPicPr>
+          <p:cNvPr id="1026" name="Picture 2" descr="C:\Users\Eyal\Documents\GitHub\universal_style_transfer\ppt\level_merge.png"/>
+          <p:cNvPicPr>
+            <a:picLocks noChangeAspect="1" noChangeArrowheads="1"/>
+          </p:cNvPicPr>
+          <p:nvPr/>
+        </p:nvPicPr>
+        <p:blipFill>
+          <a:blip r:embed="rId3">
+            <a:extLst>
+              <a:ext uri="{28A0092B-C50C-407E-A947-70E740481C1C}">
+                <a14:useLocalDpi xmlns:a14="http://schemas.microsoft.com/office/drawing/2010/main" val="0"/>
+              </a:ext>
+            </a:extLst>
+          </a:blip>
+          <a:srcRect/>
+          <a:stretch>
+            <a:fillRect/>
+          </a:stretch>
+        </p:blipFill>
+        <p:spPr bwMode="auto">
+          <a:xfrm>
+            <a:off x="2080260" y="1219200"/>
+            <a:ext cx="4202113" cy="4716462"/>
+          </a:xfrm>
+          <a:prstGeom prst="rect">
+            <a:avLst/>
+          </a:prstGeom>
+          <a:noFill/>
+          <a:extLst>
+            <a:ext uri="{909E8E84-426E-40DD-AFC4-6F175D3DCCD1}">
+              <a14:hiddenFill xmlns:a14="http://schemas.microsoft.com/office/drawing/2010/main">
+                <a:solidFill>
+                  <a:srgbClr val="FFFFFF"/>
+                </a:solidFill>
+              </a14:hiddenFill>
+            </a:ext>
+          </a:extLst>
         </p:spPr>
       </p:pic>
     </p:spTree>
@@ -5002,6 +6088,224 @@
   <p:clrMapOvr>
     <a:masterClrMapping/>
   </p:clrMapOvr>
+  <p:timing>
+    <p:tnLst>
+      <p:par>
+        <p:cTn id="1" dur="indefinite" restart="never" nodeType="tmRoot"/>
+      </p:par>
+    </p:tnLst>
+  </p:timing>
+</p:sld>
+</file>
+
+<file path=ppt/slides/slide12.xml><?xml version="1.0" encoding="utf-8"?>
+<p:sld xmlns:a="http://schemas.openxmlformats.org/drawingml/2006/main" xmlns:r="http://schemas.openxmlformats.org/officeDocument/2006/relationships" xmlns:p="http://schemas.openxmlformats.org/presentationml/2006/main">
+  <p:cSld>
+    <p:spTree>
+      <p:nvGrpSpPr>
+        <p:cNvPr id="1" name=""/>
+        <p:cNvGrpSpPr/>
+        <p:nvPr/>
+      </p:nvGrpSpPr>
+      <p:grpSpPr>
+        <a:xfrm>
+          <a:off x="0" y="0"/>
+          <a:ext cx="0" cy="0"/>
+          <a:chOff x="0" y="0"/>
+          <a:chExt cx="0" cy="0"/>
+        </a:xfrm>
+      </p:grpSpPr>
+      <p:sp>
+        <p:nvSpPr>
+          <p:cNvPr id="2" name="Title 1"/>
+          <p:cNvSpPr>
+            <a:spLocks noGrp="1"/>
+          </p:cNvSpPr>
+          <p:nvPr>
+            <p:ph type="ctrTitle"/>
+          </p:nvPr>
+        </p:nvSpPr>
+        <p:spPr>
+          <a:xfrm>
+            <a:off x="609600" y="304800"/>
+            <a:ext cx="7772400" cy="784225"/>
+          </a:xfrm>
+        </p:spPr>
+        <p:txBody>
+          <a:bodyPr>
+            <a:normAutofit fontScale="90000"/>
+          </a:bodyPr>
+          <a:lstStyle/>
+          <a:p>
+            <a:pPr algn="ctr"/>
+            <a:r>
+              <a:rPr lang="en-US" dirty="0" smtClean="0">
+                <a:latin typeface="Arial Black" pitchFamily="34" charset="0"/>
+              </a:rPr>
+              <a:t>Questions?</a:t>
+            </a:r>
+            <a:endParaRPr lang="en-US" dirty="0">
+              <a:latin typeface="Arial Black" pitchFamily="34" charset="0"/>
+            </a:endParaRPr>
+          </a:p>
+        </p:txBody>
+      </p:sp>
+      <p:sp>
+        <p:nvSpPr>
+          <p:cNvPr id="3" name="Subtitle 2"/>
+          <p:cNvSpPr>
+            <a:spLocks noGrp="1"/>
+          </p:cNvSpPr>
+          <p:nvPr>
+            <p:ph type="subTitle" idx="1"/>
+          </p:nvPr>
+        </p:nvSpPr>
+        <p:spPr>
+          <a:xfrm>
+            <a:off x="152400" y="5181600"/>
+            <a:ext cx="7772400" cy="1199704"/>
+          </a:xfrm>
+        </p:spPr>
+        <p:txBody>
+          <a:bodyPr/>
+          <a:lstStyle/>
+          <a:p>
+            <a:pPr algn="l"/>
+            <a:r>
+              <a:rPr lang="en-US" dirty="0" smtClean="0"/>
+              <a:t>Eyal Waserman</a:t>
+            </a:r>
+          </a:p>
+          <a:p>
+            <a:pPr algn="l"/>
+            <a:r>
+              <a:rPr lang="en-US" dirty="0" smtClean="0"/>
+              <a:t>Carmi Shimon</a:t>
+            </a:r>
+            <a:endParaRPr lang="en-US" dirty="0"/>
+          </a:p>
+        </p:txBody>
+      </p:sp>
+      <p:pic>
+        <p:nvPicPr>
+          <p:cNvPr id="27650" name="Picture 2" descr="Related image"/>
+          <p:cNvPicPr>
+            <a:picLocks noChangeAspect="1" noChangeArrowheads="1"/>
+          </p:cNvPicPr>
+          <p:nvPr/>
+        </p:nvPicPr>
+        <p:blipFill>
+          <a:blip r:embed="rId2" cstate="print"/>
+          <a:srcRect/>
+          <a:stretch>
+            <a:fillRect/>
+          </a:stretch>
+        </p:blipFill>
+        <p:spPr bwMode="auto">
+          <a:xfrm>
+            <a:off x="533400" y="6019800"/>
+            <a:ext cx="1681162" cy="717296"/>
+          </a:xfrm>
+          <a:prstGeom prst="rect">
+            <a:avLst/>
+          </a:prstGeom>
+          <a:noFill/>
+        </p:spPr>
+      </p:pic>
+      <p:pic>
+        <p:nvPicPr>
+          <p:cNvPr id="11" name="Picture 3" descr="C:\Users\carmi\Documents\universal_style_transfer\ppt\boost_in2_st2_05.jpg"/>
+          <p:cNvPicPr>
+            <a:picLocks noChangeAspect="1" noChangeArrowheads="1"/>
+          </p:cNvPicPr>
+          <p:nvPr/>
+        </p:nvPicPr>
+        <p:blipFill>
+          <a:blip r:embed="rId3" cstate="print"/>
+          <a:srcRect/>
+          <a:stretch>
+            <a:fillRect/>
+          </a:stretch>
+        </p:blipFill>
+        <p:spPr bwMode="auto">
+          <a:xfrm>
+            <a:off x="2743200" y="1143000"/>
+            <a:ext cx="3352800" cy="3352800"/>
+          </a:xfrm>
+          <a:prstGeom prst="rect">
+            <a:avLst/>
+          </a:prstGeom>
+          <a:noFill/>
+        </p:spPr>
+      </p:pic>
+      <p:sp>
+        <p:nvSpPr>
+          <p:cNvPr id="4" name="מלבן 3"/>
+          <p:cNvSpPr/>
+          <p:nvPr/>
+        </p:nvSpPr>
+        <p:spPr>
+          <a:xfrm>
+            <a:off x="533400" y="4533900"/>
+            <a:ext cx="8458200" cy="646331"/>
+          </a:xfrm>
+          <a:prstGeom prst="rect">
+            <a:avLst/>
+          </a:prstGeom>
+        </p:spPr>
+        <p:txBody>
+          <a:bodyPr wrap="square">
+            <a:spAutoFit/>
+          </a:bodyPr>
+          <a:lstStyle/>
+          <a:p>
+            <a:r>
+              <a:rPr lang="en-GB" b="1" dirty="0" smtClean="0"/>
+              <a:t>Clone Tool from</a:t>
+            </a:r>
+            <a:r>
+              <a:rPr lang="en-GB" dirty="0" smtClean="0"/>
+              <a:t>: </a:t>
+            </a:r>
+            <a:r>
+              <a:rPr lang="en-GB" dirty="0" smtClean="0">
+                <a:solidFill>
+                  <a:schemeClr val="accent4"/>
+                </a:solidFill>
+              </a:rPr>
+              <a:t>https</a:t>
+            </a:r>
+            <a:r>
+              <a:rPr lang="en-GB" dirty="0">
+                <a:solidFill>
+                  <a:schemeClr val="accent4"/>
+                </a:solidFill>
+              </a:rPr>
+              <a:t>://github.com/eyalw711/universal_style_transfer</a:t>
+            </a:r>
+          </a:p>
+          <a:p>
+            <a:endParaRPr lang="en-GB" dirty="0"/>
+          </a:p>
+        </p:txBody>
+      </p:sp>
+    </p:spTree>
+    <p:extLst>
+      <p:ext uri="{BB962C8B-B14F-4D97-AF65-F5344CB8AC3E}">
+        <p14:creationId xmlns:p14="http://schemas.microsoft.com/office/powerpoint/2010/main" val="2914909516"/>
+      </p:ext>
+    </p:extLst>
+  </p:cSld>
+  <p:clrMapOvr>
+    <a:masterClrMapping/>
+  </p:clrMapOvr>
+  <p:timing>
+    <p:tnLst>
+      <p:par>
+        <p:cTn id="1" dur="indefinite" restart="never" nodeType="tmRoot"/>
+      </p:par>
+    </p:tnLst>
+  </p:timing>
 </p:sld>
 </file>
 
@@ -5022,9 +6326,80 @@
           <a:chExt cx="0" cy="0"/>
         </a:xfrm>
       </p:grpSpPr>
+      <p:sp>
+        <p:nvSpPr>
+          <p:cNvPr id="2" name="Title 1"/>
+          <p:cNvSpPr>
+            <a:spLocks noGrp="1"/>
+          </p:cNvSpPr>
+          <p:nvPr>
+            <p:ph type="ctrTitle"/>
+          </p:nvPr>
+        </p:nvSpPr>
+        <p:spPr>
+          <a:xfrm>
+            <a:off x="609600" y="228600"/>
+            <a:ext cx="7772400" cy="1470025"/>
+          </a:xfrm>
+        </p:spPr>
+        <p:txBody>
+          <a:bodyPr>
+            <a:normAutofit fontScale="90000"/>
+          </a:bodyPr>
+          <a:lstStyle/>
+          <a:p>
+            <a:pPr algn="ctr"/>
+            <a:r>
+              <a:rPr lang="en-US" dirty="0" smtClean="0">
+                <a:latin typeface="Arial Black" pitchFamily="34" charset="0"/>
+              </a:rPr>
+              <a:t>Universal Style transfer via Feature Transform</a:t>
+            </a:r>
+            <a:endParaRPr lang="en-US" dirty="0">
+              <a:latin typeface="Arial Black" pitchFamily="34" charset="0"/>
+            </a:endParaRPr>
+          </a:p>
+        </p:txBody>
+      </p:sp>
+      <p:sp>
+        <p:nvSpPr>
+          <p:cNvPr id="3" name="Subtitle 2"/>
+          <p:cNvSpPr>
+            <a:spLocks noGrp="1"/>
+          </p:cNvSpPr>
+          <p:nvPr>
+            <p:ph type="subTitle" idx="1"/>
+          </p:nvPr>
+        </p:nvSpPr>
+        <p:spPr>
+          <a:xfrm>
+            <a:off x="152400" y="5181600"/>
+            <a:ext cx="7772400" cy="1199704"/>
+          </a:xfrm>
+        </p:spPr>
+        <p:txBody>
+          <a:bodyPr/>
+          <a:lstStyle/>
+          <a:p>
+            <a:pPr algn="l"/>
+            <a:r>
+              <a:rPr lang="en-US" dirty="0" smtClean="0"/>
+              <a:t>Eyal Waserman</a:t>
+            </a:r>
+          </a:p>
+          <a:p>
+            <a:pPr algn="l"/>
+            <a:r>
+              <a:rPr lang="en-US" dirty="0" smtClean="0"/>
+              <a:t>Carmi Shimon</a:t>
+            </a:r>
+            <a:endParaRPr lang="en-US" dirty="0"/>
+          </a:p>
+        </p:txBody>
+      </p:sp>
       <p:pic>
         <p:nvPicPr>
-          <p:cNvPr id="15362" name="Picture 2"/>
+          <p:cNvPr id="27650" name="Picture 2" descr="Related image"/>
           <p:cNvPicPr>
             <a:picLocks noChangeAspect="1" noChangeArrowheads="1"/>
           </p:cNvPicPr>
@@ -5039,102 +6414,110 @@
         </p:blipFill>
         <p:spPr bwMode="auto">
           <a:xfrm>
-            <a:off x="732159" y="1600200"/>
-            <a:ext cx="7679682" cy="3657600"/>
+            <a:off x="533400" y="6019800"/>
+            <a:ext cx="1681162" cy="717296"/>
           </a:xfrm>
           <a:prstGeom prst="rect">
             <a:avLst/>
           </a:prstGeom>
           <a:noFill/>
-          <a:ln w="9525">
-            <a:noFill/>
-            <a:miter lim="800000"/>
-            <a:headEnd/>
-            <a:tailEnd/>
-          </a:ln>
         </p:spPr>
       </p:pic>
       <p:sp>
         <p:nvSpPr>
-          <p:cNvPr id="6" name="Title 1"/>
-          <p:cNvSpPr>
-            <a:spLocks noGrp="1"/>
-          </p:cNvSpPr>
-          <p:nvPr>
-            <p:ph type="title"/>
-          </p:nvPr>
+          <p:cNvPr id="4" name="TextBox 3"/>
+          <p:cNvSpPr txBox="1"/>
+          <p:nvPr/>
         </p:nvSpPr>
         <p:spPr>
           <a:xfrm>
-            <a:off x="457200" y="152400"/>
-            <a:ext cx="8229600" cy="1143000"/>
-          </a:xfrm>
-        </p:spPr>
-        <p:txBody>
-          <a:bodyPr/>
-          <a:lstStyle/>
-          <a:p>
-            <a:pPr algn="ctr"/>
-            <a:r>
-              <a:rPr lang="en-US" dirty="0" smtClean="0"/>
-              <a:t>Feature Transform</a:t>
-            </a:r>
-            <a:endParaRPr lang="en-US" dirty="0"/>
-          </a:p>
-        </p:txBody>
-      </p:sp>
-      <p:sp>
-        <p:nvSpPr>
-          <p:cNvPr id="7" name="Rectangle 6"/>
-          <p:cNvSpPr/>
-          <p:nvPr/>
-        </p:nvSpPr>
-        <p:spPr>
-          <a:xfrm>
-            <a:off x="1828800" y="6019800"/>
-            <a:ext cx="7315200" cy="276999"/>
+            <a:off x="609600" y="1828800"/>
+            <a:ext cx="7620000" cy="1754326"/>
           </a:xfrm>
           <a:prstGeom prst="rect">
             <a:avLst/>
           </a:prstGeom>
-        </p:spPr>
-        <p:txBody>
-          <a:bodyPr wrap="square">
+          <a:noFill/>
+        </p:spPr>
+        <p:txBody>
+          <a:bodyPr wrap="square" rtlCol="0">
             <a:spAutoFit/>
           </a:bodyPr>
           <a:lstStyle/>
           <a:p>
+            <a:pPr marL="285750" indent="-285750">
+              <a:buFont typeface="Arial" panose="020B0604020202020204" pitchFamily="34" charset="0"/>
+              <a:buChar char="•"/>
+            </a:pPr>
             <a:r>
-              <a:rPr lang="en-US" sz="1200" dirty="0">
-                <a:solidFill>
-                  <a:schemeClr val="bg1">
-                    <a:lumMod val="50000"/>
-                  </a:schemeClr>
-                </a:solidFill>
-              </a:rPr>
-              <a:t>Image source</a:t>
+              <a:rPr lang="en-GB" dirty="0" err="1" smtClean="0"/>
+              <a:t>PyTorch</a:t>
             </a:r>
             <a:r>
-              <a:rPr lang="en-US" sz="1200" dirty="0" smtClean="0">
-                <a:solidFill>
-                  <a:schemeClr val="bg1">
-                    <a:lumMod val="50000"/>
-                  </a:schemeClr>
-                </a:solidFill>
-              </a:rPr>
-              <a:t>: </a:t>
+              <a:rPr lang="en-GB" dirty="0" smtClean="0"/>
+              <a:t> Tool for Style </a:t>
             </a:r>
             <a:r>
-              <a:rPr lang="en-US" sz="1200" dirty="0" smtClean="0">
+              <a:rPr lang="en-GB" dirty="0"/>
+              <a:t>Transfer available at </a:t>
+            </a:r>
+            <a:r>
+              <a:rPr lang="en-GB" dirty="0">
                 <a:hlinkClick r:id="rId3"/>
               </a:rPr>
-              <a:t>https://ai.googleblog.com/2016/02/exploring-intersection-of-art-and.html</a:t>
+              <a:t>https://</a:t>
             </a:r>
-            <a:endParaRPr lang="en-US" sz="1200" dirty="0"/>
+            <a:r>
+              <a:rPr lang="en-GB" dirty="0" smtClean="0">
+                <a:hlinkClick r:id="rId3"/>
+              </a:rPr>
+              <a:t>github.com/eyalw711/universal_style_transfer</a:t>
+            </a:r>
+            <a:endParaRPr lang="en-GB" dirty="0" smtClean="0"/>
+          </a:p>
+          <a:p>
+            <a:pPr marL="285750" indent="-285750">
+              <a:buFont typeface="Arial" panose="020B0604020202020204" pitchFamily="34" charset="0"/>
+              <a:buChar char="•"/>
+            </a:pPr>
+            <a:endParaRPr lang="en-GB" dirty="0" smtClean="0"/>
+          </a:p>
+          <a:p>
+            <a:pPr marL="285750" indent="-285750">
+              <a:buFont typeface="Arial" panose="020B0604020202020204" pitchFamily="34" charset="0"/>
+              <a:buChar char="•"/>
+            </a:pPr>
+            <a:r>
+              <a:rPr lang="en-GB" dirty="0" smtClean="0"/>
+              <a:t>Innovative technique to enhance style transfer effect</a:t>
+            </a:r>
+          </a:p>
+          <a:p>
+            <a:pPr marL="285750" indent="-285750">
+              <a:buFont typeface="Arial" panose="020B0604020202020204" pitchFamily="34" charset="0"/>
+              <a:buChar char="•"/>
+            </a:pPr>
+            <a:endParaRPr lang="en-GB" dirty="0" smtClean="0"/>
+          </a:p>
+          <a:p>
+            <a:pPr marL="285750" indent="-285750">
+              <a:buFont typeface="Arial" panose="020B0604020202020204" pitchFamily="34" charset="0"/>
+              <a:buChar char="•"/>
+            </a:pPr>
+            <a:r>
+              <a:rPr lang="en-GB" dirty="0" smtClean="0"/>
+              <a:t>Innovative new techniques to merge styles more efficiently</a:t>
+            </a:r>
+            <a:endParaRPr lang="en-GB" dirty="0"/>
           </a:p>
         </p:txBody>
       </p:sp>
     </p:spTree>
+    <p:extLst>
+      <p:ext uri="{BB962C8B-B14F-4D97-AF65-F5344CB8AC3E}">
+        <p14:creationId xmlns:p14="http://schemas.microsoft.com/office/powerpoint/2010/main" val="1074707105"/>
+      </p:ext>
+    </p:extLst>
   </p:cSld>
   <p:clrMapOvr>
     <a:masterClrMapping/>
@@ -5166,43 +6549,9 @@
           <a:chExt cx="0" cy="0"/>
         </a:xfrm>
       </p:grpSpPr>
-      <p:sp>
-        <p:nvSpPr>
-          <p:cNvPr id="2" name="Title 1"/>
-          <p:cNvSpPr>
-            <a:spLocks noGrp="1"/>
-          </p:cNvSpPr>
-          <p:nvPr>
-            <p:ph type="title"/>
-          </p:nvPr>
-        </p:nvSpPr>
-        <p:spPr>
-          <a:xfrm>
-            <a:off x="457200" y="762000"/>
-            <a:ext cx="8229600" cy="1143000"/>
-          </a:xfrm>
-        </p:spPr>
-        <p:txBody>
-          <a:bodyPr>
-            <a:normAutofit fontScale="90000"/>
-          </a:bodyPr>
-          <a:lstStyle/>
-          <a:p>
-            <a:pPr algn="ctr"/>
-            <a:r>
-              <a:rPr lang="en-US" dirty="0" smtClean="0"/>
-              <a:t>Feature Transform Using VGG-19 Encoder-Decoder</a:t>
-            </a:r>
-            <a:br>
-              <a:rPr lang="en-US" dirty="0" smtClean="0"/>
-            </a:br>
-            <a:endParaRPr lang="en-US" dirty="0"/>
-          </a:p>
-        </p:txBody>
-      </p:sp>
       <p:pic>
         <p:nvPicPr>
-          <p:cNvPr id="14338" name="Picture 2" descr="Image result for vgg19 encoder decoder"/>
+          <p:cNvPr id="15362" name="Picture 2"/>
           <p:cNvPicPr>
             <a:picLocks noChangeAspect="1" noChangeArrowheads="1"/>
           </p:cNvPicPr>
@@ -5217,34 +6566,8 @@
         </p:blipFill>
         <p:spPr bwMode="auto">
           <a:xfrm>
-            <a:off x="304800" y="1971675"/>
-            <a:ext cx="8515350" cy="2600326"/>
-          </a:xfrm>
-          <a:prstGeom prst="rect">
-            <a:avLst/>
-          </a:prstGeom>
-          <a:noFill/>
-        </p:spPr>
-      </p:pic>
-      <p:pic>
-        <p:nvPicPr>
-          <p:cNvPr id="14339" name="Picture 3"/>
-          <p:cNvPicPr>
-            <a:picLocks noChangeAspect="1" noChangeArrowheads="1"/>
-          </p:cNvPicPr>
-          <p:nvPr/>
-        </p:nvPicPr>
-        <p:blipFill>
-          <a:blip r:embed="rId3" cstate="print"/>
-          <a:srcRect/>
-          <a:stretch>
-            <a:fillRect/>
-          </a:stretch>
-        </p:blipFill>
-        <p:spPr bwMode="auto">
-          <a:xfrm>
-            <a:off x="3962400" y="4953000"/>
-            <a:ext cx="2390775" cy="628650"/>
+            <a:off x="732159" y="1600200"/>
+            <a:ext cx="7679682" cy="3657600"/>
           </a:xfrm>
           <a:prstGeom prst="rect">
             <a:avLst/>
@@ -5260,102 +6583,50 @@
       </p:pic>
       <p:sp>
         <p:nvSpPr>
-          <p:cNvPr id="6" name="Down Arrow 5"/>
+          <p:cNvPr id="6" name="Title 1"/>
+          <p:cNvSpPr>
+            <a:spLocks noGrp="1"/>
+          </p:cNvSpPr>
+          <p:nvPr>
+            <p:ph type="title"/>
+          </p:nvPr>
+        </p:nvSpPr>
+        <p:spPr>
+          <a:xfrm>
+            <a:off x="457200" y="152400"/>
+            <a:ext cx="8229600" cy="1143000"/>
+          </a:xfrm>
+        </p:spPr>
+        <p:txBody>
+          <a:bodyPr/>
+          <a:lstStyle/>
+          <a:p>
+            <a:pPr algn="ctr"/>
+            <a:r>
+              <a:rPr lang="en-US" dirty="0" smtClean="0"/>
+              <a:t>Feature Transform</a:t>
+            </a:r>
+            <a:endParaRPr lang="en-US" dirty="0"/>
+          </a:p>
+        </p:txBody>
+      </p:sp>
+      <p:sp>
+        <p:nvSpPr>
+          <p:cNvPr id="7" name="Rectangle 6"/>
           <p:cNvSpPr/>
           <p:nvPr/>
         </p:nvSpPr>
         <p:spPr>
           <a:xfrm>
-            <a:off x="4648200" y="3886200"/>
-            <a:ext cx="304800" cy="990600"/>
-          </a:xfrm>
-          <a:prstGeom prst="downArrow">
-            <a:avLst/>
-          </a:prstGeom>
-        </p:spPr>
-        <p:style>
-          <a:lnRef idx="2">
-            <a:schemeClr val="accent1">
-              <a:shade val="50000"/>
-            </a:schemeClr>
-          </a:lnRef>
-          <a:fillRef idx="1">
-            <a:schemeClr val="accent1"/>
-          </a:fillRef>
-          <a:effectRef idx="0">
-            <a:schemeClr val="accent1"/>
-          </a:effectRef>
-          <a:fontRef idx="minor">
-            <a:schemeClr val="lt1"/>
-          </a:fontRef>
-        </p:style>
-        <p:txBody>
-          <a:bodyPr rtlCol="0" anchor="ctr"/>
-          <a:lstStyle/>
-          <a:p>
-            <a:pPr algn="ctr"/>
-            <a:endParaRPr lang="en-US"/>
-          </a:p>
-        </p:txBody>
-      </p:sp>
-      <p:sp>
-        <p:nvSpPr>
-          <p:cNvPr id="7" name="Down Arrow 6"/>
-          <p:cNvSpPr/>
-          <p:nvPr/>
-        </p:nvSpPr>
-        <p:spPr>
-          <a:xfrm rot="10800000">
-            <a:off x="5105400" y="3886200"/>
-            <a:ext cx="304800" cy="990600"/>
-          </a:xfrm>
-          <a:prstGeom prst="downArrow">
-            <a:avLst/>
-          </a:prstGeom>
-        </p:spPr>
-        <p:style>
-          <a:lnRef idx="2">
-            <a:schemeClr val="accent1">
-              <a:shade val="50000"/>
-            </a:schemeClr>
-          </a:lnRef>
-          <a:fillRef idx="1">
-            <a:schemeClr val="accent1"/>
-          </a:fillRef>
-          <a:effectRef idx="0">
-            <a:schemeClr val="accent1"/>
-          </a:effectRef>
-          <a:fontRef idx="minor">
-            <a:schemeClr val="lt1"/>
-          </a:fontRef>
-        </p:style>
-        <p:txBody>
-          <a:bodyPr rtlCol="0" anchor="ctr"/>
-          <a:lstStyle/>
-          <a:p>
-            <a:pPr algn="ctr"/>
-            <a:endParaRPr lang="en-US"/>
-          </a:p>
-        </p:txBody>
-      </p:sp>
-      <p:sp>
-        <p:nvSpPr>
-          <p:cNvPr id="8" name="TextBox 7"/>
-          <p:cNvSpPr txBox="1"/>
-          <p:nvPr/>
-        </p:nvSpPr>
-        <p:spPr>
-          <a:xfrm>
-            <a:off x="6096000" y="6477000"/>
-            <a:ext cx="1822935" cy="276999"/>
+            <a:off x="1828800" y="6019800"/>
+            <a:ext cx="7315200" cy="276999"/>
           </a:xfrm>
           <a:prstGeom prst="rect">
             <a:avLst/>
           </a:prstGeom>
-          <a:noFill/>
-        </p:spPr>
-        <p:txBody>
-          <a:bodyPr wrap="none" rtlCol="0">
+        </p:spPr>
+        <p:txBody>
+          <a:bodyPr wrap="square">
             <a:spAutoFit/>
           </a:bodyPr>
           <a:lstStyle/>
@@ -5368,8 +6639,25 @@
                   </a:schemeClr>
                 </a:solidFill>
               </a:rPr>
-              <a:t>Image source: Li et al.</a:t>
+              <a:t>Image source</a:t>
             </a:r>
+            <a:r>
+              <a:rPr lang="en-US" sz="1200" dirty="0" smtClean="0">
+                <a:solidFill>
+                  <a:schemeClr val="bg1">
+                    <a:lumMod val="50000"/>
+                  </a:schemeClr>
+                </a:solidFill>
+              </a:rPr>
+              <a:t>: </a:t>
+            </a:r>
+            <a:r>
+              <a:rPr lang="en-US" sz="1200" dirty="0" smtClean="0">
+                <a:hlinkClick r:id="rId3"/>
+              </a:rPr>
+              <a:t>https://ai.googleblog.com/2016/02/exploring-intersection-of-art-and.html</a:t>
+            </a:r>
+            <a:endParaRPr lang="en-US" sz="1200" dirty="0"/>
           </a:p>
         </p:txBody>
       </p:sp>
@@ -5417,26 +6705,31 @@
         </p:nvSpPr>
         <p:spPr>
           <a:xfrm>
-            <a:off x="457200" y="152400"/>
+            <a:off x="457200" y="762000"/>
             <a:ext cx="8229600" cy="1143000"/>
           </a:xfrm>
         </p:spPr>
         <p:txBody>
-          <a:bodyPr/>
+          <a:bodyPr>
+            <a:normAutofit fontScale="90000"/>
+          </a:bodyPr>
           <a:lstStyle/>
           <a:p>
             <a:pPr algn="ctr"/>
             <a:r>
               <a:rPr lang="en-US" dirty="0" smtClean="0"/>
-              <a:t>Algorithm Architecture</a:t>
+              <a:t>Feature Transform Using VGG-19 Encoder-Decoder</a:t>
             </a:r>
+            <a:br>
+              <a:rPr lang="en-US" dirty="0" smtClean="0"/>
+            </a:br>
             <a:endParaRPr lang="en-US" dirty="0"/>
           </a:p>
         </p:txBody>
       </p:sp>
       <p:pic>
         <p:nvPicPr>
-          <p:cNvPr id="16385" name="Picture 1" descr="C:\Users\carmi\Documents\universal_style_transfer\ppt\UST_arc_mlt_level_pipeline.png"/>
+          <p:cNvPr id="14338" name="Picture 2" descr="Image result for vgg19 encoder decoder"/>
           <p:cNvPicPr>
             <a:picLocks noChangeAspect="1" noChangeArrowheads="1"/>
           </p:cNvPicPr>
@@ -5451,8 +6744,8 @@
         </p:blipFill>
         <p:spPr bwMode="auto">
           <a:xfrm>
-            <a:off x="2286000" y="1066800"/>
-            <a:ext cx="4358136" cy="4619626"/>
+            <a:off x="304800" y="1971675"/>
+            <a:ext cx="8515350" cy="2600326"/>
           </a:xfrm>
           <a:prstGeom prst="rect">
             <a:avLst/>
@@ -5460,44 +6753,150 @@
           <a:noFill/>
         </p:spPr>
       </p:pic>
-      <p:sp>
-        <p:nvSpPr>
-          <p:cNvPr id="5" name="Rectangle 4"/>
+      <p:pic>
+        <p:nvPicPr>
+          <p:cNvPr id="14339" name="Picture 3"/>
+          <p:cNvPicPr>
+            <a:picLocks noChangeAspect="1" noChangeArrowheads="1"/>
+          </p:cNvPicPr>
+          <p:nvPr/>
+        </p:nvPicPr>
+        <p:blipFill>
+          <a:blip r:embed="rId3" cstate="print"/>
+          <a:srcRect/>
+          <a:stretch>
+            <a:fillRect/>
+          </a:stretch>
+        </p:blipFill>
+        <p:spPr bwMode="auto">
+          <a:xfrm>
+            <a:off x="3962400" y="4953000"/>
+            <a:ext cx="2390775" cy="628650"/>
+          </a:xfrm>
+          <a:prstGeom prst="rect">
+            <a:avLst/>
+          </a:prstGeom>
+          <a:noFill/>
+          <a:ln w="9525">
+            <a:noFill/>
+            <a:miter lim="800000"/>
+            <a:headEnd/>
+            <a:tailEnd/>
+          </a:ln>
+        </p:spPr>
+      </p:pic>
+      <p:sp>
+        <p:nvSpPr>
+          <p:cNvPr id="6" name="Down Arrow 5"/>
           <p:cNvSpPr/>
           <p:nvPr/>
         </p:nvSpPr>
         <p:spPr>
           <a:xfrm>
-            <a:off x="1447800" y="5791200"/>
-            <a:ext cx="7543800" cy="461665"/>
+            <a:off x="4648200" y="3886200"/>
+            <a:ext cx="304800" cy="990600"/>
+          </a:xfrm>
+          <a:prstGeom prst="downArrow">
+            <a:avLst/>
+          </a:prstGeom>
+        </p:spPr>
+        <p:style>
+          <a:lnRef idx="2">
+            <a:schemeClr val="accent1">
+              <a:shade val="50000"/>
+            </a:schemeClr>
+          </a:lnRef>
+          <a:fillRef idx="1">
+            <a:schemeClr val="accent1"/>
+          </a:fillRef>
+          <a:effectRef idx="0">
+            <a:schemeClr val="accent1"/>
+          </a:effectRef>
+          <a:fontRef idx="minor">
+            <a:schemeClr val="lt1"/>
+          </a:fontRef>
+        </p:style>
+        <p:txBody>
+          <a:bodyPr rtlCol="0" anchor="ctr"/>
+          <a:lstStyle/>
+          <a:p>
+            <a:pPr algn="ctr"/>
+            <a:endParaRPr lang="en-US"/>
+          </a:p>
+        </p:txBody>
+      </p:sp>
+      <p:sp>
+        <p:nvSpPr>
+          <p:cNvPr id="7" name="Down Arrow 6"/>
+          <p:cNvSpPr/>
+          <p:nvPr/>
+        </p:nvSpPr>
+        <p:spPr>
+          <a:xfrm rot="10800000">
+            <a:off x="5105400" y="3886200"/>
+            <a:ext cx="304800" cy="990600"/>
+          </a:xfrm>
+          <a:prstGeom prst="downArrow">
+            <a:avLst/>
+          </a:prstGeom>
+        </p:spPr>
+        <p:style>
+          <a:lnRef idx="2">
+            <a:schemeClr val="accent1">
+              <a:shade val="50000"/>
+            </a:schemeClr>
+          </a:lnRef>
+          <a:fillRef idx="1">
+            <a:schemeClr val="accent1"/>
+          </a:fillRef>
+          <a:effectRef idx="0">
+            <a:schemeClr val="accent1"/>
+          </a:effectRef>
+          <a:fontRef idx="minor">
+            <a:schemeClr val="lt1"/>
+          </a:fontRef>
+        </p:style>
+        <p:txBody>
+          <a:bodyPr rtlCol="0" anchor="ctr"/>
+          <a:lstStyle/>
+          <a:p>
+            <a:pPr algn="ctr"/>
+            <a:endParaRPr lang="en-US"/>
+          </a:p>
+        </p:txBody>
+      </p:sp>
+      <p:sp>
+        <p:nvSpPr>
+          <p:cNvPr id="8" name="TextBox 7"/>
+          <p:cNvSpPr txBox="1"/>
+          <p:nvPr/>
+        </p:nvSpPr>
+        <p:spPr>
+          <a:xfrm>
+            <a:off x="6096000" y="6477000"/>
+            <a:ext cx="1822935" cy="276999"/>
           </a:xfrm>
           <a:prstGeom prst="rect">
             <a:avLst/>
           </a:prstGeom>
-        </p:spPr>
-        <p:txBody>
-          <a:bodyPr wrap="square">
+          <a:noFill/>
+        </p:spPr>
+        <p:txBody>
+          <a:bodyPr wrap="none" rtlCol="0">
             <a:spAutoFit/>
           </a:bodyPr>
           <a:lstStyle/>
           <a:p>
             <a:r>
-              <a:rPr lang="en-US" sz="1200" dirty="0" smtClean="0">
+              <a:rPr lang="en-US" sz="1200" dirty="0">
                 <a:solidFill>
                   <a:schemeClr val="bg1">
                     <a:lumMod val="50000"/>
                   </a:schemeClr>
                 </a:solidFill>
               </a:rPr>
-              <a:t>Image source: </a:t>
+              <a:t>Image source: Li et al.</a:t>
             </a:r>
-            <a:r>
-              <a:rPr lang="en-US" sz="1200" dirty="0" smtClean="0">
-                <a:hlinkClick r:id="rId3"/>
-              </a:rPr>
-              <a:t>https://www.researchgate.net/figure/Universal-Style-Transfer-architecture-with-the-whole-multi-level-pipeline-Each-level-of_fig3_327495907</a:t>
-            </a:r>
-            <a:endParaRPr lang="en-US" sz="1200" dirty="0"/>
           </a:p>
         </p:txBody>
       </p:sp>
@@ -5533,9 +6932,38 @@
           <a:chExt cx="0" cy="0"/>
         </a:xfrm>
       </p:grpSpPr>
+      <p:sp>
+        <p:nvSpPr>
+          <p:cNvPr id="2" name="Title 1"/>
+          <p:cNvSpPr>
+            <a:spLocks noGrp="1"/>
+          </p:cNvSpPr>
+          <p:nvPr>
+            <p:ph type="title"/>
+          </p:nvPr>
+        </p:nvSpPr>
+        <p:spPr>
+          <a:xfrm>
+            <a:off x="457200" y="152400"/>
+            <a:ext cx="8229600" cy="1143000"/>
+          </a:xfrm>
+        </p:spPr>
+        <p:txBody>
+          <a:bodyPr/>
+          <a:lstStyle/>
+          <a:p>
+            <a:pPr algn="ctr"/>
+            <a:r>
+              <a:rPr lang="en-US" dirty="0" smtClean="0"/>
+              <a:t>Algorithm Architecture</a:t>
+            </a:r>
+            <a:endParaRPr lang="en-US" dirty="0"/>
+          </a:p>
+        </p:txBody>
+      </p:sp>
       <p:pic>
         <p:nvPicPr>
-          <p:cNvPr id="34" name="Picture 5"/>
+          <p:cNvPr id="16385" name="Picture 1" descr="C:\Users\carmi\Documents\universal_style_transfer\ppt\UST_arc_mlt_level_pipeline.png"/>
           <p:cNvPicPr>
             <a:picLocks noChangeAspect="1" noChangeArrowheads="1"/>
           </p:cNvPicPr>
@@ -5550,641 +6978,56 @@
         </p:blipFill>
         <p:spPr bwMode="auto">
           <a:xfrm>
-            <a:off x="5480504" y="3886200"/>
-            <a:ext cx="1072696" cy="1905000"/>
+            <a:off x="2286000" y="1066800"/>
+            <a:ext cx="4358136" cy="4619626"/>
           </a:xfrm>
           <a:prstGeom prst="rect">
             <a:avLst/>
           </a:prstGeom>
           <a:noFill/>
-          <a:ln w="9525">
-            <a:noFill/>
-            <a:miter lim="800000"/>
-            <a:headEnd/>
-            <a:tailEnd/>
-          </a:ln>
         </p:spPr>
       </p:pic>
       <p:sp>
         <p:nvSpPr>
-          <p:cNvPr id="2" name="Title 1"/>
-          <p:cNvSpPr>
-            <a:spLocks noGrp="1"/>
-          </p:cNvSpPr>
-          <p:nvPr>
-            <p:ph type="title"/>
-          </p:nvPr>
+          <p:cNvPr id="5" name="Rectangle 4"/>
+          <p:cNvSpPr/>
+          <p:nvPr/>
         </p:nvSpPr>
         <p:spPr>
           <a:xfrm>
-            <a:off x="457200" y="228600"/>
-            <a:ext cx="8229600" cy="1143000"/>
-          </a:xfrm>
-        </p:spPr>
-        <p:txBody>
-          <a:bodyPr/>
-          <a:lstStyle/>
-          <a:p>
-            <a:pPr algn="ctr"/>
-            <a:r>
-              <a:rPr lang="en-US" dirty="0" smtClean="0"/>
-              <a:t>Stylization Boosting</a:t>
-            </a:r>
-            <a:endParaRPr lang="en-US" dirty="0"/>
-          </a:p>
-        </p:txBody>
-      </p:sp>
-      <p:pic>
-        <p:nvPicPr>
-          <p:cNvPr id="13313" name="Picture 1" descr="C:\Users\carmi\Documents\universal_style_transfer\ppt\boost_fig.png"/>
-          <p:cNvPicPr>
-            <a:picLocks noChangeAspect="1" noChangeArrowheads="1"/>
-          </p:cNvPicPr>
-          <p:nvPr/>
-        </p:nvPicPr>
-        <p:blipFill>
-          <a:blip r:embed="rId3" cstate="print"/>
-          <a:srcRect/>
-          <a:stretch>
-            <a:fillRect/>
-          </a:stretch>
-        </p:blipFill>
-        <p:spPr bwMode="auto">
-          <a:xfrm>
-            <a:off x="3733800" y="1219200"/>
-            <a:ext cx="1890364" cy="2332038"/>
+            <a:off x="1447800" y="5791200"/>
+            <a:ext cx="7543800" cy="461665"/>
           </a:xfrm>
           <a:prstGeom prst="rect">
             <a:avLst/>
           </a:prstGeom>
-          <a:noFill/>
-        </p:spPr>
-      </p:pic>
-      <p:pic>
-        <p:nvPicPr>
-          <p:cNvPr id="13315" name="Picture 3" descr="C:\Users\carmi\Documents\universal_style_transfer\ppt\boost_in2_st2_05.jpg"/>
-          <p:cNvPicPr>
-            <a:picLocks noChangeAspect="1" noChangeArrowheads="1"/>
-          </p:cNvPicPr>
-          <p:nvPr/>
-        </p:nvPicPr>
-        <p:blipFill>
-          <a:blip r:embed="rId4" cstate="print"/>
-          <a:srcRect/>
-          <a:stretch>
-            <a:fillRect/>
-          </a:stretch>
-        </p:blipFill>
-        <p:spPr bwMode="auto">
-          <a:xfrm>
-            <a:off x="6934198" y="1143000"/>
-            <a:ext cx="2133602" cy="2133602"/>
-          </a:xfrm>
-          <a:prstGeom prst="rect">
-            <a:avLst/>
-          </a:prstGeom>
-          <a:noFill/>
-        </p:spPr>
-      </p:pic>
-      <p:pic>
-        <p:nvPicPr>
-          <p:cNvPr id="13316" name="Picture 4"/>
-          <p:cNvPicPr>
-            <a:picLocks noChangeAspect="1" noChangeArrowheads="1"/>
-          </p:cNvPicPr>
-          <p:nvPr/>
-        </p:nvPicPr>
-        <p:blipFill>
-          <a:blip r:embed="rId5" cstate="print"/>
-          <a:srcRect/>
-          <a:stretch>
-            <a:fillRect/>
-          </a:stretch>
-        </p:blipFill>
-        <p:spPr bwMode="auto">
-          <a:xfrm>
-            <a:off x="2209800" y="1524000"/>
-            <a:ext cx="1057276" cy="3933824"/>
-          </a:xfrm>
-          <a:prstGeom prst="rect">
-            <a:avLst/>
-          </a:prstGeom>
-          <a:noFill/>
-          <a:ln w="9525">
-            <a:noFill/>
-            <a:miter lim="800000"/>
-            <a:headEnd/>
-            <a:tailEnd/>
-          </a:ln>
-        </p:spPr>
-      </p:pic>
-      <p:pic>
-        <p:nvPicPr>
-          <p:cNvPr id="13318" name="Picture 6" descr="C:\Users\carmi\Documents\universal_style_transfer\ppt\car_sq.jpg"/>
-          <p:cNvPicPr>
-            <a:picLocks noChangeAspect="1" noChangeArrowheads="1"/>
-          </p:cNvPicPr>
-          <p:nvPr/>
-        </p:nvPicPr>
-        <p:blipFill>
-          <a:blip r:embed="rId6" cstate="print"/>
-          <a:srcRect/>
-          <a:stretch>
-            <a:fillRect/>
-          </a:stretch>
-        </p:blipFill>
-        <p:spPr bwMode="auto">
-          <a:xfrm>
-            <a:off x="152400" y="1295400"/>
-            <a:ext cx="1676400" cy="1676400"/>
-          </a:xfrm>
-          <a:prstGeom prst="rect">
-            <a:avLst/>
-          </a:prstGeom>
-          <a:noFill/>
-        </p:spPr>
-      </p:pic>
-      <p:pic>
-        <p:nvPicPr>
-          <p:cNvPr id="13319" name="Picture 7" descr="C:\Users\carmi\Documents\universal_style_transfer\ppt\st2_sq.jpg"/>
-          <p:cNvPicPr>
-            <a:picLocks noChangeAspect="1" noChangeArrowheads="1"/>
-          </p:cNvPicPr>
-          <p:nvPr/>
-        </p:nvPicPr>
-        <p:blipFill>
-          <a:blip r:embed="rId7" cstate="print"/>
-          <a:srcRect/>
-          <a:stretch>
-            <a:fillRect/>
-          </a:stretch>
-        </p:blipFill>
-        <p:spPr bwMode="auto">
-          <a:xfrm flipH="1">
-            <a:off x="152400" y="3886200"/>
-            <a:ext cx="1676400" cy="1676400"/>
-          </a:xfrm>
-          <a:prstGeom prst="rect">
-            <a:avLst/>
-          </a:prstGeom>
-          <a:noFill/>
-        </p:spPr>
-      </p:pic>
-      <p:cxnSp>
-        <p:nvCxnSpPr>
-          <p:cNvPr id="16" name="Straight Arrow Connector 15"/>
-          <p:cNvCxnSpPr/>
-          <p:nvPr/>
-        </p:nvCxnSpPr>
-        <p:spPr>
-          <a:xfrm>
-            <a:off x="3200400" y="2133600"/>
-            <a:ext cx="533400" cy="0"/>
-          </a:xfrm>
-          <a:prstGeom prst="straightConnector1">
-            <a:avLst/>
-          </a:prstGeom>
-          <a:ln>
-            <a:tailEnd type="arrow"/>
-          </a:ln>
-        </p:spPr>
-        <p:style>
-          <a:lnRef idx="3">
-            <a:schemeClr val="accent4"/>
-          </a:lnRef>
-          <a:fillRef idx="0">
-            <a:schemeClr val="accent4"/>
-          </a:fillRef>
-          <a:effectRef idx="2">
-            <a:schemeClr val="accent4"/>
-          </a:effectRef>
-          <a:fontRef idx="minor">
-            <a:schemeClr val="tx1"/>
-          </a:fontRef>
-        </p:style>
-      </p:cxnSp>
-      <p:cxnSp>
-        <p:nvCxnSpPr>
-          <p:cNvPr id="18" name="Shape 17"/>
-          <p:cNvCxnSpPr/>
-          <p:nvPr/>
-        </p:nvCxnSpPr>
-        <p:spPr>
-          <a:xfrm rot="5400000" flipH="1" flipV="1">
-            <a:off x="2373710" y="3440510"/>
-            <a:ext cx="2415381" cy="304800"/>
-          </a:xfrm>
-          <a:prstGeom prst="bentConnector2">
-            <a:avLst/>
-          </a:prstGeom>
-          <a:ln>
-            <a:tailEnd type="arrow"/>
-          </a:ln>
-        </p:spPr>
-        <p:style>
-          <a:lnRef idx="3">
-            <a:schemeClr val="accent4"/>
-          </a:lnRef>
-          <a:fillRef idx="0">
-            <a:schemeClr val="accent4"/>
-          </a:fillRef>
-          <a:effectRef idx="2">
-            <a:schemeClr val="accent4"/>
-          </a:effectRef>
-          <a:fontRef idx="minor">
-            <a:schemeClr val="tx1"/>
-          </a:fontRef>
-        </p:style>
-      </p:cxnSp>
-      <p:cxnSp>
-        <p:nvCxnSpPr>
-          <p:cNvPr id="21" name="Elbow Connector 20"/>
-          <p:cNvCxnSpPr/>
-          <p:nvPr/>
-        </p:nvCxnSpPr>
-        <p:spPr>
-          <a:xfrm rot="16200000" flipH="1">
-            <a:off x="3200400" y="2209800"/>
-            <a:ext cx="2362200" cy="2362200"/>
-          </a:xfrm>
-          <a:prstGeom prst="bentConnector3">
-            <a:avLst>
-              <a:gd name="adj1" fmla="val 99597"/>
-            </a:avLst>
-          </a:prstGeom>
-          <a:ln>
-            <a:tailEnd type="arrow"/>
-          </a:ln>
-        </p:spPr>
-        <p:style>
-          <a:lnRef idx="2">
-            <a:schemeClr val="accent2"/>
-          </a:lnRef>
-          <a:fillRef idx="0">
-            <a:schemeClr val="accent2"/>
-          </a:fillRef>
-          <a:effectRef idx="1">
-            <a:schemeClr val="accent2"/>
-          </a:effectRef>
-          <a:fontRef idx="minor">
-            <a:schemeClr val="tx1"/>
-          </a:fontRef>
-        </p:style>
-      </p:cxnSp>
-      <p:cxnSp>
-        <p:nvCxnSpPr>
-          <p:cNvPr id="29" name="Straight Arrow Connector 28"/>
-          <p:cNvCxnSpPr/>
-          <p:nvPr/>
-        </p:nvCxnSpPr>
-        <p:spPr>
-          <a:xfrm>
-            <a:off x="3200400" y="4724400"/>
-            <a:ext cx="2362200" cy="0"/>
-          </a:xfrm>
-          <a:prstGeom prst="straightConnector1">
-            <a:avLst/>
-          </a:prstGeom>
-          <a:ln>
-            <a:tailEnd type="arrow"/>
-          </a:ln>
-        </p:spPr>
-        <p:style>
-          <a:lnRef idx="2">
-            <a:schemeClr val="accent2"/>
-          </a:lnRef>
-          <a:fillRef idx="0">
-            <a:schemeClr val="accent2"/>
-          </a:fillRef>
-          <a:effectRef idx="1">
-            <a:schemeClr val="accent2"/>
-          </a:effectRef>
-          <a:fontRef idx="minor">
-            <a:schemeClr val="tx1"/>
-          </a:fontRef>
-        </p:style>
-      </p:cxnSp>
-      <p:pic>
-        <p:nvPicPr>
-          <p:cNvPr id="30" name="Picture 5"/>
-          <p:cNvPicPr>
-            <a:picLocks noChangeAspect="1" noChangeArrowheads="1"/>
-          </p:cNvPicPr>
-          <p:nvPr/>
-        </p:nvPicPr>
-        <p:blipFill>
-          <a:blip r:embed="rId2" cstate="print"/>
-          <a:srcRect/>
-          <a:stretch>
-            <a:fillRect/>
-          </a:stretch>
-        </p:blipFill>
-        <p:spPr bwMode="auto">
-          <a:xfrm>
-            <a:off x="5562600" y="1219200"/>
-            <a:ext cx="1072696" cy="1905000"/>
-          </a:xfrm>
-          <a:prstGeom prst="rect">
-            <a:avLst/>
-          </a:prstGeom>
-          <a:noFill/>
-          <a:ln w="9525">
-            <a:noFill/>
-            <a:miter lim="800000"/>
-            <a:headEnd/>
-            <a:tailEnd/>
-          </a:ln>
-        </p:spPr>
-      </p:pic>
-      <p:cxnSp>
-        <p:nvCxnSpPr>
-          <p:cNvPr id="31" name="Straight Arrow Connector 30"/>
-          <p:cNvCxnSpPr/>
-          <p:nvPr/>
-        </p:nvCxnSpPr>
-        <p:spPr>
-          <a:xfrm>
-            <a:off x="5257800" y="2133600"/>
-            <a:ext cx="381000" cy="0"/>
-          </a:xfrm>
-          <a:prstGeom prst="straightConnector1">
-            <a:avLst/>
-          </a:prstGeom>
-          <a:ln>
-            <a:tailEnd type="arrow"/>
-          </a:ln>
-        </p:spPr>
-        <p:style>
-          <a:lnRef idx="3">
-            <a:schemeClr val="accent4"/>
-          </a:lnRef>
-          <a:fillRef idx="0">
-            <a:schemeClr val="accent4"/>
-          </a:fillRef>
-          <a:effectRef idx="2">
-            <a:schemeClr val="accent4"/>
-          </a:effectRef>
-          <a:fontRef idx="minor">
-            <a:schemeClr val="tx1"/>
-          </a:fontRef>
-        </p:style>
-      </p:cxnSp>
-      <p:cxnSp>
-        <p:nvCxnSpPr>
-          <p:cNvPr id="32" name="Straight Arrow Connector 31"/>
-          <p:cNvCxnSpPr/>
-          <p:nvPr/>
-        </p:nvCxnSpPr>
-        <p:spPr>
-          <a:xfrm>
-            <a:off x="6553200" y="2133600"/>
-            <a:ext cx="381000" cy="0"/>
-          </a:xfrm>
-          <a:prstGeom prst="straightConnector1">
-            <a:avLst/>
-          </a:prstGeom>
-          <a:ln>
-            <a:tailEnd type="arrow"/>
-          </a:ln>
-        </p:spPr>
-        <p:style>
-          <a:lnRef idx="3">
-            <a:schemeClr val="accent4"/>
-          </a:lnRef>
-          <a:fillRef idx="0">
-            <a:schemeClr val="accent4"/>
-          </a:fillRef>
-          <a:effectRef idx="2">
-            <a:schemeClr val="accent4"/>
-          </a:effectRef>
-          <a:fontRef idx="minor">
-            <a:schemeClr val="tx1"/>
-          </a:fontRef>
-        </p:style>
-      </p:cxnSp>
-      <p:cxnSp>
-        <p:nvCxnSpPr>
-          <p:cNvPr id="33" name="Straight Arrow Connector 32"/>
-          <p:cNvCxnSpPr/>
-          <p:nvPr/>
-        </p:nvCxnSpPr>
-        <p:spPr>
-          <a:xfrm>
-            <a:off x="6477000" y="4800600"/>
-            <a:ext cx="457200" cy="0"/>
-          </a:xfrm>
-          <a:prstGeom prst="straightConnector1">
-            <a:avLst/>
-          </a:prstGeom>
-          <a:ln>
-            <a:tailEnd type="arrow"/>
-          </a:ln>
-        </p:spPr>
-        <p:style>
-          <a:lnRef idx="2">
-            <a:schemeClr val="accent2"/>
-          </a:lnRef>
-          <a:fillRef idx="0">
-            <a:schemeClr val="accent2"/>
-          </a:fillRef>
-          <a:effectRef idx="1">
-            <a:schemeClr val="accent2"/>
-          </a:effectRef>
-          <a:fontRef idx="minor">
-            <a:schemeClr val="tx1"/>
-          </a:fontRef>
-        </p:style>
-      </p:cxnSp>
-      <p:pic>
-        <p:nvPicPr>
-          <p:cNvPr id="13320" name="Picture 8" descr="C:\Users\carmi\Documents\universal_style_transfer\Report\Figures\boost\boost_in2_st2_05_no.jpg"/>
-          <p:cNvPicPr>
-            <a:picLocks noChangeAspect="1" noChangeArrowheads="1"/>
-          </p:cNvPicPr>
-          <p:nvPr/>
-        </p:nvPicPr>
-        <p:blipFill>
-          <a:blip r:embed="rId8" cstate="print"/>
-          <a:srcRect/>
-          <a:stretch>
-            <a:fillRect/>
-          </a:stretch>
-        </p:blipFill>
-        <p:spPr bwMode="auto">
-          <a:xfrm>
-            <a:off x="6934200" y="3810000"/>
-            <a:ext cx="2133600" cy="2133600"/>
-          </a:xfrm>
-          <a:prstGeom prst="rect">
-            <a:avLst/>
-          </a:prstGeom>
-          <a:noFill/>
-        </p:spPr>
-      </p:pic>
-      <p:sp>
-        <p:nvSpPr>
-          <p:cNvPr id="52" name="TextBox 51"/>
-          <p:cNvSpPr txBox="1"/>
-          <p:nvPr/>
-        </p:nvSpPr>
-        <p:spPr>
-          <a:xfrm>
-            <a:off x="7620000" y="6019800"/>
-            <a:ext cx="942887" cy="369332"/>
-          </a:xfrm>
-          <a:prstGeom prst="rect">
-            <a:avLst/>
-          </a:prstGeom>
-          <a:noFill/>
-        </p:spPr>
-        <p:txBody>
-          <a:bodyPr wrap="none" rtlCol="0">
+        </p:spPr>
+        <p:txBody>
+          <a:bodyPr wrap="square">
             <a:spAutoFit/>
           </a:bodyPr>
           <a:lstStyle/>
           <a:p>
             <a:r>
-              <a:rPr lang="en-US" dirty="0" smtClean="0">
-                <a:latin typeface="Bernard MT Condensed" pitchFamily="18" charset="0"/>
+              <a:rPr lang="en-US" sz="1200" dirty="0" smtClean="0">
+                <a:solidFill>
+                  <a:schemeClr val="bg1">
+                    <a:lumMod val="50000"/>
+                  </a:schemeClr>
+                </a:solidFill>
               </a:rPr>
-              <a:t>No Boost</a:t>
+              <a:t>Image source: </a:t>
             </a:r>
-            <a:endParaRPr lang="en-US" dirty="0">
-              <a:latin typeface="Bernard MT Condensed" pitchFamily="18" charset="0"/>
-            </a:endParaRPr>
-          </a:p>
-        </p:txBody>
-      </p:sp>
-      <p:sp>
-        <p:nvSpPr>
-          <p:cNvPr id="53" name="TextBox 52"/>
-          <p:cNvSpPr txBox="1"/>
-          <p:nvPr/>
-        </p:nvSpPr>
-        <p:spPr>
-          <a:xfrm>
-            <a:off x="7620000" y="3352800"/>
-            <a:ext cx="670376" cy="369332"/>
-          </a:xfrm>
-          <a:prstGeom prst="rect">
-            <a:avLst/>
-          </a:prstGeom>
-          <a:noFill/>
-        </p:spPr>
-        <p:txBody>
-          <a:bodyPr wrap="none" rtlCol="0">
-            <a:spAutoFit/>
-          </a:bodyPr>
-          <a:lstStyle/>
-          <a:p>
             <a:r>
-              <a:rPr lang="en-US" dirty="0" smtClean="0">
-                <a:latin typeface="Bernard MT Condensed" pitchFamily="18" charset="0"/>
+              <a:rPr lang="en-US" sz="1200" dirty="0" smtClean="0">
+                <a:hlinkClick r:id="rId3"/>
               </a:rPr>
-              <a:t>Boost</a:t>
+              <a:t>https://www.researchgate.net/figure/Universal-Style-Transfer-architecture-with-the-whole-multi-level-pipeline-Each-level-of_fig3_327495907</a:t>
             </a:r>
-            <a:endParaRPr lang="en-US" dirty="0">
-              <a:latin typeface="Bernard MT Condensed" pitchFamily="18" charset="0"/>
-            </a:endParaRPr>
-          </a:p>
-        </p:txBody>
-      </p:sp>
-      <p:cxnSp>
-        <p:nvCxnSpPr>
-          <p:cNvPr id="73" name="Straight Connector 72"/>
-          <p:cNvCxnSpPr/>
-          <p:nvPr/>
-        </p:nvCxnSpPr>
-        <p:spPr>
-          <a:xfrm>
-            <a:off x="3200400" y="4800600"/>
-            <a:ext cx="228600" cy="0"/>
-          </a:xfrm>
-          <a:prstGeom prst="line">
-            <a:avLst/>
-          </a:prstGeom>
-        </p:spPr>
-        <p:style>
-          <a:lnRef idx="3">
-            <a:schemeClr val="accent5"/>
-          </a:lnRef>
-          <a:fillRef idx="0">
-            <a:schemeClr val="accent5"/>
-          </a:fillRef>
-          <a:effectRef idx="2">
-            <a:schemeClr val="accent5"/>
-          </a:effectRef>
-          <a:fontRef idx="minor">
-            <a:schemeClr val="tx1"/>
-          </a:fontRef>
-        </p:style>
-      </p:cxnSp>
-      <p:cxnSp>
-        <p:nvCxnSpPr>
-          <p:cNvPr id="74" name="Straight Arrow Connector 73"/>
-          <p:cNvCxnSpPr/>
-          <p:nvPr/>
-        </p:nvCxnSpPr>
-        <p:spPr>
-          <a:xfrm>
-            <a:off x="1828800" y="4724400"/>
-            <a:ext cx="381000" cy="0"/>
-          </a:xfrm>
-          <a:prstGeom prst="straightConnector1">
-            <a:avLst/>
-          </a:prstGeom>
-          <a:ln>
-            <a:tailEnd type="arrow"/>
-          </a:ln>
-        </p:spPr>
-        <p:style>
-          <a:lnRef idx="3">
-            <a:schemeClr val="dk1"/>
-          </a:lnRef>
-          <a:fillRef idx="0">
-            <a:schemeClr val="dk1"/>
-          </a:fillRef>
-          <a:effectRef idx="2">
-            <a:schemeClr val="dk1"/>
-          </a:effectRef>
-          <a:fontRef idx="minor">
-            <a:schemeClr val="tx1"/>
-          </a:fontRef>
-        </p:style>
-      </p:cxnSp>
-      <p:cxnSp>
-        <p:nvCxnSpPr>
-          <p:cNvPr id="75" name="Straight Arrow Connector 74"/>
-          <p:cNvCxnSpPr/>
-          <p:nvPr/>
-        </p:nvCxnSpPr>
-        <p:spPr>
-          <a:xfrm>
-            <a:off x="1828800" y="2209800"/>
-            <a:ext cx="381000" cy="0"/>
-          </a:xfrm>
-          <a:prstGeom prst="straightConnector1">
-            <a:avLst/>
-          </a:prstGeom>
-          <a:ln>
-            <a:tailEnd type="arrow"/>
-          </a:ln>
-        </p:spPr>
-        <p:style>
-          <a:lnRef idx="3">
-            <a:schemeClr val="dk1"/>
-          </a:lnRef>
-          <a:fillRef idx="0">
-            <a:schemeClr val="dk1"/>
-          </a:fillRef>
-          <a:effectRef idx="2">
-            <a:schemeClr val="dk1"/>
-          </a:effectRef>
-          <a:fontRef idx="minor">
-            <a:schemeClr val="tx1"/>
-          </a:fontRef>
-        </p:style>
-      </p:cxnSp>
+            <a:endParaRPr lang="en-US" sz="1200" dirty="0"/>
+          </a:p>
+        </p:txBody>
+      </p:sp>
     </p:spTree>
   </p:cSld>
   <p:clrMapOvr>
@@ -6217,38 +7060,9 @@
           <a:chExt cx="0" cy="0"/>
         </a:xfrm>
       </p:grpSpPr>
-      <p:sp>
-        <p:nvSpPr>
-          <p:cNvPr id="3" name="Title 2"/>
-          <p:cNvSpPr>
-            <a:spLocks noGrp="1"/>
-          </p:cNvSpPr>
-          <p:nvPr>
-            <p:ph type="title"/>
-          </p:nvPr>
-        </p:nvSpPr>
-        <p:spPr>
-          <a:xfrm>
-            <a:off x="76200" y="228600"/>
-            <a:ext cx="8229600" cy="1143000"/>
-          </a:xfrm>
-        </p:spPr>
-        <p:txBody>
-          <a:bodyPr/>
-          <a:lstStyle/>
-          <a:p>
-            <a:pPr algn="ctr"/>
-            <a:r>
-              <a:rPr lang="en-US" dirty="0" smtClean="0"/>
-              <a:t>Two Style Merging</a:t>
-            </a:r>
-            <a:endParaRPr lang="en-US" dirty="0"/>
-          </a:p>
-        </p:txBody>
-      </p:sp>
       <p:pic>
         <p:nvPicPr>
-          <p:cNvPr id="30725" name="Picture 5" descr="C:\Users\carmi\Documents\universal_style_transfer\ppt\brick.jpg"/>
+          <p:cNvPr id="34" name="Picture 5"/>
           <p:cNvPicPr>
             <a:picLocks noChangeAspect="1" noChangeArrowheads="1"/>
           </p:cNvPicPr>
@@ -6262,19 +7076,54 @@
           </a:stretch>
         </p:blipFill>
         <p:spPr bwMode="auto">
-          <a:xfrm flipH="1">
-            <a:off x="3521718" y="1448671"/>
-            <a:ext cx="2040882" cy="2017558"/>
+          <a:xfrm>
+            <a:off x="5480504" y="3886200"/>
+            <a:ext cx="1072696" cy="1905000"/>
           </a:xfrm>
           <a:prstGeom prst="rect">
             <a:avLst/>
           </a:prstGeom>
           <a:noFill/>
+          <a:ln w="9525">
+            <a:noFill/>
+            <a:miter lim="800000"/>
+            <a:headEnd/>
+            <a:tailEnd/>
+          </a:ln>
         </p:spPr>
       </p:pic>
+      <p:sp>
+        <p:nvSpPr>
+          <p:cNvPr id="2" name="Title 1"/>
+          <p:cNvSpPr>
+            <a:spLocks noGrp="1"/>
+          </p:cNvSpPr>
+          <p:nvPr>
+            <p:ph type="title"/>
+          </p:nvPr>
+        </p:nvSpPr>
+        <p:spPr>
+          <a:xfrm>
+            <a:off x="457200" y="228600"/>
+            <a:ext cx="8229600" cy="1143000"/>
+          </a:xfrm>
+        </p:spPr>
+        <p:txBody>
+          <a:bodyPr/>
+          <a:lstStyle/>
+          <a:p>
+            <a:pPr algn="ctr"/>
+            <a:r>
+              <a:rPr lang="en-US" dirty="0" smtClean="0"/>
+              <a:t>Stylization Boosting</a:t>
+            </a:r>
+            <a:endParaRPr lang="en-US" dirty="0"/>
+          </a:p>
+        </p:txBody>
+      </p:sp>
       <p:pic>
         <p:nvPicPr>
-          <p:cNvPr id="30726" name="Picture 6" descr="C:\Users\carmi\Documents\universal_style_transfer\ppt\face.jpg"/>
+          <p:cNvPr id="13313" name="Picture 1" descr="C:\Users\carmi\Documents\universal_style_transfer\ppt\boost_fig.png"/>
           <p:cNvPicPr>
             <a:picLocks noChangeAspect="1" noChangeArrowheads="1"/>
           </p:cNvPicPr>
@@ -6289,8 +7138,8 @@
         </p:blipFill>
         <p:spPr bwMode="auto">
           <a:xfrm>
-            <a:off x="419100" y="2628900"/>
-            <a:ext cx="2095500" cy="2095500"/>
+            <a:off x="3733800" y="1219200"/>
+            <a:ext cx="1890364" cy="2332038"/>
           </a:xfrm>
           <a:prstGeom prst="rect">
             <a:avLst/>
@@ -6300,7 +7149,7 @@
       </p:pic>
       <p:pic>
         <p:nvPicPr>
-          <p:cNvPr id="30727" name="Picture 7" descr="C:\Users\carmi\Documents\universal_style_transfer\ppt\graffiti_sq.jpg"/>
+          <p:cNvPr id="13315" name="Picture 3" descr="C:\Users\carmi\Documents\universal_style_transfer\ppt\boost_in2_st2_05.jpg"/>
           <p:cNvPicPr>
             <a:picLocks noChangeAspect="1" noChangeArrowheads="1"/>
           </p:cNvPicPr>
@@ -6315,8 +7164,8 @@
         </p:blipFill>
         <p:spPr bwMode="auto">
           <a:xfrm>
-            <a:off x="3505200" y="3730487"/>
-            <a:ext cx="2057400" cy="1967948"/>
+            <a:off x="6934198" y="1143000"/>
+            <a:ext cx="2133602" cy="2133602"/>
           </a:xfrm>
           <a:prstGeom prst="rect">
             <a:avLst/>
@@ -6326,7 +7175,7 @@
       </p:pic>
       <p:pic>
         <p:nvPicPr>
-          <p:cNvPr id="30728" name="Picture 8" descr="C:\Users\carmi\Documents\universal_style_transfer\ppt\merge_face_brick_graffiti_4.jpg"/>
+          <p:cNvPr id="13316" name="Picture 4"/>
           <p:cNvPicPr>
             <a:picLocks noChangeAspect="1" noChangeArrowheads="1"/>
           </p:cNvPicPr>
@@ -6341,48 +7190,24 @@
         </p:blipFill>
         <p:spPr bwMode="auto">
           <a:xfrm>
-            <a:off x="6934200" y="304800"/>
-            <a:ext cx="1828800" cy="1828800"/>
+            <a:off x="2209800" y="1524000"/>
+            <a:ext cx="1057276" cy="3933824"/>
           </a:xfrm>
           <a:prstGeom prst="rect">
             <a:avLst/>
           </a:prstGeom>
           <a:noFill/>
+          <a:ln w="9525">
+            <a:noFill/>
+            <a:miter lim="800000"/>
+            <a:headEnd/>
+            <a:tailEnd/>
+          </a:ln>
         </p:spPr>
       </p:pic>
-      <p:sp>
-        <p:nvSpPr>
-          <p:cNvPr id="11" name="TextBox 10"/>
-          <p:cNvSpPr txBox="1"/>
-          <p:nvPr/>
-        </p:nvSpPr>
-        <p:spPr>
-          <a:xfrm>
-            <a:off x="7010400" y="2069068"/>
-            <a:ext cx="1691489" cy="369332"/>
-          </a:xfrm>
-          <a:prstGeom prst="rect">
-            <a:avLst/>
-          </a:prstGeom>
-          <a:noFill/>
-        </p:spPr>
-        <p:txBody>
-          <a:bodyPr wrap="none" rtlCol="0">
-            <a:spAutoFit/>
-          </a:bodyPr>
-          <a:lstStyle/>
-          <a:p>
-            <a:r>
-              <a:rPr lang="en-US" b="1" dirty="0" smtClean="0"/>
-              <a:t>Interp. Merge</a:t>
-            </a:r>
-            <a:endParaRPr lang="en-US" b="1" dirty="0"/>
-          </a:p>
-        </p:txBody>
-      </p:sp>
       <p:pic>
         <p:nvPicPr>
-          <p:cNvPr id="30729" name="Picture 9" descr="C:\Users\carmi\Documents\universal_style_transfer\ppt\merge_face_brick_graffiti_3.jpg"/>
+          <p:cNvPr id="13318" name="Picture 6" descr="C:\Users\carmi\Documents\universal_style_transfer\ppt\car_sq.jpg"/>
           <p:cNvPicPr>
             <a:picLocks noChangeAspect="1" noChangeArrowheads="1"/>
           </p:cNvPicPr>
@@ -6397,8 +7222,8 @@
         </p:blipFill>
         <p:spPr bwMode="auto">
           <a:xfrm>
-            <a:off x="6934200" y="2438400"/>
-            <a:ext cx="1828800" cy="1828800"/>
+            <a:off x="152400" y="1295400"/>
+            <a:ext cx="1676400" cy="1676400"/>
           </a:xfrm>
           <a:prstGeom prst="rect">
             <a:avLst/>
@@ -6408,7 +7233,7 @@
       </p:pic>
       <p:pic>
         <p:nvPicPr>
-          <p:cNvPr id="30730" name="Picture 10" descr="C:\Users\carmi\Documents\universal_style_transfer\ppt\merge_face_brick_graffiti_2.jpg"/>
+          <p:cNvPr id="13319" name="Picture 7" descr="C:\Users\carmi\Documents\universal_style_transfer\ppt\st2_sq.jpg"/>
           <p:cNvPicPr>
             <a:picLocks noChangeAspect="1" noChangeArrowheads="1"/>
           </p:cNvPicPr>
@@ -6422,9 +7247,9 @@
           </a:stretch>
         </p:blipFill>
         <p:spPr bwMode="auto">
-          <a:xfrm>
-            <a:off x="6934200" y="4572000"/>
-            <a:ext cx="1860550" cy="1860550"/>
+          <a:xfrm flipH="1">
+            <a:off x="152400" y="3886200"/>
+            <a:ext cx="1676400" cy="1676400"/>
           </a:xfrm>
           <a:prstGeom prst="rect">
             <a:avLst/>
@@ -6432,16 +7257,307 @@
           <a:noFill/>
         </p:spPr>
       </p:pic>
-      <p:sp>
-        <p:nvSpPr>
-          <p:cNvPr id="14" name="TextBox 13"/>
+      <p:cxnSp>
+        <p:nvCxnSpPr>
+          <p:cNvPr id="16" name="Straight Arrow Connector 15"/>
+          <p:cNvCxnSpPr/>
+          <p:nvPr/>
+        </p:nvCxnSpPr>
+        <p:spPr>
+          <a:xfrm>
+            <a:off x="3200400" y="2133600"/>
+            <a:ext cx="533400" cy="0"/>
+          </a:xfrm>
+          <a:prstGeom prst="straightConnector1">
+            <a:avLst/>
+          </a:prstGeom>
+          <a:ln>
+            <a:tailEnd type="arrow"/>
+          </a:ln>
+        </p:spPr>
+        <p:style>
+          <a:lnRef idx="3">
+            <a:schemeClr val="accent4"/>
+          </a:lnRef>
+          <a:fillRef idx="0">
+            <a:schemeClr val="accent4"/>
+          </a:fillRef>
+          <a:effectRef idx="2">
+            <a:schemeClr val="accent4"/>
+          </a:effectRef>
+          <a:fontRef idx="minor">
+            <a:schemeClr val="tx1"/>
+          </a:fontRef>
+        </p:style>
+      </p:cxnSp>
+      <p:cxnSp>
+        <p:nvCxnSpPr>
+          <p:cNvPr id="18" name="Shape 17"/>
+          <p:cNvCxnSpPr/>
+          <p:nvPr/>
+        </p:nvCxnSpPr>
+        <p:spPr>
+          <a:xfrm rot="5400000" flipH="1" flipV="1">
+            <a:off x="2373710" y="3440510"/>
+            <a:ext cx="2415381" cy="304800"/>
+          </a:xfrm>
+          <a:prstGeom prst="bentConnector2">
+            <a:avLst/>
+          </a:prstGeom>
+          <a:ln>
+            <a:tailEnd type="arrow"/>
+          </a:ln>
+        </p:spPr>
+        <p:style>
+          <a:lnRef idx="3">
+            <a:schemeClr val="accent4"/>
+          </a:lnRef>
+          <a:fillRef idx="0">
+            <a:schemeClr val="accent4"/>
+          </a:fillRef>
+          <a:effectRef idx="2">
+            <a:schemeClr val="accent4"/>
+          </a:effectRef>
+          <a:fontRef idx="minor">
+            <a:schemeClr val="tx1"/>
+          </a:fontRef>
+        </p:style>
+      </p:cxnSp>
+      <p:cxnSp>
+        <p:nvCxnSpPr>
+          <p:cNvPr id="21" name="Elbow Connector 20"/>
+          <p:cNvCxnSpPr/>
+          <p:nvPr/>
+        </p:nvCxnSpPr>
+        <p:spPr>
+          <a:xfrm rot="16200000" flipH="1">
+            <a:off x="3200400" y="2209800"/>
+            <a:ext cx="2362200" cy="2362200"/>
+          </a:xfrm>
+          <a:prstGeom prst="bentConnector3">
+            <a:avLst>
+              <a:gd name="adj1" fmla="val 99597"/>
+            </a:avLst>
+          </a:prstGeom>
+          <a:ln>
+            <a:tailEnd type="arrow"/>
+          </a:ln>
+        </p:spPr>
+        <p:style>
+          <a:lnRef idx="2">
+            <a:schemeClr val="accent2"/>
+          </a:lnRef>
+          <a:fillRef idx="0">
+            <a:schemeClr val="accent2"/>
+          </a:fillRef>
+          <a:effectRef idx="1">
+            <a:schemeClr val="accent2"/>
+          </a:effectRef>
+          <a:fontRef idx="minor">
+            <a:schemeClr val="tx1"/>
+          </a:fontRef>
+        </p:style>
+      </p:cxnSp>
+      <p:cxnSp>
+        <p:nvCxnSpPr>
+          <p:cNvPr id="29" name="Straight Arrow Connector 28"/>
+          <p:cNvCxnSpPr/>
+          <p:nvPr/>
+        </p:nvCxnSpPr>
+        <p:spPr>
+          <a:xfrm>
+            <a:off x="3200400" y="4724400"/>
+            <a:ext cx="2362200" cy="0"/>
+          </a:xfrm>
+          <a:prstGeom prst="straightConnector1">
+            <a:avLst/>
+          </a:prstGeom>
+          <a:ln>
+            <a:tailEnd type="arrow"/>
+          </a:ln>
+        </p:spPr>
+        <p:style>
+          <a:lnRef idx="2">
+            <a:schemeClr val="accent2"/>
+          </a:lnRef>
+          <a:fillRef idx="0">
+            <a:schemeClr val="accent2"/>
+          </a:fillRef>
+          <a:effectRef idx="1">
+            <a:schemeClr val="accent2"/>
+          </a:effectRef>
+          <a:fontRef idx="minor">
+            <a:schemeClr val="tx1"/>
+          </a:fontRef>
+        </p:style>
+      </p:cxnSp>
+      <p:pic>
+        <p:nvPicPr>
+          <p:cNvPr id="30" name="Picture 5"/>
+          <p:cNvPicPr>
+            <a:picLocks noChangeAspect="1" noChangeArrowheads="1"/>
+          </p:cNvPicPr>
+          <p:nvPr/>
+        </p:nvPicPr>
+        <p:blipFill>
+          <a:blip r:embed="rId2" cstate="print"/>
+          <a:srcRect/>
+          <a:stretch>
+            <a:fillRect/>
+          </a:stretch>
+        </p:blipFill>
+        <p:spPr bwMode="auto">
+          <a:xfrm>
+            <a:off x="5562600" y="1219200"/>
+            <a:ext cx="1072696" cy="1905000"/>
+          </a:xfrm>
+          <a:prstGeom prst="rect">
+            <a:avLst/>
+          </a:prstGeom>
+          <a:noFill/>
+          <a:ln w="9525">
+            <a:noFill/>
+            <a:miter lim="800000"/>
+            <a:headEnd/>
+            <a:tailEnd/>
+          </a:ln>
+        </p:spPr>
+      </p:pic>
+      <p:cxnSp>
+        <p:nvCxnSpPr>
+          <p:cNvPr id="31" name="Straight Arrow Connector 30"/>
+          <p:cNvCxnSpPr/>
+          <p:nvPr/>
+        </p:nvCxnSpPr>
+        <p:spPr>
+          <a:xfrm>
+            <a:off x="5257800" y="2133600"/>
+            <a:ext cx="381000" cy="0"/>
+          </a:xfrm>
+          <a:prstGeom prst="straightConnector1">
+            <a:avLst/>
+          </a:prstGeom>
+          <a:ln>
+            <a:tailEnd type="arrow"/>
+          </a:ln>
+        </p:spPr>
+        <p:style>
+          <a:lnRef idx="3">
+            <a:schemeClr val="accent4"/>
+          </a:lnRef>
+          <a:fillRef idx="0">
+            <a:schemeClr val="accent4"/>
+          </a:fillRef>
+          <a:effectRef idx="2">
+            <a:schemeClr val="accent4"/>
+          </a:effectRef>
+          <a:fontRef idx="minor">
+            <a:schemeClr val="tx1"/>
+          </a:fontRef>
+        </p:style>
+      </p:cxnSp>
+      <p:cxnSp>
+        <p:nvCxnSpPr>
+          <p:cNvPr id="32" name="Straight Arrow Connector 31"/>
+          <p:cNvCxnSpPr/>
+          <p:nvPr/>
+        </p:nvCxnSpPr>
+        <p:spPr>
+          <a:xfrm>
+            <a:off x="6553200" y="2133600"/>
+            <a:ext cx="381000" cy="0"/>
+          </a:xfrm>
+          <a:prstGeom prst="straightConnector1">
+            <a:avLst/>
+          </a:prstGeom>
+          <a:ln>
+            <a:tailEnd type="arrow"/>
+          </a:ln>
+        </p:spPr>
+        <p:style>
+          <a:lnRef idx="3">
+            <a:schemeClr val="accent4"/>
+          </a:lnRef>
+          <a:fillRef idx="0">
+            <a:schemeClr val="accent4"/>
+          </a:fillRef>
+          <a:effectRef idx="2">
+            <a:schemeClr val="accent4"/>
+          </a:effectRef>
+          <a:fontRef idx="minor">
+            <a:schemeClr val="tx1"/>
+          </a:fontRef>
+        </p:style>
+      </p:cxnSp>
+      <p:cxnSp>
+        <p:nvCxnSpPr>
+          <p:cNvPr id="33" name="Straight Arrow Connector 32"/>
+          <p:cNvCxnSpPr/>
+          <p:nvPr/>
+        </p:nvCxnSpPr>
+        <p:spPr>
+          <a:xfrm>
+            <a:off x="6477000" y="4800600"/>
+            <a:ext cx="457200" cy="0"/>
+          </a:xfrm>
+          <a:prstGeom prst="straightConnector1">
+            <a:avLst/>
+          </a:prstGeom>
+          <a:ln>
+            <a:tailEnd type="arrow"/>
+          </a:ln>
+        </p:spPr>
+        <p:style>
+          <a:lnRef idx="2">
+            <a:schemeClr val="accent2"/>
+          </a:lnRef>
+          <a:fillRef idx="0">
+            <a:schemeClr val="accent2"/>
+          </a:fillRef>
+          <a:effectRef idx="1">
+            <a:schemeClr val="accent2"/>
+          </a:effectRef>
+          <a:fontRef idx="minor">
+            <a:schemeClr val="tx1"/>
+          </a:fontRef>
+        </p:style>
+      </p:cxnSp>
+      <p:pic>
+        <p:nvPicPr>
+          <p:cNvPr id="13320" name="Picture 8" descr="C:\Users\carmi\Documents\universal_style_transfer\Report\Figures\boost\boost_in2_st2_05_no.jpg"/>
+          <p:cNvPicPr>
+            <a:picLocks noChangeAspect="1" noChangeArrowheads="1"/>
+          </p:cNvPicPr>
+          <p:nvPr/>
+        </p:nvPicPr>
+        <p:blipFill>
+          <a:blip r:embed="rId8" cstate="print"/>
+          <a:srcRect/>
+          <a:stretch>
+            <a:fillRect/>
+          </a:stretch>
+        </p:blipFill>
+        <p:spPr bwMode="auto">
+          <a:xfrm>
+            <a:off x="6934200" y="3810000"/>
+            <a:ext cx="2133600" cy="2133600"/>
+          </a:xfrm>
+          <a:prstGeom prst="rect">
+            <a:avLst/>
+          </a:prstGeom>
+          <a:noFill/>
+        </p:spPr>
+      </p:pic>
+      <p:sp>
+        <p:nvSpPr>
+          <p:cNvPr id="52" name="TextBox 51"/>
           <p:cNvSpPr txBox="1"/>
           <p:nvPr/>
         </p:nvSpPr>
         <p:spPr>
           <a:xfrm>
-            <a:off x="7086600" y="4267200"/>
-            <a:ext cx="1519968" cy="369332"/>
+            <a:off x="7620000" y="6019800"/>
+            <a:ext cx="942887" cy="369332"/>
           </a:xfrm>
           <a:prstGeom prst="rect">
             <a:avLst/>
@@ -6455,23 +7571,27 @@
           <a:lstStyle/>
           <a:p>
             <a:r>
-              <a:rPr lang="en-US" b="1" dirty="0" smtClean="0"/>
-              <a:t>Level Merge</a:t>
+              <a:rPr lang="en-US" dirty="0" smtClean="0">
+                <a:latin typeface="Bernard MT Condensed" pitchFamily="18" charset="0"/>
+              </a:rPr>
+              <a:t>No Boost</a:t>
             </a:r>
-            <a:endParaRPr lang="en-US" b="1" dirty="0"/>
-          </a:p>
-        </p:txBody>
-      </p:sp>
-      <p:sp>
-        <p:nvSpPr>
-          <p:cNvPr id="15" name="TextBox 14"/>
+            <a:endParaRPr lang="en-US" dirty="0">
+              <a:latin typeface="Bernard MT Condensed" pitchFamily="18" charset="0"/>
+            </a:endParaRPr>
+          </a:p>
+        </p:txBody>
+      </p:sp>
+      <p:sp>
+        <p:nvSpPr>
+          <p:cNvPr id="53" name="TextBox 52"/>
           <p:cNvSpPr txBox="1"/>
           <p:nvPr/>
         </p:nvSpPr>
         <p:spPr>
           <a:xfrm>
-            <a:off x="6977049" y="6477000"/>
-            <a:ext cx="1938351" cy="369332"/>
+            <a:off x="7620000" y="3352800"/>
+            <a:ext cx="670376" cy="369332"/>
           </a:xfrm>
           <a:prstGeom prst="rect">
             <a:avLst/>
@@ -6485,13 +7605,113 @@
           <a:lstStyle/>
           <a:p>
             <a:r>
-              <a:rPr lang="en-US" b="1" dirty="0" smtClean="0"/>
-              <a:t>Channel Merge</a:t>
+              <a:rPr lang="en-US" dirty="0" smtClean="0">
+                <a:latin typeface="Bernard MT Condensed" pitchFamily="18" charset="0"/>
+              </a:rPr>
+              <a:t>Boost</a:t>
             </a:r>
-            <a:endParaRPr lang="en-US" b="1" dirty="0"/>
-          </a:p>
-        </p:txBody>
-      </p:sp>
+            <a:endParaRPr lang="en-US" dirty="0">
+              <a:latin typeface="Bernard MT Condensed" pitchFamily="18" charset="0"/>
+            </a:endParaRPr>
+          </a:p>
+        </p:txBody>
+      </p:sp>
+      <p:cxnSp>
+        <p:nvCxnSpPr>
+          <p:cNvPr id="73" name="Straight Connector 72"/>
+          <p:cNvCxnSpPr/>
+          <p:nvPr/>
+        </p:nvCxnSpPr>
+        <p:spPr>
+          <a:xfrm>
+            <a:off x="3200400" y="4800600"/>
+            <a:ext cx="228600" cy="0"/>
+          </a:xfrm>
+          <a:prstGeom prst="line">
+            <a:avLst/>
+          </a:prstGeom>
+        </p:spPr>
+        <p:style>
+          <a:lnRef idx="3">
+            <a:schemeClr val="accent5"/>
+          </a:lnRef>
+          <a:fillRef idx="0">
+            <a:schemeClr val="accent5"/>
+          </a:fillRef>
+          <a:effectRef idx="2">
+            <a:schemeClr val="accent5"/>
+          </a:effectRef>
+          <a:fontRef idx="minor">
+            <a:schemeClr val="tx1"/>
+          </a:fontRef>
+        </p:style>
+      </p:cxnSp>
+      <p:cxnSp>
+        <p:nvCxnSpPr>
+          <p:cNvPr id="74" name="Straight Arrow Connector 73"/>
+          <p:cNvCxnSpPr/>
+          <p:nvPr/>
+        </p:nvCxnSpPr>
+        <p:spPr>
+          <a:xfrm>
+            <a:off x="1828800" y="4724400"/>
+            <a:ext cx="381000" cy="0"/>
+          </a:xfrm>
+          <a:prstGeom prst="straightConnector1">
+            <a:avLst/>
+          </a:prstGeom>
+          <a:ln>
+            <a:tailEnd type="arrow"/>
+          </a:ln>
+        </p:spPr>
+        <p:style>
+          <a:lnRef idx="3">
+            <a:schemeClr val="dk1"/>
+          </a:lnRef>
+          <a:fillRef idx="0">
+            <a:schemeClr val="dk1"/>
+          </a:fillRef>
+          <a:effectRef idx="2">
+            <a:schemeClr val="dk1"/>
+          </a:effectRef>
+          <a:fontRef idx="minor">
+            <a:schemeClr val="tx1"/>
+          </a:fontRef>
+        </p:style>
+      </p:cxnSp>
+      <p:cxnSp>
+        <p:nvCxnSpPr>
+          <p:cNvPr id="75" name="Straight Arrow Connector 74"/>
+          <p:cNvCxnSpPr/>
+          <p:nvPr/>
+        </p:nvCxnSpPr>
+        <p:spPr>
+          <a:xfrm>
+            <a:off x="1828800" y="2209800"/>
+            <a:ext cx="381000" cy="0"/>
+          </a:xfrm>
+          <a:prstGeom prst="straightConnector1">
+            <a:avLst/>
+          </a:prstGeom>
+          <a:ln>
+            <a:tailEnd type="arrow"/>
+          </a:ln>
+        </p:spPr>
+        <p:style>
+          <a:lnRef idx="3">
+            <a:schemeClr val="dk1"/>
+          </a:lnRef>
+          <a:fillRef idx="0">
+            <a:schemeClr val="dk1"/>
+          </a:fillRef>
+          <a:effectRef idx="2">
+            <a:schemeClr val="dk1"/>
+          </a:effectRef>
+          <a:fontRef idx="minor">
+            <a:schemeClr val="tx1"/>
+          </a:fontRef>
+        </p:style>
+      </p:cxnSp>
     </p:spTree>
   </p:cSld>
   <p:clrMapOvr>
@@ -6534,14 +7754,20 @@
             <p:ph type="title"/>
           </p:nvPr>
         </p:nvSpPr>
-        <p:spPr/>
+        <p:spPr>
+          <a:xfrm>
+            <a:off x="76200" y="228600"/>
+            <a:ext cx="8229600" cy="1143000"/>
+          </a:xfrm>
+        </p:spPr>
         <p:txBody>
           <a:bodyPr/>
           <a:lstStyle/>
           <a:p>
+            <a:pPr algn="ctr"/>
             <a:r>
               <a:rPr lang="en-US" dirty="0" smtClean="0"/>
-              <a:t>Channel Merge</a:t>
+              <a:t>Two Style Merging</a:t>
             </a:r>
             <a:endParaRPr lang="en-US" dirty="0"/>
           </a:p>
@@ -6549,7 +7775,7 @@
       </p:sp>
       <p:pic>
         <p:nvPicPr>
-          <p:cNvPr id="31747" name="Picture 3"/>
+          <p:cNvPr id="30725" name="Picture 5" descr="C:\Users\carmi\Documents\universal_style_transfer\ppt\brick.jpg"/>
           <p:cNvPicPr>
             <a:picLocks noChangeAspect="1" noChangeArrowheads="1"/>
           </p:cNvPicPr>
@@ -6563,91 +7789,19 @@
           </a:stretch>
         </p:blipFill>
         <p:spPr bwMode="auto">
-          <a:xfrm>
-            <a:off x="1905000" y="1066800"/>
-            <a:ext cx="1200532" cy="3505200"/>
+          <a:xfrm flipH="1">
+            <a:off x="3521718" y="1448671"/>
+            <a:ext cx="2040882" cy="2017558"/>
           </a:xfrm>
           <a:prstGeom prst="rect">
             <a:avLst/>
           </a:prstGeom>
           <a:noFill/>
-          <a:ln w="9525">
-            <a:noFill/>
-            <a:miter lim="800000"/>
-            <a:headEnd/>
-            <a:tailEnd/>
-          </a:ln>
         </p:spPr>
       </p:pic>
-      <p:cxnSp>
-        <p:nvCxnSpPr>
-          <p:cNvPr id="9" name="Straight Arrow Connector 8"/>
-          <p:cNvCxnSpPr/>
-          <p:nvPr/>
-        </p:nvCxnSpPr>
-        <p:spPr>
-          <a:xfrm>
-            <a:off x="1524000" y="1752600"/>
-            <a:ext cx="381000" cy="0"/>
-          </a:xfrm>
-          <a:prstGeom prst="straightConnector1">
-            <a:avLst/>
-          </a:prstGeom>
-          <a:ln>
-            <a:tailEnd type="arrow"/>
-          </a:ln>
-        </p:spPr>
-        <p:style>
-          <a:lnRef idx="3">
-            <a:schemeClr val="dk1"/>
-          </a:lnRef>
-          <a:fillRef idx="0">
-            <a:schemeClr val="dk1"/>
-          </a:fillRef>
-          <a:effectRef idx="2">
-            <a:schemeClr val="dk1"/>
-          </a:effectRef>
-          <a:fontRef idx="minor">
-            <a:schemeClr val="tx1"/>
-          </a:fontRef>
-        </p:style>
-      </p:cxnSp>
-      <p:cxnSp>
-        <p:nvCxnSpPr>
-          <p:cNvPr id="10" name="Straight Arrow Connector 9"/>
-          <p:cNvCxnSpPr/>
-          <p:nvPr/>
-        </p:nvCxnSpPr>
-        <p:spPr>
-          <a:xfrm>
-            <a:off x="1524000" y="3733800"/>
-            <a:ext cx="381000" cy="0"/>
-          </a:xfrm>
-          <a:prstGeom prst="straightConnector1">
-            <a:avLst/>
-          </a:prstGeom>
-          <a:ln>
-            <a:tailEnd type="arrow"/>
-          </a:ln>
-        </p:spPr>
-        <p:style>
-          <a:lnRef idx="3">
-            <a:schemeClr val="dk1"/>
-          </a:lnRef>
-          <a:fillRef idx="0">
-            <a:schemeClr val="dk1"/>
-          </a:fillRef>
-          <a:effectRef idx="2">
-            <a:schemeClr val="dk1"/>
-          </a:effectRef>
-          <a:fontRef idx="minor">
-            <a:schemeClr val="tx1"/>
-          </a:fontRef>
-        </p:style>
-      </p:cxnSp>
       <p:pic>
         <p:nvPicPr>
-          <p:cNvPr id="1028" name="Picture 4" descr="C:\Users\carmi\Documents\universal_style_transfer\Report\Figures\starry_sq.jpg"/>
+          <p:cNvPr id="30726" name="Picture 6" descr="C:\Users\carmi\Documents\universal_style_transfer\ppt\face.jpg"/>
           <p:cNvPicPr>
             <a:picLocks noChangeAspect="1" noChangeArrowheads="1"/>
           </p:cNvPicPr>
@@ -6662,8 +7816,8 @@
         </p:blipFill>
         <p:spPr bwMode="auto">
           <a:xfrm>
-            <a:off x="228600" y="1219200"/>
-            <a:ext cx="1371600" cy="1371600"/>
+            <a:off x="419100" y="2628900"/>
+            <a:ext cx="2095500" cy="2095500"/>
           </a:xfrm>
           <a:prstGeom prst="rect">
             <a:avLst/>
@@ -6673,7 +7827,7 @@
       </p:pic>
       <p:pic>
         <p:nvPicPr>
-          <p:cNvPr id="1029" name="Picture 5" descr="C:\Users\carmi\Documents\universal_style_transfer\Report\Figures\st2_sq.jpg"/>
+          <p:cNvPr id="30727" name="Picture 7" descr="C:\Users\carmi\Documents\universal_style_transfer\ppt\graffiti_sq.jpg"/>
           <p:cNvPicPr>
             <a:picLocks noChangeAspect="1" noChangeArrowheads="1"/>
           </p:cNvPicPr>
@@ -6688,8 +7842,8 @@
         </p:blipFill>
         <p:spPr bwMode="auto">
           <a:xfrm>
-            <a:off x="228598" y="2971800"/>
-            <a:ext cx="1371602" cy="1371602"/>
+            <a:off x="3505200" y="3730487"/>
+            <a:ext cx="2057400" cy="1967948"/>
           </a:xfrm>
           <a:prstGeom prst="rect">
             <a:avLst/>
@@ -6699,7 +7853,7 @@
       </p:pic>
       <p:pic>
         <p:nvPicPr>
-          <p:cNvPr id="1030" name="Picture 6" descr="C:\Users\carmi\Documents\universal_style_transfer\Report\Figures\bridge_sq.jpg"/>
+          <p:cNvPr id="30728" name="Picture 8" descr="C:\Users\carmi\Documents\universal_style_transfer\ppt\merge_face_brick_graffiti_4.jpg"/>
           <p:cNvPicPr>
             <a:picLocks noChangeAspect="1" noChangeArrowheads="1"/>
           </p:cNvPicPr>
@@ -6714,8 +7868,8 @@
         </p:blipFill>
         <p:spPr bwMode="auto">
           <a:xfrm>
-            <a:off x="228600" y="4572000"/>
-            <a:ext cx="1371600" cy="1371600"/>
+            <a:off x="6934200" y="304800"/>
+            <a:ext cx="1828800" cy="1828800"/>
           </a:xfrm>
           <a:prstGeom prst="rect">
             <a:avLst/>
@@ -6723,9 +7877,39 @@
           <a:noFill/>
         </p:spPr>
       </p:pic>
+      <p:sp>
+        <p:nvSpPr>
+          <p:cNvPr id="11" name="TextBox 10"/>
+          <p:cNvSpPr txBox="1"/>
+          <p:nvPr/>
+        </p:nvSpPr>
+        <p:spPr>
+          <a:xfrm>
+            <a:off x="7010400" y="2069068"/>
+            <a:ext cx="1691489" cy="369332"/>
+          </a:xfrm>
+          <a:prstGeom prst="rect">
+            <a:avLst/>
+          </a:prstGeom>
+          <a:noFill/>
+        </p:spPr>
+        <p:txBody>
+          <a:bodyPr wrap="none" rtlCol="0">
+            <a:spAutoFit/>
+          </a:bodyPr>
+          <a:lstStyle/>
+          <a:p>
+            <a:r>
+              <a:rPr lang="en-US" b="1" dirty="0" smtClean="0"/>
+              <a:t>Interp. Merge</a:t>
+            </a:r>
+            <a:endParaRPr lang="en-US" b="1" dirty="0"/>
+          </a:p>
+        </p:txBody>
+      </p:sp>
       <p:pic>
         <p:nvPicPr>
-          <p:cNvPr id="1031" name="Picture 7"/>
+          <p:cNvPr id="30729" name="Picture 9" descr="C:\Users\carmi\Documents\universal_style_transfer\ppt\merge_face_brick_graffiti_3.jpg"/>
           <p:cNvPicPr>
             <a:picLocks noChangeAspect="1" noChangeArrowheads="1"/>
           </p:cNvPicPr>
@@ -6740,57 +7924,18 @@
         </p:blipFill>
         <p:spPr bwMode="auto">
           <a:xfrm>
-            <a:off x="1867874" y="4572000"/>
-            <a:ext cx="1256326" cy="1676400"/>
+            <a:off x="6934200" y="2438400"/>
+            <a:ext cx="1828800" cy="1828800"/>
           </a:xfrm>
           <a:prstGeom prst="rect">
             <a:avLst/>
           </a:prstGeom>
           <a:noFill/>
-          <a:ln w="9525">
-            <a:noFill/>
-            <a:miter lim="800000"/>
-            <a:headEnd/>
-            <a:tailEnd/>
-          </a:ln>
         </p:spPr>
       </p:pic>
-      <p:cxnSp>
-        <p:nvCxnSpPr>
-          <p:cNvPr id="23" name="Straight Arrow Connector 22"/>
-          <p:cNvCxnSpPr/>
-          <p:nvPr/>
-        </p:nvCxnSpPr>
-        <p:spPr>
-          <a:xfrm>
-            <a:off x="1524000" y="5334000"/>
-            <a:ext cx="381000" cy="0"/>
-          </a:xfrm>
-          <a:prstGeom prst="straightConnector1">
-            <a:avLst/>
-          </a:prstGeom>
-          <a:ln>
-            <a:tailEnd type="arrow"/>
-          </a:ln>
-        </p:spPr>
-        <p:style>
-          <a:lnRef idx="3">
-            <a:schemeClr val="dk1"/>
-          </a:lnRef>
-          <a:fillRef idx="0">
-            <a:schemeClr val="dk1"/>
-          </a:fillRef>
-          <a:effectRef idx="2">
-            <a:schemeClr val="dk1"/>
-          </a:effectRef>
-          <a:fontRef idx="minor">
-            <a:schemeClr val="tx1"/>
-          </a:fontRef>
-        </p:style>
-      </p:cxnSp>
       <p:pic>
         <p:nvPicPr>
-          <p:cNvPr id="1033" name="Picture 9"/>
+          <p:cNvPr id="30730" name="Picture 10" descr="C:\Users\carmi\Documents\universal_style_transfer\ppt\merge_face_brick_graffiti_2.jpg"/>
           <p:cNvPicPr>
             <a:picLocks noChangeAspect="1" noChangeArrowheads="1"/>
           </p:cNvPicPr>
@@ -6805,475 +7950,25 @@
         </p:blipFill>
         <p:spPr bwMode="auto">
           <a:xfrm>
-            <a:off x="3505200" y="4724400"/>
-            <a:ext cx="1447800" cy="1260670"/>
+            <a:off x="6934200" y="4572000"/>
+            <a:ext cx="1860550" cy="1860550"/>
           </a:xfrm>
           <a:prstGeom prst="rect">
             <a:avLst/>
           </a:prstGeom>
           <a:noFill/>
-          <a:ln w="9525">
-            <a:noFill/>
-            <a:miter lim="800000"/>
-            <a:headEnd/>
-            <a:tailEnd/>
-          </a:ln>
         </p:spPr>
       </p:pic>
-      <p:pic>
-        <p:nvPicPr>
-          <p:cNvPr id="1034" name="Picture 10"/>
-          <p:cNvPicPr>
-            <a:picLocks noChangeAspect="1" noChangeArrowheads="1"/>
-          </p:cNvPicPr>
-          <p:nvPr/>
-        </p:nvPicPr>
-        <p:blipFill>
-          <a:blip r:embed="rId8" cstate="print"/>
-          <a:srcRect/>
-          <a:stretch>
-            <a:fillRect/>
-          </a:stretch>
-        </p:blipFill>
-        <p:spPr bwMode="auto">
-          <a:xfrm>
-            <a:off x="5257800" y="3505200"/>
-            <a:ext cx="828674" cy="992074"/>
-          </a:xfrm>
-          <a:prstGeom prst="rect">
-            <a:avLst/>
-          </a:prstGeom>
-          <a:noFill/>
-          <a:ln w="9525">
-            <a:noFill/>
-            <a:miter lim="800000"/>
-            <a:headEnd/>
-            <a:tailEnd/>
-          </a:ln>
-        </p:spPr>
-      </p:pic>
-      <p:sp>
-        <p:nvSpPr>
-          <p:cNvPr id="28" name="Right Arrow 27"/>
-          <p:cNvSpPr/>
+      <p:sp>
+        <p:nvSpPr>
+          <p:cNvPr id="14" name="TextBox 13"/>
+          <p:cNvSpPr txBox="1"/>
           <p:nvPr/>
         </p:nvSpPr>
         <p:spPr>
           <a:xfrm>
-            <a:off x="3048000" y="5257800"/>
-            <a:ext cx="381000" cy="228600"/>
-          </a:xfrm>
-          <a:prstGeom prst="rightArrow">
-            <a:avLst/>
-          </a:prstGeom>
-        </p:spPr>
-        <p:style>
-          <a:lnRef idx="2">
-            <a:schemeClr val="accent1">
-              <a:shade val="50000"/>
-            </a:schemeClr>
-          </a:lnRef>
-          <a:fillRef idx="1">
-            <a:schemeClr val="accent1"/>
-          </a:fillRef>
-          <a:effectRef idx="0">
-            <a:schemeClr val="accent1"/>
-          </a:effectRef>
-          <a:fontRef idx="minor">
-            <a:schemeClr val="lt1"/>
-          </a:fontRef>
-        </p:style>
-        <p:txBody>
-          <a:bodyPr rtlCol="0" anchor="ctr"/>
-          <a:lstStyle/>
-          <a:p>
-            <a:pPr algn="ctr"/>
-            <a:endParaRPr lang="en-US"/>
-          </a:p>
-        </p:txBody>
-      </p:sp>
-      <p:sp>
-        <p:nvSpPr>
-          <p:cNvPr id="24" name="Right Arrow 23"/>
-          <p:cNvSpPr/>
-          <p:nvPr/>
-        </p:nvSpPr>
-        <p:spPr>
-          <a:xfrm rot="5400000">
-            <a:off x="5486400" y="3352800"/>
-            <a:ext cx="381000" cy="228600"/>
-          </a:xfrm>
-          <a:prstGeom prst="rightArrow">
-            <a:avLst/>
-          </a:prstGeom>
-        </p:spPr>
-        <p:style>
-          <a:lnRef idx="2">
-            <a:schemeClr val="accent1">
-              <a:shade val="50000"/>
-            </a:schemeClr>
-          </a:lnRef>
-          <a:fillRef idx="1">
-            <a:schemeClr val="accent1"/>
-          </a:fillRef>
-          <a:effectRef idx="0">
-            <a:schemeClr val="accent1"/>
-          </a:effectRef>
-          <a:fontRef idx="minor">
-            <a:schemeClr val="lt1"/>
-          </a:fontRef>
-        </p:style>
-        <p:txBody>
-          <a:bodyPr rtlCol="0" anchor="ctr"/>
-          <a:lstStyle/>
-          <a:p>
-            <a:pPr algn="ctr"/>
-            <a:endParaRPr lang="en-US"/>
-          </a:p>
-        </p:txBody>
-      </p:sp>
-      <p:pic>
-        <p:nvPicPr>
-          <p:cNvPr id="1035" name="Picture 11"/>
-          <p:cNvPicPr>
-            <a:picLocks noChangeAspect="1" noChangeArrowheads="1"/>
-          </p:cNvPicPr>
-          <p:nvPr/>
-        </p:nvPicPr>
-        <p:blipFill>
-          <a:blip r:embed="rId9" cstate="print"/>
-          <a:srcRect/>
-          <a:stretch>
-            <a:fillRect/>
-          </a:stretch>
-        </p:blipFill>
-        <p:spPr bwMode="auto">
-          <a:xfrm>
-            <a:off x="6477000" y="3276600"/>
-            <a:ext cx="759130" cy="1514474"/>
-          </a:xfrm>
-          <a:prstGeom prst="rect">
-            <a:avLst/>
-          </a:prstGeom>
-          <a:noFill/>
-          <a:ln w="9525">
-            <a:noFill/>
-            <a:miter lim="800000"/>
-            <a:headEnd/>
-            <a:tailEnd/>
-          </a:ln>
-        </p:spPr>
-      </p:pic>
-      <p:pic>
-        <p:nvPicPr>
-          <p:cNvPr id="1036" name="Picture 12"/>
-          <p:cNvPicPr>
-            <a:picLocks noChangeAspect="1" noChangeArrowheads="1"/>
-          </p:cNvPicPr>
-          <p:nvPr/>
-        </p:nvPicPr>
-        <p:blipFill>
-          <a:blip r:embed="rId10" cstate="print"/>
-          <a:srcRect/>
-          <a:stretch>
-            <a:fillRect/>
-          </a:stretch>
-        </p:blipFill>
-        <p:spPr bwMode="auto">
-          <a:xfrm>
-            <a:off x="3352800" y="1295400"/>
-            <a:ext cx="1571625" cy="1343025"/>
-          </a:xfrm>
-          <a:prstGeom prst="rect">
-            <a:avLst/>
-          </a:prstGeom>
-          <a:noFill/>
-          <a:ln w="9525">
-            <a:noFill/>
-            <a:miter lim="800000"/>
-            <a:headEnd/>
-            <a:tailEnd/>
-          </a:ln>
-        </p:spPr>
-      </p:pic>
-      <p:sp>
-        <p:nvSpPr>
-          <p:cNvPr id="34" name="Right Arrow 33"/>
-          <p:cNvSpPr/>
-          <p:nvPr/>
-        </p:nvSpPr>
-        <p:spPr>
-          <a:xfrm>
-            <a:off x="3124200" y="1828800"/>
-            <a:ext cx="381000" cy="228600"/>
-          </a:xfrm>
-          <a:prstGeom prst="rightArrow">
-            <a:avLst/>
-          </a:prstGeom>
-        </p:spPr>
-        <p:style>
-          <a:lnRef idx="2">
-            <a:schemeClr val="accent1">
-              <a:shade val="50000"/>
-            </a:schemeClr>
-          </a:lnRef>
-          <a:fillRef idx="1">
-            <a:schemeClr val="accent1"/>
-          </a:fillRef>
-          <a:effectRef idx="0">
-            <a:schemeClr val="accent1"/>
-          </a:effectRef>
-          <a:fontRef idx="minor">
-            <a:schemeClr val="lt1"/>
-          </a:fontRef>
-        </p:style>
-        <p:txBody>
-          <a:bodyPr rtlCol="0" anchor="ctr"/>
-          <a:lstStyle/>
-          <a:p>
-            <a:pPr algn="ctr"/>
-            <a:endParaRPr lang="en-US"/>
-          </a:p>
-        </p:txBody>
-      </p:sp>
-      <p:pic>
-        <p:nvPicPr>
-          <p:cNvPr id="1037" name="Picture 13"/>
-          <p:cNvPicPr>
-            <a:picLocks noChangeAspect="1" noChangeArrowheads="1"/>
-          </p:cNvPicPr>
-          <p:nvPr/>
-        </p:nvPicPr>
-        <p:blipFill>
-          <a:blip r:embed="rId11" cstate="print"/>
-          <a:srcRect/>
-          <a:stretch>
-            <a:fillRect/>
-          </a:stretch>
-        </p:blipFill>
-        <p:spPr bwMode="auto">
-          <a:xfrm>
-            <a:off x="3505200" y="3124200"/>
-            <a:ext cx="1476375" cy="1419225"/>
-          </a:xfrm>
-          <a:prstGeom prst="rect">
-            <a:avLst/>
-          </a:prstGeom>
-          <a:noFill/>
-          <a:ln w="9525">
-            <a:noFill/>
-            <a:miter lim="800000"/>
-            <a:headEnd/>
-            <a:tailEnd/>
-          </a:ln>
-        </p:spPr>
-      </p:pic>
-      <p:sp>
-        <p:nvSpPr>
-          <p:cNvPr id="35" name="Right Arrow 34"/>
-          <p:cNvSpPr/>
-          <p:nvPr/>
-        </p:nvSpPr>
-        <p:spPr>
-          <a:xfrm>
-            <a:off x="3124200" y="3733800"/>
-            <a:ext cx="381000" cy="228600"/>
-          </a:xfrm>
-          <a:prstGeom prst="rightArrow">
-            <a:avLst/>
-          </a:prstGeom>
-        </p:spPr>
-        <p:style>
-          <a:lnRef idx="2">
-            <a:schemeClr val="accent1">
-              <a:shade val="50000"/>
-            </a:schemeClr>
-          </a:lnRef>
-          <a:fillRef idx="1">
-            <a:schemeClr val="accent1"/>
-          </a:fillRef>
-          <a:effectRef idx="0">
-            <a:schemeClr val="accent1"/>
-          </a:effectRef>
-          <a:fontRef idx="minor">
-            <a:schemeClr val="lt1"/>
-          </a:fontRef>
-        </p:style>
-        <p:txBody>
-          <a:bodyPr rtlCol="0" anchor="ctr"/>
-          <a:lstStyle/>
-          <a:p>
-            <a:pPr algn="ctr"/>
-            <a:endParaRPr lang="en-US"/>
-          </a:p>
-        </p:txBody>
-      </p:sp>
-      <p:pic>
-        <p:nvPicPr>
-          <p:cNvPr id="1038" name="Picture 14"/>
-          <p:cNvPicPr>
-            <a:picLocks noChangeAspect="1" noChangeArrowheads="1"/>
-          </p:cNvPicPr>
-          <p:nvPr/>
-        </p:nvPicPr>
-        <p:blipFill>
-          <a:blip r:embed="rId12" cstate="print"/>
-          <a:srcRect/>
-          <a:stretch>
-            <a:fillRect/>
-          </a:stretch>
-        </p:blipFill>
-        <p:spPr bwMode="auto">
-          <a:xfrm>
-            <a:off x="5029200" y="2057400"/>
-            <a:ext cx="1447800" cy="1304925"/>
-          </a:xfrm>
-          <a:prstGeom prst="rect">
-            <a:avLst/>
-          </a:prstGeom>
-          <a:noFill/>
-          <a:ln w="9525">
-            <a:noFill/>
-            <a:miter lim="800000"/>
-            <a:headEnd/>
-            <a:tailEnd/>
-          </a:ln>
-        </p:spPr>
-      </p:pic>
-      <p:sp>
-        <p:nvSpPr>
-          <p:cNvPr id="58" name="Right Arrow 57"/>
-          <p:cNvSpPr/>
-          <p:nvPr/>
-        </p:nvSpPr>
-        <p:spPr>
-          <a:xfrm>
-            <a:off x="4572000" y="2819400"/>
-            <a:ext cx="381000" cy="228600"/>
-          </a:xfrm>
-          <a:prstGeom prst="rightArrow">
-            <a:avLst/>
-          </a:prstGeom>
-        </p:spPr>
-        <p:style>
-          <a:lnRef idx="2">
-            <a:schemeClr val="accent1">
-              <a:shade val="50000"/>
-            </a:schemeClr>
-          </a:lnRef>
-          <a:fillRef idx="1">
-            <a:schemeClr val="accent1"/>
-          </a:fillRef>
-          <a:effectRef idx="0">
-            <a:schemeClr val="accent1"/>
-          </a:effectRef>
-          <a:fontRef idx="minor">
-            <a:schemeClr val="lt1"/>
-          </a:fontRef>
-        </p:style>
-        <p:txBody>
-          <a:bodyPr rtlCol="0" anchor="ctr"/>
-          <a:lstStyle/>
-          <a:p>
-            <a:pPr algn="ctr"/>
-            <a:endParaRPr lang="en-US"/>
-          </a:p>
-        </p:txBody>
-      </p:sp>
-      <p:sp>
-        <p:nvSpPr>
-          <p:cNvPr id="59" name="Bent-Up Arrow 58"/>
-          <p:cNvSpPr/>
-          <p:nvPr/>
-        </p:nvSpPr>
-        <p:spPr>
-          <a:xfrm>
-            <a:off x="4953000" y="4419600"/>
-            <a:ext cx="914400" cy="914400"/>
-          </a:xfrm>
-          <a:prstGeom prst="bentUpArrow">
-            <a:avLst>
-              <a:gd name="adj1" fmla="val 15000"/>
-              <a:gd name="adj2" fmla="val 20000"/>
-              <a:gd name="adj3" fmla="val 22500"/>
-            </a:avLst>
-          </a:prstGeom>
-        </p:spPr>
-        <p:style>
-          <a:lnRef idx="2">
-            <a:schemeClr val="accent1">
-              <a:shade val="50000"/>
-            </a:schemeClr>
-          </a:lnRef>
-          <a:fillRef idx="1">
-            <a:schemeClr val="accent1"/>
-          </a:fillRef>
-          <a:effectRef idx="0">
-            <a:schemeClr val="accent1"/>
-          </a:effectRef>
-          <a:fontRef idx="minor">
-            <a:schemeClr val="lt1"/>
-          </a:fontRef>
-        </p:style>
-        <p:txBody>
-          <a:bodyPr rtlCol="0" anchor="ctr"/>
-          <a:lstStyle/>
-          <a:p>
-            <a:pPr algn="ctr"/>
-            <a:endParaRPr lang="en-US"/>
-          </a:p>
-        </p:txBody>
-      </p:sp>
-      <p:sp>
-        <p:nvSpPr>
-          <p:cNvPr id="61" name="Right Arrow 60"/>
-          <p:cNvSpPr/>
-          <p:nvPr/>
-        </p:nvSpPr>
-        <p:spPr>
-          <a:xfrm>
-            <a:off x="6096000" y="3886200"/>
-            <a:ext cx="304800" cy="228600"/>
-          </a:xfrm>
-          <a:prstGeom prst="rightArrow">
-            <a:avLst/>
-          </a:prstGeom>
-        </p:spPr>
-        <p:style>
-          <a:lnRef idx="2">
-            <a:schemeClr val="accent1">
-              <a:shade val="50000"/>
-            </a:schemeClr>
-          </a:lnRef>
-          <a:fillRef idx="1">
-            <a:schemeClr val="accent1"/>
-          </a:fillRef>
-          <a:effectRef idx="0">
-            <a:schemeClr val="accent1"/>
-          </a:effectRef>
-          <a:fontRef idx="minor">
-            <a:schemeClr val="lt1"/>
-          </a:fontRef>
-        </p:style>
-        <p:txBody>
-          <a:bodyPr rtlCol="0" anchor="ctr"/>
-          <a:lstStyle/>
-          <a:p>
-            <a:pPr algn="ctr"/>
-            <a:endParaRPr lang="en-US"/>
-          </a:p>
-        </p:txBody>
-      </p:sp>
-      <p:sp>
-        <p:nvSpPr>
-          <p:cNvPr id="33" name="TextBox 32"/>
-          <p:cNvSpPr txBox="1"/>
-          <p:nvPr/>
-        </p:nvSpPr>
-        <p:spPr>
-          <a:xfrm>
-            <a:off x="2971800" y="6096000"/>
-            <a:ext cx="2688557" cy="369332"/>
+            <a:off x="7086600" y="4267200"/>
+            <a:ext cx="1519968" cy="369332"/>
           </a:xfrm>
           <a:prstGeom prst="rect">
             <a:avLst/>
@@ -7288,158 +7983,42 @@
           <a:p>
             <a:r>
               <a:rPr lang="en-US" b="1" dirty="0" smtClean="0"/>
-              <a:t>Deep feature channels</a:t>
+              <a:t>Level Merge</a:t>
             </a:r>
             <a:endParaRPr lang="en-US" b="1" dirty="0"/>
           </a:p>
         </p:txBody>
       </p:sp>
-      <p:pic>
-        <p:nvPicPr>
-          <p:cNvPr id="1026" name="Picture 2" descr="C:\Users\carmi\Documents\universal_style_transfer\Report\Figures\merge\merge_bridge_starry_st2_2.jpg"/>
-          <p:cNvPicPr>
-            <a:picLocks noChangeAspect="1" noChangeArrowheads="1"/>
-          </p:cNvPicPr>
-          <p:nvPr/>
-        </p:nvPicPr>
-        <p:blipFill>
-          <a:blip r:embed="rId13" cstate="print"/>
-          <a:srcRect/>
-          <a:stretch>
-            <a:fillRect/>
-          </a:stretch>
-        </p:blipFill>
-        <p:spPr bwMode="auto">
-          <a:xfrm>
-            <a:off x="6629400" y="4654062"/>
-            <a:ext cx="2133600" cy="1969476"/>
+      <p:sp>
+        <p:nvSpPr>
+          <p:cNvPr id="15" name="TextBox 14"/>
+          <p:cNvSpPr txBox="1"/>
+          <p:nvPr/>
+        </p:nvSpPr>
+        <p:spPr>
+          <a:xfrm>
+            <a:off x="6977049" y="6477000"/>
+            <a:ext cx="1938351" cy="369332"/>
           </a:xfrm>
           <a:prstGeom prst="rect">
             <a:avLst/>
           </a:prstGeom>
           <a:noFill/>
         </p:spPr>
-      </p:pic>
-      <p:sp>
-        <p:nvSpPr>
-          <p:cNvPr id="63" name="Bent-Up Arrow 62"/>
-          <p:cNvSpPr/>
-          <p:nvPr/>
-        </p:nvSpPr>
-        <p:spPr>
-          <a:xfrm flipV="1">
-            <a:off x="7239000" y="3886200"/>
-            <a:ext cx="838200" cy="762000"/>
-          </a:xfrm>
-          <a:prstGeom prst="bentUpArrow">
-            <a:avLst>
-              <a:gd name="adj1" fmla="val 25000"/>
-              <a:gd name="adj2" fmla="val 23182"/>
-              <a:gd name="adj3" fmla="val 26818"/>
-            </a:avLst>
-          </a:prstGeom>
-        </p:spPr>
-        <p:style>
-          <a:lnRef idx="2">
-            <a:schemeClr val="accent1">
-              <a:shade val="50000"/>
-            </a:schemeClr>
-          </a:lnRef>
-          <a:fillRef idx="1">
-            <a:schemeClr val="accent1"/>
-          </a:fillRef>
-          <a:effectRef idx="0">
-            <a:schemeClr val="accent1"/>
-          </a:effectRef>
-          <a:fontRef idx="minor">
-            <a:schemeClr val="lt1"/>
-          </a:fontRef>
-        </p:style>
-        <p:txBody>
-          <a:bodyPr rtlCol="0" anchor="ctr"/>
+        <p:txBody>
+          <a:bodyPr wrap="none" rtlCol="0">
+            <a:spAutoFit/>
+          </a:bodyPr>
           <a:lstStyle/>
           <a:p>
-            <a:pPr algn="ctr"/>
-            <a:endParaRPr lang="en-US"/>
-          </a:p>
-        </p:txBody>
-      </p:sp>
-      <p:cxnSp>
-        <p:nvCxnSpPr>
-          <p:cNvPr id="65" name="Straight Arrow Connector 64"/>
-          <p:cNvCxnSpPr/>
-          <p:nvPr/>
-        </p:nvCxnSpPr>
-        <p:spPr>
-          <a:xfrm>
-            <a:off x="2514600" y="4267200"/>
-            <a:ext cx="0" cy="609600"/>
-          </a:xfrm>
-          <a:prstGeom prst="straightConnector1">
-            <a:avLst/>
-          </a:prstGeom>
-          <a:ln>
-            <a:solidFill>
-              <a:schemeClr val="tx1"/>
-            </a:solidFill>
-            <a:headEnd type="arrow"/>
-            <a:tailEnd type="arrow"/>
-          </a:ln>
-          <a:effectLst>
-            <a:outerShdw blurRad="50800" dist="38100" dir="13500000" algn="br" rotWithShape="0">
-              <a:prstClr val="black">
-                <a:alpha val="40000"/>
-              </a:prstClr>
-            </a:outerShdw>
-          </a:effectLst>
-        </p:spPr>
-        <p:style>
-          <a:lnRef idx="1">
-            <a:schemeClr val="accent6"/>
-          </a:lnRef>
-          <a:fillRef idx="0">
-            <a:schemeClr val="accent6"/>
-          </a:fillRef>
-          <a:effectRef idx="0">
-            <a:schemeClr val="accent6"/>
-          </a:effectRef>
-          <a:fontRef idx="minor">
-            <a:schemeClr val="tx1"/>
-          </a:fontRef>
-        </p:style>
-      </p:cxnSp>
-      <p:pic>
-        <p:nvPicPr>
-          <p:cNvPr id="1039" name="Picture 15"/>
-          <p:cNvPicPr>
-            <a:picLocks noChangeAspect="1" noChangeArrowheads="1"/>
-          </p:cNvPicPr>
-          <p:nvPr/>
-        </p:nvPicPr>
-        <p:blipFill>
-          <a:blip r:embed="rId14" cstate="print"/>
-          <a:srcRect/>
-          <a:stretch>
-            <a:fillRect/>
-          </a:stretch>
-        </p:blipFill>
-        <p:spPr bwMode="auto">
-          <a:xfrm>
-            <a:off x="2590800" y="4474308"/>
-            <a:ext cx="533400" cy="250092"/>
-          </a:xfrm>
-          <a:prstGeom prst="rect">
-            <a:avLst/>
-          </a:prstGeom>
-          <a:noFill/>
-          <a:ln w="9525">
-            <a:noFill/>
-            <a:miter lim="800000"/>
-            <a:headEnd/>
-            <a:tailEnd/>
-          </a:ln>
-        </p:spPr>
-      </p:pic>
+            <a:r>
+              <a:rPr lang="en-US" b="1" dirty="0" smtClean="0"/>
+              <a:t>Channel Merge</a:t>
+            </a:r>
+            <a:endParaRPr lang="en-US" b="1" dirty="0"/>
+          </a:p>
+        </p:txBody>
+      </p:sp>
     </p:spTree>
   </p:cSld>
   <p:clrMapOvr>
@@ -7472,36 +8051,9 @@
           <a:chExt cx="0" cy="0"/>
         </a:xfrm>
       </p:grpSpPr>
-      <p:sp>
-        <p:nvSpPr>
-          <p:cNvPr id="3" name="Title 2"/>
-          <p:cNvSpPr>
-            <a:spLocks noGrp="1"/>
-          </p:cNvSpPr>
-          <p:nvPr>
-            <p:ph type="title"/>
-          </p:nvPr>
-        </p:nvSpPr>
-        <p:spPr/>
-        <p:txBody>
-          <a:bodyPr/>
-          <a:lstStyle/>
-          <a:p>
-            <a:r>
-              <a:rPr lang="en-US" dirty="0" smtClean="0"/>
-              <a:t>Original </a:t>
-            </a:r>
-            <a:r>
-              <a:rPr lang="en-US" dirty="0" smtClean="0"/>
-              <a:t>Merge</a:t>
-            </a:r>
-            <a:endParaRPr lang="en-US" dirty="0"/>
-          </a:p>
-        </p:txBody>
-      </p:sp>
       <p:pic>
         <p:nvPicPr>
-          <p:cNvPr id="4" name="Picture 4" descr="C:\Users\carmi\Documents\universal_style_transfer\Report\Figures\starry_sq.jpg"/>
+          <p:cNvPr id="13" name="Picture 7"/>
           <p:cNvPicPr>
             <a:picLocks noChangeAspect="1" noChangeArrowheads="1"/>
           </p:cNvPicPr>
@@ -7516,18 +8068,80 @@
         </p:blipFill>
         <p:spPr bwMode="auto">
           <a:xfrm>
-            <a:off x="228600" y="1219200"/>
-            <a:ext cx="1371600" cy="1371600"/>
+            <a:off x="1600200" y="4572000"/>
+            <a:ext cx="1256326" cy="1676400"/>
           </a:xfrm>
           <a:prstGeom prst="rect">
             <a:avLst/>
           </a:prstGeom>
           <a:noFill/>
+          <a:ln w="9525">
+            <a:noFill/>
+            <a:miter lim="800000"/>
+            <a:headEnd/>
+            <a:tailEnd/>
+          </a:ln>
         </p:spPr>
       </p:pic>
+      <p:sp>
+        <p:nvSpPr>
+          <p:cNvPr id="3" name="Title 2"/>
+          <p:cNvSpPr>
+            <a:spLocks noGrp="1"/>
+          </p:cNvSpPr>
+          <p:nvPr>
+            <p:ph type="title"/>
+          </p:nvPr>
+        </p:nvSpPr>
+        <p:spPr/>
+        <p:txBody>
+          <a:bodyPr/>
+          <a:lstStyle/>
+          <a:p>
+            <a:r>
+              <a:rPr lang="en-US" smtClean="0"/>
+              <a:t>Original Merge</a:t>
+            </a:r>
+            <a:endParaRPr lang="en-US" dirty="0"/>
+          </a:p>
+        </p:txBody>
+      </p:sp>
+      <p:cxnSp>
+        <p:nvCxnSpPr>
+          <p:cNvPr id="14" name="Straight Arrow Connector 13"/>
+          <p:cNvCxnSpPr/>
+          <p:nvPr/>
+        </p:nvCxnSpPr>
+        <p:spPr>
+          <a:xfrm>
+            <a:off x="1371600" y="5334000"/>
+            <a:ext cx="381000" cy="0"/>
+          </a:xfrm>
+          <a:prstGeom prst="straightConnector1">
+            <a:avLst/>
+          </a:prstGeom>
+          <a:ln>
+            <a:tailEnd type="arrow"/>
+          </a:ln>
+        </p:spPr>
+        <p:style>
+          <a:lnRef idx="3">
+            <a:schemeClr val="dk1"/>
+          </a:lnRef>
+          <a:fillRef idx="0">
+            <a:schemeClr val="dk1"/>
+          </a:fillRef>
+          <a:effectRef idx="2">
+            <a:schemeClr val="dk1"/>
+          </a:effectRef>
+          <a:fontRef idx="minor">
+            <a:schemeClr val="tx1"/>
+          </a:fontRef>
+        </p:style>
+      </p:cxnSp>
       <p:pic>
         <p:nvPicPr>
-          <p:cNvPr id="5" name="Picture 5" descr="C:\Users\carmi\Documents\universal_style_transfer\Report\Figures\st2_sq.jpg"/>
+          <p:cNvPr id="4" name="Picture 4" descr="C:\Users\carmi\Documents\universal_style_transfer\Report\Figures\starry_sq.jpg"/>
           <p:cNvPicPr>
             <a:picLocks noChangeAspect="1" noChangeArrowheads="1"/>
           </p:cNvPicPr>
@@ -7542,8 +8156,8 @@
         </p:blipFill>
         <p:spPr bwMode="auto">
           <a:xfrm>
-            <a:off x="228598" y="2895598"/>
-            <a:ext cx="1371602" cy="1371602"/>
+            <a:off x="228600" y="1219200"/>
+            <a:ext cx="1219200" cy="1219200"/>
           </a:xfrm>
           <a:prstGeom prst="rect">
             <a:avLst/>
@@ -7553,7 +8167,7 @@
       </p:pic>
       <p:pic>
         <p:nvPicPr>
-          <p:cNvPr id="6" name="Picture 6" descr="C:\Users\carmi\Documents\universal_style_transfer\Report\Figures\bridge_sq.jpg"/>
+          <p:cNvPr id="5" name="Picture 5" descr="C:\Users\carmi\Documents\universal_style_transfer\Report\Figures\st2_sq.jpg"/>
           <p:cNvPicPr>
             <a:picLocks noChangeAspect="1" noChangeArrowheads="1"/>
           </p:cNvPicPr>
@@ -7568,8 +8182,8 @@
         </p:blipFill>
         <p:spPr bwMode="auto">
           <a:xfrm>
-            <a:off x="228600" y="4495800"/>
-            <a:ext cx="1371600" cy="1371600"/>
+            <a:off x="228598" y="4686299"/>
+            <a:ext cx="1104901" cy="1104901"/>
           </a:xfrm>
           <a:prstGeom prst="rect">
             <a:avLst/>
@@ -7594,7 +8208,7 @@
         </p:blipFill>
         <p:spPr bwMode="auto">
           <a:xfrm>
-            <a:off x="1905000" y="1066800"/>
+            <a:off x="1637326" y="1066800"/>
             <a:ext cx="1200532" cy="3505200"/>
           </a:xfrm>
           <a:prstGeom prst="rect">
@@ -7617,7 +8231,7 @@
         </p:nvCxnSpPr>
         <p:spPr>
           <a:xfrm>
-            <a:off x="1524000" y="1752600"/>
+            <a:off x="1371600" y="1752600"/>
             <a:ext cx="381000" cy="0"/>
           </a:xfrm>
           <a:prstGeom prst="straightConnector1">
@@ -7650,7 +8264,7 @@
         </p:nvCxnSpPr>
         <p:spPr>
           <a:xfrm>
-            <a:off x="1524000" y="3733800"/>
+            <a:off x="1371600" y="3733800"/>
             <a:ext cx="381000" cy="0"/>
           </a:xfrm>
           <a:prstGeom prst="straightConnector1">
@@ -7677,85 +8291,7 @@
       </p:cxnSp>
       <p:pic>
         <p:nvPicPr>
-          <p:cNvPr id="10" name="Picture 4" descr="C:\Users\carmi\Documents\universal_style_transfer\Report\Figures\starry_sq.jpg"/>
-          <p:cNvPicPr>
-            <a:picLocks noChangeAspect="1" noChangeArrowheads="1"/>
-          </p:cNvPicPr>
-          <p:nvPr/>
-        </p:nvPicPr>
-        <p:blipFill>
-          <a:blip r:embed="rId2" cstate="print"/>
-          <a:srcRect/>
-          <a:stretch>
-            <a:fillRect/>
-          </a:stretch>
-        </p:blipFill>
-        <p:spPr bwMode="auto">
-          <a:xfrm>
-            <a:off x="228600" y="1219200"/>
-            <a:ext cx="1371600" cy="1371600"/>
-          </a:xfrm>
-          <a:prstGeom prst="rect">
-            <a:avLst/>
-          </a:prstGeom>
-          <a:noFill/>
-        </p:spPr>
-      </p:pic>
-      <p:pic>
-        <p:nvPicPr>
-          <p:cNvPr id="11" name="Picture 5" descr="C:\Users\carmi\Documents\universal_style_transfer\Report\Figures\st2_sq.jpg"/>
-          <p:cNvPicPr>
-            <a:picLocks noChangeAspect="1" noChangeArrowheads="1"/>
-          </p:cNvPicPr>
-          <p:nvPr/>
-        </p:nvPicPr>
-        <p:blipFill>
-          <a:blip r:embed="rId3" cstate="print"/>
-          <a:srcRect/>
-          <a:stretch>
-            <a:fillRect/>
-          </a:stretch>
-        </p:blipFill>
-        <p:spPr bwMode="auto">
-          <a:xfrm>
-            <a:off x="228598" y="2971800"/>
-            <a:ext cx="1371602" cy="1371602"/>
-          </a:xfrm>
-          <a:prstGeom prst="rect">
-            <a:avLst/>
-          </a:prstGeom>
-          <a:noFill/>
-        </p:spPr>
-      </p:pic>
-      <p:pic>
-        <p:nvPicPr>
           <p:cNvPr id="12" name="Picture 6" descr="C:\Users\carmi\Documents\universal_style_transfer\Report\Figures\bridge_sq.jpg"/>
-          <p:cNvPicPr>
-            <a:picLocks noChangeAspect="1" noChangeArrowheads="1"/>
-          </p:cNvPicPr>
-          <p:nvPr/>
-        </p:nvPicPr>
-        <p:blipFill>
-          <a:blip r:embed="rId4" cstate="print"/>
-          <a:srcRect/>
-          <a:stretch>
-            <a:fillRect/>
-          </a:stretch>
-        </p:blipFill>
-        <p:spPr bwMode="auto">
-          <a:xfrm>
-            <a:off x="228600" y="4572000"/>
-            <a:ext cx="1371600" cy="1371600"/>
-          </a:xfrm>
-          <a:prstGeom prst="rect">
-            <a:avLst/>
-          </a:prstGeom>
-          <a:noFill/>
-        </p:spPr>
-      </p:pic>
-      <p:pic>
-        <p:nvPicPr>
-          <p:cNvPr id="13" name="Picture 7"/>
           <p:cNvPicPr>
             <a:picLocks noChangeAspect="1" noChangeArrowheads="1"/>
           </p:cNvPicPr>
@@ -7770,54 +8306,15 @@
         </p:blipFill>
         <p:spPr bwMode="auto">
           <a:xfrm>
-            <a:off x="1867874" y="4572000"/>
-            <a:ext cx="1256326" cy="1676400"/>
+            <a:off x="228600" y="2971800"/>
+            <a:ext cx="1181099" cy="1181099"/>
           </a:xfrm>
           <a:prstGeom prst="rect">
             <a:avLst/>
           </a:prstGeom>
           <a:noFill/>
-          <a:ln w="9525">
-            <a:noFill/>
-            <a:miter lim="800000"/>
-            <a:headEnd/>
-            <a:tailEnd/>
-          </a:ln>
         </p:spPr>
       </p:pic>
-      <p:cxnSp>
-        <p:nvCxnSpPr>
-          <p:cNvPr id="14" name="Straight Arrow Connector 13"/>
-          <p:cNvCxnSpPr/>
-          <p:nvPr/>
-        </p:nvCxnSpPr>
-        <p:spPr>
-          <a:xfrm>
-            <a:off x="1524000" y="5334000"/>
-            <a:ext cx="381000" cy="0"/>
-          </a:xfrm>
-          <a:prstGeom prst="straightConnector1">
-            <a:avLst/>
-          </a:prstGeom>
-          <a:ln>
-            <a:tailEnd type="arrow"/>
-          </a:ln>
-        </p:spPr>
-        <p:style>
-          <a:lnRef idx="3">
-            <a:schemeClr val="dk1"/>
-          </a:lnRef>
-          <a:fillRef idx="0">
-            <a:schemeClr val="dk1"/>
-          </a:fillRef>
-          <a:effectRef idx="2">
-            <a:schemeClr val="dk1"/>
-          </a:effectRef>
-          <a:fontRef idx="minor">
-            <a:schemeClr val="tx1"/>
-          </a:fontRef>
-        </p:style>
-      </p:cxnSp>
       <p:sp>
         <p:nvSpPr>
           <p:cNvPr id="15" name="Right Arrow 14"/>
@@ -7826,7 +8323,7 @@
         </p:nvSpPr>
         <p:spPr>
           <a:xfrm>
-            <a:off x="3124200" y="5257800"/>
+            <a:off x="2819400" y="5257800"/>
             <a:ext cx="381000" cy="228600"/>
           </a:xfrm>
           <a:prstGeom prst="rightArrow">
@@ -7866,7 +8363,7 @@
         </p:nvSpPr>
         <p:spPr>
           <a:xfrm>
-            <a:off x="3124200" y="1676400"/>
+            <a:off x="2819400" y="1676400"/>
             <a:ext cx="381000" cy="228600"/>
           </a:xfrm>
           <a:prstGeom prst="rightArrow">
@@ -7906,7 +8403,7 @@
         </p:nvSpPr>
         <p:spPr>
           <a:xfrm>
-            <a:off x="3124200" y="3733800"/>
+            <a:off x="2819400" y="3733800"/>
             <a:ext cx="381000" cy="228600"/>
           </a:xfrm>
           <a:prstGeom prst="rightArrow">
@@ -7955,7 +8452,7 @@
         </p:blipFill>
         <p:spPr bwMode="auto">
           <a:xfrm>
-            <a:off x="2590800" y="4474308"/>
+            <a:off x="2286000" y="4474308"/>
             <a:ext cx="533400" cy="250092"/>
           </a:xfrm>
           <a:prstGeom prst="rect">
@@ -7978,7 +8475,7 @@
         </p:nvCxnSpPr>
         <p:spPr>
           <a:xfrm>
-            <a:off x="2514600" y="4267200"/>
+            <a:off x="2286000" y="4267200"/>
             <a:ext cx="0" cy="609600"/>
           </a:xfrm>
           <a:prstGeom prst="straightConnector1">
@@ -8031,7 +8528,7 @@
         </p:blipFill>
         <p:spPr bwMode="auto">
           <a:xfrm>
-            <a:off x="3657600" y="4876800"/>
+            <a:off x="3290887" y="3096321"/>
             <a:ext cx="1447800" cy="1260670"/>
           </a:xfrm>
           <a:prstGeom prst="rect">
@@ -8063,7 +8560,7 @@
         </p:blipFill>
         <p:spPr bwMode="auto">
           <a:xfrm>
-            <a:off x="5867400" y="2438400"/>
+            <a:off x="5486400" y="2438400"/>
             <a:ext cx="828674" cy="992074"/>
           </a:xfrm>
           <a:prstGeom prst="rect">
@@ -8095,7 +8592,7 @@
         </p:blipFill>
         <p:spPr bwMode="auto">
           <a:xfrm>
-            <a:off x="3533775" y="1295400"/>
+            <a:off x="3228975" y="1371600"/>
             <a:ext cx="1571625" cy="1343025"/>
           </a:xfrm>
           <a:prstGeom prst="rect">
@@ -8127,7 +8624,7 @@
         </p:blipFill>
         <p:spPr bwMode="auto">
           <a:xfrm>
-            <a:off x="3657600" y="3124200"/>
+            <a:off x="3276600" y="4738687"/>
             <a:ext cx="1476375" cy="1419225"/>
           </a:xfrm>
           <a:prstGeom prst="rect">
@@ -8189,7 +8686,7 @@
         </p:blipFill>
         <p:spPr bwMode="auto">
           <a:xfrm>
-            <a:off x="5876926" y="4267200"/>
+            <a:off x="5495926" y="4267200"/>
             <a:ext cx="828674" cy="992074"/>
           </a:xfrm>
           <a:prstGeom prst="rect">
@@ -8212,7 +8709,7 @@
         </p:nvSpPr>
         <p:spPr>
           <a:xfrm rot="16200000" flipV="1">
-            <a:off x="5486400" y="4724400"/>
+            <a:off x="5105400" y="4724400"/>
             <a:ext cx="457200" cy="1219200"/>
           </a:xfrm>
           <a:prstGeom prst="bentArrow">
@@ -8256,7 +8753,7 @@
         </p:nvSpPr>
         <p:spPr>
           <a:xfrm rot="16200000" flipH="1" flipV="1">
-            <a:off x="5524500" y="3543300"/>
+            <a:off x="5143500" y="3543300"/>
             <a:ext cx="381000" cy="1219200"/>
           </a:xfrm>
           <a:prstGeom prst="bentArrow">
@@ -8300,7 +8797,7 @@
         </p:nvSpPr>
         <p:spPr>
           <a:xfrm rot="16200000" flipV="1">
-            <a:off x="5486400" y="2971800"/>
+            <a:off x="5105400" y="2971800"/>
             <a:ext cx="457200" cy="1219200"/>
           </a:xfrm>
           <a:prstGeom prst="bentArrow">
@@ -8344,7 +8841,7 @@
         </p:nvSpPr>
         <p:spPr>
           <a:xfrm rot="16200000" flipH="1" flipV="1">
-            <a:off x="5524500" y="1714500"/>
+            <a:off x="5143500" y="1714500"/>
             <a:ext cx="381000" cy="1219200"/>
           </a:xfrm>
           <a:prstGeom prst="bentArrow">
@@ -8397,7 +8894,7 @@
         </p:blipFill>
         <p:spPr bwMode="auto">
           <a:xfrm>
-            <a:off x="7924800" y="3200400"/>
+            <a:off x="8113865" y="3248763"/>
             <a:ext cx="759130" cy="1514474"/>
           </a:xfrm>
           <a:prstGeom prst="rect">
@@ -8420,7 +8917,7 @@
         </p:nvSpPr>
         <p:spPr>
           <a:xfrm>
-            <a:off x="6705600" y="4191000"/>
+            <a:off x="6248400" y="4191000"/>
             <a:ext cx="304800" cy="533400"/>
           </a:xfrm>
           <a:prstGeom prst="bentUpArrow">
@@ -8460,7 +8957,7 @@
         </p:nvSpPr>
         <p:spPr>
           <a:xfrm flipV="1">
-            <a:off x="6705600" y="2895600"/>
+            <a:off x="6248400" y="2895600"/>
             <a:ext cx="304800" cy="533400"/>
           </a:xfrm>
           <a:prstGeom prst="bentUpArrow">
@@ -8492,38 +8989,6 @@
           </a:p>
         </p:txBody>
       </p:sp>
-      <p:pic>
-        <p:nvPicPr>
-          <p:cNvPr id="2051" name="Picture 3"/>
-          <p:cNvPicPr>
-            <a:picLocks noChangeAspect="1" noChangeArrowheads="1"/>
-          </p:cNvPicPr>
-          <p:nvPr/>
-        </p:nvPicPr>
-        <p:blipFill>
-          <a:blip r:embed="rId13" cstate="print"/>
-          <a:srcRect/>
-          <a:stretch>
-            <a:fillRect/>
-          </a:stretch>
-        </p:blipFill>
-        <p:spPr bwMode="auto">
-          <a:xfrm>
-            <a:off x="6400800" y="3581400"/>
-            <a:ext cx="1219200" cy="590550"/>
-          </a:xfrm>
-          <a:prstGeom prst="rect">
-            <a:avLst/>
-          </a:prstGeom>
-          <a:noFill/>
-          <a:ln w="9525">
-            <a:noFill/>
-            <a:miter lim="800000"/>
-            <a:headEnd/>
-            <a:tailEnd/>
-          </a:ln>
-        </p:spPr>
-      </p:pic>
       <p:sp>
         <p:nvSpPr>
           <p:cNvPr id="45" name="Right Arrow 44"/>
@@ -8532,7 +8997,7 @@
         </p:nvSpPr>
         <p:spPr>
           <a:xfrm>
-            <a:off x="7620000" y="3733800"/>
+            <a:off x="7772400" y="3777400"/>
             <a:ext cx="304800" cy="228600"/>
           </a:xfrm>
           <a:prstGeom prst="rightArrow">
@@ -8573,7 +9038,7 @@
           <p:nvPr/>
         </p:nvPicPr>
         <p:blipFill>
-          <a:blip r:embed="rId14" cstate="print"/>
+          <a:blip r:embed="rId13" cstate="print"/>
           <a:srcRect/>
           <a:stretch>
             <a:fillRect/>
@@ -8598,8 +9063,8 @@
         </p:nvSpPr>
         <p:spPr>
           <a:xfrm rot="16200000">
-            <a:off x="8077200" y="2971800"/>
-            <a:ext cx="381000" cy="228600"/>
+            <a:off x="8233041" y="2953119"/>
+            <a:ext cx="496037" cy="228600"/>
           </a:xfrm>
           <a:prstGeom prst="rightArrow">
             <a:avLst/>
@@ -8630,11 +9095,935 @@
           </a:p>
         </p:txBody>
       </p:sp>
+      <p:sp>
+        <p:nvSpPr>
+          <p:cNvPr id="2" name="TextBox 1"/>
+          <p:cNvSpPr txBox="1"/>
+          <p:nvPr/>
+        </p:nvSpPr>
+        <p:spPr>
+          <a:xfrm>
+            <a:off x="146470" y="4114800"/>
+            <a:ext cx="1072730" cy="369332"/>
+          </a:xfrm>
+          <a:prstGeom prst="rect">
+            <a:avLst/>
+          </a:prstGeom>
+          <a:noFill/>
+        </p:spPr>
+        <p:txBody>
+          <a:bodyPr wrap="none" rtlCol="0">
+            <a:spAutoFit/>
+          </a:bodyPr>
+          <a:lstStyle/>
+          <a:p>
+            <a:r>
+              <a:rPr lang="en-GB" dirty="0" smtClean="0"/>
+              <a:t>Content</a:t>
+            </a:r>
+            <a:endParaRPr lang="en-GB" dirty="0"/>
+          </a:p>
+        </p:txBody>
+      </p:sp>
+      <p:sp>
+        <p:nvSpPr>
+          <p:cNvPr id="22" name="TextBox 21"/>
+          <p:cNvSpPr txBox="1"/>
+          <p:nvPr/>
+        </p:nvSpPr>
+        <p:spPr>
+          <a:xfrm>
+            <a:off x="175937" y="2373868"/>
+            <a:ext cx="857927" cy="369332"/>
+          </a:xfrm>
+          <a:prstGeom prst="rect">
+            <a:avLst/>
+          </a:prstGeom>
+          <a:noFill/>
+        </p:spPr>
+        <p:txBody>
+          <a:bodyPr wrap="none" rtlCol="0">
+            <a:spAutoFit/>
+          </a:bodyPr>
+          <a:lstStyle/>
+          <a:p>
+            <a:r>
+              <a:rPr lang="en-GB" dirty="0" smtClean="0"/>
+              <a:t>Style1</a:t>
+            </a:r>
+            <a:endParaRPr lang="en-GB" dirty="0"/>
+          </a:p>
+        </p:txBody>
+      </p:sp>
+      <p:sp>
+        <p:nvSpPr>
+          <p:cNvPr id="38" name="TextBox 37"/>
+          <p:cNvSpPr txBox="1"/>
+          <p:nvPr/>
+        </p:nvSpPr>
+        <p:spPr>
+          <a:xfrm>
+            <a:off x="175937" y="5715000"/>
+            <a:ext cx="857927" cy="369332"/>
+          </a:xfrm>
+          <a:prstGeom prst="rect">
+            <a:avLst/>
+          </a:prstGeom>
+          <a:noFill/>
+        </p:spPr>
+        <p:txBody>
+          <a:bodyPr wrap="none" rtlCol="0">
+            <a:spAutoFit/>
+          </a:bodyPr>
+          <a:lstStyle/>
+          <a:p>
+            <a:r>
+              <a:rPr lang="en-GB" dirty="0" smtClean="0"/>
+              <a:t>Style2</a:t>
+            </a:r>
+            <a:endParaRPr lang="en-GB" dirty="0"/>
+          </a:p>
+        </p:txBody>
+      </p:sp>
+      <mc:AlternateContent xmlns:mc="http://schemas.openxmlformats.org/markup-compatibility/2006">
+        <mc:Choice xmlns:a14="http://schemas.microsoft.com/office/drawing/2010/main" Requires="a14">
+          <p:sp>
+            <p:nvSpPr>
+              <p:cNvPr id="24" name="TextBox 23"/>
+              <p:cNvSpPr txBox="1"/>
+              <p:nvPr/>
+            </p:nvSpPr>
+            <p:spPr>
+              <a:xfrm>
+                <a:off x="6233160" y="2502479"/>
+                <a:ext cx="604524" cy="393121"/>
+              </a:xfrm>
+              <a:prstGeom prst="rect">
+                <a:avLst/>
+              </a:prstGeom>
+              <a:noFill/>
+            </p:spPr>
+            <p:txBody>
+              <a:bodyPr wrap="none" rtlCol="0">
+                <a:spAutoFit/>
+              </a:bodyPr>
+              <a:lstStyle/>
+              <a:p>
+                <a:pPr/>
+                <a14:m>
+                  <m:oMathPara xmlns:m="http://schemas.openxmlformats.org/officeDocument/2006/math">
+                    <m:oMathParaPr>
+                      <m:jc m:val="centerGroup"/>
+                    </m:oMathParaPr>
+                    <m:oMath xmlns:m="http://schemas.openxmlformats.org/officeDocument/2006/math">
+                      <m:sSub>
+                        <m:sSubPr>
+                          <m:ctrlPr>
+                            <a:rPr lang="en-GB" b="0" i="1" smtClean="0">
+                              <a:latin typeface="Cambria Math"/>
+                            </a:rPr>
+                          </m:ctrlPr>
+                        </m:sSubPr>
+                        <m:e>
+                          <m:r>
+                            <a:rPr lang="en-GB" b="0" i="1" smtClean="0">
+                              <a:latin typeface="Cambria Math"/>
+                            </a:rPr>
+                            <m:t>𝑓</m:t>
+                          </m:r>
+                        </m:e>
+                        <m:sub>
+                          <m:r>
+                            <a:rPr lang="en-GB" b="0" i="1" smtClean="0">
+                              <a:latin typeface="Cambria Math"/>
+                            </a:rPr>
+                            <m:t>𝑐</m:t>
+                          </m:r>
+                          <m:sSub>
+                            <m:sSubPr>
+                              <m:ctrlPr>
+                                <a:rPr lang="en-GB" b="0" i="1" smtClean="0">
+                                  <a:latin typeface="Cambria Math"/>
+                                </a:rPr>
+                              </m:ctrlPr>
+                            </m:sSubPr>
+                            <m:e>
+                              <m:r>
+                                <a:rPr lang="en-GB" b="0" i="1" smtClean="0">
+                                  <a:latin typeface="Cambria Math"/>
+                                </a:rPr>
+                                <m:t>𝑠</m:t>
+                              </m:r>
+                            </m:e>
+                            <m:sub>
+                              <m:r>
+                                <a:rPr lang="en-GB" b="0" i="1" smtClean="0">
+                                  <a:latin typeface="Cambria Math"/>
+                                </a:rPr>
+                                <m:t>1</m:t>
+                              </m:r>
+                            </m:sub>
+                          </m:sSub>
+                        </m:sub>
+                      </m:sSub>
+                    </m:oMath>
+                  </m:oMathPara>
+                </a14:m>
+                <a:endParaRPr lang="en-GB" dirty="0"/>
+              </a:p>
+            </p:txBody>
+          </p:sp>
+        </mc:Choice>
+        <mc:Fallback>
+          <p:sp>
+            <p:nvSpPr>
+              <p:cNvPr id="24" name="TextBox 23"/>
+              <p:cNvSpPr txBox="1">
+                <a:spLocks noRot="1" noChangeAspect="1" noMove="1" noResize="1" noEditPoints="1" noAdjustHandles="1" noChangeArrowheads="1" noChangeShapeType="1" noTextEdit="1"/>
+              </p:cNvSpPr>
+              <p:nvPr/>
+            </p:nvSpPr>
+            <p:spPr>
+              <a:xfrm>
+                <a:off x="6233160" y="2502479"/>
+                <a:ext cx="604524" cy="393121"/>
+              </a:xfrm>
+              <a:prstGeom prst="rect">
+                <a:avLst/>
+              </a:prstGeom>
+              <a:blipFill rotWithShape="1">
+                <a:blip r:embed="rId14"/>
+                <a:stretch>
+                  <a:fillRect b="-7813"/>
+                </a:stretch>
+              </a:blipFill>
+            </p:spPr>
+            <p:txBody>
+              <a:bodyPr/>
+              <a:lstStyle/>
+              <a:p>
+                <a:r>
+                  <a:rPr lang="en-GB">
+                    <a:noFill/>
+                  </a:rPr>
+                  <a:t> </a:t>
+                </a:r>
+              </a:p>
+            </p:txBody>
+          </p:sp>
+        </mc:Fallback>
+      </mc:AlternateContent>
+      <mc:AlternateContent xmlns:mc="http://schemas.openxmlformats.org/markup-compatibility/2006">
+        <mc:Choice xmlns:a14="http://schemas.microsoft.com/office/drawing/2010/main" Requires="a14">
+          <p:sp>
+            <p:nvSpPr>
+              <p:cNvPr id="40" name="TextBox 39"/>
+              <p:cNvSpPr txBox="1"/>
+              <p:nvPr/>
+            </p:nvSpPr>
+            <p:spPr>
+              <a:xfrm>
+                <a:off x="6225540" y="4725613"/>
+                <a:ext cx="604524" cy="393121"/>
+              </a:xfrm>
+              <a:prstGeom prst="rect">
+                <a:avLst/>
+              </a:prstGeom>
+              <a:noFill/>
+            </p:spPr>
+            <p:txBody>
+              <a:bodyPr wrap="none" rtlCol="0">
+                <a:spAutoFit/>
+              </a:bodyPr>
+              <a:lstStyle/>
+              <a:p>
+                <a:pPr/>
+                <a14:m>
+                  <m:oMathPara xmlns:m="http://schemas.openxmlformats.org/officeDocument/2006/math">
+                    <m:oMathParaPr>
+                      <m:jc m:val="centerGroup"/>
+                    </m:oMathParaPr>
+                    <m:oMath xmlns:m="http://schemas.openxmlformats.org/officeDocument/2006/math">
+                      <m:sSub>
+                        <m:sSubPr>
+                          <m:ctrlPr>
+                            <a:rPr lang="en-GB" b="0" i="1" smtClean="0">
+                              <a:latin typeface="Cambria Math"/>
+                            </a:rPr>
+                          </m:ctrlPr>
+                        </m:sSubPr>
+                        <m:e>
+                          <m:r>
+                            <a:rPr lang="en-GB" b="0" i="1" smtClean="0">
+                              <a:latin typeface="Cambria Math"/>
+                            </a:rPr>
+                            <m:t>𝑓</m:t>
+                          </m:r>
+                        </m:e>
+                        <m:sub>
+                          <m:r>
+                            <a:rPr lang="en-GB" b="0" i="1" smtClean="0">
+                              <a:latin typeface="Cambria Math"/>
+                            </a:rPr>
+                            <m:t>𝑐</m:t>
+                          </m:r>
+                          <m:sSub>
+                            <m:sSubPr>
+                              <m:ctrlPr>
+                                <a:rPr lang="en-GB" b="0" i="1" smtClean="0">
+                                  <a:latin typeface="Cambria Math"/>
+                                </a:rPr>
+                              </m:ctrlPr>
+                            </m:sSubPr>
+                            <m:e>
+                              <m:r>
+                                <a:rPr lang="en-GB" b="0" i="1" smtClean="0">
+                                  <a:latin typeface="Cambria Math"/>
+                                </a:rPr>
+                                <m:t>𝑠</m:t>
+                              </m:r>
+                            </m:e>
+                            <m:sub>
+                              <m:r>
+                                <a:rPr lang="en-GB" b="0" i="1" smtClean="0">
+                                  <a:latin typeface="Cambria Math"/>
+                                </a:rPr>
+                                <m:t>2</m:t>
+                              </m:r>
+                            </m:sub>
+                          </m:sSub>
+                        </m:sub>
+                      </m:sSub>
+                    </m:oMath>
+                  </m:oMathPara>
+                </a14:m>
+                <a:endParaRPr lang="en-GB" dirty="0"/>
+              </a:p>
+            </p:txBody>
+          </p:sp>
+        </mc:Choice>
+        <mc:Fallback>
+          <p:sp>
+            <p:nvSpPr>
+              <p:cNvPr id="40" name="TextBox 39"/>
+              <p:cNvSpPr txBox="1">
+                <a:spLocks noRot="1" noChangeAspect="1" noMove="1" noResize="1" noEditPoints="1" noAdjustHandles="1" noChangeArrowheads="1" noChangeShapeType="1" noTextEdit="1"/>
+              </p:cNvSpPr>
+              <p:nvPr/>
+            </p:nvSpPr>
+            <p:spPr>
+              <a:xfrm>
+                <a:off x="6225540" y="4725613"/>
+                <a:ext cx="604524" cy="393121"/>
+              </a:xfrm>
+              <a:prstGeom prst="rect">
+                <a:avLst/>
+              </a:prstGeom>
+              <a:blipFill rotWithShape="1">
+                <a:blip r:embed="rId15"/>
+                <a:stretch>
+                  <a:fillRect b="-6154"/>
+                </a:stretch>
+              </a:blipFill>
+            </p:spPr>
+            <p:txBody>
+              <a:bodyPr/>
+              <a:lstStyle/>
+              <a:p>
+                <a:r>
+                  <a:rPr lang="en-GB">
+                    <a:noFill/>
+                  </a:rPr>
+                  <a:t> </a:t>
+                </a:r>
+              </a:p>
+            </p:txBody>
+          </p:sp>
+        </mc:Fallback>
+      </mc:AlternateContent>
+      <mc:AlternateContent xmlns:mc="http://schemas.openxmlformats.org/markup-compatibility/2006" xmlns:a14="http://schemas.microsoft.com/office/drawing/2010/main">
+        <mc:Choice Requires="a14">
+          <p:sp>
+            <p:nvSpPr>
+              <p:cNvPr id="41" name="TextBox 40"/>
+              <p:cNvSpPr txBox="1"/>
+              <p:nvPr/>
+            </p:nvSpPr>
+            <p:spPr>
+              <a:xfrm>
+                <a:off x="4693920" y="1479839"/>
+                <a:ext cx="514243" cy="393121"/>
+              </a:xfrm>
+              <a:prstGeom prst="rect">
+                <a:avLst/>
+              </a:prstGeom>
+              <a:noFill/>
+            </p:spPr>
+            <p:txBody>
+              <a:bodyPr wrap="none" rtlCol="0">
+                <a:spAutoFit/>
+              </a:bodyPr>
+              <a:lstStyle/>
+              <a:p>
+                <a:pPr/>
+                <a14:m>
+                  <m:oMathPara xmlns:m="http://schemas.openxmlformats.org/officeDocument/2006/math">
+                    <m:oMathParaPr>
+                      <m:jc m:val="centerGroup"/>
+                    </m:oMathParaPr>
+                    <m:oMath xmlns:m="http://schemas.openxmlformats.org/officeDocument/2006/math">
+                      <m:sSub>
+                        <m:sSubPr>
+                          <m:ctrlPr>
+                            <a:rPr lang="en-GB" b="0" i="1" smtClean="0">
+                              <a:latin typeface="Cambria Math"/>
+                            </a:rPr>
+                          </m:ctrlPr>
+                        </m:sSubPr>
+                        <m:e>
+                          <m:r>
+                            <a:rPr lang="en-GB" b="0" i="1" smtClean="0">
+                              <a:latin typeface="Cambria Math"/>
+                            </a:rPr>
+                            <m:t>𝑓</m:t>
+                          </m:r>
+                        </m:e>
+                        <m:sub>
+                          <m:sSub>
+                            <m:sSubPr>
+                              <m:ctrlPr>
+                                <a:rPr lang="en-GB" b="0" i="1" smtClean="0">
+                                  <a:latin typeface="Cambria Math"/>
+                                </a:rPr>
+                              </m:ctrlPr>
+                            </m:sSubPr>
+                            <m:e>
+                              <m:r>
+                                <a:rPr lang="en-GB" b="0" i="1" smtClean="0">
+                                  <a:latin typeface="Cambria Math"/>
+                                </a:rPr>
+                                <m:t>𝑠</m:t>
+                              </m:r>
+                            </m:e>
+                            <m:sub>
+                              <m:r>
+                                <a:rPr lang="en-GB" b="0" i="1" smtClean="0">
+                                  <a:latin typeface="Cambria Math"/>
+                                </a:rPr>
+                                <m:t>1</m:t>
+                              </m:r>
+                            </m:sub>
+                          </m:sSub>
+                        </m:sub>
+                      </m:sSub>
+                    </m:oMath>
+                  </m:oMathPara>
+                </a14:m>
+                <a:endParaRPr lang="en-GB" dirty="0"/>
+              </a:p>
+            </p:txBody>
+          </p:sp>
+        </mc:Choice>
+        <mc:Fallback xmlns="">
+          <p:sp>
+            <p:nvSpPr>
+              <p:cNvPr id="41" name="TextBox 40"/>
+              <p:cNvSpPr txBox="1">
+                <a:spLocks noRot="1" noChangeAspect="1" noMove="1" noResize="1" noEditPoints="1" noAdjustHandles="1" noChangeArrowheads="1" noChangeShapeType="1" noTextEdit="1"/>
+              </p:cNvSpPr>
+              <p:nvPr/>
+            </p:nvSpPr>
+            <p:spPr>
+              <a:xfrm>
+                <a:off x="4693920" y="1479839"/>
+                <a:ext cx="514243" cy="393121"/>
+              </a:xfrm>
+              <a:prstGeom prst="rect">
+                <a:avLst/>
+              </a:prstGeom>
+              <a:blipFill rotWithShape="1">
+                <a:blip r:embed="rId17"/>
+                <a:stretch>
+                  <a:fillRect b="-7813"/>
+                </a:stretch>
+              </a:blipFill>
+            </p:spPr>
+            <p:txBody>
+              <a:bodyPr/>
+              <a:lstStyle/>
+              <a:p>
+                <a:r>
+                  <a:rPr lang="en-GB">
+                    <a:noFill/>
+                  </a:rPr>
+                  <a:t> </a:t>
+                </a:r>
+              </a:p>
+            </p:txBody>
+          </p:sp>
+        </mc:Fallback>
+      </mc:AlternateContent>
+      <mc:AlternateContent xmlns:mc="http://schemas.openxmlformats.org/markup-compatibility/2006" xmlns:a14="http://schemas.microsoft.com/office/drawing/2010/main">
+        <mc:Choice Requires="a14">
+          <p:sp>
+            <p:nvSpPr>
+              <p:cNvPr id="44" name="TextBox 43"/>
+              <p:cNvSpPr txBox="1"/>
+              <p:nvPr/>
+            </p:nvSpPr>
+            <p:spPr>
+              <a:xfrm>
+                <a:off x="4693919" y="4972918"/>
+                <a:ext cx="514243" cy="393121"/>
+              </a:xfrm>
+              <a:prstGeom prst="rect">
+                <a:avLst/>
+              </a:prstGeom>
+              <a:noFill/>
+            </p:spPr>
+            <p:txBody>
+              <a:bodyPr wrap="none" rtlCol="0">
+                <a:spAutoFit/>
+              </a:bodyPr>
+              <a:lstStyle/>
+              <a:p>
+                <a:pPr/>
+                <a14:m>
+                  <m:oMathPara xmlns:m="http://schemas.openxmlformats.org/officeDocument/2006/math">
+                    <m:oMathParaPr>
+                      <m:jc m:val="centerGroup"/>
+                    </m:oMathParaPr>
+                    <m:oMath xmlns:m="http://schemas.openxmlformats.org/officeDocument/2006/math">
+                      <m:sSub>
+                        <m:sSubPr>
+                          <m:ctrlPr>
+                            <a:rPr lang="en-GB" b="0" i="1" smtClean="0">
+                              <a:latin typeface="Cambria Math"/>
+                            </a:rPr>
+                          </m:ctrlPr>
+                        </m:sSubPr>
+                        <m:e>
+                          <m:r>
+                            <a:rPr lang="en-GB" b="0" i="1" smtClean="0">
+                              <a:latin typeface="Cambria Math"/>
+                            </a:rPr>
+                            <m:t>𝑓</m:t>
+                          </m:r>
+                        </m:e>
+                        <m:sub>
+                          <m:sSub>
+                            <m:sSubPr>
+                              <m:ctrlPr>
+                                <a:rPr lang="en-GB" b="0" i="1" smtClean="0">
+                                  <a:latin typeface="Cambria Math"/>
+                                </a:rPr>
+                              </m:ctrlPr>
+                            </m:sSubPr>
+                            <m:e>
+                              <m:r>
+                                <a:rPr lang="en-GB" b="0" i="1" smtClean="0">
+                                  <a:latin typeface="Cambria Math"/>
+                                </a:rPr>
+                                <m:t>𝑠</m:t>
+                              </m:r>
+                            </m:e>
+                            <m:sub>
+                              <m:r>
+                                <a:rPr lang="en-GB" b="0" i="1" smtClean="0">
+                                  <a:latin typeface="Cambria Math"/>
+                                </a:rPr>
+                                <m:t>2</m:t>
+                              </m:r>
+                            </m:sub>
+                          </m:sSub>
+                        </m:sub>
+                      </m:sSub>
+                    </m:oMath>
+                  </m:oMathPara>
+                </a14:m>
+                <a:endParaRPr lang="en-GB" dirty="0"/>
+              </a:p>
+            </p:txBody>
+          </p:sp>
+        </mc:Choice>
+        <mc:Fallback xmlns="">
+          <p:sp>
+            <p:nvSpPr>
+              <p:cNvPr id="44" name="TextBox 43"/>
+              <p:cNvSpPr txBox="1">
+                <a:spLocks noRot="1" noChangeAspect="1" noMove="1" noResize="1" noEditPoints="1" noAdjustHandles="1" noChangeArrowheads="1" noChangeShapeType="1" noTextEdit="1"/>
+              </p:cNvSpPr>
+              <p:nvPr/>
+            </p:nvSpPr>
+            <p:spPr>
+              <a:xfrm>
+                <a:off x="4693919" y="4972918"/>
+                <a:ext cx="514243" cy="393121"/>
+              </a:xfrm>
+              <a:prstGeom prst="rect">
+                <a:avLst/>
+              </a:prstGeom>
+              <a:blipFill rotWithShape="1">
+                <a:blip r:embed="rId18"/>
+                <a:stretch>
+                  <a:fillRect b="-7813"/>
+                </a:stretch>
+              </a:blipFill>
+            </p:spPr>
+            <p:txBody>
+              <a:bodyPr/>
+              <a:lstStyle/>
+              <a:p>
+                <a:r>
+                  <a:rPr lang="en-GB">
+                    <a:noFill/>
+                  </a:rPr>
+                  <a:t> </a:t>
+                </a:r>
+              </a:p>
+            </p:txBody>
+          </p:sp>
+        </mc:Fallback>
+      </mc:AlternateContent>
+      <mc:AlternateContent xmlns:mc="http://schemas.openxmlformats.org/markup-compatibility/2006">
+        <mc:Choice xmlns:a14="http://schemas.microsoft.com/office/drawing/2010/main" Requires="a14">
+          <p:sp>
+            <p:nvSpPr>
+              <p:cNvPr id="46" name="TextBox 45"/>
+              <p:cNvSpPr txBox="1"/>
+              <p:nvPr/>
+            </p:nvSpPr>
+            <p:spPr>
+              <a:xfrm>
+                <a:off x="4693919" y="3144118"/>
+                <a:ext cx="439799" cy="369332"/>
+              </a:xfrm>
+              <a:prstGeom prst="rect">
+                <a:avLst/>
+              </a:prstGeom>
+              <a:noFill/>
+            </p:spPr>
+            <p:txBody>
+              <a:bodyPr wrap="none" rtlCol="0">
+                <a:spAutoFit/>
+              </a:bodyPr>
+              <a:lstStyle/>
+              <a:p>
+                <a:pPr/>
+                <a14:m>
+                  <m:oMathPara xmlns:m="http://schemas.openxmlformats.org/officeDocument/2006/math">
+                    <m:oMathParaPr>
+                      <m:jc m:val="centerGroup"/>
+                    </m:oMathParaPr>
+                    <m:oMath xmlns:m="http://schemas.openxmlformats.org/officeDocument/2006/math">
+                      <m:sSub>
+                        <m:sSubPr>
+                          <m:ctrlPr>
+                            <a:rPr lang="en-GB" b="0" i="1" smtClean="0">
+                              <a:latin typeface="Cambria Math"/>
+                            </a:rPr>
+                          </m:ctrlPr>
+                        </m:sSubPr>
+                        <m:e>
+                          <m:r>
+                            <a:rPr lang="en-GB" b="0" i="1" smtClean="0">
+                              <a:latin typeface="Cambria Math"/>
+                            </a:rPr>
+                            <m:t>𝑓</m:t>
+                          </m:r>
+                        </m:e>
+                        <m:sub>
+                          <m:r>
+                            <a:rPr lang="en-GB" b="0" i="1" smtClean="0">
+                              <a:latin typeface="Cambria Math"/>
+                            </a:rPr>
+                            <m:t>𝑐</m:t>
+                          </m:r>
+                        </m:sub>
+                      </m:sSub>
+                    </m:oMath>
+                  </m:oMathPara>
+                </a14:m>
+                <a:endParaRPr lang="en-GB" dirty="0"/>
+              </a:p>
+            </p:txBody>
+          </p:sp>
+        </mc:Choice>
+        <mc:Fallback>
+          <p:sp>
+            <p:nvSpPr>
+              <p:cNvPr id="46" name="TextBox 45"/>
+              <p:cNvSpPr txBox="1">
+                <a:spLocks noRot="1" noChangeAspect="1" noMove="1" noResize="1" noEditPoints="1" noAdjustHandles="1" noChangeArrowheads="1" noChangeShapeType="1" noTextEdit="1"/>
+              </p:cNvSpPr>
+              <p:nvPr/>
+            </p:nvSpPr>
+            <p:spPr>
+              <a:xfrm>
+                <a:off x="4693919" y="3144118"/>
+                <a:ext cx="439799" cy="369332"/>
+              </a:xfrm>
+              <a:prstGeom prst="rect">
+                <a:avLst/>
+              </a:prstGeom>
+              <a:blipFill rotWithShape="1">
+                <a:blip r:embed="rId19"/>
+                <a:stretch>
+                  <a:fillRect b="-10000"/>
+                </a:stretch>
+              </a:blipFill>
+            </p:spPr>
+            <p:txBody>
+              <a:bodyPr/>
+              <a:lstStyle/>
+              <a:p>
+                <a:r>
+                  <a:rPr lang="en-GB">
+                    <a:noFill/>
+                  </a:rPr>
+                  <a:t> </a:t>
+                </a:r>
+              </a:p>
+            </p:txBody>
+          </p:sp>
+        </mc:Fallback>
+      </mc:AlternateContent>
+      <mc:AlternateContent xmlns:mc="http://schemas.openxmlformats.org/markup-compatibility/2006">
+        <mc:Choice xmlns:a14="http://schemas.microsoft.com/office/drawing/2010/main" Requires="a14">
+          <p:sp>
+            <p:nvSpPr>
+              <p:cNvPr id="6" name="TextBox 5"/>
+              <p:cNvSpPr txBox="1"/>
+              <p:nvPr/>
+            </p:nvSpPr>
+            <p:spPr>
+              <a:xfrm>
+                <a:off x="6127111" y="3733800"/>
+                <a:ext cx="1668149" cy="292901"/>
+              </a:xfrm>
+              <a:prstGeom prst="rect">
+                <a:avLst/>
+              </a:prstGeom>
+              <a:noFill/>
+            </p:spPr>
+            <p:txBody>
+              <a:bodyPr wrap="none" rtlCol="0">
+                <a:spAutoFit/>
+              </a:bodyPr>
+              <a:lstStyle/>
+              <a:p>
+                <a14:m>
+                  <m:oMathPara xmlns:m="http://schemas.openxmlformats.org/officeDocument/2006/math">
+                    <m:oMathParaPr>
+                      <m:jc m:val="centerGroup"/>
+                    </m:oMathParaPr>
+                    <m:oMath xmlns:m="http://schemas.openxmlformats.org/officeDocument/2006/math">
+                      <m:r>
+                        <a:rPr lang="en-GB" sz="1200" b="1" i="1" smtClean="0">
+                          <a:latin typeface="Cambria Math"/>
+                        </a:rPr>
+                        <m:t>𝜷</m:t>
+                      </m:r>
+                      <m:r>
+                        <a:rPr lang="en-GB" sz="1200" b="1" i="1" smtClean="0">
+                          <a:latin typeface="Cambria Math"/>
+                        </a:rPr>
+                        <m:t>⋅</m:t>
+                      </m:r>
+                      <m:sSub>
+                        <m:sSubPr>
+                          <m:ctrlPr>
+                            <a:rPr lang="en-GB" sz="1200" b="1" i="1" smtClean="0">
+                              <a:latin typeface="Cambria Math"/>
+                            </a:rPr>
+                          </m:ctrlPr>
+                        </m:sSubPr>
+                        <m:e>
+                          <m:r>
+                            <a:rPr lang="en-GB" sz="1200" b="1" i="1" smtClean="0">
+                              <a:latin typeface="Cambria Math"/>
+                            </a:rPr>
+                            <m:t>𝒇</m:t>
+                          </m:r>
+                        </m:e>
+                        <m:sub>
+                          <m:r>
+                            <a:rPr lang="en-GB" sz="1200" b="1" i="1" smtClean="0">
+                              <a:latin typeface="Cambria Math"/>
+                            </a:rPr>
+                            <m:t>𝒄</m:t>
+                          </m:r>
+                          <m:sSub>
+                            <m:sSubPr>
+                              <m:ctrlPr>
+                                <a:rPr lang="en-GB" sz="1200" b="1" i="1" smtClean="0">
+                                  <a:latin typeface="Cambria Math"/>
+                                </a:rPr>
+                              </m:ctrlPr>
+                            </m:sSubPr>
+                            <m:e>
+                              <m:r>
+                                <a:rPr lang="en-GB" sz="1200" b="1" i="1" smtClean="0">
+                                  <a:latin typeface="Cambria Math"/>
+                                </a:rPr>
+                                <m:t>𝒔</m:t>
+                              </m:r>
+                            </m:e>
+                            <m:sub>
+                              <m:r>
+                                <a:rPr lang="en-GB" sz="1200" b="1" i="1" smtClean="0">
+                                  <a:latin typeface="Cambria Math"/>
+                                </a:rPr>
+                                <m:t>𝟏</m:t>
+                              </m:r>
+                            </m:sub>
+                          </m:sSub>
+                        </m:sub>
+                      </m:sSub>
+                      <m:r>
+                        <a:rPr lang="en-GB" sz="1200" b="1" i="1" smtClean="0">
+                          <a:latin typeface="Cambria Math"/>
+                        </a:rPr>
+                        <m:t>+</m:t>
+                      </m:r>
+                      <m:d>
+                        <m:dPr>
+                          <m:ctrlPr>
+                            <a:rPr lang="en-GB" sz="1200" b="1" i="1" smtClean="0">
+                              <a:latin typeface="Cambria Math"/>
+                            </a:rPr>
+                          </m:ctrlPr>
+                        </m:dPr>
+                        <m:e>
+                          <m:r>
+                            <a:rPr lang="en-GB" sz="1200" b="1" i="1" smtClean="0">
+                              <a:latin typeface="Cambria Math"/>
+                            </a:rPr>
+                            <m:t>𝟏</m:t>
+                          </m:r>
+                          <m:r>
+                            <a:rPr lang="en-GB" sz="1200" b="1" i="1" smtClean="0">
+                              <a:latin typeface="Cambria Math"/>
+                            </a:rPr>
+                            <m:t>−</m:t>
+                          </m:r>
+                          <m:r>
+                            <a:rPr lang="en-GB" sz="1200" b="1" i="1" smtClean="0">
+                              <a:latin typeface="Cambria Math"/>
+                            </a:rPr>
+                            <m:t>𝜷</m:t>
+                          </m:r>
+                        </m:e>
+                      </m:d>
+                      <m:sSub>
+                        <m:sSubPr>
+                          <m:ctrlPr>
+                            <a:rPr lang="en-GB" sz="1200" b="1" i="1" smtClean="0">
+                              <a:latin typeface="Cambria Math"/>
+                            </a:rPr>
+                          </m:ctrlPr>
+                        </m:sSubPr>
+                        <m:e>
+                          <m:r>
+                            <a:rPr lang="en-GB" sz="1200" b="1" i="1" smtClean="0">
+                              <a:latin typeface="Cambria Math"/>
+                            </a:rPr>
+                            <m:t>𝒇</m:t>
+                          </m:r>
+                        </m:e>
+                        <m:sub>
+                          <m:r>
+                            <a:rPr lang="en-GB" sz="1200" b="1" i="1" smtClean="0">
+                              <a:latin typeface="Cambria Math"/>
+                            </a:rPr>
+                            <m:t>𝒄</m:t>
+                          </m:r>
+                          <m:sSub>
+                            <m:sSubPr>
+                              <m:ctrlPr>
+                                <a:rPr lang="en-GB" sz="1200" b="1" i="1" smtClean="0">
+                                  <a:latin typeface="Cambria Math"/>
+                                </a:rPr>
+                              </m:ctrlPr>
+                            </m:sSubPr>
+                            <m:e>
+                              <m:r>
+                                <a:rPr lang="en-GB" sz="1200" b="1" i="1" smtClean="0">
+                                  <a:latin typeface="Cambria Math"/>
+                                </a:rPr>
+                                <m:t>𝒔</m:t>
+                              </m:r>
+                            </m:e>
+                            <m:sub>
+                              <m:r>
+                                <a:rPr lang="en-GB" sz="1200" b="1" i="1" smtClean="0">
+                                  <a:latin typeface="Cambria Math"/>
+                                </a:rPr>
+                                <m:t>𝟐</m:t>
+                              </m:r>
+                            </m:sub>
+                          </m:sSub>
+                        </m:sub>
+                      </m:sSub>
+                    </m:oMath>
+                  </m:oMathPara>
+                </a14:m>
+                <a:endParaRPr lang="en-GB" sz="1200" b="1" dirty="0"/>
+              </a:p>
+            </p:txBody>
+          </p:sp>
+        </mc:Choice>
+        <mc:Fallback>
+          <p:sp>
+            <p:nvSpPr>
+              <p:cNvPr id="6" name="TextBox 5"/>
+              <p:cNvSpPr txBox="1">
+                <a:spLocks noRot="1" noChangeAspect="1" noMove="1" noResize="1" noEditPoints="1" noAdjustHandles="1" noChangeArrowheads="1" noChangeShapeType="1" noTextEdit="1"/>
+              </p:cNvSpPr>
+              <p:nvPr/>
+            </p:nvSpPr>
+            <p:spPr>
+              <a:xfrm>
+                <a:off x="6127111" y="3733800"/>
+                <a:ext cx="1668149" cy="292901"/>
+              </a:xfrm>
+              <a:prstGeom prst="rect">
+                <a:avLst/>
+              </a:prstGeom>
+              <a:blipFill rotWithShape="1">
+                <a:blip r:embed="rId20"/>
+                <a:stretch>
+                  <a:fillRect/>
+                </a:stretch>
+              </a:blipFill>
+            </p:spPr>
+            <p:txBody>
+              <a:bodyPr/>
+              <a:lstStyle/>
+              <a:p>
+                <a:r>
+                  <a:rPr lang="en-GB">
+                    <a:noFill/>
+                  </a:rPr>
+                  <a:t> </a:t>
+                </a:r>
+              </a:p>
+            </p:txBody>
+          </p:sp>
+        </mc:Fallback>
+      </mc:AlternateContent>
     </p:spTree>
   </p:cSld>
   <p:clrMapOvr>
     <a:masterClrMapping/>
   </p:clrMapOvr>
+  <p:timing>
+    <p:tnLst>
+      <p:par>
+        <p:cTn id="1" dur="indefinite" restart="never" nodeType="tmRoot"/>
+      </p:par>
+    </p:tnLst>
+  </p:timing>
 </p:sld>
 </file>
 
@@ -8657,7 +10046,7 @@
       </p:grpSpPr>
       <p:pic>
         <p:nvPicPr>
-          <p:cNvPr id="66" name="Picture 7"/>
+          <p:cNvPr id="13" name="Picture 7"/>
           <p:cNvPicPr>
             <a:picLocks noChangeAspect="1" noChangeArrowheads="1"/>
           </p:cNvPicPr>
@@ -8672,7 +10061,7 @@
         </p:blipFill>
         <p:spPr bwMode="auto">
           <a:xfrm>
-            <a:off x="1867874" y="4572000"/>
+            <a:off x="1600200" y="4572000"/>
             <a:ext cx="1256326" cy="1676400"/>
           </a:xfrm>
           <a:prstGeom prst="rect">
@@ -8703,16 +10092,49 @@
           <a:lstStyle/>
           <a:p>
             <a:r>
-              <a:rPr lang="en-US" dirty="0" smtClean="0"/>
-              <a:t>Interpolation Merge</a:t>
+              <a:rPr lang="en-US" dirty="0"/>
+              <a:t>Channel Merge</a:t>
             </a:r>
             <a:endParaRPr lang="en-US" dirty="0"/>
           </a:p>
         </p:txBody>
       </p:sp>
+      <p:cxnSp>
+        <p:nvCxnSpPr>
+          <p:cNvPr id="14" name="Straight Arrow Connector 13"/>
+          <p:cNvCxnSpPr/>
+          <p:nvPr/>
+        </p:nvCxnSpPr>
+        <p:spPr>
+          <a:xfrm>
+            <a:off x="1371600" y="5334000"/>
+            <a:ext cx="381000" cy="0"/>
+          </a:xfrm>
+          <a:prstGeom prst="straightConnector1">
+            <a:avLst/>
+          </a:prstGeom>
+          <a:ln>
+            <a:tailEnd type="arrow"/>
+          </a:ln>
+        </p:spPr>
+        <p:style>
+          <a:lnRef idx="3">
+            <a:schemeClr val="dk1"/>
+          </a:lnRef>
+          <a:fillRef idx="0">
+            <a:schemeClr val="dk1"/>
+          </a:fillRef>
+          <a:effectRef idx="2">
+            <a:schemeClr val="dk1"/>
+          </a:effectRef>
+          <a:fontRef idx="minor">
+            <a:schemeClr val="tx1"/>
+          </a:fontRef>
+        </p:style>
+      </p:cxnSp>
       <p:pic>
         <p:nvPicPr>
-          <p:cNvPr id="34" name="Picture 4" descr="C:\Users\carmi\Documents\universal_style_transfer\Report\Figures\starry_sq.jpg"/>
+          <p:cNvPr id="4" name="Picture 4" descr="C:\Users\carmi\Documents\universal_style_transfer\Report\Figures\starry_sq.jpg"/>
           <p:cNvPicPr>
             <a:picLocks noChangeAspect="1" noChangeArrowheads="1"/>
           </p:cNvPicPr>
@@ -8728,7 +10150,7 @@
         <p:spPr bwMode="auto">
           <a:xfrm>
             <a:off x="228600" y="1219200"/>
-            <a:ext cx="1371600" cy="1371600"/>
+            <a:ext cx="1219200" cy="1219200"/>
           </a:xfrm>
           <a:prstGeom prst="rect">
             <a:avLst/>
@@ -8738,7 +10160,7 @@
       </p:pic>
       <p:pic>
         <p:nvPicPr>
-          <p:cNvPr id="35" name="Picture 5" descr="C:\Users\carmi\Documents\universal_style_transfer\Report\Figures\st2_sq.jpg"/>
+          <p:cNvPr id="5" name="Picture 5" descr="C:\Users\carmi\Documents\universal_style_transfer\Report\Figures\st2_sq.jpg"/>
           <p:cNvPicPr>
             <a:picLocks noChangeAspect="1" noChangeArrowheads="1"/>
           </p:cNvPicPr>
@@ -8753,8 +10175,8 @@
         </p:blipFill>
         <p:spPr bwMode="auto">
           <a:xfrm>
-            <a:off x="228598" y="2895598"/>
-            <a:ext cx="1371602" cy="1371602"/>
+            <a:off x="266699" y="3277705"/>
+            <a:ext cx="1104901" cy="1104901"/>
           </a:xfrm>
           <a:prstGeom prst="rect">
             <a:avLst/>
@@ -8764,7 +10186,7 @@
       </p:pic>
       <p:pic>
         <p:nvPicPr>
-          <p:cNvPr id="36" name="Picture 6" descr="C:\Users\carmi\Documents\universal_style_transfer\Report\Figures\bridge_sq.jpg"/>
+          <p:cNvPr id="7" name="Picture 3"/>
           <p:cNvPicPr>
             <a:picLocks noChangeAspect="1" noChangeArrowheads="1"/>
           </p:cNvPicPr>
@@ -8779,33 +10201,7 @@
         </p:blipFill>
         <p:spPr bwMode="auto">
           <a:xfrm>
-            <a:off x="228600" y="4495800"/>
-            <a:ext cx="1371600" cy="1371600"/>
-          </a:xfrm>
-          <a:prstGeom prst="rect">
-            <a:avLst/>
-          </a:prstGeom>
-          <a:noFill/>
-        </p:spPr>
-      </p:pic>
-      <p:pic>
-        <p:nvPicPr>
-          <p:cNvPr id="37" name="Picture 3"/>
-          <p:cNvPicPr>
-            <a:picLocks noChangeAspect="1" noChangeArrowheads="1"/>
-          </p:cNvPicPr>
-          <p:nvPr/>
-        </p:nvPicPr>
-        <p:blipFill>
-          <a:blip r:embed="rId6" cstate="print"/>
-          <a:srcRect/>
-          <a:stretch>
-            <a:fillRect/>
-          </a:stretch>
-        </p:blipFill>
-        <p:spPr bwMode="auto">
-          <a:xfrm>
-            <a:off x="1905000" y="1066800"/>
+            <a:off x="1637326" y="1066800"/>
             <a:ext cx="1200532" cy="3505200"/>
           </a:xfrm>
           <a:prstGeom prst="rect">
@@ -8822,13 +10218,13 @@
       </p:pic>
       <p:cxnSp>
         <p:nvCxnSpPr>
-          <p:cNvPr id="38" name="Straight Arrow Connector 37"/>
+          <p:cNvPr id="8" name="Straight Arrow Connector 7"/>
           <p:cNvCxnSpPr/>
           <p:nvPr/>
         </p:nvCxnSpPr>
         <p:spPr>
           <a:xfrm>
-            <a:off x="1524000" y="1752600"/>
+            <a:off x="1371600" y="1752600"/>
             <a:ext cx="381000" cy="0"/>
           </a:xfrm>
           <a:prstGeom prst="straightConnector1">
@@ -8855,13 +10251,13 @@
       </p:cxnSp>
       <p:cxnSp>
         <p:nvCxnSpPr>
-          <p:cNvPr id="39" name="Straight Arrow Connector 38"/>
+          <p:cNvPr id="9" name="Straight Arrow Connector 8"/>
           <p:cNvCxnSpPr/>
           <p:nvPr/>
         </p:nvCxnSpPr>
         <p:spPr>
           <a:xfrm>
-            <a:off x="1524000" y="3733800"/>
+            <a:off x="1371600" y="3733800"/>
             <a:ext cx="381000" cy="0"/>
           </a:xfrm>
           <a:prstGeom prst="straightConnector1">
@@ -8888,14 +10284,14 @@
       </p:cxnSp>
       <p:pic>
         <p:nvPicPr>
-          <p:cNvPr id="40" name="Picture 4" descr="C:\Users\carmi\Documents\universal_style_transfer\Report\Figures\starry_sq.jpg"/>
+          <p:cNvPr id="12" name="Picture 6" descr="C:\Users\carmi\Documents\universal_style_transfer\Report\Figures\bridge_sq.jpg"/>
           <p:cNvPicPr>
             <a:picLocks noChangeAspect="1" noChangeArrowheads="1"/>
           </p:cNvPicPr>
           <p:nvPr/>
         </p:nvPicPr>
         <p:blipFill>
-          <a:blip r:embed="rId3" cstate="print"/>
+          <a:blip r:embed="rId6" cstate="print"/>
           <a:srcRect/>
           <a:stretch>
             <a:fillRect/>
@@ -8903,8 +10299,8 @@
         </p:blipFill>
         <p:spPr bwMode="auto">
           <a:xfrm>
-            <a:off x="228600" y="1219200"/>
-            <a:ext cx="1371600" cy="1371600"/>
+            <a:off x="190501" y="4853713"/>
+            <a:ext cx="1181099" cy="1181099"/>
           </a:xfrm>
           <a:prstGeom prst="rect">
             <a:avLst/>
@@ -8914,212 +10310,7 @@
       </p:pic>
       <p:pic>
         <p:nvPicPr>
-          <p:cNvPr id="41" name="Picture 5" descr="C:\Users\carmi\Documents\universal_style_transfer\Report\Figures\st2_sq.jpg"/>
-          <p:cNvPicPr>
-            <a:picLocks noChangeAspect="1" noChangeArrowheads="1"/>
-          </p:cNvPicPr>
-          <p:nvPr/>
-        </p:nvPicPr>
-        <p:blipFill>
-          <a:blip r:embed="rId4" cstate="print"/>
-          <a:srcRect/>
-          <a:stretch>
-            <a:fillRect/>
-          </a:stretch>
-        </p:blipFill>
-        <p:spPr bwMode="auto">
-          <a:xfrm>
-            <a:off x="228598" y="2971800"/>
-            <a:ext cx="1371602" cy="1371602"/>
-          </a:xfrm>
-          <a:prstGeom prst="rect">
-            <a:avLst/>
-          </a:prstGeom>
-          <a:noFill/>
-        </p:spPr>
-      </p:pic>
-      <p:pic>
-        <p:nvPicPr>
-          <p:cNvPr id="42" name="Picture 6" descr="C:\Users\carmi\Documents\universal_style_transfer\Report\Figures\bridge_sq.jpg"/>
-          <p:cNvPicPr>
-            <a:picLocks noChangeAspect="1" noChangeArrowheads="1"/>
-          </p:cNvPicPr>
-          <p:nvPr/>
-        </p:nvPicPr>
-        <p:blipFill>
-          <a:blip r:embed="rId5" cstate="print"/>
-          <a:srcRect/>
-          <a:stretch>
-            <a:fillRect/>
-          </a:stretch>
-        </p:blipFill>
-        <p:spPr bwMode="auto">
-          <a:xfrm>
-            <a:off x="228600" y="4572000"/>
-            <a:ext cx="1371600" cy="1371600"/>
-          </a:xfrm>
-          <a:prstGeom prst="rect">
-            <a:avLst/>
-          </a:prstGeom>
-          <a:noFill/>
-        </p:spPr>
-      </p:pic>
-      <p:cxnSp>
-        <p:nvCxnSpPr>
-          <p:cNvPr id="43" name="Straight Arrow Connector 42"/>
-          <p:cNvCxnSpPr/>
-          <p:nvPr/>
-        </p:nvCxnSpPr>
-        <p:spPr>
-          <a:xfrm>
-            <a:off x="1524000" y="5334000"/>
-            <a:ext cx="381000" cy="0"/>
-          </a:xfrm>
-          <a:prstGeom prst="straightConnector1">
-            <a:avLst/>
-          </a:prstGeom>
-          <a:ln>
-            <a:tailEnd type="arrow"/>
-          </a:ln>
-        </p:spPr>
-        <p:style>
-          <a:lnRef idx="3">
-            <a:schemeClr val="dk1"/>
-          </a:lnRef>
-          <a:fillRef idx="0">
-            <a:schemeClr val="dk1"/>
-          </a:fillRef>
-          <a:effectRef idx="2">
-            <a:schemeClr val="dk1"/>
-          </a:effectRef>
-          <a:fontRef idx="minor">
-            <a:schemeClr val="tx1"/>
-          </a:fontRef>
-        </p:style>
-      </p:cxnSp>
-      <p:sp>
-        <p:nvSpPr>
-          <p:cNvPr id="44" name="Right Arrow 43"/>
-          <p:cNvSpPr/>
-          <p:nvPr/>
-        </p:nvSpPr>
-        <p:spPr>
-          <a:xfrm>
-            <a:off x="3124200" y="5257800"/>
-            <a:ext cx="381000" cy="228600"/>
-          </a:xfrm>
-          <a:prstGeom prst="rightArrow">
-            <a:avLst/>
-          </a:prstGeom>
-        </p:spPr>
-        <p:style>
-          <a:lnRef idx="2">
-            <a:schemeClr val="accent1">
-              <a:shade val="50000"/>
-            </a:schemeClr>
-          </a:lnRef>
-          <a:fillRef idx="1">
-            <a:schemeClr val="accent1"/>
-          </a:fillRef>
-          <a:effectRef idx="0">
-            <a:schemeClr val="accent1"/>
-          </a:effectRef>
-          <a:fontRef idx="minor">
-            <a:schemeClr val="lt1"/>
-          </a:fontRef>
-        </p:style>
-        <p:txBody>
-          <a:bodyPr rtlCol="0" anchor="ctr"/>
-          <a:lstStyle/>
-          <a:p>
-            <a:pPr algn="ctr"/>
-            <a:endParaRPr lang="en-US"/>
-          </a:p>
-        </p:txBody>
-      </p:sp>
-      <p:sp>
-        <p:nvSpPr>
-          <p:cNvPr id="45" name="Right Arrow 44"/>
-          <p:cNvSpPr/>
-          <p:nvPr/>
-        </p:nvSpPr>
-        <p:spPr>
-          <a:xfrm>
-            <a:off x="3124200" y="1676400"/>
-            <a:ext cx="381000" cy="228600"/>
-          </a:xfrm>
-          <a:prstGeom prst="rightArrow">
-            <a:avLst/>
-          </a:prstGeom>
-        </p:spPr>
-        <p:style>
-          <a:lnRef idx="2">
-            <a:schemeClr val="accent1">
-              <a:shade val="50000"/>
-            </a:schemeClr>
-          </a:lnRef>
-          <a:fillRef idx="1">
-            <a:schemeClr val="accent1"/>
-          </a:fillRef>
-          <a:effectRef idx="0">
-            <a:schemeClr val="accent1"/>
-          </a:effectRef>
-          <a:fontRef idx="minor">
-            <a:schemeClr val="lt1"/>
-          </a:fontRef>
-        </p:style>
-        <p:txBody>
-          <a:bodyPr rtlCol="0" anchor="ctr"/>
-          <a:lstStyle/>
-          <a:p>
-            <a:pPr algn="ctr"/>
-            <a:endParaRPr lang="en-US"/>
-          </a:p>
-        </p:txBody>
-      </p:sp>
-      <p:sp>
-        <p:nvSpPr>
-          <p:cNvPr id="46" name="Right Arrow 45"/>
-          <p:cNvSpPr/>
-          <p:nvPr/>
-        </p:nvSpPr>
-        <p:spPr>
-          <a:xfrm>
-            <a:off x="3124200" y="3733800"/>
-            <a:ext cx="381000" cy="228600"/>
-          </a:xfrm>
-          <a:prstGeom prst="rightArrow">
-            <a:avLst/>
-          </a:prstGeom>
-        </p:spPr>
-        <p:style>
-          <a:lnRef idx="2">
-            <a:schemeClr val="accent1">
-              <a:shade val="50000"/>
-            </a:schemeClr>
-          </a:lnRef>
-          <a:fillRef idx="1">
-            <a:schemeClr val="accent1"/>
-          </a:fillRef>
-          <a:effectRef idx="0">
-            <a:schemeClr val="accent1"/>
-          </a:effectRef>
-          <a:fontRef idx="minor">
-            <a:schemeClr val="lt1"/>
-          </a:fontRef>
-        </p:style>
-        <p:txBody>
-          <a:bodyPr rtlCol="0" anchor="ctr"/>
-          <a:lstStyle/>
-          <a:p>
-            <a:pPr algn="ctr"/>
-            <a:endParaRPr lang="en-US"/>
-          </a:p>
-        </p:txBody>
-      </p:sp>
-      <p:pic>
-        <p:nvPicPr>
-          <p:cNvPr id="47" name="Picture 15"/>
+          <p:cNvPr id="18" name="Picture 15"/>
           <p:cNvPicPr>
             <a:picLocks noChangeAspect="1" noChangeArrowheads="1"/>
           </p:cNvPicPr>
@@ -9134,7 +10325,7 @@
         </p:blipFill>
         <p:spPr bwMode="auto">
           <a:xfrm>
-            <a:off x="2590800" y="4474308"/>
+            <a:off x="2286000" y="4474308"/>
             <a:ext cx="533400" cy="250092"/>
           </a:xfrm>
           <a:prstGeom prst="rect">
@@ -9151,13 +10342,13 @@
       </p:pic>
       <p:cxnSp>
         <p:nvCxnSpPr>
-          <p:cNvPr id="48" name="Straight Arrow Connector 47"/>
+          <p:cNvPr id="19" name="Straight Arrow Connector 18"/>
           <p:cNvCxnSpPr/>
           <p:nvPr/>
         </p:nvCxnSpPr>
         <p:spPr>
           <a:xfrm>
-            <a:off x="2514600" y="4267200"/>
+            <a:off x="2286000" y="4267200"/>
             <a:ext cx="0" cy="609600"/>
           </a:xfrm>
           <a:prstGeom prst="straightConnector1">
@@ -9195,7 +10386,7 @@
       </p:cxnSp>
       <p:pic>
         <p:nvPicPr>
-          <p:cNvPr id="49" name="Picture 9"/>
+          <p:cNvPr id="20" name="Picture 9"/>
           <p:cNvPicPr>
             <a:picLocks noChangeAspect="1" noChangeArrowheads="1"/>
           </p:cNvPicPr>
@@ -9210,7 +10401,7 @@
         </p:blipFill>
         <p:spPr bwMode="auto">
           <a:xfrm>
-            <a:off x="3657600" y="4876800"/>
+            <a:off x="3238499" y="4813927"/>
             <a:ext cx="1447800" cy="1260670"/>
           </a:xfrm>
           <a:prstGeom prst="rect">
@@ -9227,7 +10418,7 @@
       </p:pic>
       <p:pic>
         <p:nvPicPr>
-          <p:cNvPr id="51" name="Picture 12"/>
+          <p:cNvPr id="23" name="Picture 12"/>
           <p:cNvPicPr>
             <a:picLocks noChangeAspect="1" noChangeArrowheads="1"/>
           </p:cNvPicPr>
@@ -9242,7 +10433,7 @@
         </p:blipFill>
         <p:spPr bwMode="auto">
           <a:xfrm>
-            <a:off x="3533775" y="1295400"/>
+            <a:off x="3048000" y="1371600"/>
             <a:ext cx="1571625" cy="1343025"/>
           </a:xfrm>
           <a:prstGeom prst="rect">
@@ -9259,7 +10450,7 @@
       </p:pic>
       <p:pic>
         <p:nvPicPr>
-          <p:cNvPr id="52" name="Picture 13"/>
+          <p:cNvPr id="25" name="Picture 13"/>
           <p:cNvPicPr>
             <a:picLocks noChangeAspect="1" noChangeArrowheads="1"/>
           </p:cNvPicPr>
@@ -9274,7 +10465,7 @@
         </p:blipFill>
         <p:spPr bwMode="auto">
           <a:xfrm>
-            <a:off x="3657600" y="3124200"/>
+            <a:off x="3255644" y="3138487"/>
             <a:ext cx="1476375" cy="1419225"/>
           </a:xfrm>
           <a:prstGeom prst="rect">
@@ -9289,9 +10480,39 @@
           </a:ln>
         </p:spPr>
       </p:pic>
+      <p:sp>
+        <p:nvSpPr>
+          <p:cNvPr id="27" name="TextBox 26"/>
+          <p:cNvSpPr txBox="1"/>
+          <p:nvPr/>
+        </p:nvSpPr>
+        <p:spPr>
+          <a:xfrm>
+            <a:off x="3124200" y="6172200"/>
+            <a:ext cx="2688557" cy="369332"/>
+          </a:xfrm>
+          <a:prstGeom prst="rect">
+            <a:avLst/>
+          </a:prstGeom>
+          <a:noFill/>
+        </p:spPr>
+        <p:txBody>
+          <a:bodyPr wrap="none" rtlCol="0">
+            <a:spAutoFit/>
+          </a:bodyPr>
+          <a:lstStyle/>
+          <a:p>
+            <a:r>
+              <a:rPr lang="en-US" b="1" dirty="0" smtClean="0"/>
+              <a:t>Deep feature channels</a:t>
+            </a:r>
+            <a:endParaRPr lang="en-US" b="1" dirty="0"/>
+          </a:p>
+        </p:txBody>
+      </p:sp>
       <p:pic>
         <p:nvPicPr>
-          <p:cNvPr id="53" name="Picture 10"/>
+          <p:cNvPr id="28" name="Picture 10"/>
           <p:cNvPicPr>
             <a:picLocks noChangeAspect="1" noChangeArrowheads="1"/>
           </p:cNvPicPr>
@@ -9306,7 +10527,7 @@
         </p:blipFill>
         <p:spPr bwMode="auto">
           <a:xfrm>
-            <a:off x="6705600" y="3962400"/>
+            <a:off x="6138863" y="3315438"/>
             <a:ext cx="828674" cy="992074"/>
           </a:xfrm>
           <a:prstGeom prst="rect">
@@ -9323,17 +10544,22 @@
       </p:pic>
       <p:sp>
         <p:nvSpPr>
-          <p:cNvPr id="54" name="Bent Arrow 53"/>
+          <p:cNvPr id="29" name="Bent Arrow 28"/>
           <p:cNvSpPr/>
           <p:nvPr/>
         </p:nvSpPr>
         <p:spPr>
           <a:xfrm rot="16200000" flipV="1">
-            <a:off x="5867400" y="4191000"/>
-            <a:ext cx="457200" cy="2133600"/>
+            <a:off x="5003081" y="3837221"/>
+            <a:ext cx="1408595" cy="2042161"/>
           </a:xfrm>
           <a:prstGeom prst="bentArrow">
-            <a:avLst/>
+            <a:avLst>
+              <a:gd name="adj1" fmla="val 7264"/>
+              <a:gd name="adj2" fmla="val 10935"/>
+              <a:gd name="adj3" fmla="val 12017"/>
+              <a:gd name="adj4" fmla="val 42127"/>
+            </a:avLst>
           </a:prstGeom>
         </p:spPr>
         <p:style>
@@ -9367,14 +10593,14 @@
       </p:sp>
       <p:sp>
         <p:nvSpPr>
-          <p:cNvPr id="56" name="Bent Arrow 55"/>
+          <p:cNvPr id="32" name="Bent Arrow 31"/>
           <p:cNvSpPr/>
           <p:nvPr/>
         </p:nvSpPr>
         <p:spPr>
           <a:xfrm rot="16200000" flipV="1">
-            <a:off x="5486400" y="2971800"/>
-            <a:ext cx="457200" cy="1219200"/>
+            <a:off x="4870433" y="3350746"/>
+            <a:ext cx="457200" cy="958817"/>
           </a:xfrm>
           <a:prstGeom prst="bentArrow">
             <a:avLst/>
@@ -9411,14 +10637,14 @@
       </p:sp>
       <p:sp>
         <p:nvSpPr>
-          <p:cNvPr id="57" name="Bent Arrow 56"/>
+          <p:cNvPr id="33" name="Bent Arrow 32"/>
           <p:cNvSpPr/>
           <p:nvPr/>
         </p:nvSpPr>
         <p:spPr>
           <a:xfrm rot="16200000" flipH="1" flipV="1">
-            <a:off x="5524500" y="1714500"/>
-            <a:ext cx="381000" cy="1219200"/>
+            <a:off x="4881863" y="1497982"/>
+            <a:ext cx="381000" cy="1012157"/>
           </a:xfrm>
           <a:prstGeom prst="bentArrow">
             <a:avLst/>
@@ -9455,7 +10681,7 @@
       </p:sp>
       <p:pic>
         <p:nvPicPr>
-          <p:cNvPr id="58" name="Picture 11"/>
+          <p:cNvPr id="37" name="Picture 11"/>
           <p:cNvPicPr>
             <a:picLocks noChangeAspect="1" noChangeArrowheads="1"/>
           </p:cNvPicPr>
@@ -9470,7 +10696,7 @@
         </p:blipFill>
         <p:spPr bwMode="auto">
           <a:xfrm>
-            <a:off x="7924800" y="3733800"/>
+            <a:off x="7545235" y="3138487"/>
             <a:ext cx="759130" cy="1514474"/>
           </a:xfrm>
           <a:prstGeom prst="rect">
@@ -9487,14 +10713,14 @@
       </p:pic>
       <p:sp>
         <p:nvSpPr>
-          <p:cNvPr id="60" name="Bent-Up Arrow 59"/>
+          <p:cNvPr id="43" name="Bent-Up Arrow 42"/>
           <p:cNvSpPr/>
           <p:nvPr/>
         </p:nvSpPr>
         <p:spPr>
           <a:xfrm flipV="1">
-            <a:off x="6858000" y="2895600"/>
-            <a:ext cx="304800" cy="990600"/>
+            <a:off x="6248400" y="2895600"/>
+            <a:ext cx="304800" cy="533400"/>
           </a:xfrm>
           <a:prstGeom prst="bentUpArrow">
             <a:avLst/>
@@ -9527,14 +10753,14 @@
       </p:sp>
       <p:sp>
         <p:nvSpPr>
-          <p:cNvPr id="62" name="Right Arrow 61"/>
+          <p:cNvPr id="45" name="Right Arrow 44"/>
           <p:cNvSpPr/>
           <p:nvPr/>
         </p:nvSpPr>
         <p:spPr>
           <a:xfrm>
-            <a:off x="7543800" y="4343400"/>
-            <a:ext cx="304800" cy="228600"/>
+            <a:off x="6967536" y="3708820"/>
+            <a:ext cx="500063" cy="228600"/>
           </a:xfrm>
           <a:prstGeom prst="rightArrow">
             <a:avLst/>
@@ -9567,14 +10793,14 @@
       </p:sp>
       <p:sp>
         <p:nvSpPr>
-          <p:cNvPr id="63" name="Right Arrow 62"/>
+          <p:cNvPr id="51" name="Right Arrow 50"/>
           <p:cNvSpPr/>
           <p:nvPr/>
         </p:nvSpPr>
         <p:spPr>
           <a:xfrm rot="16200000">
-            <a:off x="8077200" y="3352800"/>
-            <a:ext cx="381000" cy="228600"/>
+            <a:off x="7676782" y="2876918"/>
+            <a:ext cx="496037" cy="228600"/>
           </a:xfrm>
           <a:prstGeom prst="rightArrow">
             <a:avLst/>
@@ -9605,16 +10831,707 @@
           </a:p>
         </p:txBody>
       </p:sp>
+      <p:sp>
+        <p:nvSpPr>
+          <p:cNvPr id="2" name="TextBox 1"/>
+          <p:cNvSpPr txBox="1"/>
+          <p:nvPr/>
+        </p:nvSpPr>
+        <p:spPr>
+          <a:xfrm>
+            <a:off x="108371" y="5996713"/>
+            <a:ext cx="1072730" cy="369332"/>
+          </a:xfrm>
+          <a:prstGeom prst="rect">
+            <a:avLst/>
+          </a:prstGeom>
+          <a:noFill/>
+        </p:spPr>
+        <p:txBody>
+          <a:bodyPr wrap="none" rtlCol="0">
+            <a:spAutoFit/>
+          </a:bodyPr>
+          <a:lstStyle/>
+          <a:p>
+            <a:r>
+              <a:rPr lang="en-GB" dirty="0" smtClean="0"/>
+              <a:t>Content</a:t>
+            </a:r>
+            <a:endParaRPr lang="en-GB" dirty="0"/>
+          </a:p>
+        </p:txBody>
+      </p:sp>
+      <p:sp>
+        <p:nvSpPr>
+          <p:cNvPr id="22" name="TextBox 21"/>
+          <p:cNvSpPr txBox="1"/>
+          <p:nvPr/>
+        </p:nvSpPr>
+        <p:spPr>
+          <a:xfrm>
+            <a:off x="175937" y="2373868"/>
+            <a:ext cx="857927" cy="369332"/>
+          </a:xfrm>
+          <a:prstGeom prst="rect">
+            <a:avLst/>
+          </a:prstGeom>
+          <a:noFill/>
+        </p:spPr>
+        <p:txBody>
+          <a:bodyPr wrap="none" rtlCol="0">
+            <a:spAutoFit/>
+          </a:bodyPr>
+          <a:lstStyle/>
+          <a:p>
+            <a:r>
+              <a:rPr lang="en-GB" dirty="0" smtClean="0"/>
+              <a:t>Style1</a:t>
+            </a:r>
+            <a:endParaRPr lang="en-GB" dirty="0"/>
+          </a:p>
+        </p:txBody>
+      </p:sp>
+      <p:sp>
+        <p:nvSpPr>
+          <p:cNvPr id="38" name="TextBox 37"/>
+          <p:cNvSpPr txBox="1"/>
+          <p:nvPr/>
+        </p:nvSpPr>
+        <p:spPr>
+          <a:xfrm>
+            <a:off x="214038" y="4306406"/>
+            <a:ext cx="857927" cy="369332"/>
+          </a:xfrm>
+          <a:prstGeom prst="rect">
+            <a:avLst/>
+          </a:prstGeom>
+          <a:noFill/>
+        </p:spPr>
+        <p:txBody>
+          <a:bodyPr wrap="none" rtlCol="0">
+            <a:spAutoFit/>
+          </a:bodyPr>
+          <a:lstStyle/>
+          <a:p>
+            <a:r>
+              <a:rPr lang="en-GB" dirty="0" smtClean="0"/>
+              <a:t>Style2</a:t>
+            </a:r>
+            <a:endParaRPr lang="en-GB" dirty="0"/>
+          </a:p>
+        </p:txBody>
+      </p:sp>
+      <mc:AlternateContent xmlns:mc="http://schemas.openxmlformats.org/markup-compatibility/2006">
+        <mc:Choice xmlns:a14="http://schemas.microsoft.com/office/drawing/2010/main" Requires="a14">
+          <p:sp>
+            <p:nvSpPr>
+              <p:cNvPr id="24" name="TextBox 23"/>
+              <p:cNvSpPr txBox="1"/>
+              <p:nvPr/>
+            </p:nvSpPr>
+            <p:spPr>
+              <a:xfrm>
+                <a:off x="5641338" y="1846551"/>
+                <a:ext cx="624851" cy="411779"/>
+              </a:xfrm>
+              <a:prstGeom prst="rect">
+                <a:avLst/>
+              </a:prstGeom>
+              <a:noFill/>
+            </p:spPr>
+            <p:txBody>
+              <a:bodyPr wrap="none" rtlCol="0">
+                <a:spAutoFit/>
+              </a:bodyPr>
+              <a:lstStyle/>
+              <a:p>
+                <a:pPr/>
+                <a14:m>
+                  <m:oMathPara xmlns:m="http://schemas.openxmlformats.org/officeDocument/2006/math">
+                    <m:oMathParaPr>
+                      <m:jc m:val="centerGroup"/>
+                    </m:oMathParaPr>
+                    <m:oMath xmlns:m="http://schemas.openxmlformats.org/officeDocument/2006/math">
+                      <m:sSub>
+                        <m:sSubPr>
+                          <m:ctrlPr>
+                            <a:rPr lang="en-GB" b="0" i="1" smtClean="0">
+                              <a:latin typeface="Cambria Math"/>
+                            </a:rPr>
+                          </m:ctrlPr>
+                        </m:sSubPr>
+                        <m:e>
+                          <m:r>
+                            <a:rPr lang="en-GB" b="0" i="1" smtClean="0">
+                              <a:latin typeface="Cambria Math"/>
+                            </a:rPr>
+                            <m:t>𝑓</m:t>
+                          </m:r>
+                        </m:e>
+                        <m:sub>
+                          <m:sSub>
+                            <m:sSubPr>
+                              <m:ctrlPr>
+                                <a:rPr lang="en-GB" b="0" i="1" smtClean="0">
+                                  <a:latin typeface="Cambria Math"/>
+                                </a:rPr>
+                              </m:ctrlPr>
+                            </m:sSubPr>
+                            <m:e>
+                              <m:r>
+                                <a:rPr lang="en-GB" b="0" i="1" smtClean="0">
+                                  <a:latin typeface="Cambria Math"/>
+                                </a:rPr>
+                                <m:t>𝑠</m:t>
+                              </m:r>
+                            </m:e>
+                            <m:sub>
+                              <m:r>
+                                <a:rPr lang="en-GB" b="0" i="1" smtClean="0">
+                                  <a:latin typeface="Cambria Math"/>
+                                </a:rPr>
+                                <m:t>1</m:t>
+                              </m:r>
+                              <m:r>
+                                <a:rPr lang="en-GB" b="0" i="1" smtClean="0">
+                                  <a:latin typeface="Cambria Math"/>
+                                </a:rPr>
+                                <m:t>,</m:t>
+                              </m:r>
+                              <m:r>
+                                <a:rPr lang="en-GB" b="0" i="1" smtClean="0">
+                                  <a:latin typeface="Cambria Math"/>
+                                </a:rPr>
+                                <m:t>2</m:t>
+                              </m:r>
+                            </m:sub>
+                          </m:sSub>
+                        </m:sub>
+                      </m:sSub>
+                    </m:oMath>
+                  </m:oMathPara>
+                </a14:m>
+                <a:endParaRPr lang="en-GB" dirty="0"/>
+              </a:p>
+            </p:txBody>
+          </p:sp>
+        </mc:Choice>
+        <mc:Fallback>
+          <p:sp>
+            <p:nvSpPr>
+              <p:cNvPr id="24" name="TextBox 23"/>
+              <p:cNvSpPr txBox="1">
+                <a:spLocks noRot="1" noChangeAspect="1" noMove="1" noResize="1" noEditPoints="1" noAdjustHandles="1" noChangeArrowheads="1" noChangeShapeType="1" noTextEdit="1"/>
+              </p:cNvSpPr>
+              <p:nvPr/>
+            </p:nvSpPr>
+            <p:spPr>
+              <a:xfrm>
+                <a:off x="5641338" y="1846551"/>
+                <a:ext cx="624851" cy="411779"/>
+              </a:xfrm>
+              <a:prstGeom prst="rect">
+                <a:avLst/>
+              </a:prstGeom>
+              <a:blipFill rotWithShape="1">
+                <a:blip r:embed="rId13"/>
+                <a:stretch>
+                  <a:fillRect b="-2985"/>
+                </a:stretch>
+              </a:blipFill>
+            </p:spPr>
+            <p:txBody>
+              <a:bodyPr/>
+              <a:lstStyle/>
+              <a:p>
+                <a:r>
+                  <a:rPr lang="en-GB">
+                    <a:noFill/>
+                  </a:rPr>
+                  <a:t> </a:t>
+                </a:r>
+              </a:p>
+            </p:txBody>
+          </p:sp>
+        </mc:Fallback>
+      </mc:AlternateContent>
+      <mc:AlternateContent xmlns:mc="http://schemas.openxmlformats.org/markup-compatibility/2006">
+        <mc:Choice xmlns:a14="http://schemas.microsoft.com/office/drawing/2010/main" Requires="a14">
+          <p:sp>
+            <p:nvSpPr>
+              <p:cNvPr id="41" name="TextBox 40"/>
+              <p:cNvSpPr txBox="1"/>
+              <p:nvPr/>
+            </p:nvSpPr>
+            <p:spPr>
+              <a:xfrm>
+                <a:off x="3676757" y="1143000"/>
+                <a:ext cx="514243" cy="393121"/>
+              </a:xfrm>
+              <a:prstGeom prst="rect">
+                <a:avLst/>
+              </a:prstGeom>
+              <a:noFill/>
+            </p:spPr>
+            <p:txBody>
+              <a:bodyPr wrap="none" rtlCol="0">
+                <a:spAutoFit/>
+              </a:bodyPr>
+              <a:lstStyle/>
+              <a:p>
+                <a:pPr/>
+                <a14:m>
+                  <m:oMathPara xmlns:m="http://schemas.openxmlformats.org/officeDocument/2006/math">
+                    <m:oMathParaPr>
+                      <m:jc m:val="centerGroup"/>
+                    </m:oMathParaPr>
+                    <m:oMath xmlns:m="http://schemas.openxmlformats.org/officeDocument/2006/math">
+                      <m:sSub>
+                        <m:sSubPr>
+                          <m:ctrlPr>
+                            <a:rPr lang="en-GB" b="0" i="1" smtClean="0">
+                              <a:latin typeface="Cambria Math"/>
+                            </a:rPr>
+                          </m:ctrlPr>
+                        </m:sSubPr>
+                        <m:e>
+                          <m:r>
+                            <a:rPr lang="en-GB" b="0" i="1" smtClean="0">
+                              <a:latin typeface="Cambria Math"/>
+                            </a:rPr>
+                            <m:t>𝑓</m:t>
+                          </m:r>
+                        </m:e>
+                        <m:sub>
+                          <m:sSub>
+                            <m:sSubPr>
+                              <m:ctrlPr>
+                                <a:rPr lang="en-GB" b="0" i="1" smtClean="0">
+                                  <a:latin typeface="Cambria Math"/>
+                                </a:rPr>
+                              </m:ctrlPr>
+                            </m:sSubPr>
+                            <m:e>
+                              <m:r>
+                                <a:rPr lang="en-GB" b="0" i="1" smtClean="0">
+                                  <a:latin typeface="Cambria Math"/>
+                                </a:rPr>
+                                <m:t>𝑠</m:t>
+                              </m:r>
+                            </m:e>
+                            <m:sub>
+                              <m:r>
+                                <a:rPr lang="en-GB" b="0" i="1" smtClean="0">
+                                  <a:latin typeface="Cambria Math"/>
+                                </a:rPr>
+                                <m:t>1</m:t>
+                              </m:r>
+                            </m:sub>
+                          </m:sSub>
+                        </m:sub>
+                      </m:sSub>
+                    </m:oMath>
+                  </m:oMathPara>
+                </a14:m>
+                <a:endParaRPr lang="en-GB" dirty="0"/>
+              </a:p>
+            </p:txBody>
+          </p:sp>
+        </mc:Choice>
+        <mc:Fallback>
+          <p:sp>
+            <p:nvSpPr>
+              <p:cNvPr id="41" name="TextBox 40"/>
+              <p:cNvSpPr txBox="1">
+                <a:spLocks noRot="1" noChangeAspect="1" noMove="1" noResize="1" noEditPoints="1" noAdjustHandles="1" noChangeArrowheads="1" noChangeShapeType="1" noTextEdit="1"/>
+              </p:cNvSpPr>
+              <p:nvPr/>
+            </p:nvSpPr>
+            <p:spPr>
+              <a:xfrm>
+                <a:off x="3676757" y="1143000"/>
+                <a:ext cx="514243" cy="393121"/>
+              </a:xfrm>
+              <a:prstGeom prst="rect">
+                <a:avLst/>
+              </a:prstGeom>
+              <a:blipFill rotWithShape="1">
+                <a:blip r:embed="rId14"/>
+                <a:stretch>
+                  <a:fillRect b="-6250"/>
+                </a:stretch>
+              </a:blipFill>
+            </p:spPr>
+            <p:txBody>
+              <a:bodyPr/>
+              <a:lstStyle/>
+              <a:p>
+                <a:r>
+                  <a:rPr lang="en-GB">
+                    <a:noFill/>
+                  </a:rPr>
+                  <a:t> </a:t>
+                </a:r>
+              </a:p>
+            </p:txBody>
+          </p:sp>
+        </mc:Fallback>
+      </mc:AlternateContent>
+      <mc:AlternateContent xmlns:mc="http://schemas.openxmlformats.org/markup-compatibility/2006">
+        <mc:Choice xmlns:a14="http://schemas.microsoft.com/office/drawing/2010/main" Requires="a14">
+          <p:sp>
+            <p:nvSpPr>
+              <p:cNvPr id="44" name="TextBox 43"/>
+              <p:cNvSpPr txBox="1"/>
+              <p:nvPr/>
+            </p:nvSpPr>
+            <p:spPr>
+              <a:xfrm>
+                <a:off x="3705277" y="2855642"/>
+                <a:ext cx="514243" cy="393121"/>
+              </a:xfrm>
+              <a:prstGeom prst="rect">
+                <a:avLst/>
+              </a:prstGeom>
+              <a:noFill/>
+            </p:spPr>
+            <p:txBody>
+              <a:bodyPr wrap="none" rtlCol="0">
+                <a:spAutoFit/>
+              </a:bodyPr>
+              <a:lstStyle/>
+              <a:p>
+                <a:pPr/>
+                <a14:m>
+                  <m:oMathPara xmlns:m="http://schemas.openxmlformats.org/officeDocument/2006/math">
+                    <m:oMathParaPr>
+                      <m:jc m:val="centerGroup"/>
+                    </m:oMathParaPr>
+                    <m:oMath xmlns:m="http://schemas.openxmlformats.org/officeDocument/2006/math">
+                      <m:sSub>
+                        <m:sSubPr>
+                          <m:ctrlPr>
+                            <a:rPr lang="en-GB" b="0" i="1" smtClean="0">
+                              <a:latin typeface="Cambria Math"/>
+                            </a:rPr>
+                          </m:ctrlPr>
+                        </m:sSubPr>
+                        <m:e>
+                          <m:r>
+                            <a:rPr lang="en-GB" b="0" i="1" smtClean="0">
+                              <a:latin typeface="Cambria Math"/>
+                            </a:rPr>
+                            <m:t>𝑓</m:t>
+                          </m:r>
+                        </m:e>
+                        <m:sub>
+                          <m:sSub>
+                            <m:sSubPr>
+                              <m:ctrlPr>
+                                <a:rPr lang="en-GB" b="0" i="1" smtClean="0">
+                                  <a:latin typeface="Cambria Math"/>
+                                </a:rPr>
+                              </m:ctrlPr>
+                            </m:sSubPr>
+                            <m:e>
+                              <m:r>
+                                <a:rPr lang="en-GB" b="0" i="1" smtClean="0">
+                                  <a:latin typeface="Cambria Math"/>
+                                </a:rPr>
+                                <m:t>𝑠</m:t>
+                              </m:r>
+                            </m:e>
+                            <m:sub>
+                              <m:r>
+                                <a:rPr lang="en-GB" b="0" i="1" smtClean="0">
+                                  <a:latin typeface="Cambria Math"/>
+                                </a:rPr>
+                                <m:t>2</m:t>
+                              </m:r>
+                            </m:sub>
+                          </m:sSub>
+                        </m:sub>
+                      </m:sSub>
+                    </m:oMath>
+                  </m:oMathPara>
+                </a14:m>
+                <a:endParaRPr lang="en-GB" dirty="0"/>
+              </a:p>
+            </p:txBody>
+          </p:sp>
+        </mc:Choice>
+        <mc:Fallback>
+          <p:sp>
+            <p:nvSpPr>
+              <p:cNvPr id="44" name="TextBox 43"/>
+              <p:cNvSpPr txBox="1">
+                <a:spLocks noRot="1" noChangeAspect="1" noMove="1" noResize="1" noEditPoints="1" noAdjustHandles="1" noChangeArrowheads="1" noChangeShapeType="1" noTextEdit="1"/>
+              </p:cNvSpPr>
+              <p:nvPr/>
+            </p:nvSpPr>
+            <p:spPr>
+              <a:xfrm>
+                <a:off x="3705277" y="2855642"/>
+                <a:ext cx="514243" cy="393121"/>
+              </a:xfrm>
+              <a:prstGeom prst="rect">
+                <a:avLst/>
+              </a:prstGeom>
+              <a:blipFill rotWithShape="1">
+                <a:blip r:embed="rId15"/>
+                <a:stretch>
+                  <a:fillRect b="-6154"/>
+                </a:stretch>
+              </a:blipFill>
+            </p:spPr>
+            <p:txBody>
+              <a:bodyPr/>
+              <a:lstStyle/>
+              <a:p>
+                <a:r>
+                  <a:rPr lang="en-GB">
+                    <a:noFill/>
+                  </a:rPr>
+                  <a:t> </a:t>
+                </a:r>
+              </a:p>
+            </p:txBody>
+          </p:sp>
+        </mc:Fallback>
+      </mc:AlternateContent>
+      <mc:AlternateContent xmlns:mc="http://schemas.openxmlformats.org/markup-compatibility/2006">
+        <mc:Choice xmlns:a14="http://schemas.microsoft.com/office/drawing/2010/main" Requires="a14">
+          <p:sp>
+            <p:nvSpPr>
+              <p:cNvPr id="46" name="TextBox 45"/>
+              <p:cNvSpPr txBox="1"/>
+              <p:nvPr/>
+            </p:nvSpPr>
+            <p:spPr>
+              <a:xfrm>
+                <a:off x="3713978" y="4507468"/>
+                <a:ext cx="439799" cy="369332"/>
+              </a:xfrm>
+              <a:prstGeom prst="rect">
+                <a:avLst/>
+              </a:prstGeom>
+              <a:noFill/>
+            </p:spPr>
+            <p:txBody>
+              <a:bodyPr wrap="none" rtlCol="0">
+                <a:spAutoFit/>
+              </a:bodyPr>
+              <a:lstStyle/>
+              <a:p>
+                <a:pPr/>
+                <a14:m>
+                  <m:oMathPara xmlns:m="http://schemas.openxmlformats.org/officeDocument/2006/math">
+                    <m:oMathParaPr>
+                      <m:jc m:val="centerGroup"/>
+                    </m:oMathParaPr>
+                    <m:oMath xmlns:m="http://schemas.openxmlformats.org/officeDocument/2006/math">
+                      <m:sSub>
+                        <m:sSubPr>
+                          <m:ctrlPr>
+                            <a:rPr lang="en-GB" b="0" i="1" smtClean="0">
+                              <a:latin typeface="Cambria Math"/>
+                            </a:rPr>
+                          </m:ctrlPr>
+                        </m:sSubPr>
+                        <m:e>
+                          <m:r>
+                            <a:rPr lang="en-GB" b="0" i="1" smtClean="0">
+                              <a:latin typeface="Cambria Math"/>
+                            </a:rPr>
+                            <m:t>𝑓</m:t>
+                          </m:r>
+                        </m:e>
+                        <m:sub>
+                          <m:r>
+                            <a:rPr lang="en-GB" b="0" i="1" smtClean="0">
+                              <a:latin typeface="Cambria Math"/>
+                            </a:rPr>
+                            <m:t>𝑐</m:t>
+                          </m:r>
+                        </m:sub>
+                      </m:sSub>
+                    </m:oMath>
+                  </m:oMathPara>
+                </a14:m>
+                <a:endParaRPr lang="en-GB" dirty="0"/>
+              </a:p>
+            </p:txBody>
+          </p:sp>
+        </mc:Choice>
+        <mc:Fallback>
+          <p:sp>
+            <p:nvSpPr>
+              <p:cNvPr id="46" name="TextBox 45"/>
+              <p:cNvSpPr txBox="1">
+                <a:spLocks noRot="1" noChangeAspect="1" noMove="1" noResize="1" noEditPoints="1" noAdjustHandles="1" noChangeArrowheads="1" noChangeShapeType="1" noTextEdit="1"/>
+              </p:cNvSpPr>
+              <p:nvPr/>
+            </p:nvSpPr>
+            <p:spPr>
+              <a:xfrm>
+                <a:off x="3713978" y="4507468"/>
+                <a:ext cx="439799" cy="369332"/>
+              </a:xfrm>
+              <a:prstGeom prst="rect">
+                <a:avLst/>
+              </a:prstGeom>
+              <a:blipFill rotWithShape="1">
+                <a:blip r:embed="rId16"/>
+                <a:stretch>
+                  <a:fillRect b="-8197"/>
+                </a:stretch>
+              </a:blipFill>
+            </p:spPr>
+            <p:txBody>
+              <a:bodyPr/>
+              <a:lstStyle/>
+              <a:p>
+                <a:r>
+                  <a:rPr lang="en-GB">
+                    <a:noFill/>
+                  </a:rPr>
+                  <a:t> </a:t>
+                </a:r>
+              </a:p>
+            </p:txBody>
+          </p:sp>
+        </mc:Fallback>
+      </mc:AlternateContent>
+      <p:sp>
+        <p:nvSpPr>
+          <p:cNvPr id="15" name="Right Arrow 14"/>
+          <p:cNvSpPr/>
+          <p:nvPr/>
+        </p:nvSpPr>
+        <p:spPr>
+          <a:xfrm>
+            <a:off x="2819400" y="5257800"/>
+            <a:ext cx="381000" cy="228600"/>
+          </a:xfrm>
+          <a:prstGeom prst="rightArrow">
+            <a:avLst/>
+          </a:prstGeom>
+        </p:spPr>
+        <p:style>
+          <a:lnRef idx="2">
+            <a:schemeClr val="accent1">
+              <a:shade val="50000"/>
+            </a:schemeClr>
+          </a:lnRef>
+          <a:fillRef idx="1">
+            <a:schemeClr val="accent1"/>
+          </a:fillRef>
+          <a:effectRef idx="0">
+            <a:schemeClr val="accent1"/>
+          </a:effectRef>
+          <a:fontRef idx="minor">
+            <a:schemeClr val="lt1"/>
+          </a:fontRef>
+        </p:style>
+        <p:txBody>
+          <a:bodyPr rtlCol="0" anchor="ctr"/>
+          <a:lstStyle/>
+          <a:p>
+            <a:pPr algn="ctr"/>
+            <a:endParaRPr lang="en-US"/>
+          </a:p>
+        </p:txBody>
+      </p:sp>
+      <p:sp>
+        <p:nvSpPr>
+          <p:cNvPr id="16" name="Right Arrow 15"/>
+          <p:cNvSpPr/>
+          <p:nvPr/>
+        </p:nvSpPr>
+        <p:spPr>
+          <a:xfrm>
+            <a:off x="2819400" y="1676400"/>
+            <a:ext cx="381000" cy="228600"/>
+          </a:xfrm>
+          <a:prstGeom prst="rightArrow">
+            <a:avLst/>
+          </a:prstGeom>
+        </p:spPr>
+        <p:style>
+          <a:lnRef idx="2">
+            <a:schemeClr val="accent1">
+              <a:shade val="50000"/>
+            </a:schemeClr>
+          </a:lnRef>
+          <a:fillRef idx="1">
+            <a:schemeClr val="accent1"/>
+          </a:fillRef>
+          <a:effectRef idx="0">
+            <a:schemeClr val="accent1"/>
+          </a:effectRef>
+          <a:fontRef idx="minor">
+            <a:schemeClr val="lt1"/>
+          </a:fontRef>
+        </p:style>
+        <p:txBody>
+          <a:bodyPr rtlCol="0" anchor="ctr"/>
+          <a:lstStyle/>
+          <a:p>
+            <a:pPr algn="ctr"/>
+            <a:endParaRPr lang="en-US"/>
+          </a:p>
+        </p:txBody>
+      </p:sp>
+      <p:sp>
+        <p:nvSpPr>
+          <p:cNvPr id="17" name="Right Arrow 16"/>
+          <p:cNvSpPr/>
+          <p:nvPr/>
+        </p:nvSpPr>
+        <p:spPr>
+          <a:xfrm>
+            <a:off x="2819400" y="3733800"/>
+            <a:ext cx="381000" cy="228600"/>
+          </a:xfrm>
+          <a:prstGeom prst="rightArrow">
+            <a:avLst/>
+          </a:prstGeom>
+        </p:spPr>
+        <p:style>
+          <a:lnRef idx="2">
+            <a:schemeClr val="accent1">
+              <a:shade val="50000"/>
+            </a:schemeClr>
+          </a:lnRef>
+          <a:fillRef idx="1">
+            <a:schemeClr val="accent1"/>
+          </a:fillRef>
+          <a:effectRef idx="0">
+            <a:schemeClr val="accent1"/>
+          </a:effectRef>
+          <a:fontRef idx="minor">
+            <a:schemeClr val="lt1"/>
+          </a:fontRef>
+        </p:style>
+        <p:txBody>
+          <a:bodyPr rtlCol="0" anchor="ctr"/>
+          <a:lstStyle/>
+          <a:p>
+            <a:pPr algn="ctr"/>
+            <a:endParaRPr lang="en-US"/>
+          </a:p>
+        </p:txBody>
+      </p:sp>
       <p:pic>
         <p:nvPicPr>
-          <p:cNvPr id="3074" name="Picture 2"/>
+          <p:cNvPr id="47" name="Picture 14"/>
           <p:cNvPicPr>
             <a:picLocks noChangeAspect="1" noChangeArrowheads="1"/>
           </p:cNvPicPr>
           <p:nvPr/>
         </p:nvPicPr>
         <p:blipFill>
-          <a:blip r:embed="rId13" cstate="print"/>
+          <a:blip r:embed="rId17" cstate="print"/>
           <a:srcRect/>
           <a:stretch>
             <a:fillRect/>
@@ -9622,8 +11539,8 @@
         </p:blipFill>
         <p:spPr bwMode="auto">
           <a:xfrm>
-            <a:off x="5334000" y="2667000"/>
-            <a:ext cx="1533524" cy="495300"/>
+            <a:off x="4800600" y="2203179"/>
+            <a:ext cx="1447800" cy="1304925"/>
           </a:xfrm>
           <a:prstGeom prst="rect">
             <a:avLst/>
@@ -9639,14 +11556,14 @@
       </p:pic>
       <p:pic>
         <p:nvPicPr>
-          <p:cNvPr id="3075" name="Picture 3" descr="C:\Users\carmi\Documents\universal_style_transfer\Report\Figures\merge\merge_bridge_starry_st2_4.jpg"/>
+          <p:cNvPr id="48" name="Picture 2" descr="C:\Users\carmi\Documents\universal_style_transfer\Report\Figures\merge\merge_bridge_starry_st2_2.jpg"/>
           <p:cNvPicPr>
             <a:picLocks noChangeAspect="1" noChangeArrowheads="1"/>
           </p:cNvPicPr>
           <p:nvPr/>
         </p:nvPicPr>
         <p:blipFill>
-          <a:blip r:embed="rId14" cstate="print"/>
+          <a:blip r:embed="rId18" cstate="print"/>
           <a:srcRect/>
           <a:stretch>
             <a:fillRect/>
@@ -9654,8 +11571,8 @@
         </p:blipFill>
         <p:spPr bwMode="auto">
           <a:xfrm>
-            <a:off x="6858000" y="533400"/>
-            <a:ext cx="2133600" cy="2133600"/>
+            <a:off x="6728459" y="469482"/>
+            <a:ext cx="2263141" cy="2089052"/>
           </a:xfrm>
           <a:prstGeom prst="rect">
             <a:avLst/>
@@ -9663,41 +11580,132 @@
           <a:noFill/>
         </p:spPr>
       </p:pic>
-      <p:sp>
-        <p:nvSpPr>
-          <p:cNvPr id="67" name="TextBox 66"/>
-          <p:cNvSpPr txBox="1"/>
-          <p:nvPr/>
-        </p:nvSpPr>
-        <p:spPr>
-          <a:xfrm>
-            <a:off x="3124200" y="6172200"/>
-            <a:ext cx="2688557" cy="369332"/>
-          </a:xfrm>
-          <a:prstGeom prst="rect">
-            <a:avLst/>
-          </a:prstGeom>
-          <a:noFill/>
-        </p:spPr>
-        <p:txBody>
-          <a:bodyPr wrap="none" rtlCol="0">
-            <a:spAutoFit/>
-          </a:bodyPr>
-          <a:lstStyle/>
-          <a:p>
-            <a:r>
-              <a:rPr lang="en-US" b="1" dirty="0" smtClean="0"/>
-              <a:t>Deep feature channels</a:t>
-            </a:r>
-            <a:endParaRPr lang="en-US" b="1" dirty="0"/>
-          </a:p>
-        </p:txBody>
-      </p:sp>
+      <mc:AlternateContent xmlns:mc="http://schemas.openxmlformats.org/markup-compatibility/2006">
+        <mc:Choice xmlns:a14="http://schemas.microsoft.com/office/drawing/2010/main" Requires="a14">
+          <p:sp>
+            <p:nvSpPr>
+              <p:cNvPr id="49" name="TextBox 48"/>
+              <p:cNvSpPr txBox="1"/>
+              <p:nvPr/>
+            </p:nvSpPr>
+            <p:spPr>
+              <a:xfrm>
+                <a:off x="6915305" y="3259502"/>
+                <a:ext cx="519694" cy="369332"/>
+              </a:xfrm>
+              <a:prstGeom prst="rect">
+                <a:avLst/>
+              </a:prstGeom>
+              <a:noFill/>
+            </p:spPr>
+            <p:txBody>
+              <a:bodyPr wrap="none" rtlCol="0">
+                <a:spAutoFit/>
+              </a:bodyPr>
+              <a:lstStyle/>
+              <a:p>
+                <a:pPr/>
+                <a14:m>
+                  <m:oMathPara xmlns:m="http://schemas.openxmlformats.org/officeDocument/2006/math">
+                    <m:oMathParaPr>
+                      <m:jc m:val="centerGroup"/>
+                    </m:oMathParaPr>
+                    <m:oMath xmlns:m="http://schemas.openxmlformats.org/officeDocument/2006/math">
+                      <m:sSub>
+                        <m:sSubPr>
+                          <m:ctrlPr>
+                            <a:rPr lang="en-GB" b="0" i="1" smtClean="0">
+                              <a:latin typeface="Cambria Math"/>
+                            </a:rPr>
+                          </m:ctrlPr>
+                        </m:sSubPr>
+                        <m:e>
+                          <m:r>
+                            <a:rPr lang="en-GB" b="0" i="1" smtClean="0">
+                              <a:latin typeface="Cambria Math"/>
+                            </a:rPr>
+                            <m:t>𝑓</m:t>
+                          </m:r>
+                        </m:e>
+                        <m:sub>
+                          <m:r>
+                            <a:rPr lang="en-GB" b="0" i="1" smtClean="0">
+                              <a:latin typeface="Cambria Math"/>
+                            </a:rPr>
+                            <m:t>𝑐</m:t>
+                          </m:r>
+                          <m:r>
+                            <a:rPr lang="en-GB" b="0" i="1" smtClean="0">
+                              <a:latin typeface="Cambria Math"/>
+                            </a:rPr>
+                            <m:t>𝑠</m:t>
+                          </m:r>
+                        </m:sub>
+                      </m:sSub>
+                    </m:oMath>
+                  </m:oMathPara>
+                </a14:m>
+                <a:endParaRPr lang="en-GB" dirty="0"/>
+              </a:p>
+            </p:txBody>
+          </p:sp>
+        </mc:Choice>
+        <mc:Fallback>
+          <p:sp>
+            <p:nvSpPr>
+              <p:cNvPr id="49" name="TextBox 48"/>
+              <p:cNvSpPr txBox="1">
+                <a:spLocks noRot="1" noChangeAspect="1" noMove="1" noResize="1" noEditPoints="1" noAdjustHandles="1" noChangeArrowheads="1" noChangeShapeType="1" noTextEdit="1"/>
+              </p:cNvSpPr>
+              <p:nvPr/>
+            </p:nvSpPr>
+            <p:spPr>
+              <a:xfrm>
+                <a:off x="6915305" y="3259502"/>
+                <a:ext cx="519694" cy="369332"/>
+              </a:xfrm>
+              <a:prstGeom prst="rect">
+                <a:avLst/>
+              </a:prstGeom>
+              <a:blipFill rotWithShape="1">
+                <a:blip r:embed="rId19"/>
+                <a:stretch>
+                  <a:fillRect b="-10000"/>
+                </a:stretch>
+              </a:blipFill>
+            </p:spPr>
+            <p:txBody>
+              <a:bodyPr/>
+              <a:lstStyle/>
+              <a:p>
+                <a:r>
+                  <a:rPr lang="en-GB">
+                    <a:noFill/>
+                  </a:rPr>
+                  <a:t> </a:t>
+                </a:r>
+              </a:p>
+            </p:txBody>
+          </p:sp>
+        </mc:Fallback>
+      </mc:AlternateContent>
     </p:spTree>
+    <p:extLst>
+      <p:ext uri="{BB962C8B-B14F-4D97-AF65-F5344CB8AC3E}">
+        <p14:creationId xmlns:p14="http://schemas.microsoft.com/office/powerpoint/2010/main" val="1611528961"/>
+      </p:ext>
+    </p:extLst>
   </p:cSld>
   <p:clrMapOvr>
     <a:masterClrMapping/>
   </p:clrMapOvr>
+  <p:timing>
+    <p:tnLst>
+      <p:par>
+        <p:cTn id="1" dur="indefinite" restart="never" nodeType="tmRoot"/>
+      </p:par>
+    </p:tnLst>
+  </p:timing>
 </p:sld>
 </file>
 

--- a/ppt/Universal Style transfer via Feature Transform.pptx
+++ b/ppt/Universal Style transfer via Feature Transform.pptx
@@ -4652,7 +4652,19 @@
               <a:rPr lang="en-US" dirty="0" smtClean="0">
                 <a:latin typeface="Arial Black" pitchFamily="34" charset="0"/>
               </a:rPr>
-              <a:t>Universal Style transfer via Feature Transform</a:t>
+              <a:t>Universal Style </a:t>
+            </a:r>
+            <a:r>
+              <a:rPr lang="en-US" dirty="0" smtClean="0">
+                <a:latin typeface="Arial Black" pitchFamily="34" charset="0"/>
+              </a:rPr>
+              <a:t>Transfer </a:t>
+            </a:r>
+            <a:r>
+              <a:rPr lang="en-US" dirty="0" smtClean="0">
+                <a:latin typeface="Arial Black" pitchFamily="34" charset="0"/>
+              </a:rPr>
+              <a:t>via Feature Transform</a:t>
             </a:r>
             <a:endParaRPr lang="en-US" dirty="0">
               <a:latin typeface="Arial Black" pitchFamily="34" charset="0"/>
@@ -4682,17 +4694,29 @@
           <a:p>
             <a:pPr algn="l"/>
             <a:r>
-              <a:rPr lang="en-US" dirty="0" smtClean="0"/>
+              <a:rPr lang="en-US" dirty="0" smtClean="0">
+                <a:solidFill>
+                  <a:schemeClr val="tx1"/>
+                </a:solidFill>
+              </a:rPr>
               <a:t>Eyal Waserman</a:t>
             </a:r>
           </a:p>
           <a:p>
             <a:pPr algn="l"/>
             <a:r>
-              <a:rPr lang="en-US" dirty="0" smtClean="0"/>
+              <a:rPr lang="en-US" dirty="0" smtClean="0">
+                <a:solidFill>
+                  <a:schemeClr val="tx1"/>
+                </a:solidFill>
+              </a:rPr>
               <a:t>Carmi Shimon</a:t>
             </a:r>
-            <a:endParaRPr lang="en-US" dirty="0"/>
+            <a:endParaRPr lang="en-US" dirty="0">
+              <a:solidFill>
+                <a:schemeClr val="tx1"/>
+              </a:solidFill>
+            </a:endParaRPr>
           </a:p>
         </p:txBody>
       </p:sp>
@@ -6172,17 +6196,29 @@
           <a:p>
             <a:pPr algn="l"/>
             <a:r>
-              <a:rPr lang="en-US" dirty="0" smtClean="0"/>
+              <a:rPr lang="en-US" dirty="0" smtClean="0">
+                <a:solidFill>
+                  <a:schemeClr val="tx1"/>
+                </a:solidFill>
+              </a:rPr>
               <a:t>Eyal Waserman</a:t>
             </a:r>
           </a:p>
           <a:p>
             <a:pPr algn="l"/>
             <a:r>
-              <a:rPr lang="en-US" dirty="0" smtClean="0"/>
+              <a:rPr lang="en-US" dirty="0" smtClean="0">
+                <a:solidFill>
+                  <a:schemeClr val="tx1"/>
+                </a:solidFill>
+              </a:rPr>
               <a:t>Carmi Shimon</a:t>
             </a:r>
-            <a:endParaRPr lang="en-US" dirty="0"/>
+            <a:endParaRPr lang="en-US" dirty="0">
+              <a:solidFill>
+                <a:schemeClr val="tx1"/>
+              </a:solidFill>
+            </a:endParaRPr>
           </a:p>
         </p:txBody>
       </p:sp>
@@ -6353,7 +6389,19 @@
               <a:rPr lang="en-US" dirty="0" smtClean="0">
                 <a:latin typeface="Arial Black" pitchFamily="34" charset="0"/>
               </a:rPr>
-              <a:t>Universal Style transfer via Feature Transform</a:t>
+              <a:t>Universal Style </a:t>
+            </a:r>
+            <a:r>
+              <a:rPr lang="en-US" dirty="0" smtClean="0">
+                <a:latin typeface="Arial Black" pitchFamily="34" charset="0"/>
+              </a:rPr>
+              <a:t>Transfer </a:t>
+            </a:r>
+            <a:r>
+              <a:rPr lang="en-US" dirty="0" smtClean="0">
+                <a:latin typeface="Arial Black" pitchFamily="34" charset="0"/>
+              </a:rPr>
+              <a:t>via Feature Transform</a:t>
             </a:r>
             <a:endParaRPr lang="en-US" dirty="0">
               <a:latin typeface="Arial Black" pitchFamily="34" charset="0"/>
@@ -6383,17 +6431,29 @@
           <a:p>
             <a:pPr algn="l"/>
             <a:r>
-              <a:rPr lang="en-US" dirty="0" smtClean="0"/>
+              <a:rPr lang="en-US" dirty="0" smtClean="0">
+                <a:solidFill>
+                  <a:schemeClr val="tx1"/>
+                </a:solidFill>
+              </a:rPr>
               <a:t>Eyal Waserman</a:t>
             </a:r>
           </a:p>
           <a:p>
             <a:pPr algn="l"/>
             <a:r>
-              <a:rPr lang="en-US" dirty="0" smtClean="0"/>
+              <a:rPr lang="en-US" dirty="0" smtClean="0">
+                <a:solidFill>
+                  <a:schemeClr val="tx1"/>
+                </a:solidFill>
+              </a:rPr>
               <a:t>Carmi Shimon</a:t>
             </a:r>
-            <a:endParaRPr lang="en-US" dirty="0"/>
+            <a:endParaRPr lang="en-US" dirty="0">
+              <a:solidFill>
+                <a:schemeClr val="tx1"/>
+              </a:solidFill>
+            </a:endParaRPr>
           </a:p>
         </p:txBody>
       </p:sp>
@@ -6432,7 +6492,7 @@
         <p:spPr>
           <a:xfrm>
             <a:off x="609600" y="1828800"/>
-            <a:ext cx="7620000" cy="1754326"/>
+            <a:ext cx="7620000" cy="2308324"/>
           </a:xfrm>
           <a:prstGeom prst="rect">
             <a:avLst/>
@@ -6444,6 +6504,20 @@
             <a:spAutoFit/>
           </a:bodyPr>
           <a:lstStyle/>
+          <a:p>
+            <a:pPr marL="285750" indent="-285750">
+              <a:buFont typeface="Arial" panose="020B0604020202020204" pitchFamily="34" charset="0"/>
+              <a:buChar char="•"/>
+            </a:pPr>
+            <a:endParaRPr lang="en-GB" dirty="0" smtClean="0"/>
+          </a:p>
+          <a:p>
+            <a:pPr marL="285750" indent="-285750">
+              <a:buFont typeface="Arial" panose="020B0604020202020204" pitchFamily="34" charset="0"/>
+              <a:buChar char="•"/>
+            </a:pPr>
+            <a:endParaRPr lang="en-GB" dirty="0"/>
+          </a:p>
           <a:p>
             <a:pPr marL="285750" indent="-285750">
               <a:buFont typeface="Arial" panose="020B0604020202020204" pitchFamily="34" charset="0"/>
@@ -6455,7 +6529,11 @@
             </a:r>
             <a:r>
               <a:rPr lang="en-GB" dirty="0" smtClean="0"/>
-              <a:t> Tool for Style </a:t>
+              <a:t> </a:t>
+            </a:r>
+            <a:r>
+              <a:rPr lang="en-GB" dirty="0" smtClean="0"/>
+              <a:t>Tool for Style </a:t>
             </a:r>
             <a:r>
               <a:rPr lang="en-GB" dirty="0"/>
@@ -9185,8 +9263,8 @@
           </a:p>
         </p:txBody>
       </p:sp>
-      <mc:AlternateContent xmlns:mc="http://schemas.openxmlformats.org/markup-compatibility/2006">
-        <mc:Choice xmlns:a14="http://schemas.microsoft.com/office/drawing/2010/main" Requires="a14">
+      <mc:AlternateContent xmlns:mc="http://schemas.openxmlformats.org/markup-compatibility/2006" xmlns:a14="http://schemas.microsoft.com/office/drawing/2010/main">
+        <mc:Choice Requires="a14">
           <p:sp>
             <p:nvSpPr>
               <p:cNvPr id="24" name="TextBox 23"/>
@@ -9274,7 +9352,7 @@
             </p:txBody>
           </p:sp>
         </mc:Choice>
-        <mc:Fallback>
+        <mc:Fallback xmlns="">
           <p:sp>
             <p:nvSpPr>
               <p:cNvPr id="24" name="TextBox 23"/>
@@ -9313,8 +9391,8 @@
           </p:sp>
         </mc:Fallback>
       </mc:AlternateContent>
-      <mc:AlternateContent xmlns:mc="http://schemas.openxmlformats.org/markup-compatibility/2006">
-        <mc:Choice xmlns:a14="http://schemas.microsoft.com/office/drawing/2010/main" Requires="a14">
+      <mc:AlternateContent xmlns:mc="http://schemas.openxmlformats.org/markup-compatibility/2006" xmlns:a14="http://schemas.microsoft.com/office/drawing/2010/main">
+        <mc:Choice Requires="a14">
           <p:sp>
             <p:nvSpPr>
               <p:cNvPr id="40" name="TextBox 39"/>
@@ -9402,7 +9480,7 @@
             </p:txBody>
           </p:sp>
         </mc:Choice>
-        <mc:Fallback>
+        <mc:Fallback xmlns="">
           <p:sp>
             <p:nvSpPr>
               <p:cNvPr id="40" name="TextBox 39"/>
@@ -9685,8 +9763,8 @@
           </p:sp>
         </mc:Fallback>
       </mc:AlternateContent>
-      <mc:AlternateContent xmlns:mc="http://schemas.openxmlformats.org/markup-compatibility/2006">
-        <mc:Choice xmlns:a14="http://schemas.microsoft.com/office/drawing/2010/main" Requires="a14">
+      <mc:AlternateContent xmlns:mc="http://schemas.openxmlformats.org/markup-compatibility/2006" xmlns:a14="http://schemas.microsoft.com/office/drawing/2010/main">
+        <mc:Choice Requires="a14">
           <p:sp>
             <p:nvSpPr>
               <p:cNvPr id="46" name="TextBox 45"/>
@@ -9749,7 +9827,7 @@
             </p:txBody>
           </p:sp>
         </mc:Choice>
-        <mc:Fallback>
+        <mc:Fallback xmlns="">
           <p:sp>
             <p:nvSpPr>
               <p:cNvPr id="46" name="TextBox 45"/>
@@ -9788,8 +9866,8 @@
           </p:sp>
         </mc:Fallback>
       </mc:AlternateContent>
-      <mc:AlternateContent xmlns:mc="http://schemas.openxmlformats.org/markup-compatibility/2006">
-        <mc:Choice xmlns:a14="http://schemas.microsoft.com/office/drawing/2010/main" Requires="a14">
+      <mc:AlternateContent xmlns:mc="http://schemas.openxmlformats.org/markup-compatibility/2006" xmlns:a14="http://schemas.microsoft.com/office/drawing/2010/main">
+        <mc:Choice Requires="a14">
           <p:sp>
             <p:nvSpPr>
               <p:cNvPr id="6" name="TextBox 5"/>
@@ -9812,6 +9890,7 @@
               </a:bodyPr>
               <a:lstStyle/>
               <a:p>
+                <a:pPr/>
                 <a14:m>
                   <m:oMathPara xmlns:m="http://schemas.openxmlformats.org/officeDocument/2006/math">
                     <m:oMathParaPr>
@@ -9973,7 +10052,7 @@
             </p:txBody>
           </p:sp>
         </mc:Choice>
-        <mc:Fallback>
+        <mc:Fallback xmlns="">
           <p:sp>
             <p:nvSpPr>
               <p:cNvPr id="6" name="TextBox 5"/>
@@ -10095,7 +10174,6 @@
               <a:rPr lang="en-US" dirty="0"/>
               <a:t>Channel Merge</a:t>
             </a:r>
-            <a:endParaRPr lang="en-US" dirty="0"/>
           </a:p>
         </p:txBody>
       </p:sp>
@@ -10921,8 +10999,8 @@
           </a:p>
         </p:txBody>
       </p:sp>
-      <mc:AlternateContent xmlns:mc="http://schemas.openxmlformats.org/markup-compatibility/2006">
-        <mc:Choice xmlns:a14="http://schemas.microsoft.com/office/drawing/2010/main" Requires="a14">
+      <mc:AlternateContent xmlns:mc="http://schemas.openxmlformats.org/markup-compatibility/2006" xmlns:a14="http://schemas.microsoft.com/office/drawing/2010/main">
+        <mc:Choice Requires="a14">
           <p:sp>
             <p:nvSpPr>
               <p:cNvPr id="24" name="TextBox 23"/>
@@ -11016,7 +11094,7 @@
             </p:txBody>
           </p:sp>
         </mc:Choice>
-        <mc:Fallback>
+        <mc:Fallback xmlns="">
           <p:sp>
             <p:nvSpPr>
               <p:cNvPr id="24" name="TextBox 23"/>
@@ -11055,8 +11133,8 @@
           </p:sp>
         </mc:Fallback>
       </mc:AlternateContent>
-      <mc:AlternateContent xmlns:mc="http://schemas.openxmlformats.org/markup-compatibility/2006">
-        <mc:Choice xmlns:a14="http://schemas.microsoft.com/office/drawing/2010/main" Requires="a14">
+      <mc:AlternateContent xmlns:mc="http://schemas.openxmlformats.org/markup-compatibility/2006" xmlns:a14="http://schemas.microsoft.com/office/drawing/2010/main">
+        <mc:Choice Requires="a14">
           <p:sp>
             <p:nvSpPr>
               <p:cNvPr id="41" name="TextBox 40"/>
@@ -11138,7 +11216,7 @@
             </p:txBody>
           </p:sp>
         </mc:Choice>
-        <mc:Fallback>
+        <mc:Fallback xmlns="">
           <p:sp>
             <p:nvSpPr>
               <p:cNvPr id="41" name="TextBox 40"/>
@@ -11177,8 +11255,8 @@
           </p:sp>
         </mc:Fallback>
       </mc:AlternateContent>
-      <mc:AlternateContent xmlns:mc="http://schemas.openxmlformats.org/markup-compatibility/2006">
-        <mc:Choice xmlns:a14="http://schemas.microsoft.com/office/drawing/2010/main" Requires="a14">
+      <mc:AlternateContent xmlns:mc="http://schemas.openxmlformats.org/markup-compatibility/2006" xmlns:a14="http://schemas.microsoft.com/office/drawing/2010/main">
+        <mc:Choice Requires="a14">
           <p:sp>
             <p:nvSpPr>
               <p:cNvPr id="44" name="TextBox 43"/>
@@ -11260,7 +11338,7 @@
             </p:txBody>
           </p:sp>
         </mc:Choice>
-        <mc:Fallback>
+        <mc:Fallback xmlns="">
           <p:sp>
             <p:nvSpPr>
               <p:cNvPr id="44" name="TextBox 43"/>
@@ -11299,8 +11377,8 @@
           </p:sp>
         </mc:Fallback>
       </mc:AlternateContent>
-      <mc:AlternateContent xmlns:mc="http://schemas.openxmlformats.org/markup-compatibility/2006">
-        <mc:Choice xmlns:a14="http://schemas.microsoft.com/office/drawing/2010/main" Requires="a14">
+      <mc:AlternateContent xmlns:mc="http://schemas.openxmlformats.org/markup-compatibility/2006" xmlns:a14="http://schemas.microsoft.com/office/drawing/2010/main">
+        <mc:Choice Requires="a14">
           <p:sp>
             <p:nvSpPr>
               <p:cNvPr id="46" name="TextBox 45"/>
@@ -11363,7 +11441,7 @@
             </p:txBody>
           </p:sp>
         </mc:Choice>
-        <mc:Fallback>
+        <mc:Fallback xmlns="">
           <p:sp>
             <p:nvSpPr>
               <p:cNvPr id="46" name="TextBox 45"/>
@@ -11580,8 +11658,8 @@
           <a:noFill/>
         </p:spPr>
       </p:pic>
-      <mc:AlternateContent xmlns:mc="http://schemas.openxmlformats.org/markup-compatibility/2006">
-        <mc:Choice xmlns:a14="http://schemas.microsoft.com/office/drawing/2010/main" Requires="a14">
+      <mc:AlternateContent xmlns:mc="http://schemas.openxmlformats.org/markup-compatibility/2006" xmlns:a14="http://schemas.microsoft.com/office/drawing/2010/main">
+        <mc:Choice Requires="a14">
           <p:sp>
             <p:nvSpPr>
               <p:cNvPr id="49" name="TextBox 48"/>
@@ -11632,13 +11710,7 @@
                             <a:rPr lang="en-GB" b="0" i="1" smtClean="0">
                               <a:latin typeface="Cambria Math"/>
                             </a:rPr>
-                            <m:t>𝑐</m:t>
-                          </m:r>
-                          <m:r>
-                            <a:rPr lang="en-GB" b="0" i="1" smtClean="0">
-                              <a:latin typeface="Cambria Math"/>
-                            </a:rPr>
-                            <m:t>𝑠</m:t>
+                            <m:t>𝑐𝑠</m:t>
                           </m:r>
                         </m:sub>
                       </m:sSub>
@@ -11650,7 +11722,7 @@
             </p:txBody>
           </p:sp>
         </mc:Choice>
-        <mc:Fallback>
+        <mc:Fallback xmlns="">
           <p:sp>
             <p:nvSpPr>
               <p:cNvPr id="49" name="TextBox 48"/>

--- a/ppt/Universal Style transfer via Feature Transform.pptx
+++ b/ppt/Universal Style transfer via Feature Transform.pptx
@@ -744,7 +744,7 @@
             <a:fld id="{E6E985E8-094D-432C-AD96-489E57D7E58F}" type="datetimeFigureOut">
               <a:rPr lang="en-US" smtClean="0"/>
               <a:pPr/>
-              <a:t>22-Feb-19</a:t>
+              <a:t>23-Feb-19</a:t>
             </a:fld>
             <a:endParaRPr lang="en-US"/>
           </a:p>
@@ -942,7 +942,7 @@
             <a:fld id="{E6E985E8-094D-432C-AD96-489E57D7E58F}" type="datetimeFigureOut">
               <a:rPr lang="en-US" smtClean="0"/>
               <a:pPr/>
-              <a:t>22-Feb-19</a:t>
+              <a:t>23-Feb-19</a:t>
             </a:fld>
             <a:endParaRPr lang="en-US"/>
           </a:p>
@@ -1129,7 +1129,7 @@
             <a:fld id="{E6E985E8-094D-432C-AD96-489E57D7E58F}" type="datetimeFigureOut">
               <a:rPr lang="en-US" smtClean="0"/>
               <a:pPr/>
-              <a:t>22-Feb-19</a:t>
+              <a:t>23-Feb-19</a:t>
             </a:fld>
             <a:endParaRPr lang="en-US"/>
           </a:p>
@@ -1281,7 +1281,7 @@
             <a:fld id="{E6E985E8-094D-432C-AD96-489E57D7E58F}" type="datetimeFigureOut">
               <a:rPr lang="en-US" smtClean="0"/>
               <a:pPr/>
-              <a:t>22-Feb-19</a:t>
+              <a:t>23-Feb-19</a:t>
             </a:fld>
             <a:endParaRPr lang="en-US"/>
           </a:p>
@@ -1538,7 +1538,7 @@
             <a:fld id="{E6E985E8-094D-432C-AD96-489E57D7E58F}" type="datetimeFigureOut">
               <a:rPr lang="en-US" smtClean="0"/>
               <a:pPr/>
-              <a:t>22-Feb-19</a:t>
+              <a:t>23-Feb-19</a:t>
             </a:fld>
             <a:endParaRPr lang="en-US"/>
           </a:p>
@@ -1949,7 +1949,7 @@
             <a:fld id="{E6E985E8-094D-432C-AD96-489E57D7E58F}" type="datetimeFigureOut">
               <a:rPr lang="en-US" smtClean="0"/>
               <a:pPr/>
-              <a:t>22-Feb-19</a:t>
+              <a:t>23-Feb-19</a:t>
             </a:fld>
             <a:endParaRPr lang="en-US"/>
           </a:p>
@@ -2397,7 +2397,7 @@
             <a:fld id="{E6E985E8-094D-432C-AD96-489E57D7E58F}" type="datetimeFigureOut">
               <a:rPr lang="en-US" smtClean="0"/>
               <a:pPr/>
-              <a:t>22-Feb-19</a:t>
+              <a:t>23-Feb-19</a:t>
             </a:fld>
             <a:endParaRPr lang="en-US"/>
           </a:p>
@@ -2500,7 +2500,7 @@
             <a:fld id="{E6E985E8-094D-432C-AD96-489E57D7E58F}" type="datetimeFigureOut">
               <a:rPr lang="en-US" smtClean="0"/>
               <a:pPr/>
-              <a:t>22-Feb-19</a:t>
+              <a:t>23-Feb-19</a:t>
             </a:fld>
             <a:endParaRPr lang="en-US"/>
           </a:p>
@@ -2623,7 +2623,7 @@
             <a:fld id="{E6E985E8-094D-432C-AD96-489E57D7E58F}" type="datetimeFigureOut">
               <a:rPr lang="en-US" smtClean="0"/>
               <a:pPr/>
-              <a:t>22-Feb-19</a:t>
+              <a:t>23-Feb-19</a:t>
             </a:fld>
             <a:endParaRPr lang="en-US"/>
           </a:p>
@@ -2899,7 +2899,7 @@
             <a:fld id="{E6E985E8-094D-432C-AD96-489E57D7E58F}" type="datetimeFigureOut">
               <a:rPr lang="en-US" smtClean="0"/>
               <a:pPr/>
-              <a:t>22-Feb-19</a:t>
+              <a:t>23-Feb-19</a:t>
             </a:fld>
             <a:endParaRPr lang="en-US"/>
           </a:p>
@@ -3106,7 +3106,7 @@
             <a:fld id="{E6E985E8-094D-432C-AD96-489E57D7E58F}" type="datetimeFigureOut">
               <a:rPr lang="en-US" smtClean="0"/>
               <a:pPr/>
-              <a:t>22-Feb-19</a:t>
+              <a:t>23-Feb-19</a:t>
             </a:fld>
             <a:endParaRPr lang="en-US"/>
           </a:p>
@@ -4217,7 +4217,7 @@
             <a:fld id="{E6E985E8-094D-432C-AD96-489E57D7E58F}" type="datetimeFigureOut">
               <a:rPr lang="en-US" smtClean="0"/>
               <a:pPr/>
-              <a:t>22-Feb-19</a:t>
+              <a:t>23-Feb-19</a:t>
             </a:fld>
             <a:endParaRPr lang="en-US"/>
           </a:p>
@@ -4652,19 +4652,7 @@
               <a:rPr lang="en-US" dirty="0" smtClean="0">
                 <a:latin typeface="Arial Black" pitchFamily="34" charset="0"/>
               </a:rPr>
-              <a:t>Universal Style </a:t>
-            </a:r>
-            <a:r>
-              <a:rPr lang="en-US" dirty="0" smtClean="0">
-                <a:latin typeface="Arial Black" pitchFamily="34" charset="0"/>
-              </a:rPr>
-              <a:t>Transfer </a:t>
-            </a:r>
-            <a:r>
-              <a:rPr lang="en-US" dirty="0" smtClean="0">
-                <a:latin typeface="Arial Black" pitchFamily="34" charset="0"/>
-              </a:rPr>
-              <a:t>via Feature Transform</a:t>
+              <a:t>Universal Style Transfer via Feature Transform</a:t>
             </a:r>
             <a:endParaRPr lang="en-US" dirty="0">
               <a:latin typeface="Arial Black" pitchFamily="34" charset="0"/>
@@ -4942,180 +4930,15 @@
           <a:chExt cx="0" cy="0"/>
         </a:xfrm>
       </p:grpSpPr>
-      <p:pic>
-        <p:nvPicPr>
-          <p:cNvPr id="66" name="Picture 7"/>
-          <p:cNvPicPr>
-            <a:picLocks noChangeAspect="1" noChangeArrowheads="1"/>
-          </p:cNvPicPr>
-          <p:nvPr/>
-        </p:nvPicPr>
-        <p:blipFill>
-          <a:blip r:embed="rId2" cstate="print"/>
-          <a:srcRect/>
-          <a:stretch>
-            <a:fillRect/>
-          </a:stretch>
-        </p:blipFill>
-        <p:spPr bwMode="auto">
-          <a:xfrm>
-            <a:off x="1867874" y="4572000"/>
-            <a:ext cx="1256326" cy="1676400"/>
-          </a:xfrm>
-          <a:prstGeom prst="rect">
-            <a:avLst/>
-          </a:prstGeom>
-          <a:noFill/>
-          <a:ln w="9525">
-            <a:noFill/>
-            <a:miter lim="800000"/>
-            <a:headEnd/>
-            <a:tailEnd/>
-          </a:ln>
-        </p:spPr>
-      </p:pic>
-      <p:sp>
-        <p:nvSpPr>
-          <p:cNvPr id="3" name="Title 2"/>
-          <p:cNvSpPr>
-            <a:spLocks noGrp="1"/>
-          </p:cNvSpPr>
-          <p:nvPr>
-            <p:ph type="title"/>
-          </p:nvPr>
-        </p:nvSpPr>
-        <p:spPr/>
-        <p:txBody>
-          <a:bodyPr/>
-          <a:lstStyle/>
-          <a:p>
-            <a:r>
-              <a:rPr lang="en-US" dirty="0" smtClean="0"/>
-              <a:t>Interpolation Merge</a:t>
-            </a:r>
-            <a:endParaRPr lang="en-US" dirty="0"/>
-          </a:p>
-        </p:txBody>
-      </p:sp>
-      <p:pic>
-        <p:nvPicPr>
-          <p:cNvPr id="34" name="Picture 4" descr="C:\Users\carmi\Documents\universal_style_transfer\Report\Figures\starry_sq.jpg"/>
-          <p:cNvPicPr>
-            <a:picLocks noChangeAspect="1" noChangeArrowheads="1"/>
-          </p:cNvPicPr>
-          <p:nvPr/>
-        </p:nvPicPr>
-        <p:blipFill>
-          <a:blip r:embed="rId3" cstate="print"/>
-          <a:srcRect/>
-          <a:stretch>
-            <a:fillRect/>
-          </a:stretch>
-        </p:blipFill>
-        <p:spPr bwMode="auto">
-          <a:xfrm>
-            <a:off x="228600" y="1219200"/>
-            <a:ext cx="1371600" cy="1371600"/>
-          </a:xfrm>
-          <a:prstGeom prst="rect">
-            <a:avLst/>
-          </a:prstGeom>
-          <a:noFill/>
-        </p:spPr>
-      </p:pic>
-      <p:pic>
-        <p:nvPicPr>
-          <p:cNvPr id="35" name="Picture 5" descr="C:\Users\carmi\Documents\universal_style_transfer\Report\Figures\st2_sq.jpg"/>
-          <p:cNvPicPr>
-            <a:picLocks noChangeAspect="1" noChangeArrowheads="1"/>
-          </p:cNvPicPr>
-          <p:nvPr/>
-        </p:nvPicPr>
-        <p:blipFill>
-          <a:blip r:embed="rId4" cstate="print"/>
-          <a:srcRect/>
-          <a:stretch>
-            <a:fillRect/>
-          </a:stretch>
-        </p:blipFill>
-        <p:spPr bwMode="auto">
-          <a:xfrm>
-            <a:off x="228598" y="2895598"/>
-            <a:ext cx="1371602" cy="1371602"/>
-          </a:xfrm>
-          <a:prstGeom prst="rect">
-            <a:avLst/>
-          </a:prstGeom>
-          <a:noFill/>
-        </p:spPr>
-      </p:pic>
-      <p:pic>
-        <p:nvPicPr>
-          <p:cNvPr id="36" name="Picture 6" descr="C:\Users\carmi\Documents\universal_style_transfer\Report\Figures\bridge_sq.jpg"/>
-          <p:cNvPicPr>
-            <a:picLocks noChangeAspect="1" noChangeArrowheads="1"/>
-          </p:cNvPicPr>
-          <p:nvPr/>
-        </p:nvPicPr>
-        <p:blipFill>
-          <a:blip r:embed="rId5" cstate="print"/>
-          <a:srcRect/>
-          <a:stretch>
-            <a:fillRect/>
-          </a:stretch>
-        </p:blipFill>
-        <p:spPr bwMode="auto">
-          <a:xfrm>
-            <a:off x="228600" y="4495800"/>
-            <a:ext cx="1371600" cy="1371600"/>
-          </a:xfrm>
-          <a:prstGeom prst="rect">
-            <a:avLst/>
-          </a:prstGeom>
-          <a:noFill/>
-        </p:spPr>
-      </p:pic>
-      <p:pic>
-        <p:nvPicPr>
-          <p:cNvPr id="37" name="Picture 3"/>
-          <p:cNvPicPr>
-            <a:picLocks noChangeAspect="1" noChangeArrowheads="1"/>
-          </p:cNvPicPr>
-          <p:nvPr/>
-        </p:nvPicPr>
-        <p:blipFill>
-          <a:blip r:embed="rId6" cstate="print"/>
-          <a:srcRect/>
-          <a:stretch>
-            <a:fillRect/>
-          </a:stretch>
-        </p:blipFill>
-        <p:spPr bwMode="auto">
-          <a:xfrm>
-            <a:off x="1905000" y="1066800"/>
-            <a:ext cx="1200532" cy="3505200"/>
-          </a:xfrm>
-          <a:prstGeom prst="rect">
-            <a:avLst/>
-          </a:prstGeom>
-          <a:noFill/>
-          <a:ln w="9525">
-            <a:noFill/>
-            <a:miter lim="800000"/>
-            <a:headEnd/>
-            <a:tailEnd/>
-          </a:ln>
-        </p:spPr>
-      </p:pic>
       <p:cxnSp>
         <p:nvCxnSpPr>
-          <p:cNvPr id="38" name="Straight Arrow Connector 37"/>
+          <p:cNvPr id="39" name="Straight Arrow Connector 38"/>
           <p:cNvCxnSpPr/>
           <p:nvPr/>
         </p:nvCxnSpPr>
         <p:spPr>
           <a:xfrm>
-            <a:off x="1524000" y="1752600"/>
+            <a:off x="1524000" y="3733800"/>
             <a:ext cx="381000" cy="0"/>
           </a:xfrm>
           <a:prstGeom prst="straightConnector1">
@@ -5140,15 +4963,180 @@
           </a:fontRef>
         </p:style>
       </p:cxnSp>
+      <p:pic>
+        <p:nvPicPr>
+          <p:cNvPr id="66" name="Picture 7"/>
+          <p:cNvPicPr>
+            <a:picLocks noChangeAspect="1" noChangeArrowheads="1"/>
+          </p:cNvPicPr>
+          <p:nvPr/>
+        </p:nvPicPr>
+        <p:blipFill>
+          <a:blip r:embed="rId2" cstate="print"/>
+          <a:srcRect/>
+          <a:stretch>
+            <a:fillRect/>
+          </a:stretch>
+        </p:blipFill>
+        <p:spPr bwMode="auto">
+          <a:xfrm>
+            <a:off x="1867874" y="4572000"/>
+            <a:ext cx="1256326" cy="1676400"/>
+          </a:xfrm>
+          <a:prstGeom prst="rect">
+            <a:avLst/>
+          </a:prstGeom>
+          <a:noFill/>
+          <a:ln w="9525">
+            <a:noFill/>
+            <a:miter lim="800000"/>
+            <a:headEnd/>
+            <a:tailEnd/>
+          </a:ln>
+        </p:spPr>
+      </p:pic>
+      <p:sp>
+        <p:nvSpPr>
+          <p:cNvPr id="3" name="Title 2"/>
+          <p:cNvSpPr>
+            <a:spLocks noGrp="1"/>
+          </p:cNvSpPr>
+          <p:nvPr>
+            <p:ph type="title"/>
+          </p:nvPr>
+        </p:nvSpPr>
+        <p:spPr/>
+        <p:txBody>
+          <a:bodyPr/>
+          <a:lstStyle/>
+          <a:p>
+            <a:r>
+              <a:rPr lang="en-US" dirty="0" smtClean="0"/>
+              <a:t>Interpolation Merge</a:t>
+            </a:r>
+            <a:endParaRPr lang="en-US" dirty="0"/>
+          </a:p>
+        </p:txBody>
+      </p:sp>
+      <p:pic>
+        <p:nvPicPr>
+          <p:cNvPr id="34" name="Picture 4" descr="C:\Users\carmi\Documents\universal_style_transfer\Report\Figures\starry_sq.jpg"/>
+          <p:cNvPicPr>
+            <a:picLocks noChangeAspect="1" noChangeArrowheads="1"/>
+          </p:cNvPicPr>
+          <p:nvPr/>
+        </p:nvPicPr>
+        <p:blipFill>
+          <a:blip r:embed="rId3" cstate="print"/>
+          <a:srcRect/>
+          <a:stretch>
+            <a:fillRect/>
+          </a:stretch>
+        </p:blipFill>
+        <p:spPr bwMode="auto">
+          <a:xfrm>
+            <a:off x="228600" y="1219200"/>
+            <a:ext cx="1371600" cy="1371600"/>
+          </a:xfrm>
+          <a:prstGeom prst="rect">
+            <a:avLst/>
+          </a:prstGeom>
+          <a:noFill/>
+        </p:spPr>
+      </p:pic>
+      <p:pic>
+        <p:nvPicPr>
+          <p:cNvPr id="35" name="Picture 5" descr="C:\Users\carmi\Documents\universal_style_transfer\Report\Figures\st2_sq.jpg"/>
+          <p:cNvPicPr>
+            <a:picLocks noChangeAspect="1" noChangeArrowheads="1"/>
+          </p:cNvPicPr>
+          <p:nvPr/>
+        </p:nvPicPr>
+        <p:blipFill>
+          <a:blip r:embed="rId4" cstate="print"/>
+          <a:srcRect/>
+          <a:stretch>
+            <a:fillRect/>
+          </a:stretch>
+        </p:blipFill>
+        <p:spPr bwMode="auto">
+          <a:xfrm>
+            <a:off x="228598" y="2895598"/>
+            <a:ext cx="1371602" cy="1371602"/>
+          </a:xfrm>
+          <a:prstGeom prst="rect">
+            <a:avLst/>
+          </a:prstGeom>
+          <a:noFill/>
+        </p:spPr>
+      </p:pic>
+      <p:pic>
+        <p:nvPicPr>
+          <p:cNvPr id="36" name="Picture 6" descr="C:\Users\carmi\Documents\universal_style_transfer\Report\Figures\bridge_sq.jpg"/>
+          <p:cNvPicPr>
+            <a:picLocks noChangeAspect="1" noChangeArrowheads="1"/>
+          </p:cNvPicPr>
+          <p:nvPr/>
+        </p:nvPicPr>
+        <p:blipFill>
+          <a:blip r:embed="rId5" cstate="print"/>
+          <a:srcRect/>
+          <a:stretch>
+            <a:fillRect/>
+          </a:stretch>
+        </p:blipFill>
+        <p:spPr bwMode="auto">
+          <a:xfrm>
+            <a:off x="228600" y="4495800"/>
+            <a:ext cx="1371600" cy="1371600"/>
+          </a:xfrm>
+          <a:prstGeom prst="rect">
+            <a:avLst/>
+          </a:prstGeom>
+          <a:noFill/>
+        </p:spPr>
+      </p:pic>
+      <p:pic>
+        <p:nvPicPr>
+          <p:cNvPr id="37" name="Picture 3"/>
+          <p:cNvPicPr>
+            <a:picLocks noChangeAspect="1" noChangeArrowheads="1"/>
+          </p:cNvPicPr>
+          <p:nvPr/>
+        </p:nvPicPr>
+        <p:blipFill>
+          <a:blip r:embed="rId6" cstate="print"/>
+          <a:srcRect/>
+          <a:stretch>
+            <a:fillRect/>
+          </a:stretch>
+        </p:blipFill>
+        <p:spPr bwMode="auto">
+          <a:xfrm>
+            <a:off x="1905000" y="1066800"/>
+            <a:ext cx="1200532" cy="3505200"/>
+          </a:xfrm>
+          <a:prstGeom prst="rect">
+            <a:avLst/>
+          </a:prstGeom>
+          <a:noFill/>
+          <a:ln w="9525">
+            <a:noFill/>
+            <a:miter lim="800000"/>
+            <a:headEnd/>
+            <a:tailEnd/>
+          </a:ln>
+        </p:spPr>
+      </p:pic>
       <p:cxnSp>
         <p:nvCxnSpPr>
-          <p:cNvPr id="39" name="Straight Arrow Connector 38"/>
+          <p:cNvPr id="38" name="Straight Arrow Connector 37"/>
           <p:cNvCxnSpPr/>
           <p:nvPr/>
         </p:nvCxnSpPr>
         <p:spPr>
           <a:xfrm>
-            <a:off x="1524000" y="3733800"/>
+            <a:off x="1524000" y="1752600"/>
             <a:ext cx="381000" cy="0"/>
           </a:xfrm>
           <a:prstGeom prst="straightConnector1">
@@ -5192,32 +5180,6 @@
           <a:xfrm>
             <a:off x="228600" y="1219200"/>
             <a:ext cx="1371600" cy="1371600"/>
-          </a:xfrm>
-          <a:prstGeom prst="rect">
-            <a:avLst/>
-          </a:prstGeom>
-          <a:noFill/>
-        </p:spPr>
-      </p:pic>
-      <p:pic>
-        <p:nvPicPr>
-          <p:cNvPr id="41" name="Picture 5" descr="C:\Users\carmi\Documents\universal_style_transfer\Report\Figures\st2_sq.jpg"/>
-          <p:cNvPicPr>
-            <a:picLocks noChangeAspect="1" noChangeArrowheads="1"/>
-          </p:cNvPicPr>
-          <p:nvPr/>
-        </p:nvPicPr>
-        <p:blipFill>
-          <a:blip r:embed="rId4" cstate="print"/>
-          <a:srcRect/>
-          <a:stretch>
-            <a:fillRect/>
-          </a:stretch>
-        </p:blipFill>
-        <p:spPr bwMode="auto">
-          <a:xfrm>
-            <a:off x="228598" y="2971800"/>
-            <a:ext cx="1371602" cy="1371602"/>
           </a:xfrm>
           <a:prstGeom prst="rect">
             <a:avLst/>
@@ -6105,6 +6067,136 @@
               </a14:hiddenFill>
             </a:ext>
           </a:extLst>
+        </p:spPr>
+      </p:pic>
+      <p:pic>
+        <p:nvPicPr>
+          <p:cNvPr id="5" name="Picture 4" descr="C:\Users\carmi\Documents\universal_style_transfer\Report\Figures\starry_sq.jpg"/>
+          <p:cNvPicPr>
+            <a:picLocks noChangeAspect="1" noChangeArrowheads="1"/>
+          </p:cNvPicPr>
+          <p:nvPr/>
+        </p:nvPicPr>
+        <p:blipFill>
+          <a:blip r:embed="rId4" cstate="print"/>
+          <a:srcRect/>
+          <a:stretch>
+            <a:fillRect/>
+          </a:stretch>
+        </p:blipFill>
+        <p:spPr bwMode="auto">
+          <a:xfrm>
+            <a:off x="1425018" y="1600200"/>
+            <a:ext cx="609600" cy="609600"/>
+          </a:xfrm>
+          <a:prstGeom prst="rect">
+            <a:avLst/>
+          </a:prstGeom>
+          <a:noFill/>
+        </p:spPr>
+      </p:pic>
+      <p:pic>
+        <p:nvPicPr>
+          <p:cNvPr id="7" name="Picture 4" descr="C:\Users\carmi\Documents\universal_style_transfer\Report\Figures\starry_sq.jpg"/>
+          <p:cNvPicPr>
+            <a:picLocks noChangeAspect="1" noChangeArrowheads="1"/>
+          </p:cNvPicPr>
+          <p:nvPr/>
+        </p:nvPicPr>
+        <p:blipFill>
+          <a:blip r:embed="rId4" cstate="print"/>
+          <a:srcRect/>
+          <a:stretch>
+            <a:fillRect/>
+          </a:stretch>
+        </p:blipFill>
+        <p:spPr bwMode="auto">
+          <a:xfrm>
+            <a:off x="1676400" y="3429000"/>
+            <a:ext cx="609600" cy="609600"/>
+          </a:xfrm>
+          <a:prstGeom prst="rect">
+            <a:avLst/>
+          </a:prstGeom>
+          <a:noFill/>
+        </p:spPr>
+      </p:pic>
+      <p:pic>
+        <p:nvPicPr>
+          <p:cNvPr id="8" name="Picture 4" descr="C:\Users\carmi\Documents\universal_style_transfer\Report\Figures\starry_sq.jpg"/>
+          <p:cNvPicPr>
+            <a:picLocks noChangeAspect="1" noChangeArrowheads="1"/>
+          </p:cNvPicPr>
+          <p:nvPr/>
+        </p:nvPicPr>
+        <p:blipFill>
+          <a:blip r:embed="rId4" cstate="print"/>
+          <a:srcRect/>
+          <a:stretch>
+            <a:fillRect/>
+          </a:stretch>
+        </p:blipFill>
+        <p:spPr bwMode="auto">
+          <a:xfrm>
+            <a:off x="1981200" y="5410200"/>
+            <a:ext cx="609600" cy="609600"/>
+          </a:xfrm>
+          <a:prstGeom prst="rect">
+            <a:avLst/>
+          </a:prstGeom>
+          <a:noFill/>
+        </p:spPr>
+      </p:pic>
+      <p:pic>
+        <p:nvPicPr>
+          <p:cNvPr id="9" name="Picture 5" descr="C:\Users\carmi\Documents\universal_style_transfer\Report\Figures\st2_sq.jpg"/>
+          <p:cNvPicPr>
+            <a:picLocks noChangeAspect="1" noChangeArrowheads="1"/>
+          </p:cNvPicPr>
+          <p:nvPr/>
+        </p:nvPicPr>
+        <p:blipFill>
+          <a:blip r:embed="rId5" cstate="print"/>
+          <a:srcRect/>
+          <a:stretch>
+            <a:fillRect/>
+          </a:stretch>
+        </p:blipFill>
+        <p:spPr bwMode="auto">
+          <a:xfrm>
+            <a:off x="1506796" y="2590800"/>
+            <a:ext cx="609600" cy="609600"/>
+          </a:xfrm>
+          <a:prstGeom prst="rect">
+            <a:avLst/>
+          </a:prstGeom>
+          <a:noFill/>
+        </p:spPr>
+      </p:pic>
+      <p:pic>
+        <p:nvPicPr>
+          <p:cNvPr id="10" name="Picture 5" descr="C:\Users\carmi\Documents\universal_style_transfer\Report\Figures\st2_sq.jpg"/>
+          <p:cNvPicPr>
+            <a:picLocks noChangeAspect="1" noChangeArrowheads="1"/>
+          </p:cNvPicPr>
+          <p:nvPr/>
+        </p:nvPicPr>
+        <p:blipFill>
+          <a:blip r:embed="rId5" cstate="print"/>
+          <a:srcRect/>
+          <a:stretch>
+            <a:fillRect/>
+          </a:stretch>
+        </p:blipFill>
+        <p:spPr bwMode="auto">
+          <a:xfrm>
+            <a:off x="1825736" y="4495800"/>
+            <a:ext cx="609600" cy="609600"/>
+          </a:xfrm>
+          <a:prstGeom prst="rect">
+            <a:avLst/>
+          </a:prstGeom>
+          <a:noFill/>
         </p:spPr>
       </p:pic>
     </p:spTree>
@@ -6389,19 +6481,7 @@
               <a:rPr lang="en-US" dirty="0" smtClean="0">
                 <a:latin typeface="Arial Black" pitchFamily="34" charset="0"/>
               </a:rPr>
-              <a:t>Universal Style </a:t>
-            </a:r>
-            <a:r>
-              <a:rPr lang="en-US" dirty="0" smtClean="0">
-                <a:latin typeface="Arial Black" pitchFamily="34" charset="0"/>
-              </a:rPr>
-              <a:t>Transfer </a:t>
-            </a:r>
-            <a:r>
-              <a:rPr lang="en-US" dirty="0" smtClean="0">
-                <a:latin typeface="Arial Black" pitchFamily="34" charset="0"/>
-              </a:rPr>
-              <a:t>via Feature Transform</a:t>
+              <a:t>Universal Style Transfer via Feature Transform</a:t>
             </a:r>
             <a:endParaRPr lang="en-US" dirty="0">
               <a:latin typeface="Arial Black" pitchFamily="34" charset="0"/>
@@ -6529,11 +6609,7 @@
             </a:r>
             <a:r>
               <a:rPr lang="en-GB" dirty="0" smtClean="0"/>
-              <a:t> </a:t>
-            </a:r>
-            <a:r>
-              <a:rPr lang="en-GB" dirty="0" smtClean="0"/>
-              <a:t>Tool for Style </a:t>
+              <a:t> Tool for Style </a:t>
             </a:r>
             <a:r>
               <a:rPr lang="en-GB" dirty="0"/>
@@ -7155,7 +7231,7 @@
         </p:blipFill>
         <p:spPr bwMode="auto">
           <a:xfrm>
-            <a:off x="5480504" y="3886200"/>
+            <a:off x="5480504" y="3609975"/>
             <a:ext cx="1072696" cy="1905000"/>
           </a:xfrm>
           <a:prstGeom prst="rect">
@@ -7170,35 +7246,6 @@
           </a:ln>
         </p:spPr>
       </p:pic>
-      <p:sp>
-        <p:nvSpPr>
-          <p:cNvPr id="2" name="Title 1"/>
-          <p:cNvSpPr>
-            <a:spLocks noGrp="1"/>
-          </p:cNvSpPr>
-          <p:nvPr>
-            <p:ph type="title"/>
-          </p:nvPr>
-        </p:nvSpPr>
-        <p:spPr>
-          <a:xfrm>
-            <a:off x="457200" y="228600"/>
-            <a:ext cx="8229600" cy="1143000"/>
-          </a:xfrm>
-        </p:spPr>
-        <p:txBody>
-          <a:bodyPr/>
-          <a:lstStyle/>
-          <a:p>
-            <a:pPr algn="ctr"/>
-            <a:r>
-              <a:rPr lang="en-US" dirty="0" smtClean="0"/>
-              <a:t>Stylization Boosting</a:t>
-            </a:r>
-            <a:endParaRPr lang="en-US" dirty="0"/>
-          </a:p>
-        </p:txBody>
-      </p:sp>
       <p:pic>
         <p:nvPicPr>
           <p:cNvPr id="13313" name="Picture 1" descr="C:\Users\carmi\Documents\universal_style_transfer\ppt\boost_fig.png"/>
@@ -7216,8 +7263,8 @@
         </p:blipFill>
         <p:spPr bwMode="auto">
           <a:xfrm>
-            <a:off x="3733800" y="1219200"/>
-            <a:ext cx="1890364" cy="2332038"/>
+            <a:off x="3193758" y="877070"/>
+            <a:ext cx="2445040" cy="3016312"/>
           </a:xfrm>
           <a:prstGeom prst="rect">
             <a:avLst/>
@@ -7268,8 +7315,8 @@
         </p:blipFill>
         <p:spPr bwMode="auto">
           <a:xfrm>
-            <a:off x="2209800" y="1524000"/>
-            <a:ext cx="1057276" cy="3933824"/>
+            <a:off x="1759241" y="1676400"/>
+            <a:ext cx="901117" cy="3352800"/>
           </a:xfrm>
           <a:prstGeom prst="rect">
             <a:avLst/>
@@ -7301,7 +7348,7 @@
         <p:spPr bwMode="auto">
           <a:xfrm>
             <a:off x="152400" y="1295400"/>
-            <a:ext cx="1676400" cy="1676400"/>
+            <a:ext cx="1371600" cy="1371600"/>
           </a:xfrm>
           <a:prstGeom prst="rect">
             <a:avLst/>
@@ -7327,7 +7374,7 @@
         <p:spPr bwMode="auto">
           <a:xfrm flipH="1">
             <a:off x="152400" y="3886200"/>
-            <a:ext cx="1676400" cy="1676400"/>
+            <a:ext cx="1371600" cy="1371600"/>
           </a:xfrm>
           <a:prstGeom prst="rect">
             <a:avLst/>
@@ -7343,8 +7390,8 @@
         </p:nvCxnSpPr>
         <p:spPr>
           <a:xfrm>
-            <a:off x="3200400" y="2133600"/>
-            <a:ext cx="533400" cy="0"/>
+            <a:off x="2590800" y="2133601"/>
+            <a:ext cx="602958" cy="0"/>
           </a:xfrm>
           <a:prstGeom prst="straightConnector1">
             <a:avLst/>
@@ -7376,11 +7423,13 @@
         </p:nvCxnSpPr>
         <p:spPr>
           <a:xfrm rot="5400000" flipH="1" flipV="1">
-            <a:off x="2373710" y="3440510"/>
-            <a:ext cx="2415381" cy="304800"/>
-          </a:xfrm>
-          <a:prstGeom prst="bentConnector2">
-            <a:avLst/>
+            <a:off x="1913192" y="3291434"/>
+            <a:ext cx="2186775" cy="374359"/>
+          </a:xfrm>
+          <a:prstGeom prst="bentConnector3">
+            <a:avLst>
+              <a:gd name="adj1" fmla="val 99899"/>
+            </a:avLst>
           </a:prstGeom>
           <a:ln>
             <a:tailEnd type="arrow"/>
@@ -7409,12 +7458,12 @@
         </p:nvCxnSpPr>
         <p:spPr>
           <a:xfrm rot="16200000" flipH="1">
-            <a:off x="3200400" y="2209800"/>
-            <a:ext cx="2362200" cy="2362200"/>
+            <a:off x="2193852" y="2797247"/>
+            <a:ext cx="1981199" cy="958703"/>
           </a:xfrm>
           <a:prstGeom prst="bentConnector3">
             <a:avLst>
-              <a:gd name="adj1" fmla="val 99597"/>
+              <a:gd name="adj1" fmla="val 100154"/>
             </a:avLst>
           </a:prstGeom>
           <a:ln>
@@ -7444,8 +7493,8 @@
         </p:nvCxnSpPr>
         <p:spPr>
           <a:xfrm>
-            <a:off x="3200400" y="4724400"/>
-            <a:ext cx="2362200" cy="0"/>
+            <a:off x="2590800" y="4419600"/>
+            <a:ext cx="1073003" cy="0"/>
           </a:xfrm>
           <a:prstGeom prst="straightConnector1">
             <a:avLst/>
@@ -7575,7 +7624,7 @@
         </p:nvCxnSpPr>
         <p:spPr>
           <a:xfrm>
-            <a:off x="6477000" y="4800600"/>
+            <a:off x="6476998" y="4572001"/>
             <a:ext cx="457200" cy="0"/>
           </a:xfrm>
           <a:prstGeom prst="straightConnector1">
@@ -7634,7 +7683,7 @@
         </p:nvSpPr>
         <p:spPr>
           <a:xfrm>
-            <a:off x="7620000" y="6019800"/>
+            <a:off x="7756255" y="5943600"/>
             <a:ext cx="942887" cy="369332"/>
           </a:xfrm>
           <a:prstGeom prst="rect">
@@ -7668,7 +7717,7 @@
         </p:nvSpPr>
         <p:spPr>
           <a:xfrm>
-            <a:off x="7620000" y="3352800"/>
+            <a:off x="7756255" y="3240643"/>
             <a:ext cx="670376" cy="369332"/>
           </a:xfrm>
           <a:prstGeom prst="rect">
@@ -7696,43 +7745,13 @@
       </p:sp>
       <p:cxnSp>
         <p:nvCxnSpPr>
-          <p:cNvPr id="73" name="Straight Connector 72"/>
+          <p:cNvPr id="74" name="Straight Arrow Connector 73"/>
           <p:cNvCxnSpPr/>
           <p:nvPr/>
         </p:nvCxnSpPr>
         <p:spPr>
           <a:xfrm>
-            <a:off x="3200400" y="4800600"/>
-            <a:ext cx="228600" cy="0"/>
-          </a:xfrm>
-          <a:prstGeom prst="line">
-            <a:avLst/>
-          </a:prstGeom>
-        </p:spPr>
-        <p:style>
-          <a:lnRef idx="3">
-            <a:schemeClr val="accent5"/>
-          </a:lnRef>
-          <a:fillRef idx="0">
-            <a:schemeClr val="accent5"/>
-          </a:fillRef>
-          <a:effectRef idx="2">
-            <a:schemeClr val="accent5"/>
-          </a:effectRef>
-          <a:fontRef idx="minor">
-            <a:schemeClr val="tx1"/>
-          </a:fontRef>
-        </p:style>
-      </p:cxnSp>
-      <p:cxnSp>
-        <p:nvCxnSpPr>
-          <p:cNvPr id="74" name="Straight Arrow Connector 73"/>
-          <p:cNvCxnSpPr/>
-          <p:nvPr/>
-        </p:nvCxnSpPr>
-        <p:spPr>
-          <a:xfrm>
-            <a:off x="1828800" y="4724400"/>
+            <a:off x="1488257" y="4495800"/>
             <a:ext cx="381000" cy="0"/>
           </a:xfrm>
           <a:prstGeom prst="straightConnector1">
@@ -7765,7 +7784,7 @@
         </p:nvCxnSpPr>
         <p:spPr>
           <a:xfrm>
-            <a:off x="1828800" y="2209800"/>
+            <a:off x="1524000" y="2209800"/>
             <a:ext cx="381000" cy="0"/>
           </a:xfrm>
           <a:prstGeom prst="straightConnector1">
@@ -7790,6 +7809,191 @@
           </a:fontRef>
         </p:style>
       </p:cxnSp>
+      <p:cxnSp>
+        <p:nvCxnSpPr>
+          <p:cNvPr id="23" name="מחבר ישר 22"/>
+          <p:cNvCxnSpPr/>
+          <p:nvPr/>
+        </p:nvCxnSpPr>
+        <p:spPr>
+          <a:xfrm>
+            <a:off x="2590800" y="4572001"/>
+            <a:ext cx="228600" cy="0"/>
+          </a:xfrm>
+          <a:prstGeom prst="line">
+            <a:avLst/>
+          </a:prstGeom>
+          <a:ln>
+            <a:tailEnd type="none"/>
+          </a:ln>
+        </p:spPr>
+        <p:style>
+          <a:lnRef idx="3">
+            <a:schemeClr val="accent4"/>
+          </a:lnRef>
+          <a:fillRef idx="0">
+            <a:schemeClr val="accent4"/>
+          </a:fillRef>
+          <a:effectRef idx="2">
+            <a:schemeClr val="accent4"/>
+          </a:effectRef>
+          <a:fontRef idx="minor">
+            <a:schemeClr val="tx1"/>
+          </a:fontRef>
+        </p:style>
+      </p:cxnSp>
+      <p:pic>
+        <p:nvPicPr>
+          <p:cNvPr id="1026" name="Picture 2"/>
+          <p:cNvPicPr>
+            <a:picLocks noChangeAspect="1" noChangeArrowheads="1"/>
+          </p:cNvPicPr>
+          <p:nvPr/>
+        </p:nvPicPr>
+        <p:blipFill>
+          <a:blip r:embed="rId9">
+            <a:extLst>
+              <a:ext uri="{28A0092B-C50C-407E-A947-70E740481C1C}">
+                <a14:useLocalDpi xmlns:a14="http://schemas.microsoft.com/office/drawing/2010/main" val="0"/>
+              </a:ext>
+            </a:extLst>
+          </a:blip>
+          <a:srcRect/>
+          <a:stretch>
+            <a:fillRect/>
+          </a:stretch>
+        </p:blipFill>
+        <p:spPr bwMode="auto">
+          <a:xfrm>
+            <a:off x="3663803" y="4162425"/>
+            <a:ext cx="752475" cy="666750"/>
+          </a:xfrm>
+          <a:prstGeom prst="rect">
+            <a:avLst/>
+          </a:prstGeom>
+          <a:noFill/>
+          <a:ln>
+            <a:noFill/>
+          </a:ln>
+          <a:extLst>
+            <a:ext uri="{909E8E84-426E-40DD-AFC4-6F175D3DCCD1}">
+              <a14:hiddenFill xmlns:a14="http://schemas.microsoft.com/office/drawing/2010/main">
+                <a:solidFill>
+                  <a:schemeClr val="accent1"/>
+                </a:solidFill>
+              </a14:hiddenFill>
+            </a:ext>
+            <a:ext uri="{91240B29-F687-4F45-9708-019B960494DF}">
+              <a14:hiddenLine xmlns:a14="http://schemas.microsoft.com/office/drawing/2010/main" w="9525">
+                <a:solidFill>
+                  <a:schemeClr val="tx1"/>
+                </a:solidFill>
+                <a:miter lim="800000"/>
+                <a:headEnd/>
+                <a:tailEnd/>
+              </a14:hiddenLine>
+            </a:ext>
+          </a:extLst>
+        </p:spPr>
+      </p:pic>
+      <p:cxnSp>
+        <p:nvCxnSpPr>
+          <p:cNvPr id="59" name="מחבר ישר 58"/>
+          <p:cNvCxnSpPr/>
+          <p:nvPr/>
+        </p:nvCxnSpPr>
+        <p:spPr>
+          <a:xfrm>
+            <a:off x="2587206" y="2292095"/>
+            <a:ext cx="117894" cy="0"/>
+          </a:xfrm>
+          <a:prstGeom prst="line">
+            <a:avLst/>
+          </a:prstGeom>
+          <a:ln>
+            <a:solidFill>
+              <a:schemeClr val="accent2"/>
+            </a:solidFill>
+            <a:tailEnd type="none"/>
+          </a:ln>
+        </p:spPr>
+        <p:style>
+          <a:lnRef idx="3">
+            <a:schemeClr val="accent4"/>
+          </a:lnRef>
+          <a:fillRef idx="0">
+            <a:schemeClr val="accent4"/>
+          </a:fillRef>
+          <a:effectRef idx="2">
+            <a:schemeClr val="accent4"/>
+          </a:effectRef>
+          <a:fontRef idx="minor">
+            <a:schemeClr val="tx1"/>
+          </a:fontRef>
+        </p:style>
+      </p:cxnSp>
+      <p:cxnSp>
+        <p:nvCxnSpPr>
+          <p:cNvPr id="61" name="Straight Arrow Connector 28"/>
+          <p:cNvCxnSpPr/>
+          <p:nvPr/>
+        </p:nvCxnSpPr>
+        <p:spPr>
+          <a:xfrm>
+            <a:off x="4375297" y="4562475"/>
+            <a:ext cx="1187303" cy="0"/>
+          </a:xfrm>
+          <a:prstGeom prst="straightConnector1">
+            <a:avLst/>
+          </a:prstGeom>
+          <a:ln>
+            <a:tailEnd type="arrow"/>
+          </a:ln>
+        </p:spPr>
+        <p:style>
+          <a:lnRef idx="2">
+            <a:schemeClr val="accent2"/>
+          </a:lnRef>
+          <a:fillRef idx="0">
+            <a:schemeClr val="accent2"/>
+          </a:fillRef>
+          <a:effectRef idx="1">
+            <a:schemeClr val="accent2"/>
+          </a:effectRef>
+          <a:fontRef idx="minor">
+            <a:schemeClr val="tx1"/>
+          </a:fontRef>
+        </p:style>
+      </p:cxnSp>
+      <p:sp>
+        <p:nvSpPr>
+          <p:cNvPr id="2" name="Title 1"/>
+          <p:cNvSpPr>
+            <a:spLocks noGrp="1"/>
+          </p:cNvSpPr>
+          <p:nvPr>
+            <p:ph type="title"/>
+          </p:nvPr>
+        </p:nvSpPr>
+        <p:spPr>
+          <a:xfrm>
+            <a:off x="333287" y="99060"/>
+            <a:ext cx="8229600" cy="1143000"/>
+          </a:xfrm>
+        </p:spPr>
+        <p:txBody>
+          <a:bodyPr/>
+          <a:lstStyle/>
+          <a:p>
+            <a:pPr algn="ctr"/>
+            <a:r>
+              <a:rPr lang="en-US" dirty="0" smtClean="0"/>
+              <a:t>Stylization Boosting</a:t>
+            </a:r>
+            <a:endParaRPr lang="en-US" dirty="0"/>
+          </a:p>
+        </p:txBody>
+      </p:sp>
     </p:spTree>
   </p:cSld>
   <p:clrMapOvr>

--- a/ppt/Universal Style transfer via Feature Transform.pptx
+++ b/ppt/Universal Style transfer via Feature Transform.pptx
@@ -4,19 +4,23 @@
   <p:sldMasterIdLst>
     <p:sldMasterId id="2147483660" r:id="rId1"/>
   </p:sldMasterIdLst>
+  <p:notesMasterIdLst>
+    <p:notesMasterId r:id="rId15"/>
+  </p:notesMasterIdLst>
   <p:sldIdLst>
     <p:sldId id="256" r:id="rId2"/>
     <p:sldId id="269" r:id="rId3"/>
     <p:sldId id="258" r:id="rId4"/>
-    <p:sldId id="259" r:id="rId5"/>
-    <p:sldId id="257" r:id="rId6"/>
-    <p:sldId id="260" r:id="rId7"/>
-    <p:sldId id="261" r:id="rId8"/>
-    <p:sldId id="263" r:id="rId9"/>
-    <p:sldId id="266" r:id="rId10"/>
-    <p:sldId id="264" r:id="rId11"/>
-    <p:sldId id="265" r:id="rId12"/>
-    <p:sldId id="267" r:id="rId13"/>
+    <p:sldId id="270" r:id="rId5"/>
+    <p:sldId id="259" r:id="rId6"/>
+    <p:sldId id="257" r:id="rId7"/>
+    <p:sldId id="260" r:id="rId8"/>
+    <p:sldId id="261" r:id="rId9"/>
+    <p:sldId id="263" r:id="rId10"/>
+    <p:sldId id="266" r:id="rId11"/>
+    <p:sldId id="264" r:id="rId12"/>
+    <p:sldId id="265" r:id="rId13"/>
+    <p:sldId id="267" r:id="rId14"/>
   </p:sldIdLst>
   <p:sldSz cx="9144000" cy="6858000" type="screen4x3"/>
   <p:notesSz cx="6858000" cy="9144000"/>
@@ -116,6 +120,727 @@
     </a:lvl9pPr>
   </p:defaultTextStyle>
 </p:presentation>
+</file>
+
+<file path=ppt/notesMasters/notesMaster1.xml><?xml version="1.0" encoding="utf-8"?>
+<p:notesMaster xmlns:a="http://schemas.openxmlformats.org/drawingml/2006/main" xmlns:r="http://schemas.openxmlformats.org/officeDocument/2006/relationships" xmlns:p="http://schemas.openxmlformats.org/presentationml/2006/main">
+  <p:cSld>
+    <p:bg>
+      <p:bgRef idx="1001">
+        <a:schemeClr val="bg1"/>
+      </p:bgRef>
+    </p:bg>
+    <p:spTree>
+      <p:nvGrpSpPr>
+        <p:cNvPr id="1" name=""/>
+        <p:cNvGrpSpPr/>
+        <p:nvPr/>
+      </p:nvGrpSpPr>
+      <p:grpSpPr>
+        <a:xfrm>
+          <a:off x="0" y="0"/>
+          <a:ext cx="0" cy="0"/>
+          <a:chOff x="0" y="0"/>
+          <a:chExt cx="0" cy="0"/>
+        </a:xfrm>
+      </p:grpSpPr>
+      <p:sp>
+        <p:nvSpPr>
+          <p:cNvPr id="2" name="Header Placeholder 1"/>
+          <p:cNvSpPr>
+            <a:spLocks noGrp="1"/>
+          </p:cNvSpPr>
+          <p:nvPr>
+            <p:ph type="hdr" sz="quarter"/>
+          </p:nvPr>
+        </p:nvSpPr>
+        <p:spPr>
+          <a:xfrm>
+            <a:off x="0" y="0"/>
+            <a:ext cx="2971800" cy="457200"/>
+          </a:xfrm>
+          <a:prstGeom prst="rect">
+            <a:avLst/>
+          </a:prstGeom>
+        </p:spPr>
+        <p:txBody>
+          <a:bodyPr vert="horz" lIns="91440" tIns="45720" rIns="91440" bIns="45720" rtlCol="0"/>
+          <a:lstStyle>
+            <a:lvl1pPr algn="l">
+              <a:defRPr sz="1200"/>
+            </a:lvl1pPr>
+          </a:lstStyle>
+          <a:p>
+            <a:endParaRPr lang="en-US"/>
+          </a:p>
+        </p:txBody>
+      </p:sp>
+      <p:sp>
+        <p:nvSpPr>
+          <p:cNvPr id="3" name="Date Placeholder 2"/>
+          <p:cNvSpPr>
+            <a:spLocks noGrp="1"/>
+          </p:cNvSpPr>
+          <p:nvPr>
+            <p:ph type="dt" idx="1"/>
+          </p:nvPr>
+        </p:nvSpPr>
+        <p:spPr>
+          <a:xfrm>
+            <a:off x="3884613" y="0"/>
+            <a:ext cx="2971800" cy="457200"/>
+          </a:xfrm>
+          <a:prstGeom prst="rect">
+            <a:avLst/>
+          </a:prstGeom>
+        </p:spPr>
+        <p:txBody>
+          <a:bodyPr vert="horz" lIns="91440" tIns="45720" rIns="91440" bIns="45720" rtlCol="0"/>
+          <a:lstStyle>
+            <a:lvl1pPr algn="r">
+              <a:defRPr sz="1200"/>
+            </a:lvl1pPr>
+          </a:lstStyle>
+          <a:p>
+            <a:fld id="{43549712-63CD-4981-86EB-8B9B5B67AD3E}" type="datetimeFigureOut">
+              <a:rPr lang="en-US" smtClean="0"/>
+              <a:t>2/23/2019</a:t>
+            </a:fld>
+            <a:endParaRPr lang="en-US"/>
+          </a:p>
+        </p:txBody>
+      </p:sp>
+      <p:sp>
+        <p:nvSpPr>
+          <p:cNvPr id="4" name="Slide Image Placeholder 3"/>
+          <p:cNvSpPr>
+            <a:spLocks noGrp="1" noRot="1" noChangeAspect="1"/>
+          </p:cNvSpPr>
+          <p:nvPr>
+            <p:ph type="sldImg" idx="2"/>
+          </p:nvPr>
+        </p:nvSpPr>
+        <p:spPr>
+          <a:xfrm>
+            <a:off x="1143000" y="685800"/>
+            <a:ext cx="4572000" cy="3429000"/>
+          </a:xfrm>
+          <a:prstGeom prst="rect">
+            <a:avLst/>
+          </a:prstGeom>
+          <a:noFill/>
+          <a:ln w="12700">
+            <a:solidFill>
+              <a:prstClr val="black"/>
+            </a:solidFill>
+          </a:ln>
+        </p:spPr>
+        <p:txBody>
+          <a:bodyPr vert="horz" lIns="91440" tIns="45720" rIns="91440" bIns="45720" rtlCol="0" anchor="ctr"/>
+          <a:lstStyle/>
+          <a:p>
+            <a:endParaRPr lang="en-US"/>
+          </a:p>
+        </p:txBody>
+      </p:sp>
+      <p:sp>
+        <p:nvSpPr>
+          <p:cNvPr id="5" name="Notes Placeholder 4"/>
+          <p:cNvSpPr>
+            <a:spLocks noGrp="1"/>
+          </p:cNvSpPr>
+          <p:nvPr>
+            <p:ph type="body" sz="quarter" idx="3"/>
+          </p:nvPr>
+        </p:nvSpPr>
+        <p:spPr>
+          <a:xfrm>
+            <a:off x="685800" y="4343400"/>
+            <a:ext cx="5486400" cy="4114800"/>
+          </a:xfrm>
+          <a:prstGeom prst="rect">
+            <a:avLst/>
+          </a:prstGeom>
+        </p:spPr>
+        <p:txBody>
+          <a:bodyPr vert="horz" lIns="91440" tIns="45720" rIns="91440" bIns="45720" rtlCol="0">
+            <a:normAutofit/>
+          </a:bodyPr>
+          <a:lstStyle/>
+          <a:p>
+            <a:pPr lvl="0"/>
+            <a:r>
+              <a:rPr lang="en-US" smtClean="0"/>
+              <a:t>Click to edit Master text styles</a:t>
+            </a:r>
+          </a:p>
+          <a:p>
+            <a:pPr lvl="1"/>
+            <a:r>
+              <a:rPr lang="en-US" smtClean="0"/>
+              <a:t>Second level</a:t>
+            </a:r>
+          </a:p>
+          <a:p>
+            <a:pPr lvl="2"/>
+            <a:r>
+              <a:rPr lang="en-US" smtClean="0"/>
+              <a:t>Third level</a:t>
+            </a:r>
+          </a:p>
+          <a:p>
+            <a:pPr lvl="3"/>
+            <a:r>
+              <a:rPr lang="en-US" smtClean="0"/>
+              <a:t>Fourth level</a:t>
+            </a:r>
+          </a:p>
+          <a:p>
+            <a:pPr lvl="4"/>
+            <a:r>
+              <a:rPr lang="en-US" smtClean="0"/>
+              <a:t>Fifth level</a:t>
+            </a:r>
+            <a:endParaRPr lang="en-US"/>
+          </a:p>
+        </p:txBody>
+      </p:sp>
+      <p:sp>
+        <p:nvSpPr>
+          <p:cNvPr id="6" name="Footer Placeholder 5"/>
+          <p:cNvSpPr>
+            <a:spLocks noGrp="1"/>
+          </p:cNvSpPr>
+          <p:nvPr>
+            <p:ph type="ftr" sz="quarter" idx="4"/>
+          </p:nvPr>
+        </p:nvSpPr>
+        <p:spPr>
+          <a:xfrm>
+            <a:off x="0" y="8685213"/>
+            <a:ext cx="2971800" cy="457200"/>
+          </a:xfrm>
+          <a:prstGeom prst="rect">
+            <a:avLst/>
+          </a:prstGeom>
+        </p:spPr>
+        <p:txBody>
+          <a:bodyPr vert="horz" lIns="91440" tIns="45720" rIns="91440" bIns="45720" rtlCol="0" anchor="b"/>
+          <a:lstStyle>
+            <a:lvl1pPr algn="l">
+              <a:defRPr sz="1200"/>
+            </a:lvl1pPr>
+          </a:lstStyle>
+          <a:p>
+            <a:endParaRPr lang="en-US"/>
+          </a:p>
+        </p:txBody>
+      </p:sp>
+      <p:sp>
+        <p:nvSpPr>
+          <p:cNvPr id="7" name="Slide Number Placeholder 6"/>
+          <p:cNvSpPr>
+            <a:spLocks noGrp="1"/>
+          </p:cNvSpPr>
+          <p:nvPr>
+            <p:ph type="sldNum" sz="quarter" idx="5"/>
+          </p:nvPr>
+        </p:nvSpPr>
+        <p:spPr>
+          <a:xfrm>
+            <a:off x="3884613" y="8685213"/>
+            <a:ext cx="2971800" cy="457200"/>
+          </a:xfrm>
+          <a:prstGeom prst="rect">
+            <a:avLst/>
+          </a:prstGeom>
+        </p:spPr>
+        <p:txBody>
+          <a:bodyPr vert="horz" lIns="91440" tIns="45720" rIns="91440" bIns="45720" rtlCol="0" anchor="b"/>
+          <a:lstStyle>
+            <a:lvl1pPr algn="r">
+              <a:defRPr sz="1200"/>
+            </a:lvl1pPr>
+          </a:lstStyle>
+          <a:p>
+            <a:fld id="{D403C2C2-E16D-4CBA-8509-EAAB4FB7A708}" type="slidenum">
+              <a:rPr lang="en-US" smtClean="0"/>
+              <a:t>‹#›</a:t>
+            </a:fld>
+            <a:endParaRPr lang="en-US"/>
+          </a:p>
+        </p:txBody>
+      </p:sp>
+    </p:spTree>
+  </p:cSld>
+  <p:clrMap bg1="lt1" tx1="dk1" bg2="lt2" tx2="dk2" accent1="accent1" accent2="accent2" accent3="accent3" accent4="accent4" accent5="accent5" accent6="accent6" hlink="hlink" folHlink="folHlink"/>
+  <p:notesStyle>
+    <a:lvl1pPr marL="0" algn="l" defTabSz="914400" rtl="0" eaLnBrk="1" latinLnBrk="0" hangingPunct="1">
+      <a:defRPr sz="1200" kern="1200">
+        <a:solidFill>
+          <a:schemeClr val="tx1"/>
+        </a:solidFill>
+        <a:latin typeface="+mn-lt"/>
+        <a:ea typeface="+mn-ea"/>
+        <a:cs typeface="+mn-cs"/>
+      </a:defRPr>
+    </a:lvl1pPr>
+    <a:lvl2pPr marL="457200" algn="l" defTabSz="914400" rtl="0" eaLnBrk="1" latinLnBrk="0" hangingPunct="1">
+      <a:defRPr sz="1200" kern="1200">
+        <a:solidFill>
+          <a:schemeClr val="tx1"/>
+        </a:solidFill>
+        <a:latin typeface="+mn-lt"/>
+        <a:ea typeface="+mn-ea"/>
+        <a:cs typeface="+mn-cs"/>
+      </a:defRPr>
+    </a:lvl2pPr>
+    <a:lvl3pPr marL="914400" algn="l" defTabSz="914400" rtl="0" eaLnBrk="1" latinLnBrk="0" hangingPunct="1">
+      <a:defRPr sz="1200" kern="1200">
+        <a:solidFill>
+          <a:schemeClr val="tx1"/>
+        </a:solidFill>
+        <a:latin typeface="+mn-lt"/>
+        <a:ea typeface="+mn-ea"/>
+        <a:cs typeface="+mn-cs"/>
+      </a:defRPr>
+    </a:lvl3pPr>
+    <a:lvl4pPr marL="1371600" algn="l" defTabSz="914400" rtl="0" eaLnBrk="1" latinLnBrk="0" hangingPunct="1">
+      <a:defRPr sz="1200" kern="1200">
+        <a:solidFill>
+          <a:schemeClr val="tx1"/>
+        </a:solidFill>
+        <a:latin typeface="+mn-lt"/>
+        <a:ea typeface="+mn-ea"/>
+        <a:cs typeface="+mn-cs"/>
+      </a:defRPr>
+    </a:lvl4pPr>
+    <a:lvl5pPr marL="1828800" algn="l" defTabSz="914400" rtl="0" eaLnBrk="1" latinLnBrk="0" hangingPunct="1">
+      <a:defRPr sz="1200" kern="1200">
+        <a:solidFill>
+          <a:schemeClr val="tx1"/>
+        </a:solidFill>
+        <a:latin typeface="+mn-lt"/>
+        <a:ea typeface="+mn-ea"/>
+        <a:cs typeface="+mn-cs"/>
+      </a:defRPr>
+    </a:lvl5pPr>
+    <a:lvl6pPr marL="2286000" algn="l" defTabSz="914400" rtl="0" eaLnBrk="1" latinLnBrk="0" hangingPunct="1">
+      <a:defRPr sz="1200" kern="1200">
+        <a:solidFill>
+          <a:schemeClr val="tx1"/>
+        </a:solidFill>
+        <a:latin typeface="+mn-lt"/>
+        <a:ea typeface="+mn-ea"/>
+        <a:cs typeface="+mn-cs"/>
+      </a:defRPr>
+    </a:lvl6pPr>
+    <a:lvl7pPr marL="2743200" algn="l" defTabSz="914400" rtl="0" eaLnBrk="1" latinLnBrk="0" hangingPunct="1">
+      <a:defRPr sz="1200" kern="1200">
+        <a:solidFill>
+          <a:schemeClr val="tx1"/>
+        </a:solidFill>
+        <a:latin typeface="+mn-lt"/>
+        <a:ea typeface="+mn-ea"/>
+        <a:cs typeface="+mn-cs"/>
+      </a:defRPr>
+    </a:lvl7pPr>
+    <a:lvl8pPr marL="3200400" algn="l" defTabSz="914400" rtl="0" eaLnBrk="1" latinLnBrk="0" hangingPunct="1">
+      <a:defRPr sz="1200" kern="1200">
+        <a:solidFill>
+          <a:schemeClr val="tx1"/>
+        </a:solidFill>
+        <a:latin typeface="+mn-lt"/>
+        <a:ea typeface="+mn-ea"/>
+        <a:cs typeface="+mn-cs"/>
+      </a:defRPr>
+    </a:lvl8pPr>
+    <a:lvl9pPr marL="3657600" algn="l" defTabSz="914400" rtl="0" eaLnBrk="1" latinLnBrk="0" hangingPunct="1">
+      <a:defRPr sz="1200" kern="1200">
+        <a:solidFill>
+          <a:schemeClr val="tx1"/>
+        </a:solidFill>
+        <a:latin typeface="+mn-lt"/>
+        <a:ea typeface="+mn-ea"/>
+        <a:cs typeface="+mn-cs"/>
+      </a:defRPr>
+    </a:lvl9pPr>
+  </p:notesStyle>
+</p:notesMaster>
+</file>
+
+<file path=ppt/notesSlides/notesSlide1.xml><?xml version="1.0" encoding="utf-8"?>
+<p:notes xmlns:a="http://schemas.openxmlformats.org/drawingml/2006/main" xmlns:r="http://schemas.openxmlformats.org/officeDocument/2006/relationships" xmlns:p="http://schemas.openxmlformats.org/presentationml/2006/main">
+  <p:cSld>
+    <p:spTree>
+      <p:nvGrpSpPr>
+        <p:cNvPr id="1" name=""/>
+        <p:cNvGrpSpPr/>
+        <p:nvPr/>
+      </p:nvGrpSpPr>
+      <p:grpSpPr>
+        <a:xfrm>
+          <a:off x="0" y="0"/>
+          <a:ext cx="0" cy="0"/>
+          <a:chOff x="0" y="0"/>
+          <a:chExt cx="0" cy="0"/>
+        </a:xfrm>
+      </p:grpSpPr>
+      <p:sp>
+        <p:nvSpPr>
+          <p:cNvPr id="2" name="Slide Image Placeholder 1"/>
+          <p:cNvSpPr>
+            <a:spLocks noGrp="1" noRot="1" noChangeAspect="1"/>
+          </p:cNvSpPr>
+          <p:nvPr>
+            <p:ph type="sldImg"/>
+          </p:nvPr>
+        </p:nvSpPr>
+        <p:spPr/>
+      </p:sp>
+      <p:sp>
+        <p:nvSpPr>
+          <p:cNvPr id="3" name="Notes Placeholder 2"/>
+          <p:cNvSpPr>
+            <a:spLocks noGrp="1"/>
+          </p:cNvSpPr>
+          <p:nvPr>
+            <p:ph type="body" idx="1"/>
+          </p:nvPr>
+        </p:nvSpPr>
+        <p:spPr/>
+        <p:txBody>
+          <a:bodyPr>
+            <a:normAutofit/>
+          </a:bodyPr>
+          <a:lstStyle/>
+          <a:p>
+            <a:r>
+              <a:rPr lang="en-US" dirty="0" smtClean="0"/>
+              <a:t>- Talk about background for Style Transfer, look at related work and add</a:t>
+            </a:r>
+            <a:endParaRPr lang="en-US" dirty="0"/>
+          </a:p>
+        </p:txBody>
+      </p:sp>
+      <p:sp>
+        <p:nvSpPr>
+          <p:cNvPr id="4" name="Slide Number Placeholder 3"/>
+          <p:cNvSpPr>
+            <a:spLocks noGrp="1"/>
+          </p:cNvSpPr>
+          <p:nvPr>
+            <p:ph type="sldNum" sz="quarter" idx="10"/>
+          </p:nvPr>
+        </p:nvSpPr>
+        <p:spPr/>
+        <p:txBody>
+          <a:bodyPr/>
+          <a:lstStyle/>
+          <a:p>
+            <a:fld id="{D403C2C2-E16D-4CBA-8509-EAAB4FB7A708}" type="slidenum">
+              <a:rPr lang="en-US" smtClean="0"/>
+              <a:t>1</a:t>
+            </a:fld>
+            <a:endParaRPr lang="en-US"/>
+          </a:p>
+        </p:txBody>
+      </p:sp>
+    </p:spTree>
+  </p:cSld>
+  <p:clrMapOvr>
+    <a:masterClrMapping/>
+  </p:clrMapOvr>
+</p:notes>
+</file>
+
+<file path=ppt/notesSlides/notesSlide2.xml><?xml version="1.0" encoding="utf-8"?>
+<p:notes xmlns:a="http://schemas.openxmlformats.org/drawingml/2006/main" xmlns:r="http://schemas.openxmlformats.org/officeDocument/2006/relationships" xmlns:p="http://schemas.openxmlformats.org/presentationml/2006/main">
+  <p:cSld>
+    <p:spTree>
+      <p:nvGrpSpPr>
+        <p:cNvPr id="1" name=""/>
+        <p:cNvGrpSpPr/>
+        <p:nvPr/>
+      </p:nvGrpSpPr>
+      <p:grpSpPr>
+        <a:xfrm>
+          <a:off x="0" y="0"/>
+          <a:ext cx="0" cy="0"/>
+          <a:chOff x="0" y="0"/>
+          <a:chExt cx="0" cy="0"/>
+        </a:xfrm>
+      </p:grpSpPr>
+      <p:sp>
+        <p:nvSpPr>
+          <p:cNvPr id="2" name="Slide Image Placeholder 1"/>
+          <p:cNvSpPr>
+            <a:spLocks noGrp="1" noRot="1" noChangeAspect="1"/>
+          </p:cNvSpPr>
+          <p:nvPr>
+            <p:ph type="sldImg"/>
+          </p:nvPr>
+        </p:nvSpPr>
+        <p:spPr/>
+      </p:sp>
+      <p:sp>
+        <p:nvSpPr>
+          <p:cNvPr id="3" name="Notes Placeholder 2"/>
+          <p:cNvSpPr>
+            <a:spLocks noGrp="1"/>
+          </p:cNvSpPr>
+          <p:nvPr>
+            <p:ph type="body" idx="1"/>
+          </p:nvPr>
+        </p:nvSpPr>
+        <p:spPr/>
+        <p:txBody>
+          <a:bodyPr>
+            <a:normAutofit/>
+          </a:bodyPr>
+          <a:lstStyle/>
+          <a:p>
+            <a:pPr>
+              <a:buFontTx/>
+              <a:buChar char="-"/>
+            </a:pPr>
+            <a:r>
+              <a:rPr lang="en-US" dirty="0" smtClean="0"/>
+              <a:t> </a:t>
+            </a:r>
+            <a:endParaRPr lang="en-US" dirty="0"/>
+          </a:p>
+        </p:txBody>
+      </p:sp>
+      <p:sp>
+        <p:nvSpPr>
+          <p:cNvPr id="4" name="Slide Number Placeholder 3"/>
+          <p:cNvSpPr>
+            <a:spLocks noGrp="1"/>
+          </p:cNvSpPr>
+          <p:nvPr>
+            <p:ph type="sldNum" sz="quarter" idx="10"/>
+          </p:nvPr>
+        </p:nvSpPr>
+        <p:spPr/>
+        <p:txBody>
+          <a:bodyPr/>
+          <a:lstStyle/>
+          <a:p>
+            <a:fld id="{D403C2C2-E16D-4CBA-8509-EAAB4FB7A708}" type="slidenum">
+              <a:rPr lang="en-US" smtClean="0"/>
+              <a:t>2</a:t>
+            </a:fld>
+            <a:endParaRPr lang="en-US"/>
+          </a:p>
+        </p:txBody>
+      </p:sp>
+    </p:spTree>
+  </p:cSld>
+  <p:clrMapOvr>
+    <a:masterClrMapping/>
+  </p:clrMapOvr>
+</p:notes>
+</file>
+
+<file path=ppt/notesSlides/notesSlide3.xml><?xml version="1.0" encoding="utf-8"?>
+<p:notes xmlns:a="http://schemas.openxmlformats.org/drawingml/2006/main" xmlns:r="http://schemas.openxmlformats.org/officeDocument/2006/relationships" xmlns:p="http://schemas.openxmlformats.org/presentationml/2006/main">
+  <p:cSld>
+    <p:spTree>
+      <p:nvGrpSpPr>
+        <p:cNvPr id="1" name=""/>
+        <p:cNvGrpSpPr/>
+        <p:nvPr/>
+      </p:nvGrpSpPr>
+      <p:grpSpPr>
+        <a:xfrm>
+          <a:off x="0" y="0"/>
+          <a:ext cx="0" cy="0"/>
+          <a:chOff x="0" y="0"/>
+          <a:chExt cx="0" cy="0"/>
+        </a:xfrm>
+      </p:grpSpPr>
+      <p:sp>
+        <p:nvSpPr>
+          <p:cNvPr id="2" name="Slide Image Placeholder 1"/>
+          <p:cNvSpPr>
+            <a:spLocks noGrp="1" noRot="1" noChangeAspect="1"/>
+          </p:cNvSpPr>
+          <p:nvPr>
+            <p:ph type="sldImg"/>
+          </p:nvPr>
+        </p:nvSpPr>
+        <p:spPr/>
+      </p:sp>
+      <p:sp>
+        <p:nvSpPr>
+          <p:cNvPr id="3" name="Notes Placeholder 2"/>
+          <p:cNvSpPr>
+            <a:spLocks noGrp="1"/>
+          </p:cNvSpPr>
+          <p:nvPr>
+            <p:ph type="body" idx="1"/>
+          </p:nvPr>
+        </p:nvSpPr>
+        <p:spPr/>
+        <p:txBody>
+          <a:bodyPr>
+            <a:normAutofit/>
+          </a:bodyPr>
+          <a:lstStyle/>
+          <a:p>
+            <a:pPr>
+              <a:buFontTx/>
+              <a:buChar char="-"/>
+            </a:pPr>
+            <a:r>
+              <a:rPr lang="en-US" dirty="0" smtClean="0"/>
+              <a:t>Our algorithm for UST is based on encoder-decoder neural</a:t>
+            </a:r>
+            <a:r>
+              <a:rPr lang="en-US" baseline="0" dirty="0" smtClean="0"/>
+              <a:t> network. </a:t>
+            </a:r>
+          </a:p>
+          <a:p>
+            <a:pPr>
+              <a:buFontTx/>
+              <a:buChar char="-"/>
+            </a:pPr>
+            <a:r>
+              <a:rPr lang="en-US" baseline="0" dirty="0" smtClean="0"/>
+              <a:t> Explain what is content, what is style, talk about decoder, encoder and the need of them. What is Feature Transform</a:t>
+            </a:r>
+          </a:p>
+          <a:p>
+            <a:pPr>
+              <a:buFontTx/>
+              <a:buChar char="-"/>
+            </a:pPr>
+            <a:r>
+              <a:rPr lang="en-US" baseline="0" dirty="0" smtClean="0"/>
+              <a:t> </a:t>
+            </a:r>
+            <a:endParaRPr lang="en-US" dirty="0"/>
+          </a:p>
+        </p:txBody>
+      </p:sp>
+      <p:sp>
+        <p:nvSpPr>
+          <p:cNvPr id="4" name="Slide Number Placeholder 3"/>
+          <p:cNvSpPr>
+            <a:spLocks noGrp="1"/>
+          </p:cNvSpPr>
+          <p:nvPr>
+            <p:ph type="sldNum" sz="quarter" idx="10"/>
+          </p:nvPr>
+        </p:nvSpPr>
+        <p:spPr/>
+        <p:txBody>
+          <a:bodyPr/>
+          <a:lstStyle/>
+          <a:p>
+            <a:fld id="{D403C2C2-E16D-4CBA-8509-EAAB4FB7A708}" type="slidenum">
+              <a:rPr lang="en-US" smtClean="0"/>
+              <a:t>3</a:t>
+            </a:fld>
+            <a:endParaRPr lang="en-US"/>
+          </a:p>
+        </p:txBody>
+      </p:sp>
+    </p:spTree>
+  </p:cSld>
+  <p:clrMapOvr>
+    <a:masterClrMapping/>
+  </p:clrMapOvr>
+</p:notes>
+</file>
+
+<file path=ppt/notesSlides/notesSlide4.xml><?xml version="1.0" encoding="utf-8"?>
+<p:notes xmlns:a="http://schemas.openxmlformats.org/drawingml/2006/main" xmlns:r="http://schemas.openxmlformats.org/officeDocument/2006/relationships" xmlns:p="http://schemas.openxmlformats.org/presentationml/2006/main">
+  <p:cSld>
+    <p:spTree>
+      <p:nvGrpSpPr>
+        <p:cNvPr id="1" name=""/>
+        <p:cNvGrpSpPr/>
+        <p:nvPr/>
+      </p:nvGrpSpPr>
+      <p:grpSpPr>
+        <a:xfrm>
+          <a:off x="0" y="0"/>
+          <a:ext cx="0" cy="0"/>
+          <a:chOff x="0" y="0"/>
+          <a:chExt cx="0" cy="0"/>
+        </a:xfrm>
+      </p:grpSpPr>
+      <p:sp>
+        <p:nvSpPr>
+          <p:cNvPr id="2" name="Slide Image Placeholder 1"/>
+          <p:cNvSpPr>
+            <a:spLocks noGrp="1" noRot="1" noChangeAspect="1"/>
+          </p:cNvSpPr>
+          <p:nvPr>
+            <p:ph type="sldImg"/>
+          </p:nvPr>
+        </p:nvSpPr>
+        <p:spPr/>
+      </p:sp>
+      <p:sp>
+        <p:nvSpPr>
+          <p:cNvPr id="3" name="Notes Placeholder 2"/>
+          <p:cNvSpPr>
+            <a:spLocks noGrp="1"/>
+          </p:cNvSpPr>
+          <p:nvPr>
+            <p:ph type="body" idx="1"/>
+          </p:nvPr>
+        </p:nvSpPr>
+        <p:spPr/>
+        <p:txBody>
+          <a:bodyPr>
+            <a:normAutofit/>
+          </a:bodyPr>
+          <a:lstStyle/>
+          <a:p>
+            <a:r>
+              <a:rPr lang="en-US" baseline="0" dirty="0" smtClean="0"/>
+              <a:t>How do we use Feature Transform such as WCT for ST. Whitening, Coloring </a:t>
+            </a:r>
+          </a:p>
+          <a:p>
+            <a:endParaRPr lang="en-US" baseline="0" dirty="0" smtClean="0"/>
+          </a:p>
+        </p:txBody>
+      </p:sp>
+      <p:sp>
+        <p:nvSpPr>
+          <p:cNvPr id="4" name="Slide Number Placeholder 3"/>
+          <p:cNvSpPr>
+            <a:spLocks noGrp="1"/>
+          </p:cNvSpPr>
+          <p:nvPr>
+            <p:ph type="sldNum" sz="quarter" idx="10"/>
+          </p:nvPr>
+        </p:nvSpPr>
+        <p:spPr/>
+        <p:txBody>
+          <a:bodyPr/>
+          <a:lstStyle/>
+          <a:p>
+            <a:fld id="{D403C2C2-E16D-4CBA-8509-EAAB4FB7A708}" type="slidenum">
+              <a:rPr lang="en-US" smtClean="0"/>
+              <a:t>4</a:t>
+            </a:fld>
+            <a:endParaRPr lang="en-US"/>
+          </a:p>
+        </p:txBody>
+      </p:sp>
+    </p:spTree>
+  </p:cSld>
+  <p:clrMapOvr>
+    <a:masterClrMapping/>
+  </p:clrMapOvr>
+</p:notes>
 </file>
 
 <file path=ppt/slideLayouts/slideLayout1.xml><?xml version="1.0" encoding="utf-8"?>
@@ -744,7 +1469,7 @@
             <a:fld id="{E6E985E8-094D-432C-AD96-489E57D7E58F}" type="datetimeFigureOut">
               <a:rPr lang="en-US" smtClean="0"/>
               <a:pPr/>
-              <a:t>23-Feb-19</a:t>
+              <a:t>2/23/2019</a:t>
             </a:fld>
             <a:endParaRPr lang="en-US"/>
           </a:p>
@@ -942,7 +1667,7 @@
             <a:fld id="{E6E985E8-094D-432C-AD96-489E57D7E58F}" type="datetimeFigureOut">
               <a:rPr lang="en-US" smtClean="0"/>
               <a:pPr/>
-              <a:t>23-Feb-19</a:t>
+              <a:t>2/23/2019</a:t>
             </a:fld>
             <a:endParaRPr lang="en-US"/>
           </a:p>
@@ -1129,7 +1854,7 @@
             <a:fld id="{E6E985E8-094D-432C-AD96-489E57D7E58F}" type="datetimeFigureOut">
               <a:rPr lang="en-US" smtClean="0"/>
               <a:pPr/>
-              <a:t>23-Feb-19</a:t>
+              <a:t>2/23/2019</a:t>
             </a:fld>
             <a:endParaRPr lang="en-US"/>
           </a:p>
@@ -1281,7 +2006,7 @@
             <a:fld id="{E6E985E8-094D-432C-AD96-489E57D7E58F}" type="datetimeFigureOut">
               <a:rPr lang="en-US" smtClean="0"/>
               <a:pPr/>
-              <a:t>23-Feb-19</a:t>
+              <a:t>2/23/2019</a:t>
             </a:fld>
             <a:endParaRPr lang="en-US"/>
           </a:p>
@@ -1538,7 +2263,7 @@
             <a:fld id="{E6E985E8-094D-432C-AD96-489E57D7E58F}" type="datetimeFigureOut">
               <a:rPr lang="en-US" smtClean="0"/>
               <a:pPr/>
-              <a:t>23-Feb-19</a:t>
+              <a:t>2/23/2019</a:t>
             </a:fld>
             <a:endParaRPr lang="en-US"/>
           </a:p>
@@ -1949,7 +2674,7 @@
             <a:fld id="{E6E985E8-094D-432C-AD96-489E57D7E58F}" type="datetimeFigureOut">
               <a:rPr lang="en-US" smtClean="0"/>
               <a:pPr/>
-              <a:t>23-Feb-19</a:t>
+              <a:t>2/23/2019</a:t>
             </a:fld>
             <a:endParaRPr lang="en-US"/>
           </a:p>
@@ -2397,7 +3122,7 @@
             <a:fld id="{E6E985E8-094D-432C-AD96-489E57D7E58F}" type="datetimeFigureOut">
               <a:rPr lang="en-US" smtClean="0"/>
               <a:pPr/>
-              <a:t>23-Feb-19</a:t>
+              <a:t>2/23/2019</a:t>
             </a:fld>
             <a:endParaRPr lang="en-US"/>
           </a:p>
@@ -2500,7 +3225,7 @@
             <a:fld id="{E6E985E8-094D-432C-AD96-489E57D7E58F}" type="datetimeFigureOut">
               <a:rPr lang="en-US" smtClean="0"/>
               <a:pPr/>
-              <a:t>23-Feb-19</a:t>
+              <a:t>2/23/2019</a:t>
             </a:fld>
             <a:endParaRPr lang="en-US"/>
           </a:p>
@@ -2623,7 +3348,7 @@
             <a:fld id="{E6E985E8-094D-432C-AD96-489E57D7E58F}" type="datetimeFigureOut">
               <a:rPr lang="en-US" smtClean="0"/>
               <a:pPr/>
-              <a:t>23-Feb-19</a:t>
+              <a:t>2/23/2019</a:t>
             </a:fld>
             <a:endParaRPr lang="en-US"/>
           </a:p>
@@ -2899,7 +3624,7 @@
             <a:fld id="{E6E985E8-094D-432C-AD96-489E57D7E58F}" type="datetimeFigureOut">
               <a:rPr lang="en-US" smtClean="0"/>
               <a:pPr/>
-              <a:t>23-Feb-19</a:t>
+              <a:t>2/23/2019</a:t>
             </a:fld>
             <a:endParaRPr lang="en-US"/>
           </a:p>
@@ -3106,7 +3831,7 @@
             <a:fld id="{E6E985E8-094D-432C-AD96-489E57D7E58F}" type="datetimeFigureOut">
               <a:rPr lang="en-US" smtClean="0"/>
               <a:pPr/>
-              <a:t>23-Feb-19</a:t>
+              <a:t>2/23/2019</a:t>
             </a:fld>
             <a:endParaRPr lang="en-US"/>
           </a:p>
@@ -4217,7 +4942,7 @@
             <a:fld id="{E6E985E8-094D-432C-AD96-489E57D7E58F}" type="datetimeFigureOut">
               <a:rPr lang="en-US" smtClean="0"/>
               <a:pPr/>
-              <a:t>23-Feb-19</a:t>
+              <a:t>2/23/2019</a:t>
             </a:fld>
             <a:endParaRPr lang="en-US"/>
           </a:p>
@@ -4717,32 +5442,6 @@
           <p:nvPr/>
         </p:nvPicPr>
         <p:blipFill>
-          <a:blip r:embed="rId2" cstate="print"/>
-          <a:srcRect/>
-          <a:stretch>
-            <a:fillRect/>
-          </a:stretch>
-        </p:blipFill>
-        <p:spPr bwMode="auto">
-          <a:xfrm>
-            <a:off x="533400" y="6019800"/>
-            <a:ext cx="1681162" cy="717296"/>
-          </a:xfrm>
-          <a:prstGeom prst="rect">
-            <a:avLst/>
-          </a:prstGeom>
-          <a:noFill/>
-        </p:spPr>
-      </p:pic>
-      <p:pic>
-        <p:nvPicPr>
-          <p:cNvPr id="27651" name="Picture 3" descr="C:\Users\carmi\Documents\universal_style_transfer\ppt\merge_bridge_starry_st2_1.jpg"/>
-          <p:cNvPicPr>
-            <a:picLocks noChangeAspect="1" noChangeArrowheads="1"/>
-          </p:cNvPicPr>
-          <p:nvPr/>
-        </p:nvPicPr>
-        <p:blipFill>
           <a:blip r:embed="rId3" cstate="print"/>
           <a:srcRect/>
           <a:stretch>
@@ -4751,8 +5450,8 @@
         </p:blipFill>
         <p:spPr bwMode="auto">
           <a:xfrm>
-            <a:off x="6400800" y="2057400"/>
-            <a:ext cx="2438400" cy="2438400"/>
+            <a:off x="533400" y="6019800"/>
+            <a:ext cx="1681162" cy="717296"/>
           </a:xfrm>
           <a:prstGeom prst="rect">
             <a:avLst/>
@@ -4762,7 +5461,7 @@
       </p:pic>
       <p:pic>
         <p:nvPicPr>
-          <p:cNvPr id="27652" name="Picture 4" descr="C:\Users\carmi\Documents\universal_style_transfer\ppt\bridge_sq.jpg"/>
+          <p:cNvPr id="27651" name="Picture 3" descr="C:\Users\carmi\Documents\universal_style_transfer\ppt\merge_bridge_starry_st2_1.jpg"/>
           <p:cNvPicPr>
             <a:picLocks noChangeAspect="1" noChangeArrowheads="1"/>
           </p:cNvPicPr>
@@ -4777,7 +5476,7 @@
         </p:blipFill>
         <p:spPr bwMode="auto">
           <a:xfrm>
-            <a:off x="457200" y="2057400"/>
+            <a:off x="6400800" y="2057400"/>
             <a:ext cx="2438400" cy="2438400"/>
           </a:xfrm>
           <a:prstGeom prst="rect">
@@ -4788,7 +5487,7 @@
       </p:pic>
       <p:pic>
         <p:nvPicPr>
-          <p:cNvPr id="27653" name="Picture 5" descr="C:\Users\carmi\Documents\universal_style_transfer\ppt\starry_sq.jpg"/>
+          <p:cNvPr id="27652" name="Picture 4" descr="C:\Users\carmi\Documents\universal_style_transfer\ppt\bridge_sq.jpg"/>
           <p:cNvPicPr>
             <a:picLocks noChangeAspect="1" noChangeArrowheads="1"/>
           </p:cNvPicPr>
@@ -4803,8 +5502,8 @@
         </p:blipFill>
         <p:spPr bwMode="auto">
           <a:xfrm>
-            <a:off x="3810000" y="3429000"/>
-            <a:ext cx="1676402" cy="1676402"/>
+            <a:off x="457200" y="2057400"/>
+            <a:ext cx="2438400" cy="2438400"/>
           </a:xfrm>
           <a:prstGeom prst="rect">
             <a:avLst/>
@@ -4814,7 +5513,7 @@
       </p:pic>
       <p:pic>
         <p:nvPicPr>
-          <p:cNvPr id="27654" name="Picture 6" descr="C:\Users\carmi\Documents\universal_style_transfer\ppt\st2_sq.jpg"/>
+          <p:cNvPr id="27653" name="Picture 5" descr="C:\Users\carmi\Documents\universal_style_transfer\ppt\starry_sq.jpg"/>
           <p:cNvPicPr>
             <a:picLocks noChangeAspect="1" noChangeArrowheads="1"/>
           </p:cNvPicPr>
@@ -4828,6 +5527,32 @@
           </a:stretch>
         </p:blipFill>
         <p:spPr bwMode="auto">
+          <a:xfrm>
+            <a:off x="3810000" y="3429000"/>
+            <a:ext cx="1676402" cy="1676402"/>
+          </a:xfrm>
+          <a:prstGeom prst="rect">
+            <a:avLst/>
+          </a:prstGeom>
+          <a:noFill/>
+        </p:spPr>
+      </p:pic>
+      <p:pic>
+        <p:nvPicPr>
+          <p:cNvPr id="27654" name="Picture 6" descr="C:\Users\carmi\Documents\universal_style_transfer\ppt\st2_sq.jpg"/>
+          <p:cNvPicPr>
+            <a:picLocks noChangeAspect="1" noChangeArrowheads="1"/>
+          </p:cNvPicPr>
+          <p:nvPr/>
+        </p:nvPicPr>
+        <p:blipFill>
+          <a:blip r:embed="rId7" cstate="print"/>
+          <a:srcRect/>
+          <a:stretch>
+            <a:fillRect/>
+          </a:stretch>
+        </p:blipFill>
+        <p:spPr bwMode="auto">
           <a:xfrm flipH="1">
             <a:off x="3810000" y="1752600"/>
             <a:ext cx="1676400" cy="1676400"/>
@@ -4895,6 +5620,35 @@
               <a:t>=</a:t>
             </a:r>
             <a:endParaRPr lang="en-US" sz="3200" b="1" dirty="0"/>
+          </a:p>
+        </p:txBody>
+      </p:sp>
+      <p:sp>
+        <p:nvSpPr>
+          <p:cNvPr id="11" name="Rectangle 10"/>
+          <p:cNvSpPr/>
+          <p:nvPr/>
+        </p:nvSpPr>
+        <p:spPr>
+          <a:xfrm>
+            <a:off x="6477000" y="5867400"/>
+            <a:ext cx="2226892" cy="369332"/>
+          </a:xfrm>
+          <a:prstGeom prst="rect">
+            <a:avLst/>
+          </a:prstGeom>
+        </p:spPr>
+        <p:txBody>
+          <a:bodyPr wrap="none">
+            <a:spAutoFit/>
+          </a:bodyPr>
+          <a:lstStyle/>
+          <a:p>
+            <a:r>
+              <a:rPr lang="en-US" dirty="0" smtClean="0"/>
+              <a:t>Li et al. NIPS 2017</a:t>
+            </a:r>
+            <a:endParaRPr lang="en-US" dirty="0"/>
           </a:p>
         </p:txBody>
       </p:sp>
@@ -4930,15 +5684,69 @@
           <a:chExt cx="0" cy="0"/>
         </a:xfrm>
       </p:grpSpPr>
+      <p:pic>
+        <p:nvPicPr>
+          <p:cNvPr id="13" name="Picture 7"/>
+          <p:cNvPicPr>
+            <a:picLocks noChangeAspect="1" noChangeArrowheads="1"/>
+          </p:cNvPicPr>
+          <p:nvPr/>
+        </p:nvPicPr>
+        <p:blipFill>
+          <a:blip r:embed="rId2" cstate="print"/>
+          <a:srcRect/>
+          <a:stretch>
+            <a:fillRect/>
+          </a:stretch>
+        </p:blipFill>
+        <p:spPr bwMode="auto">
+          <a:xfrm>
+            <a:off x="1600200" y="4572000"/>
+            <a:ext cx="1256326" cy="1676400"/>
+          </a:xfrm>
+          <a:prstGeom prst="rect">
+            <a:avLst/>
+          </a:prstGeom>
+          <a:noFill/>
+          <a:ln w="9525">
+            <a:noFill/>
+            <a:miter lim="800000"/>
+            <a:headEnd/>
+            <a:tailEnd/>
+          </a:ln>
+        </p:spPr>
+      </p:pic>
+      <p:sp>
+        <p:nvSpPr>
+          <p:cNvPr id="3" name="Title 2"/>
+          <p:cNvSpPr>
+            <a:spLocks noGrp="1"/>
+          </p:cNvSpPr>
+          <p:nvPr>
+            <p:ph type="title"/>
+          </p:nvPr>
+        </p:nvSpPr>
+        <p:spPr/>
+        <p:txBody>
+          <a:bodyPr/>
+          <a:lstStyle/>
+          <a:p>
+            <a:r>
+              <a:rPr lang="en-US" dirty="0"/>
+              <a:t>Channel Merge</a:t>
+            </a:r>
+          </a:p>
+        </p:txBody>
+      </p:sp>
       <p:cxnSp>
         <p:nvCxnSpPr>
-          <p:cNvPr id="39" name="Straight Arrow Connector 38"/>
+          <p:cNvPr id="14" name="Straight Arrow Connector 13"/>
           <p:cNvCxnSpPr/>
           <p:nvPr/>
         </p:nvCxnSpPr>
         <p:spPr>
           <a:xfrm>
-            <a:off x="1524000" y="3733800"/>
+            <a:off x="1371600" y="5334000"/>
             <a:ext cx="381000" cy="0"/>
           </a:xfrm>
           <a:prstGeom prst="straightConnector1">
@@ -4965,62 +5773,7 @@
       </p:cxnSp>
       <p:pic>
         <p:nvPicPr>
-          <p:cNvPr id="66" name="Picture 7"/>
-          <p:cNvPicPr>
-            <a:picLocks noChangeAspect="1" noChangeArrowheads="1"/>
-          </p:cNvPicPr>
-          <p:nvPr/>
-        </p:nvPicPr>
-        <p:blipFill>
-          <a:blip r:embed="rId2" cstate="print"/>
-          <a:srcRect/>
-          <a:stretch>
-            <a:fillRect/>
-          </a:stretch>
-        </p:blipFill>
-        <p:spPr bwMode="auto">
-          <a:xfrm>
-            <a:off x="1867874" y="4572000"/>
-            <a:ext cx="1256326" cy="1676400"/>
-          </a:xfrm>
-          <a:prstGeom prst="rect">
-            <a:avLst/>
-          </a:prstGeom>
-          <a:noFill/>
-          <a:ln w="9525">
-            <a:noFill/>
-            <a:miter lim="800000"/>
-            <a:headEnd/>
-            <a:tailEnd/>
-          </a:ln>
-        </p:spPr>
-      </p:pic>
-      <p:sp>
-        <p:nvSpPr>
-          <p:cNvPr id="3" name="Title 2"/>
-          <p:cNvSpPr>
-            <a:spLocks noGrp="1"/>
-          </p:cNvSpPr>
-          <p:nvPr>
-            <p:ph type="title"/>
-          </p:nvPr>
-        </p:nvSpPr>
-        <p:spPr/>
-        <p:txBody>
-          <a:bodyPr/>
-          <a:lstStyle/>
-          <a:p>
-            <a:r>
-              <a:rPr lang="en-US" dirty="0" smtClean="0"/>
-              <a:t>Interpolation Merge</a:t>
-            </a:r>
-            <a:endParaRPr lang="en-US" dirty="0"/>
-          </a:p>
-        </p:txBody>
-      </p:sp>
-      <p:pic>
-        <p:nvPicPr>
-          <p:cNvPr id="34" name="Picture 4" descr="C:\Users\carmi\Documents\universal_style_transfer\Report\Figures\starry_sq.jpg"/>
+          <p:cNvPr id="4" name="Picture 4" descr="C:\Users\carmi\Documents\universal_style_transfer\Report\Figures\starry_sq.jpg"/>
           <p:cNvPicPr>
             <a:picLocks noChangeAspect="1" noChangeArrowheads="1"/>
           </p:cNvPicPr>
@@ -5036,7 +5789,7 @@
         <p:spPr bwMode="auto">
           <a:xfrm>
             <a:off x="228600" y="1219200"/>
-            <a:ext cx="1371600" cy="1371600"/>
+            <a:ext cx="1219200" cy="1219200"/>
           </a:xfrm>
           <a:prstGeom prst="rect">
             <a:avLst/>
@@ -5046,7 +5799,7 @@
       </p:pic>
       <p:pic>
         <p:nvPicPr>
-          <p:cNvPr id="35" name="Picture 5" descr="C:\Users\carmi\Documents\universal_style_transfer\Report\Figures\st2_sq.jpg"/>
+          <p:cNvPr id="5" name="Picture 5" descr="C:\Users\carmi\Documents\universal_style_transfer\Report\Figures\st2_sq.jpg"/>
           <p:cNvPicPr>
             <a:picLocks noChangeAspect="1" noChangeArrowheads="1"/>
           </p:cNvPicPr>
@@ -5061,8 +5814,8 @@
         </p:blipFill>
         <p:spPr bwMode="auto">
           <a:xfrm>
-            <a:off x="228598" y="2895598"/>
-            <a:ext cx="1371602" cy="1371602"/>
+            <a:off x="266699" y="3277705"/>
+            <a:ext cx="1104901" cy="1104901"/>
           </a:xfrm>
           <a:prstGeom prst="rect">
             <a:avLst/>
@@ -5072,7 +5825,7 @@
       </p:pic>
       <p:pic>
         <p:nvPicPr>
-          <p:cNvPr id="36" name="Picture 6" descr="C:\Users\carmi\Documents\universal_style_transfer\Report\Figures\bridge_sq.jpg"/>
+          <p:cNvPr id="7" name="Picture 3"/>
           <p:cNvPicPr>
             <a:picLocks noChangeAspect="1" noChangeArrowheads="1"/>
           </p:cNvPicPr>
@@ -5087,33 +5840,7 @@
         </p:blipFill>
         <p:spPr bwMode="auto">
           <a:xfrm>
-            <a:off x="228600" y="4495800"/>
-            <a:ext cx="1371600" cy="1371600"/>
-          </a:xfrm>
-          <a:prstGeom prst="rect">
-            <a:avLst/>
-          </a:prstGeom>
-          <a:noFill/>
-        </p:spPr>
-      </p:pic>
-      <p:pic>
-        <p:nvPicPr>
-          <p:cNvPr id="37" name="Picture 3"/>
-          <p:cNvPicPr>
-            <a:picLocks noChangeAspect="1" noChangeArrowheads="1"/>
-          </p:cNvPicPr>
-          <p:nvPr/>
-        </p:nvPicPr>
-        <p:blipFill>
-          <a:blip r:embed="rId6" cstate="print"/>
-          <a:srcRect/>
-          <a:stretch>
-            <a:fillRect/>
-          </a:stretch>
-        </p:blipFill>
-        <p:spPr bwMode="auto">
-          <a:xfrm>
-            <a:off x="1905000" y="1066800"/>
+            <a:off x="1637326" y="1066800"/>
             <a:ext cx="1200532" cy="3505200"/>
           </a:xfrm>
           <a:prstGeom prst="rect">
@@ -5130,13 +5857,46 @@
       </p:pic>
       <p:cxnSp>
         <p:nvCxnSpPr>
-          <p:cNvPr id="38" name="Straight Arrow Connector 37"/>
+          <p:cNvPr id="8" name="Straight Arrow Connector 7"/>
           <p:cNvCxnSpPr/>
           <p:nvPr/>
         </p:nvCxnSpPr>
         <p:spPr>
           <a:xfrm>
-            <a:off x="1524000" y="1752600"/>
+            <a:off x="1371600" y="1752600"/>
+            <a:ext cx="381000" cy="0"/>
+          </a:xfrm>
+          <a:prstGeom prst="straightConnector1">
+            <a:avLst/>
+          </a:prstGeom>
+          <a:ln>
+            <a:tailEnd type="arrow"/>
+          </a:ln>
+        </p:spPr>
+        <p:style>
+          <a:lnRef idx="3">
+            <a:schemeClr val="dk1"/>
+          </a:lnRef>
+          <a:fillRef idx="0">
+            <a:schemeClr val="dk1"/>
+          </a:fillRef>
+          <a:effectRef idx="2">
+            <a:schemeClr val="dk1"/>
+          </a:effectRef>
+          <a:fontRef idx="minor">
+            <a:schemeClr val="tx1"/>
+          </a:fontRef>
+        </p:style>
+      </p:cxnSp>
+      <p:cxnSp>
+        <p:nvCxnSpPr>
+          <p:cNvPr id="9" name="Straight Arrow Connector 8"/>
+          <p:cNvCxnSpPr/>
+          <p:nvPr/>
+        </p:nvCxnSpPr>
+        <p:spPr>
+          <a:xfrm>
+            <a:off x="1371600" y="3733800"/>
             <a:ext cx="381000" cy="0"/>
           </a:xfrm>
           <a:prstGeom prst="straightConnector1">
@@ -5163,14 +5923,14 @@
       </p:cxnSp>
       <p:pic>
         <p:nvPicPr>
-          <p:cNvPr id="40" name="Picture 4" descr="C:\Users\carmi\Documents\universal_style_transfer\Report\Figures\starry_sq.jpg"/>
+          <p:cNvPr id="12" name="Picture 6" descr="C:\Users\carmi\Documents\universal_style_transfer\Report\Figures\bridge_sq.jpg"/>
           <p:cNvPicPr>
             <a:picLocks noChangeAspect="1" noChangeArrowheads="1"/>
           </p:cNvPicPr>
           <p:nvPr/>
         </p:nvPicPr>
         <p:blipFill>
-          <a:blip r:embed="rId3" cstate="print"/>
+          <a:blip r:embed="rId6" cstate="print"/>
           <a:srcRect/>
           <a:stretch>
             <a:fillRect/>
@@ -5178,8 +5938,8 @@
         </p:blipFill>
         <p:spPr bwMode="auto">
           <a:xfrm>
-            <a:off x="228600" y="1219200"/>
-            <a:ext cx="1371600" cy="1371600"/>
+            <a:off x="190501" y="4853713"/>
+            <a:ext cx="1181099" cy="1181099"/>
           </a:xfrm>
           <a:prstGeom prst="rect">
             <a:avLst/>
@@ -5189,186 +5949,7 @@
       </p:pic>
       <p:pic>
         <p:nvPicPr>
-          <p:cNvPr id="42" name="Picture 6" descr="C:\Users\carmi\Documents\universal_style_transfer\Report\Figures\bridge_sq.jpg"/>
-          <p:cNvPicPr>
-            <a:picLocks noChangeAspect="1" noChangeArrowheads="1"/>
-          </p:cNvPicPr>
-          <p:nvPr/>
-        </p:nvPicPr>
-        <p:blipFill>
-          <a:blip r:embed="rId5" cstate="print"/>
-          <a:srcRect/>
-          <a:stretch>
-            <a:fillRect/>
-          </a:stretch>
-        </p:blipFill>
-        <p:spPr bwMode="auto">
-          <a:xfrm>
-            <a:off x="228600" y="4572000"/>
-            <a:ext cx="1371600" cy="1371600"/>
-          </a:xfrm>
-          <a:prstGeom prst="rect">
-            <a:avLst/>
-          </a:prstGeom>
-          <a:noFill/>
-        </p:spPr>
-      </p:pic>
-      <p:cxnSp>
-        <p:nvCxnSpPr>
-          <p:cNvPr id="43" name="Straight Arrow Connector 42"/>
-          <p:cNvCxnSpPr/>
-          <p:nvPr/>
-        </p:nvCxnSpPr>
-        <p:spPr>
-          <a:xfrm>
-            <a:off x="1524000" y="5334000"/>
-            <a:ext cx="381000" cy="0"/>
-          </a:xfrm>
-          <a:prstGeom prst="straightConnector1">
-            <a:avLst/>
-          </a:prstGeom>
-          <a:ln>
-            <a:tailEnd type="arrow"/>
-          </a:ln>
-        </p:spPr>
-        <p:style>
-          <a:lnRef idx="3">
-            <a:schemeClr val="dk1"/>
-          </a:lnRef>
-          <a:fillRef idx="0">
-            <a:schemeClr val="dk1"/>
-          </a:fillRef>
-          <a:effectRef idx="2">
-            <a:schemeClr val="dk1"/>
-          </a:effectRef>
-          <a:fontRef idx="minor">
-            <a:schemeClr val="tx1"/>
-          </a:fontRef>
-        </p:style>
-      </p:cxnSp>
-      <p:sp>
-        <p:nvSpPr>
-          <p:cNvPr id="44" name="Right Arrow 43"/>
-          <p:cNvSpPr/>
-          <p:nvPr/>
-        </p:nvSpPr>
-        <p:spPr>
-          <a:xfrm>
-            <a:off x="3124200" y="5257800"/>
-            <a:ext cx="381000" cy="228600"/>
-          </a:xfrm>
-          <a:prstGeom prst="rightArrow">
-            <a:avLst/>
-          </a:prstGeom>
-        </p:spPr>
-        <p:style>
-          <a:lnRef idx="2">
-            <a:schemeClr val="accent1">
-              <a:shade val="50000"/>
-            </a:schemeClr>
-          </a:lnRef>
-          <a:fillRef idx="1">
-            <a:schemeClr val="accent1"/>
-          </a:fillRef>
-          <a:effectRef idx="0">
-            <a:schemeClr val="accent1"/>
-          </a:effectRef>
-          <a:fontRef idx="minor">
-            <a:schemeClr val="lt1"/>
-          </a:fontRef>
-        </p:style>
-        <p:txBody>
-          <a:bodyPr rtlCol="0" anchor="ctr"/>
-          <a:lstStyle/>
-          <a:p>
-            <a:pPr algn="ctr"/>
-            <a:endParaRPr lang="en-US"/>
-          </a:p>
-        </p:txBody>
-      </p:sp>
-      <p:sp>
-        <p:nvSpPr>
-          <p:cNvPr id="45" name="Right Arrow 44"/>
-          <p:cNvSpPr/>
-          <p:nvPr/>
-        </p:nvSpPr>
-        <p:spPr>
-          <a:xfrm>
-            <a:off x="3124200" y="1676400"/>
-            <a:ext cx="381000" cy="228600"/>
-          </a:xfrm>
-          <a:prstGeom prst="rightArrow">
-            <a:avLst/>
-          </a:prstGeom>
-        </p:spPr>
-        <p:style>
-          <a:lnRef idx="2">
-            <a:schemeClr val="accent1">
-              <a:shade val="50000"/>
-            </a:schemeClr>
-          </a:lnRef>
-          <a:fillRef idx="1">
-            <a:schemeClr val="accent1"/>
-          </a:fillRef>
-          <a:effectRef idx="0">
-            <a:schemeClr val="accent1"/>
-          </a:effectRef>
-          <a:fontRef idx="minor">
-            <a:schemeClr val="lt1"/>
-          </a:fontRef>
-        </p:style>
-        <p:txBody>
-          <a:bodyPr rtlCol="0" anchor="ctr"/>
-          <a:lstStyle/>
-          <a:p>
-            <a:pPr algn="ctr"/>
-            <a:endParaRPr lang="en-US"/>
-          </a:p>
-        </p:txBody>
-      </p:sp>
-      <p:sp>
-        <p:nvSpPr>
-          <p:cNvPr id="46" name="Right Arrow 45"/>
-          <p:cNvSpPr/>
-          <p:nvPr/>
-        </p:nvSpPr>
-        <p:spPr>
-          <a:xfrm>
-            <a:off x="3124200" y="3733800"/>
-            <a:ext cx="381000" cy="228600"/>
-          </a:xfrm>
-          <a:prstGeom prst="rightArrow">
-            <a:avLst/>
-          </a:prstGeom>
-        </p:spPr>
-        <p:style>
-          <a:lnRef idx="2">
-            <a:schemeClr val="accent1">
-              <a:shade val="50000"/>
-            </a:schemeClr>
-          </a:lnRef>
-          <a:fillRef idx="1">
-            <a:schemeClr val="accent1"/>
-          </a:fillRef>
-          <a:effectRef idx="0">
-            <a:schemeClr val="accent1"/>
-          </a:effectRef>
-          <a:fontRef idx="minor">
-            <a:schemeClr val="lt1"/>
-          </a:fontRef>
-        </p:style>
-        <p:txBody>
-          <a:bodyPr rtlCol="0" anchor="ctr"/>
-          <a:lstStyle/>
-          <a:p>
-            <a:pPr algn="ctr"/>
-            <a:endParaRPr lang="en-US"/>
-          </a:p>
-        </p:txBody>
-      </p:sp>
-      <p:pic>
-        <p:nvPicPr>
-          <p:cNvPr id="47" name="Picture 15"/>
+          <p:cNvPr id="18" name="Picture 15"/>
           <p:cNvPicPr>
             <a:picLocks noChangeAspect="1" noChangeArrowheads="1"/>
           </p:cNvPicPr>
@@ -5383,7 +5964,7 @@
         </p:blipFill>
         <p:spPr bwMode="auto">
           <a:xfrm>
-            <a:off x="2590800" y="4474308"/>
+            <a:off x="2286000" y="4474308"/>
             <a:ext cx="533400" cy="250092"/>
           </a:xfrm>
           <a:prstGeom prst="rect">
@@ -5400,13 +5981,13 @@
       </p:pic>
       <p:cxnSp>
         <p:nvCxnSpPr>
-          <p:cNvPr id="48" name="Straight Arrow Connector 47"/>
+          <p:cNvPr id="19" name="Straight Arrow Connector 18"/>
           <p:cNvCxnSpPr/>
           <p:nvPr/>
         </p:nvCxnSpPr>
         <p:spPr>
           <a:xfrm>
-            <a:off x="2514600" y="4267200"/>
+            <a:off x="2286000" y="4267200"/>
             <a:ext cx="0" cy="609600"/>
           </a:xfrm>
           <a:prstGeom prst="straightConnector1">
@@ -5444,7 +6025,7 @@
       </p:cxnSp>
       <p:pic>
         <p:nvPicPr>
-          <p:cNvPr id="49" name="Picture 9"/>
+          <p:cNvPr id="20" name="Picture 9"/>
           <p:cNvPicPr>
             <a:picLocks noChangeAspect="1" noChangeArrowheads="1"/>
           </p:cNvPicPr>
@@ -5459,7 +6040,7 @@
         </p:blipFill>
         <p:spPr bwMode="auto">
           <a:xfrm>
-            <a:off x="3657600" y="4876800"/>
+            <a:off x="3238499" y="4813927"/>
             <a:ext cx="1447800" cy="1260670"/>
           </a:xfrm>
           <a:prstGeom prst="rect">
@@ -5476,7 +6057,7 @@
       </p:pic>
       <p:pic>
         <p:nvPicPr>
-          <p:cNvPr id="51" name="Picture 12"/>
+          <p:cNvPr id="23" name="Picture 12"/>
           <p:cNvPicPr>
             <a:picLocks noChangeAspect="1" noChangeArrowheads="1"/>
           </p:cNvPicPr>
@@ -5491,7 +6072,7 @@
         </p:blipFill>
         <p:spPr bwMode="auto">
           <a:xfrm>
-            <a:off x="3533775" y="1295400"/>
+            <a:off x="3048000" y="1371600"/>
             <a:ext cx="1571625" cy="1343025"/>
           </a:xfrm>
           <a:prstGeom prst="rect">
@@ -5508,7 +6089,7 @@
       </p:pic>
       <p:pic>
         <p:nvPicPr>
-          <p:cNvPr id="52" name="Picture 13"/>
+          <p:cNvPr id="25" name="Picture 13"/>
           <p:cNvPicPr>
             <a:picLocks noChangeAspect="1" noChangeArrowheads="1"/>
           </p:cNvPicPr>
@@ -5523,7 +6104,7 @@
         </p:blipFill>
         <p:spPr bwMode="auto">
           <a:xfrm>
-            <a:off x="3657600" y="3124200"/>
+            <a:off x="3255644" y="3138487"/>
             <a:ext cx="1476375" cy="1419225"/>
           </a:xfrm>
           <a:prstGeom prst="rect">
@@ -5538,9 +6119,39 @@
           </a:ln>
         </p:spPr>
       </p:pic>
+      <p:sp>
+        <p:nvSpPr>
+          <p:cNvPr id="27" name="TextBox 26"/>
+          <p:cNvSpPr txBox="1"/>
+          <p:nvPr/>
+        </p:nvSpPr>
+        <p:spPr>
+          <a:xfrm>
+            <a:off x="3124200" y="6172200"/>
+            <a:ext cx="2688557" cy="369332"/>
+          </a:xfrm>
+          <a:prstGeom prst="rect">
+            <a:avLst/>
+          </a:prstGeom>
+          <a:noFill/>
+        </p:spPr>
+        <p:txBody>
+          <a:bodyPr wrap="none" rtlCol="0">
+            <a:spAutoFit/>
+          </a:bodyPr>
+          <a:lstStyle/>
+          <a:p>
+            <a:r>
+              <a:rPr lang="en-US" b="1" dirty="0" smtClean="0"/>
+              <a:t>Deep feature channels</a:t>
+            </a:r>
+            <a:endParaRPr lang="en-US" b="1" dirty="0"/>
+          </a:p>
+        </p:txBody>
+      </p:sp>
       <p:pic>
         <p:nvPicPr>
-          <p:cNvPr id="53" name="Picture 10"/>
+          <p:cNvPr id="28" name="Picture 10"/>
           <p:cNvPicPr>
             <a:picLocks noChangeAspect="1" noChangeArrowheads="1"/>
           </p:cNvPicPr>
@@ -5555,7 +6166,7 @@
         </p:blipFill>
         <p:spPr bwMode="auto">
           <a:xfrm>
-            <a:off x="6705600" y="3962400"/>
+            <a:off x="6138863" y="3315438"/>
             <a:ext cx="828674" cy="992074"/>
           </a:xfrm>
           <a:prstGeom prst="rect">
@@ -5572,21 +6183,21 @@
       </p:pic>
       <p:sp>
         <p:nvSpPr>
-          <p:cNvPr id="54" name="Bent Arrow 53"/>
+          <p:cNvPr id="29" name="Bent Arrow 28"/>
           <p:cNvSpPr/>
           <p:nvPr/>
         </p:nvSpPr>
         <p:spPr>
           <a:xfrm rot="16200000" flipV="1">
-            <a:off x="5829300" y="4076700"/>
-            <a:ext cx="609600" cy="2209800"/>
+            <a:off x="5003081" y="3837221"/>
+            <a:ext cx="1408595" cy="2042161"/>
           </a:xfrm>
           <a:prstGeom prst="bentArrow">
             <a:avLst>
-              <a:gd name="adj1" fmla="val 13750"/>
-              <a:gd name="adj2" fmla="val 20000"/>
-              <a:gd name="adj3" fmla="val 25000"/>
-              <a:gd name="adj4" fmla="val 43750"/>
+              <a:gd name="adj1" fmla="val 7264"/>
+              <a:gd name="adj2" fmla="val 10935"/>
+              <a:gd name="adj3" fmla="val 12017"/>
+              <a:gd name="adj4" fmla="val 42127"/>
             </a:avLst>
           </a:prstGeom>
         </p:spPr>
@@ -5621,14 +6232,14 @@
       </p:sp>
       <p:sp>
         <p:nvSpPr>
-          <p:cNvPr id="56" name="Bent Arrow 55"/>
+          <p:cNvPr id="32" name="Bent Arrow 31"/>
           <p:cNvSpPr/>
           <p:nvPr/>
         </p:nvSpPr>
         <p:spPr>
           <a:xfrm rot="16200000" flipV="1">
-            <a:off x="5486400" y="2971800"/>
-            <a:ext cx="457200" cy="1219200"/>
+            <a:off x="4870433" y="3350746"/>
+            <a:ext cx="457200" cy="958817"/>
           </a:xfrm>
           <a:prstGeom prst="bentArrow">
             <a:avLst/>
@@ -5665,14 +6276,14 @@
       </p:sp>
       <p:sp>
         <p:nvSpPr>
-          <p:cNvPr id="57" name="Bent Arrow 56"/>
+          <p:cNvPr id="33" name="Bent Arrow 32"/>
           <p:cNvSpPr/>
           <p:nvPr/>
         </p:nvSpPr>
         <p:spPr>
           <a:xfrm rot="16200000" flipH="1" flipV="1">
-            <a:off x="5524500" y="1714500"/>
-            <a:ext cx="381000" cy="1219200"/>
+            <a:off x="4881863" y="1497982"/>
+            <a:ext cx="381000" cy="1012157"/>
           </a:xfrm>
           <a:prstGeom prst="bentArrow">
             <a:avLst/>
@@ -5709,7 +6320,7 @@
       </p:sp>
       <p:pic>
         <p:nvPicPr>
-          <p:cNvPr id="58" name="Picture 11"/>
+          <p:cNvPr id="37" name="Picture 11"/>
           <p:cNvPicPr>
             <a:picLocks noChangeAspect="1" noChangeArrowheads="1"/>
           </p:cNvPicPr>
@@ -5724,7 +6335,7 @@
         </p:blipFill>
         <p:spPr bwMode="auto">
           <a:xfrm>
-            <a:off x="7924800" y="3733800"/>
+            <a:off x="7545235" y="3138487"/>
             <a:ext cx="759130" cy="1514474"/>
           </a:xfrm>
           <a:prstGeom prst="rect">
@@ -5741,14 +6352,14 @@
       </p:pic>
       <p:sp>
         <p:nvSpPr>
-          <p:cNvPr id="60" name="Bent-Up Arrow 59"/>
+          <p:cNvPr id="43" name="Bent-Up Arrow 42"/>
           <p:cNvSpPr/>
           <p:nvPr/>
         </p:nvSpPr>
         <p:spPr>
           <a:xfrm flipV="1">
-            <a:off x="6858000" y="2895600"/>
-            <a:ext cx="304800" cy="990600"/>
+            <a:off x="6248400" y="2895600"/>
+            <a:ext cx="304800" cy="533400"/>
           </a:xfrm>
           <a:prstGeom prst="bentUpArrow">
             <a:avLst/>
@@ -5781,14 +6392,14 @@
       </p:sp>
       <p:sp>
         <p:nvSpPr>
-          <p:cNvPr id="62" name="Right Arrow 61"/>
+          <p:cNvPr id="45" name="Right Arrow 44"/>
           <p:cNvSpPr/>
           <p:nvPr/>
         </p:nvSpPr>
         <p:spPr>
           <a:xfrm>
-            <a:off x="7543800" y="4343400"/>
-            <a:ext cx="304800" cy="228600"/>
+            <a:off x="6967536" y="3708820"/>
+            <a:ext cx="500063" cy="228600"/>
           </a:xfrm>
           <a:prstGeom prst="rightArrow">
             <a:avLst/>
@@ -5821,14 +6432,14 @@
       </p:sp>
       <p:sp>
         <p:nvSpPr>
-          <p:cNvPr id="63" name="Right Arrow 62"/>
+          <p:cNvPr id="51" name="Right Arrow 50"/>
           <p:cNvSpPr/>
           <p:nvPr/>
         </p:nvSpPr>
         <p:spPr>
           <a:xfrm rot="16200000">
-            <a:off x="8077200" y="3352800"/>
-            <a:ext cx="381000" cy="228600"/>
+            <a:off x="7676782" y="2876918"/>
+            <a:ext cx="496037" cy="228600"/>
           </a:xfrm>
           <a:prstGeom prst="rightArrow">
             <a:avLst/>
@@ -5859,16 +6470,707 @@
           </a:p>
         </p:txBody>
       </p:sp>
+      <p:sp>
+        <p:nvSpPr>
+          <p:cNvPr id="2" name="TextBox 1"/>
+          <p:cNvSpPr txBox="1"/>
+          <p:nvPr/>
+        </p:nvSpPr>
+        <p:spPr>
+          <a:xfrm>
+            <a:off x="108371" y="5996713"/>
+            <a:ext cx="1072730" cy="369332"/>
+          </a:xfrm>
+          <a:prstGeom prst="rect">
+            <a:avLst/>
+          </a:prstGeom>
+          <a:noFill/>
+        </p:spPr>
+        <p:txBody>
+          <a:bodyPr wrap="none" rtlCol="0">
+            <a:spAutoFit/>
+          </a:bodyPr>
+          <a:lstStyle/>
+          <a:p>
+            <a:r>
+              <a:rPr lang="en-GB" dirty="0" smtClean="0"/>
+              <a:t>Content</a:t>
+            </a:r>
+            <a:endParaRPr lang="en-GB" dirty="0"/>
+          </a:p>
+        </p:txBody>
+      </p:sp>
+      <p:sp>
+        <p:nvSpPr>
+          <p:cNvPr id="22" name="TextBox 21"/>
+          <p:cNvSpPr txBox="1"/>
+          <p:nvPr/>
+        </p:nvSpPr>
+        <p:spPr>
+          <a:xfrm>
+            <a:off x="175937" y="2373868"/>
+            <a:ext cx="857927" cy="369332"/>
+          </a:xfrm>
+          <a:prstGeom prst="rect">
+            <a:avLst/>
+          </a:prstGeom>
+          <a:noFill/>
+        </p:spPr>
+        <p:txBody>
+          <a:bodyPr wrap="none" rtlCol="0">
+            <a:spAutoFit/>
+          </a:bodyPr>
+          <a:lstStyle/>
+          <a:p>
+            <a:r>
+              <a:rPr lang="en-GB" dirty="0" smtClean="0"/>
+              <a:t>Style1</a:t>
+            </a:r>
+            <a:endParaRPr lang="en-GB" dirty="0"/>
+          </a:p>
+        </p:txBody>
+      </p:sp>
+      <p:sp>
+        <p:nvSpPr>
+          <p:cNvPr id="38" name="TextBox 37"/>
+          <p:cNvSpPr txBox="1"/>
+          <p:nvPr/>
+        </p:nvSpPr>
+        <p:spPr>
+          <a:xfrm>
+            <a:off x="214038" y="4306406"/>
+            <a:ext cx="857927" cy="369332"/>
+          </a:xfrm>
+          <a:prstGeom prst="rect">
+            <a:avLst/>
+          </a:prstGeom>
+          <a:noFill/>
+        </p:spPr>
+        <p:txBody>
+          <a:bodyPr wrap="none" rtlCol="0">
+            <a:spAutoFit/>
+          </a:bodyPr>
+          <a:lstStyle/>
+          <a:p>
+            <a:r>
+              <a:rPr lang="en-GB" dirty="0" smtClean="0"/>
+              <a:t>Style2</a:t>
+            </a:r>
+            <a:endParaRPr lang="en-GB" dirty="0"/>
+          </a:p>
+        </p:txBody>
+      </p:sp>
+      <mc:AlternateContent xmlns:mc="http://schemas.openxmlformats.org/markup-compatibility/2006">
+        <mc:Choice xmlns:a14="http://schemas.microsoft.com/office/drawing/2010/main" xmlns="" Requires="a14">
+          <p:sp>
+            <p:nvSpPr>
+              <p:cNvPr id="24" name="TextBox 23"/>
+              <p:cNvSpPr txBox="1"/>
+              <p:nvPr/>
+            </p:nvSpPr>
+            <p:spPr>
+              <a:xfrm>
+                <a:off x="5641338" y="1846551"/>
+                <a:ext cx="624851" cy="411779"/>
+              </a:xfrm>
+              <a:prstGeom prst="rect">
+                <a:avLst/>
+              </a:prstGeom>
+              <a:noFill/>
+            </p:spPr>
+            <p:txBody>
+              <a:bodyPr wrap="none" rtlCol="0">
+                <a:spAutoFit/>
+              </a:bodyPr>
+              <a:lstStyle/>
+              <a:p>
+                <a:pPr/>
+                <a14:m>
+                  <m:oMathPara xmlns:m="http://schemas.openxmlformats.org/officeDocument/2006/math">
+                    <m:oMathParaPr>
+                      <m:jc m:val="centerGroup"/>
+                    </m:oMathParaPr>
+                    <m:oMath xmlns:m="http://schemas.openxmlformats.org/officeDocument/2006/math">
+                      <m:sSub>
+                        <m:sSubPr>
+                          <m:ctrlPr>
+                            <a:rPr lang="en-GB" b="0" i="1" smtClean="0">
+                              <a:latin typeface="Cambria Math"/>
+                            </a:rPr>
+                          </m:ctrlPr>
+                        </m:sSubPr>
+                        <m:e>
+                          <m:r>
+                            <a:rPr lang="en-GB" b="0" i="1" smtClean="0">
+                              <a:latin typeface="Cambria Math"/>
+                            </a:rPr>
+                            <m:t>𝑓</m:t>
+                          </m:r>
+                        </m:e>
+                        <m:sub>
+                          <m:sSub>
+                            <m:sSubPr>
+                              <m:ctrlPr>
+                                <a:rPr lang="en-GB" b="0" i="1" smtClean="0">
+                                  <a:latin typeface="Cambria Math"/>
+                                </a:rPr>
+                              </m:ctrlPr>
+                            </m:sSubPr>
+                            <m:e>
+                              <m:r>
+                                <a:rPr lang="en-GB" b="0" i="1" smtClean="0">
+                                  <a:latin typeface="Cambria Math"/>
+                                </a:rPr>
+                                <m:t>𝑠</m:t>
+                              </m:r>
+                            </m:e>
+                            <m:sub>
+                              <m:r>
+                                <a:rPr lang="en-GB" b="0" i="1" smtClean="0">
+                                  <a:latin typeface="Cambria Math"/>
+                                </a:rPr>
+                                <m:t>1</m:t>
+                              </m:r>
+                              <m:r>
+                                <a:rPr lang="en-GB" b="0" i="1" smtClean="0">
+                                  <a:latin typeface="Cambria Math"/>
+                                </a:rPr>
+                                <m:t>,</m:t>
+                              </m:r>
+                              <m:r>
+                                <a:rPr lang="en-GB" b="0" i="1" smtClean="0">
+                                  <a:latin typeface="Cambria Math"/>
+                                </a:rPr>
+                                <m:t>2</m:t>
+                              </m:r>
+                            </m:sub>
+                          </m:sSub>
+                        </m:sub>
+                      </m:sSub>
+                    </m:oMath>
+                  </m:oMathPara>
+                </a14:m>
+                <a:endParaRPr lang="en-GB" dirty="0"/>
+              </a:p>
+            </p:txBody>
+          </p:sp>
+        </mc:Choice>
+        <mc:Fallback>
+          <p:sp>
+            <p:nvSpPr>
+              <p:cNvPr id="24" name="TextBox 23"/>
+              <p:cNvSpPr txBox="1">
+                <a:spLocks noRot="1" noChangeAspect="1" noMove="1" noResize="1" noEditPoints="1" noAdjustHandles="1" noChangeArrowheads="1" noChangeShapeType="1" noTextEdit="1"/>
+              </p:cNvSpPr>
+              <p:nvPr/>
+            </p:nvSpPr>
+            <p:spPr>
+              <a:xfrm>
+                <a:off x="5641338" y="1846551"/>
+                <a:ext cx="624851" cy="411779"/>
+              </a:xfrm>
+              <a:prstGeom prst="rect">
+                <a:avLst/>
+              </a:prstGeom>
+              <a:blipFill rotWithShape="1">
+                <a:blip r:embed="rId13" cstate="print"/>
+                <a:stretch>
+                  <a:fillRect b="-2985"/>
+                </a:stretch>
+              </a:blipFill>
+            </p:spPr>
+            <p:txBody>
+              <a:bodyPr/>
+              <a:lstStyle/>
+              <a:p>
+                <a:r>
+                  <a:rPr lang="en-GB">
+                    <a:noFill/>
+                  </a:rPr>
+                  <a:t> </a:t>
+                </a:r>
+              </a:p>
+            </p:txBody>
+          </p:sp>
+        </mc:Fallback>
+      </mc:AlternateContent>
+      <mc:AlternateContent xmlns:mc="http://schemas.openxmlformats.org/markup-compatibility/2006">
+        <mc:Choice xmlns:a14="http://schemas.microsoft.com/office/drawing/2010/main" xmlns="" Requires="a14">
+          <p:sp>
+            <p:nvSpPr>
+              <p:cNvPr id="41" name="TextBox 40"/>
+              <p:cNvSpPr txBox="1"/>
+              <p:nvPr/>
+            </p:nvSpPr>
+            <p:spPr>
+              <a:xfrm>
+                <a:off x="3676757" y="1143000"/>
+                <a:ext cx="514243" cy="393121"/>
+              </a:xfrm>
+              <a:prstGeom prst="rect">
+                <a:avLst/>
+              </a:prstGeom>
+              <a:noFill/>
+            </p:spPr>
+            <p:txBody>
+              <a:bodyPr wrap="none" rtlCol="0">
+                <a:spAutoFit/>
+              </a:bodyPr>
+              <a:lstStyle/>
+              <a:p>
+                <a:pPr/>
+                <a14:m>
+                  <m:oMathPara xmlns:m="http://schemas.openxmlformats.org/officeDocument/2006/math">
+                    <m:oMathParaPr>
+                      <m:jc m:val="centerGroup"/>
+                    </m:oMathParaPr>
+                    <m:oMath xmlns:m="http://schemas.openxmlformats.org/officeDocument/2006/math">
+                      <m:sSub>
+                        <m:sSubPr>
+                          <m:ctrlPr>
+                            <a:rPr lang="en-GB" b="0" i="1" smtClean="0">
+                              <a:latin typeface="Cambria Math"/>
+                            </a:rPr>
+                          </m:ctrlPr>
+                        </m:sSubPr>
+                        <m:e>
+                          <m:r>
+                            <a:rPr lang="en-GB" b="0" i="1" smtClean="0">
+                              <a:latin typeface="Cambria Math"/>
+                            </a:rPr>
+                            <m:t>𝑓</m:t>
+                          </m:r>
+                        </m:e>
+                        <m:sub>
+                          <m:sSub>
+                            <m:sSubPr>
+                              <m:ctrlPr>
+                                <a:rPr lang="en-GB" b="0" i="1" smtClean="0">
+                                  <a:latin typeface="Cambria Math"/>
+                                </a:rPr>
+                              </m:ctrlPr>
+                            </m:sSubPr>
+                            <m:e>
+                              <m:r>
+                                <a:rPr lang="en-GB" b="0" i="1" smtClean="0">
+                                  <a:latin typeface="Cambria Math"/>
+                                </a:rPr>
+                                <m:t>𝑠</m:t>
+                              </m:r>
+                            </m:e>
+                            <m:sub>
+                              <m:r>
+                                <a:rPr lang="en-GB" b="0" i="1" smtClean="0">
+                                  <a:latin typeface="Cambria Math"/>
+                                </a:rPr>
+                                <m:t>1</m:t>
+                              </m:r>
+                            </m:sub>
+                          </m:sSub>
+                        </m:sub>
+                      </m:sSub>
+                    </m:oMath>
+                  </m:oMathPara>
+                </a14:m>
+                <a:endParaRPr lang="en-GB" dirty="0"/>
+              </a:p>
+            </p:txBody>
+          </p:sp>
+        </mc:Choice>
+        <mc:Fallback>
+          <p:sp>
+            <p:nvSpPr>
+              <p:cNvPr id="41" name="TextBox 40"/>
+              <p:cNvSpPr txBox="1">
+                <a:spLocks noRot="1" noChangeAspect="1" noMove="1" noResize="1" noEditPoints="1" noAdjustHandles="1" noChangeArrowheads="1" noChangeShapeType="1" noTextEdit="1"/>
+              </p:cNvSpPr>
+              <p:nvPr/>
+            </p:nvSpPr>
+            <p:spPr>
+              <a:xfrm>
+                <a:off x="3676757" y="1143000"/>
+                <a:ext cx="514243" cy="393121"/>
+              </a:xfrm>
+              <a:prstGeom prst="rect">
+                <a:avLst/>
+              </a:prstGeom>
+              <a:blipFill rotWithShape="1">
+                <a:blip r:embed="rId14" cstate="print"/>
+                <a:stretch>
+                  <a:fillRect b="-6250"/>
+                </a:stretch>
+              </a:blipFill>
+            </p:spPr>
+            <p:txBody>
+              <a:bodyPr/>
+              <a:lstStyle/>
+              <a:p>
+                <a:r>
+                  <a:rPr lang="en-GB">
+                    <a:noFill/>
+                  </a:rPr>
+                  <a:t> </a:t>
+                </a:r>
+              </a:p>
+            </p:txBody>
+          </p:sp>
+        </mc:Fallback>
+      </mc:AlternateContent>
+      <mc:AlternateContent xmlns:mc="http://schemas.openxmlformats.org/markup-compatibility/2006">
+        <mc:Choice xmlns:a14="http://schemas.microsoft.com/office/drawing/2010/main" xmlns="" Requires="a14">
+          <p:sp>
+            <p:nvSpPr>
+              <p:cNvPr id="44" name="TextBox 43"/>
+              <p:cNvSpPr txBox="1"/>
+              <p:nvPr/>
+            </p:nvSpPr>
+            <p:spPr>
+              <a:xfrm>
+                <a:off x="3705277" y="2855642"/>
+                <a:ext cx="514243" cy="393121"/>
+              </a:xfrm>
+              <a:prstGeom prst="rect">
+                <a:avLst/>
+              </a:prstGeom>
+              <a:noFill/>
+            </p:spPr>
+            <p:txBody>
+              <a:bodyPr wrap="none" rtlCol="0">
+                <a:spAutoFit/>
+              </a:bodyPr>
+              <a:lstStyle/>
+              <a:p>
+                <a:pPr/>
+                <a14:m>
+                  <m:oMathPara xmlns:m="http://schemas.openxmlformats.org/officeDocument/2006/math">
+                    <m:oMathParaPr>
+                      <m:jc m:val="centerGroup"/>
+                    </m:oMathParaPr>
+                    <m:oMath xmlns:m="http://schemas.openxmlformats.org/officeDocument/2006/math">
+                      <m:sSub>
+                        <m:sSubPr>
+                          <m:ctrlPr>
+                            <a:rPr lang="en-GB" b="0" i="1" smtClean="0">
+                              <a:latin typeface="Cambria Math"/>
+                            </a:rPr>
+                          </m:ctrlPr>
+                        </m:sSubPr>
+                        <m:e>
+                          <m:r>
+                            <a:rPr lang="en-GB" b="0" i="1" smtClean="0">
+                              <a:latin typeface="Cambria Math"/>
+                            </a:rPr>
+                            <m:t>𝑓</m:t>
+                          </m:r>
+                        </m:e>
+                        <m:sub>
+                          <m:sSub>
+                            <m:sSubPr>
+                              <m:ctrlPr>
+                                <a:rPr lang="en-GB" b="0" i="1" smtClean="0">
+                                  <a:latin typeface="Cambria Math"/>
+                                </a:rPr>
+                              </m:ctrlPr>
+                            </m:sSubPr>
+                            <m:e>
+                              <m:r>
+                                <a:rPr lang="en-GB" b="0" i="1" smtClean="0">
+                                  <a:latin typeface="Cambria Math"/>
+                                </a:rPr>
+                                <m:t>𝑠</m:t>
+                              </m:r>
+                            </m:e>
+                            <m:sub>
+                              <m:r>
+                                <a:rPr lang="en-GB" b="0" i="1" smtClean="0">
+                                  <a:latin typeface="Cambria Math"/>
+                                </a:rPr>
+                                <m:t>2</m:t>
+                              </m:r>
+                            </m:sub>
+                          </m:sSub>
+                        </m:sub>
+                      </m:sSub>
+                    </m:oMath>
+                  </m:oMathPara>
+                </a14:m>
+                <a:endParaRPr lang="en-GB" dirty="0"/>
+              </a:p>
+            </p:txBody>
+          </p:sp>
+        </mc:Choice>
+        <mc:Fallback>
+          <p:sp>
+            <p:nvSpPr>
+              <p:cNvPr id="44" name="TextBox 43"/>
+              <p:cNvSpPr txBox="1">
+                <a:spLocks noRot="1" noChangeAspect="1" noMove="1" noResize="1" noEditPoints="1" noAdjustHandles="1" noChangeArrowheads="1" noChangeShapeType="1" noTextEdit="1"/>
+              </p:cNvSpPr>
+              <p:nvPr/>
+            </p:nvSpPr>
+            <p:spPr>
+              <a:xfrm>
+                <a:off x="3705277" y="2855642"/>
+                <a:ext cx="514243" cy="393121"/>
+              </a:xfrm>
+              <a:prstGeom prst="rect">
+                <a:avLst/>
+              </a:prstGeom>
+              <a:blipFill rotWithShape="1">
+                <a:blip r:embed="rId15" cstate="print"/>
+                <a:stretch>
+                  <a:fillRect b="-6154"/>
+                </a:stretch>
+              </a:blipFill>
+            </p:spPr>
+            <p:txBody>
+              <a:bodyPr/>
+              <a:lstStyle/>
+              <a:p>
+                <a:r>
+                  <a:rPr lang="en-GB">
+                    <a:noFill/>
+                  </a:rPr>
+                  <a:t> </a:t>
+                </a:r>
+              </a:p>
+            </p:txBody>
+          </p:sp>
+        </mc:Fallback>
+      </mc:AlternateContent>
+      <mc:AlternateContent xmlns:mc="http://schemas.openxmlformats.org/markup-compatibility/2006">
+        <mc:Choice xmlns:a14="http://schemas.microsoft.com/office/drawing/2010/main" xmlns="" Requires="a14">
+          <p:sp>
+            <p:nvSpPr>
+              <p:cNvPr id="46" name="TextBox 45"/>
+              <p:cNvSpPr txBox="1"/>
+              <p:nvPr/>
+            </p:nvSpPr>
+            <p:spPr>
+              <a:xfrm>
+                <a:off x="3713978" y="4507468"/>
+                <a:ext cx="439799" cy="369332"/>
+              </a:xfrm>
+              <a:prstGeom prst="rect">
+                <a:avLst/>
+              </a:prstGeom>
+              <a:noFill/>
+            </p:spPr>
+            <p:txBody>
+              <a:bodyPr wrap="none" rtlCol="0">
+                <a:spAutoFit/>
+              </a:bodyPr>
+              <a:lstStyle/>
+              <a:p>
+                <a:pPr/>
+                <a14:m>
+                  <m:oMathPara xmlns:m="http://schemas.openxmlformats.org/officeDocument/2006/math">
+                    <m:oMathParaPr>
+                      <m:jc m:val="centerGroup"/>
+                    </m:oMathParaPr>
+                    <m:oMath xmlns:m="http://schemas.openxmlformats.org/officeDocument/2006/math">
+                      <m:sSub>
+                        <m:sSubPr>
+                          <m:ctrlPr>
+                            <a:rPr lang="en-GB" b="0" i="1" smtClean="0">
+                              <a:latin typeface="Cambria Math"/>
+                            </a:rPr>
+                          </m:ctrlPr>
+                        </m:sSubPr>
+                        <m:e>
+                          <m:r>
+                            <a:rPr lang="en-GB" b="0" i="1" smtClean="0">
+                              <a:latin typeface="Cambria Math"/>
+                            </a:rPr>
+                            <m:t>𝑓</m:t>
+                          </m:r>
+                        </m:e>
+                        <m:sub>
+                          <m:r>
+                            <a:rPr lang="en-GB" b="0" i="1" smtClean="0">
+                              <a:latin typeface="Cambria Math"/>
+                            </a:rPr>
+                            <m:t>𝑐</m:t>
+                          </m:r>
+                        </m:sub>
+                      </m:sSub>
+                    </m:oMath>
+                  </m:oMathPara>
+                </a14:m>
+                <a:endParaRPr lang="en-GB" dirty="0"/>
+              </a:p>
+            </p:txBody>
+          </p:sp>
+        </mc:Choice>
+        <mc:Fallback>
+          <p:sp>
+            <p:nvSpPr>
+              <p:cNvPr id="46" name="TextBox 45"/>
+              <p:cNvSpPr txBox="1">
+                <a:spLocks noRot="1" noChangeAspect="1" noMove="1" noResize="1" noEditPoints="1" noAdjustHandles="1" noChangeArrowheads="1" noChangeShapeType="1" noTextEdit="1"/>
+              </p:cNvSpPr>
+              <p:nvPr/>
+            </p:nvSpPr>
+            <p:spPr>
+              <a:xfrm>
+                <a:off x="3713978" y="4507468"/>
+                <a:ext cx="439799" cy="369332"/>
+              </a:xfrm>
+              <a:prstGeom prst="rect">
+                <a:avLst/>
+              </a:prstGeom>
+              <a:blipFill rotWithShape="1">
+                <a:blip r:embed="rId16" cstate="print"/>
+                <a:stretch>
+                  <a:fillRect b="-8197"/>
+                </a:stretch>
+              </a:blipFill>
+            </p:spPr>
+            <p:txBody>
+              <a:bodyPr/>
+              <a:lstStyle/>
+              <a:p>
+                <a:r>
+                  <a:rPr lang="en-GB">
+                    <a:noFill/>
+                  </a:rPr>
+                  <a:t> </a:t>
+                </a:r>
+              </a:p>
+            </p:txBody>
+          </p:sp>
+        </mc:Fallback>
+      </mc:AlternateContent>
+      <p:sp>
+        <p:nvSpPr>
+          <p:cNvPr id="15" name="Right Arrow 14"/>
+          <p:cNvSpPr/>
+          <p:nvPr/>
+        </p:nvSpPr>
+        <p:spPr>
+          <a:xfrm>
+            <a:off x="2819400" y="5257800"/>
+            <a:ext cx="381000" cy="228600"/>
+          </a:xfrm>
+          <a:prstGeom prst="rightArrow">
+            <a:avLst/>
+          </a:prstGeom>
+        </p:spPr>
+        <p:style>
+          <a:lnRef idx="2">
+            <a:schemeClr val="accent1">
+              <a:shade val="50000"/>
+            </a:schemeClr>
+          </a:lnRef>
+          <a:fillRef idx="1">
+            <a:schemeClr val="accent1"/>
+          </a:fillRef>
+          <a:effectRef idx="0">
+            <a:schemeClr val="accent1"/>
+          </a:effectRef>
+          <a:fontRef idx="minor">
+            <a:schemeClr val="lt1"/>
+          </a:fontRef>
+        </p:style>
+        <p:txBody>
+          <a:bodyPr rtlCol="0" anchor="ctr"/>
+          <a:lstStyle/>
+          <a:p>
+            <a:pPr algn="ctr"/>
+            <a:endParaRPr lang="en-US"/>
+          </a:p>
+        </p:txBody>
+      </p:sp>
+      <p:sp>
+        <p:nvSpPr>
+          <p:cNvPr id="16" name="Right Arrow 15"/>
+          <p:cNvSpPr/>
+          <p:nvPr/>
+        </p:nvSpPr>
+        <p:spPr>
+          <a:xfrm>
+            <a:off x="2819400" y="1676400"/>
+            <a:ext cx="381000" cy="228600"/>
+          </a:xfrm>
+          <a:prstGeom prst="rightArrow">
+            <a:avLst/>
+          </a:prstGeom>
+        </p:spPr>
+        <p:style>
+          <a:lnRef idx="2">
+            <a:schemeClr val="accent1">
+              <a:shade val="50000"/>
+            </a:schemeClr>
+          </a:lnRef>
+          <a:fillRef idx="1">
+            <a:schemeClr val="accent1"/>
+          </a:fillRef>
+          <a:effectRef idx="0">
+            <a:schemeClr val="accent1"/>
+          </a:effectRef>
+          <a:fontRef idx="minor">
+            <a:schemeClr val="lt1"/>
+          </a:fontRef>
+        </p:style>
+        <p:txBody>
+          <a:bodyPr rtlCol="0" anchor="ctr"/>
+          <a:lstStyle/>
+          <a:p>
+            <a:pPr algn="ctr"/>
+            <a:endParaRPr lang="en-US"/>
+          </a:p>
+        </p:txBody>
+      </p:sp>
+      <p:sp>
+        <p:nvSpPr>
+          <p:cNvPr id="17" name="Right Arrow 16"/>
+          <p:cNvSpPr/>
+          <p:nvPr/>
+        </p:nvSpPr>
+        <p:spPr>
+          <a:xfrm>
+            <a:off x="2819400" y="3733800"/>
+            <a:ext cx="381000" cy="228600"/>
+          </a:xfrm>
+          <a:prstGeom prst="rightArrow">
+            <a:avLst/>
+          </a:prstGeom>
+        </p:spPr>
+        <p:style>
+          <a:lnRef idx="2">
+            <a:schemeClr val="accent1">
+              <a:shade val="50000"/>
+            </a:schemeClr>
+          </a:lnRef>
+          <a:fillRef idx="1">
+            <a:schemeClr val="accent1"/>
+          </a:fillRef>
+          <a:effectRef idx="0">
+            <a:schemeClr val="accent1"/>
+          </a:effectRef>
+          <a:fontRef idx="minor">
+            <a:schemeClr val="lt1"/>
+          </a:fontRef>
+        </p:style>
+        <p:txBody>
+          <a:bodyPr rtlCol="0" anchor="ctr"/>
+          <a:lstStyle/>
+          <a:p>
+            <a:pPr algn="ctr"/>
+            <a:endParaRPr lang="en-US"/>
+          </a:p>
+        </p:txBody>
+      </p:sp>
       <p:pic>
         <p:nvPicPr>
-          <p:cNvPr id="3074" name="Picture 2"/>
+          <p:cNvPr id="47" name="Picture 14"/>
           <p:cNvPicPr>
             <a:picLocks noChangeAspect="1" noChangeArrowheads="1"/>
           </p:cNvPicPr>
           <p:nvPr/>
         </p:nvPicPr>
         <p:blipFill>
-          <a:blip r:embed="rId13" cstate="print"/>
+          <a:blip r:embed="rId17" cstate="print"/>
           <a:srcRect/>
           <a:stretch>
             <a:fillRect/>
@@ -5876,8 +7178,8 @@
         </p:blipFill>
         <p:spPr bwMode="auto">
           <a:xfrm>
-            <a:off x="5334000" y="2667000"/>
-            <a:ext cx="1533524" cy="495300"/>
+            <a:off x="4800600" y="2203179"/>
+            <a:ext cx="1447800" cy="1304925"/>
           </a:xfrm>
           <a:prstGeom prst="rect">
             <a:avLst/>
@@ -5893,14 +7195,14 @@
       </p:pic>
       <p:pic>
         <p:nvPicPr>
-          <p:cNvPr id="3075" name="Picture 3" descr="C:\Users\carmi\Documents\universal_style_transfer\Report\Figures\merge\merge_bridge_starry_st2_4.jpg"/>
+          <p:cNvPr id="48" name="Picture 2" descr="C:\Users\carmi\Documents\universal_style_transfer\Report\Figures\merge\merge_bridge_starry_st2_2.jpg"/>
           <p:cNvPicPr>
             <a:picLocks noChangeAspect="1" noChangeArrowheads="1"/>
           </p:cNvPicPr>
           <p:nvPr/>
         </p:nvPicPr>
         <p:blipFill>
-          <a:blip r:embed="rId14" cstate="print"/>
+          <a:blip r:embed="rId18" cstate="print"/>
           <a:srcRect/>
           <a:stretch>
             <a:fillRect/>
@@ -5908,8 +7210,8 @@
         </p:blipFill>
         <p:spPr bwMode="auto">
           <a:xfrm>
-            <a:off x="6858000" y="533400"/>
-            <a:ext cx="2133600" cy="2133600"/>
+            <a:off x="6728459" y="469482"/>
+            <a:ext cx="2263141" cy="2089052"/>
           </a:xfrm>
           <a:prstGeom prst="rect">
             <a:avLst/>
@@ -5917,37 +7219,115 @@
           <a:noFill/>
         </p:spPr>
       </p:pic>
-      <p:sp>
-        <p:nvSpPr>
-          <p:cNvPr id="67" name="TextBox 66"/>
-          <p:cNvSpPr txBox="1"/>
-          <p:nvPr/>
-        </p:nvSpPr>
-        <p:spPr>
-          <a:xfrm>
-            <a:off x="3124200" y="6172200"/>
-            <a:ext cx="2688557" cy="369332"/>
-          </a:xfrm>
-          <a:prstGeom prst="rect">
-            <a:avLst/>
-          </a:prstGeom>
-          <a:noFill/>
-        </p:spPr>
-        <p:txBody>
-          <a:bodyPr wrap="none" rtlCol="0">
-            <a:spAutoFit/>
-          </a:bodyPr>
-          <a:lstStyle/>
-          <a:p>
-            <a:r>
-              <a:rPr lang="en-US" b="1" dirty="0" smtClean="0"/>
-              <a:t>Deep feature channels</a:t>
-            </a:r>
-            <a:endParaRPr lang="en-US" b="1" dirty="0"/>
-          </a:p>
-        </p:txBody>
-      </p:sp>
+      <mc:AlternateContent xmlns:mc="http://schemas.openxmlformats.org/markup-compatibility/2006">
+        <mc:Choice xmlns:a14="http://schemas.microsoft.com/office/drawing/2010/main" xmlns="" Requires="a14">
+          <p:sp>
+            <p:nvSpPr>
+              <p:cNvPr id="49" name="TextBox 48"/>
+              <p:cNvSpPr txBox="1"/>
+              <p:nvPr/>
+            </p:nvSpPr>
+            <p:spPr>
+              <a:xfrm>
+                <a:off x="6915305" y="3259502"/>
+                <a:ext cx="519694" cy="369332"/>
+              </a:xfrm>
+              <a:prstGeom prst="rect">
+                <a:avLst/>
+              </a:prstGeom>
+              <a:noFill/>
+            </p:spPr>
+            <p:txBody>
+              <a:bodyPr wrap="none" rtlCol="0">
+                <a:spAutoFit/>
+              </a:bodyPr>
+              <a:lstStyle/>
+              <a:p>
+                <a:pPr/>
+                <a14:m>
+                  <m:oMathPara xmlns:m="http://schemas.openxmlformats.org/officeDocument/2006/math">
+                    <m:oMathParaPr>
+                      <m:jc m:val="centerGroup"/>
+                    </m:oMathParaPr>
+                    <m:oMath xmlns:m="http://schemas.openxmlformats.org/officeDocument/2006/math">
+                      <m:sSub>
+                        <m:sSubPr>
+                          <m:ctrlPr>
+                            <a:rPr lang="en-GB" b="0" i="1" smtClean="0">
+                              <a:latin typeface="Cambria Math"/>
+                            </a:rPr>
+                          </m:ctrlPr>
+                        </m:sSubPr>
+                        <m:e>
+                          <m:r>
+                            <a:rPr lang="en-GB" b="0" i="1" smtClean="0">
+                              <a:latin typeface="Cambria Math"/>
+                            </a:rPr>
+                            <m:t>𝑓</m:t>
+                          </m:r>
+                        </m:e>
+                        <m:sub>
+                          <m:r>
+                            <a:rPr lang="en-GB" b="0" i="1" smtClean="0">
+                              <a:latin typeface="Cambria Math"/>
+                            </a:rPr>
+                            <m:t>𝑐𝑠</m:t>
+                          </m:r>
+                        </m:sub>
+                      </m:sSub>
+                    </m:oMath>
+                  </m:oMathPara>
+                </a14:m>
+                <a:endParaRPr lang="en-GB" dirty="0"/>
+              </a:p>
+            </p:txBody>
+          </p:sp>
+        </mc:Choice>
+        <mc:Fallback>
+          <p:sp>
+            <p:nvSpPr>
+              <p:cNvPr id="49" name="TextBox 48"/>
+              <p:cNvSpPr txBox="1">
+                <a:spLocks noRot="1" noChangeAspect="1" noMove="1" noResize="1" noEditPoints="1" noAdjustHandles="1" noChangeArrowheads="1" noChangeShapeType="1" noTextEdit="1"/>
+              </p:cNvSpPr>
+              <p:nvPr/>
+            </p:nvSpPr>
+            <p:spPr>
+              <a:xfrm>
+                <a:off x="6915305" y="3259502"/>
+                <a:ext cx="519694" cy="369332"/>
+              </a:xfrm>
+              <a:prstGeom prst="rect">
+                <a:avLst/>
+              </a:prstGeom>
+              <a:blipFill rotWithShape="1">
+                <a:blip r:embed="rId19" cstate="print"/>
+                <a:stretch>
+                  <a:fillRect b="-10000"/>
+                </a:stretch>
+              </a:blipFill>
+            </p:spPr>
+            <p:txBody>
+              <a:bodyPr/>
+              <a:lstStyle/>
+              <a:p>
+                <a:r>
+                  <a:rPr lang="en-GB">
+                    <a:noFill/>
+                  </a:rPr>
+                  <a:t> </a:t>
+                </a:r>
+              </a:p>
+            </p:txBody>
+          </p:sp>
+        </mc:Fallback>
+      </mc:AlternateContent>
     </p:spTree>
+    <p:extLst>
+      <p:ext uri="{BB962C8B-B14F-4D97-AF65-F5344CB8AC3E}">
+        <p14:creationId xmlns:p14="http://schemas.microsoft.com/office/powerpoint/2010/main" xmlns="" val="1611528961"/>
+      </p:ext>
+    </p:extLst>
   </p:cSld>
   <p:clrMapOvr>
     <a:masterClrMapping/>
@@ -5979,32 +7359,42 @@
           <a:chExt cx="0" cy="0"/>
         </a:xfrm>
       </p:grpSpPr>
-      <p:sp>
-        <p:nvSpPr>
-          <p:cNvPr id="3" name="Title 2"/>
-          <p:cNvSpPr>
-            <a:spLocks noGrp="1"/>
-          </p:cNvSpPr>
-          <p:nvPr>
-            <p:ph type="title"/>
-          </p:nvPr>
-        </p:nvSpPr>
-        <p:spPr/>
-        <p:txBody>
-          <a:bodyPr/>
-          <a:lstStyle/>
-          <a:p>
-            <a:r>
-              <a:rPr lang="en-US" dirty="0" smtClean="0"/>
-              <a:t>Level Merge</a:t>
-            </a:r>
-            <a:endParaRPr lang="en-US" dirty="0"/>
-          </a:p>
-        </p:txBody>
-      </p:sp>
+      <p:cxnSp>
+        <p:nvCxnSpPr>
+          <p:cNvPr id="39" name="Straight Arrow Connector 38"/>
+          <p:cNvCxnSpPr/>
+          <p:nvPr/>
+        </p:nvCxnSpPr>
+        <p:spPr>
+          <a:xfrm>
+            <a:off x="1524000" y="3733800"/>
+            <a:ext cx="381000" cy="0"/>
+          </a:xfrm>
+          <a:prstGeom prst="straightConnector1">
+            <a:avLst/>
+          </a:prstGeom>
+          <a:ln>
+            <a:tailEnd type="arrow"/>
+          </a:ln>
+        </p:spPr>
+        <p:style>
+          <a:lnRef idx="3">
+            <a:schemeClr val="dk1"/>
+          </a:lnRef>
+          <a:fillRef idx="0">
+            <a:schemeClr val="dk1"/>
+          </a:fillRef>
+          <a:effectRef idx="2">
+            <a:schemeClr val="dk1"/>
+          </a:effectRef>
+          <a:fontRef idx="minor">
+            <a:schemeClr val="tx1"/>
+          </a:fontRef>
+        </p:style>
+      </p:cxnSp>
       <p:pic>
         <p:nvPicPr>
-          <p:cNvPr id="4099" name="Picture 3" descr="C:\Users\carmi\Documents\universal_style_transfer\Report\Figures\merge\merge_bridge_starry_st2_3.jpg"/>
+          <p:cNvPr id="66" name="Picture 7"/>
           <p:cNvPicPr>
             <a:picLocks noChangeAspect="1" noChangeArrowheads="1"/>
           </p:cNvPicPr>
@@ -6019,31 +7409,54 @@
         </p:blipFill>
         <p:spPr bwMode="auto">
           <a:xfrm>
-            <a:off x="6400800" y="4191000"/>
-            <a:ext cx="2286000" cy="2286000"/>
+            <a:off x="1867874" y="4572000"/>
+            <a:ext cx="1256326" cy="1676400"/>
           </a:xfrm>
           <a:prstGeom prst="rect">
             <a:avLst/>
           </a:prstGeom>
           <a:noFill/>
+          <a:ln w="9525">
+            <a:noFill/>
+            <a:miter lim="800000"/>
+            <a:headEnd/>
+            <a:tailEnd/>
+          </a:ln>
         </p:spPr>
       </p:pic>
+      <p:sp>
+        <p:nvSpPr>
+          <p:cNvPr id="3" name="Title 2"/>
+          <p:cNvSpPr>
+            <a:spLocks noGrp="1"/>
+          </p:cNvSpPr>
+          <p:nvPr>
+            <p:ph type="title"/>
+          </p:nvPr>
+        </p:nvSpPr>
+        <p:spPr/>
+        <p:txBody>
+          <a:bodyPr/>
+          <a:lstStyle/>
+          <a:p>
+            <a:r>
+              <a:rPr lang="en-US" dirty="0" smtClean="0"/>
+              <a:t>Interpolation Merge</a:t>
+            </a:r>
+            <a:endParaRPr lang="en-US" dirty="0"/>
+          </a:p>
+        </p:txBody>
+      </p:sp>
       <p:pic>
         <p:nvPicPr>
-          <p:cNvPr id="1026" name="Picture 2" descr="C:\Users\Eyal\Documents\GitHub\universal_style_transfer\ppt\level_merge.png"/>
+          <p:cNvPr id="34" name="Picture 4" descr="C:\Users\carmi\Documents\universal_style_transfer\Report\Figures\starry_sq.jpg"/>
           <p:cNvPicPr>
             <a:picLocks noChangeAspect="1" noChangeArrowheads="1"/>
           </p:cNvPicPr>
           <p:nvPr/>
         </p:nvPicPr>
         <p:blipFill>
-          <a:blip r:embed="rId3">
-            <a:extLst>
-              <a:ext uri="{28A0092B-C50C-407E-A947-70E740481C1C}">
-                <a14:useLocalDpi xmlns:a14="http://schemas.microsoft.com/office/drawing/2010/main" val="0"/>
-              </a:ext>
-            </a:extLst>
-          </a:blip>
+          <a:blip r:embed="rId3" cstate="print"/>
           <a:srcRect/>
           <a:stretch>
             <a:fillRect/>
@@ -6051,27 +7464,18 @@
         </p:blipFill>
         <p:spPr bwMode="auto">
           <a:xfrm>
-            <a:off x="2080260" y="1219200"/>
-            <a:ext cx="4202113" cy="4716462"/>
+            <a:off x="228600" y="1219200"/>
+            <a:ext cx="1371600" cy="1371600"/>
           </a:xfrm>
           <a:prstGeom prst="rect">
             <a:avLst/>
           </a:prstGeom>
           <a:noFill/>
-          <a:extLst>
-            <a:ext uri="{909E8E84-426E-40DD-AFC4-6F175D3DCCD1}">
-              <a14:hiddenFill xmlns:a14="http://schemas.microsoft.com/office/drawing/2010/main">
-                <a:solidFill>
-                  <a:srgbClr val="FFFFFF"/>
-                </a:solidFill>
-              </a14:hiddenFill>
-            </a:ext>
-          </a:extLst>
         </p:spPr>
       </p:pic>
       <p:pic>
         <p:nvPicPr>
-          <p:cNvPr id="5" name="Picture 4" descr="C:\Users\carmi\Documents\universal_style_transfer\Report\Figures\starry_sq.jpg"/>
+          <p:cNvPr id="35" name="Picture 5" descr="C:\Users\carmi\Documents\universal_style_transfer\Report\Figures\st2_sq.jpg"/>
           <p:cNvPicPr>
             <a:picLocks noChangeAspect="1" noChangeArrowheads="1"/>
           </p:cNvPicPr>
@@ -6086,8 +7490,8 @@
         </p:blipFill>
         <p:spPr bwMode="auto">
           <a:xfrm>
-            <a:off x="1425018" y="1600200"/>
-            <a:ext cx="609600" cy="609600"/>
+            <a:off x="228598" y="2895598"/>
+            <a:ext cx="1371602" cy="1371602"/>
           </a:xfrm>
           <a:prstGeom prst="rect">
             <a:avLst/>
@@ -6097,59 +7501,7 @@
       </p:pic>
       <p:pic>
         <p:nvPicPr>
-          <p:cNvPr id="7" name="Picture 4" descr="C:\Users\carmi\Documents\universal_style_transfer\Report\Figures\starry_sq.jpg"/>
-          <p:cNvPicPr>
-            <a:picLocks noChangeAspect="1" noChangeArrowheads="1"/>
-          </p:cNvPicPr>
-          <p:nvPr/>
-        </p:nvPicPr>
-        <p:blipFill>
-          <a:blip r:embed="rId4" cstate="print"/>
-          <a:srcRect/>
-          <a:stretch>
-            <a:fillRect/>
-          </a:stretch>
-        </p:blipFill>
-        <p:spPr bwMode="auto">
-          <a:xfrm>
-            <a:off x="1676400" y="3429000"/>
-            <a:ext cx="609600" cy="609600"/>
-          </a:xfrm>
-          <a:prstGeom prst="rect">
-            <a:avLst/>
-          </a:prstGeom>
-          <a:noFill/>
-        </p:spPr>
-      </p:pic>
-      <p:pic>
-        <p:nvPicPr>
-          <p:cNvPr id="8" name="Picture 4" descr="C:\Users\carmi\Documents\universal_style_transfer\Report\Figures\starry_sq.jpg"/>
-          <p:cNvPicPr>
-            <a:picLocks noChangeAspect="1" noChangeArrowheads="1"/>
-          </p:cNvPicPr>
-          <p:nvPr/>
-        </p:nvPicPr>
-        <p:blipFill>
-          <a:blip r:embed="rId4" cstate="print"/>
-          <a:srcRect/>
-          <a:stretch>
-            <a:fillRect/>
-          </a:stretch>
-        </p:blipFill>
-        <p:spPr bwMode="auto">
-          <a:xfrm>
-            <a:off x="1981200" y="5410200"/>
-            <a:ext cx="609600" cy="609600"/>
-          </a:xfrm>
-          <a:prstGeom prst="rect">
-            <a:avLst/>
-          </a:prstGeom>
-          <a:noFill/>
-        </p:spPr>
-      </p:pic>
-      <p:pic>
-        <p:nvPicPr>
-          <p:cNvPr id="9" name="Picture 5" descr="C:\Users\carmi\Documents\universal_style_transfer\Report\Figures\st2_sq.jpg"/>
+          <p:cNvPr id="36" name="Picture 6" descr="C:\Users\carmi\Documents\universal_style_transfer\Report\Figures\bridge_sq.jpg"/>
           <p:cNvPicPr>
             <a:picLocks noChangeAspect="1" noChangeArrowheads="1"/>
           </p:cNvPicPr>
@@ -6164,8 +7516,8 @@
         </p:blipFill>
         <p:spPr bwMode="auto">
           <a:xfrm>
-            <a:off x="1506796" y="2590800"/>
-            <a:ext cx="609600" cy="609600"/>
+            <a:off x="228600" y="4495800"/>
+            <a:ext cx="1371600" cy="1371600"/>
           </a:xfrm>
           <a:prstGeom prst="rect">
             <a:avLst/>
@@ -6175,7 +7527,98 @@
       </p:pic>
       <p:pic>
         <p:nvPicPr>
-          <p:cNvPr id="10" name="Picture 5" descr="C:\Users\carmi\Documents\universal_style_transfer\Report\Figures\st2_sq.jpg"/>
+          <p:cNvPr id="37" name="Picture 3"/>
+          <p:cNvPicPr>
+            <a:picLocks noChangeAspect="1" noChangeArrowheads="1"/>
+          </p:cNvPicPr>
+          <p:nvPr/>
+        </p:nvPicPr>
+        <p:blipFill>
+          <a:blip r:embed="rId6" cstate="print"/>
+          <a:srcRect/>
+          <a:stretch>
+            <a:fillRect/>
+          </a:stretch>
+        </p:blipFill>
+        <p:spPr bwMode="auto">
+          <a:xfrm>
+            <a:off x="1905000" y="1066800"/>
+            <a:ext cx="1200532" cy="3505200"/>
+          </a:xfrm>
+          <a:prstGeom prst="rect">
+            <a:avLst/>
+          </a:prstGeom>
+          <a:noFill/>
+          <a:ln w="9525">
+            <a:noFill/>
+            <a:miter lim="800000"/>
+            <a:headEnd/>
+            <a:tailEnd/>
+          </a:ln>
+        </p:spPr>
+      </p:pic>
+      <p:cxnSp>
+        <p:nvCxnSpPr>
+          <p:cNvPr id="38" name="Straight Arrow Connector 37"/>
+          <p:cNvCxnSpPr/>
+          <p:nvPr/>
+        </p:nvCxnSpPr>
+        <p:spPr>
+          <a:xfrm>
+            <a:off x="1524000" y="1752600"/>
+            <a:ext cx="381000" cy="0"/>
+          </a:xfrm>
+          <a:prstGeom prst="straightConnector1">
+            <a:avLst/>
+          </a:prstGeom>
+          <a:ln>
+            <a:tailEnd type="arrow"/>
+          </a:ln>
+        </p:spPr>
+        <p:style>
+          <a:lnRef idx="3">
+            <a:schemeClr val="dk1"/>
+          </a:lnRef>
+          <a:fillRef idx="0">
+            <a:schemeClr val="dk1"/>
+          </a:fillRef>
+          <a:effectRef idx="2">
+            <a:schemeClr val="dk1"/>
+          </a:effectRef>
+          <a:fontRef idx="minor">
+            <a:schemeClr val="tx1"/>
+          </a:fontRef>
+        </p:style>
+      </p:cxnSp>
+      <p:pic>
+        <p:nvPicPr>
+          <p:cNvPr id="40" name="Picture 4" descr="C:\Users\carmi\Documents\universal_style_transfer\Report\Figures\starry_sq.jpg"/>
+          <p:cNvPicPr>
+            <a:picLocks noChangeAspect="1" noChangeArrowheads="1"/>
+          </p:cNvPicPr>
+          <p:nvPr/>
+        </p:nvPicPr>
+        <p:blipFill>
+          <a:blip r:embed="rId3" cstate="print"/>
+          <a:srcRect/>
+          <a:stretch>
+            <a:fillRect/>
+          </a:stretch>
+        </p:blipFill>
+        <p:spPr bwMode="auto">
+          <a:xfrm>
+            <a:off x="228600" y="1219200"/>
+            <a:ext cx="1371600" cy="1371600"/>
+          </a:xfrm>
+          <a:prstGeom prst="rect">
+            <a:avLst/>
+          </a:prstGeom>
+          <a:noFill/>
+        </p:spPr>
+      </p:pic>
+      <p:pic>
+        <p:nvPicPr>
+          <p:cNvPr id="42" name="Picture 6" descr="C:\Users\carmi\Documents\universal_style_transfer\Report\Figures\bridge_sq.jpg"/>
           <p:cNvPicPr>
             <a:picLocks noChangeAspect="1" noChangeArrowheads="1"/>
           </p:cNvPicPr>
@@ -6190,8 +7633,8 @@
         </p:blipFill>
         <p:spPr bwMode="auto">
           <a:xfrm>
-            <a:off x="1825736" y="4495800"/>
-            <a:ext cx="609600" cy="609600"/>
+            <a:off x="228600" y="4572000"/>
+            <a:ext cx="1371600" cy="1371600"/>
           </a:xfrm>
           <a:prstGeom prst="rect">
             <a:avLst/>
@@ -6199,6 +7642,740 @@
           <a:noFill/>
         </p:spPr>
       </p:pic>
+      <p:cxnSp>
+        <p:nvCxnSpPr>
+          <p:cNvPr id="43" name="Straight Arrow Connector 42"/>
+          <p:cNvCxnSpPr/>
+          <p:nvPr/>
+        </p:nvCxnSpPr>
+        <p:spPr>
+          <a:xfrm>
+            <a:off x="1524000" y="5334000"/>
+            <a:ext cx="381000" cy="0"/>
+          </a:xfrm>
+          <a:prstGeom prst="straightConnector1">
+            <a:avLst/>
+          </a:prstGeom>
+          <a:ln>
+            <a:tailEnd type="arrow"/>
+          </a:ln>
+        </p:spPr>
+        <p:style>
+          <a:lnRef idx="3">
+            <a:schemeClr val="dk1"/>
+          </a:lnRef>
+          <a:fillRef idx="0">
+            <a:schemeClr val="dk1"/>
+          </a:fillRef>
+          <a:effectRef idx="2">
+            <a:schemeClr val="dk1"/>
+          </a:effectRef>
+          <a:fontRef idx="minor">
+            <a:schemeClr val="tx1"/>
+          </a:fontRef>
+        </p:style>
+      </p:cxnSp>
+      <p:sp>
+        <p:nvSpPr>
+          <p:cNvPr id="44" name="Right Arrow 43"/>
+          <p:cNvSpPr/>
+          <p:nvPr/>
+        </p:nvSpPr>
+        <p:spPr>
+          <a:xfrm>
+            <a:off x="3124200" y="5257800"/>
+            <a:ext cx="381000" cy="228600"/>
+          </a:xfrm>
+          <a:prstGeom prst="rightArrow">
+            <a:avLst/>
+          </a:prstGeom>
+        </p:spPr>
+        <p:style>
+          <a:lnRef idx="2">
+            <a:schemeClr val="accent1">
+              <a:shade val="50000"/>
+            </a:schemeClr>
+          </a:lnRef>
+          <a:fillRef idx="1">
+            <a:schemeClr val="accent1"/>
+          </a:fillRef>
+          <a:effectRef idx="0">
+            <a:schemeClr val="accent1"/>
+          </a:effectRef>
+          <a:fontRef idx="minor">
+            <a:schemeClr val="lt1"/>
+          </a:fontRef>
+        </p:style>
+        <p:txBody>
+          <a:bodyPr rtlCol="0" anchor="ctr"/>
+          <a:lstStyle/>
+          <a:p>
+            <a:pPr algn="ctr"/>
+            <a:endParaRPr lang="en-US"/>
+          </a:p>
+        </p:txBody>
+      </p:sp>
+      <p:sp>
+        <p:nvSpPr>
+          <p:cNvPr id="45" name="Right Arrow 44"/>
+          <p:cNvSpPr/>
+          <p:nvPr/>
+        </p:nvSpPr>
+        <p:spPr>
+          <a:xfrm>
+            <a:off x="3124200" y="1676400"/>
+            <a:ext cx="381000" cy="228600"/>
+          </a:xfrm>
+          <a:prstGeom prst="rightArrow">
+            <a:avLst/>
+          </a:prstGeom>
+        </p:spPr>
+        <p:style>
+          <a:lnRef idx="2">
+            <a:schemeClr val="accent1">
+              <a:shade val="50000"/>
+            </a:schemeClr>
+          </a:lnRef>
+          <a:fillRef idx="1">
+            <a:schemeClr val="accent1"/>
+          </a:fillRef>
+          <a:effectRef idx="0">
+            <a:schemeClr val="accent1"/>
+          </a:effectRef>
+          <a:fontRef idx="minor">
+            <a:schemeClr val="lt1"/>
+          </a:fontRef>
+        </p:style>
+        <p:txBody>
+          <a:bodyPr rtlCol="0" anchor="ctr"/>
+          <a:lstStyle/>
+          <a:p>
+            <a:pPr algn="ctr"/>
+            <a:endParaRPr lang="en-US"/>
+          </a:p>
+        </p:txBody>
+      </p:sp>
+      <p:sp>
+        <p:nvSpPr>
+          <p:cNvPr id="46" name="Right Arrow 45"/>
+          <p:cNvSpPr/>
+          <p:nvPr/>
+        </p:nvSpPr>
+        <p:spPr>
+          <a:xfrm>
+            <a:off x="3124200" y="3733800"/>
+            <a:ext cx="381000" cy="228600"/>
+          </a:xfrm>
+          <a:prstGeom prst="rightArrow">
+            <a:avLst/>
+          </a:prstGeom>
+        </p:spPr>
+        <p:style>
+          <a:lnRef idx="2">
+            <a:schemeClr val="accent1">
+              <a:shade val="50000"/>
+            </a:schemeClr>
+          </a:lnRef>
+          <a:fillRef idx="1">
+            <a:schemeClr val="accent1"/>
+          </a:fillRef>
+          <a:effectRef idx="0">
+            <a:schemeClr val="accent1"/>
+          </a:effectRef>
+          <a:fontRef idx="minor">
+            <a:schemeClr val="lt1"/>
+          </a:fontRef>
+        </p:style>
+        <p:txBody>
+          <a:bodyPr rtlCol="0" anchor="ctr"/>
+          <a:lstStyle/>
+          <a:p>
+            <a:pPr algn="ctr"/>
+            <a:endParaRPr lang="en-US"/>
+          </a:p>
+        </p:txBody>
+      </p:sp>
+      <p:pic>
+        <p:nvPicPr>
+          <p:cNvPr id="47" name="Picture 15"/>
+          <p:cNvPicPr>
+            <a:picLocks noChangeAspect="1" noChangeArrowheads="1"/>
+          </p:cNvPicPr>
+          <p:nvPr/>
+        </p:nvPicPr>
+        <p:blipFill>
+          <a:blip r:embed="rId7" cstate="print"/>
+          <a:srcRect/>
+          <a:stretch>
+            <a:fillRect/>
+          </a:stretch>
+        </p:blipFill>
+        <p:spPr bwMode="auto">
+          <a:xfrm>
+            <a:off x="2590800" y="4474308"/>
+            <a:ext cx="533400" cy="250092"/>
+          </a:xfrm>
+          <a:prstGeom prst="rect">
+            <a:avLst/>
+          </a:prstGeom>
+          <a:noFill/>
+          <a:ln w="9525">
+            <a:noFill/>
+            <a:miter lim="800000"/>
+            <a:headEnd/>
+            <a:tailEnd/>
+          </a:ln>
+        </p:spPr>
+      </p:pic>
+      <p:cxnSp>
+        <p:nvCxnSpPr>
+          <p:cNvPr id="48" name="Straight Arrow Connector 47"/>
+          <p:cNvCxnSpPr/>
+          <p:nvPr/>
+        </p:nvCxnSpPr>
+        <p:spPr>
+          <a:xfrm>
+            <a:off x="2514600" y="4267200"/>
+            <a:ext cx="0" cy="609600"/>
+          </a:xfrm>
+          <a:prstGeom prst="straightConnector1">
+            <a:avLst/>
+          </a:prstGeom>
+          <a:ln>
+            <a:solidFill>
+              <a:schemeClr val="tx1"/>
+            </a:solidFill>
+            <a:headEnd type="arrow"/>
+            <a:tailEnd type="arrow"/>
+          </a:ln>
+          <a:effectLst>
+            <a:outerShdw blurRad="50800" dist="38100" dir="13500000" algn="br" rotWithShape="0">
+              <a:prstClr val="black">
+                <a:alpha val="40000"/>
+              </a:prstClr>
+            </a:outerShdw>
+          </a:effectLst>
+        </p:spPr>
+        <p:style>
+          <a:lnRef idx="1">
+            <a:schemeClr val="accent6"/>
+          </a:lnRef>
+          <a:fillRef idx="0">
+            <a:schemeClr val="accent6"/>
+          </a:fillRef>
+          <a:effectRef idx="0">
+            <a:schemeClr val="accent6"/>
+          </a:effectRef>
+          <a:fontRef idx="minor">
+            <a:schemeClr val="tx1"/>
+          </a:fontRef>
+        </p:style>
+      </p:cxnSp>
+      <p:pic>
+        <p:nvPicPr>
+          <p:cNvPr id="49" name="Picture 9"/>
+          <p:cNvPicPr>
+            <a:picLocks noChangeAspect="1" noChangeArrowheads="1"/>
+          </p:cNvPicPr>
+          <p:nvPr/>
+        </p:nvPicPr>
+        <p:blipFill>
+          <a:blip r:embed="rId8" cstate="print"/>
+          <a:srcRect/>
+          <a:stretch>
+            <a:fillRect/>
+          </a:stretch>
+        </p:blipFill>
+        <p:spPr bwMode="auto">
+          <a:xfrm>
+            <a:off x="3657600" y="4876800"/>
+            <a:ext cx="1447800" cy="1260670"/>
+          </a:xfrm>
+          <a:prstGeom prst="rect">
+            <a:avLst/>
+          </a:prstGeom>
+          <a:noFill/>
+          <a:ln w="9525">
+            <a:noFill/>
+            <a:miter lim="800000"/>
+            <a:headEnd/>
+            <a:tailEnd/>
+          </a:ln>
+        </p:spPr>
+      </p:pic>
+      <p:pic>
+        <p:nvPicPr>
+          <p:cNvPr id="51" name="Picture 12"/>
+          <p:cNvPicPr>
+            <a:picLocks noChangeAspect="1" noChangeArrowheads="1"/>
+          </p:cNvPicPr>
+          <p:nvPr/>
+        </p:nvPicPr>
+        <p:blipFill>
+          <a:blip r:embed="rId9" cstate="print"/>
+          <a:srcRect/>
+          <a:stretch>
+            <a:fillRect/>
+          </a:stretch>
+        </p:blipFill>
+        <p:spPr bwMode="auto">
+          <a:xfrm>
+            <a:off x="3533775" y="1295400"/>
+            <a:ext cx="1571625" cy="1343025"/>
+          </a:xfrm>
+          <a:prstGeom prst="rect">
+            <a:avLst/>
+          </a:prstGeom>
+          <a:noFill/>
+          <a:ln w="9525">
+            <a:noFill/>
+            <a:miter lim="800000"/>
+            <a:headEnd/>
+            <a:tailEnd/>
+          </a:ln>
+        </p:spPr>
+      </p:pic>
+      <p:pic>
+        <p:nvPicPr>
+          <p:cNvPr id="52" name="Picture 13"/>
+          <p:cNvPicPr>
+            <a:picLocks noChangeAspect="1" noChangeArrowheads="1"/>
+          </p:cNvPicPr>
+          <p:nvPr/>
+        </p:nvPicPr>
+        <p:blipFill>
+          <a:blip r:embed="rId10" cstate="print"/>
+          <a:srcRect/>
+          <a:stretch>
+            <a:fillRect/>
+          </a:stretch>
+        </p:blipFill>
+        <p:spPr bwMode="auto">
+          <a:xfrm>
+            <a:off x="3657600" y="3124200"/>
+            <a:ext cx="1476375" cy="1419225"/>
+          </a:xfrm>
+          <a:prstGeom prst="rect">
+            <a:avLst/>
+          </a:prstGeom>
+          <a:noFill/>
+          <a:ln w="9525">
+            <a:noFill/>
+            <a:miter lim="800000"/>
+            <a:headEnd/>
+            <a:tailEnd/>
+          </a:ln>
+        </p:spPr>
+      </p:pic>
+      <p:pic>
+        <p:nvPicPr>
+          <p:cNvPr id="53" name="Picture 10"/>
+          <p:cNvPicPr>
+            <a:picLocks noChangeAspect="1" noChangeArrowheads="1"/>
+          </p:cNvPicPr>
+          <p:nvPr/>
+        </p:nvPicPr>
+        <p:blipFill>
+          <a:blip r:embed="rId11" cstate="print"/>
+          <a:srcRect/>
+          <a:stretch>
+            <a:fillRect/>
+          </a:stretch>
+        </p:blipFill>
+        <p:spPr bwMode="auto">
+          <a:xfrm>
+            <a:off x="6705600" y="3962400"/>
+            <a:ext cx="828674" cy="992074"/>
+          </a:xfrm>
+          <a:prstGeom prst="rect">
+            <a:avLst/>
+          </a:prstGeom>
+          <a:noFill/>
+          <a:ln w="9525">
+            <a:noFill/>
+            <a:miter lim="800000"/>
+            <a:headEnd/>
+            <a:tailEnd/>
+          </a:ln>
+        </p:spPr>
+      </p:pic>
+      <p:sp>
+        <p:nvSpPr>
+          <p:cNvPr id="54" name="Bent Arrow 53"/>
+          <p:cNvSpPr/>
+          <p:nvPr/>
+        </p:nvSpPr>
+        <p:spPr>
+          <a:xfrm rot="16200000" flipV="1">
+            <a:off x="5829300" y="4076700"/>
+            <a:ext cx="609600" cy="2209800"/>
+          </a:xfrm>
+          <a:prstGeom prst="bentArrow">
+            <a:avLst>
+              <a:gd name="adj1" fmla="val 13750"/>
+              <a:gd name="adj2" fmla="val 20000"/>
+              <a:gd name="adj3" fmla="val 25000"/>
+              <a:gd name="adj4" fmla="val 43750"/>
+            </a:avLst>
+          </a:prstGeom>
+        </p:spPr>
+        <p:style>
+          <a:lnRef idx="2">
+            <a:schemeClr val="accent1">
+              <a:shade val="50000"/>
+            </a:schemeClr>
+          </a:lnRef>
+          <a:fillRef idx="1">
+            <a:schemeClr val="accent1"/>
+          </a:fillRef>
+          <a:effectRef idx="0">
+            <a:schemeClr val="accent1"/>
+          </a:effectRef>
+          <a:fontRef idx="minor">
+            <a:schemeClr val="lt1"/>
+          </a:fontRef>
+        </p:style>
+        <p:txBody>
+          <a:bodyPr rtlCol="0" anchor="ctr"/>
+          <a:lstStyle/>
+          <a:p>
+            <a:pPr algn="ctr"/>
+            <a:endParaRPr lang="en-US">
+              <a:solidFill>
+                <a:schemeClr val="tx1"/>
+              </a:solidFill>
+            </a:endParaRPr>
+          </a:p>
+        </p:txBody>
+      </p:sp>
+      <p:sp>
+        <p:nvSpPr>
+          <p:cNvPr id="56" name="Bent Arrow 55"/>
+          <p:cNvSpPr/>
+          <p:nvPr/>
+        </p:nvSpPr>
+        <p:spPr>
+          <a:xfrm rot="16200000" flipV="1">
+            <a:off x="5486400" y="2971800"/>
+            <a:ext cx="457200" cy="1219200"/>
+          </a:xfrm>
+          <a:prstGeom prst="bentArrow">
+            <a:avLst/>
+          </a:prstGeom>
+        </p:spPr>
+        <p:style>
+          <a:lnRef idx="2">
+            <a:schemeClr val="accent1">
+              <a:shade val="50000"/>
+            </a:schemeClr>
+          </a:lnRef>
+          <a:fillRef idx="1">
+            <a:schemeClr val="accent1"/>
+          </a:fillRef>
+          <a:effectRef idx="0">
+            <a:schemeClr val="accent1"/>
+          </a:effectRef>
+          <a:fontRef idx="minor">
+            <a:schemeClr val="lt1"/>
+          </a:fontRef>
+        </p:style>
+        <p:txBody>
+          <a:bodyPr rtlCol="0" anchor="ctr"/>
+          <a:lstStyle/>
+          <a:p>
+            <a:pPr algn="ctr"/>
+            <a:endParaRPr lang="en-US">
+              <a:solidFill>
+                <a:schemeClr val="tx1"/>
+              </a:solidFill>
+            </a:endParaRPr>
+          </a:p>
+        </p:txBody>
+      </p:sp>
+      <p:sp>
+        <p:nvSpPr>
+          <p:cNvPr id="57" name="Bent Arrow 56"/>
+          <p:cNvSpPr/>
+          <p:nvPr/>
+        </p:nvSpPr>
+        <p:spPr>
+          <a:xfrm rot="16200000" flipH="1" flipV="1">
+            <a:off x="5524500" y="1714500"/>
+            <a:ext cx="381000" cy="1219200"/>
+          </a:xfrm>
+          <a:prstGeom prst="bentArrow">
+            <a:avLst/>
+          </a:prstGeom>
+        </p:spPr>
+        <p:style>
+          <a:lnRef idx="2">
+            <a:schemeClr val="accent1">
+              <a:shade val="50000"/>
+            </a:schemeClr>
+          </a:lnRef>
+          <a:fillRef idx="1">
+            <a:schemeClr val="accent1"/>
+          </a:fillRef>
+          <a:effectRef idx="0">
+            <a:schemeClr val="accent1"/>
+          </a:effectRef>
+          <a:fontRef idx="minor">
+            <a:schemeClr val="lt1"/>
+          </a:fontRef>
+        </p:style>
+        <p:txBody>
+          <a:bodyPr rtlCol="0" anchor="ctr"/>
+          <a:lstStyle/>
+          <a:p>
+            <a:pPr algn="ctr"/>
+            <a:endParaRPr lang="en-US">
+              <a:solidFill>
+                <a:schemeClr val="tx1"/>
+              </a:solidFill>
+            </a:endParaRPr>
+          </a:p>
+        </p:txBody>
+      </p:sp>
+      <p:pic>
+        <p:nvPicPr>
+          <p:cNvPr id="58" name="Picture 11"/>
+          <p:cNvPicPr>
+            <a:picLocks noChangeAspect="1" noChangeArrowheads="1"/>
+          </p:cNvPicPr>
+          <p:nvPr/>
+        </p:nvPicPr>
+        <p:blipFill>
+          <a:blip r:embed="rId12" cstate="print"/>
+          <a:srcRect/>
+          <a:stretch>
+            <a:fillRect/>
+          </a:stretch>
+        </p:blipFill>
+        <p:spPr bwMode="auto">
+          <a:xfrm>
+            <a:off x="7924800" y="3733800"/>
+            <a:ext cx="759130" cy="1514474"/>
+          </a:xfrm>
+          <a:prstGeom prst="rect">
+            <a:avLst/>
+          </a:prstGeom>
+          <a:noFill/>
+          <a:ln w="9525">
+            <a:noFill/>
+            <a:miter lim="800000"/>
+            <a:headEnd/>
+            <a:tailEnd/>
+          </a:ln>
+        </p:spPr>
+      </p:pic>
+      <p:sp>
+        <p:nvSpPr>
+          <p:cNvPr id="60" name="Bent-Up Arrow 59"/>
+          <p:cNvSpPr/>
+          <p:nvPr/>
+        </p:nvSpPr>
+        <p:spPr>
+          <a:xfrm flipV="1">
+            <a:off x="6858000" y="2895600"/>
+            <a:ext cx="304800" cy="990600"/>
+          </a:xfrm>
+          <a:prstGeom prst="bentUpArrow">
+            <a:avLst/>
+          </a:prstGeom>
+        </p:spPr>
+        <p:style>
+          <a:lnRef idx="2">
+            <a:schemeClr val="accent1">
+              <a:shade val="50000"/>
+            </a:schemeClr>
+          </a:lnRef>
+          <a:fillRef idx="1">
+            <a:schemeClr val="accent1"/>
+          </a:fillRef>
+          <a:effectRef idx="0">
+            <a:schemeClr val="accent1"/>
+          </a:effectRef>
+          <a:fontRef idx="minor">
+            <a:schemeClr val="lt1"/>
+          </a:fontRef>
+        </p:style>
+        <p:txBody>
+          <a:bodyPr rtlCol="0" anchor="ctr"/>
+          <a:lstStyle/>
+          <a:p>
+            <a:pPr algn="ctr"/>
+            <a:endParaRPr lang="en-US"/>
+          </a:p>
+        </p:txBody>
+      </p:sp>
+      <p:sp>
+        <p:nvSpPr>
+          <p:cNvPr id="62" name="Right Arrow 61"/>
+          <p:cNvSpPr/>
+          <p:nvPr/>
+        </p:nvSpPr>
+        <p:spPr>
+          <a:xfrm>
+            <a:off x="7543800" y="4343400"/>
+            <a:ext cx="304800" cy="228600"/>
+          </a:xfrm>
+          <a:prstGeom prst="rightArrow">
+            <a:avLst/>
+          </a:prstGeom>
+        </p:spPr>
+        <p:style>
+          <a:lnRef idx="2">
+            <a:schemeClr val="accent1">
+              <a:shade val="50000"/>
+            </a:schemeClr>
+          </a:lnRef>
+          <a:fillRef idx="1">
+            <a:schemeClr val="accent1"/>
+          </a:fillRef>
+          <a:effectRef idx="0">
+            <a:schemeClr val="accent1"/>
+          </a:effectRef>
+          <a:fontRef idx="minor">
+            <a:schemeClr val="lt1"/>
+          </a:fontRef>
+        </p:style>
+        <p:txBody>
+          <a:bodyPr rtlCol="0" anchor="ctr"/>
+          <a:lstStyle/>
+          <a:p>
+            <a:pPr algn="ctr"/>
+            <a:endParaRPr lang="en-US"/>
+          </a:p>
+        </p:txBody>
+      </p:sp>
+      <p:sp>
+        <p:nvSpPr>
+          <p:cNvPr id="63" name="Right Arrow 62"/>
+          <p:cNvSpPr/>
+          <p:nvPr/>
+        </p:nvSpPr>
+        <p:spPr>
+          <a:xfrm rot="16200000">
+            <a:off x="8077200" y="3352800"/>
+            <a:ext cx="381000" cy="228600"/>
+          </a:xfrm>
+          <a:prstGeom prst="rightArrow">
+            <a:avLst/>
+          </a:prstGeom>
+        </p:spPr>
+        <p:style>
+          <a:lnRef idx="2">
+            <a:schemeClr val="accent1">
+              <a:shade val="50000"/>
+            </a:schemeClr>
+          </a:lnRef>
+          <a:fillRef idx="1">
+            <a:schemeClr val="accent1"/>
+          </a:fillRef>
+          <a:effectRef idx="0">
+            <a:schemeClr val="accent1"/>
+          </a:effectRef>
+          <a:fontRef idx="minor">
+            <a:schemeClr val="lt1"/>
+          </a:fontRef>
+        </p:style>
+        <p:txBody>
+          <a:bodyPr rtlCol="0" anchor="ctr"/>
+          <a:lstStyle/>
+          <a:p>
+            <a:pPr algn="ctr"/>
+            <a:endParaRPr lang="en-US"/>
+          </a:p>
+        </p:txBody>
+      </p:sp>
+      <p:pic>
+        <p:nvPicPr>
+          <p:cNvPr id="3074" name="Picture 2"/>
+          <p:cNvPicPr>
+            <a:picLocks noChangeAspect="1" noChangeArrowheads="1"/>
+          </p:cNvPicPr>
+          <p:nvPr/>
+        </p:nvPicPr>
+        <p:blipFill>
+          <a:blip r:embed="rId13" cstate="print"/>
+          <a:srcRect/>
+          <a:stretch>
+            <a:fillRect/>
+          </a:stretch>
+        </p:blipFill>
+        <p:spPr bwMode="auto">
+          <a:xfrm>
+            <a:off x="5334000" y="2667000"/>
+            <a:ext cx="1533524" cy="495300"/>
+          </a:xfrm>
+          <a:prstGeom prst="rect">
+            <a:avLst/>
+          </a:prstGeom>
+          <a:noFill/>
+          <a:ln w="9525">
+            <a:noFill/>
+            <a:miter lim="800000"/>
+            <a:headEnd/>
+            <a:tailEnd/>
+          </a:ln>
+        </p:spPr>
+      </p:pic>
+      <p:pic>
+        <p:nvPicPr>
+          <p:cNvPr id="3075" name="Picture 3" descr="C:\Users\carmi\Documents\universal_style_transfer\Report\Figures\merge\merge_bridge_starry_st2_4.jpg"/>
+          <p:cNvPicPr>
+            <a:picLocks noChangeAspect="1" noChangeArrowheads="1"/>
+          </p:cNvPicPr>
+          <p:nvPr/>
+        </p:nvPicPr>
+        <p:blipFill>
+          <a:blip r:embed="rId14" cstate="print"/>
+          <a:srcRect/>
+          <a:stretch>
+            <a:fillRect/>
+          </a:stretch>
+        </p:blipFill>
+        <p:spPr bwMode="auto">
+          <a:xfrm>
+            <a:off x="6858000" y="533400"/>
+            <a:ext cx="2133600" cy="2133600"/>
+          </a:xfrm>
+          <a:prstGeom prst="rect">
+            <a:avLst/>
+          </a:prstGeom>
+          <a:noFill/>
+        </p:spPr>
+      </p:pic>
+      <p:sp>
+        <p:nvSpPr>
+          <p:cNvPr id="67" name="TextBox 66"/>
+          <p:cNvSpPr txBox="1"/>
+          <p:nvPr/>
+        </p:nvSpPr>
+        <p:spPr>
+          <a:xfrm>
+            <a:off x="3124200" y="6172200"/>
+            <a:ext cx="2688557" cy="369332"/>
+          </a:xfrm>
+          <a:prstGeom prst="rect">
+            <a:avLst/>
+          </a:prstGeom>
+          <a:noFill/>
+        </p:spPr>
+        <p:txBody>
+          <a:bodyPr wrap="none" rtlCol="0">
+            <a:spAutoFit/>
+          </a:bodyPr>
+          <a:lstStyle/>
+          <a:p>
+            <a:r>
+              <a:rPr lang="en-US" b="1" dirty="0" smtClean="0"/>
+              <a:t>Deep feature channels</a:t>
+            </a:r>
+            <a:endParaRPr lang="en-US" b="1" dirty="0"/>
+          </a:p>
+        </p:txBody>
+      </p:sp>
     </p:spTree>
   </p:cSld>
   <p:clrMapOvr>
@@ -6233,6 +8410,258 @@
       </p:grpSpPr>
       <p:sp>
         <p:nvSpPr>
+          <p:cNvPr id="3" name="Title 2"/>
+          <p:cNvSpPr>
+            <a:spLocks noGrp="1"/>
+          </p:cNvSpPr>
+          <p:nvPr>
+            <p:ph type="title"/>
+          </p:nvPr>
+        </p:nvSpPr>
+        <p:spPr/>
+        <p:txBody>
+          <a:bodyPr/>
+          <a:lstStyle/>
+          <a:p>
+            <a:r>
+              <a:rPr lang="en-US" dirty="0" smtClean="0"/>
+              <a:t>Level Merge</a:t>
+            </a:r>
+            <a:endParaRPr lang="en-US" dirty="0"/>
+          </a:p>
+        </p:txBody>
+      </p:sp>
+      <p:pic>
+        <p:nvPicPr>
+          <p:cNvPr id="4099" name="Picture 3" descr="C:\Users\carmi\Documents\universal_style_transfer\Report\Figures\merge\merge_bridge_starry_st2_3.jpg"/>
+          <p:cNvPicPr>
+            <a:picLocks noChangeAspect="1" noChangeArrowheads="1"/>
+          </p:cNvPicPr>
+          <p:nvPr/>
+        </p:nvPicPr>
+        <p:blipFill>
+          <a:blip r:embed="rId2" cstate="print"/>
+          <a:srcRect/>
+          <a:stretch>
+            <a:fillRect/>
+          </a:stretch>
+        </p:blipFill>
+        <p:spPr bwMode="auto">
+          <a:xfrm>
+            <a:off x="6400800" y="4191000"/>
+            <a:ext cx="2286000" cy="2286000"/>
+          </a:xfrm>
+          <a:prstGeom prst="rect">
+            <a:avLst/>
+          </a:prstGeom>
+          <a:noFill/>
+        </p:spPr>
+      </p:pic>
+      <p:pic>
+        <p:nvPicPr>
+          <p:cNvPr id="1026" name="Picture 2" descr="C:\Users\Eyal\Documents\GitHub\universal_style_transfer\ppt\level_merge.png"/>
+          <p:cNvPicPr>
+            <a:picLocks noChangeAspect="1" noChangeArrowheads="1"/>
+          </p:cNvPicPr>
+          <p:nvPr/>
+        </p:nvPicPr>
+        <p:blipFill>
+          <a:blip r:embed="rId3" cstate="print">
+            <a:extLst>
+              <a:ext uri="{28A0092B-C50C-407E-A947-70E740481C1C}">
+                <a14:useLocalDpi xmlns:a14="http://schemas.microsoft.com/office/drawing/2010/main" xmlns="" val="0"/>
+              </a:ext>
+            </a:extLst>
+          </a:blip>
+          <a:srcRect/>
+          <a:stretch>
+            <a:fillRect/>
+          </a:stretch>
+        </p:blipFill>
+        <p:spPr bwMode="auto">
+          <a:xfrm>
+            <a:off x="2080260" y="1219200"/>
+            <a:ext cx="4202113" cy="4716462"/>
+          </a:xfrm>
+          <a:prstGeom prst="rect">
+            <a:avLst/>
+          </a:prstGeom>
+          <a:noFill/>
+          <a:extLst>
+            <a:ext uri="{909E8E84-426E-40DD-AFC4-6F175D3DCCD1}">
+              <a14:hiddenFill xmlns:a14="http://schemas.microsoft.com/office/drawing/2010/main" xmlns="">
+                <a:solidFill>
+                  <a:srgbClr val="FFFFFF"/>
+                </a:solidFill>
+              </a14:hiddenFill>
+            </a:ext>
+          </a:extLst>
+        </p:spPr>
+      </p:pic>
+      <p:pic>
+        <p:nvPicPr>
+          <p:cNvPr id="5" name="Picture 4" descr="C:\Users\carmi\Documents\universal_style_transfer\Report\Figures\starry_sq.jpg"/>
+          <p:cNvPicPr>
+            <a:picLocks noChangeAspect="1" noChangeArrowheads="1"/>
+          </p:cNvPicPr>
+          <p:nvPr/>
+        </p:nvPicPr>
+        <p:blipFill>
+          <a:blip r:embed="rId4" cstate="print"/>
+          <a:srcRect/>
+          <a:stretch>
+            <a:fillRect/>
+          </a:stretch>
+        </p:blipFill>
+        <p:spPr bwMode="auto">
+          <a:xfrm>
+            <a:off x="1425018" y="1600200"/>
+            <a:ext cx="609600" cy="609600"/>
+          </a:xfrm>
+          <a:prstGeom prst="rect">
+            <a:avLst/>
+          </a:prstGeom>
+          <a:noFill/>
+        </p:spPr>
+      </p:pic>
+      <p:pic>
+        <p:nvPicPr>
+          <p:cNvPr id="7" name="Picture 4" descr="C:\Users\carmi\Documents\universal_style_transfer\Report\Figures\starry_sq.jpg"/>
+          <p:cNvPicPr>
+            <a:picLocks noChangeAspect="1" noChangeArrowheads="1"/>
+          </p:cNvPicPr>
+          <p:nvPr/>
+        </p:nvPicPr>
+        <p:blipFill>
+          <a:blip r:embed="rId4" cstate="print"/>
+          <a:srcRect/>
+          <a:stretch>
+            <a:fillRect/>
+          </a:stretch>
+        </p:blipFill>
+        <p:spPr bwMode="auto">
+          <a:xfrm>
+            <a:off x="1676400" y="3429000"/>
+            <a:ext cx="609600" cy="609600"/>
+          </a:xfrm>
+          <a:prstGeom prst="rect">
+            <a:avLst/>
+          </a:prstGeom>
+          <a:noFill/>
+        </p:spPr>
+      </p:pic>
+      <p:pic>
+        <p:nvPicPr>
+          <p:cNvPr id="8" name="Picture 4" descr="C:\Users\carmi\Documents\universal_style_transfer\Report\Figures\starry_sq.jpg"/>
+          <p:cNvPicPr>
+            <a:picLocks noChangeAspect="1" noChangeArrowheads="1"/>
+          </p:cNvPicPr>
+          <p:nvPr/>
+        </p:nvPicPr>
+        <p:blipFill>
+          <a:blip r:embed="rId4" cstate="print"/>
+          <a:srcRect/>
+          <a:stretch>
+            <a:fillRect/>
+          </a:stretch>
+        </p:blipFill>
+        <p:spPr bwMode="auto">
+          <a:xfrm>
+            <a:off x="1981200" y="5410200"/>
+            <a:ext cx="609600" cy="609600"/>
+          </a:xfrm>
+          <a:prstGeom prst="rect">
+            <a:avLst/>
+          </a:prstGeom>
+          <a:noFill/>
+        </p:spPr>
+      </p:pic>
+      <p:pic>
+        <p:nvPicPr>
+          <p:cNvPr id="9" name="Picture 5" descr="C:\Users\carmi\Documents\universal_style_transfer\Report\Figures\st2_sq.jpg"/>
+          <p:cNvPicPr>
+            <a:picLocks noChangeAspect="1" noChangeArrowheads="1"/>
+          </p:cNvPicPr>
+          <p:nvPr/>
+        </p:nvPicPr>
+        <p:blipFill>
+          <a:blip r:embed="rId5" cstate="print"/>
+          <a:srcRect/>
+          <a:stretch>
+            <a:fillRect/>
+          </a:stretch>
+        </p:blipFill>
+        <p:spPr bwMode="auto">
+          <a:xfrm>
+            <a:off x="1506796" y="2590800"/>
+            <a:ext cx="609600" cy="609600"/>
+          </a:xfrm>
+          <a:prstGeom prst="rect">
+            <a:avLst/>
+          </a:prstGeom>
+          <a:noFill/>
+        </p:spPr>
+      </p:pic>
+      <p:pic>
+        <p:nvPicPr>
+          <p:cNvPr id="10" name="Picture 5" descr="C:\Users\carmi\Documents\universal_style_transfer\Report\Figures\st2_sq.jpg"/>
+          <p:cNvPicPr>
+            <a:picLocks noChangeAspect="1" noChangeArrowheads="1"/>
+          </p:cNvPicPr>
+          <p:nvPr/>
+        </p:nvPicPr>
+        <p:blipFill>
+          <a:blip r:embed="rId5" cstate="print"/>
+          <a:srcRect/>
+          <a:stretch>
+            <a:fillRect/>
+          </a:stretch>
+        </p:blipFill>
+        <p:spPr bwMode="auto">
+          <a:xfrm>
+            <a:off x="1825736" y="4495800"/>
+            <a:ext cx="609600" cy="609600"/>
+          </a:xfrm>
+          <a:prstGeom prst="rect">
+            <a:avLst/>
+          </a:prstGeom>
+          <a:noFill/>
+        </p:spPr>
+      </p:pic>
+    </p:spTree>
+  </p:cSld>
+  <p:clrMapOvr>
+    <a:masterClrMapping/>
+  </p:clrMapOvr>
+  <p:timing>
+    <p:tnLst>
+      <p:par>
+        <p:cTn id="1" dur="indefinite" restart="never" nodeType="tmRoot"/>
+      </p:par>
+    </p:tnLst>
+  </p:timing>
+</p:sld>
+</file>
+
+<file path=ppt/slides/slide13.xml><?xml version="1.0" encoding="utf-8"?>
+<p:sld xmlns:a="http://schemas.openxmlformats.org/drawingml/2006/main" xmlns:r="http://schemas.openxmlformats.org/officeDocument/2006/relationships" xmlns:p="http://schemas.openxmlformats.org/presentationml/2006/main">
+  <p:cSld>
+    <p:spTree>
+      <p:nvGrpSpPr>
+        <p:cNvPr id="1" name=""/>
+        <p:cNvGrpSpPr/>
+        <p:nvPr/>
+      </p:nvGrpSpPr>
+      <p:grpSpPr>
+        <a:xfrm>
+          <a:off x="0" y="0"/>
+          <a:ext cx="0" cy="0"/>
+          <a:chOff x="0" y="0"/>
+          <a:chExt cx="0" cy="0"/>
+        </a:xfrm>
+      </p:grpSpPr>
+      <p:sp>
+        <p:nvSpPr>
           <p:cNvPr id="2" name="Title 1"/>
           <p:cNvSpPr>
             <a:spLocks noGrp="1"/>
@@ -6420,7 +8849,7 @@
     </p:spTree>
     <p:extLst>
       <p:ext uri="{BB962C8B-B14F-4D97-AF65-F5344CB8AC3E}">
-        <p14:creationId xmlns:p14="http://schemas.microsoft.com/office/powerpoint/2010/main" val="2914909516"/>
+        <p14:creationId xmlns:p14="http://schemas.microsoft.com/office/powerpoint/2010/main" xmlns="" val="2914909516"/>
       </p:ext>
     </p:extLst>
   </p:cSld>
@@ -6546,7 +8975,7 @@
           <p:nvPr/>
         </p:nvPicPr>
         <p:blipFill>
-          <a:blip r:embed="rId2" cstate="print"/>
+          <a:blip r:embed="rId3" cstate="print"/>
           <a:srcRect/>
           <a:stretch>
             <a:fillRect/>
@@ -6617,13 +9046,13 @@
             </a:r>
             <a:r>
               <a:rPr lang="en-GB" dirty="0">
-                <a:hlinkClick r:id="rId3"/>
+                <a:hlinkClick r:id="rId4"/>
               </a:rPr>
               <a:t>https://</a:t>
             </a:r>
             <a:r>
               <a:rPr lang="en-GB" dirty="0" smtClean="0">
-                <a:hlinkClick r:id="rId3"/>
+                <a:hlinkClick r:id="rId4"/>
               </a:rPr>
               <a:t>github.com/eyalw711/universal_style_transfer</a:t>
             </a:r>
@@ -6669,7 +9098,7 @@
     </p:spTree>
     <p:extLst>
       <p:ext uri="{BB962C8B-B14F-4D97-AF65-F5344CB8AC3E}">
-        <p14:creationId xmlns:p14="http://schemas.microsoft.com/office/powerpoint/2010/main" val="1074707105"/>
+        <p14:creationId xmlns:p14="http://schemas.microsoft.com/office/powerpoint/2010/main" xmlns="" val="1074707105"/>
       </p:ext>
     </p:extLst>
   </p:cSld>
@@ -6712,7 +9141,7 @@
           <p:nvPr/>
         </p:nvPicPr>
         <p:blipFill>
-          <a:blip r:embed="rId2" cstate="print"/>
+          <a:blip r:embed="rId3" cstate="print"/>
           <a:srcRect/>
           <a:stretch>
             <a:fillRect/>
@@ -6752,13 +9181,19 @@
           </a:xfrm>
         </p:spPr>
         <p:txBody>
-          <a:bodyPr/>
+          <a:bodyPr>
+            <a:normAutofit fontScale="90000"/>
+          </a:bodyPr>
           <a:lstStyle/>
           <a:p>
             <a:pPr algn="ctr"/>
             <a:r>
               <a:rPr lang="en-US" dirty="0" smtClean="0"/>
-              <a:t>Feature Transform</a:t>
+              <a:t>Stylization based on Feature </a:t>
+            </a:r>
+            <a:r>
+              <a:rPr lang="en-US" dirty="0" smtClean="0"/>
+              <a:t>Transform</a:t>
             </a:r>
             <a:endParaRPr lang="en-US" dirty="0"/>
           </a:p>
@@ -6807,7 +9242,7 @@
             </a:r>
             <a:r>
               <a:rPr lang="en-US" sz="1200" dirty="0" smtClean="0">
-                <a:hlinkClick r:id="rId3"/>
+                <a:hlinkClick r:id="rId4"/>
               </a:rPr>
               <a:t>https://ai.googleblog.com/2016/02/exploring-intersection-of-art-and.html</a:t>
             </a:r>
@@ -6849,7 +9284,37 @@
       </p:grpSpPr>
       <p:sp>
         <p:nvSpPr>
-          <p:cNvPr id="2" name="Title 1"/>
+          <p:cNvPr id="2" name="Content Placeholder 1"/>
+          <p:cNvSpPr>
+            <a:spLocks noGrp="1"/>
+          </p:cNvSpPr>
+          <p:nvPr>
+            <p:ph idx="1"/>
+          </p:nvPr>
+        </p:nvSpPr>
+        <p:spPr/>
+        <p:txBody>
+          <a:bodyPr/>
+          <a:lstStyle/>
+          <a:p>
+            <a:r>
+              <a:rPr lang="en-US" dirty="0" smtClean="0"/>
+              <a:t>Whitening:</a:t>
+            </a:r>
+          </a:p>
+          <a:p>
+            <a:pPr lvl="1"/>
+            <a:r>
+              <a:rPr lang="en-US" dirty="0" smtClean="0"/>
+              <a:t>Center </a:t>
+            </a:r>
+            <a:endParaRPr lang="en-US" dirty="0"/>
+          </a:p>
+        </p:txBody>
+      </p:sp>
+      <p:sp>
+        <p:nvSpPr>
+          <p:cNvPr id="3" name="Title 2"/>
           <p:cNvSpPr>
             <a:spLocks noGrp="1"/>
           </p:cNvSpPr>
@@ -6857,200 +9322,16 @@
             <p:ph type="title"/>
           </p:nvPr>
         </p:nvSpPr>
-        <p:spPr>
-          <a:xfrm>
-            <a:off x="457200" y="762000"/>
-            <a:ext cx="8229600" cy="1143000"/>
-          </a:xfrm>
-        </p:spPr>
-        <p:txBody>
-          <a:bodyPr>
-            <a:normAutofit fontScale="90000"/>
-          </a:bodyPr>
+        <p:spPr/>
+        <p:txBody>
+          <a:bodyPr/>
           <a:lstStyle/>
           <a:p>
-            <a:pPr algn="ctr"/>
             <a:r>
               <a:rPr lang="en-US" dirty="0" smtClean="0"/>
-              <a:t>Feature Transform Using VGG-19 Encoder-Decoder</a:t>
+              <a:t>WCT</a:t>
             </a:r>
-            <a:br>
-              <a:rPr lang="en-US" dirty="0" smtClean="0"/>
-            </a:br>
             <a:endParaRPr lang="en-US" dirty="0"/>
-          </a:p>
-        </p:txBody>
-      </p:sp>
-      <p:pic>
-        <p:nvPicPr>
-          <p:cNvPr id="14338" name="Picture 2" descr="Image result for vgg19 encoder decoder"/>
-          <p:cNvPicPr>
-            <a:picLocks noChangeAspect="1" noChangeArrowheads="1"/>
-          </p:cNvPicPr>
-          <p:nvPr/>
-        </p:nvPicPr>
-        <p:blipFill>
-          <a:blip r:embed="rId2" cstate="print"/>
-          <a:srcRect/>
-          <a:stretch>
-            <a:fillRect/>
-          </a:stretch>
-        </p:blipFill>
-        <p:spPr bwMode="auto">
-          <a:xfrm>
-            <a:off x="304800" y="1971675"/>
-            <a:ext cx="8515350" cy="2600326"/>
-          </a:xfrm>
-          <a:prstGeom prst="rect">
-            <a:avLst/>
-          </a:prstGeom>
-          <a:noFill/>
-        </p:spPr>
-      </p:pic>
-      <p:pic>
-        <p:nvPicPr>
-          <p:cNvPr id="14339" name="Picture 3"/>
-          <p:cNvPicPr>
-            <a:picLocks noChangeAspect="1" noChangeArrowheads="1"/>
-          </p:cNvPicPr>
-          <p:nvPr/>
-        </p:nvPicPr>
-        <p:blipFill>
-          <a:blip r:embed="rId3" cstate="print"/>
-          <a:srcRect/>
-          <a:stretch>
-            <a:fillRect/>
-          </a:stretch>
-        </p:blipFill>
-        <p:spPr bwMode="auto">
-          <a:xfrm>
-            <a:off x="3962400" y="4953000"/>
-            <a:ext cx="2390775" cy="628650"/>
-          </a:xfrm>
-          <a:prstGeom prst="rect">
-            <a:avLst/>
-          </a:prstGeom>
-          <a:noFill/>
-          <a:ln w="9525">
-            <a:noFill/>
-            <a:miter lim="800000"/>
-            <a:headEnd/>
-            <a:tailEnd/>
-          </a:ln>
-        </p:spPr>
-      </p:pic>
-      <p:sp>
-        <p:nvSpPr>
-          <p:cNvPr id="6" name="Down Arrow 5"/>
-          <p:cNvSpPr/>
-          <p:nvPr/>
-        </p:nvSpPr>
-        <p:spPr>
-          <a:xfrm>
-            <a:off x="4648200" y="3886200"/>
-            <a:ext cx="304800" cy="990600"/>
-          </a:xfrm>
-          <a:prstGeom prst="downArrow">
-            <a:avLst/>
-          </a:prstGeom>
-        </p:spPr>
-        <p:style>
-          <a:lnRef idx="2">
-            <a:schemeClr val="accent1">
-              <a:shade val="50000"/>
-            </a:schemeClr>
-          </a:lnRef>
-          <a:fillRef idx="1">
-            <a:schemeClr val="accent1"/>
-          </a:fillRef>
-          <a:effectRef idx="0">
-            <a:schemeClr val="accent1"/>
-          </a:effectRef>
-          <a:fontRef idx="minor">
-            <a:schemeClr val="lt1"/>
-          </a:fontRef>
-        </p:style>
-        <p:txBody>
-          <a:bodyPr rtlCol="0" anchor="ctr"/>
-          <a:lstStyle/>
-          <a:p>
-            <a:pPr algn="ctr"/>
-            <a:endParaRPr lang="en-US"/>
-          </a:p>
-        </p:txBody>
-      </p:sp>
-      <p:sp>
-        <p:nvSpPr>
-          <p:cNvPr id="7" name="Down Arrow 6"/>
-          <p:cNvSpPr/>
-          <p:nvPr/>
-        </p:nvSpPr>
-        <p:spPr>
-          <a:xfrm rot="10800000">
-            <a:off x="5105400" y="3886200"/>
-            <a:ext cx="304800" cy="990600"/>
-          </a:xfrm>
-          <a:prstGeom prst="downArrow">
-            <a:avLst/>
-          </a:prstGeom>
-        </p:spPr>
-        <p:style>
-          <a:lnRef idx="2">
-            <a:schemeClr val="accent1">
-              <a:shade val="50000"/>
-            </a:schemeClr>
-          </a:lnRef>
-          <a:fillRef idx="1">
-            <a:schemeClr val="accent1"/>
-          </a:fillRef>
-          <a:effectRef idx="0">
-            <a:schemeClr val="accent1"/>
-          </a:effectRef>
-          <a:fontRef idx="minor">
-            <a:schemeClr val="lt1"/>
-          </a:fontRef>
-        </p:style>
-        <p:txBody>
-          <a:bodyPr rtlCol="0" anchor="ctr"/>
-          <a:lstStyle/>
-          <a:p>
-            <a:pPr algn="ctr"/>
-            <a:endParaRPr lang="en-US"/>
-          </a:p>
-        </p:txBody>
-      </p:sp>
-      <p:sp>
-        <p:nvSpPr>
-          <p:cNvPr id="8" name="TextBox 7"/>
-          <p:cNvSpPr txBox="1"/>
-          <p:nvPr/>
-        </p:nvSpPr>
-        <p:spPr>
-          <a:xfrm>
-            <a:off x="6096000" y="6477000"/>
-            <a:ext cx="1822935" cy="276999"/>
-          </a:xfrm>
-          <a:prstGeom prst="rect">
-            <a:avLst/>
-          </a:prstGeom>
-          <a:noFill/>
-        </p:spPr>
-        <p:txBody>
-          <a:bodyPr wrap="none" rtlCol="0">
-            <a:spAutoFit/>
-          </a:bodyPr>
-          <a:lstStyle/>
-          <a:p>
-            <a:r>
-              <a:rPr lang="en-US" sz="1200" dirty="0">
-                <a:solidFill>
-                  <a:schemeClr val="bg1">
-                    <a:lumMod val="50000"/>
-                  </a:schemeClr>
-                </a:solidFill>
-              </a:rPr>
-              <a:t>Image source: Li et al.</a:t>
-            </a:r>
           </a:p>
         </p:txBody>
       </p:sp>
@@ -7059,13 +9340,6 @@
   <p:clrMapOvr>
     <a:masterClrMapping/>
   </p:clrMapOvr>
-  <p:timing>
-    <p:tnLst>
-      <p:par>
-        <p:cTn id="1" dur="indefinite" restart="never" nodeType="tmRoot"/>
-      </p:par>
-    </p:tnLst>
-  </p:timing>
 </p:sld>
 </file>
 
@@ -7098,26 +9372,31 @@
         </p:nvSpPr>
         <p:spPr>
           <a:xfrm>
-            <a:off x="457200" y="152400"/>
+            <a:off x="457200" y="762000"/>
             <a:ext cx="8229600" cy="1143000"/>
           </a:xfrm>
         </p:spPr>
         <p:txBody>
-          <a:bodyPr/>
+          <a:bodyPr>
+            <a:normAutofit fontScale="90000"/>
+          </a:bodyPr>
           <a:lstStyle/>
           <a:p>
             <a:pPr algn="ctr"/>
             <a:r>
               <a:rPr lang="en-US" dirty="0" smtClean="0"/>
-              <a:t>Algorithm Architecture</a:t>
+              <a:t>Feature Transform Using VGG-19 Encoder-Decoder</a:t>
             </a:r>
+            <a:br>
+              <a:rPr lang="en-US" dirty="0" smtClean="0"/>
+            </a:br>
             <a:endParaRPr lang="en-US" dirty="0"/>
           </a:p>
         </p:txBody>
       </p:sp>
       <p:pic>
         <p:nvPicPr>
-          <p:cNvPr id="16385" name="Picture 1" descr="C:\Users\carmi\Documents\universal_style_transfer\ppt\UST_arc_mlt_level_pipeline.png"/>
+          <p:cNvPr id="14338" name="Picture 2" descr="Image result for vgg19 encoder decoder"/>
           <p:cNvPicPr>
             <a:picLocks noChangeAspect="1" noChangeArrowheads="1"/>
           </p:cNvPicPr>
@@ -7132,8 +9411,8 @@
         </p:blipFill>
         <p:spPr bwMode="auto">
           <a:xfrm>
-            <a:off x="2286000" y="1066800"/>
-            <a:ext cx="4358136" cy="4619626"/>
+            <a:off x="304800" y="1971675"/>
+            <a:ext cx="8515350" cy="2600326"/>
           </a:xfrm>
           <a:prstGeom prst="rect">
             <a:avLst/>
@@ -7141,44 +9420,150 @@
           <a:noFill/>
         </p:spPr>
       </p:pic>
-      <p:sp>
-        <p:nvSpPr>
-          <p:cNvPr id="5" name="Rectangle 4"/>
+      <p:pic>
+        <p:nvPicPr>
+          <p:cNvPr id="14339" name="Picture 3"/>
+          <p:cNvPicPr>
+            <a:picLocks noChangeAspect="1" noChangeArrowheads="1"/>
+          </p:cNvPicPr>
+          <p:nvPr/>
+        </p:nvPicPr>
+        <p:blipFill>
+          <a:blip r:embed="rId3" cstate="print"/>
+          <a:srcRect/>
+          <a:stretch>
+            <a:fillRect/>
+          </a:stretch>
+        </p:blipFill>
+        <p:spPr bwMode="auto">
+          <a:xfrm>
+            <a:off x="3962400" y="4953000"/>
+            <a:ext cx="2390775" cy="628650"/>
+          </a:xfrm>
+          <a:prstGeom prst="rect">
+            <a:avLst/>
+          </a:prstGeom>
+          <a:noFill/>
+          <a:ln w="9525">
+            <a:noFill/>
+            <a:miter lim="800000"/>
+            <a:headEnd/>
+            <a:tailEnd/>
+          </a:ln>
+        </p:spPr>
+      </p:pic>
+      <p:sp>
+        <p:nvSpPr>
+          <p:cNvPr id="6" name="Down Arrow 5"/>
           <p:cNvSpPr/>
           <p:nvPr/>
         </p:nvSpPr>
         <p:spPr>
           <a:xfrm>
-            <a:off x="1447800" y="5791200"/>
-            <a:ext cx="7543800" cy="461665"/>
+            <a:off x="4648200" y="3886200"/>
+            <a:ext cx="304800" cy="990600"/>
+          </a:xfrm>
+          <a:prstGeom prst="downArrow">
+            <a:avLst/>
+          </a:prstGeom>
+        </p:spPr>
+        <p:style>
+          <a:lnRef idx="2">
+            <a:schemeClr val="accent1">
+              <a:shade val="50000"/>
+            </a:schemeClr>
+          </a:lnRef>
+          <a:fillRef idx="1">
+            <a:schemeClr val="accent1"/>
+          </a:fillRef>
+          <a:effectRef idx="0">
+            <a:schemeClr val="accent1"/>
+          </a:effectRef>
+          <a:fontRef idx="minor">
+            <a:schemeClr val="lt1"/>
+          </a:fontRef>
+        </p:style>
+        <p:txBody>
+          <a:bodyPr rtlCol="0" anchor="ctr"/>
+          <a:lstStyle/>
+          <a:p>
+            <a:pPr algn="ctr"/>
+            <a:endParaRPr lang="en-US"/>
+          </a:p>
+        </p:txBody>
+      </p:sp>
+      <p:sp>
+        <p:nvSpPr>
+          <p:cNvPr id="7" name="Down Arrow 6"/>
+          <p:cNvSpPr/>
+          <p:nvPr/>
+        </p:nvSpPr>
+        <p:spPr>
+          <a:xfrm rot="10800000">
+            <a:off x="5105400" y="3886200"/>
+            <a:ext cx="304800" cy="990600"/>
+          </a:xfrm>
+          <a:prstGeom prst="downArrow">
+            <a:avLst/>
+          </a:prstGeom>
+        </p:spPr>
+        <p:style>
+          <a:lnRef idx="2">
+            <a:schemeClr val="accent1">
+              <a:shade val="50000"/>
+            </a:schemeClr>
+          </a:lnRef>
+          <a:fillRef idx="1">
+            <a:schemeClr val="accent1"/>
+          </a:fillRef>
+          <a:effectRef idx="0">
+            <a:schemeClr val="accent1"/>
+          </a:effectRef>
+          <a:fontRef idx="minor">
+            <a:schemeClr val="lt1"/>
+          </a:fontRef>
+        </p:style>
+        <p:txBody>
+          <a:bodyPr rtlCol="0" anchor="ctr"/>
+          <a:lstStyle/>
+          <a:p>
+            <a:pPr algn="ctr"/>
+            <a:endParaRPr lang="en-US"/>
+          </a:p>
+        </p:txBody>
+      </p:sp>
+      <p:sp>
+        <p:nvSpPr>
+          <p:cNvPr id="8" name="TextBox 7"/>
+          <p:cNvSpPr txBox="1"/>
+          <p:nvPr/>
+        </p:nvSpPr>
+        <p:spPr>
+          <a:xfrm>
+            <a:off x="6096000" y="6477000"/>
+            <a:ext cx="1822935" cy="276999"/>
           </a:xfrm>
           <a:prstGeom prst="rect">
             <a:avLst/>
           </a:prstGeom>
-        </p:spPr>
-        <p:txBody>
-          <a:bodyPr wrap="square">
+          <a:noFill/>
+        </p:spPr>
+        <p:txBody>
+          <a:bodyPr wrap="none" rtlCol="0">
             <a:spAutoFit/>
           </a:bodyPr>
           <a:lstStyle/>
           <a:p>
             <a:r>
-              <a:rPr lang="en-US" sz="1200" dirty="0" smtClean="0">
+              <a:rPr lang="en-US" sz="1200" dirty="0">
                 <a:solidFill>
                   <a:schemeClr val="bg1">
                     <a:lumMod val="50000"/>
                   </a:schemeClr>
                 </a:solidFill>
               </a:rPr>
-              <a:t>Image source: </a:t>
+              <a:t>Image source: Li et al.</a:t>
             </a:r>
-            <a:r>
-              <a:rPr lang="en-US" sz="1200" dirty="0" smtClean="0">
-                <a:hlinkClick r:id="rId3"/>
-              </a:rPr>
-              <a:t>https://www.researchgate.net/figure/Universal-Style-Transfer-architecture-with-the-whole-multi-level-pipeline-Each-level-of_fig3_327495907</a:t>
-            </a:r>
-            <a:endParaRPr lang="en-US" sz="1200" dirty="0"/>
           </a:p>
         </p:txBody>
       </p:sp>
@@ -7214,9 +9599,38 @@
           <a:chExt cx="0" cy="0"/>
         </a:xfrm>
       </p:grpSpPr>
+      <p:sp>
+        <p:nvSpPr>
+          <p:cNvPr id="2" name="Title 1"/>
+          <p:cNvSpPr>
+            <a:spLocks noGrp="1"/>
+          </p:cNvSpPr>
+          <p:nvPr>
+            <p:ph type="title"/>
+          </p:nvPr>
+        </p:nvSpPr>
+        <p:spPr>
+          <a:xfrm>
+            <a:off x="457200" y="152400"/>
+            <a:ext cx="8229600" cy="1143000"/>
+          </a:xfrm>
+        </p:spPr>
+        <p:txBody>
+          <a:bodyPr/>
+          <a:lstStyle/>
+          <a:p>
+            <a:pPr algn="ctr"/>
+            <a:r>
+              <a:rPr lang="en-US" dirty="0" smtClean="0"/>
+              <a:t>Algorithm Architecture</a:t>
+            </a:r>
+            <a:endParaRPr lang="en-US" dirty="0"/>
+          </a:p>
+        </p:txBody>
+      </p:sp>
       <p:pic>
         <p:nvPicPr>
-          <p:cNvPr id="34" name="Picture 5"/>
+          <p:cNvPr id="16385" name="Picture 1" descr="C:\Users\carmi\Documents\universal_style_transfer\ppt\UST_arc_mlt_level_pipeline.png"/>
           <p:cNvPicPr>
             <a:picLocks noChangeAspect="1" noChangeArrowheads="1"/>
           </p:cNvPicPr>
@@ -7231,766 +9645,53 @@
         </p:blipFill>
         <p:spPr bwMode="auto">
           <a:xfrm>
-            <a:off x="5480504" y="3609975"/>
-            <a:ext cx="1072696" cy="1905000"/>
+            <a:off x="2286000" y="1066800"/>
+            <a:ext cx="4358136" cy="4619626"/>
           </a:xfrm>
           <a:prstGeom prst="rect">
             <a:avLst/>
           </a:prstGeom>
           <a:noFill/>
-          <a:ln w="9525">
-            <a:noFill/>
-            <a:miter lim="800000"/>
-            <a:headEnd/>
-            <a:tailEnd/>
-          </a:ln>
         </p:spPr>
       </p:pic>
-      <p:pic>
-        <p:nvPicPr>
-          <p:cNvPr id="13313" name="Picture 1" descr="C:\Users\carmi\Documents\universal_style_transfer\ppt\boost_fig.png"/>
-          <p:cNvPicPr>
-            <a:picLocks noChangeAspect="1" noChangeArrowheads="1"/>
-          </p:cNvPicPr>
-          <p:nvPr/>
-        </p:nvPicPr>
-        <p:blipFill>
-          <a:blip r:embed="rId3" cstate="print"/>
-          <a:srcRect/>
-          <a:stretch>
-            <a:fillRect/>
-          </a:stretch>
-        </p:blipFill>
-        <p:spPr bwMode="auto">
-          <a:xfrm>
-            <a:off x="3193758" y="877070"/>
-            <a:ext cx="2445040" cy="3016312"/>
+      <p:sp>
+        <p:nvSpPr>
+          <p:cNvPr id="5" name="Rectangle 4"/>
+          <p:cNvSpPr/>
+          <p:nvPr/>
+        </p:nvSpPr>
+        <p:spPr>
+          <a:xfrm>
+            <a:off x="1447800" y="5791200"/>
+            <a:ext cx="7543800" cy="461665"/>
           </a:xfrm>
           <a:prstGeom prst="rect">
             <a:avLst/>
           </a:prstGeom>
-          <a:noFill/>
-        </p:spPr>
-      </p:pic>
-      <p:pic>
-        <p:nvPicPr>
-          <p:cNvPr id="13315" name="Picture 3" descr="C:\Users\carmi\Documents\universal_style_transfer\ppt\boost_in2_st2_05.jpg"/>
-          <p:cNvPicPr>
-            <a:picLocks noChangeAspect="1" noChangeArrowheads="1"/>
-          </p:cNvPicPr>
-          <p:nvPr/>
-        </p:nvPicPr>
-        <p:blipFill>
-          <a:blip r:embed="rId4" cstate="print"/>
-          <a:srcRect/>
-          <a:stretch>
-            <a:fillRect/>
-          </a:stretch>
-        </p:blipFill>
-        <p:spPr bwMode="auto">
-          <a:xfrm>
-            <a:off x="6934198" y="1143000"/>
-            <a:ext cx="2133602" cy="2133602"/>
-          </a:xfrm>
-          <a:prstGeom prst="rect">
-            <a:avLst/>
-          </a:prstGeom>
-          <a:noFill/>
-        </p:spPr>
-      </p:pic>
-      <p:pic>
-        <p:nvPicPr>
-          <p:cNvPr id="13316" name="Picture 4"/>
-          <p:cNvPicPr>
-            <a:picLocks noChangeAspect="1" noChangeArrowheads="1"/>
-          </p:cNvPicPr>
-          <p:nvPr/>
-        </p:nvPicPr>
-        <p:blipFill>
-          <a:blip r:embed="rId5" cstate="print"/>
-          <a:srcRect/>
-          <a:stretch>
-            <a:fillRect/>
-          </a:stretch>
-        </p:blipFill>
-        <p:spPr bwMode="auto">
-          <a:xfrm>
-            <a:off x="1759241" y="1676400"/>
-            <a:ext cx="901117" cy="3352800"/>
-          </a:xfrm>
-          <a:prstGeom prst="rect">
-            <a:avLst/>
-          </a:prstGeom>
-          <a:noFill/>
-          <a:ln w="9525">
-            <a:noFill/>
-            <a:miter lim="800000"/>
-            <a:headEnd/>
-            <a:tailEnd/>
-          </a:ln>
-        </p:spPr>
-      </p:pic>
-      <p:pic>
-        <p:nvPicPr>
-          <p:cNvPr id="13318" name="Picture 6" descr="C:\Users\carmi\Documents\universal_style_transfer\ppt\car_sq.jpg"/>
-          <p:cNvPicPr>
-            <a:picLocks noChangeAspect="1" noChangeArrowheads="1"/>
-          </p:cNvPicPr>
-          <p:nvPr/>
-        </p:nvPicPr>
-        <p:blipFill>
-          <a:blip r:embed="rId6" cstate="print"/>
-          <a:srcRect/>
-          <a:stretch>
-            <a:fillRect/>
-          </a:stretch>
-        </p:blipFill>
-        <p:spPr bwMode="auto">
-          <a:xfrm>
-            <a:off x="152400" y="1295400"/>
-            <a:ext cx="1371600" cy="1371600"/>
-          </a:xfrm>
-          <a:prstGeom prst="rect">
-            <a:avLst/>
-          </a:prstGeom>
-          <a:noFill/>
-        </p:spPr>
-      </p:pic>
-      <p:pic>
-        <p:nvPicPr>
-          <p:cNvPr id="13319" name="Picture 7" descr="C:\Users\carmi\Documents\universal_style_transfer\ppt\st2_sq.jpg"/>
-          <p:cNvPicPr>
-            <a:picLocks noChangeAspect="1" noChangeArrowheads="1"/>
-          </p:cNvPicPr>
-          <p:nvPr/>
-        </p:nvPicPr>
-        <p:blipFill>
-          <a:blip r:embed="rId7" cstate="print"/>
-          <a:srcRect/>
-          <a:stretch>
-            <a:fillRect/>
-          </a:stretch>
-        </p:blipFill>
-        <p:spPr bwMode="auto">
-          <a:xfrm flipH="1">
-            <a:off x="152400" y="3886200"/>
-            <a:ext cx="1371600" cy="1371600"/>
-          </a:xfrm>
-          <a:prstGeom prst="rect">
-            <a:avLst/>
-          </a:prstGeom>
-          <a:noFill/>
-        </p:spPr>
-      </p:pic>
-      <p:cxnSp>
-        <p:nvCxnSpPr>
-          <p:cNvPr id="16" name="Straight Arrow Connector 15"/>
-          <p:cNvCxnSpPr/>
-          <p:nvPr/>
-        </p:nvCxnSpPr>
-        <p:spPr>
-          <a:xfrm>
-            <a:off x="2590800" y="2133601"/>
-            <a:ext cx="602958" cy="0"/>
-          </a:xfrm>
-          <a:prstGeom prst="straightConnector1">
-            <a:avLst/>
-          </a:prstGeom>
-          <a:ln>
-            <a:tailEnd type="arrow"/>
-          </a:ln>
-        </p:spPr>
-        <p:style>
-          <a:lnRef idx="3">
-            <a:schemeClr val="accent4"/>
-          </a:lnRef>
-          <a:fillRef idx="0">
-            <a:schemeClr val="accent4"/>
-          </a:fillRef>
-          <a:effectRef idx="2">
-            <a:schemeClr val="accent4"/>
-          </a:effectRef>
-          <a:fontRef idx="minor">
-            <a:schemeClr val="tx1"/>
-          </a:fontRef>
-        </p:style>
-      </p:cxnSp>
-      <p:cxnSp>
-        <p:nvCxnSpPr>
-          <p:cNvPr id="18" name="Shape 17"/>
-          <p:cNvCxnSpPr/>
-          <p:nvPr/>
-        </p:nvCxnSpPr>
-        <p:spPr>
-          <a:xfrm rot="5400000" flipH="1" flipV="1">
-            <a:off x="1913192" y="3291434"/>
-            <a:ext cx="2186775" cy="374359"/>
-          </a:xfrm>
-          <a:prstGeom prst="bentConnector3">
-            <a:avLst>
-              <a:gd name="adj1" fmla="val 99899"/>
-            </a:avLst>
-          </a:prstGeom>
-          <a:ln>
-            <a:tailEnd type="arrow"/>
-          </a:ln>
-        </p:spPr>
-        <p:style>
-          <a:lnRef idx="3">
-            <a:schemeClr val="accent4"/>
-          </a:lnRef>
-          <a:fillRef idx="0">
-            <a:schemeClr val="accent4"/>
-          </a:fillRef>
-          <a:effectRef idx="2">
-            <a:schemeClr val="accent4"/>
-          </a:effectRef>
-          <a:fontRef idx="minor">
-            <a:schemeClr val="tx1"/>
-          </a:fontRef>
-        </p:style>
-      </p:cxnSp>
-      <p:cxnSp>
-        <p:nvCxnSpPr>
-          <p:cNvPr id="21" name="Elbow Connector 20"/>
-          <p:cNvCxnSpPr/>
-          <p:nvPr/>
-        </p:nvCxnSpPr>
-        <p:spPr>
-          <a:xfrm rot="16200000" flipH="1">
-            <a:off x="2193852" y="2797247"/>
-            <a:ext cx="1981199" cy="958703"/>
-          </a:xfrm>
-          <a:prstGeom prst="bentConnector3">
-            <a:avLst>
-              <a:gd name="adj1" fmla="val 100154"/>
-            </a:avLst>
-          </a:prstGeom>
-          <a:ln>
-            <a:tailEnd type="arrow"/>
-          </a:ln>
-        </p:spPr>
-        <p:style>
-          <a:lnRef idx="2">
-            <a:schemeClr val="accent2"/>
-          </a:lnRef>
-          <a:fillRef idx="0">
-            <a:schemeClr val="accent2"/>
-          </a:fillRef>
-          <a:effectRef idx="1">
-            <a:schemeClr val="accent2"/>
-          </a:effectRef>
-          <a:fontRef idx="minor">
-            <a:schemeClr val="tx1"/>
-          </a:fontRef>
-        </p:style>
-      </p:cxnSp>
-      <p:cxnSp>
-        <p:nvCxnSpPr>
-          <p:cNvPr id="29" name="Straight Arrow Connector 28"/>
-          <p:cNvCxnSpPr/>
-          <p:nvPr/>
-        </p:nvCxnSpPr>
-        <p:spPr>
-          <a:xfrm>
-            <a:off x="2590800" y="4419600"/>
-            <a:ext cx="1073003" cy="0"/>
-          </a:xfrm>
-          <a:prstGeom prst="straightConnector1">
-            <a:avLst/>
-          </a:prstGeom>
-          <a:ln>
-            <a:tailEnd type="arrow"/>
-          </a:ln>
-        </p:spPr>
-        <p:style>
-          <a:lnRef idx="2">
-            <a:schemeClr val="accent2"/>
-          </a:lnRef>
-          <a:fillRef idx="0">
-            <a:schemeClr val="accent2"/>
-          </a:fillRef>
-          <a:effectRef idx="1">
-            <a:schemeClr val="accent2"/>
-          </a:effectRef>
-          <a:fontRef idx="minor">
-            <a:schemeClr val="tx1"/>
-          </a:fontRef>
-        </p:style>
-      </p:cxnSp>
-      <p:pic>
-        <p:nvPicPr>
-          <p:cNvPr id="30" name="Picture 5"/>
-          <p:cNvPicPr>
-            <a:picLocks noChangeAspect="1" noChangeArrowheads="1"/>
-          </p:cNvPicPr>
-          <p:nvPr/>
-        </p:nvPicPr>
-        <p:blipFill>
-          <a:blip r:embed="rId2" cstate="print"/>
-          <a:srcRect/>
-          <a:stretch>
-            <a:fillRect/>
-          </a:stretch>
-        </p:blipFill>
-        <p:spPr bwMode="auto">
-          <a:xfrm>
-            <a:off x="5562600" y="1219200"/>
-            <a:ext cx="1072696" cy="1905000"/>
-          </a:xfrm>
-          <a:prstGeom prst="rect">
-            <a:avLst/>
-          </a:prstGeom>
-          <a:noFill/>
-          <a:ln w="9525">
-            <a:noFill/>
-            <a:miter lim="800000"/>
-            <a:headEnd/>
-            <a:tailEnd/>
-          </a:ln>
-        </p:spPr>
-      </p:pic>
-      <p:cxnSp>
-        <p:nvCxnSpPr>
-          <p:cNvPr id="31" name="Straight Arrow Connector 30"/>
-          <p:cNvCxnSpPr/>
-          <p:nvPr/>
-        </p:nvCxnSpPr>
-        <p:spPr>
-          <a:xfrm>
-            <a:off x="5257800" y="2133600"/>
-            <a:ext cx="381000" cy="0"/>
-          </a:xfrm>
-          <a:prstGeom prst="straightConnector1">
-            <a:avLst/>
-          </a:prstGeom>
-          <a:ln>
-            <a:tailEnd type="arrow"/>
-          </a:ln>
-        </p:spPr>
-        <p:style>
-          <a:lnRef idx="3">
-            <a:schemeClr val="accent4"/>
-          </a:lnRef>
-          <a:fillRef idx="0">
-            <a:schemeClr val="accent4"/>
-          </a:fillRef>
-          <a:effectRef idx="2">
-            <a:schemeClr val="accent4"/>
-          </a:effectRef>
-          <a:fontRef idx="minor">
-            <a:schemeClr val="tx1"/>
-          </a:fontRef>
-        </p:style>
-      </p:cxnSp>
-      <p:cxnSp>
-        <p:nvCxnSpPr>
-          <p:cNvPr id="32" name="Straight Arrow Connector 31"/>
-          <p:cNvCxnSpPr/>
-          <p:nvPr/>
-        </p:nvCxnSpPr>
-        <p:spPr>
-          <a:xfrm>
-            <a:off x="6553200" y="2133600"/>
-            <a:ext cx="381000" cy="0"/>
-          </a:xfrm>
-          <a:prstGeom prst="straightConnector1">
-            <a:avLst/>
-          </a:prstGeom>
-          <a:ln>
-            <a:tailEnd type="arrow"/>
-          </a:ln>
-        </p:spPr>
-        <p:style>
-          <a:lnRef idx="3">
-            <a:schemeClr val="accent4"/>
-          </a:lnRef>
-          <a:fillRef idx="0">
-            <a:schemeClr val="accent4"/>
-          </a:fillRef>
-          <a:effectRef idx="2">
-            <a:schemeClr val="accent4"/>
-          </a:effectRef>
-          <a:fontRef idx="minor">
-            <a:schemeClr val="tx1"/>
-          </a:fontRef>
-        </p:style>
-      </p:cxnSp>
-      <p:cxnSp>
-        <p:nvCxnSpPr>
-          <p:cNvPr id="33" name="Straight Arrow Connector 32"/>
-          <p:cNvCxnSpPr/>
-          <p:nvPr/>
-        </p:nvCxnSpPr>
-        <p:spPr>
-          <a:xfrm>
-            <a:off x="6476998" y="4572001"/>
-            <a:ext cx="457200" cy="0"/>
-          </a:xfrm>
-          <a:prstGeom prst="straightConnector1">
-            <a:avLst/>
-          </a:prstGeom>
-          <a:ln>
-            <a:tailEnd type="arrow"/>
-          </a:ln>
-        </p:spPr>
-        <p:style>
-          <a:lnRef idx="2">
-            <a:schemeClr val="accent2"/>
-          </a:lnRef>
-          <a:fillRef idx="0">
-            <a:schemeClr val="accent2"/>
-          </a:fillRef>
-          <a:effectRef idx="1">
-            <a:schemeClr val="accent2"/>
-          </a:effectRef>
-          <a:fontRef idx="minor">
-            <a:schemeClr val="tx1"/>
-          </a:fontRef>
-        </p:style>
-      </p:cxnSp>
-      <p:pic>
-        <p:nvPicPr>
-          <p:cNvPr id="13320" name="Picture 8" descr="C:\Users\carmi\Documents\universal_style_transfer\Report\Figures\boost\boost_in2_st2_05_no.jpg"/>
-          <p:cNvPicPr>
-            <a:picLocks noChangeAspect="1" noChangeArrowheads="1"/>
-          </p:cNvPicPr>
-          <p:nvPr/>
-        </p:nvPicPr>
-        <p:blipFill>
-          <a:blip r:embed="rId8" cstate="print"/>
-          <a:srcRect/>
-          <a:stretch>
-            <a:fillRect/>
-          </a:stretch>
-        </p:blipFill>
-        <p:spPr bwMode="auto">
-          <a:xfrm>
-            <a:off x="6934200" y="3810000"/>
-            <a:ext cx="2133600" cy="2133600"/>
-          </a:xfrm>
-          <a:prstGeom prst="rect">
-            <a:avLst/>
-          </a:prstGeom>
-          <a:noFill/>
-        </p:spPr>
-      </p:pic>
-      <p:sp>
-        <p:nvSpPr>
-          <p:cNvPr id="52" name="TextBox 51"/>
-          <p:cNvSpPr txBox="1"/>
-          <p:nvPr/>
-        </p:nvSpPr>
-        <p:spPr>
-          <a:xfrm>
-            <a:off x="7756255" y="5943600"/>
-            <a:ext cx="942887" cy="369332"/>
-          </a:xfrm>
-          <a:prstGeom prst="rect">
-            <a:avLst/>
-          </a:prstGeom>
-          <a:noFill/>
-        </p:spPr>
-        <p:txBody>
-          <a:bodyPr wrap="none" rtlCol="0">
+        </p:spPr>
+        <p:txBody>
+          <a:bodyPr wrap="square">
             <a:spAutoFit/>
           </a:bodyPr>
           <a:lstStyle/>
           <a:p>
             <a:r>
-              <a:rPr lang="en-US" dirty="0" smtClean="0">
-                <a:latin typeface="Bernard MT Condensed" pitchFamily="18" charset="0"/>
+              <a:rPr lang="en-US" sz="1200" dirty="0" smtClean="0">
+                <a:solidFill>
+                  <a:schemeClr val="bg1">
+                    <a:lumMod val="50000"/>
+                  </a:schemeClr>
+                </a:solidFill>
               </a:rPr>
-              <a:t>No Boost</a:t>
+              <a:t>Image source: </a:t>
             </a:r>
-            <a:endParaRPr lang="en-US" dirty="0">
-              <a:latin typeface="Bernard MT Condensed" pitchFamily="18" charset="0"/>
-            </a:endParaRPr>
-          </a:p>
-        </p:txBody>
-      </p:sp>
-      <p:sp>
-        <p:nvSpPr>
-          <p:cNvPr id="53" name="TextBox 52"/>
-          <p:cNvSpPr txBox="1"/>
-          <p:nvPr/>
-        </p:nvSpPr>
-        <p:spPr>
-          <a:xfrm>
-            <a:off x="7756255" y="3240643"/>
-            <a:ext cx="670376" cy="369332"/>
-          </a:xfrm>
-          <a:prstGeom prst="rect">
-            <a:avLst/>
-          </a:prstGeom>
-          <a:noFill/>
-        </p:spPr>
-        <p:txBody>
-          <a:bodyPr wrap="none" rtlCol="0">
-            <a:spAutoFit/>
-          </a:bodyPr>
-          <a:lstStyle/>
-          <a:p>
             <a:r>
-              <a:rPr lang="en-US" dirty="0" smtClean="0">
-                <a:latin typeface="Bernard MT Condensed" pitchFamily="18" charset="0"/>
+              <a:rPr lang="en-US" sz="1200" dirty="0" smtClean="0">
+                <a:hlinkClick r:id="rId3"/>
               </a:rPr>
-              <a:t>Boost</a:t>
+              <a:t>https://www.researchgate.net/figure/Universal-Style-Transfer-architecture-with-the-whole-multi-level-pipeline-Each-level-of_fig3_327495907</a:t>
             </a:r>
-            <a:endParaRPr lang="en-US" dirty="0">
-              <a:latin typeface="Bernard MT Condensed" pitchFamily="18" charset="0"/>
-            </a:endParaRPr>
-          </a:p>
-        </p:txBody>
-      </p:sp>
-      <p:cxnSp>
-        <p:nvCxnSpPr>
-          <p:cNvPr id="74" name="Straight Arrow Connector 73"/>
-          <p:cNvCxnSpPr/>
-          <p:nvPr/>
-        </p:nvCxnSpPr>
-        <p:spPr>
-          <a:xfrm>
-            <a:off x="1488257" y="4495800"/>
-            <a:ext cx="381000" cy="0"/>
-          </a:xfrm>
-          <a:prstGeom prst="straightConnector1">
-            <a:avLst/>
-          </a:prstGeom>
-          <a:ln>
-            <a:tailEnd type="arrow"/>
-          </a:ln>
-        </p:spPr>
-        <p:style>
-          <a:lnRef idx="3">
-            <a:schemeClr val="dk1"/>
-          </a:lnRef>
-          <a:fillRef idx="0">
-            <a:schemeClr val="dk1"/>
-          </a:fillRef>
-          <a:effectRef idx="2">
-            <a:schemeClr val="dk1"/>
-          </a:effectRef>
-          <a:fontRef idx="minor">
-            <a:schemeClr val="tx1"/>
-          </a:fontRef>
-        </p:style>
-      </p:cxnSp>
-      <p:cxnSp>
-        <p:nvCxnSpPr>
-          <p:cNvPr id="75" name="Straight Arrow Connector 74"/>
-          <p:cNvCxnSpPr/>
-          <p:nvPr/>
-        </p:nvCxnSpPr>
-        <p:spPr>
-          <a:xfrm>
-            <a:off x="1524000" y="2209800"/>
-            <a:ext cx="381000" cy="0"/>
-          </a:xfrm>
-          <a:prstGeom prst="straightConnector1">
-            <a:avLst/>
-          </a:prstGeom>
-          <a:ln>
-            <a:tailEnd type="arrow"/>
-          </a:ln>
-        </p:spPr>
-        <p:style>
-          <a:lnRef idx="3">
-            <a:schemeClr val="dk1"/>
-          </a:lnRef>
-          <a:fillRef idx="0">
-            <a:schemeClr val="dk1"/>
-          </a:fillRef>
-          <a:effectRef idx="2">
-            <a:schemeClr val="dk1"/>
-          </a:effectRef>
-          <a:fontRef idx="minor">
-            <a:schemeClr val="tx1"/>
-          </a:fontRef>
-        </p:style>
-      </p:cxnSp>
-      <p:cxnSp>
-        <p:nvCxnSpPr>
-          <p:cNvPr id="23" name="מחבר ישר 22"/>
-          <p:cNvCxnSpPr/>
-          <p:nvPr/>
-        </p:nvCxnSpPr>
-        <p:spPr>
-          <a:xfrm>
-            <a:off x="2590800" y="4572001"/>
-            <a:ext cx="228600" cy="0"/>
-          </a:xfrm>
-          <a:prstGeom prst="line">
-            <a:avLst/>
-          </a:prstGeom>
-          <a:ln>
-            <a:tailEnd type="none"/>
-          </a:ln>
-        </p:spPr>
-        <p:style>
-          <a:lnRef idx="3">
-            <a:schemeClr val="accent4"/>
-          </a:lnRef>
-          <a:fillRef idx="0">
-            <a:schemeClr val="accent4"/>
-          </a:fillRef>
-          <a:effectRef idx="2">
-            <a:schemeClr val="accent4"/>
-          </a:effectRef>
-          <a:fontRef idx="minor">
-            <a:schemeClr val="tx1"/>
-          </a:fontRef>
-        </p:style>
-      </p:cxnSp>
-      <p:pic>
-        <p:nvPicPr>
-          <p:cNvPr id="1026" name="Picture 2"/>
-          <p:cNvPicPr>
-            <a:picLocks noChangeAspect="1" noChangeArrowheads="1"/>
-          </p:cNvPicPr>
-          <p:nvPr/>
-        </p:nvPicPr>
-        <p:blipFill>
-          <a:blip r:embed="rId9">
-            <a:extLst>
-              <a:ext uri="{28A0092B-C50C-407E-A947-70E740481C1C}">
-                <a14:useLocalDpi xmlns:a14="http://schemas.microsoft.com/office/drawing/2010/main" val="0"/>
-              </a:ext>
-            </a:extLst>
-          </a:blip>
-          <a:srcRect/>
-          <a:stretch>
-            <a:fillRect/>
-          </a:stretch>
-        </p:blipFill>
-        <p:spPr bwMode="auto">
-          <a:xfrm>
-            <a:off x="3663803" y="4162425"/>
-            <a:ext cx="752475" cy="666750"/>
-          </a:xfrm>
-          <a:prstGeom prst="rect">
-            <a:avLst/>
-          </a:prstGeom>
-          <a:noFill/>
-          <a:ln>
-            <a:noFill/>
-          </a:ln>
-          <a:extLst>
-            <a:ext uri="{909E8E84-426E-40DD-AFC4-6F175D3DCCD1}">
-              <a14:hiddenFill xmlns:a14="http://schemas.microsoft.com/office/drawing/2010/main">
-                <a:solidFill>
-                  <a:schemeClr val="accent1"/>
-                </a:solidFill>
-              </a14:hiddenFill>
-            </a:ext>
-            <a:ext uri="{91240B29-F687-4F45-9708-019B960494DF}">
-              <a14:hiddenLine xmlns:a14="http://schemas.microsoft.com/office/drawing/2010/main" w="9525">
-                <a:solidFill>
-                  <a:schemeClr val="tx1"/>
-                </a:solidFill>
-                <a:miter lim="800000"/>
-                <a:headEnd/>
-                <a:tailEnd/>
-              </a14:hiddenLine>
-            </a:ext>
-          </a:extLst>
-        </p:spPr>
-      </p:pic>
-      <p:cxnSp>
-        <p:nvCxnSpPr>
-          <p:cNvPr id="59" name="מחבר ישר 58"/>
-          <p:cNvCxnSpPr/>
-          <p:nvPr/>
-        </p:nvCxnSpPr>
-        <p:spPr>
-          <a:xfrm>
-            <a:off x="2587206" y="2292095"/>
-            <a:ext cx="117894" cy="0"/>
-          </a:xfrm>
-          <a:prstGeom prst="line">
-            <a:avLst/>
-          </a:prstGeom>
-          <a:ln>
-            <a:solidFill>
-              <a:schemeClr val="accent2"/>
-            </a:solidFill>
-            <a:tailEnd type="none"/>
-          </a:ln>
-        </p:spPr>
-        <p:style>
-          <a:lnRef idx="3">
-            <a:schemeClr val="accent4"/>
-          </a:lnRef>
-          <a:fillRef idx="0">
-            <a:schemeClr val="accent4"/>
-          </a:fillRef>
-          <a:effectRef idx="2">
-            <a:schemeClr val="accent4"/>
-          </a:effectRef>
-          <a:fontRef idx="minor">
-            <a:schemeClr val="tx1"/>
-          </a:fontRef>
-        </p:style>
-      </p:cxnSp>
-      <p:cxnSp>
-        <p:nvCxnSpPr>
-          <p:cNvPr id="61" name="Straight Arrow Connector 28"/>
-          <p:cNvCxnSpPr/>
-          <p:nvPr/>
-        </p:nvCxnSpPr>
-        <p:spPr>
-          <a:xfrm>
-            <a:off x="4375297" y="4562475"/>
-            <a:ext cx="1187303" cy="0"/>
-          </a:xfrm>
-          <a:prstGeom prst="straightConnector1">
-            <a:avLst/>
-          </a:prstGeom>
-          <a:ln>
-            <a:tailEnd type="arrow"/>
-          </a:ln>
-        </p:spPr>
-        <p:style>
-          <a:lnRef idx="2">
-            <a:schemeClr val="accent2"/>
-          </a:lnRef>
-          <a:fillRef idx="0">
-            <a:schemeClr val="accent2"/>
-          </a:fillRef>
-          <a:effectRef idx="1">
-            <a:schemeClr val="accent2"/>
-          </a:effectRef>
-          <a:fontRef idx="minor">
-            <a:schemeClr val="tx1"/>
-          </a:fontRef>
-        </p:style>
-      </p:cxnSp>
-      <p:sp>
-        <p:nvSpPr>
-          <p:cNvPr id="2" name="Title 1"/>
-          <p:cNvSpPr>
-            <a:spLocks noGrp="1"/>
-          </p:cNvSpPr>
-          <p:nvPr>
-            <p:ph type="title"/>
-          </p:nvPr>
-        </p:nvSpPr>
-        <p:spPr>
-          <a:xfrm>
-            <a:off x="333287" y="99060"/>
-            <a:ext cx="8229600" cy="1143000"/>
-          </a:xfrm>
-        </p:spPr>
-        <p:txBody>
-          <a:bodyPr/>
-          <a:lstStyle/>
-          <a:p>
-            <a:pPr algn="ctr"/>
-            <a:r>
-              <a:rPr lang="en-US" dirty="0" smtClean="0"/>
-              <a:t>Stylization Boosting</a:t>
-            </a:r>
-            <a:endParaRPr lang="en-US" dirty="0"/>
+            <a:endParaRPr lang="en-US" sz="1200" dirty="0"/>
           </a:p>
         </p:txBody>
       </p:sp>
@@ -8026,38 +9727,9 @@
           <a:chExt cx="0" cy="0"/>
         </a:xfrm>
       </p:grpSpPr>
-      <p:sp>
-        <p:nvSpPr>
-          <p:cNvPr id="3" name="Title 2"/>
-          <p:cNvSpPr>
-            <a:spLocks noGrp="1"/>
-          </p:cNvSpPr>
-          <p:nvPr>
-            <p:ph type="title"/>
-          </p:nvPr>
-        </p:nvSpPr>
-        <p:spPr>
-          <a:xfrm>
-            <a:off x="76200" y="228600"/>
-            <a:ext cx="8229600" cy="1143000"/>
-          </a:xfrm>
-        </p:spPr>
-        <p:txBody>
-          <a:bodyPr/>
-          <a:lstStyle/>
-          <a:p>
-            <a:pPr algn="ctr"/>
-            <a:r>
-              <a:rPr lang="en-US" dirty="0" smtClean="0"/>
-              <a:t>Two Style Merging</a:t>
-            </a:r>
-            <a:endParaRPr lang="en-US" dirty="0"/>
-          </a:p>
-        </p:txBody>
-      </p:sp>
       <p:pic>
         <p:nvPicPr>
-          <p:cNvPr id="30725" name="Picture 5" descr="C:\Users\carmi\Documents\universal_style_transfer\ppt\brick.jpg"/>
+          <p:cNvPr id="34" name="Picture 5"/>
           <p:cNvPicPr>
             <a:picLocks noChangeAspect="1" noChangeArrowheads="1"/>
           </p:cNvPicPr>
@@ -8071,19 +9743,25 @@
           </a:stretch>
         </p:blipFill>
         <p:spPr bwMode="auto">
-          <a:xfrm flipH="1">
-            <a:off x="3521718" y="1448671"/>
-            <a:ext cx="2040882" cy="2017558"/>
+          <a:xfrm>
+            <a:off x="5480504" y="3609975"/>
+            <a:ext cx="1072696" cy="1905000"/>
           </a:xfrm>
           <a:prstGeom prst="rect">
             <a:avLst/>
           </a:prstGeom>
           <a:noFill/>
+          <a:ln w="9525">
+            <a:noFill/>
+            <a:miter lim="800000"/>
+            <a:headEnd/>
+            <a:tailEnd/>
+          </a:ln>
         </p:spPr>
       </p:pic>
       <p:pic>
         <p:nvPicPr>
-          <p:cNvPr id="30726" name="Picture 6" descr="C:\Users\carmi\Documents\universal_style_transfer\ppt\face.jpg"/>
+          <p:cNvPr id="13313" name="Picture 1" descr="C:\Users\carmi\Documents\universal_style_transfer\ppt\boost_fig.png"/>
           <p:cNvPicPr>
             <a:picLocks noChangeAspect="1" noChangeArrowheads="1"/>
           </p:cNvPicPr>
@@ -8098,8 +9776,8 @@
         </p:blipFill>
         <p:spPr bwMode="auto">
           <a:xfrm>
-            <a:off x="419100" y="2628900"/>
-            <a:ext cx="2095500" cy="2095500"/>
+            <a:off x="3193758" y="877070"/>
+            <a:ext cx="2445040" cy="3016312"/>
           </a:xfrm>
           <a:prstGeom prst="rect">
             <a:avLst/>
@@ -8109,7 +9787,7 @@
       </p:pic>
       <p:pic>
         <p:nvPicPr>
-          <p:cNvPr id="30727" name="Picture 7" descr="C:\Users\carmi\Documents\universal_style_transfer\ppt\graffiti_sq.jpg"/>
+          <p:cNvPr id="13315" name="Picture 3" descr="C:\Users\carmi\Documents\universal_style_transfer\ppt\boost_in2_st2_05.jpg"/>
           <p:cNvPicPr>
             <a:picLocks noChangeAspect="1" noChangeArrowheads="1"/>
           </p:cNvPicPr>
@@ -8124,8 +9802,8 @@
         </p:blipFill>
         <p:spPr bwMode="auto">
           <a:xfrm>
-            <a:off x="3505200" y="3730487"/>
-            <a:ext cx="2057400" cy="1967948"/>
+            <a:off x="6934198" y="1143000"/>
+            <a:ext cx="2133602" cy="2133602"/>
           </a:xfrm>
           <a:prstGeom prst="rect">
             <a:avLst/>
@@ -8135,7 +9813,7 @@
       </p:pic>
       <p:pic>
         <p:nvPicPr>
-          <p:cNvPr id="30728" name="Picture 8" descr="C:\Users\carmi\Documents\universal_style_transfer\ppt\merge_face_brick_graffiti_4.jpg"/>
+          <p:cNvPr id="13316" name="Picture 4"/>
           <p:cNvPicPr>
             <a:picLocks noChangeAspect="1" noChangeArrowheads="1"/>
           </p:cNvPicPr>
@@ -8150,48 +9828,24 @@
         </p:blipFill>
         <p:spPr bwMode="auto">
           <a:xfrm>
-            <a:off x="6934200" y="304800"/>
-            <a:ext cx="1828800" cy="1828800"/>
+            <a:off x="1759241" y="1676400"/>
+            <a:ext cx="901117" cy="3352800"/>
           </a:xfrm>
           <a:prstGeom prst="rect">
             <a:avLst/>
           </a:prstGeom>
           <a:noFill/>
+          <a:ln w="9525">
+            <a:noFill/>
+            <a:miter lim="800000"/>
+            <a:headEnd/>
+            <a:tailEnd/>
+          </a:ln>
         </p:spPr>
       </p:pic>
-      <p:sp>
-        <p:nvSpPr>
-          <p:cNvPr id="11" name="TextBox 10"/>
-          <p:cNvSpPr txBox="1"/>
-          <p:nvPr/>
-        </p:nvSpPr>
-        <p:spPr>
-          <a:xfrm>
-            <a:off x="7010400" y="2069068"/>
-            <a:ext cx="1691489" cy="369332"/>
-          </a:xfrm>
-          <a:prstGeom prst="rect">
-            <a:avLst/>
-          </a:prstGeom>
-          <a:noFill/>
-        </p:spPr>
-        <p:txBody>
-          <a:bodyPr wrap="none" rtlCol="0">
-            <a:spAutoFit/>
-          </a:bodyPr>
-          <a:lstStyle/>
-          <a:p>
-            <a:r>
-              <a:rPr lang="en-US" b="1" dirty="0" smtClean="0"/>
-              <a:t>Interp. Merge</a:t>
-            </a:r>
-            <a:endParaRPr lang="en-US" b="1" dirty="0"/>
-          </a:p>
-        </p:txBody>
-      </p:sp>
       <p:pic>
         <p:nvPicPr>
-          <p:cNvPr id="30729" name="Picture 9" descr="C:\Users\carmi\Documents\universal_style_transfer\ppt\merge_face_brick_graffiti_3.jpg"/>
+          <p:cNvPr id="13318" name="Picture 6" descr="C:\Users\carmi\Documents\universal_style_transfer\ppt\car_sq.jpg"/>
           <p:cNvPicPr>
             <a:picLocks noChangeAspect="1" noChangeArrowheads="1"/>
           </p:cNvPicPr>
@@ -8206,8 +9860,8 @@
         </p:blipFill>
         <p:spPr bwMode="auto">
           <a:xfrm>
-            <a:off x="6934200" y="2438400"/>
-            <a:ext cx="1828800" cy="1828800"/>
+            <a:off x="152400" y="1295400"/>
+            <a:ext cx="1371600" cy="1371600"/>
           </a:xfrm>
           <a:prstGeom prst="rect">
             <a:avLst/>
@@ -8217,7 +9871,7 @@
       </p:pic>
       <p:pic>
         <p:nvPicPr>
-          <p:cNvPr id="30730" name="Picture 10" descr="C:\Users\carmi\Documents\universal_style_transfer\ppt\merge_face_brick_graffiti_2.jpg"/>
+          <p:cNvPr id="13319" name="Picture 7" descr="C:\Users\carmi\Documents\universal_style_transfer\ppt\st2_sq.jpg"/>
           <p:cNvPicPr>
             <a:picLocks noChangeAspect="1" noChangeArrowheads="1"/>
           </p:cNvPicPr>
@@ -8231,9 +9885,9 @@
           </a:stretch>
         </p:blipFill>
         <p:spPr bwMode="auto">
-          <a:xfrm>
-            <a:off x="6934200" y="4572000"/>
-            <a:ext cx="1860550" cy="1860550"/>
+          <a:xfrm flipH="1">
+            <a:off x="152400" y="3886200"/>
+            <a:ext cx="1371600" cy="1371600"/>
           </a:xfrm>
           <a:prstGeom prst="rect">
             <a:avLst/>
@@ -8241,16 +9895,309 @@
           <a:noFill/>
         </p:spPr>
       </p:pic>
-      <p:sp>
-        <p:nvSpPr>
-          <p:cNvPr id="14" name="TextBox 13"/>
+      <p:cxnSp>
+        <p:nvCxnSpPr>
+          <p:cNvPr id="16" name="Straight Arrow Connector 15"/>
+          <p:cNvCxnSpPr/>
+          <p:nvPr/>
+        </p:nvCxnSpPr>
+        <p:spPr>
+          <a:xfrm>
+            <a:off x="2590800" y="2133601"/>
+            <a:ext cx="602958" cy="0"/>
+          </a:xfrm>
+          <a:prstGeom prst="straightConnector1">
+            <a:avLst/>
+          </a:prstGeom>
+          <a:ln>
+            <a:tailEnd type="arrow"/>
+          </a:ln>
+        </p:spPr>
+        <p:style>
+          <a:lnRef idx="3">
+            <a:schemeClr val="accent4"/>
+          </a:lnRef>
+          <a:fillRef idx="0">
+            <a:schemeClr val="accent4"/>
+          </a:fillRef>
+          <a:effectRef idx="2">
+            <a:schemeClr val="accent4"/>
+          </a:effectRef>
+          <a:fontRef idx="minor">
+            <a:schemeClr val="tx1"/>
+          </a:fontRef>
+        </p:style>
+      </p:cxnSp>
+      <p:cxnSp>
+        <p:nvCxnSpPr>
+          <p:cNvPr id="18" name="Shape 17"/>
+          <p:cNvCxnSpPr/>
+          <p:nvPr/>
+        </p:nvCxnSpPr>
+        <p:spPr>
+          <a:xfrm rot="5400000" flipH="1" flipV="1">
+            <a:off x="1913192" y="3291434"/>
+            <a:ext cx="2186775" cy="374359"/>
+          </a:xfrm>
+          <a:prstGeom prst="bentConnector3">
+            <a:avLst>
+              <a:gd name="adj1" fmla="val 99899"/>
+            </a:avLst>
+          </a:prstGeom>
+          <a:ln>
+            <a:tailEnd type="arrow"/>
+          </a:ln>
+        </p:spPr>
+        <p:style>
+          <a:lnRef idx="3">
+            <a:schemeClr val="accent4"/>
+          </a:lnRef>
+          <a:fillRef idx="0">
+            <a:schemeClr val="accent4"/>
+          </a:fillRef>
+          <a:effectRef idx="2">
+            <a:schemeClr val="accent4"/>
+          </a:effectRef>
+          <a:fontRef idx="minor">
+            <a:schemeClr val="tx1"/>
+          </a:fontRef>
+        </p:style>
+      </p:cxnSp>
+      <p:cxnSp>
+        <p:nvCxnSpPr>
+          <p:cNvPr id="21" name="Elbow Connector 20"/>
+          <p:cNvCxnSpPr/>
+          <p:nvPr/>
+        </p:nvCxnSpPr>
+        <p:spPr>
+          <a:xfrm rot="16200000" flipH="1">
+            <a:off x="2193852" y="2797247"/>
+            <a:ext cx="1981199" cy="958703"/>
+          </a:xfrm>
+          <a:prstGeom prst="bentConnector3">
+            <a:avLst>
+              <a:gd name="adj1" fmla="val 100154"/>
+            </a:avLst>
+          </a:prstGeom>
+          <a:ln>
+            <a:tailEnd type="arrow"/>
+          </a:ln>
+        </p:spPr>
+        <p:style>
+          <a:lnRef idx="2">
+            <a:schemeClr val="accent2"/>
+          </a:lnRef>
+          <a:fillRef idx="0">
+            <a:schemeClr val="accent2"/>
+          </a:fillRef>
+          <a:effectRef idx="1">
+            <a:schemeClr val="accent2"/>
+          </a:effectRef>
+          <a:fontRef idx="minor">
+            <a:schemeClr val="tx1"/>
+          </a:fontRef>
+        </p:style>
+      </p:cxnSp>
+      <p:cxnSp>
+        <p:nvCxnSpPr>
+          <p:cNvPr id="29" name="Straight Arrow Connector 28"/>
+          <p:cNvCxnSpPr/>
+          <p:nvPr/>
+        </p:nvCxnSpPr>
+        <p:spPr>
+          <a:xfrm>
+            <a:off x="2590800" y="4419600"/>
+            <a:ext cx="1073003" cy="0"/>
+          </a:xfrm>
+          <a:prstGeom prst="straightConnector1">
+            <a:avLst/>
+          </a:prstGeom>
+          <a:ln>
+            <a:tailEnd type="arrow"/>
+          </a:ln>
+        </p:spPr>
+        <p:style>
+          <a:lnRef idx="2">
+            <a:schemeClr val="accent2"/>
+          </a:lnRef>
+          <a:fillRef idx="0">
+            <a:schemeClr val="accent2"/>
+          </a:fillRef>
+          <a:effectRef idx="1">
+            <a:schemeClr val="accent2"/>
+          </a:effectRef>
+          <a:fontRef idx="minor">
+            <a:schemeClr val="tx1"/>
+          </a:fontRef>
+        </p:style>
+      </p:cxnSp>
+      <p:pic>
+        <p:nvPicPr>
+          <p:cNvPr id="30" name="Picture 5"/>
+          <p:cNvPicPr>
+            <a:picLocks noChangeAspect="1" noChangeArrowheads="1"/>
+          </p:cNvPicPr>
+          <p:nvPr/>
+        </p:nvPicPr>
+        <p:blipFill>
+          <a:blip r:embed="rId2" cstate="print"/>
+          <a:srcRect/>
+          <a:stretch>
+            <a:fillRect/>
+          </a:stretch>
+        </p:blipFill>
+        <p:spPr bwMode="auto">
+          <a:xfrm>
+            <a:off x="5562600" y="1219200"/>
+            <a:ext cx="1072696" cy="1905000"/>
+          </a:xfrm>
+          <a:prstGeom prst="rect">
+            <a:avLst/>
+          </a:prstGeom>
+          <a:noFill/>
+          <a:ln w="9525">
+            <a:noFill/>
+            <a:miter lim="800000"/>
+            <a:headEnd/>
+            <a:tailEnd/>
+          </a:ln>
+        </p:spPr>
+      </p:pic>
+      <p:cxnSp>
+        <p:nvCxnSpPr>
+          <p:cNvPr id="31" name="Straight Arrow Connector 30"/>
+          <p:cNvCxnSpPr/>
+          <p:nvPr/>
+        </p:nvCxnSpPr>
+        <p:spPr>
+          <a:xfrm>
+            <a:off x="5257800" y="2133600"/>
+            <a:ext cx="381000" cy="0"/>
+          </a:xfrm>
+          <a:prstGeom prst="straightConnector1">
+            <a:avLst/>
+          </a:prstGeom>
+          <a:ln>
+            <a:tailEnd type="arrow"/>
+          </a:ln>
+        </p:spPr>
+        <p:style>
+          <a:lnRef idx="3">
+            <a:schemeClr val="accent4"/>
+          </a:lnRef>
+          <a:fillRef idx="0">
+            <a:schemeClr val="accent4"/>
+          </a:fillRef>
+          <a:effectRef idx="2">
+            <a:schemeClr val="accent4"/>
+          </a:effectRef>
+          <a:fontRef idx="minor">
+            <a:schemeClr val="tx1"/>
+          </a:fontRef>
+        </p:style>
+      </p:cxnSp>
+      <p:cxnSp>
+        <p:nvCxnSpPr>
+          <p:cNvPr id="32" name="Straight Arrow Connector 31"/>
+          <p:cNvCxnSpPr/>
+          <p:nvPr/>
+        </p:nvCxnSpPr>
+        <p:spPr>
+          <a:xfrm>
+            <a:off x="6553200" y="2133600"/>
+            <a:ext cx="381000" cy="0"/>
+          </a:xfrm>
+          <a:prstGeom prst="straightConnector1">
+            <a:avLst/>
+          </a:prstGeom>
+          <a:ln>
+            <a:tailEnd type="arrow"/>
+          </a:ln>
+        </p:spPr>
+        <p:style>
+          <a:lnRef idx="3">
+            <a:schemeClr val="accent4"/>
+          </a:lnRef>
+          <a:fillRef idx="0">
+            <a:schemeClr val="accent4"/>
+          </a:fillRef>
+          <a:effectRef idx="2">
+            <a:schemeClr val="accent4"/>
+          </a:effectRef>
+          <a:fontRef idx="minor">
+            <a:schemeClr val="tx1"/>
+          </a:fontRef>
+        </p:style>
+      </p:cxnSp>
+      <p:cxnSp>
+        <p:nvCxnSpPr>
+          <p:cNvPr id="33" name="Straight Arrow Connector 32"/>
+          <p:cNvCxnSpPr/>
+          <p:nvPr/>
+        </p:nvCxnSpPr>
+        <p:spPr>
+          <a:xfrm>
+            <a:off x="6476998" y="4572001"/>
+            <a:ext cx="457200" cy="0"/>
+          </a:xfrm>
+          <a:prstGeom prst="straightConnector1">
+            <a:avLst/>
+          </a:prstGeom>
+          <a:ln>
+            <a:tailEnd type="arrow"/>
+          </a:ln>
+        </p:spPr>
+        <p:style>
+          <a:lnRef idx="2">
+            <a:schemeClr val="accent2"/>
+          </a:lnRef>
+          <a:fillRef idx="0">
+            <a:schemeClr val="accent2"/>
+          </a:fillRef>
+          <a:effectRef idx="1">
+            <a:schemeClr val="accent2"/>
+          </a:effectRef>
+          <a:fontRef idx="minor">
+            <a:schemeClr val="tx1"/>
+          </a:fontRef>
+        </p:style>
+      </p:cxnSp>
+      <p:pic>
+        <p:nvPicPr>
+          <p:cNvPr id="13320" name="Picture 8" descr="C:\Users\carmi\Documents\universal_style_transfer\Report\Figures\boost\boost_in2_st2_05_no.jpg"/>
+          <p:cNvPicPr>
+            <a:picLocks noChangeAspect="1" noChangeArrowheads="1"/>
+          </p:cNvPicPr>
+          <p:nvPr/>
+        </p:nvPicPr>
+        <p:blipFill>
+          <a:blip r:embed="rId8" cstate="print"/>
+          <a:srcRect/>
+          <a:stretch>
+            <a:fillRect/>
+          </a:stretch>
+        </p:blipFill>
+        <p:spPr bwMode="auto">
+          <a:xfrm>
+            <a:off x="6934200" y="3810000"/>
+            <a:ext cx="2133600" cy="2133600"/>
+          </a:xfrm>
+          <a:prstGeom prst="rect">
+            <a:avLst/>
+          </a:prstGeom>
+          <a:noFill/>
+        </p:spPr>
+      </p:pic>
+      <p:sp>
+        <p:nvSpPr>
+          <p:cNvPr id="52" name="TextBox 51"/>
           <p:cNvSpPr txBox="1"/>
           <p:nvPr/>
         </p:nvSpPr>
         <p:spPr>
           <a:xfrm>
-            <a:off x="7086600" y="4267200"/>
-            <a:ext cx="1519968" cy="369332"/>
+            <a:off x="7756255" y="5943600"/>
+            <a:ext cx="942887" cy="369332"/>
           </a:xfrm>
           <a:prstGeom prst="rect">
             <a:avLst/>
@@ -8264,23 +10211,27 @@
           <a:lstStyle/>
           <a:p>
             <a:r>
-              <a:rPr lang="en-US" b="1" dirty="0" smtClean="0"/>
-              <a:t>Level Merge</a:t>
+              <a:rPr lang="en-US" dirty="0" smtClean="0">
+                <a:latin typeface="Bernard MT Condensed" pitchFamily="18" charset="0"/>
+              </a:rPr>
+              <a:t>No Boost</a:t>
             </a:r>
-            <a:endParaRPr lang="en-US" b="1" dirty="0"/>
-          </a:p>
-        </p:txBody>
-      </p:sp>
-      <p:sp>
-        <p:nvSpPr>
-          <p:cNvPr id="15" name="TextBox 14"/>
+            <a:endParaRPr lang="en-US" dirty="0">
+              <a:latin typeface="Bernard MT Condensed" pitchFamily="18" charset="0"/>
+            </a:endParaRPr>
+          </a:p>
+        </p:txBody>
+      </p:sp>
+      <p:sp>
+        <p:nvSpPr>
+          <p:cNvPr id="53" name="TextBox 52"/>
           <p:cNvSpPr txBox="1"/>
           <p:nvPr/>
         </p:nvSpPr>
         <p:spPr>
           <a:xfrm>
-            <a:off x="6977049" y="6477000"/>
-            <a:ext cx="1938351" cy="369332"/>
+            <a:off x="7756255" y="3240643"/>
+            <a:ext cx="670376" cy="369332"/>
           </a:xfrm>
           <a:prstGeom prst="rect">
             <a:avLst/>
@@ -8294,10 +10245,265 @@
           <a:lstStyle/>
           <a:p>
             <a:r>
-              <a:rPr lang="en-US" b="1" dirty="0" smtClean="0"/>
-              <a:t>Channel Merge</a:t>
+              <a:rPr lang="en-US" dirty="0" smtClean="0">
+                <a:latin typeface="Bernard MT Condensed" pitchFamily="18" charset="0"/>
+              </a:rPr>
+              <a:t>Boost</a:t>
             </a:r>
-            <a:endParaRPr lang="en-US" b="1" dirty="0"/>
+            <a:endParaRPr lang="en-US" dirty="0">
+              <a:latin typeface="Bernard MT Condensed" pitchFamily="18" charset="0"/>
+            </a:endParaRPr>
+          </a:p>
+        </p:txBody>
+      </p:sp>
+      <p:cxnSp>
+        <p:nvCxnSpPr>
+          <p:cNvPr id="74" name="Straight Arrow Connector 73"/>
+          <p:cNvCxnSpPr/>
+          <p:nvPr/>
+        </p:nvCxnSpPr>
+        <p:spPr>
+          <a:xfrm>
+            <a:off x="1488257" y="4495800"/>
+            <a:ext cx="381000" cy="0"/>
+          </a:xfrm>
+          <a:prstGeom prst="straightConnector1">
+            <a:avLst/>
+          </a:prstGeom>
+          <a:ln>
+            <a:tailEnd type="arrow"/>
+          </a:ln>
+        </p:spPr>
+        <p:style>
+          <a:lnRef idx="3">
+            <a:schemeClr val="dk1"/>
+          </a:lnRef>
+          <a:fillRef idx="0">
+            <a:schemeClr val="dk1"/>
+          </a:fillRef>
+          <a:effectRef idx="2">
+            <a:schemeClr val="dk1"/>
+          </a:effectRef>
+          <a:fontRef idx="minor">
+            <a:schemeClr val="tx1"/>
+          </a:fontRef>
+        </p:style>
+      </p:cxnSp>
+      <p:cxnSp>
+        <p:nvCxnSpPr>
+          <p:cNvPr id="75" name="Straight Arrow Connector 74"/>
+          <p:cNvCxnSpPr/>
+          <p:nvPr/>
+        </p:nvCxnSpPr>
+        <p:spPr>
+          <a:xfrm>
+            <a:off x="1524000" y="2209800"/>
+            <a:ext cx="381000" cy="0"/>
+          </a:xfrm>
+          <a:prstGeom prst="straightConnector1">
+            <a:avLst/>
+          </a:prstGeom>
+          <a:ln>
+            <a:tailEnd type="arrow"/>
+          </a:ln>
+        </p:spPr>
+        <p:style>
+          <a:lnRef idx="3">
+            <a:schemeClr val="dk1"/>
+          </a:lnRef>
+          <a:fillRef idx="0">
+            <a:schemeClr val="dk1"/>
+          </a:fillRef>
+          <a:effectRef idx="2">
+            <a:schemeClr val="dk1"/>
+          </a:effectRef>
+          <a:fontRef idx="minor">
+            <a:schemeClr val="tx1"/>
+          </a:fontRef>
+        </p:style>
+      </p:cxnSp>
+      <p:cxnSp>
+        <p:nvCxnSpPr>
+          <p:cNvPr id="23" name="מחבר ישר 22"/>
+          <p:cNvCxnSpPr/>
+          <p:nvPr/>
+        </p:nvCxnSpPr>
+        <p:spPr>
+          <a:xfrm>
+            <a:off x="2590800" y="4572001"/>
+            <a:ext cx="228600" cy="0"/>
+          </a:xfrm>
+          <a:prstGeom prst="line">
+            <a:avLst/>
+          </a:prstGeom>
+          <a:ln>
+            <a:tailEnd type="none"/>
+          </a:ln>
+        </p:spPr>
+        <p:style>
+          <a:lnRef idx="3">
+            <a:schemeClr val="accent4"/>
+          </a:lnRef>
+          <a:fillRef idx="0">
+            <a:schemeClr val="accent4"/>
+          </a:fillRef>
+          <a:effectRef idx="2">
+            <a:schemeClr val="accent4"/>
+          </a:effectRef>
+          <a:fontRef idx="minor">
+            <a:schemeClr val="tx1"/>
+          </a:fontRef>
+        </p:style>
+      </p:cxnSp>
+      <p:pic>
+        <p:nvPicPr>
+          <p:cNvPr id="1026" name="Picture 2"/>
+          <p:cNvPicPr>
+            <a:picLocks noChangeAspect="1" noChangeArrowheads="1"/>
+          </p:cNvPicPr>
+          <p:nvPr/>
+        </p:nvPicPr>
+        <p:blipFill>
+          <a:blip r:embed="rId9" cstate="print">
+            <a:extLst>
+              <a:ext uri="{28A0092B-C50C-407E-A947-70E740481C1C}">
+                <a14:useLocalDpi xmlns:a14="http://schemas.microsoft.com/office/drawing/2010/main" xmlns="" val="0"/>
+              </a:ext>
+            </a:extLst>
+          </a:blip>
+          <a:srcRect/>
+          <a:stretch>
+            <a:fillRect/>
+          </a:stretch>
+        </p:blipFill>
+        <p:spPr bwMode="auto">
+          <a:xfrm>
+            <a:off x="3663803" y="4162425"/>
+            <a:ext cx="752475" cy="666750"/>
+          </a:xfrm>
+          <a:prstGeom prst="rect">
+            <a:avLst/>
+          </a:prstGeom>
+          <a:noFill/>
+          <a:ln>
+            <a:noFill/>
+          </a:ln>
+          <a:extLst>
+            <a:ext uri="{909E8E84-426E-40DD-AFC4-6F175D3DCCD1}">
+              <a14:hiddenFill xmlns:a14="http://schemas.microsoft.com/office/drawing/2010/main" xmlns="">
+                <a:solidFill>
+                  <a:schemeClr val="accent1"/>
+                </a:solidFill>
+              </a14:hiddenFill>
+            </a:ext>
+            <a:ext uri="{91240B29-F687-4F45-9708-019B960494DF}">
+              <a14:hiddenLine xmlns:a14="http://schemas.microsoft.com/office/drawing/2010/main" xmlns="" w="9525">
+                <a:solidFill>
+                  <a:schemeClr val="tx1"/>
+                </a:solidFill>
+                <a:miter lim="800000"/>
+                <a:headEnd/>
+                <a:tailEnd/>
+              </a14:hiddenLine>
+            </a:ext>
+          </a:extLst>
+        </p:spPr>
+      </p:pic>
+      <p:cxnSp>
+        <p:nvCxnSpPr>
+          <p:cNvPr id="59" name="מחבר ישר 58"/>
+          <p:cNvCxnSpPr/>
+          <p:nvPr/>
+        </p:nvCxnSpPr>
+        <p:spPr>
+          <a:xfrm>
+            <a:off x="2587206" y="2292095"/>
+            <a:ext cx="117894" cy="0"/>
+          </a:xfrm>
+          <a:prstGeom prst="line">
+            <a:avLst/>
+          </a:prstGeom>
+          <a:ln>
+            <a:solidFill>
+              <a:schemeClr val="accent2"/>
+            </a:solidFill>
+            <a:tailEnd type="none"/>
+          </a:ln>
+        </p:spPr>
+        <p:style>
+          <a:lnRef idx="3">
+            <a:schemeClr val="accent4"/>
+          </a:lnRef>
+          <a:fillRef idx="0">
+            <a:schemeClr val="accent4"/>
+          </a:fillRef>
+          <a:effectRef idx="2">
+            <a:schemeClr val="accent4"/>
+          </a:effectRef>
+          <a:fontRef idx="minor">
+            <a:schemeClr val="tx1"/>
+          </a:fontRef>
+        </p:style>
+      </p:cxnSp>
+      <p:cxnSp>
+        <p:nvCxnSpPr>
+          <p:cNvPr id="61" name="Straight Arrow Connector 28"/>
+          <p:cNvCxnSpPr/>
+          <p:nvPr/>
+        </p:nvCxnSpPr>
+        <p:spPr>
+          <a:xfrm>
+            <a:off x="4375297" y="4562475"/>
+            <a:ext cx="1187303" cy="0"/>
+          </a:xfrm>
+          <a:prstGeom prst="straightConnector1">
+            <a:avLst/>
+          </a:prstGeom>
+          <a:ln>
+            <a:tailEnd type="arrow"/>
+          </a:ln>
+        </p:spPr>
+        <p:style>
+          <a:lnRef idx="2">
+            <a:schemeClr val="accent2"/>
+          </a:lnRef>
+          <a:fillRef idx="0">
+            <a:schemeClr val="accent2"/>
+          </a:fillRef>
+          <a:effectRef idx="1">
+            <a:schemeClr val="accent2"/>
+          </a:effectRef>
+          <a:fontRef idx="minor">
+            <a:schemeClr val="tx1"/>
+          </a:fontRef>
+        </p:style>
+      </p:cxnSp>
+      <p:sp>
+        <p:nvSpPr>
+          <p:cNvPr id="2" name="Title 1"/>
+          <p:cNvSpPr>
+            <a:spLocks noGrp="1"/>
+          </p:cNvSpPr>
+          <p:nvPr>
+            <p:ph type="title"/>
+          </p:nvPr>
+        </p:nvSpPr>
+        <p:spPr>
+          <a:xfrm>
+            <a:off x="333287" y="99060"/>
+            <a:ext cx="8229600" cy="1143000"/>
+          </a:xfrm>
+        </p:spPr>
+        <p:txBody>
+          <a:bodyPr/>
+          <a:lstStyle/>
+          <a:p>
+            <a:pPr algn="ctr"/>
+            <a:r>
+              <a:rPr lang="en-US" dirty="0" smtClean="0"/>
+              <a:t>Stylization Boosting</a:t>
+            </a:r>
+            <a:endParaRPr lang="en-US" dirty="0"/>
           </a:p>
         </p:txBody>
       </p:sp>
@@ -8333,6 +10539,313 @@
           <a:chExt cx="0" cy="0"/>
         </a:xfrm>
       </p:grpSpPr>
+      <p:sp>
+        <p:nvSpPr>
+          <p:cNvPr id="3" name="Title 2"/>
+          <p:cNvSpPr>
+            <a:spLocks noGrp="1"/>
+          </p:cNvSpPr>
+          <p:nvPr>
+            <p:ph type="title"/>
+          </p:nvPr>
+        </p:nvSpPr>
+        <p:spPr>
+          <a:xfrm>
+            <a:off x="76200" y="228600"/>
+            <a:ext cx="8229600" cy="1143000"/>
+          </a:xfrm>
+        </p:spPr>
+        <p:txBody>
+          <a:bodyPr/>
+          <a:lstStyle/>
+          <a:p>
+            <a:pPr algn="ctr"/>
+            <a:r>
+              <a:rPr lang="en-US" dirty="0" smtClean="0"/>
+              <a:t>Two Style Merging</a:t>
+            </a:r>
+            <a:endParaRPr lang="en-US" dirty="0"/>
+          </a:p>
+        </p:txBody>
+      </p:sp>
+      <p:pic>
+        <p:nvPicPr>
+          <p:cNvPr id="30725" name="Picture 5" descr="C:\Users\carmi\Documents\universal_style_transfer\ppt\brick.jpg"/>
+          <p:cNvPicPr>
+            <a:picLocks noChangeAspect="1" noChangeArrowheads="1"/>
+          </p:cNvPicPr>
+          <p:nvPr/>
+        </p:nvPicPr>
+        <p:blipFill>
+          <a:blip r:embed="rId2" cstate="print"/>
+          <a:srcRect/>
+          <a:stretch>
+            <a:fillRect/>
+          </a:stretch>
+        </p:blipFill>
+        <p:spPr bwMode="auto">
+          <a:xfrm flipH="1">
+            <a:off x="3521718" y="1448671"/>
+            <a:ext cx="2040882" cy="2017558"/>
+          </a:xfrm>
+          <a:prstGeom prst="rect">
+            <a:avLst/>
+          </a:prstGeom>
+          <a:noFill/>
+        </p:spPr>
+      </p:pic>
+      <p:pic>
+        <p:nvPicPr>
+          <p:cNvPr id="30726" name="Picture 6" descr="C:\Users\carmi\Documents\universal_style_transfer\ppt\face.jpg"/>
+          <p:cNvPicPr>
+            <a:picLocks noChangeAspect="1" noChangeArrowheads="1"/>
+          </p:cNvPicPr>
+          <p:nvPr/>
+        </p:nvPicPr>
+        <p:blipFill>
+          <a:blip r:embed="rId3" cstate="print"/>
+          <a:srcRect/>
+          <a:stretch>
+            <a:fillRect/>
+          </a:stretch>
+        </p:blipFill>
+        <p:spPr bwMode="auto">
+          <a:xfrm>
+            <a:off x="419100" y="2628900"/>
+            <a:ext cx="2095500" cy="2095500"/>
+          </a:xfrm>
+          <a:prstGeom prst="rect">
+            <a:avLst/>
+          </a:prstGeom>
+          <a:noFill/>
+        </p:spPr>
+      </p:pic>
+      <p:pic>
+        <p:nvPicPr>
+          <p:cNvPr id="30727" name="Picture 7" descr="C:\Users\carmi\Documents\universal_style_transfer\ppt\graffiti_sq.jpg"/>
+          <p:cNvPicPr>
+            <a:picLocks noChangeAspect="1" noChangeArrowheads="1"/>
+          </p:cNvPicPr>
+          <p:nvPr/>
+        </p:nvPicPr>
+        <p:blipFill>
+          <a:blip r:embed="rId4" cstate="print"/>
+          <a:srcRect/>
+          <a:stretch>
+            <a:fillRect/>
+          </a:stretch>
+        </p:blipFill>
+        <p:spPr bwMode="auto">
+          <a:xfrm>
+            <a:off x="3505200" y="3730487"/>
+            <a:ext cx="2057400" cy="1967948"/>
+          </a:xfrm>
+          <a:prstGeom prst="rect">
+            <a:avLst/>
+          </a:prstGeom>
+          <a:noFill/>
+        </p:spPr>
+      </p:pic>
+      <p:pic>
+        <p:nvPicPr>
+          <p:cNvPr id="30728" name="Picture 8" descr="C:\Users\carmi\Documents\universal_style_transfer\ppt\merge_face_brick_graffiti_4.jpg"/>
+          <p:cNvPicPr>
+            <a:picLocks noChangeAspect="1" noChangeArrowheads="1"/>
+          </p:cNvPicPr>
+          <p:nvPr/>
+        </p:nvPicPr>
+        <p:blipFill>
+          <a:blip r:embed="rId5" cstate="print"/>
+          <a:srcRect/>
+          <a:stretch>
+            <a:fillRect/>
+          </a:stretch>
+        </p:blipFill>
+        <p:spPr bwMode="auto">
+          <a:xfrm>
+            <a:off x="6934200" y="304800"/>
+            <a:ext cx="1828800" cy="1828800"/>
+          </a:xfrm>
+          <a:prstGeom prst="rect">
+            <a:avLst/>
+          </a:prstGeom>
+          <a:noFill/>
+        </p:spPr>
+      </p:pic>
+      <p:sp>
+        <p:nvSpPr>
+          <p:cNvPr id="11" name="TextBox 10"/>
+          <p:cNvSpPr txBox="1"/>
+          <p:nvPr/>
+        </p:nvSpPr>
+        <p:spPr>
+          <a:xfrm>
+            <a:off x="7010400" y="2069068"/>
+            <a:ext cx="1691489" cy="369332"/>
+          </a:xfrm>
+          <a:prstGeom prst="rect">
+            <a:avLst/>
+          </a:prstGeom>
+          <a:noFill/>
+        </p:spPr>
+        <p:txBody>
+          <a:bodyPr wrap="none" rtlCol="0">
+            <a:spAutoFit/>
+          </a:bodyPr>
+          <a:lstStyle/>
+          <a:p>
+            <a:r>
+              <a:rPr lang="en-US" b="1" dirty="0" smtClean="0"/>
+              <a:t>Interp. Merge</a:t>
+            </a:r>
+            <a:endParaRPr lang="en-US" b="1" dirty="0"/>
+          </a:p>
+        </p:txBody>
+      </p:sp>
+      <p:pic>
+        <p:nvPicPr>
+          <p:cNvPr id="30729" name="Picture 9" descr="C:\Users\carmi\Documents\universal_style_transfer\ppt\merge_face_brick_graffiti_3.jpg"/>
+          <p:cNvPicPr>
+            <a:picLocks noChangeAspect="1" noChangeArrowheads="1"/>
+          </p:cNvPicPr>
+          <p:nvPr/>
+        </p:nvPicPr>
+        <p:blipFill>
+          <a:blip r:embed="rId6" cstate="print"/>
+          <a:srcRect/>
+          <a:stretch>
+            <a:fillRect/>
+          </a:stretch>
+        </p:blipFill>
+        <p:spPr bwMode="auto">
+          <a:xfrm>
+            <a:off x="6934200" y="2438400"/>
+            <a:ext cx="1828800" cy="1828800"/>
+          </a:xfrm>
+          <a:prstGeom prst="rect">
+            <a:avLst/>
+          </a:prstGeom>
+          <a:noFill/>
+        </p:spPr>
+      </p:pic>
+      <p:pic>
+        <p:nvPicPr>
+          <p:cNvPr id="30730" name="Picture 10" descr="C:\Users\carmi\Documents\universal_style_transfer\ppt\merge_face_brick_graffiti_2.jpg"/>
+          <p:cNvPicPr>
+            <a:picLocks noChangeAspect="1" noChangeArrowheads="1"/>
+          </p:cNvPicPr>
+          <p:nvPr/>
+        </p:nvPicPr>
+        <p:blipFill>
+          <a:blip r:embed="rId7" cstate="print"/>
+          <a:srcRect/>
+          <a:stretch>
+            <a:fillRect/>
+          </a:stretch>
+        </p:blipFill>
+        <p:spPr bwMode="auto">
+          <a:xfrm>
+            <a:off x="6934200" y="4572000"/>
+            <a:ext cx="1860550" cy="1860550"/>
+          </a:xfrm>
+          <a:prstGeom prst="rect">
+            <a:avLst/>
+          </a:prstGeom>
+          <a:noFill/>
+        </p:spPr>
+      </p:pic>
+      <p:sp>
+        <p:nvSpPr>
+          <p:cNvPr id="14" name="TextBox 13"/>
+          <p:cNvSpPr txBox="1"/>
+          <p:nvPr/>
+        </p:nvSpPr>
+        <p:spPr>
+          <a:xfrm>
+            <a:off x="7086600" y="4267200"/>
+            <a:ext cx="1519968" cy="369332"/>
+          </a:xfrm>
+          <a:prstGeom prst="rect">
+            <a:avLst/>
+          </a:prstGeom>
+          <a:noFill/>
+        </p:spPr>
+        <p:txBody>
+          <a:bodyPr wrap="none" rtlCol="0">
+            <a:spAutoFit/>
+          </a:bodyPr>
+          <a:lstStyle/>
+          <a:p>
+            <a:r>
+              <a:rPr lang="en-US" b="1" dirty="0" smtClean="0"/>
+              <a:t>Level Merge</a:t>
+            </a:r>
+            <a:endParaRPr lang="en-US" b="1" dirty="0"/>
+          </a:p>
+        </p:txBody>
+      </p:sp>
+      <p:sp>
+        <p:nvSpPr>
+          <p:cNvPr id="15" name="TextBox 14"/>
+          <p:cNvSpPr txBox="1"/>
+          <p:nvPr/>
+        </p:nvSpPr>
+        <p:spPr>
+          <a:xfrm>
+            <a:off x="6977049" y="6477000"/>
+            <a:ext cx="1938351" cy="369332"/>
+          </a:xfrm>
+          <a:prstGeom prst="rect">
+            <a:avLst/>
+          </a:prstGeom>
+          <a:noFill/>
+        </p:spPr>
+        <p:txBody>
+          <a:bodyPr wrap="none" rtlCol="0">
+            <a:spAutoFit/>
+          </a:bodyPr>
+          <a:lstStyle/>
+          <a:p>
+            <a:r>
+              <a:rPr lang="en-US" b="1" dirty="0" smtClean="0"/>
+              <a:t>Channel Merge</a:t>
+            </a:r>
+            <a:endParaRPr lang="en-US" b="1" dirty="0"/>
+          </a:p>
+        </p:txBody>
+      </p:sp>
+    </p:spTree>
+  </p:cSld>
+  <p:clrMapOvr>
+    <a:masterClrMapping/>
+  </p:clrMapOvr>
+  <p:timing>
+    <p:tnLst>
+      <p:par>
+        <p:cTn id="1" dur="indefinite" restart="never" nodeType="tmRoot"/>
+      </p:par>
+    </p:tnLst>
+  </p:timing>
+</p:sld>
+</file>
+
+<file path=ppt/slides/slide9.xml><?xml version="1.0" encoding="utf-8"?>
+<p:sld xmlns:a="http://schemas.openxmlformats.org/drawingml/2006/main" xmlns:r="http://schemas.openxmlformats.org/officeDocument/2006/relationships" xmlns:p="http://schemas.openxmlformats.org/presentationml/2006/main">
+  <p:cSld>
+    <p:spTree>
+      <p:nvGrpSpPr>
+        <p:cNvPr id="1" name=""/>
+        <p:cNvGrpSpPr/>
+        <p:nvPr/>
+      </p:nvGrpSpPr>
+      <p:grpSpPr>
+        <a:xfrm>
+          <a:off x="0" y="0"/>
+          <a:ext cx="0" cy="0"/>
+          <a:chOff x="0" y="0"/>
+          <a:chExt cx="0" cy="0"/>
+        </a:xfrm>
+      </p:grpSpPr>
       <p:pic>
         <p:nvPicPr>
           <p:cNvPr id="13" name="Picture 7"/>
@@ -9467,8 +11980,8 @@
           </a:p>
         </p:txBody>
       </p:sp>
-      <mc:AlternateContent xmlns:mc="http://schemas.openxmlformats.org/markup-compatibility/2006" xmlns:a14="http://schemas.microsoft.com/office/drawing/2010/main">
-        <mc:Choice Requires="a14">
+      <mc:AlternateContent xmlns:mc="http://schemas.openxmlformats.org/markup-compatibility/2006">
+        <mc:Choice xmlns:a14="http://schemas.microsoft.com/office/drawing/2010/main" xmlns="" Requires="a14">
           <p:sp>
             <p:nvSpPr>
               <p:cNvPr id="24" name="TextBox 23"/>
@@ -9556,7 +12069,7 @@
             </p:txBody>
           </p:sp>
         </mc:Choice>
-        <mc:Fallback xmlns="">
+        <mc:Fallback>
           <p:sp>
             <p:nvSpPr>
               <p:cNvPr id="24" name="TextBox 23"/>
@@ -9574,7 +12087,7 @@
                 <a:avLst/>
               </a:prstGeom>
               <a:blipFill rotWithShape="1">
-                <a:blip r:embed="rId14"/>
+                <a:blip r:embed="rId14" cstate="print"/>
                 <a:stretch>
                   <a:fillRect b="-7813"/>
                 </a:stretch>
@@ -9595,8 +12108,8 @@
           </p:sp>
         </mc:Fallback>
       </mc:AlternateContent>
-      <mc:AlternateContent xmlns:mc="http://schemas.openxmlformats.org/markup-compatibility/2006" xmlns:a14="http://schemas.microsoft.com/office/drawing/2010/main">
-        <mc:Choice Requires="a14">
+      <mc:AlternateContent xmlns:mc="http://schemas.openxmlformats.org/markup-compatibility/2006">
+        <mc:Choice xmlns:a14="http://schemas.microsoft.com/office/drawing/2010/main" xmlns="" Requires="a14">
           <p:sp>
             <p:nvSpPr>
               <p:cNvPr id="40" name="TextBox 39"/>
@@ -9684,7 +12197,7 @@
             </p:txBody>
           </p:sp>
         </mc:Choice>
-        <mc:Fallback xmlns="">
+        <mc:Fallback>
           <p:sp>
             <p:nvSpPr>
               <p:cNvPr id="40" name="TextBox 39"/>
@@ -9702,7 +12215,7 @@
                 <a:avLst/>
               </a:prstGeom>
               <a:blipFill rotWithShape="1">
-                <a:blip r:embed="rId15"/>
+                <a:blip r:embed="rId15" cstate="print"/>
                 <a:stretch>
                   <a:fillRect b="-6154"/>
                 </a:stretch>
@@ -9723,8 +12236,8 @@
           </p:sp>
         </mc:Fallback>
       </mc:AlternateContent>
-      <mc:AlternateContent xmlns:mc="http://schemas.openxmlformats.org/markup-compatibility/2006" xmlns:a14="http://schemas.microsoft.com/office/drawing/2010/main">
-        <mc:Choice Requires="a14">
+      <mc:AlternateContent xmlns:mc="http://schemas.openxmlformats.org/markup-compatibility/2006">
+        <mc:Choice xmlns:a14="http://schemas.microsoft.com/office/drawing/2010/main" xmlns="" Requires="a14">
           <p:sp>
             <p:nvSpPr>
               <p:cNvPr id="41" name="TextBox 40"/>
@@ -9806,7 +12319,7 @@
             </p:txBody>
           </p:sp>
         </mc:Choice>
-        <mc:Fallback xmlns="">
+        <mc:Fallback>
           <p:sp>
             <p:nvSpPr>
               <p:cNvPr id="41" name="TextBox 40"/>
@@ -9824,7 +12337,7 @@
                 <a:avLst/>
               </a:prstGeom>
               <a:blipFill rotWithShape="1">
-                <a:blip r:embed="rId17"/>
+                <a:blip r:embed="rId16" cstate="print"/>
                 <a:stretch>
                   <a:fillRect b="-7813"/>
                 </a:stretch>
@@ -9845,8 +12358,8 @@
           </p:sp>
         </mc:Fallback>
       </mc:AlternateContent>
-      <mc:AlternateContent xmlns:mc="http://schemas.openxmlformats.org/markup-compatibility/2006" xmlns:a14="http://schemas.microsoft.com/office/drawing/2010/main">
-        <mc:Choice Requires="a14">
+      <mc:AlternateContent xmlns:mc="http://schemas.openxmlformats.org/markup-compatibility/2006">
+        <mc:Choice xmlns:a14="http://schemas.microsoft.com/office/drawing/2010/main" xmlns="" Requires="a14">
           <p:sp>
             <p:nvSpPr>
               <p:cNvPr id="44" name="TextBox 43"/>
@@ -9928,7 +12441,7 @@
             </p:txBody>
           </p:sp>
         </mc:Choice>
-        <mc:Fallback xmlns="">
+        <mc:Fallback>
           <p:sp>
             <p:nvSpPr>
               <p:cNvPr id="44" name="TextBox 43"/>
@@ -9946,7 +12459,7 @@
                 <a:avLst/>
               </a:prstGeom>
               <a:blipFill rotWithShape="1">
-                <a:blip r:embed="rId18"/>
+                <a:blip r:embed="rId17" cstate="print"/>
                 <a:stretch>
                   <a:fillRect b="-7813"/>
                 </a:stretch>
@@ -9967,8 +12480,8 @@
           </p:sp>
         </mc:Fallback>
       </mc:AlternateContent>
-      <mc:AlternateContent xmlns:mc="http://schemas.openxmlformats.org/markup-compatibility/2006" xmlns:a14="http://schemas.microsoft.com/office/drawing/2010/main">
-        <mc:Choice Requires="a14">
+      <mc:AlternateContent xmlns:mc="http://schemas.openxmlformats.org/markup-compatibility/2006">
+        <mc:Choice xmlns:a14="http://schemas.microsoft.com/office/drawing/2010/main" xmlns="" Requires="a14">
           <p:sp>
             <p:nvSpPr>
               <p:cNvPr id="46" name="TextBox 45"/>
@@ -10031,7 +12544,7 @@
             </p:txBody>
           </p:sp>
         </mc:Choice>
-        <mc:Fallback xmlns="">
+        <mc:Fallback>
           <p:sp>
             <p:nvSpPr>
               <p:cNvPr id="46" name="TextBox 45"/>
@@ -10049,7 +12562,7 @@
                 <a:avLst/>
               </a:prstGeom>
               <a:blipFill rotWithShape="1">
-                <a:blip r:embed="rId19"/>
+                <a:blip r:embed="rId18" cstate="print"/>
                 <a:stretch>
                   <a:fillRect b="-10000"/>
                 </a:stretch>
@@ -10070,8 +12583,8 @@
           </p:sp>
         </mc:Fallback>
       </mc:AlternateContent>
-      <mc:AlternateContent xmlns:mc="http://schemas.openxmlformats.org/markup-compatibility/2006" xmlns:a14="http://schemas.microsoft.com/office/drawing/2010/main">
-        <mc:Choice Requires="a14">
+      <mc:AlternateContent xmlns:mc="http://schemas.openxmlformats.org/markup-compatibility/2006">
+        <mc:Choice xmlns:a14="http://schemas.microsoft.com/office/drawing/2010/main" xmlns="" Requires="a14">
           <p:sp>
             <p:nvSpPr>
               <p:cNvPr id="6" name="TextBox 5"/>
@@ -10256,7 +12769,7 @@
             </p:txBody>
           </p:sp>
         </mc:Choice>
-        <mc:Fallback xmlns="">
+        <mc:Fallback>
           <p:sp>
             <p:nvSpPr>
               <p:cNvPr id="6" name="TextBox 5"/>
@@ -10274,7 +12787,7 @@
                 <a:avLst/>
               </a:prstGeom>
               <a:blipFill rotWithShape="1">
-                <a:blip r:embed="rId20"/>
+                <a:blip r:embed="rId19" cstate="print"/>
                 <a:stretch>
                   <a:fillRect/>
                 </a:stretch>
@@ -10296,1681 +12809,6 @@
         </mc:Fallback>
       </mc:AlternateContent>
     </p:spTree>
-  </p:cSld>
-  <p:clrMapOvr>
-    <a:masterClrMapping/>
-  </p:clrMapOvr>
-  <p:timing>
-    <p:tnLst>
-      <p:par>
-        <p:cTn id="1" dur="indefinite" restart="never" nodeType="tmRoot"/>
-      </p:par>
-    </p:tnLst>
-  </p:timing>
-</p:sld>
-</file>
-
-<file path=ppt/slides/slide9.xml><?xml version="1.0" encoding="utf-8"?>
-<p:sld xmlns:a="http://schemas.openxmlformats.org/drawingml/2006/main" xmlns:r="http://schemas.openxmlformats.org/officeDocument/2006/relationships" xmlns:p="http://schemas.openxmlformats.org/presentationml/2006/main">
-  <p:cSld>
-    <p:spTree>
-      <p:nvGrpSpPr>
-        <p:cNvPr id="1" name=""/>
-        <p:cNvGrpSpPr/>
-        <p:nvPr/>
-      </p:nvGrpSpPr>
-      <p:grpSpPr>
-        <a:xfrm>
-          <a:off x="0" y="0"/>
-          <a:ext cx="0" cy="0"/>
-          <a:chOff x="0" y="0"/>
-          <a:chExt cx="0" cy="0"/>
-        </a:xfrm>
-      </p:grpSpPr>
-      <p:pic>
-        <p:nvPicPr>
-          <p:cNvPr id="13" name="Picture 7"/>
-          <p:cNvPicPr>
-            <a:picLocks noChangeAspect="1" noChangeArrowheads="1"/>
-          </p:cNvPicPr>
-          <p:nvPr/>
-        </p:nvPicPr>
-        <p:blipFill>
-          <a:blip r:embed="rId2" cstate="print"/>
-          <a:srcRect/>
-          <a:stretch>
-            <a:fillRect/>
-          </a:stretch>
-        </p:blipFill>
-        <p:spPr bwMode="auto">
-          <a:xfrm>
-            <a:off x="1600200" y="4572000"/>
-            <a:ext cx="1256326" cy="1676400"/>
-          </a:xfrm>
-          <a:prstGeom prst="rect">
-            <a:avLst/>
-          </a:prstGeom>
-          <a:noFill/>
-          <a:ln w="9525">
-            <a:noFill/>
-            <a:miter lim="800000"/>
-            <a:headEnd/>
-            <a:tailEnd/>
-          </a:ln>
-        </p:spPr>
-      </p:pic>
-      <p:sp>
-        <p:nvSpPr>
-          <p:cNvPr id="3" name="Title 2"/>
-          <p:cNvSpPr>
-            <a:spLocks noGrp="1"/>
-          </p:cNvSpPr>
-          <p:nvPr>
-            <p:ph type="title"/>
-          </p:nvPr>
-        </p:nvSpPr>
-        <p:spPr/>
-        <p:txBody>
-          <a:bodyPr/>
-          <a:lstStyle/>
-          <a:p>
-            <a:r>
-              <a:rPr lang="en-US" dirty="0"/>
-              <a:t>Channel Merge</a:t>
-            </a:r>
-          </a:p>
-        </p:txBody>
-      </p:sp>
-      <p:cxnSp>
-        <p:nvCxnSpPr>
-          <p:cNvPr id="14" name="Straight Arrow Connector 13"/>
-          <p:cNvCxnSpPr/>
-          <p:nvPr/>
-        </p:nvCxnSpPr>
-        <p:spPr>
-          <a:xfrm>
-            <a:off x="1371600" y="5334000"/>
-            <a:ext cx="381000" cy="0"/>
-          </a:xfrm>
-          <a:prstGeom prst="straightConnector1">
-            <a:avLst/>
-          </a:prstGeom>
-          <a:ln>
-            <a:tailEnd type="arrow"/>
-          </a:ln>
-        </p:spPr>
-        <p:style>
-          <a:lnRef idx="3">
-            <a:schemeClr val="dk1"/>
-          </a:lnRef>
-          <a:fillRef idx="0">
-            <a:schemeClr val="dk1"/>
-          </a:fillRef>
-          <a:effectRef idx="2">
-            <a:schemeClr val="dk1"/>
-          </a:effectRef>
-          <a:fontRef idx="minor">
-            <a:schemeClr val="tx1"/>
-          </a:fontRef>
-        </p:style>
-      </p:cxnSp>
-      <p:pic>
-        <p:nvPicPr>
-          <p:cNvPr id="4" name="Picture 4" descr="C:\Users\carmi\Documents\universal_style_transfer\Report\Figures\starry_sq.jpg"/>
-          <p:cNvPicPr>
-            <a:picLocks noChangeAspect="1" noChangeArrowheads="1"/>
-          </p:cNvPicPr>
-          <p:nvPr/>
-        </p:nvPicPr>
-        <p:blipFill>
-          <a:blip r:embed="rId3" cstate="print"/>
-          <a:srcRect/>
-          <a:stretch>
-            <a:fillRect/>
-          </a:stretch>
-        </p:blipFill>
-        <p:spPr bwMode="auto">
-          <a:xfrm>
-            <a:off x="228600" y="1219200"/>
-            <a:ext cx="1219200" cy="1219200"/>
-          </a:xfrm>
-          <a:prstGeom prst="rect">
-            <a:avLst/>
-          </a:prstGeom>
-          <a:noFill/>
-        </p:spPr>
-      </p:pic>
-      <p:pic>
-        <p:nvPicPr>
-          <p:cNvPr id="5" name="Picture 5" descr="C:\Users\carmi\Documents\universal_style_transfer\Report\Figures\st2_sq.jpg"/>
-          <p:cNvPicPr>
-            <a:picLocks noChangeAspect="1" noChangeArrowheads="1"/>
-          </p:cNvPicPr>
-          <p:nvPr/>
-        </p:nvPicPr>
-        <p:blipFill>
-          <a:blip r:embed="rId4" cstate="print"/>
-          <a:srcRect/>
-          <a:stretch>
-            <a:fillRect/>
-          </a:stretch>
-        </p:blipFill>
-        <p:spPr bwMode="auto">
-          <a:xfrm>
-            <a:off x="266699" y="3277705"/>
-            <a:ext cx="1104901" cy="1104901"/>
-          </a:xfrm>
-          <a:prstGeom prst="rect">
-            <a:avLst/>
-          </a:prstGeom>
-          <a:noFill/>
-        </p:spPr>
-      </p:pic>
-      <p:pic>
-        <p:nvPicPr>
-          <p:cNvPr id="7" name="Picture 3"/>
-          <p:cNvPicPr>
-            <a:picLocks noChangeAspect="1" noChangeArrowheads="1"/>
-          </p:cNvPicPr>
-          <p:nvPr/>
-        </p:nvPicPr>
-        <p:blipFill>
-          <a:blip r:embed="rId5" cstate="print"/>
-          <a:srcRect/>
-          <a:stretch>
-            <a:fillRect/>
-          </a:stretch>
-        </p:blipFill>
-        <p:spPr bwMode="auto">
-          <a:xfrm>
-            <a:off x="1637326" y="1066800"/>
-            <a:ext cx="1200532" cy="3505200"/>
-          </a:xfrm>
-          <a:prstGeom prst="rect">
-            <a:avLst/>
-          </a:prstGeom>
-          <a:noFill/>
-          <a:ln w="9525">
-            <a:noFill/>
-            <a:miter lim="800000"/>
-            <a:headEnd/>
-            <a:tailEnd/>
-          </a:ln>
-        </p:spPr>
-      </p:pic>
-      <p:cxnSp>
-        <p:nvCxnSpPr>
-          <p:cNvPr id="8" name="Straight Arrow Connector 7"/>
-          <p:cNvCxnSpPr/>
-          <p:nvPr/>
-        </p:nvCxnSpPr>
-        <p:spPr>
-          <a:xfrm>
-            <a:off x="1371600" y="1752600"/>
-            <a:ext cx="381000" cy="0"/>
-          </a:xfrm>
-          <a:prstGeom prst="straightConnector1">
-            <a:avLst/>
-          </a:prstGeom>
-          <a:ln>
-            <a:tailEnd type="arrow"/>
-          </a:ln>
-        </p:spPr>
-        <p:style>
-          <a:lnRef idx="3">
-            <a:schemeClr val="dk1"/>
-          </a:lnRef>
-          <a:fillRef idx="0">
-            <a:schemeClr val="dk1"/>
-          </a:fillRef>
-          <a:effectRef idx="2">
-            <a:schemeClr val="dk1"/>
-          </a:effectRef>
-          <a:fontRef idx="minor">
-            <a:schemeClr val="tx1"/>
-          </a:fontRef>
-        </p:style>
-      </p:cxnSp>
-      <p:cxnSp>
-        <p:nvCxnSpPr>
-          <p:cNvPr id="9" name="Straight Arrow Connector 8"/>
-          <p:cNvCxnSpPr/>
-          <p:nvPr/>
-        </p:nvCxnSpPr>
-        <p:spPr>
-          <a:xfrm>
-            <a:off x="1371600" y="3733800"/>
-            <a:ext cx="381000" cy="0"/>
-          </a:xfrm>
-          <a:prstGeom prst="straightConnector1">
-            <a:avLst/>
-          </a:prstGeom>
-          <a:ln>
-            <a:tailEnd type="arrow"/>
-          </a:ln>
-        </p:spPr>
-        <p:style>
-          <a:lnRef idx="3">
-            <a:schemeClr val="dk1"/>
-          </a:lnRef>
-          <a:fillRef idx="0">
-            <a:schemeClr val="dk1"/>
-          </a:fillRef>
-          <a:effectRef idx="2">
-            <a:schemeClr val="dk1"/>
-          </a:effectRef>
-          <a:fontRef idx="minor">
-            <a:schemeClr val="tx1"/>
-          </a:fontRef>
-        </p:style>
-      </p:cxnSp>
-      <p:pic>
-        <p:nvPicPr>
-          <p:cNvPr id="12" name="Picture 6" descr="C:\Users\carmi\Documents\universal_style_transfer\Report\Figures\bridge_sq.jpg"/>
-          <p:cNvPicPr>
-            <a:picLocks noChangeAspect="1" noChangeArrowheads="1"/>
-          </p:cNvPicPr>
-          <p:nvPr/>
-        </p:nvPicPr>
-        <p:blipFill>
-          <a:blip r:embed="rId6" cstate="print"/>
-          <a:srcRect/>
-          <a:stretch>
-            <a:fillRect/>
-          </a:stretch>
-        </p:blipFill>
-        <p:spPr bwMode="auto">
-          <a:xfrm>
-            <a:off x="190501" y="4853713"/>
-            <a:ext cx="1181099" cy="1181099"/>
-          </a:xfrm>
-          <a:prstGeom prst="rect">
-            <a:avLst/>
-          </a:prstGeom>
-          <a:noFill/>
-        </p:spPr>
-      </p:pic>
-      <p:pic>
-        <p:nvPicPr>
-          <p:cNvPr id="18" name="Picture 15"/>
-          <p:cNvPicPr>
-            <a:picLocks noChangeAspect="1" noChangeArrowheads="1"/>
-          </p:cNvPicPr>
-          <p:nvPr/>
-        </p:nvPicPr>
-        <p:blipFill>
-          <a:blip r:embed="rId7" cstate="print"/>
-          <a:srcRect/>
-          <a:stretch>
-            <a:fillRect/>
-          </a:stretch>
-        </p:blipFill>
-        <p:spPr bwMode="auto">
-          <a:xfrm>
-            <a:off x="2286000" y="4474308"/>
-            <a:ext cx="533400" cy="250092"/>
-          </a:xfrm>
-          <a:prstGeom prst="rect">
-            <a:avLst/>
-          </a:prstGeom>
-          <a:noFill/>
-          <a:ln w="9525">
-            <a:noFill/>
-            <a:miter lim="800000"/>
-            <a:headEnd/>
-            <a:tailEnd/>
-          </a:ln>
-        </p:spPr>
-      </p:pic>
-      <p:cxnSp>
-        <p:nvCxnSpPr>
-          <p:cNvPr id="19" name="Straight Arrow Connector 18"/>
-          <p:cNvCxnSpPr/>
-          <p:nvPr/>
-        </p:nvCxnSpPr>
-        <p:spPr>
-          <a:xfrm>
-            <a:off x="2286000" y="4267200"/>
-            <a:ext cx="0" cy="609600"/>
-          </a:xfrm>
-          <a:prstGeom prst="straightConnector1">
-            <a:avLst/>
-          </a:prstGeom>
-          <a:ln>
-            <a:solidFill>
-              <a:schemeClr val="tx1"/>
-            </a:solidFill>
-            <a:headEnd type="arrow"/>
-            <a:tailEnd type="arrow"/>
-          </a:ln>
-          <a:effectLst>
-            <a:outerShdw blurRad="50800" dist="38100" dir="13500000" algn="br" rotWithShape="0">
-              <a:prstClr val="black">
-                <a:alpha val="40000"/>
-              </a:prstClr>
-            </a:outerShdw>
-          </a:effectLst>
-        </p:spPr>
-        <p:style>
-          <a:lnRef idx="1">
-            <a:schemeClr val="accent6"/>
-          </a:lnRef>
-          <a:fillRef idx="0">
-            <a:schemeClr val="accent6"/>
-          </a:fillRef>
-          <a:effectRef idx="0">
-            <a:schemeClr val="accent6"/>
-          </a:effectRef>
-          <a:fontRef idx="minor">
-            <a:schemeClr val="tx1"/>
-          </a:fontRef>
-        </p:style>
-      </p:cxnSp>
-      <p:pic>
-        <p:nvPicPr>
-          <p:cNvPr id="20" name="Picture 9"/>
-          <p:cNvPicPr>
-            <a:picLocks noChangeAspect="1" noChangeArrowheads="1"/>
-          </p:cNvPicPr>
-          <p:nvPr/>
-        </p:nvPicPr>
-        <p:blipFill>
-          <a:blip r:embed="rId8" cstate="print"/>
-          <a:srcRect/>
-          <a:stretch>
-            <a:fillRect/>
-          </a:stretch>
-        </p:blipFill>
-        <p:spPr bwMode="auto">
-          <a:xfrm>
-            <a:off x="3238499" y="4813927"/>
-            <a:ext cx="1447800" cy="1260670"/>
-          </a:xfrm>
-          <a:prstGeom prst="rect">
-            <a:avLst/>
-          </a:prstGeom>
-          <a:noFill/>
-          <a:ln w="9525">
-            <a:noFill/>
-            <a:miter lim="800000"/>
-            <a:headEnd/>
-            <a:tailEnd/>
-          </a:ln>
-        </p:spPr>
-      </p:pic>
-      <p:pic>
-        <p:nvPicPr>
-          <p:cNvPr id="23" name="Picture 12"/>
-          <p:cNvPicPr>
-            <a:picLocks noChangeAspect="1" noChangeArrowheads="1"/>
-          </p:cNvPicPr>
-          <p:nvPr/>
-        </p:nvPicPr>
-        <p:blipFill>
-          <a:blip r:embed="rId9" cstate="print"/>
-          <a:srcRect/>
-          <a:stretch>
-            <a:fillRect/>
-          </a:stretch>
-        </p:blipFill>
-        <p:spPr bwMode="auto">
-          <a:xfrm>
-            <a:off x="3048000" y="1371600"/>
-            <a:ext cx="1571625" cy="1343025"/>
-          </a:xfrm>
-          <a:prstGeom prst="rect">
-            <a:avLst/>
-          </a:prstGeom>
-          <a:noFill/>
-          <a:ln w="9525">
-            <a:noFill/>
-            <a:miter lim="800000"/>
-            <a:headEnd/>
-            <a:tailEnd/>
-          </a:ln>
-        </p:spPr>
-      </p:pic>
-      <p:pic>
-        <p:nvPicPr>
-          <p:cNvPr id="25" name="Picture 13"/>
-          <p:cNvPicPr>
-            <a:picLocks noChangeAspect="1" noChangeArrowheads="1"/>
-          </p:cNvPicPr>
-          <p:nvPr/>
-        </p:nvPicPr>
-        <p:blipFill>
-          <a:blip r:embed="rId10" cstate="print"/>
-          <a:srcRect/>
-          <a:stretch>
-            <a:fillRect/>
-          </a:stretch>
-        </p:blipFill>
-        <p:spPr bwMode="auto">
-          <a:xfrm>
-            <a:off x="3255644" y="3138487"/>
-            <a:ext cx="1476375" cy="1419225"/>
-          </a:xfrm>
-          <a:prstGeom prst="rect">
-            <a:avLst/>
-          </a:prstGeom>
-          <a:noFill/>
-          <a:ln w="9525">
-            <a:noFill/>
-            <a:miter lim="800000"/>
-            <a:headEnd/>
-            <a:tailEnd/>
-          </a:ln>
-        </p:spPr>
-      </p:pic>
-      <p:sp>
-        <p:nvSpPr>
-          <p:cNvPr id="27" name="TextBox 26"/>
-          <p:cNvSpPr txBox="1"/>
-          <p:nvPr/>
-        </p:nvSpPr>
-        <p:spPr>
-          <a:xfrm>
-            <a:off x="3124200" y="6172200"/>
-            <a:ext cx="2688557" cy="369332"/>
-          </a:xfrm>
-          <a:prstGeom prst="rect">
-            <a:avLst/>
-          </a:prstGeom>
-          <a:noFill/>
-        </p:spPr>
-        <p:txBody>
-          <a:bodyPr wrap="none" rtlCol="0">
-            <a:spAutoFit/>
-          </a:bodyPr>
-          <a:lstStyle/>
-          <a:p>
-            <a:r>
-              <a:rPr lang="en-US" b="1" dirty="0" smtClean="0"/>
-              <a:t>Deep feature channels</a:t>
-            </a:r>
-            <a:endParaRPr lang="en-US" b="1" dirty="0"/>
-          </a:p>
-        </p:txBody>
-      </p:sp>
-      <p:pic>
-        <p:nvPicPr>
-          <p:cNvPr id="28" name="Picture 10"/>
-          <p:cNvPicPr>
-            <a:picLocks noChangeAspect="1" noChangeArrowheads="1"/>
-          </p:cNvPicPr>
-          <p:nvPr/>
-        </p:nvPicPr>
-        <p:blipFill>
-          <a:blip r:embed="rId11" cstate="print"/>
-          <a:srcRect/>
-          <a:stretch>
-            <a:fillRect/>
-          </a:stretch>
-        </p:blipFill>
-        <p:spPr bwMode="auto">
-          <a:xfrm>
-            <a:off x="6138863" y="3315438"/>
-            <a:ext cx="828674" cy="992074"/>
-          </a:xfrm>
-          <a:prstGeom prst="rect">
-            <a:avLst/>
-          </a:prstGeom>
-          <a:noFill/>
-          <a:ln w="9525">
-            <a:noFill/>
-            <a:miter lim="800000"/>
-            <a:headEnd/>
-            <a:tailEnd/>
-          </a:ln>
-        </p:spPr>
-      </p:pic>
-      <p:sp>
-        <p:nvSpPr>
-          <p:cNvPr id="29" name="Bent Arrow 28"/>
-          <p:cNvSpPr/>
-          <p:nvPr/>
-        </p:nvSpPr>
-        <p:spPr>
-          <a:xfrm rot="16200000" flipV="1">
-            <a:off x="5003081" y="3837221"/>
-            <a:ext cx="1408595" cy="2042161"/>
-          </a:xfrm>
-          <a:prstGeom prst="bentArrow">
-            <a:avLst>
-              <a:gd name="adj1" fmla="val 7264"/>
-              <a:gd name="adj2" fmla="val 10935"/>
-              <a:gd name="adj3" fmla="val 12017"/>
-              <a:gd name="adj4" fmla="val 42127"/>
-            </a:avLst>
-          </a:prstGeom>
-        </p:spPr>
-        <p:style>
-          <a:lnRef idx="2">
-            <a:schemeClr val="accent1">
-              <a:shade val="50000"/>
-            </a:schemeClr>
-          </a:lnRef>
-          <a:fillRef idx="1">
-            <a:schemeClr val="accent1"/>
-          </a:fillRef>
-          <a:effectRef idx="0">
-            <a:schemeClr val="accent1"/>
-          </a:effectRef>
-          <a:fontRef idx="minor">
-            <a:schemeClr val="lt1"/>
-          </a:fontRef>
-        </p:style>
-        <p:txBody>
-          <a:bodyPr rtlCol="0" anchor="ctr"/>
-          <a:lstStyle/>
-          <a:p>
-            <a:pPr algn="ctr"/>
-            <a:endParaRPr lang="en-US">
-              <a:solidFill>
-                <a:schemeClr val="tx1"/>
-              </a:solidFill>
-            </a:endParaRPr>
-          </a:p>
-        </p:txBody>
-      </p:sp>
-      <p:sp>
-        <p:nvSpPr>
-          <p:cNvPr id="32" name="Bent Arrow 31"/>
-          <p:cNvSpPr/>
-          <p:nvPr/>
-        </p:nvSpPr>
-        <p:spPr>
-          <a:xfrm rot="16200000" flipV="1">
-            <a:off x="4870433" y="3350746"/>
-            <a:ext cx="457200" cy="958817"/>
-          </a:xfrm>
-          <a:prstGeom prst="bentArrow">
-            <a:avLst/>
-          </a:prstGeom>
-        </p:spPr>
-        <p:style>
-          <a:lnRef idx="2">
-            <a:schemeClr val="accent1">
-              <a:shade val="50000"/>
-            </a:schemeClr>
-          </a:lnRef>
-          <a:fillRef idx="1">
-            <a:schemeClr val="accent1"/>
-          </a:fillRef>
-          <a:effectRef idx="0">
-            <a:schemeClr val="accent1"/>
-          </a:effectRef>
-          <a:fontRef idx="minor">
-            <a:schemeClr val="lt1"/>
-          </a:fontRef>
-        </p:style>
-        <p:txBody>
-          <a:bodyPr rtlCol="0" anchor="ctr"/>
-          <a:lstStyle/>
-          <a:p>
-            <a:pPr algn="ctr"/>
-            <a:endParaRPr lang="en-US">
-              <a:solidFill>
-                <a:schemeClr val="tx1"/>
-              </a:solidFill>
-            </a:endParaRPr>
-          </a:p>
-        </p:txBody>
-      </p:sp>
-      <p:sp>
-        <p:nvSpPr>
-          <p:cNvPr id="33" name="Bent Arrow 32"/>
-          <p:cNvSpPr/>
-          <p:nvPr/>
-        </p:nvSpPr>
-        <p:spPr>
-          <a:xfrm rot="16200000" flipH="1" flipV="1">
-            <a:off x="4881863" y="1497982"/>
-            <a:ext cx="381000" cy="1012157"/>
-          </a:xfrm>
-          <a:prstGeom prst="bentArrow">
-            <a:avLst/>
-          </a:prstGeom>
-        </p:spPr>
-        <p:style>
-          <a:lnRef idx="2">
-            <a:schemeClr val="accent1">
-              <a:shade val="50000"/>
-            </a:schemeClr>
-          </a:lnRef>
-          <a:fillRef idx="1">
-            <a:schemeClr val="accent1"/>
-          </a:fillRef>
-          <a:effectRef idx="0">
-            <a:schemeClr val="accent1"/>
-          </a:effectRef>
-          <a:fontRef idx="minor">
-            <a:schemeClr val="lt1"/>
-          </a:fontRef>
-        </p:style>
-        <p:txBody>
-          <a:bodyPr rtlCol="0" anchor="ctr"/>
-          <a:lstStyle/>
-          <a:p>
-            <a:pPr algn="ctr"/>
-            <a:endParaRPr lang="en-US">
-              <a:solidFill>
-                <a:schemeClr val="tx1"/>
-              </a:solidFill>
-            </a:endParaRPr>
-          </a:p>
-        </p:txBody>
-      </p:sp>
-      <p:pic>
-        <p:nvPicPr>
-          <p:cNvPr id="37" name="Picture 11"/>
-          <p:cNvPicPr>
-            <a:picLocks noChangeAspect="1" noChangeArrowheads="1"/>
-          </p:cNvPicPr>
-          <p:nvPr/>
-        </p:nvPicPr>
-        <p:blipFill>
-          <a:blip r:embed="rId12" cstate="print"/>
-          <a:srcRect/>
-          <a:stretch>
-            <a:fillRect/>
-          </a:stretch>
-        </p:blipFill>
-        <p:spPr bwMode="auto">
-          <a:xfrm>
-            <a:off x="7545235" y="3138487"/>
-            <a:ext cx="759130" cy="1514474"/>
-          </a:xfrm>
-          <a:prstGeom prst="rect">
-            <a:avLst/>
-          </a:prstGeom>
-          <a:noFill/>
-          <a:ln w="9525">
-            <a:noFill/>
-            <a:miter lim="800000"/>
-            <a:headEnd/>
-            <a:tailEnd/>
-          </a:ln>
-        </p:spPr>
-      </p:pic>
-      <p:sp>
-        <p:nvSpPr>
-          <p:cNvPr id="43" name="Bent-Up Arrow 42"/>
-          <p:cNvSpPr/>
-          <p:nvPr/>
-        </p:nvSpPr>
-        <p:spPr>
-          <a:xfrm flipV="1">
-            <a:off x="6248400" y="2895600"/>
-            <a:ext cx="304800" cy="533400"/>
-          </a:xfrm>
-          <a:prstGeom prst="bentUpArrow">
-            <a:avLst/>
-          </a:prstGeom>
-        </p:spPr>
-        <p:style>
-          <a:lnRef idx="2">
-            <a:schemeClr val="accent1">
-              <a:shade val="50000"/>
-            </a:schemeClr>
-          </a:lnRef>
-          <a:fillRef idx="1">
-            <a:schemeClr val="accent1"/>
-          </a:fillRef>
-          <a:effectRef idx="0">
-            <a:schemeClr val="accent1"/>
-          </a:effectRef>
-          <a:fontRef idx="minor">
-            <a:schemeClr val="lt1"/>
-          </a:fontRef>
-        </p:style>
-        <p:txBody>
-          <a:bodyPr rtlCol="0" anchor="ctr"/>
-          <a:lstStyle/>
-          <a:p>
-            <a:pPr algn="ctr"/>
-            <a:endParaRPr lang="en-US"/>
-          </a:p>
-        </p:txBody>
-      </p:sp>
-      <p:sp>
-        <p:nvSpPr>
-          <p:cNvPr id="45" name="Right Arrow 44"/>
-          <p:cNvSpPr/>
-          <p:nvPr/>
-        </p:nvSpPr>
-        <p:spPr>
-          <a:xfrm>
-            <a:off x="6967536" y="3708820"/>
-            <a:ext cx="500063" cy="228600"/>
-          </a:xfrm>
-          <a:prstGeom prst="rightArrow">
-            <a:avLst/>
-          </a:prstGeom>
-        </p:spPr>
-        <p:style>
-          <a:lnRef idx="2">
-            <a:schemeClr val="accent1">
-              <a:shade val="50000"/>
-            </a:schemeClr>
-          </a:lnRef>
-          <a:fillRef idx="1">
-            <a:schemeClr val="accent1"/>
-          </a:fillRef>
-          <a:effectRef idx="0">
-            <a:schemeClr val="accent1"/>
-          </a:effectRef>
-          <a:fontRef idx="minor">
-            <a:schemeClr val="lt1"/>
-          </a:fontRef>
-        </p:style>
-        <p:txBody>
-          <a:bodyPr rtlCol="0" anchor="ctr"/>
-          <a:lstStyle/>
-          <a:p>
-            <a:pPr algn="ctr"/>
-            <a:endParaRPr lang="en-US"/>
-          </a:p>
-        </p:txBody>
-      </p:sp>
-      <p:sp>
-        <p:nvSpPr>
-          <p:cNvPr id="51" name="Right Arrow 50"/>
-          <p:cNvSpPr/>
-          <p:nvPr/>
-        </p:nvSpPr>
-        <p:spPr>
-          <a:xfrm rot="16200000">
-            <a:off x="7676782" y="2876918"/>
-            <a:ext cx="496037" cy="228600"/>
-          </a:xfrm>
-          <a:prstGeom prst="rightArrow">
-            <a:avLst/>
-          </a:prstGeom>
-        </p:spPr>
-        <p:style>
-          <a:lnRef idx="2">
-            <a:schemeClr val="accent1">
-              <a:shade val="50000"/>
-            </a:schemeClr>
-          </a:lnRef>
-          <a:fillRef idx="1">
-            <a:schemeClr val="accent1"/>
-          </a:fillRef>
-          <a:effectRef idx="0">
-            <a:schemeClr val="accent1"/>
-          </a:effectRef>
-          <a:fontRef idx="minor">
-            <a:schemeClr val="lt1"/>
-          </a:fontRef>
-        </p:style>
-        <p:txBody>
-          <a:bodyPr rtlCol="0" anchor="ctr"/>
-          <a:lstStyle/>
-          <a:p>
-            <a:pPr algn="ctr"/>
-            <a:endParaRPr lang="en-US"/>
-          </a:p>
-        </p:txBody>
-      </p:sp>
-      <p:sp>
-        <p:nvSpPr>
-          <p:cNvPr id="2" name="TextBox 1"/>
-          <p:cNvSpPr txBox="1"/>
-          <p:nvPr/>
-        </p:nvSpPr>
-        <p:spPr>
-          <a:xfrm>
-            <a:off x="108371" y="5996713"/>
-            <a:ext cx="1072730" cy="369332"/>
-          </a:xfrm>
-          <a:prstGeom prst="rect">
-            <a:avLst/>
-          </a:prstGeom>
-          <a:noFill/>
-        </p:spPr>
-        <p:txBody>
-          <a:bodyPr wrap="none" rtlCol="0">
-            <a:spAutoFit/>
-          </a:bodyPr>
-          <a:lstStyle/>
-          <a:p>
-            <a:r>
-              <a:rPr lang="en-GB" dirty="0" smtClean="0"/>
-              <a:t>Content</a:t>
-            </a:r>
-            <a:endParaRPr lang="en-GB" dirty="0"/>
-          </a:p>
-        </p:txBody>
-      </p:sp>
-      <p:sp>
-        <p:nvSpPr>
-          <p:cNvPr id="22" name="TextBox 21"/>
-          <p:cNvSpPr txBox="1"/>
-          <p:nvPr/>
-        </p:nvSpPr>
-        <p:spPr>
-          <a:xfrm>
-            <a:off x="175937" y="2373868"/>
-            <a:ext cx="857927" cy="369332"/>
-          </a:xfrm>
-          <a:prstGeom prst="rect">
-            <a:avLst/>
-          </a:prstGeom>
-          <a:noFill/>
-        </p:spPr>
-        <p:txBody>
-          <a:bodyPr wrap="none" rtlCol="0">
-            <a:spAutoFit/>
-          </a:bodyPr>
-          <a:lstStyle/>
-          <a:p>
-            <a:r>
-              <a:rPr lang="en-GB" dirty="0" smtClean="0"/>
-              <a:t>Style1</a:t>
-            </a:r>
-            <a:endParaRPr lang="en-GB" dirty="0"/>
-          </a:p>
-        </p:txBody>
-      </p:sp>
-      <p:sp>
-        <p:nvSpPr>
-          <p:cNvPr id="38" name="TextBox 37"/>
-          <p:cNvSpPr txBox="1"/>
-          <p:nvPr/>
-        </p:nvSpPr>
-        <p:spPr>
-          <a:xfrm>
-            <a:off x="214038" y="4306406"/>
-            <a:ext cx="857927" cy="369332"/>
-          </a:xfrm>
-          <a:prstGeom prst="rect">
-            <a:avLst/>
-          </a:prstGeom>
-          <a:noFill/>
-        </p:spPr>
-        <p:txBody>
-          <a:bodyPr wrap="none" rtlCol="0">
-            <a:spAutoFit/>
-          </a:bodyPr>
-          <a:lstStyle/>
-          <a:p>
-            <a:r>
-              <a:rPr lang="en-GB" dirty="0" smtClean="0"/>
-              <a:t>Style2</a:t>
-            </a:r>
-            <a:endParaRPr lang="en-GB" dirty="0"/>
-          </a:p>
-        </p:txBody>
-      </p:sp>
-      <mc:AlternateContent xmlns:mc="http://schemas.openxmlformats.org/markup-compatibility/2006" xmlns:a14="http://schemas.microsoft.com/office/drawing/2010/main">
-        <mc:Choice Requires="a14">
-          <p:sp>
-            <p:nvSpPr>
-              <p:cNvPr id="24" name="TextBox 23"/>
-              <p:cNvSpPr txBox="1"/>
-              <p:nvPr/>
-            </p:nvSpPr>
-            <p:spPr>
-              <a:xfrm>
-                <a:off x="5641338" y="1846551"/>
-                <a:ext cx="624851" cy="411779"/>
-              </a:xfrm>
-              <a:prstGeom prst="rect">
-                <a:avLst/>
-              </a:prstGeom>
-              <a:noFill/>
-            </p:spPr>
-            <p:txBody>
-              <a:bodyPr wrap="none" rtlCol="0">
-                <a:spAutoFit/>
-              </a:bodyPr>
-              <a:lstStyle/>
-              <a:p>
-                <a:pPr/>
-                <a14:m>
-                  <m:oMathPara xmlns:m="http://schemas.openxmlformats.org/officeDocument/2006/math">
-                    <m:oMathParaPr>
-                      <m:jc m:val="centerGroup"/>
-                    </m:oMathParaPr>
-                    <m:oMath xmlns:m="http://schemas.openxmlformats.org/officeDocument/2006/math">
-                      <m:sSub>
-                        <m:sSubPr>
-                          <m:ctrlPr>
-                            <a:rPr lang="en-GB" b="0" i="1" smtClean="0">
-                              <a:latin typeface="Cambria Math"/>
-                            </a:rPr>
-                          </m:ctrlPr>
-                        </m:sSubPr>
-                        <m:e>
-                          <m:r>
-                            <a:rPr lang="en-GB" b="0" i="1" smtClean="0">
-                              <a:latin typeface="Cambria Math"/>
-                            </a:rPr>
-                            <m:t>𝑓</m:t>
-                          </m:r>
-                        </m:e>
-                        <m:sub>
-                          <m:sSub>
-                            <m:sSubPr>
-                              <m:ctrlPr>
-                                <a:rPr lang="en-GB" b="0" i="1" smtClean="0">
-                                  <a:latin typeface="Cambria Math"/>
-                                </a:rPr>
-                              </m:ctrlPr>
-                            </m:sSubPr>
-                            <m:e>
-                              <m:r>
-                                <a:rPr lang="en-GB" b="0" i="1" smtClean="0">
-                                  <a:latin typeface="Cambria Math"/>
-                                </a:rPr>
-                                <m:t>𝑠</m:t>
-                              </m:r>
-                            </m:e>
-                            <m:sub>
-                              <m:r>
-                                <a:rPr lang="en-GB" b="0" i="1" smtClean="0">
-                                  <a:latin typeface="Cambria Math"/>
-                                </a:rPr>
-                                <m:t>1</m:t>
-                              </m:r>
-                              <m:r>
-                                <a:rPr lang="en-GB" b="0" i="1" smtClean="0">
-                                  <a:latin typeface="Cambria Math"/>
-                                </a:rPr>
-                                <m:t>,</m:t>
-                              </m:r>
-                              <m:r>
-                                <a:rPr lang="en-GB" b="0" i="1" smtClean="0">
-                                  <a:latin typeface="Cambria Math"/>
-                                </a:rPr>
-                                <m:t>2</m:t>
-                              </m:r>
-                            </m:sub>
-                          </m:sSub>
-                        </m:sub>
-                      </m:sSub>
-                    </m:oMath>
-                  </m:oMathPara>
-                </a14:m>
-                <a:endParaRPr lang="en-GB" dirty="0"/>
-              </a:p>
-            </p:txBody>
-          </p:sp>
-        </mc:Choice>
-        <mc:Fallback xmlns="">
-          <p:sp>
-            <p:nvSpPr>
-              <p:cNvPr id="24" name="TextBox 23"/>
-              <p:cNvSpPr txBox="1">
-                <a:spLocks noRot="1" noChangeAspect="1" noMove="1" noResize="1" noEditPoints="1" noAdjustHandles="1" noChangeArrowheads="1" noChangeShapeType="1" noTextEdit="1"/>
-              </p:cNvSpPr>
-              <p:nvPr/>
-            </p:nvSpPr>
-            <p:spPr>
-              <a:xfrm>
-                <a:off x="5641338" y="1846551"/>
-                <a:ext cx="624851" cy="411779"/>
-              </a:xfrm>
-              <a:prstGeom prst="rect">
-                <a:avLst/>
-              </a:prstGeom>
-              <a:blipFill rotWithShape="1">
-                <a:blip r:embed="rId13"/>
-                <a:stretch>
-                  <a:fillRect b="-2985"/>
-                </a:stretch>
-              </a:blipFill>
-            </p:spPr>
-            <p:txBody>
-              <a:bodyPr/>
-              <a:lstStyle/>
-              <a:p>
-                <a:r>
-                  <a:rPr lang="en-GB">
-                    <a:noFill/>
-                  </a:rPr>
-                  <a:t> </a:t>
-                </a:r>
-              </a:p>
-            </p:txBody>
-          </p:sp>
-        </mc:Fallback>
-      </mc:AlternateContent>
-      <mc:AlternateContent xmlns:mc="http://schemas.openxmlformats.org/markup-compatibility/2006" xmlns:a14="http://schemas.microsoft.com/office/drawing/2010/main">
-        <mc:Choice Requires="a14">
-          <p:sp>
-            <p:nvSpPr>
-              <p:cNvPr id="41" name="TextBox 40"/>
-              <p:cNvSpPr txBox="1"/>
-              <p:nvPr/>
-            </p:nvSpPr>
-            <p:spPr>
-              <a:xfrm>
-                <a:off x="3676757" y="1143000"/>
-                <a:ext cx="514243" cy="393121"/>
-              </a:xfrm>
-              <a:prstGeom prst="rect">
-                <a:avLst/>
-              </a:prstGeom>
-              <a:noFill/>
-            </p:spPr>
-            <p:txBody>
-              <a:bodyPr wrap="none" rtlCol="0">
-                <a:spAutoFit/>
-              </a:bodyPr>
-              <a:lstStyle/>
-              <a:p>
-                <a:pPr/>
-                <a14:m>
-                  <m:oMathPara xmlns:m="http://schemas.openxmlformats.org/officeDocument/2006/math">
-                    <m:oMathParaPr>
-                      <m:jc m:val="centerGroup"/>
-                    </m:oMathParaPr>
-                    <m:oMath xmlns:m="http://schemas.openxmlformats.org/officeDocument/2006/math">
-                      <m:sSub>
-                        <m:sSubPr>
-                          <m:ctrlPr>
-                            <a:rPr lang="en-GB" b="0" i="1" smtClean="0">
-                              <a:latin typeface="Cambria Math"/>
-                            </a:rPr>
-                          </m:ctrlPr>
-                        </m:sSubPr>
-                        <m:e>
-                          <m:r>
-                            <a:rPr lang="en-GB" b="0" i="1" smtClean="0">
-                              <a:latin typeface="Cambria Math"/>
-                            </a:rPr>
-                            <m:t>𝑓</m:t>
-                          </m:r>
-                        </m:e>
-                        <m:sub>
-                          <m:sSub>
-                            <m:sSubPr>
-                              <m:ctrlPr>
-                                <a:rPr lang="en-GB" b="0" i="1" smtClean="0">
-                                  <a:latin typeface="Cambria Math"/>
-                                </a:rPr>
-                              </m:ctrlPr>
-                            </m:sSubPr>
-                            <m:e>
-                              <m:r>
-                                <a:rPr lang="en-GB" b="0" i="1" smtClean="0">
-                                  <a:latin typeface="Cambria Math"/>
-                                </a:rPr>
-                                <m:t>𝑠</m:t>
-                              </m:r>
-                            </m:e>
-                            <m:sub>
-                              <m:r>
-                                <a:rPr lang="en-GB" b="0" i="1" smtClean="0">
-                                  <a:latin typeface="Cambria Math"/>
-                                </a:rPr>
-                                <m:t>1</m:t>
-                              </m:r>
-                            </m:sub>
-                          </m:sSub>
-                        </m:sub>
-                      </m:sSub>
-                    </m:oMath>
-                  </m:oMathPara>
-                </a14:m>
-                <a:endParaRPr lang="en-GB" dirty="0"/>
-              </a:p>
-            </p:txBody>
-          </p:sp>
-        </mc:Choice>
-        <mc:Fallback xmlns="">
-          <p:sp>
-            <p:nvSpPr>
-              <p:cNvPr id="41" name="TextBox 40"/>
-              <p:cNvSpPr txBox="1">
-                <a:spLocks noRot="1" noChangeAspect="1" noMove="1" noResize="1" noEditPoints="1" noAdjustHandles="1" noChangeArrowheads="1" noChangeShapeType="1" noTextEdit="1"/>
-              </p:cNvSpPr>
-              <p:nvPr/>
-            </p:nvSpPr>
-            <p:spPr>
-              <a:xfrm>
-                <a:off x="3676757" y="1143000"/>
-                <a:ext cx="514243" cy="393121"/>
-              </a:xfrm>
-              <a:prstGeom prst="rect">
-                <a:avLst/>
-              </a:prstGeom>
-              <a:blipFill rotWithShape="1">
-                <a:blip r:embed="rId14"/>
-                <a:stretch>
-                  <a:fillRect b="-6250"/>
-                </a:stretch>
-              </a:blipFill>
-            </p:spPr>
-            <p:txBody>
-              <a:bodyPr/>
-              <a:lstStyle/>
-              <a:p>
-                <a:r>
-                  <a:rPr lang="en-GB">
-                    <a:noFill/>
-                  </a:rPr>
-                  <a:t> </a:t>
-                </a:r>
-              </a:p>
-            </p:txBody>
-          </p:sp>
-        </mc:Fallback>
-      </mc:AlternateContent>
-      <mc:AlternateContent xmlns:mc="http://schemas.openxmlformats.org/markup-compatibility/2006" xmlns:a14="http://schemas.microsoft.com/office/drawing/2010/main">
-        <mc:Choice Requires="a14">
-          <p:sp>
-            <p:nvSpPr>
-              <p:cNvPr id="44" name="TextBox 43"/>
-              <p:cNvSpPr txBox="1"/>
-              <p:nvPr/>
-            </p:nvSpPr>
-            <p:spPr>
-              <a:xfrm>
-                <a:off x="3705277" y="2855642"/>
-                <a:ext cx="514243" cy="393121"/>
-              </a:xfrm>
-              <a:prstGeom prst="rect">
-                <a:avLst/>
-              </a:prstGeom>
-              <a:noFill/>
-            </p:spPr>
-            <p:txBody>
-              <a:bodyPr wrap="none" rtlCol="0">
-                <a:spAutoFit/>
-              </a:bodyPr>
-              <a:lstStyle/>
-              <a:p>
-                <a:pPr/>
-                <a14:m>
-                  <m:oMathPara xmlns:m="http://schemas.openxmlformats.org/officeDocument/2006/math">
-                    <m:oMathParaPr>
-                      <m:jc m:val="centerGroup"/>
-                    </m:oMathParaPr>
-                    <m:oMath xmlns:m="http://schemas.openxmlformats.org/officeDocument/2006/math">
-                      <m:sSub>
-                        <m:sSubPr>
-                          <m:ctrlPr>
-                            <a:rPr lang="en-GB" b="0" i="1" smtClean="0">
-                              <a:latin typeface="Cambria Math"/>
-                            </a:rPr>
-                          </m:ctrlPr>
-                        </m:sSubPr>
-                        <m:e>
-                          <m:r>
-                            <a:rPr lang="en-GB" b="0" i="1" smtClean="0">
-                              <a:latin typeface="Cambria Math"/>
-                            </a:rPr>
-                            <m:t>𝑓</m:t>
-                          </m:r>
-                        </m:e>
-                        <m:sub>
-                          <m:sSub>
-                            <m:sSubPr>
-                              <m:ctrlPr>
-                                <a:rPr lang="en-GB" b="0" i="1" smtClean="0">
-                                  <a:latin typeface="Cambria Math"/>
-                                </a:rPr>
-                              </m:ctrlPr>
-                            </m:sSubPr>
-                            <m:e>
-                              <m:r>
-                                <a:rPr lang="en-GB" b="0" i="1" smtClean="0">
-                                  <a:latin typeface="Cambria Math"/>
-                                </a:rPr>
-                                <m:t>𝑠</m:t>
-                              </m:r>
-                            </m:e>
-                            <m:sub>
-                              <m:r>
-                                <a:rPr lang="en-GB" b="0" i="1" smtClean="0">
-                                  <a:latin typeface="Cambria Math"/>
-                                </a:rPr>
-                                <m:t>2</m:t>
-                              </m:r>
-                            </m:sub>
-                          </m:sSub>
-                        </m:sub>
-                      </m:sSub>
-                    </m:oMath>
-                  </m:oMathPara>
-                </a14:m>
-                <a:endParaRPr lang="en-GB" dirty="0"/>
-              </a:p>
-            </p:txBody>
-          </p:sp>
-        </mc:Choice>
-        <mc:Fallback xmlns="">
-          <p:sp>
-            <p:nvSpPr>
-              <p:cNvPr id="44" name="TextBox 43"/>
-              <p:cNvSpPr txBox="1">
-                <a:spLocks noRot="1" noChangeAspect="1" noMove="1" noResize="1" noEditPoints="1" noAdjustHandles="1" noChangeArrowheads="1" noChangeShapeType="1" noTextEdit="1"/>
-              </p:cNvSpPr>
-              <p:nvPr/>
-            </p:nvSpPr>
-            <p:spPr>
-              <a:xfrm>
-                <a:off x="3705277" y="2855642"/>
-                <a:ext cx="514243" cy="393121"/>
-              </a:xfrm>
-              <a:prstGeom prst="rect">
-                <a:avLst/>
-              </a:prstGeom>
-              <a:blipFill rotWithShape="1">
-                <a:blip r:embed="rId15"/>
-                <a:stretch>
-                  <a:fillRect b="-6154"/>
-                </a:stretch>
-              </a:blipFill>
-            </p:spPr>
-            <p:txBody>
-              <a:bodyPr/>
-              <a:lstStyle/>
-              <a:p>
-                <a:r>
-                  <a:rPr lang="en-GB">
-                    <a:noFill/>
-                  </a:rPr>
-                  <a:t> </a:t>
-                </a:r>
-              </a:p>
-            </p:txBody>
-          </p:sp>
-        </mc:Fallback>
-      </mc:AlternateContent>
-      <mc:AlternateContent xmlns:mc="http://schemas.openxmlformats.org/markup-compatibility/2006" xmlns:a14="http://schemas.microsoft.com/office/drawing/2010/main">
-        <mc:Choice Requires="a14">
-          <p:sp>
-            <p:nvSpPr>
-              <p:cNvPr id="46" name="TextBox 45"/>
-              <p:cNvSpPr txBox="1"/>
-              <p:nvPr/>
-            </p:nvSpPr>
-            <p:spPr>
-              <a:xfrm>
-                <a:off x="3713978" y="4507468"/>
-                <a:ext cx="439799" cy="369332"/>
-              </a:xfrm>
-              <a:prstGeom prst="rect">
-                <a:avLst/>
-              </a:prstGeom>
-              <a:noFill/>
-            </p:spPr>
-            <p:txBody>
-              <a:bodyPr wrap="none" rtlCol="0">
-                <a:spAutoFit/>
-              </a:bodyPr>
-              <a:lstStyle/>
-              <a:p>
-                <a:pPr/>
-                <a14:m>
-                  <m:oMathPara xmlns:m="http://schemas.openxmlformats.org/officeDocument/2006/math">
-                    <m:oMathParaPr>
-                      <m:jc m:val="centerGroup"/>
-                    </m:oMathParaPr>
-                    <m:oMath xmlns:m="http://schemas.openxmlformats.org/officeDocument/2006/math">
-                      <m:sSub>
-                        <m:sSubPr>
-                          <m:ctrlPr>
-                            <a:rPr lang="en-GB" b="0" i="1" smtClean="0">
-                              <a:latin typeface="Cambria Math"/>
-                            </a:rPr>
-                          </m:ctrlPr>
-                        </m:sSubPr>
-                        <m:e>
-                          <m:r>
-                            <a:rPr lang="en-GB" b="0" i="1" smtClean="0">
-                              <a:latin typeface="Cambria Math"/>
-                            </a:rPr>
-                            <m:t>𝑓</m:t>
-                          </m:r>
-                        </m:e>
-                        <m:sub>
-                          <m:r>
-                            <a:rPr lang="en-GB" b="0" i="1" smtClean="0">
-                              <a:latin typeface="Cambria Math"/>
-                            </a:rPr>
-                            <m:t>𝑐</m:t>
-                          </m:r>
-                        </m:sub>
-                      </m:sSub>
-                    </m:oMath>
-                  </m:oMathPara>
-                </a14:m>
-                <a:endParaRPr lang="en-GB" dirty="0"/>
-              </a:p>
-            </p:txBody>
-          </p:sp>
-        </mc:Choice>
-        <mc:Fallback xmlns="">
-          <p:sp>
-            <p:nvSpPr>
-              <p:cNvPr id="46" name="TextBox 45"/>
-              <p:cNvSpPr txBox="1">
-                <a:spLocks noRot="1" noChangeAspect="1" noMove="1" noResize="1" noEditPoints="1" noAdjustHandles="1" noChangeArrowheads="1" noChangeShapeType="1" noTextEdit="1"/>
-              </p:cNvSpPr>
-              <p:nvPr/>
-            </p:nvSpPr>
-            <p:spPr>
-              <a:xfrm>
-                <a:off x="3713978" y="4507468"/>
-                <a:ext cx="439799" cy="369332"/>
-              </a:xfrm>
-              <a:prstGeom prst="rect">
-                <a:avLst/>
-              </a:prstGeom>
-              <a:blipFill rotWithShape="1">
-                <a:blip r:embed="rId16"/>
-                <a:stretch>
-                  <a:fillRect b="-8197"/>
-                </a:stretch>
-              </a:blipFill>
-            </p:spPr>
-            <p:txBody>
-              <a:bodyPr/>
-              <a:lstStyle/>
-              <a:p>
-                <a:r>
-                  <a:rPr lang="en-GB">
-                    <a:noFill/>
-                  </a:rPr>
-                  <a:t> </a:t>
-                </a:r>
-              </a:p>
-            </p:txBody>
-          </p:sp>
-        </mc:Fallback>
-      </mc:AlternateContent>
-      <p:sp>
-        <p:nvSpPr>
-          <p:cNvPr id="15" name="Right Arrow 14"/>
-          <p:cNvSpPr/>
-          <p:nvPr/>
-        </p:nvSpPr>
-        <p:spPr>
-          <a:xfrm>
-            <a:off x="2819400" y="5257800"/>
-            <a:ext cx="381000" cy="228600"/>
-          </a:xfrm>
-          <a:prstGeom prst="rightArrow">
-            <a:avLst/>
-          </a:prstGeom>
-        </p:spPr>
-        <p:style>
-          <a:lnRef idx="2">
-            <a:schemeClr val="accent1">
-              <a:shade val="50000"/>
-            </a:schemeClr>
-          </a:lnRef>
-          <a:fillRef idx="1">
-            <a:schemeClr val="accent1"/>
-          </a:fillRef>
-          <a:effectRef idx="0">
-            <a:schemeClr val="accent1"/>
-          </a:effectRef>
-          <a:fontRef idx="minor">
-            <a:schemeClr val="lt1"/>
-          </a:fontRef>
-        </p:style>
-        <p:txBody>
-          <a:bodyPr rtlCol="0" anchor="ctr"/>
-          <a:lstStyle/>
-          <a:p>
-            <a:pPr algn="ctr"/>
-            <a:endParaRPr lang="en-US"/>
-          </a:p>
-        </p:txBody>
-      </p:sp>
-      <p:sp>
-        <p:nvSpPr>
-          <p:cNvPr id="16" name="Right Arrow 15"/>
-          <p:cNvSpPr/>
-          <p:nvPr/>
-        </p:nvSpPr>
-        <p:spPr>
-          <a:xfrm>
-            <a:off x="2819400" y="1676400"/>
-            <a:ext cx="381000" cy="228600"/>
-          </a:xfrm>
-          <a:prstGeom prst="rightArrow">
-            <a:avLst/>
-          </a:prstGeom>
-        </p:spPr>
-        <p:style>
-          <a:lnRef idx="2">
-            <a:schemeClr val="accent1">
-              <a:shade val="50000"/>
-            </a:schemeClr>
-          </a:lnRef>
-          <a:fillRef idx="1">
-            <a:schemeClr val="accent1"/>
-          </a:fillRef>
-          <a:effectRef idx="0">
-            <a:schemeClr val="accent1"/>
-          </a:effectRef>
-          <a:fontRef idx="minor">
-            <a:schemeClr val="lt1"/>
-          </a:fontRef>
-        </p:style>
-        <p:txBody>
-          <a:bodyPr rtlCol="0" anchor="ctr"/>
-          <a:lstStyle/>
-          <a:p>
-            <a:pPr algn="ctr"/>
-            <a:endParaRPr lang="en-US"/>
-          </a:p>
-        </p:txBody>
-      </p:sp>
-      <p:sp>
-        <p:nvSpPr>
-          <p:cNvPr id="17" name="Right Arrow 16"/>
-          <p:cNvSpPr/>
-          <p:nvPr/>
-        </p:nvSpPr>
-        <p:spPr>
-          <a:xfrm>
-            <a:off x="2819400" y="3733800"/>
-            <a:ext cx="381000" cy="228600"/>
-          </a:xfrm>
-          <a:prstGeom prst="rightArrow">
-            <a:avLst/>
-          </a:prstGeom>
-        </p:spPr>
-        <p:style>
-          <a:lnRef idx="2">
-            <a:schemeClr val="accent1">
-              <a:shade val="50000"/>
-            </a:schemeClr>
-          </a:lnRef>
-          <a:fillRef idx="1">
-            <a:schemeClr val="accent1"/>
-          </a:fillRef>
-          <a:effectRef idx="0">
-            <a:schemeClr val="accent1"/>
-          </a:effectRef>
-          <a:fontRef idx="minor">
-            <a:schemeClr val="lt1"/>
-          </a:fontRef>
-        </p:style>
-        <p:txBody>
-          <a:bodyPr rtlCol="0" anchor="ctr"/>
-          <a:lstStyle/>
-          <a:p>
-            <a:pPr algn="ctr"/>
-            <a:endParaRPr lang="en-US"/>
-          </a:p>
-        </p:txBody>
-      </p:sp>
-      <p:pic>
-        <p:nvPicPr>
-          <p:cNvPr id="47" name="Picture 14"/>
-          <p:cNvPicPr>
-            <a:picLocks noChangeAspect="1" noChangeArrowheads="1"/>
-          </p:cNvPicPr>
-          <p:nvPr/>
-        </p:nvPicPr>
-        <p:blipFill>
-          <a:blip r:embed="rId17" cstate="print"/>
-          <a:srcRect/>
-          <a:stretch>
-            <a:fillRect/>
-          </a:stretch>
-        </p:blipFill>
-        <p:spPr bwMode="auto">
-          <a:xfrm>
-            <a:off x="4800600" y="2203179"/>
-            <a:ext cx="1447800" cy="1304925"/>
-          </a:xfrm>
-          <a:prstGeom prst="rect">
-            <a:avLst/>
-          </a:prstGeom>
-          <a:noFill/>
-          <a:ln w="9525">
-            <a:noFill/>
-            <a:miter lim="800000"/>
-            <a:headEnd/>
-            <a:tailEnd/>
-          </a:ln>
-        </p:spPr>
-      </p:pic>
-      <p:pic>
-        <p:nvPicPr>
-          <p:cNvPr id="48" name="Picture 2" descr="C:\Users\carmi\Documents\universal_style_transfer\Report\Figures\merge\merge_bridge_starry_st2_2.jpg"/>
-          <p:cNvPicPr>
-            <a:picLocks noChangeAspect="1" noChangeArrowheads="1"/>
-          </p:cNvPicPr>
-          <p:nvPr/>
-        </p:nvPicPr>
-        <p:blipFill>
-          <a:blip r:embed="rId18" cstate="print"/>
-          <a:srcRect/>
-          <a:stretch>
-            <a:fillRect/>
-          </a:stretch>
-        </p:blipFill>
-        <p:spPr bwMode="auto">
-          <a:xfrm>
-            <a:off x="6728459" y="469482"/>
-            <a:ext cx="2263141" cy="2089052"/>
-          </a:xfrm>
-          <a:prstGeom prst="rect">
-            <a:avLst/>
-          </a:prstGeom>
-          <a:noFill/>
-        </p:spPr>
-      </p:pic>
-      <mc:AlternateContent xmlns:mc="http://schemas.openxmlformats.org/markup-compatibility/2006" xmlns:a14="http://schemas.microsoft.com/office/drawing/2010/main">
-        <mc:Choice Requires="a14">
-          <p:sp>
-            <p:nvSpPr>
-              <p:cNvPr id="49" name="TextBox 48"/>
-              <p:cNvSpPr txBox="1"/>
-              <p:nvPr/>
-            </p:nvSpPr>
-            <p:spPr>
-              <a:xfrm>
-                <a:off x="6915305" y="3259502"/>
-                <a:ext cx="519694" cy="369332"/>
-              </a:xfrm>
-              <a:prstGeom prst="rect">
-                <a:avLst/>
-              </a:prstGeom>
-              <a:noFill/>
-            </p:spPr>
-            <p:txBody>
-              <a:bodyPr wrap="none" rtlCol="0">
-                <a:spAutoFit/>
-              </a:bodyPr>
-              <a:lstStyle/>
-              <a:p>
-                <a:pPr/>
-                <a14:m>
-                  <m:oMathPara xmlns:m="http://schemas.openxmlformats.org/officeDocument/2006/math">
-                    <m:oMathParaPr>
-                      <m:jc m:val="centerGroup"/>
-                    </m:oMathParaPr>
-                    <m:oMath xmlns:m="http://schemas.openxmlformats.org/officeDocument/2006/math">
-                      <m:sSub>
-                        <m:sSubPr>
-                          <m:ctrlPr>
-                            <a:rPr lang="en-GB" b="0" i="1" smtClean="0">
-                              <a:latin typeface="Cambria Math"/>
-                            </a:rPr>
-                          </m:ctrlPr>
-                        </m:sSubPr>
-                        <m:e>
-                          <m:r>
-                            <a:rPr lang="en-GB" b="0" i="1" smtClean="0">
-                              <a:latin typeface="Cambria Math"/>
-                            </a:rPr>
-                            <m:t>𝑓</m:t>
-                          </m:r>
-                        </m:e>
-                        <m:sub>
-                          <m:r>
-                            <a:rPr lang="en-GB" b="0" i="1" smtClean="0">
-                              <a:latin typeface="Cambria Math"/>
-                            </a:rPr>
-                            <m:t>𝑐𝑠</m:t>
-                          </m:r>
-                        </m:sub>
-                      </m:sSub>
-                    </m:oMath>
-                  </m:oMathPara>
-                </a14:m>
-                <a:endParaRPr lang="en-GB" dirty="0"/>
-              </a:p>
-            </p:txBody>
-          </p:sp>
-        </mc:Choice>
-        <mc:Fallback xmlns="">
-          <p:sp>
-            <p:nvSpPr>
-              <p:cNvPr id="49" name="TextBox 48"/>
-              <p:cNvSpPr txBox="1">
-                <a:spLocks noRot="1" noChangeAspect="1" noMove="1" noResize="1" noEditPoints="1" noAdjustHandles="1" noChangeArrowheads="1" noChangeShapeType="1" noTextEdit="1"/>
-              </p:cNvSpPr>
-              <p:nvPr/>
-            </p:nvSpPr>
-            <p:spPr>
-              <a:xfrm>
-                <a:off x="6915305" y="3259502"/>
-                <a:ext cx="519694" cy="369332"/>
-              </a:xfrm>
-              <a:prstGeom prst="rect">
-                <a:avLst/>
-              </a:prstGeom>
-              <a:blipFill rotWithShape="1">
-                <a:blip r:embed="rId19"/>
-                <a:stretch>
-                  <a:fillRect b="-10000"/>
-                </a:stretch>
-              </a:blipFill>
-            </p:spPr>
-            <p:txBody>
-              <a:bodyPr/>
-              <a:lstStyle/>
-              <a:p>
-                <a:r>
-                  <a:rPr lang="en-GB">
-                    <a:noFill/>
-                  </a:rPr>
-                  <a:t> </a:t>
-                </a:r>
-              </a:p>
-            </p:txBody>
-          </p:sp>
-        </mc:Fallback>
-      </mc:AlternateContent>
-    </p:spTree>
-    <p:extLst>
-      <p:ext uri="{BB962C8B-B14F-4D97-AF65-F5344CB8AC3E}">
-        <p14:creationId xmlns:p14="http://schemas.microsoft.com/office/powerpoint/2010/main" val="1611528961"/>
-      </p:ext>
-    </p:extLst>
   </p:cSld>
   <p:clrMapOvr>
     <a:masterClrMapping/>
@@ -12268,4 +13106,287 @@
   <a:objectDefaults/>
   <a:extraClrSchemeLst/>
 </a:theme>
+</file>
+
+<file path=ppt/theme/theme2.xml><?xml version="1.0" encoding="utf-8"?>
+<a:theme xmlns:a="http://schemas.openxmlformats.org/drawingml/2006/main" name="Office Theme">
+  <a:themeElements>
+    <a:clrScheme name="Office">
+      <a:dk1>
+        <a:sysClr val="windowText" lastClr="000000"/>
+      </a:dk1>
+      <a:lt1>
+        <a:sysClr val="window" lastClr="FFFFFF"/>
+      </a:lt1>
+      <a:dk2>
+        <a:srgbClr val="1F497D"/>
+      </a:dk2>
+      <a:lt2>
+        <a:srgbClr val="EEECE1"/>
+      </a:lt2>
+      <a:accent1>
+        <a:srgbClr val="4F81BD"/>
+      </a:accent1>
+      <a:accent2>
+        <a:srgbClr val="C0504D"/>
+      </a:accent2>
+      <a:accent3>
+        <a:srgbClr val="9BBB59"/>
+      </a:accent3>
+      <a:accent4>
+        <a:srgbClr val="8064A2"/>
+      </a:accent4>
+      <a:accent5>
+        <a:srgbClr val="4BACC6"/>
+      </a:accent5>
+      <a:accent6>
+        <a:srgbClr val="F79646"/>
+      </a:accent6>
+      <a:hlink>
+        <a:srgbClr val="0000FF"/>
+      </a:hlink>
+      <a:folHlink>
+        <a:srgbClr val="800080"/>
+      </a:folHlink>
+    </a:clrScheme>
+    <a:fontScheme name="Office">
+      <a:majorFont>
+        <a:latin typeface="Calibri"/>
+        <a:ea typeface=""/>
+        <a:cs typeface=""/>
+        <a:font script="Jpan" typeface="ＭＳ Ｐゴシック"/>
+        <a:font script="Hang" typeface="맑은 고딕"/>
+        <a:font script="Hans" typeface="宋体"/>
+        <a:font script="Hant" typeface="新細明體"/>
+        <a:font script="Arab" typeface="Times New Roman"/>
+        <a:font script="Hebr" typeface="Times New Roman"/>
+        <a:font script="Thai" typeface="Angsana New"/>
+        <a:font script="Ethi" typeface="Nyala"/>
+        <a:font script="Beng" typeface="Vrinda"/>
+        <a:font script="Gujr" typeface="Shruti"/>
+        <a:font script="Khmr" typeface="MoolBoran"/>
+        <a:font script="Knda" typeface="Tunga"/>
+        <a:font script="Guru" typeface="Raavi"/>
+        <a:font script="Cans" typeface="Euphemia"/>
+        <a:font script="Cher" typeface="Plantagenet Cherokee"/>
+        <a:font script="Yiii" typeface="Microsoft Yi Baiti"/>
+        <a:font script="Tibt" typeface="Microsoft Himalaya"/>
+        <a:font script="Thaa" typeface="MV Boli"/>
+        <a:font script="Deva" typeface="Mangal"/>
+        <a:font script="Telu" typeface="Gautami"/>
+        <a:font script="Taml" typeface="Latha"/>
+        <a:font script="Syrc" typeface="Estrangelo Edessa"/>
+        <a:font script="Orya" typeface="Kalinga"/>
+        <a:font script="Mlym" typeface="Kartika"/>
+        <a:font script="Laoo" typeface="DokChampa"/>
+        <a:font script="Sinh" typeface="Iskoola Pota"/>
+        <a:font script="Mong" typeface="Mongolian Baiti"/>
+        <a:font script="Viet" typeface="Times New Roman"/>
+        <a:font script="Uigh" typeface="Microsoft Uighur"/>
+      </a:majorFont>
+      <a:minorFont>
+        <a:latin typeface="Calibri"/>
+        <a:ea typeface=""/>
+        <a:cs typeface=""/>
+        <a:font script="Jpan" typeface="ＭＳ Ｐゴシック"/>
+        <a:font script="Hang" typeface="맑은 고딕"/>
+        <a:font script="Hans" typeface="宋体"/>
+        <a:font script="Hant" typeface="新細明體"/>
+        <a:font script="Arab" typeface="Arial"/>
+        <a:font script="Hebr" typeface="Arial"/>
+        <a:font script="Thai" typeface="Cordia New"/>
+        <a:font script="Ethi" typeface="Nyala"/>
+        <a:font script="Beng" typeface="Vrinda"/>
+        <a:font script="Gujr" typeface="Shruti"/>
+        <a:font script="Khmr" typeface="DaunPenh"/>
+        <a:font script="Knda" typeface="Tunga"/>
+        <a:font script="Guru" typeface="Raavi"/>
+        <a:font script="Cans" typeface="Euphemia"/>
+        <a:font script="Cher" typeface="Plantagenet Cherokee"/>
+        <a:font script="Yiii" typeface="Microsoft Yi Baiti"/>
+        <a:font script="Tibt" typeface="Microsoft Himalaya"/>
+        <a:font script="Thaa" typeface="MV Boli"/>
+        <a:font script="Deva" typeface="Mangal"/>
+        <a:font script="Telu" typeface="Gautami"/>
+        <a:font script="Taml" typeface="Latha"/>
+        <a:font script="Syrc" typeface="Estrangelo Edessa"/>
+        <a:font script="Orya" typeface="Kalinga"/>
+        <a:font script="Mlym" typeface="Kartika"/>
+        <a:font script="Laoo" typeface="DokChampa"/>
+        <a:font script="Sinh" typeface="Iskoola Pota"/>
+        <a:font script="Mong" typeface="Mongolian Baiti"/>
+        <a:font script="Viet" typeface="Arial"/>
+        <a:font script="Uigh" typeface="Microsoft Uighur"/>
+      </a:minorFont>
+    </a:fontScheme>
+    <a:fmtScheme name="Office">
+      <a:fillStyleLst>
+        <a:solidFill>
+          <a:schemeClr val="phClr"/>
+        </a:solidFill>
+        <a:gradFill rotWithShape="1">
+          <a:gsLst>
+            <a:gs pos="0">
+              <a:schemeClr val="phClr">
+                <a:tint val="50000"/>
+                <a:satMod val="300000"/>
+              </a:schemeClr>
+            </a:gs>
+            <a:gs pos="35000">
+              <a:schemeClr val="phClr">
+                <a:tint val="37000"/>
+                <a:satMod val="300000"/>
+              </a:schemeClr>
+            </a:gs>
+            <a:gs pos="100000">
+              <a:schemeClr val="phClr">
+                <a:tint val="15000"/>
+                <a:satMod val="350000"/>
+              </a:schemeClr>
+            </a:gs>
+          </a:gsLst>
+          <a:lin ang="16200000" scaled="1"/>
+        </a:gradFill>
+        <a:gradFill rotWithShape="1">
+          <a:gsLst>
+            <a:gs pos="0">
+              <a:schemeClr val="phClr">
+                <a:shade val="51000"/>
+                <a:satMod val="130000"/>
+              </a:schemeClr>
+            </a:gs>
+            <a:gs pos="80000">
+              <a:schemeClr val="phClr">
+                <a:shade val="93000"/>
+                <a:satMod val="130000"/>
+              </a:schemeClr>
+            </a:gs>
+            <a:gs pos="100000">
+              <a:schemeClr val="phClr">
+                <a:shade val="94000"/>
+                <a:satMod val="135000"/>
+              </a:schemeClr>
+            </a:gs>
+          </a:gsLst>
+          <a:lin ang="16200000" scaled="0"/>
+        </a:gradFill>
+      </a:fillStyleLst>
+      <a:lnStyleLst>
+        <a:ln w="9525" cap="flat" cmpd="sng" algn="ctr">
+          <a:solidFill>
+            <a:schemeClr val="phClr">
+              <a:shade val="95000"/>
+              <a:satMod val="105000"/>
+            </a:schemeClr>
+          </a:solidFill>
+          <a:prstDash val="solid"/>
+        </a:ln>
+        <a:ln w="25400" cap="flat" cmpd="sng" algn="ctr">
+          <a:solidFill>
+            <a:schemeClr val="phClr"/>
+          </a:solidFill>
+          <a:prstDash val="solid"/>
+        </a:ln>
+        <a:ln w="38100" cap="flat" cmpd="sng" algn="ctr">
+          <a:solidFill>
+            <a:schemeClr val="phClr"/>
+          </a:solidFill>
+          <a:prstDash val="solid"/>
+        </a:ln>
+      </a:lnStyleLst>
+      <a:effectStyleLst>
+        <a:effectStyle>
+          <a:effectLst>
+            <a:outerShdw blurRad="40000" dist="20000" dir="5400000" rotWithShape="0">
+              <a:srgbClr val="000000">
+                <a:alpha val="38000"/>
+              </a:srgbClr>
+            </a:outerShdw>
+          </a:effectLst>
+        </a:effectStyle>
+        <a:effectStyle>
+          <a:effectLst>
+            <a:outerShdw blurRad="40000" dist="23000" dir="5400000" rotWithShape="0">
+              <a:srgbClr val="000000">
+                <a:alpha val="35000"/>
+              </a:srgbClr>
+            </a:outerShdw>
+          </a:effectLst>
+        </a:effectStyle>
+        <a:effectStyle>
+          <a:effectLst>
+            <a:outerShdw blurRad="40000" dist="23000" dir="5400000" rotWithShape="0">
+              <a:srgbClr val="000000">
+                <a:alpha val="35000"/>
+              </a:srgbClr>
+            </a:outerShdw>
+          </a:effectLst>
+          <a:scene3d>
+            <a:camera prst="orthographicFront">
+              <a:rot lat="0" lon="0" rev="0"/>
+            </a:camera>
+            <a:lightRig rig="threePt" dir="t">
+              <a:rot lat="0" lon="0" rev="1200000"/>
+            </a:lightRig>
+          </a:scene3d>
+          <a:sp3d>
+            <a:bevelT w="63500" h="25400"/>
+          </a:sp3d>
+        </a:effectStyle>
+      </a:effectStyleLst>
+      <a:bgFillStyleLst>
+        <a:solidFill>
+          <a:schemeClr val="phClr"/>
+        </a:solidFill>
+        <a:gradFill rotWithShape="1">
+          <a:gsLst>
+            <a:gs pos="0">
+              <a:schemeClr val="phClr">
+                <a:tint val="40000"/>
+                <a:satMod val="350000"/>
+              </a:schemeClr>
+            </a:gs>
+            <a:gs pos="40000">
+              <a:schemeClr val="phClr">
+                <a:tint val="45000"/>
+                <a:shade val="99000"/>
+                <a:satMod val="350000"/>
+              </a:schemeClr>
+            </a:gs>
+            <a:gs pos="100000">
+              <a:schemeClr val="phClr">
+                <a:shade val="20000"/>
+                <a:satMod val="255000"/>
+              </a:schemeClr>
+            </a:gs>
+          </a:gsLst>
+          <a:path path="circle">
+            <a:fillToRect l="50000" t="-80000" r="50000" b="180000"/>
+          </a:path>
+        </a:gradFill>
+        <a:gradFill rotWithShape="1">
+          <a:gsLst>
+            <a:gs pos="0">
+              <a:schemeClr val="phClr">
+                <a:tint val="80000"/>
+                <a:satMod val="300000"/>
+              </a:schemeClr>
+            </a:gs>
+            <a:gs pos="100000">
+              <a:schemeClr val="phClr">
+                <a:shade val="30000"/>
+                <a:satMod val="200000"/>
+              </a:schemeClr>
+            </a:gs>
+          </a:gsLst>
+          <a:path path="circle">
+            <a:fillToRect l="50000" t="50000" r="50000" b="50000"/>
+          </a:path>
+        </a:gradFill>
+      </a:bgFillStyleLst>
+    </a:fmtScheme>
+  </a:themeElements>
+  <a:objectDefaults/>
+  <a:extraClrSchemeLst/>
+</a:theme>
 </file>
--- a/ppt/Universal Style transfer via Feature Transform.pptx
+++ b/ppt/Universal Style transfer via Feature Transform.pptx
@@ -206,7 +206,8 @@
           <a:p>
             <a:fld id="{43549712-63CD-4981-86EB-8B9B5B67AD3E}" type="datetimeFigureOut">
               <a:rPr lang="en-US" smtClean="0"/>
-              <a:t>23-Feb-19</a:t>
+              <a:pPr/>
+              <a:t>2/23/2019</a:t>
             </a:fld>
             <a:endParaRPr lang="en-US"/>
           </a:p>
@@ -367,6 +368,7 @@
           <a:p>
             <a:fld id="{D403C2C2-E16D-4CBA-8509-EAAB4FB7A708}" type="slidenum">
               <a:rPr lang="en-US" smtClean="0"/>
+              <a:pPr/>
               <a:t>‹#›</a:t>
             </a:fld>
             <a:endParaRPr lang="en-US"/>
@@ -376,7 +378,7 @@
     </p:spTree>
     <p:extLst>
       <p:ext uri="{BB962C8B-B14F-4D97-AF65-F5344CB8AC3E}">
-        <p14:creationId xmlns:p14="http://schemas.microsoft.com/office/powerpoint/2010/main" val="1046032239"/>
+        <p14:creationId xmlns:p14="http://schemas.microsoft.com/office/powerpoint/2010/main" xmlns="" val="1046032239"/>
       </p:ext>
     </p:extLst>
   </p:cSld>
@@ -522,19 +524,80 @@
           </a:bodyPr>
           <a:lstStyle/>
           <a:p>
+            <a:pPr>
+              <a:buFontTx/>
+              <a:buChar char="-"/>
+            </a:pPr>
             <a:r>
               <a:rPr lang="en-US" dirty="0" smtClean="0"/>
-              <a:t>- </a:t>
+              <a:t>Carmi</a:t>
             </a:r>
             <a:r>
               <a:rPr lang="en-US" dirty="0" smtClean="0"/>
-              <a:t>Carmi: Talk </a:t>
+              <a:t>: Talk about background for Style Transfer, look at related work and </a:t>
             </a:r>
             <a:r>
               <a:rPr lang="en-US" dirty="0" smtClean="0"/>
-              <a:t>about background for Style Transfer, look at related work and add</a:t>
-            </a:r>
-            <a:endParaRPr lang="en-US" dirty="0"/>
+              <a:t>add</a:t>
+            </a:r>
+            <a:endParaRPr lang="he-IL" dirty="0" smtClean="0"/>
+          </a:p>
+          <a:p>
+            <a:pPr algn="r">
+              <a:buFontTx/>
+              <a:buNone/>
+            </a:pPr>
+            <a:r>
+              <a:rPr lang="he-IL" dirty="0" smtClean="0"/>
+              <a:t>בעבודה</a:t>
+            </a:r>
+            <a:r>
+              <a:rPr lang="he-IL" baseline="0" dirty="0" smtClean="0"/>
+              <a:t> זו נציג מימוש של שיטה להעברת סטייל תוך שמירה על התוכן של תמונה אחרת.</a:t>
+            </a:r>
+          </a:p>
+          <a:p>
+            <a:pPr algn="r" rtl="1">
+              <a:buFontTx/>
+              <a:buNone/>
+            </a:pPr>
+            <a:r>
+              <a:rPr lang="he-IL" baseline="0" dirty="0" smtClean="0"/>
+              <a:t>העבודה מתבססת על מאמר שפורסם ב-</a:t>
+            </a:r>
+            <a:r>
+              <a:rPr lang="en-US" baseline="0" dirty="0" smtClean="0"/>
+              <a:t>NIPS</a:t>
+            </a:r>
+            <a:r>
+              <a:rPr lang="he-IL" baseline="0" dirty="0" smtClean="0"/>
+              <a:t> 2017.</a:t>
+            </a:r>
+          </a:p>
+          <a:p>
+            <a:pPr algn="r" rtl="1">
+              <a:buFontTx/>
+              <a:buNone/>
+            </a:pPr>
+            <a:r>
+              <a:rPr lang="he-IL" baseline="0" dirty="0" smtClean="0"/>
+              <a:t>הכוונה ב-</a:t>
+            </a:r>
+            <a:r>
+              <a:rPr lang="en-US" baseline="0" dirty="0" smtClean="0"/>
+              <a:t>Universal </a:t>
+            </a:r>
+            <a:r>
+              <a:rPr lang="he-IL" baseline="0" dirty="0" smtClean="0"/>
+              <a:t> היא שאיננו מגדירים מראש תמונת סטייל או תוכן.</a:t>
+            </a:r>
+          </a:p>
+          <a:p>
+            <a:pPr algn="r" rtl="1">
+              <a:buFontTx/>
+              <a:buNone/>
+            </a:pPr>
+            <a:endParaRPr lang="he-IL" baseline="0" dirty="0" smtClean="0"/>
           </a:p>
         </p:txBody>
       </p:sp>
@@ -555,6 +618,7 @@
           <a:p>
             <a:fld id="{D403C2C2-E16D-4CBA-8509-EAAB4FB7A708}" type="slidenum">
               <a:rPr lang="en-US" smtClean="0"/>
+              <a:pPr/>
               <a:t>1</a:t>
             </a:fld>
             <a:endParaRPr lang="en-US"/>
@@ -613,35 +677,48 @@
           <a:bodyPr/>
           <a:lstStyle/>
           <a:p>
-            <a:r>
-              <a:rPr lang="en-GB" dirty="0" smtClean="0"/>
-              <a:t>Carmi</a:t>
-            </a:r>
-          </a:p>
-          <a:p>
+            <a:pPr algn="r" rtl="1"/>
             <a:r>
               <a:rPr lang="he-IL" dirty="0" smtClean="0"/>
-              <a:t>להציג את האפשרות להעביר סטייל</a:t>
+              <a:t>במאמר מציגים</a:t>
             </a:r>
             <a:r>
               <a:rPr lang="he-IL" baseline="0" dirty="0" smtClean="0"/>
-              <a:t> משתי תמונות סטייל</a:t>
-            </a:r>
-          </a:p>
-          <a:p>
+              <a:t> שיטה לשילוב שתי תמונות סטייל שונות לתמונת תוכן אחת.</a:t>
+            </a:r>
+          </a:p>
+          <a:p>
+            <a:pPr algn="r" rtl="1"/>
             <a:r>
               <a:rPr lang="he-IL" baseline="0" dirty="0" smtClean="0"/>
-              <a:t>במסגרת </a:t>
-            </a:r>
-            <a:r>
-              <a:rPr lang="he-IL" baseline="0" dirty="0" err="1" smtClean="0"/>
-              <a:t>הפרוייקט</a:t>
-            </a:r>
+              <a:t>כחלק ממימוש של המאמר והשיטות השונות, ראינו שיש מקום לשיפור ושימוש במאפיינים הקיימים במקומות שונים בפייפליין על מנת לממש שילוב שתי תמונות סטייל.</a:t>
+            </a:r>
+          </a:p>
+          <a:p>
+            <a:pPr algn="r" rtl="1"/>
             <a:r>
               <a:rPr lang="he-IL" baseline="0" dirty="0" smtClean="0"/>
-              <a:t> בחנו שיטות נוספות לבצע את הפעולה בצורה יעילה יותר חישובית מהשיטה הקיימת</a:t>
-            </a:r>
-            <a:endParaRPr lang="en-GB" dirty="0"/>
+              <a:t>בחנו שיטות שונות על מנת לייעל את הפתרון המוצע ע"י שימוש סביר בקריאות לאלגוריתם </a:t>
+            </a:r>
+            <a:r>
+              <a:rPr lang="en-US" baseline="0" dirty="0" smtClean="0"/>
+              <a:t>SVD</a:t>
+            </a:r>
+            <a:r>
+              <a:rPr lang="he-IL" baseline="0" dirty="0" smtClean="0"/>
+              <a:t> שנחשב לצוואר בקבוק.</a:t>
+            </a:r>
+          </a:p>
+          <a:p>
+            <a:pPr algn="r" rtl="1"/>
+            <a:r>
+              <a:rPr lang="he-IL" baseline="0" dirty="0" smtClean="0"/>
+              <a:t>פיתחנו שלוש שיטות חדשות ויעילות יותר מזו המוצעת אשר מציעות שילוב סטיילים שונים תוך קבלת תוצאות איכותיות לא פחות מזו המוצעת במאמר.</a:t>
+            </a:r>
+          </a:p>
+          <a:p>
+            <a:pPr algn="r" rtl="1"/>
+            <a:endParaRPr lang="he-IL" baseline="0" dirty="0" smtClean="0"/>
           </a:p>
         </p:txBody>
       </p:sp>
@@ -662,6 +739,7 @@
           <a:p>
             <a:fld id="{D403C2C2-E16D-4CBA-8509-EAAB4FB7A708}" type="slidenum">
               <a:rPr lang="en-US" smtClean="0"/>
+              <a:pPr/>
               <a:t>10</a:t>
             </a:fld>
             <a:endParaRPr lang="en-US"/>
@@ -671,7 +749,7 @@
     </p:spTree>
     <p:extLst>
       <p:ext uri="{BB962C8B-B14F-4D97-AF65-F5344CB8AC3E}">
-        <p14:creationId xmlns:p14="http://schemas.microsoft.com/office/powerpoint/2010/main" val="2962976735"/>
+        <p14:creationId xmlns:p14="http://schemas.microsoft.com/office/powerpoint/2010/main" xmlns="" val="2962976735"/>
       </p:ext>
     </p:extLst>
   </p:cSld>
@@ -725,10 +803,161 @@
           <a:bodyPr/>
           <a:lstStyle/>
           <a:p>
+            <a:endParaRPr lang="he-IL" dirty="0" smtClean="0"/>
+          </a:p>
+          <a:p>
+            <a:pPr marL="0" marR="0" indent="0" algn="r" defTabSz="914400" rtl="1" eaLnBrk="1" fontAlgn="auto" latinLnBrk="0" hangingPunct="1">
+              <a:lnSpc>
+                <a:spcPct val="100000"/>
+              </a:lnSpc>
+              <a:spcBef>
+                <a:spcPts val="0"/>
+              </a:spcBef>
+              <a:spcAft>
+                <a:spcPts val="0"/>
+              </a:spcAft>
+              <a:buClrTx/>
+              <a:buSzTx/>
+              <a:buFontTx/>
+              <a:buNone/>
+              <a:tabLst/>
+              <a:defRPr/>
+            </a:pPr>
+            <a:r>
+              <a:rPr lang="he-IL" baseline="0" dirty="0" smtClean="0"/>
+              <a:t>השיטה שמוצגת במאמר מומשה על ידינו וזו מעבירה שתי תמונות סטייל ב-</a:t>
+            </a:r>
+            <a:r>
+              <a:rPr lang="en-US" baseline="0" dirty="0" smtClean="0"/>
+              <a:t>encoder</a:t>
+            </a:r>
+            <a:r>
+              <a:rPr lang="he-IL" baseline="0" dirty="0" smtClean="0"/>
+              <a:t>, לאחר מכן את תהליך ה-</a:t>
+            </a:r>
+            <a:r>
+              <a:rPr lang="en-US" baseline="0" dirty="0" smtClean="0"/>
+              <a:t>WCT</a:t>
+            </a:r>
+            <a:r>
+              <a:rPr lang="he-IL" baseline="0" dirty="0" smtClean="0"/>
+              <a:t> לכל אחת מתמונות הסטייל בנפרד.</a:t>
+            </a:r>
+          </a:p>
+          <a:p>
+            <a:pPr marL="0" marR="0" indent="0" algn="r" defTabSz="914400" rtl="1" eaLnBrk="1" fontAlgn="auto" latinLnBrk="0" hangingPunct="1">
+              <a:lnSpc>
+                <a:spcPct val="100000"/>
+              </a:lnSpc>
+              <a:spcBef>
+                <a:spcPts val="0"/>
+              </a:spcBef>
+              <a:spcAft>
+                <a:spcPts val="0"/>
+              </a:spcAft>
+              <a:buClrTx/>
+              <a:buSzTx/>
+              <a:buFontTx/>
+              <a:buNone/>
+              <a:tabLst/>
+              <a:defRPr/>
+            </a:pPr>
+            <a:r>
+              <a:rPr lang="he-IL" baseline="0" dirty="0" smtClean="0"/>
+              <a:t>כלומר, הלבנה של מאפייני תמונת התוכן וצביעה ע"י מאפייני תמונת הסטייל, כל אחת בנפרד.</a:t>
+            </a:r>
+          </a:p>
+          <a:p>
+            <a:pPr marL="0" marR="0" indent="0" algn="r" defTabSz="914400" rtl="1" eaLnBrk="1" fontAlgn="auto" latinLnBrk="0" hangingPunct="1">
+              <a:lnSpc>
+                <a:spcPct val="100000"/>
+              </a:lnSpc>
+              <a:spcBef>
+                <a:spcPts val="0"/>
+              </a:spcBef>
+              <a:spcAft>
+                <a:spcPts val="0"/>
+              </a:spcAft>
+              <a:buClrTx/>
+              <a:buSzTx/>
+              <a:buFontTx/>
+              <a:buNone/>
+              <a:tabLst/>
+              <a:defRPr/>
+            </a:pPr>
+            <a:r>
+              <a:rPr lang="he-IL" baseline="0" dirty="0" smtClean="0"/>
+              <a:t>במימוש זה נעשה שימוש ב-</a:t>
+            </a:r>
+            <a:r>
+              <a:rPr lang="en-US" baseline="0" dirty="0" smtClean="0"/>
+              <a:t>SVD</a:t>
+            </a:r>
+            <a:r>
+              <a:rPr lang="he-IL" baseline="0" dirty="0" smtClean="0"/>
+              <a:t> 4 פעמים, פעמיים עבור הלבנה ופעמיים עבור צביעה.</a:t>
+            </a:r>
+          </a:p>
+          <a:p>
+            <a:pPr marL="0" marR="0" indent="0" algn="r" defTabSz="914400" rtl="1" eaLnBrk="1" fontAlgn="auto" latinLnBrk="0" hangingPunct="1">
+              <a:lnSpc>
+                <a:spcPct val="100000"/>
+              </a:lnSpc>
+              <a:spcBef>
+                <a:spcPts val="0"/>
+              </a:spcBef>
+              <a:spcAft>
+                <a:spcPts val="0"/>
+              </a:spcAft>
+              <a:buClrTx/>
+              <a:buSzTx/>
+              <a:buFontTx/>
+              <a:buNone/>
+              <a:tabLst/>
+              <a:defRPr/>
+            </a:pPr>
+            <a:r>
+              <a:rPr lang="he-IL" baseline="0" dirty="0" smtClean="0"/>
+              <a:t>לבסוף, משתמשים באינטרפולציה של המאפיינים הצבועים על מנת לשלבם בתמונת המוצא.</a:t>
+            </a:r>
+          </a:p>
+          <a:p>
+            <a:pPr marL="0" marR="0" indent="0" algn="r" defTabSz="914400" rtl="1" eaLnBrk="1" fontAlgn="auto" latinLnBrk="0" hangingPunct="1">
+              <a:lnSpc>
+                <a:spcPct val="100000"/>
+              </a:lnSpc>
+              <a:spcBef>
+                <a:spcPts val="0"/>
+              </a:spcBef>
+              <a:spcAft>
+                <a:spcPts val="0"/>
+              </a:spcAft>
+              <a:buClrTx/>
+              <a:buSzTx/>
+              <a:buFontTx/>
+              <a:buNone/>
+              <a:tabLst/>
+              <a:defRPr/>
+            </a:pPr>
+            <a:r>
+              <a:rPr lang="he-IL" baseline="0" smtClean="0"/>
+              <a:t>ניתן להבין משקף זה כי אין צורך להלבין פעמיים את מאפייני תמונת התוכן ונראה כיצד מימשנו דרכים שונות ויעילות להעברת שתי תמונות סטייל שונות.</a:t>
+            </a:r>
+            <a:endParaRPr lang="en-GB" dirty="0" smtClean="0"/>
+          </a:p>
+          <a:p>
+            <a:pPr algn="r" rtl="1"/>
+            <a:endParaRPr lang="he-IL" dirty="0" smtClean="0"/>
+          </a:p>
+          <a:p>
+            <a:endParaRPr lang="he-IL" dirty="0" smtClean="0"/>
+          </a:p>
+          <a:p>
             <a:r>
               <a:rPr lang="en-GB" dirty="0" smtClean="0"/>
               <a:t>Carmi</a:t>
             </a:r>
+            <a:endParaRPr lang="en-GB" dirty="0" smtClean="0"/>
           </a:p>
           <a:p>
             <a:endParaRPr lang="en-GB" dirty="0" smtClean="0"/>
@@ -772,6 +1001,7 @@
           <a:p>
             <a:fld id="{D403C2C2-E16D-4CBA-8509-EAAB4FB7A708}" type="slidenum">
               <a:rPr lang="en-US" smtClean="0"/>
+              <a:pPr/>
               <a:t>11</a:t>
             </a:fld>
             <a:endParaRPr lang="en-US"/>
@@ -781,7 +1011,7 @@
     </p:spTree>
     <p:extLst>
       <p:ext uri="{BB962C8B-B14F-4D97-AF65-F5344CB8AC3E}">
-        <p14:creationId xmlns:p14="http://schemas.microsoft.com/office/powerpoint/2010/main" val="4221968118"/>
+        <p14:creationId xmlns:p14="http://schemas.microsoft.com/office/powerpoint/2010/main" xmlns="" val="4221968118"/>
       </p:ext>
     </p:extLst>
   </p:cSld>
@@ -867,6 +1097,7 @@
           <a:p>
             <a:fld id="{D403C2C2-E16D-4CBA-8509-EAAB4FB7A708}" type="slidenum">
               <a:rPr lang="en-US" smtClean="0"/>
+              <a:pPr/>
               <a:t>12</a:t>
             </a:fld>
             <a:endParaRPr lang="en-US"/>
@@ -876,7 +1107,7 @@
     </p:spTree>
     <p:extLst>
       <p:ext uri="{BB962C8B-B14F-4D97-AF65-F5344CB8AC3E}">
-        <p14:creationId xmlns:p14="http://schemas.microsoft.com/office/powerpoint/2010/main" val="97229603"/>
+        <p14:creationId xmlns:p14="http://schemas.microsoft.com/office/powerpoint/2010/main" xmlns="" val="97229603"/>
       </p:ext>
     </p:extLst>
   </p:cSld>
@@ -981,6 +1212,7 @@
           <a:p>
             <a:fld id="{D403C2C2-E16D-4CBA-8509-EAAB4FB7A708}" type="slidenum">
               <a:rPr lang="en-US" smtClean="0"/>
+              <a:pPr/>
               <a:t>13</a:t>
             </a:fld>
             <a:endParaRPr lang="en-US"/>
@@ -990,7 +1222,7 @@
     </p:spTree>
     <p:extLst>
       <p:ext uri="{BB962C8B-B14F-4D97-AF65-F5344CB8AC3E}">
-        <p14:creationId xmlns:p14="http://schemas.microsoft.com/office/powerpoint/2010/main" val="639567519"/>
+        <p14:creationId xmlns:p14="http://schemas.microsoft.com/office/powerpoint/2010/main" xmlns="" val="639567519"/>
       </p:ext>
     </p:extLst>
   </p:cSld>
@@ -1076,6 +1308,7 @@
           <a:p>
             <a:fld id="{D403C2C2-E16D-4CBA-8509-EAAB4FB7A708}" type="slidenum">
               <a:rPr lang="en-US" smtClean="0"/>
+              <a:pPr/>
               <a:t>14</a:t>
             </a:fld>
             <a:endParaRPr lang="en-US"/>
@@ -1085,7 +1318,7 @@
     </p:spTree>
     <p:extLst>
       <p:ext uri="{BB962C8B-B14F-4D97-AF65-F5344CB8AC3E}">
-        <p14:creationId xmlns:p14="http://schemas.microsoft.com/office/powerpoint/2010/main" val="2500915560"/>
+        <p14:creationId xmlns:p14="http://schemas.microsoft.com/office/powerpoint/2010/main" xmlns="" val="2500915560"/>
       </p:ext>
     </p:extLst>
   </p:cSld>
@@ -1141,19 +1374,124 @@
           </a:bodyPr>
           <a:lstStyle/>
           <a:p>
-            <a:pPr>
+            <a:pPr algn="r" rtl="1">
               <a:buFontTx/>
-              <a:buChar char="-"/>
+              <a:buNone/>
             </a:pPr>
             <a:r>
-              <a:rPr lang="en-US" dirty="0" smtClean="0"/>
-              <a:t> </a:t>
-            </a:r>
-            <a:r>
-              <a:rPr lang="en-US" dirty="0" smtClean="0"/>
-              <a:t>Carmi</a:t>
-            </a:r>
-            <a:endParaRPr lang="en-US" dirty="0"/>
+              <a:rPr lang="he-IL" dirty="0" smtClean="0"/>
+              <a:t>כרמי:</a:t>
+            </a:r>
+          </a:p>
+          <a:p>
+            <a:pPr algn="r" rtl="1">
+              <a:buFontTx/>
+              <a:buNone/>
+            </a:pPr>
+            <a:r>
+              <a:rPr lang="he-IL" dirty="0" smtClean="0"/>
+              <a:t>בעבודה</a:t>
+            </a:r>
+            <a:r>
+              <a:rPr lang="he-IL" baseline="0" dirty="0" smtClean="0"/>
+              <a:t> זו מימשנו כלי תוכנה ב</a:t>
+            </a:r>
+            <a:r>
+              <a:rPr lang="en-US" baseline="0" dirty="0" err="1" smtClean="0"/>
+              <a:t>PyTorch</a:t>
+            </a:r>
+            <a:r>
+              <a:rPr lang="he-IL" baseline="0" dirty="0" smtClean="0"/>
+              <a:t> אשר מאפשר העברת סטייל או זוג תמונות סטייל שונות אל תמונת תוכן.</a:t>
+            </a:r>
+          </a:p>
+          <a:p>
+            <a:pPr algn="r" rtl="1">
+              <a:buFontTx/>
+              <a:buNone/>
+            </a:pPr>
+            <a:r>
+              <a:rPr lang="he-IL" baseline="0" dirty="0" smtClean="0"/>
+              <a:t>בכלי ישנן אפשרויות שונות כגון שליטה ברמת העברת הסטייל, שימוש בארכיטקטורות ומודלים שונים ונדבר על כך בהמשך.</a:t>
+            </a:r>
+          </a:p>
+          <a:p>
+            <a:pPr algn="r" rtl="1">
+              <a:buFontTx/>
+              <a:buNone/>
+            </a:pPr>
+            <a:r>
+              <a:rPr lang="he-IL" baseline="0" dirty="0" smtClean="0"/>
+              <a:t>מלבד מימוש האלגוריתם שהוצע ע"י </a:t>
+            </a:r>
+            <a:r>
+              <a:rPr lang="en-US" baseline="0" dirty="0" smtClean="0"/>
+              <a:t>Li et al.</a:t>
+            </a:r>
+            <a:r>
+              <a:rPr lang="he-IL" baseline="0" dirty="0" smtClean="0"/>
+              <a:t> ב-</a:t>
+            </a:r>
+            <a:r>
+              <a:rPr lang="en-US" baseline="0" dirty="0" smtClean="0"/>
+              <a:t>NIPS 2017</a:t>
+            </a:r>
+            <a:r>
+              <a:rPr lang="he-IL" baseline="0" dirty="0" smtClean="0"/>
+              <a:t>, פיתחנו שיטה חדשנית להגברת הסטייל בתמונת התוכן</a:t>
+            </a:r>
+          </a:p>
+          <a:p>
+            <a:pPr algn="r" rtl="1">
+              <a:buFontTx/>
+              <a:buNone/>
+            </a:pPr>
+            <a:r>
+              <a:rPr lang="he-IL" baseline="0" dirty="0" smtClean="0"/>
+              <a:t>כמו כן, פיתחנו 3 שיטות חדשניות ויעילות יותר מזו המוצעת במאמר לשילוב 2 סטיילים שונים בתמונת תוכן.</a:t>
+            </a:r>
+          </a:p>
+          <a:p>
+            <a:pPr algn="r" rtl="1">
+              <a:buFontTx/>
+              <a:buNone/>
+            </a:pPr>
+            <a:endParaRPr lang="he-IL" baseline="0" dirty="0" smtClean="0"/>
+          </a:p>
+          <a:p>
+            <a:pPr algn="r" rtl="1">
+              <a:buFontTx/>
+              <a:buNone/>
+            </a:pPr>
+            <a:r>
+              <a:rPr lang="he-IL" dirty="0" smtClean="0"/>
+              <a:t>בנושא של העברת סטייל ישנו</a:t>
+            </a:r>
+            <a:r>
+              <a:rPr lang="he-IL" baseline="0" dirty="0" smtClean="0"/>
+              <a:t> מחקר ועבודות רבות. מרבית העבודות ממומשות להעברת סטייל ספציפי כגון תאורה ואינן וריאביליות לכל סטייל.</a:t>
+            </a:r>
+          </a:p>
+          <a:p>
+            <a:pPr algn="r" rtl="1">
+              <a:buFontTx/>
+              <a:buNone/>
+            </a:pPr>
+            <a:r>
+              <a:rPr lang="he-IL" baseline="0" dirty="0" smtClean="0"/>
+              <a:t>עבודות אחרונות שנעשו הציגו העברת סטייל שרירותי ע"י נירמול אדפטיבי של מאפייני תמונת התוכן ע"י אלו של תמונת הסטייל.</a:t>
+            </a:r>
+          </a:p>
+          <a:p>
+            <a:pPr algn="r" rtl="1">
+              <a:buFontTx/>
+              <a:buNone/>
+            </a:pPr>
+            <a:r>
+              <a:rPr lang="he-IL" baseline="0" dirty="0" smtClean="0"/>
+              <a:t>על פתרון זה ניתן להסתכל כשערוך של תהליך הלבנה וצביעה.</a:t>
+            </a:r>
+            <a:endParaRPr lang="he-IL" dirty="0"/>
           </a:p>
         </p:txBody>
       </p:sp>
@@ -1174,6 +1512,7 @@
           <a:p>
             <a:fld id="{D403C2C2-E16D-4CBA-8509-EAAB4FB7A708}" type="slidenum">
               <a:rPr lang="en-US" smtClean="0"/>
+              <a:pPr/>
               <a:t>2</a:t>
             </a:fld>
             <a:endParaRPr lang="en-US"/>
@@ -1234,45 +1573,243 @@
           </a:bodyPr>
           <a:lstStyle/>
           <a:p>
-            <a:pPr>
+            <a:pPr algn="r" rtl="1">
               <a:buFontTx/>
-              <a:buChar char="-"/>
+              <a:buNone/>
             </a:pPr>
             <a:r>
-              <a:rPr lang="en-US" dirty="0" smtClean="0"/>
-              <a:t> Carmi </a:t>
-            </a:r>
-          </a:p>
-          <a:p>
-            <a:pPr>
+              <a:rPr lang="he-IL" dirty="0" smtClean="0"/>
+              <a:t>כרמי:</a:t>
+            </a:r>
+          </a:p>
+          <a:p>
+            <a:pPr algn="r" rtl="1">
               <a:buFontTx/>
-              <a:buChar char="-"/>
+              <a:buNone/>
             </a:pPr>
             <a:r>
-              <a:rPr lang="en-US" dirty="0" smtClean="0"/>
-              <a:t> Our implementation for </a:t>
-            </a:r>
-            <a:r>
-              <a:rPr lang="en-US" dirty="0" smtClean="0"/>
-              <a:t>UST is based on encoder-decoder neural</a:t>
+              <a:rPr lang="he-IL" baseline="0" dirty="0" smtClean="0"/>
+              <a:t>תמונת תוכן – </a:t>
             </a:r>
             <a:r>
               <a:rPr lang="en-US" baseline="0" dirty="0" smtClean="0"/>
-              <a:t> network. </a:t>
-            </a:r>
-          </a:p>
-          <a:p>
-            <a:pPr>
+              <a:t>content image</a:t>
+            </a:r>
+            <a:r>
+              <a:rPr lang="he-IL" baseline="0" dirty="0" smtClean="0"/>
+              <a:t> מכילה פרטים הקיימים בתמונה שבד"כ ניתנים לכימות כמו למשל, צורות, מבנים ואובייקטים שונים.</a:t>
+            </a:r>
+          </a:p>
+          <a:p>
+            <a:pPr algn="r" rtl="1">
               <a:buFontTx/>
-              <a:buChar char="-"/>
+              <a:buNone/>
             </a:pPr>
             <a:r>
+              <a:rPr lang="he-IL" baseline="0" dirty="0" smtClean="0"/>
+              <a:t>לעומת זאת, הסטייל בתמונה, בעל משמעות חשובה לא פחות מזו של התוכן, למרות שבאפליקציות רבות ב-</a:t>
+            </a:r>
+            <a:r>
               <a:rPr lang="en-US" baseline="0" dirty="0" smtClean="0"/>
-              <a:t> Explain what is content, what is style, talk about decoder, encoder and the need of them. What is Feature Transform</a:t>
-            </a:r>
-          </a:p>
-          <a:p>
-            <a:pPr>
+              <a:t>computer vision</a:t>
+            </a:r>
+            <a:r>
+              <a:rPr lang="he-IL" baseline="0" dirty="0" smtClean="0"/>
+              <a:t> מיוחסת לו חשיבות נמוכה יותר – </a:t>
+            </a:r>
+          </a:p>
+          <a:p>
+            <a:pPr algn="r" rtl="1">
+              <a:buFontTx/>
+              <a:buNone/>
+            </a:pPr>
+            <a:r>
+              <a:rPr lang="he-IL" baseline="0" dirty="0" smtClean="0"/>
+              <a:t>מכיל טקסטורה, צבע ומאפיינים ויזואליים שונים הקשורים לגוונים.</a:t>
+            </a:r>
+          </a:p>
+          <a:p>
+            <a:pPr algn="r" rtl="1">
+              <a:buFontTx/>
+              <a:buNone/>
+            </a:pPr>
+            <a:r>
+              <a:rPr lang="he-IL" baseline="0" dirty="0" smtClean="0"/>
+              <a:t>בעבודה זו מימשנו אלגוריתם אשר מפריד את הסטייל מתמונת התוכן ומשלב סטייל מתמונה אחרת בתמונת התוכן.</a:t>
+            </a:r>
+          </a:p>
+          <a:p>
+            <a:pPr algn="r" rtl="1">
+              <a:buFontTx/>
+              <a:buNone/>
+            </a:pPr>
+            <a:r>
+              <a:rPr lang="he-IL" baseline="0" dirty="0" smtClean="0"/>
+              <a:t>אלגוריתם זה מבוסס על רשתות קונבולוציה מסוג </a:t>
+            </a:r>
+            <a:r>
+              <a:rPr lang="en-US" baseline="0" dirty="0" smtClean="0"/>
+              <a:t>encoder-decoder</a:t>
+            </a:r>
+            <a:r>
+              <a:rPr lang="he-IL" baseline="0" dirty="0" smtClean="0"/>
+              <a:t> </a:t>
+            </a:r>
+            <a:endParaRPr lang="en-US" baseline="0" dirty="0" smtClean="0"/>
+          </a:p>
+          <a:p>
+            <a:pPr algn="r" rtl="1">
+              <a:buFontTx/>
+              <a:buNone/>
+            </a:pPr>
+            <a:r>
+              <a:rPr lang="he-IL" baseline="0" dirty="0" smtClean="0"/>
+              <a:t>השימוש ב</a:t>
+            </a:r>
+            <a:r>
+              <a:rPr lang="en-US" baseline="0" dirty="0" smtClean="0"/>
+              <a:t>encoder</a:t>
+            </a:r>
+            <a:r>
+              <a:rPr lang="he-IL" baseline="0" dirty="0" smtClean="0"/>
+              <a:t> נעשה על מנת לחלץ ייצוג רחב של מאפיינים אשר ישמשו הן עבור תמונת הסטייל והן עבור תמונת התוכן כך שבשלב התאמת המאפיינים של התמונות, נקבל תאימות טובה מספיק עבור הפרטים הקטנים בתמונות. </a:t>
+            </a:r>
+            <a:r>
+              <a:rPr lang="en-US" baseline="0" dirty="0" smtClean="0"/>
+              <a:t> </a:t>
+            </a:r>
+            <a:endParaRPr lang="he-IL" baseline="0" dirty="0" smtClean="0"/>
+          </a:p>
+          <a:p>
+            <a:pPr algn="r" rtl="1">
+              <a:buFontTx/>
+              <a:buNone/>
+            </a:pPr>
+            <a:r>
+              <a:rPr lang="he-IL" baseline="0" dirty="0" smtClean="0"/>
+              <a:t>השימוש ב-</a:t>
+            </a:r>
+            <a:r>
+              <a:rPr lang="en-US" baseline="0" dirty="0" smtClean="0"/>
+              <a:t>decoder </a:t>
+            </a:r>
+            <a:r>
+              <a:rPr lang="he-IL" baseline="0" dirty="0" smtClean="0"/>
+              <a:t> סימטרי ל-</a:t>
+            </a:r>
+            <a:r>
+              <a:rPr lang="en-US" baseline="0" dirty="0" smtClean="0"/>
+              <a:t> encoder </a:t>
+            </a:r>
+            <a:r>
+              <a:rPr lang="he-IL" baseline="0" dirty="0" smtClean="0"/>
+              <a:t>נעשה על מנת לבצע שיחזור מדויק של התמונה מתוך ייצוג מאפיינים אשר מתקבל כ </a:t>
+            </a:r>
+            <a:r>
+              <a:rPr lang="en-US" baseline="0" dirty="0" smtClean="0"/>
+              <a:t>input</a:t>
+            </a:r>
+            <a:r>
+              <a:rPr lang="he-IL" baseline="0" dirty="0" smtClean="0"/>
+              <a:t> ל-</a:t>
+            </a:r>
+            <a:r>
+              <a:rPr lang="en-US" baseline="0" dirty="0" smtClean="0"/>
+              <a:t>decoder</a:t>
+            </a:r>
+            <a:r>
+              <a:rPr lang="he-IL" baseline="0" dirty="0" smtClean="0"/>
+              <a:t>.</a:t>
+            </a:r>
+          </a:p>
+          <a:p>
+            <a:pPr algn="r" rtl="1">
+              <a:buFontTx/>
+              <a:buNone/>
+            </a:pPr>
+            <a:r>
+              <a:rPr lang="he-IL" baseline="0" dirty="0" smtClean="0"/>
+              <a:t>במאמר שמימשנו נעשה שימוש ב-</a:t>
+            </a:r>
+            <a:r>
+              <a:rPr lang="en-US" baseline="0" dirty="0" smtClean="0"/>
+              <a:t>encoder</a:t>
+            </a:r>
+            <a:r>
+              <a:rPr lang="he-IL" baseline="0" dirty="0" smtClean="0"/>
+              <a:t> </a:t>
+            </a:r>
+            <a:r>
+              <a:rPr lang="en-US" baseline="0" dirty="0" smtClean="0"/>
+              <a:t> </a:t>
+            </a:r>
+            <a:r>
+              <a:rPr lang="he-IL" baseline="0" dirty="0" smtClean="0"/>
+              <a:t>מסוג </a:t>
+            </a:r>
+            <a:r>
+              <a:rPr lang="en-US" baseline="0" dirty="0" smtClean="0"/>
+              <a:t>VGG-19 </a:t>
+            </a:r>
+            <a:r>
+              <a:rPr lang="he-IL" baseline="0" dirty="0" smtClean="0"/>
+              <a:t> </a:t>
+            </a:r>
+          </a:p>
+          <a:p>
+            <a:pPr algn="r" rtl="1">
+              <a:buFontTx/>
+              <a:buNone/>
+            </a:pPr>
+            <a:endParaRPr lang="he-IL" baseline="0" dirty="0" smtClean="0"/>
+          </a:p>
+          <a:p>
+            <a:pPr algn="r" rtl="1">
+              <a:buFontTx/>
+              <a:buNone/>
+            </a:pPr>
+            <a:r>
+              <a:rPr lang="he-IL" baseline="0" dirty="0" smtClean="0"/>
+              <a:t>שלב הטרנספורמציה של המאפיינים יבוצע על ידי תהליך הלבנה וצביעה של מטריצת הקווריאנס אשר נמצא כיעיל במיוחד לצורך העברת הסטייל.</a:t>
+            </a:r>
+          </a:p>
+          <a:p>
+            <a:pPr algn="r" rtl="1">
+              <a:buFontTx/>
+              <a:buNone/>
+            </a:pPr>
+            <a:r>
+              <a:rPr lang="he-IL" baseline="0" dirty="0" smtClean="0"/>
+              <a:t>העיקרון בטרנספורציה הינו למצוא התאמה בין מטריצת הקווריאנס של מאפייני תמונת התוכן וזו של תמונת הסטייל עבור כל אחת מהשכבות של המאפיינים.</a:t>
+            </a:r>
+          </a:p>
+          <a:p>
+            <a:pPr algn="r" rtl="1">
+              <a:buFontTx/>
+              <a:buNone/>
+            </a:pPr>
+            <a:r>
+              <a:rPr lang="he-IL" baseline="0" dirty="0" smtClean="0"/>
+              <a:t>לאחר מכן, המאפיינים אשר עברו הלבנה וצביעה מועברים ל-</a:t>
+            </a:r>
+            <a:r>
+              <a:rPr lang="en-US" baseline="0" dirty="0" smtClean="0"/>
+              <a:t>decoder</a:t>
+            </a:r>
+            <a:r>
+              <a:rPr lang="he-IL" baseline="0" dirty="0" smtClean="0"/>
+              <a:t> לצורך שיחזור תמונת סטייל בשילוב התוכן של תמונת התוכן.</a:t>
+            </a:r>
+          </a:p>
+          <a:p>
+            <a:pPr algn="r" rtl="1">
+              <a:buFontTx/>
+              <a:buNone/>
+            </a:pPr>
+            <a:endParaRPr lang="en-US" baseline="0" dirty="0" smtClean="0"/>
+          </a:p>
+          <a:p>
+            <a:pPr algn="r" rtl="1">
               <a:buFontTx/>
               <a:buNone/>
             </a:pPr>
@@ -1297,6 +1834,7 @@
           <a:p>
             <a:fld id="{D403C2C2-E16D-4CBA-8509-EAAB4FB7A708}" type="slidenum">
               <a:rPr lang="en-US" smtClean="0"/>
+              <a:pPr/>
               <a:t>3</a:t>
             </a:fld>
             <a:endParaRPr lang="en-US"/>
@@ -1357,22 +1895,61 @@
           </a:bodyPr>
           <a:lstStyle/>
           <a:p>
+            <a:pPr algn="r"/>
+            <a:r>
+              <a:rPr lang="he-IL" baseline="0" dirty="0" smtClean="0"/>
+              <a:t>תהליך הלבנה מתבצע עבור כל אחת משכבות המאפיינים של תמונת התוכן בשכבה העמוקה ביותר של האנקודר.</a:t>
+            </a:r>
+          </a:p>
+          <a:p>
+            <a:pPr algn="r" rtl="1"/>
+            <a:r>
+              <a:rPr lang="he-IL" baseline="0" dirty="0" smtClean="0"/>
+              <a:t>עבור כל אחת מהשכבות נחשב סטטיסטיקה של המאפיינים, כלומר את מטריצת הקווריאנס של המאפיינים ובשלב הצביעה נבצע התאמה למטריצת הקווריאנס של תמונת הסטייל.</a:t>
+            </a:r>
+          </a:p>
+          <a:p>
+            <a:pPr algn="r" rtl="1"/>
+            <a:r>
+              <a:rPr lang="he-IL" baseline="0" dirty="0" smtClean="0"/>
+              <a:t>בשלב הראשון בהלבנה, נחסיר את הממוצע של המאפיינים בכל שכבה על מנת למרכז אותם.</a:t>
+            </a:r>
+          </a:p>
+          <a:p>
+            <a:pPr algn="r" rtl="1"/>
+            <a:r>
+              <a:rPr lang="he-IL" baseline="0" dirty="0" smtClean="0"/>
+              <a:t>לאחר מכן, נחשב את מטריצת הקווריאנס של המאפיינים ונבצע </a:t>
+            </a:r>
             <a:r>
               <a:rPr lang="en-US" baseline="0" dirty="0" smtClean="0"/>
-              <a:t>Carmi</a:t>
-            </a:r>
-          </a:p>
-          <a:p>
-            <a:r>
-              <a:rPr lang="en-US" baseline="0" dirty="0" smtClean="0"/>
-              <a:t>How </a:t>
-            </a:r>
-            <a:r>
-              <a:rPr lang="en-US" baseline="0" dirty="0" smtClean="0"/>
-              <a:t>do we use Feature Transform such as WCT for ST. Whitening, Coloring </a:t>
-            </a:r>
-          </a:p>
-          <a:p>
+              <a:t>singular value decomposition</a:t>
+            </a:r>
+            <a:r>
+              <a:rPr lang="he-IL" baseline="0" dirty="0" smtClean="0"/>
+              <a:t> על מטריצה זו בכדי לדאוג שהמאפיינים יהיו חסרי קורלציה ובעלי שונות 1. כלומר רעש לבן.</a:t>
+            </a:r>
+          </a:p>
+          <a:p>
+            <a:pPr algn="r" rtl="1"/>
+            <a:r>
+              <a:rPr lang="he-IL" baseline="0" dirty="0" smtClean="0"/>
+              <a:t>אם נחשב את הקווריאנס של המאפיינים לאחר שעברו הלבנה תתקבל מטריצת היחידה.</a:t>
+            </a:r>
+          </a:p>
+          <a:p>
+            <a:pPr algn="r" rtl="1"/>
+            <a:r>
+              <a:rPr lang="he-IL" baseline="0" dirty="0" smtClean="0"/>
+              <a:t>כל שנותר הוא לצבוע את המאפיינים המולבנים בסטטיסטיקה של מאפייני תמונת הסטייל.</a:t>
+            </a:r>
+          </a:p>
+          <a:p>
+            <a:pPr algn="r" rtl="1"/>
+            <a:endParaRPr lang="he-IL" baseline="0" dirty="0" smtClean="0"/>
+          </a:p>
+          <a:p>
+            <a:pPr algn="r" rtl="1"/>
             <a:endParaRPr lang="en-US" baseline="0" dirty="0" smtClean="0"/>
           </a:p>
         </p:txBody>
@@ -1394,6 +1971,7 @@
           <a:p>
             <a:fld id="{D403C2C2-E16D-4CBA-8509-EAAB4FB7A708}" type="slidenum">
               <a:rPr lang="en-US" smtClean="0"/>
+              <a:pPr/>
               <a:t>4</a:t>
             </a:fld>
             <a:endParaRPr lang="en-US"/>
@@ -1454,22 +2032,40 @@
           </a:bodyPr>
           <a:lstStyle/>
           <a:p>
+            <a:pPr algn="r" rtl="1"/>
+            <a:r>
+              <a:rPr lang="he-IL" baseline="0" dirty="0" smtClean="0"/>
+              <a:t>תהליך הצביעה הוא ההופכי של תהליך ההלבנה.</a:t>
+            </a:r>
+          </a:p>
+          <a:p>
+            <a:pPr algn="r" rtl="1"/>
+            <a:r>
+              <a:rPr lang="he-IL" baseline="0" dirty="0" smtClean="0"/>
+              <a:t>כלומר, בשלב זה יש בידינו מטריצת קווריאנס מולבנת של מאפייני התוכן.</a:t>
+            </a:r>
+          </a:p>
+          <a:p>
+            <a:pPr algn="r" rtl="1"/>
+            <a:r>
+              <a:rPr lang="he-IL" baseline="0" dirty="0" smtClean="0"/>
+              <a:t>נחלץ את המאפיינים הסטטיסטיים מתמונת הסטייל ע"י שימוש ב-</a:t>
+            </a:r>
             <a:r>
               <a:rPr lang="en-US" baseline="0" dirty="0" smtClean="0"/>
-              <a:t>Carmi</a:t>
-            </a:r>
-          </a:p>
-          <a:p>
-            <a:r>
-              <a:rPr lang="en-US" baseline="0" dirty="0" smtClean="0"/>
-              <a:t>How </a:t>
-            </a:r>
-            <a:r>
-              <a:rPr lang="en-US" baseline="0" dirty="0" smtClean="0"/>
-              <a:t>do we use Feature Transform such as WCT for ST. Whitening, Coloring </a:t>
-            </a:r>
-          </a:p>
-          <a:p>
+              <a:t>singular value decomposition</a:t>
+            </a:r>
+            <a:r>
+              <a:rPr lang="he-IL" baseline="0" dirty="0" smtClean="0"/>
+              <a:t> לתוך מטריצת ערכים עצמיים ווקטורים עצמיים וע"י הכפלתם במטריצת הקווריאנס המולבנת של תמונת התוכן </a:t>
+            </a:r>
+          </a:p>
+          <a:p>
+            <a:pPr algn="r" rtl="1"/>
+            <a:r>
+              <a:rPr lang="he-IL" baseline="0" dirty="0" smtClean="0"/>
+              <a:t>נקבל שכבות מאפיינים חדשות אשר צבועות בסטטיסטיקה של תמונת הסטייל תוך שמירה על התבנית של תמונת התוכן.</a:t>
+            </a:r>
             <a:endParaRPr lang="en-US" baseline="0" dirty="0" smtClean="0"/>
           </a:p>
         </p:txBody>
@@ -1491,6 +2087,7 @@
           <a:p>
             <a:fld id="{D403C2C2-E16D-4CBA-8509-EAAB4FB7A708}" type="slidenum">
               <a:rPr lang="en-US" smtClean="0"/>
+              <a:pPr/>
               <a:t>5</a:t>
             </a:fld>
             <a:endParaRPr lang="en-US"/>
@@ -1588,6 +2185,7 @@
           <a:p>
             <a:fld id="{D403C2C2-E16D-4CBA-8509-EAAB4FB7A708}" type="slidenum">
               <a:rPr lang="en-US" smtClean="0"/>
+              <a:pPr/>
               <a:t>6</a:t>
             </a:fld>
             <a:endParaRPr lang="en-US"/>
@@ -1597,7 +2195,7 @@
     </p:spTree>
     <p:extLst>
       <p:ext uri="{BB962C8B-B14F-4D97-AF65-F5344CB8AC3E}">
-        <p14:creationId xmlns:p14="http://schemas.microsoft.com/office/powerpoint/2010/main" val="3816270581"/>
+        <p14:creationId xmlns:p14="http://schemas.microsoft.com/office/powerpoint/2010/main" xmlns="" val="3816270581"/>
       </p:ext>
     </p:extLst>
   </p:cSld>
@@ -1740,6 +2338,7 @@
           <a:p>
             <a:fld id="{D403C2C2-E16D-4CBA-8509-EAAB4FB7A708}" type="slidenum">
               <a:rPr lang="en-US" smtClean="0"/>
+              <a:pPr/>
               <a:t>7</a:t>
             </a:fld>
             <a:endParaRPr lang="en-US"/>
@@ -1749,7 +2348,7 @@
     </p:spTree>
     <p:extLst>
       <p:ext uri="{BB962C8B-B14F-4D97-AF65-F5344CB8AC3E}">
-        <p14:creationId xmlns:p14="http://schemas.microsoft.com/office/powerpoint/2010/main" val="3816270581"/>
+        <p14:creationId xmlns:p14="http://schemas.microsoft.com/office/powerpoint/2010/main" xmlns="" val="3816270581"/>
       </p:ext>
     </p:extLst>
   </p:cSld>
@@ -1885,6 +2484,7 @@
           <a:p>
             <a:fld id="{D403C2C2-E16D-4CBA-8509-EAAB4FB7A708}" type="slidenum">
               <a:rPr lang="en-US" smtClean="0"/>
+              <a:pPr/>
               <a:t>8</a:t>
             </a:fld>
             <a:endParaRPr lang="en-US"/>
@@ -1894,7 +2494,7 @@
     </p:spTree>
     <p:extLst>
       <p:ext uri="{BB962C8B-B14F-4D97-AF65-F5344CB8AC3E}">
-        <p14:creationId xmlns:p14="http://schemas.microsoft.com/office/powerpoint/2010/main" val="1579804125"/>
+        <p14:creationId xmlns:p14="http://schemas.microsoft.com/office/powerpoint/2010/main" xmlns="" val="1579804125"/>
       </p:ext>
     </p:extLst>
   </p:cSld>
@@ -2039,6 +2639,7 @@
           <a:p>
             <a:fld id="{D403C2C2-E16D-4CBA-8509-EAAB4FB7A708}" type="slidenum">
               <a:rPr lang="en-US" smtClean="0"/>
+              <a:pPr/>
               <a:t>9</a:t>
             </a:fld>
             <a:endParaRPr lang="en-US"/>
@@ -2048,7 +2649,7 @@
     </p:spTree>
     <p:extLst>
       <p:ext uri="{BB962C8B-B14F-4D97-AF65-F5344CB8AC3E}">
-        <p14:creationId xmlns:p14="http://schemas.microsoft.com/office/powerpoint/2010/main" val="2507060001"/>
+        <p14:creationId xmlns:p14="http://schemas.microsoft.com/office/powerpoint/2010/main" xmlns="" val="2507060001"/>
       </p:ext>
     </p:extLst>
   </p:cSld>
@@ -2684,7 +3285,7 @@
             <a:fld id="{E6E985E8-094D-432C-AD96-489E57D7E58F}" type="datetimeFigureOut">
               <a:rPr lang="en-US" smtClean="0"/>
               <a:pPr/>
-              <a:t>23-Feb-19</a:t>
+              <a:t>2/23/2019</a:t>
             </a:fld>
             <a:endParaRPr lang="en-US"/>
           </a:p>
@@ -2882,7 +3483,7 @@
             <a:fld id="{E6E985E8-094D-432C-AD96-489E57D7E58F}" type="datetimeFigureOut">
               <a:rPr lang="en-US" smtClean="0"/>
               <a:pPr/>
-              <a:t>23-Feb-19</a:t>
+              <a:t>2/23/2019</a:t>
             </a:fld>
             <a:endParaRPr lang="en-US"/>
           </a:p>
@@ -3069,7 +3670,7 @@
             <a:fld id="{E6E985E8-094D-432C-AD96-489E57D7E58F}" type="datetimeFigureOut">
               <a:rPr lang="en-US" smtClean="0"/>
               <a:pPr/>
-              <a:t>23-Feb-19</a:t>
+              <a:t>2/23/2019</a:t>
             </a:fld>
             <a:endParaRPr lang="en-US"/>
           </a:p>
@@ -3221,7 +3822,7 @@
             <a:fld id="{E6E985E8-094D-432C-AD96-489E57D7E58F}" type="datetimeFigureOut">
               <a:rPr lang="en-US" smtClean="0"/>
               <a:pPr/>
-              <a:t>23-Feb-19</a:t>
+              <a:t>2/23/2019</a:t>
             </a:fld>
             <a:endParaRPr lang="en-US"/>
           </a:p>
@@ -3478,7 +4079,7 @@
             <a:fld id="{E6E985E8-094D-432C-AD96-489E57D7E58F}" type="datetimeFigureOut">
               <a:rPr lang="en-US" smtClean="0"/>
               <a:pPr/>
-              <a:t>23-Feb-19</a:t>
+              <a:t>2/23/2019</a:t>
             </a:fld>
             <a:endParaRPr lang="en-US"/>
           </a:p>
@@ -3889,7 +4490,7 @@
             <a:fld id="{E6E985E8-094D-432C-AD96-489E57D7E58F}" type="datetimeFigureOut">
               <a:rPr lang="en-US" smtClean="0"/>
               <a:pPr/>
-              <a:t>23-Feb-19</a:t>
+              <a:t>2/23/2019</a:t>
             </a:fld>
             <a:endParaRPr lang="en-US"/>
           </a:p>
@@ -4337,7 +4938,7 @@
             <a:fld id="{E6E985E8-094D-432C-AD96-489E57D7E58F}" type="datetimeFigureOut">
               <a:rPr lang="en-US" smtClean="0"/>
               <a:pPr/>
-              <a:t>23-Feb-19</a:t>
+              <a:t>2/23/2019</a:t>
             </a:fld>
             <a:endParaRPr lang="en-US"/>
           </a:p>
@@ -4440,7 +5041,7 @@
             <a:fld id="{E6E985E8-094D-432C-AD96-489E57D7E58F}" type="datetimeFigureOut">
               <a:rPr lang="en-US" smtClean="0"/>
               <a:pPr/>
-              <a:t>23-Feb-19</a:t>
+              <a:t>2/23/2019</a:t>
             </a:fld>
             <a:endParaRPr lang="en-US"/>
           </a:p>
@@ -4563,7 +5164,7 @@
             <a:fld id="{E6E985E8-094D-432C-AD96-489E57D7E58F}" type="datetimeFigureOut">
               <a:rPr lang="en-US" smtClean="0"/>
               <a:pPr/>
-              <a:t>23-Feb-19</a:t>
+              <a:t>2/23/2019</a:t>
             </a:fld>
             <a:endParaRPr lang="en-US"/>
           </a:p>
@@ -4839,7 +5440,7 @@
             <a:fld id="{E6E985E8-094D-432C-AD96-489E57D7E58F}" type="datetimeFigureOut">
               <a:rPr lang="en-US" smtClean="0"/>
               <a:pPr/>
-              <a:t>23-Feb-19</a:t>
+              <a:t>2/23/2019</a:t>
             </a:fld>
             <a:endParaRPr lang="en-US"/>
           </a:p>
@@ -5046,7 +5647,7 @@
             <a:fld id="{E6E985E8-094D-432C-AD96-489E57D7E58F}" type="datetimeFigureOut">
               <a:rPr lang="en-US" smtClean="0"/>
               <a:pPr/>
-              <a:t>23-Feb-19</a:t>
+              <a:t>2/23/2019</a:t>
             </a:fld>
             <a:endParaRPr lang="en-US"/>
           </a:p>
@@ -6157,7 +6758,7 @@
             <a:fld id="{E6E985E8-094D-432C-AD96-489E57D7E58F}" type="datetimeFigureOut">
               <a:rPr lang="en-US" smtClean="0"/>
               <a:pPr/>
-              <a:t>23-Feb-19</a:t>
+              <a:t>2/23/2019</a:t>
             </a:fld>
             <a:endParaRPr lang="en-US"/>
           </a:p>
@@ -8340,8 +8941,8 @@
           </a:p>
         </p:txBody>
       </p:sp>
-      <mc:AlternateContent xmlns:mc="http://schemas.openxmlformats.org/markup-compatibility/2006" xmlns:a14="http://schemas.microsoft.com/office/drawing/2010/main">
-        <mc:Choice Requires="a14">
+      <mc:AlternateContent xmlns:mc="http://schemas.openxmlformats.org/markup-compatibility/2006">
+        <mc:Choice xmlns:a14="http://schemas.microsoft.com/office/drawing/2010/main" xmlns="" Requires="a14">
           <p:sp>
             <p:nvSpPr>
               <p:cNvPr id="24" name="TextBox 23"/>
@@ -8429,7 +9030,7 @@
             </p:txBody>
           </p:sp>
         </mc:Choice>
-        <mc:Fallback xmlns="">
+        <mc:Fallback>
           <p:sp>
             <p:nvSpPr>
               <p:cNvPr id="24" name="TextBox 23"/>
@@ -8468,8 +9069,8 @@
           </p:sp>
         </mc:Fallback>
       </mc:AlternateContent>
-      <mc:AlternateContent xmlns:mc="http://schemas.openxmlformats.org/markup-compatibility/2006" xmlns:a14="http://schemas.microsoft.com/office/drawing/2010/main">
-        <mc:Choice Requires="a14">
+      <mc:AlternateContent xmlns:mc="http://schemas.openxmlformats.org/markup-compatibility/2006">
+        <mc:Choice xmlns:a14="http://schemas.microsoft.com/office/drawing/2010/main" xmlns="" Requires="a14">
           <p:sp>
             <p:nvSpPr>
               <p:cNvPr id="40" name="TextBox 39"/>
@@ -8557,7 +9158,7 @@
             </p:txBody>
           </p:sp>
         </mc:Choice>
-        <mc:Fallback xmlns="">
+        <mc:Fallback>
           <p:sp>
             <p:nvSpPr>
               <p:cNvPr id="40" name="TextBox 39"/>
@@ -8596,8 +9197,8 @@
           </p:sp>
         </mc:Fallback>
       </mc:AlternateContent>
-      <mc:AlternateContent xmlns:mc="http://schemas.openxmlformats.org/markup-compatibility/2006" xmlns:a14="http://schemas.microsoft.com/office/drawing/2010/main">
-        <mc:Choice Requires="a14">
+      <mc:AlternateContent xmlns:mc="http://schemas.openxmlformats.org/markup-compatibility/2006">
+        <mc:Choice xmlns:a14="http://schemas.microsoft.com/office/drawing/2010/main" xmlns="" Requires="a14">
           <p:sp>
             <p:nvSpPr>
               <p:cNvPr id="41" name="TextBox 40"/>
@@ -8679,7 +9280,7 @@
             </p:txBody>
           </p:sp>
         </mc:Choice>
-        <mc:Fallback xmlns="">
+        <mc:Fallback>
           <p:sp>
             <p:nvSpPr>
               <p:cNvPr id="41" name="TextBox 40"/>
@@ -8718,8 +9319,8 @@
           </p:sp>
         </mc:Fallback>
       </mc:AlternateContent>
-      <mc:AlternateContent xmlns:mc="http://schemas.openxmlformats.org/markup-compatibility/2006" xmlns:a14="http://schemas.microsoft.com/office/drawing/2010/main">
-        <mc:Choice Requires="a14">
+      <mc:AlternateContent xmlns:mc="http://schemas.openxmlformats.org/markup-compatibility/2006">
+        <mc:Choice xmlns:a14="http://schemas.microsoft.com/office/drawing/2010/main" xmlns="" Requires="a14">
           <p:sp>
             <p:nvSpPr>
               <p:cNvPr id="44" name="TextBox 43"/>
@@ -8801,7 +9402,7 @@
             </p:txBody>
           </p:sp>
         </mc:Choice>
-        <mc:Fallback xmlns="">
+        <mc:Fallback>
           <p:sp>
             <p:nvSpPr>
               <p:cNvPr id="44" name="TextBox 43"/>
@@ -8840,8 +9441,8 @@
           </p:sp>
         </mc:Fallback>
       </mc:AlternateContent>
-      <mc:AlternateContent xmlns:mc="http://schemas.openxmlformats.org/markup-compatibility/2006" xmlns:a14="http://schemas.microsoft.com/office/drawing/2010/main">
-        <mc:Choice Requires="a14">
+      <mc:AlternateContent xmlns:mc="http://schemas.openxmlformats.org/markup-compatibility/2006">
+        <mc:Choice xmlns:a14="http://schemas.microsoft.com/office/drawing/2010/main" xmlns="" Requires="a14">
           <p:sp>
             <p:nvSpPr>
               <p:cNvPr id="46" name="TextBox 45"/>
@@ -8904,7 +9505,7 @@
             </p:txBody>
           </p:sp>
         </mc:Choice>
-        <mc:Fallback xmlns="">
+        <mc:Fallback>
           <p:sp>
             <p:nvSpPr>
               <p:cNvPr id="46" name="TextBox 45"/>
@@ -8943,8 +9544,8 @@
           </p:sp>
         </mc:Fallback>
       </mc:AlternateContent>
-      <mc:AlternateContent xmlns:mc="http://schemas.openxmlformats.org/markup-compatibility/2006" xmlns:a14="http://schemas.microsoft.com/office/drawing/2010/main">
-        <mc:Choice Requires="a14">
+      <mc:AlternateContent xmlns:mc="http://schemas.openxmlformats.org/markup-compatibility/2006">
+        <mc:Choice xmlns:a14="http://schemas.microsoft.com/office/drawing/2010/main" xmlns="" Requires="a14">
           <p:sp>
             <p:nvSpPr>
               <p:cNvPr id="6" name="TextBox 5"/>
@@ -9129,7 +9730,7 @@
             </p:txBody>
           </p:sp>
         </mc:Choice>
-        <mc:Fallback xmlns="">
+        <mc:Fallback>
           <p:sp>
             <p:nvSpPr>
               <p:cNvPr id="6" name="TextBox 5"/>
@@ -10076,8 +10677,8 @@
           </a:p>
         </p:txBody>
       </p:sp>
-      <mc:AlternateContent xmlns:mc="http://schemas.openxmlformats.org/markup-compatibility/2006" xmlns:a14="http://schemas.microsoft.com/office/drawing/2010/main">
-        <mc:Choice Requires="a14">
+      <mc:AlternateContent xmlns:mc="http://schemas.openxmlformats.org/markup-compatibility/2006">
+        <mc:Choice xmlns:a14="http://schemas.microsoft.com/office/drawing/2010/main" xmlns="" Requires="a14">
           <p:sp>
             <p:nvSpPr>
               <p:cNvPr id="24" name="TextBox 23"/>
@@ -10171,7 +10772,7 @@
             </p:txBody>
           </p:sp>
         </mc:Choice>
-        <mc:Fallback xmlns="">
+        <mc:Fallback>
           <p:sp>
             <p:nvSpPr>
               <p:cNvPr id="24" name="TextBox 23"/>
@@ -10210,8 +10811,8 @@
           </p:sp>
         </mc:Fallback>
       </mc:AlternateContent>
-      <mc:AlternateContent xmlns:mc="http://schemas.openxmlformats.org/markup-compatibility/2006" xmlns:a14="http://schemas.microsoft.com/office/drawing/2010/main">
-        <mc:Choice Requires="a14">
+      <mc:AlternateContent xmlns:mc="http://schemas.openxmlformats.org/markup-compatibility/2006">
+        <mc:Choice xmlns:a14="http://schemas.microsoft.com/office/drawing/2010/main" xmlns="" Requires="a14">
           <p:sp>
             <p:nvSpPr>
               <p:cNvPr id="41" name="TextBox 40"/>
@@ -10293,7 +10894,7 @@
             </p:txBody>
           </p:sp>
         </mc:Choice>
-        <mc:Fallback xmlns="">
+        <mc:Fallback>
           <p:sp>
             <p:nvSpPr>
               <p:cNvPr id="41" name="TextBox 40"/>
@@ -10332,8 +10933,8 @@
           </p:sp>
         </mc:Fallback>
       </mc:AlternateContent>
-      <mc:AlternateContent xmlns:mc="http://schemas.openxmlformats.org/markup-compatibility/2006" xmlns:a14="http://schemas.microsoft.com/office/drawing/2010/main">
-        <mc:Choice Requires="a14">
+      <mc:AlternateContent xmlns:mc="http://schemas.openxmlformats.org/markup-compatibility/2006">
+        <mc:Choice xmlns:a14="http://schemas.microsoft.com/office/drawing/2010/main" xmlns="" Requires="a14">
           <p:sp>
             <p:nvSpPr>
               <p:cNvPr id="44" name="TextBox 43"/>
@@ -10415,7 +11016,7 @@
             </p:txBody>
           </p:sp>
         </mc:Choice>
-        <mc:Fallback xmlns="">
+        <mc:Fallback>
           <p:sp>
             <p:nvSpPr>
               <p:cNvPr id="44" name="TextBox 43"/>
@@ -10454,8 +11055,8 @@
           </p:sp>
         </mc:Fallback>
       </mc:AlternateContent>
-      <mc:AlternateContent xmlns:mc="http://schemas.openxmlformats.org/markup-compatibility/2006" xmlns:a14="http://schemas.microsoft.com/office/drawing/2010/main">
-        <mc:Choice Requires="a14">
+      <mc:AlternateContent xmlns:mc="http://schemas.openxmlformats.org/markup-compatibility/2006">
+        <mc:Choice xmlns:a14="http://schemas.microsoft.com/office/drawing/2010/main" xmlns="" Requires="a14">
           <p:sp>
             <p:nvSpPr>
               <p:cNvPr id="46" name="TextBox 45"/>
@@ -10518,7 +11119,7 @@
             </p:txBody>
           </p:sp>
         </mc:Choice>
-        <mc:Fallback xmlns="">
+        <mc:Fallback>
           <p:sp>
             <p:nvSpPr>
               <p:cNvPr id="46" name="TextBox 45"/>
@@ -10735,8 +11336,8 @@
           <a:noFill/>
         </p:spPr>
       </p:pic>
-      <mc:AlternateContent xmlns:mc="http://schemas.openxmlformats.org/markup-compatibility/2006" xmlns:a14="http://schemas.microsoft.com/office/drawing/2010/main">
-        <mc:Choice Requires="a14">
+      <mc:AlternateContent xmlns:mc="http://schemas.openxmlformats.org/markup-compatibility/2006">
+        <mc:Choice xmlns:a14="http://schemas.microsoft.com/office/drawing/2010/main" xmlns="" Requires="a14">
           <p:sp>
             <p:nvSpPr>
               <p:cNvPr id="49" name="TextBox 48"/>
@@ -10799,7 +11400,7 @@
             </p:txBody>
           </p:sp>
         </mc:Choice>
-        <mc:Fallback xmlns="">
+        <mc:Fallback>
           <p:sp>
             <p:nvSpPr>
               <p:cNvPr id="49" name="TextBox 48"/>
@@ -10841,7 +11442,7 @@
     </p:spTree>
     <p:extLst>
       <p:ext uri="{BB962C8B-B14F-4D97-AF65-F5344CB8AC3E}">
-        <p14:creationId xmlns:p14="http://schemas.microsoft.com/office/powerpoint/2010/main" val="1611528961"/>
+        <p14:creationId xmlns:p14="http://schemas.microsoft.com/office/powerpoint/2010/main" xmlns="" val="1611528961"/>
       </p:ext>
     </p:extLst>
   </p:cSld>
@@ -11861,7 +12462,7 @@
         </p:txBody>
       </p:sp>
       <mc:AlternateContent xmlns:mc="http://schemas.openxmlformats.org/markup-compatibility/2006">
-        <mc:Choice xmlns:a14="http://schemas.microsoft.com/office/drawing/2010/main" Requires="a14">
+        <mc:Choice xmlns:a14="http://schemas.microsoft.com/office/drawing/2010/main" xmlns="" Requires="a14">
           <p:sp>
             <p:nvSpPr>
               <p:cNvPr id="33" name="TextBox 32"/>
@@ -11961,7 +12562,7 @@
                 <a:avLst/>
               </a:prstGeom>
               <a:blipFill rotWithShape="1">
-                <a:blip r:embed="rId15"/>
+                <a:blip r:embed="rId15" cstate="print"/>
                 <a:stretch>
                   <a:fillRect b="-6154"/>
                 </a:stretch>
@@ -11983,7 +12584,7 @@
         </mc:Fallback>
       </mc:AlternateContent>
       <mc:AlternateContent xmlns:mc="http://schemas.openxmlformats.org/markup-compatibility/2006">
-        <mc:Choice xmlns:a14="http://schemas.microsoft.com/office/drawing/2010/main" Requires="a14">
+        <mc:Choice xmlns:a14="http://schemas.microsoft.com/office/drawing/2010/main" xmlns="" Requires="a14">
           <p:sp>
             <p:nvSpPr>
               <p:cNvPr id="41" name="TextBox 40"/>
@@ -12083,7 +12684,7 @@
                 <a:avLst/>
               </a:prstGeom>
               <a:blipFill rotWithShape="1">
-                <a:blip r:embed="rId16"/>
+                <a:blip r:embed="rId16" cstate="print"/>
                 <a:stretch>
                   <a:fillRect b="-6154"/>
                 </a:stretch>
@@ -12105,7 +12706,7 @@
         </mc:Fallback>
       </mc:AlternateContent>
       <mc:AlternateContent xmlns:mc="http://schemas.openxmlformats.org/markup-compatibility/2006">
-        <mc:Choice xmlns:a14="http://schemas.microsoft.com/office/drawing/2010/main" Requires="a14">
+        <mc:Choice xmlns:a14="http://schemas.microsoft.com/office/drawing/2010/main" xmlns="" Requires="a14">
           <p:sp>
             <p:nvSpPr>
               <p:cNvPr id="50" name="TextBox 49"/>
@@ -12186,7 +12787,7 @@
                 <a:avLst/>
               </a:prstGeom>
               <a:blipFill rotWithShape="1">
-                <a:blip r:embed="rId17"/>
+                <a:blip r:embed="rId17" cstate="print"/>
                 <a:stretch>
                   <a:fillRect b="-8197"/>
                 </a:stretch>
@@ -12208,7 +12809,7 @@
         </mc:Fallback>
       </mc:AlternateContent>
       <mc:AlternateContent xmlns:mc="http://schemas.openxmlformats.org/markup-compatibility/2006">
-        <mc:Choice xmlns:a14="http://schemas.microsoft.com/office/drawing/2010/main" Requires="a14">
+        <mc:Choice xmlns:a14="http://schemas.microsoft.com/office/drawing/2010/main" xmlns="" Requires="a14">
           <p:sp>
             <p:nvSpPr>
               <p:cNvPr id="55" name="TextBox 54"/>
@@ -12289,7 +12890,7 @@
                 <a:avLst/>
               </a:prstGeom>
               <a:blipFill rotWithShape="1">
-                <a:blip r:embed="rId18"/>
+                <a:blip r:embed="rId18" cstate="print"/>
                 <a:stretch>
                   <a:fillRect b="-8197"/>
                 </a:stretch>
@@ -12311,7 +12912,7 @@
         </mc:Fallback>
       </mc:AlternateContent>
       <mc:AlternateContent xmlns:mc="http://schemas.openxmlformats.org/markup-compatibility/2006">
-        <mc:Choice xmlns:a14="http://schemas.microsoft.com/office/drawing/2010/main" Requires="a14">
+        <mc:Choice xmlns:a14="http://schemas.microsoft.com/office/drawing/2010/main" xmlns="" Requires="a14">
           <p:sp>
             <p:nvSpPr>
               <p:cNvPr id="4" name="TextBox 3"/>
@@ -12501,7 +13102,7 @@
                 <a:avLst/>
               </a:prstGeom>
               <a:blipFill rotWithShape="1">
-                <a:blip r:embed="rId19"/>
+                <a:blip r:embed="rId19" cstate="print"/>
                 <a:stretch>
                   <a:fillRect b="-3333"/>
                 </a:stretch>
@@ -12615,7 +13216,7 @@
           <a:blip r:embed="rId4" cstate="print">
             <a:extLst>
               <a:ext uri="{28A0092B-C50C-407E-A947-70E740481C1C}">
-                <a14:useLocalDpi xmlns:a14="http://schemas.microsoft.com/office/drawing/2010/main" val="0"/>
+                <a14:useLocalDpi xmlns:a14="http://schemas.microsoft.com/office/drawing/2010/main" xmlns="" val="0"/>
               </a:ext>
             </a:extLst>
           </a:blip>
@@ -12635,7 +13236,7 @@
           <a:noFill/>
           <a:extLst>
             <a:ext uri="{909E8E84-426E-40DD-AFC4-6F175D3DCCD1}">
-              <a14:hiddenFill xmlns:a14="http://schemas.microsoft.com/office/drawing/2010/main">
+              <a14:hiddenFill xmlns:a14="http://schemas.microsoft.com/office/drawing/2010/main" xmlns="">
                 <a:solidFill>
                   <a:srgbClr val="FFFFFF"/>
                 </a:solidFill>
@@ -13021,7 +13622,7 @@
     </p:spTree>
     <p:extLst>
       <p:ext uri="{BB962C8B-B14F-4D97-AF65-F5344CB8AC3E}">
-        <p14:creationId xmlns:p14="http://schemas.microsoft.com/office/powerpoint/2010/main" val="2914909516"/>
+        <p14:creationId xmlns:p14="http://schemas.microsoft.com/office/powerpoint/2010/main" xmlns="" val="2914909516"/>
       </p:ext>
     </p:extLst>
   </p:cSld>
@@ -13270,7 +13871,7 @@
     </p:spTree>
     <p:extLst>
       <p:ext uri="{BB962C8B-B14F-4D97-AF65-F5344CB8AC3E}">
-        <p14:creationId xmlns:p14="http://schemas.microsoft.com/office/powerpoint/2010/main" val="1074707105"/>
+        <p14:creationId xmlns:p14="http://schemas.microsoft.com/office/powerpoint/2010/main" xmlns="" val="1074707105"/>
       </p:ext>
     </p:extLst>
   </p:cSld>
@@ -13451,7 +14052,7 @@
         </a:xfrm>
       </p:grpSpPr>
       <mc:AlternateContent xmlns:mc="http://schemas.openxmlformats.org/markup-compatibility/2006">
-        <mc:Choice xmlns:a14="http://schemas.microsoft.com/office/drawing/2010/main" Requires="a14">
+        <mc:Choice xmlns:a14="http://schemas.microsoft.com/office/drawing/2010/main" xmlns="" Requires="a14">
           <p:sp>
             <p:nvSpPr>
               <p:cNvPr id="2" name="Content Placeholder 1"/>
@@ -13952,7 +14553,7 @@
             </p:nvSpPr>
             <p:spPr>
               <a:blipFill rotWithShape="1">
-                <a:blip r:embed="rId3"/>
+                <a:blip r:embed="rId3" cstate="print"/>
                 <a:stretch>
                   <a:fillRect t="-1213"/>
                 </a:stretch>
@@ -14029,7 +14630,7 @@
         </a:xfrm>
       </p:grpSpPr>
       <mc:AlternateContent xmlns:mc="http://schemas.openxmlformats.org/markup-compatibility/2006">
-        <mc:Choice xmlns:a14="http://schemas.microsoft.com/office/drawing/2010/main" Requires="a14">
+        <mc:Choice xmlns:a14="http://schemas.microsoft.com/office/drawing/2010/main" xmlns="" Requires="a14">
           <p:sp>
             <p:nvSpPr>
               <p:cNvPr id="2" name="Content Placeholder 1"/>
@@ -14862,7 +15463,7 @@
             </p:nvSpPr>
             <p:spPr>
               <a:blipFill rotWithShape="1">
-                <a:blip r:embed="rId3"/>
+                <a:blip r:embed="rId3" cstate="print"/>
                 <a:stretch>
                   <a:fillRect t="-1213"/>
                 </a:stretch>
@@ -14909,7 +15510,7 @@
     </p:spTree>
     <p:extLst>
       <p:ext uri="{BB962C8B-B14F-4D97-AF65-F5344CB8AC3E}">
-        <p14:creationId xmlns:p14="http://schemas.microsoft.com/office/powerpoint/2010/main" val="913235897"/>
+        <p14:creationId xmlns:p14="http://schemas.microsoft.com/office/powerpoint/2010/main" xmlns="" val="913235897"/>
       </p:ext>
     </p:extLst>
   </p:cSld>
@@ -15275,7 +15876,7 @@
         </p:txBody>
       </p:sp>
       <mc:AlternateContent xmlns:mc="http://schemas.openxmlformats.org/markup-compatibility/2006">
-        <mc:Choice xmlns:a14="http://schemas.microsoft.com/office/drawing/2010/main" Requires="a14">
+        <mc:Choice xmlns:a14="http://schemas.microsoft.com/office/drawing/2010/main" xmlns="" Requires="a14">
           <p:sp>
             <p:nvSpPr>
               <p:cNvPr id="4" name="TextBox 3"/>
@@ -15529,7 +16130,7 @@
                 <a:avLst/>
               </a:prstGeom>
               <a:blipFill rotWithShape="1">
-                <a:blip r:embed="rId4"/>
+                <a:blip r:embed="rId4" cstate="print"/>
                 <a:stretch>
                   <a:fillRect l="-814" t="-1701" r="-509" b="-4422"/>
                 </a:stretch>
@@ -15553,7 +16154,7 @@
     </p:spTree>
     <p:extLst>
       <p:ext uri="{BB962C8B-B14F-4D97-AF65-F5344CB8AC3E}">
-        <p14:creationId xmlns:p14="http://schemas.microsoft.com/office/powerpoint/2010/main" val="241298553"/>
+        <p14:creationId xmlns:p14="http://schemas.microsoft.com/office/powerpoint/2010/main" xmlns="" val="241298553"/>
       </p:ext>
     </p:extLst>
   </p:cSld>
@@ -16355,7 +16956,7 @@
           <a:blip r:embed="rId10" cstate="print">
             <a:extLst>
               <a:ext uri="{28A0092B-C50C-407E-A947-70E740481C1C}">
-                <a14:useLocalDpi xmlns:a14="http://schemas.microsoft.com/office/drawing/2010/main" val="0"/>
+                <a14:useLocalDpi xmlns:a14="http://schemas.microsoft.com/office/drawing/2010/main" xmlns="" val="0"/>
               </a:ext>
             </a:extLst>
           </a:blip>
@@ -16378,14 +16979,14 @@
           </a:ln>
           <a:extLst>
             <a:ext uri="{909E8E84-426E-40DD-AFC4-6F175D3DCCD1}">
-              <a14:hiddenFill xmlns:a14="http://schemas.microsoft.com/office/drawing/2010/main">
+              <a14:hiddenFill xmlns:a14="http://schemas.microsoft.com/office/drawing/2010/main" xmlns="">
                 <a:solidFill>
                   <a:schemeClr val="accent1"/>
                 </a:solidFill>
               </a14:hiddenFill>
             </a:ext>
             <a:ext uri="{91240B29-F687-4F45-9708-019B960494DF}">
-              <a14:hiddenLine xmlns:a14="http://schemas.microsoft.com/office/drawing/2010/main" w="9525">
+              <a14:hiddenLine xmlns:a14="http://schemas.microsoft.com/office/drawing/2010/main" xmlns="" w="9525">
                 <a:solidFill>
                   <a:schemeClr val="tx1"/>
                 </a:solidFill>
